--- a/OpenTelemetry.pptx
+++ b/OpenTelemetry.pptx
@@ -13,17 +13,24 @@
     <p:sldId id="272" r:id="rId7"/>
     <p:sldId id="273" r:id="rId8"/>
     <p:sldId id="274" r:id="rId9"/>
-    <p:sldId id="275" r:id="rId10"/>
-    <p:sldId id="266" r:id="rId11"/>
-    <p:sldId id="265" r:id="rId12"/>
-    <p:sldId id="257" r:id="rId13"/>
-    <p:sldId id="258" r:id="rId14"/>
-    <p:sldId id="259" r:id="rId15"/>
-    <p:sldId id="261" r:id="rId16"/>
-    <p:sldId id="262" r:id="rId17"/>
-    <p:sldId id="264" r:id="rId18"/>
-    <p:sldId id="263" r:id="rId19"/>
-    <p:sldId id="267" r:id="rId20"/>
+    <p:sldId id="266" r:id="rId10"/>
+    <p:sldId id="275" r:id="rId11"/>
+    <p:sldId id="276" r:id="rId12"/>
+    <p:sldId id="277" r:id="rId13"/>
+    <p:sldId id="278" r:id="rId14"/>
+    <p:sldId id="281" r:id="rId15"/>
+    <p:sldId id="279" r:id="rId16"/>
+    <p:sldId id="285" r:id="rId17"/>
+    <p:sldId id="282" r:id="rId18"/>
+    <p:sldId id="283" r:id="rId19"/>
+    <p:sldId id="284" r:id="rId20"/>
+    <p:sldId id="264" r:id="rId21"/>
+    <p:sldId id="263" r:id="rId22"/>
+    <p:sldId id="288" r:id="rId23"/>
+    <p:sldId id="289" r:id="rId24"/>
+    <p:sldId id="290" r:id="rId25"/>
+    <p:sldId id="286" r:id="rId26"/>
+    <p:sldId id="267" r:id="rId27"/>
   </p:sldIdLst>
   <p:sldSz cx="12192000" cy="6858000"/>
   <p:notesSz cx="6858000" cy="9144000"/>
@@ -3957,78 +3964,795 @@
           <a:chExt cx="0" cy="0"/>
         </a:xfrm>
       </p:grpSpPr>
-      <p:pic>
-        <p:nvPicPr>
-          <p:cNvPr id="4098" name="Picture 2" descr="Introduction to Distributed Tracing | Epsagon">
+      <p:sp>
+        <p:nvSpPr>
+          <p:cNvPr id="2" name="Tytuł 1">
             <a:extLst>
               <a:ext uri="{FF2B5EF4-FFF2-40B4-BE49-F238E27FC236}">
-                <a16:creationId xmlns:a16="http://schemas.microsoft.com/office/drawing/2014/main" id="{51656D7D-071C-4CB1-BB49-B8D87F143374}"/>
+                <a16:creationId xmlns:a16="http://schemas.microsoft.com/office/drawing/2014/main" id="{10A5ACF3-CAE3-4559-9B15-9B142550400A}"/>
               </a:ext>
             </a:extLst>
           </p:cNvPr>
-          <p:cNvPicPr>
-            <a:picLocks noChangeAspect="1" noChangeArrowheads="1"/>
-          </p:cNvPicPr>
-          <p:nvPr/>
-        </p:nvPicPr>
-        <p:blipFill>
-          <a:blip r:embed="rId2">
+          <p:cNvSpPr>
+            <a:spLocks noGrp="1"/>
+          </p:cNvSpPr>
+          <p:nvPr>
+            <p:ph type="title"/>
+          </p:nvPr>
+        </p:nvSpPr>
+        <p:spPr/>
+        <p:txBody>
+          <a:bodyPr/>
+          <a:lstStyle/>
+          <a:p>
+            <a:r>
+              <a:rPr lang="en-GB" dirty="0"/>
+              <a:t>Pillars</a:t>
+            </a:r>
+            <a:r>
+              <a:rPr lang="pl-PL" dirty="0"/>
+              <a:t> of system </a:t>
+            </a:r>
+            <a:r>
+              <a:rPr lang="pl-PL" dirty="0" err="1">
+                <a:solidFill>
+                  <a:srgbClr val="425CC7"/>
+                </a:solidFill>
+              </a:rPr>
+              <a:t>observability</a:t>
+            </a:r>
+            <a:endParaRPr lang="en-GB" dirty="0">
+              <a:solidFill>
+                <a:srgbClr val="425CC7"/>
+              </a:solidFill>
+            </a:endParaRPr>
+          </a:p>
+        </p:txBody>
+      </p:sp>
+      <p:sp>
+        <p:nvSpPr>
+          <p:cNvPr id="3" name="Symbol zastępczy zawartości 2">
             <a:extLst>
-              <a:ext uri="{28A0092B-C50C-407E-A947-70E740481C1C}">
-                <a14:useLocalDpi xmlns:a14="http://schemas.microsoft.com/office/drawing/2010/main" val="0"/>
+              <a:ext uri="{FF2B5EF4-FFF2-40B4-BE49-F238E27FC236}">
+                <a16:creationId xmlns:a16="http://schemas.microsoft.com/office/drawing/2014/main" id="{7D75D931-3DF1-4DB8-8145-B0B3726F6ECC}"/>
               </a:ext>
             </a:extLst>
-          </a:blip>
-          <a:srcRect/>
-          <a:stretch>
-            <a:fillRect/>
-          </a:stretch>
-        </p:blipFill>
-        <p:spPr bwMode="auto">
+          </p:cNvPr>
+          <p:cNvSpPr>
+            <a:spLocks noGrp="1"/>
+          </p:cNvSpPr>
+          <p:nvPr>
+            <p:ph idx="1"/>
+          </p:nvPr>
+        </p:nvSpPr>
+        <p:spPr/>
+        <p:txBody>
+          <a:bodyPr>
+            <a:normAutofit/>
+          </a:bodyPr>
+          <a:lstStyle/>
+          <a:p>
+            <a:pPr algn="just"/>
+            <a:r>
+              <a:rPr lang="pl-PL" dirty="0" err="1">
+                <a:solidFill>
+                  <a:srgbClr val="425CC7"/>
+                </a:solidFill>
+              </a:rPr>
+              <a:t>Logs</a:t>
+            </a:r>
+            <a:r>
+              <a:rPr lang="pl-PL" dirty="0">
+                <a:solidFill>
+                  <a:srgbClr val="425CC7"/>
+                </a:solidFill>
+              </a:rPr>
+              <a:t>, </a:t>
+            </a:r>
+            <a:r>
+              <a:rPr lang="pl-PL" dirty="0" err="1">
+                <a:solidFill>
+                  <a:srgbClr val="425CC7"/>
+                </a:solidFill>
+              </a:rPr>
+              <a:t>metrics</a:t>
+            </a:r>
+            <a:r>
+              <a:rPr lang="pl-PL" dirty="0">
+                <a:solidFill>
+                  <a:srgbClr val="425CC7"/>
+                </a:solidFill>
+              </a:rPr>
+              <a:t> and </a:t>
+            </a:r>
+            <a:r>
+              <a:rPr lang="pl-PL" dirty="0" err="1">
+                <a:solidFill>
+                  <a:srgbClr val="425CC7"/>
+                </a:solidFill>
+              </a:rPr>
+              <a:t>traces</a:t>
+            </a:r>
+            <a:r>
+              <a:rPr lang="pl-PL" dirty="0">
+                <a:solidFill>
+                  <a:srgbClr val="425CC7"/>
+                </a:solidFill>
+              </a:rPr>
+              <a:t> </a:t>
+            </a:r>
+            <a:r>
+              <a:rPr lang="pl-PL" dirty="0" err="1">
+                <a:solidFill>
+                  <a:schemeClr val="tx2"/>
+                </a:solidFill>
+              </a:rPr>
+              <a:t>serve</a:t>
+            </a:r>
+            <a:r>
+              <a:rPr lang="pl-PL" dirty="0">
+                <a:solidFill>
+                  <a:schemeClr val="tx2"/>
+                </a:solidFill>
+              </a:rPr>
+              <a:t> </a:t>
+            </a:r>
+            <a:r>
+              <a:rPr lang="pl-PL" dirty="0" err="1">
+                <a:solidFill>
+                  <a:schemeClr val="tx2"/>
+                </a:solidFill>
+              </a:rPr>
+              <a:t>their</a:t>
+            </a:r>
+            <a:r>
+              <a:rPr lang="pl-PL" dirty="0">
+                <a:solidFill>
+                  <a:schemeClr val="tx2"/>
+                </a:solidFill>
+              </a:rPr>
+              <a:t> </a:t>
+            </a:r>
+            <a:r>
+              <a:rPr lang="pl-PL" dirty="0" err="1">
+                <a:solidFill>
+                  <a:schemeClr val="tx2"/>
+                </a:solidFill>
+              </a:rPr>
+              <a:t>own</a:t>
+            </a:r>
+            <a:r>
+              <a:rPr lang="pl-PL" dirty="0">
+                <a:solidFill>
+                  <a:schemeClr val="tx2"/>
+                </a:solidFill>
+              </a:rPr>
+              <a:t> </a:t>
+            </a:r>
+            <a:r>
+              <a:rPr lang="pl-PL" dirty="0" err="1">
+                <a:solidFill>
+                  <a:schemeClr val="tx2"/>
+                </a:solidFill>
+              </a:rPr>
+              <a:t>unique</a:t>
+            </a:r>
+            <a:r>
+              <a:rPr lang="pl-PL" dirty="0">
+                <a:solidFill>
+                  <a:schemeClr val="tx2"/>
+                </a:solidFill>
+              </a:rPr>
+              <a:t> </a:t>
+            </a:r>
+            <a:r>
+              <a:rPr lang="pl-PL" dirty="0" err="1">
+                <a:solidFill>
+                  <a:schemeClr val="tx2"/>
+                </a:solidFill>
+              </a:rPr>
+              <a:t>purpose</a:t>
+            </a:r>
+            <a:r>
+              <a:rPr lang="pl-PL" dirty="0">
+                <a:solidFill>
+                  <a:schemeClr val="tx2"/>
+                </a:solidFill>
+              </a:rPr>
+              <a:t>, </a:t>
+            </a:r>
+            <a:r>
+              <a:rPr lang="pl-PL" dirty="0" err="1">
+                <a:solidFill>
+                  <a:schemeClr val="tx2"/>
+                </a:solidFill>
+              </a:rPr>
+              <a:t>however</a:t>
+            </a:r>
+            <a:r>
+              <a:rPr lang="pl-PL" dirty="0">
+                <a:solidFill>
+                  <a:schemeClr val="tx2"/>
+                </a:solidFill>
+              </a:rPr>
+              <a:t> </a:t>
+            </a:r>
+            <a:r>
+              <a:rPr lang="pl-PL" dirty="0" err="1">
+                <a:solidFill>
+                  <a:schemeClr val="tx2"/>
+                </a:solidFill>
+              </a:rPr>
+              <a:t>together</a:t>
+            </a:r>
+            <a:r>
+              <a:rPr lang="pl-PL" dirty="0">
+                <a:solidFill>
+                  <a:schemeClr val="tx2"/>
+                </a:solidFill>
+              </a:rPr>
+              <a:t> </a:t>
+            </a:r>
+            <a:r>
+              <a:rPr lang="pl-PL" dirty="0" err="1">
+                <a:solidFill>
+                  <a:schemeClr val="tx2"/>
+                </a:solidFill>
+              </a:rPr>
+              <a:t>they</a:t>
+            </a:r>
+            <a:r>
+              <a:rPr lang="pl-PL" dirty="0">
+                <a:solidFill>
+                  <a:schemeClr val="tx2"/>
+                </a:solidFill>
+              </a:rPr>
+              <a:t> </a:t>
+            </a:r>
+            <a:r>
+              <a:rPr lang="pl-PL" dirty="0" err="1">
+                <a:solidFill>
+                  <a:schemeClr val="tx2"/>
+                </a:solidFill>
+              </a:rPr>
+              <a:t>help</a:t>
+            </a:r>
+            <a:r>
+              <a:rPr lang="pl-PL" dirty="0">
+                <a:solidFill>
+                  <a:schemeClr val="tx2"/>
+                </a:solidFill>
+              </a:rPr>
+              <a:t> to </a:t>
+            </a:r>
+            <a:r>
+              <a:rPr lang="pl-PL" dirty="0" err="1">
+                <a:solidFill>
+                  <a:schemeClr val="tx2"/>
+                </a:solidFill>
+              </a:rPr>
+              <a:t>build</a:t>
+            </a:r>
+            <a:r>
+              <a:rPr lang="pl-PL" dirty="0">
+                <a:solidFill>
+                  <a:schemeClr val="tx2"/>
+                </a:solidFill>
+              </a:rPr>
+              <a:t> and </a:t>
+            </a:r>
+            <a:r>
+              <a:rPr lang="pl-PL" dirty="0" err="1">
+                <a:solidFill>
+                  <a:schemeClr val="tx2"/>
+                </a:solidFill>
+              </a:rPr>
+              <a:t>maintain</a:t>
+            </a:r>
+            <a:r>
+              <a:rPr lang="pl-PL" dirty="0">
+                <a:solidFill>
+                  <a:schemeClr val="tx2"/>
+                </a:solidFill>
+              </a:rPr>
+              <a:t> </a:t>
+            </a:r>
+            <a:r>
+              <a:rPr lang="pl-PL" dirty="0" err="1">
+                <a:solidFill>
+                  <a:schemeClr val="tx2"/>
+                </a:solidFill>
+              </a:rPr>
+              <a:t>reliable</a:t>
+            </a:r>
+            <a:r>
+              <a:rPr lang="pl-PL" dirty="0">
+                <a:solidFill>
+                  <a:schemeClr val="tx2"/>
+                </a:solidFill>
+              </a:rPr>
+              <a:t> </a:t>
+            </a:r>
+            <a:r>
+              <a:rPr lang="pl-PL" dirty="0" err="1">
+                <a:solidFill>
+                  <a:schemeClr val="tx2"/>
+                </a:solidFill>
+              </a:rPr>
+              <a:t>applications</a:t>
+            </a:r>
+            <a:r>
+              <a:rPr lang="pl-PL" dirty="0">
+                <a:solidFill>
+                  <a:schemeClr val="tx2"/>
+                </a:solidFill>
+              </a:rPr>
+              <a:t> and </a:t>
+            </a:r>
+            <a:r>
+              <a:rPr lang="pl-PL" dirty="0" err="1">
+                <a:solidFill>
+                  <a:schemeClr val="tx2"/>
+                </a:solidFill>
+              </a:rPr>
+              <a:t>systems</a:t>
+            </a:r>
+            <a:r>
+              <a:rPr lang="pl-PL" dirty="0">
+                <a:solidFill>
+                  <a:schemeClr val="tx2"/>
+                </a:solidFill>
+              </a:rPr>
+              <a:t>.</a:t>
+            </a:r>
+          </a:p>
+          <a:p>
+            <a:pPr algn="just"/>
+            <a:endParaRPr lang="pl-PL" dirty="0">
+              <a:solidFill>
+                <a:schemeClr val="tx2"/>
+              </a:solidFill>
+            </a:endParaRPr>
+          </a:p>
+          <a:p>
+            <a:pPr algn="just"/>
+            <a:r>
+              <a:rPr lang="pl-PL" dirty="0" err="1">
+                <a:solidFill>
+                  <a:schemeClr val="tx2"/>
+                </a:solidFill>
+              </a:rPr>
+              <a:t>They</a:t>
+            </a:r>
+            <a:r>
+              <a:rPr lang="pl-PL" dirty="0">
+                <a:solidFill>
+                  <a:schemeClr val="tx2"/>
+                </a:solidFill>
+              </a:rPr>
+              <a:t> </a:t>
+            </a:r>
+            <a:r>
+              <a:rPr lang="pl-PL" dirty="0" err="1">
+                <a:solidFill>
+                  <a:schemeClr val="tx2"/>
+                </a:solidFill>
+              </a:rPr>
+              <a:t>all</a:t>
+            </a:r>
+            <a:r>
+              <a:rPr lang="pl-PL" dirty="0">
+                <a:solidFill>
+                  <a:schemeClr val="tx2"/>
+                </a:solidFill>
+              </a:rPr>
+              <a:t> </a:t>
+            </a:r>
+            <a:r>
+              <a:rPr lang="pl-PL" dirty="0" err="1">
+                <a:solidFill>
+                  <a:schemeClr val="tx2"/>
+                </a:solidFill>
+              </a:rPr>
+              <a:t>work</a:t>
+            </a:r>
+            <a:r>
+              <a:rPr lang="pl-PL" dirty="0">
+                <a:solidFill>
+                  <a:schemeClr val="tx2"/>
+                </a:solidFill>
+              </a:rPr>
+              <a:t> </a:t>
+            </a:r>
+            <a:r>
+              <a:rPr lang="pl-PL" dirty="0" err="1">
+                <a:solidFill>
+                  <a:schemeClr val="tx2"/>
+                </a:solidFill>
+              </a:rPr>
+              <a:t>together</a:t>
+            </a:r>
+            <a:r>
+              <a:rPr lang="pl-PL" dirty="0">
+                <a:solidFill>
+                  <a:schemeClr val="tx2"/>
+                </a:solidFill>
+              </a:rPr>
+              <a:t> to </a:t>
+            </a:r>
+            <a:r>
+              <a:rPr lang="pl-PL" dirty="0" err="1">
+                <a:solidFill>
+                  <a:schemeClr val="tx2"/>
+                </a:solidFill>
+              </a:rPr>
+              <a:t>help</a:t>
+            </a:r>
+            <a:r>
+              <a:rPr lang="pl-PL" dirty="0">
+                <a:solidFill>
+                  <a:schemeClr val="tx2"/>
+                </a:solidFill>
+              </a:rPr>
+              <a:t> </a:t>
+            </a:r>
+            <a:r>
+              <a:rPr lang="pl-PL" dirty="0" err="1">
+                <a:solidFill>
+                  <a:schemeClr val="tx2"/>
+                </a:solidFill>
+              </a:rPr>
+              <a:t>us</a:t>
+            </a:r>
+            <a:r>
+              <a:rPr lang="pl-PL" dirty="0">
+                <a:solidFill>
+                  <a:schemeClr val="tx2"/>
+                </a:solidFill>
+              </a:rPr>
+              <a:t> </a:t>
+            </a:r>
+            <a:r>
+              <a:rPr lang="pl-PL" dirty="0" err="1">
+                <a:solidFill>
+                  <a:schemeClr val="tx2"/>
+                </a:solidFill>
+              </a:rPr>
+              <a:t>understand</a:t>
+            </a:r>
+            <a:r>
+              <a:rPr lang="pl-PL" dirty="0">
+                <a:solidFill>
+                  <a:schemeClr val="tx2"/>
+                </a:solidFill>
+              </a:rPr>
+              <a:t> </a:t>
+            </a:r>
+            <a:r>
+              <a:rPr lang="pl-PL" dirty="0" err="1">
+                <a:solidFill>
+                  <a:schemeClr val="tx2"/>
+                </a:solidFill>
+              </a:rPr>
+              <a:t>overall</a:t>
+            </a:r>
+            <a:r>
+              <a:rPr lang="pl-PL" dirty="0">
+                <a:solidFill>
+                  <a:schemeClr val="tx2"/>
+                </a:solidFill>
+              </a:rPr>
+              <a:t> performance of the </a:t>
+            </a:r>
+            <a:r>
+              <a:rPr lang="pl-PL" dirty="0" err="1">
+                <a:solidFill>
+                  <a:schemeClr val="tx2"/>
+                </a:solidFill>
+              </a:rPr>
+              <a:t>app</a:t>
+            </a:r>
+            <a:r>
+              <a:rPr lang="pl-PL" dirty="0">
+                <a:solidFill>
+                  <a:schemeClr val="tx2"/>
+                </a:solidFill>
+              </a:rPr>
+              <a:t>, monitor </a:t>
+            </a:r>
+            <a:r>
+              <a:rPr lang="pl-PL" dirty="0" err="1">
+                <a:solidFill>
+                  <a:schemeClr val="tx2"/>
+                </a:solidFill>
+              </a:rPr>
+              <a:t>flows</a:t>
+            </a:r>
+            <a:r>
+              <a:rPr lang="pl-PL" dirty="0">
+                <a:solidFill>
+                  <a:schemeClr val="tx2"/>
+                </a:solidFill>
+              </a:rPr>
+              <a:t> and </a:t>
+            </a:r>
+            <a:r>
+              <a:rPr lang="pl-PL" dirty="0" err="1">
+                <a:solidFill>
+                  <a:schemeClr val="tx2"/>
+                </a:solidFill>
+              </a:rPr>
+              <a:t>behaviours</a:t>
+            </a:r>
+            <a:r>
+              <a:rPr lang="pl-PL" dirty="0">
+                <a:solidFill>
+                  <a:schemeClr val="tx2"/>
+                </a:solidFill>
+              </a:rPr>
+              <a:t> in the </a:t>
+            </a:r>
+            <a:r>
+              <a:rPr lang="pl-PL" dirty="0" err="1">
+                <a:solidFill>
+                  <a:schemeClr val="tx2"/>
+                </a:solidFill>
+              </a:rPr>
+              <a:t>distributed</a:t>
+            </a:r>
+            <a:r>
+              <a:rPr lang="pl-PL" dirty="0">
+                <a:solidFill>
+                  <a:schemeClr val="tx2"/>
+                </a:solidFill>
+              </a:rPr>
+              <a:t> </a:t>
+            </a:r>
+            <a:r>
+              <a:rPr lang="pl-PL" dirty="0" err="1">
+                <a:solidFill>
+                  <a:schemeClr val="tx2"/>
+                </a:solidFill>
+              </a:rPr>
+              <a:t>systems</a:t>
+            </a:r>
+            <a:r>
+              <a:rPr lang="pl-PL" dirty="0">
+                <a:solidFill>
+                  <a:schemeClr val="tx2"/>
+                </a:solidFill>
+              </a:rPr>
+              <a:t>.</a:t>
+            </a:r>
+          </a:p>
+          <a:p>
+            <a:pPr algn="just"/>
+            <a:endParaRPr lang="pl-PL" dirty="0">
+              <a:solidFill>
+                <a:schemeClr val="tx2"/>
+              </a:solidFill>
+            </a:endParaRPr>
+          </a:p>
+          <a:p>
+            <a:pPr algn="just"/>
+            <a:r>
+              <a:rPr lang="pl-PL" dirty="0" err="1">
+                <a:solidFill>
+                  <a:schemeClr val="tx2"/>
+                </a:solidFill>
+              </a:rPr>
+              <a:t>Because</a:t>
+            </a:r>
+            <a:r>
+              <a:rPr lang="pl-PL" dirty="0">
+                <a:solidFill>
+                  <a:schemeClr val="tx2"/>
+                </a:solidFill>
+              </a:rPr>
+              <a:t> of </a:t>
+            </a:r>
+            <a:r>
+              <a:rPr lang="pl-PL" dirty="0" err="1">
+                <a:solidFill>
+                  <a:schemeClr val="tx2"/>
+                </a:solidFill>
+              </a:rPr>
+              <a:t>that</a:t>
+            </a:r>
+            <a:r>
+              <a:rPr lang="pl-PL" dirty="0">
+                <a:solidFill>
+                  <a:schemeClr val="tx2"/>
+                </a:solidFill>
+              </a:rPr>
+              <a:t>, </a:t>
+            </a:r>
+            <a:r>
+              <a:rPr lang="pl-PL" dirty="0" err="1">
+                <a:solidFill>
+                  <a:schemeClr val="tx2"/>
+                </a:solidFill>
+              </a:rPr>
+              <a:t>they</a:t>
+            </a:r>
+            <a:r>
+              <a:rPr lang="pl-PL" dirty="0">
+                <a:solidFill>
+                  <a:schemeClr val="tx2"/>
+                </a:solidFill>
+              </a:rPr>
+              <a:t> </a:t>
+            </a:r>
+            <a:r>
+              <a:rPr lang="pl-PL" dirty="0" err="1">
+                <a:solidFill>
+                  <a:schemeClr val="tx2"/>
+                </a:solidFill>
+              </a:rPr>
+              <a:t>are</a:t>
+            </a:r>
+            <a:r>
+              <a:rPr lang="pl-PL" dirty="0">
+                <a:solidFill>
+                  <a:schemeClr val="tx2"/>
+                </a:solidFill>
+              </a:rPr>
+              <a:t> </a:t>
+            </a:r>
+            <a:r>
+              <a:rPr lang="pl-PL" dirty="0" err="1">
+                <a:solidFill>
+                  <a:schemeClr val="tx2"/>
+                </a:solidFill>
+              </a:rPr>
+              <a:t>perfectly</a:t>
+            </a:r>
+            <a:r>
+              <a:rPr lang="pl-PL" dirty="0">
+                <a:solidFill>
+                  <a:schemeClr val="tx2"/>
+                </a:solidFill>
+              </a:rPr>
+              <a:t> </a:t>
+            </a:r>
+            <a:r>
+              <a:rPr lang="pl-PL" dirty="0" err="1">
+                <a:solidFill>
+                  <a:schemeClr val="tx2"/>
+                </a:solidFill>
+              </a:rPr>
+              <a:t>suited</a:t>
+            </a:r>
+            <a:r>
+              <a:rPr lang="pl-PL" dirty="0">
+                <a:solidFill>
+                  <a:schemeClr val="tx2"/>
+                </a:solidFill>
+              </a:rPr>
+              <a:t> for </a:t>
+            </a:r>
+            <a:r>
+              <a:rPr lang="pl-PL" dirty="0" err="1">
+                <a:solidFill>
+                  <a:schemeClr val="tx2"/>
+                </a:solidFill>
+              </a:rPr>
+              <a:t>application</a:t>
+            </a:r>
+            <a:r>
+              <a:rPr lang="pl-PL" dirty="0">
+                <a:solidFill>
+                  <a:schemeClr val="tx2"/>
+                </a:solidFill>
+              </a:rPr>
+              <a:t> </a:t>
+            </a:r>
+            <a:r>
+              <a:rPr lang="pl-PL" dirty="0" err="1">
+                <a:solidFill>
+                  <a:schemeClr val="tx2"/>
+                </a:solidFill>
+              </a:rPr>
+              <a:t>based</a:t>
+            </a:r>
+            <a:r>
+              <a:rPr lang="pl-PL" dirty="0">
+                <a:solidFill>
+                  <a:schemeClr val="tx2"/>
+                </a:solidFill>
+              </a:rPr>
+              <a:t> on </a:t>
+            </a:r>
+            <a:r>
+              <a:rPr lang="pl-PL" dirty="0" err="1">
+                <a:solidFill>
+                  <a:schemeClr val="tx2"/>
+                </a:solidFill>
+              </a:rPr>
+              <a:t>microservice</a:t>
+            </a:r>
+            <a:r>
+              <a:rPr lang="pl-PL" dirty="0">
+                <a:solidFill>
+                  <a:schemeClr val="tx2"/>
+                </a:solidFill>
+              </a:rPr>
+              <a:t> </a:t>
+            </a:r>
+            <a:r>
+              <a:rPr lang="en-GB" dirty="0">
+                <a:solidFill>
+                  <a:schemeClr val="tx2"/>
+                </a:solidFill>
+              </a:rPr>
+              <a:t>However, not forgetting that even a single monolith can benefit from implementing such analytics.</a:t>
+            </a:r>
+            <a:r>
+              <a:rPr lang="pl-PL" dirty="0">
+                <a:solidFill>
+                  <a:schemeClr val="tx2"/>
+                </a:solidFill>
+              </a:rPr>
+              <a:t>s.</a:t>
+            </a:r>
+          </a:p>
+        </p:txBody>
+      </p:sp>
+      <p:sp>
+        <p:nvSpPr>
+          <p:cNvPr id="4" name="Prostokąt 3">
+            <a:extLst>
+              <a:ext uri="{FF2B5EF4-FFF2-40B4-BE49-F238E27FC236}">
+                <a16:creationId xmlns:a16="http://schemas.microsoft.com/office/drawing/2014/main" id="{C1A073CE-8D80-4162-9CFB-190731B882BB}"/>
+              </a:ext>
+            </a:extLst>
+          </p:cNvPr>
+          <p:cNvSpPr/>
+          <p:nvPr/>
+        </p:nvSpPr>
+        <p:spPr>
           <a:xfrm>
-            <a:off x="0" y="48422"/>
-            <a:ext cx="12326708" cy="6924070"/>
+            <a:off x="10531138" y="6466361"/>
+            <a:ext cx="1558825" cy="369332"/>
           </a:xfrm>
-          <a:prstGeom prst="snip2DiagRect">
+          <a:prstGeom prst="rect">
             <a:avLst/>
           </a:prstGeom>
-          <a:solidFill>
-            <a:srgbClr val="FFFFFF">
-              <a:shade val="85000"/>
-            </a:srgbClr>
-          </a:solidFill>
-          <a:ln w="88900" cap="sq">
-            <a:solidFill>
-              <a:srgbClr val="FFFFFF"/>
-            </a:solidFill>
-            <a:miter lim="800000"/>
-          </a:ln>
-          <a:effectLst>
-            <a:outerShdw blurRad="88900" algn="tl" rotWithShape="0">
-              <a:srgbClr val="000000">
-                <a:alpha val="45000"/>
-              </a:srgbClr>
-            </a:outerShdw>
-          </a:effectLst>
-          <a:scene3d>
-            <a:camera prst="orthographicFront"/>
-            <a:lightRig rig="twoPt" dir="t">
-              <a:rot lat="0" lon="0" rev="7200000"/>
-            </a:lightRig>
-          </a:scene3d>
-          <a:sp3d>
-            <a:bevelT w="25400" h="19050"/>
-            <a:contourClr>
-              <a:srgbClr val="FFFFFF"/>
-            </a:contourClr>
-          </a:sp3d>
-          <a:extLst/>
         </p:spPr>
-      </p:pic>
+        <p:txBody>
+          <a:bodyPr wrap="none">
+            <a:spAutoFit/>
+          </a:bodyPr>
+          <a:lstStyle/>
+          <a:p>
+            <a:r>
+              <a:rPr lang="pl-PL" dirty="0">
+                <a:solidFill>
+                  <a:schemeClr val="bg1"/>
+                </a:solidFill>
+              </a:rPr>
+              <a:t>@</a:t>
+            </a:r>
+            <a:r>
+              <a:rPr lang="pl-PL" dirty="0" err="1">
+                <a:solidFill>
+                  <a:schemeClr val="bg1"/>
+                </a:solidFill>
+              </a:rPr>
+              <a:t>lukaszpyrzyk</a:t>
+            </a:r>
+            <a:endParaRPr lang="en-GB" dirty="0">
+              <a:solidFill>
+                <a:schemeClr val="bg1"/>
+              </a:solidFill>
+            </a:endParaRPr>
+          </a:p>
+        </p:txBody>
+      </p:sp>
     </p:spTree>
     <p:extLst>
       <p:ext uri="{BB962C8B-B14F-4D97-AF65-F5344CB8AC3E}">
-        <p14:creationId xmlns:p14="http://schemas.microsoft.com/office/powerpoint/2010/main" val="2665968061"/>
+        <p14:creationId xmlns:p14="http://schemas.microsoft.com/office/powerpoint/2010/main" val="1813077107"/>
       </p:ext>
     </p:extLst>
   </p:cSld>
@@ -4060,7 +4784,7 @@
           <p:cNvPr id="2" name="Tytuł 1">
             <a:extLst>
               <a:ext uri="{FF2B5EF4-FFF2-40B4-BE49-F238E27FC236}">
-                <a16:creationId xmlns:a16="http://schemas.microsoft.com/office/drawing/2014/main" id="{72F63BF8-ACC8-4FC5-A048-0AFA9212827D}"/>
+                <a16:creationId xmlns:a16="http://schemas.microsoft.com/office/drawing/2014/main" id="{FF311FA3-93F1-4DC2-9EA1-F297D189ACA7}"/>
               </a:ext>
             </a:extLst>
           </p:cNvPr>
@@ -4076,7 +4800,35 @@
           <a:bodyPr/>
           <a:lstStyle/>
           <a:p>
-            <a:endParaRPr lang="en-GB"/>
+            <a:r>
+              <a:rPr lang="pl-PL" dirty="0" err="1"/>
+              <a:t>History</a:t>
+            </a:r>
+            <a:r>
+              <a:rPr lang="pl-PL" dirty="0"/>
+              <a:t> of </a:t>
+            </a:r>
+            <a:r>
+              <a:rPr lang="pl-PL" dirty="0" err="1">
+                <a:solidFill>
+                  <a:srgbClr val="FFC000"/>
+                </a:solidFill>
+              </a:rPr>
+              <a:t>Open</a:t>
+            </a:r>
+            <a:r>
+              <a:rPr lang="pl-PL" dirty="0" err="1">
+                <a:solidFill>
+                  <a:srgbClr val="425CC7"/>
+                </a:solidFill>
+              </a:rPr>
+              <a:t>Telemetry</a:t>
+            </a:r>
+            <a:r>
+              <a:rPr lang="pl-PL" dirty="0"/>
+              <a:t>	</a:t>
+            </a:r>
+            <a:endParaRPr lang="en-GB" dirty="0"/>
           </a:p>
         </p:txBody>
       </p:sp>
@@ -4085,7 +4837,7 @@
           <p:cNvPr id="3" name="Symbol zastępczy zawartości 2">
             <a:extLst>
               <a:ext uri="{FF2B5EF4-FFF2-40B4-BE49-F238E27FC236}">
-                <a16:creationId xmlns:a16="http://schemas.microsoft.com/office/drawing/2014/main" id="{F12891B1-8502-4586-84A3-F30F11487682}"/>
+                <a16:creationId xmlns:a16="http://schemas.microsoft.com/office/drawing/2014/main" id="{7EF4003B-2662-4313-92B3-2AC079538360}"/>
               </a:ext>
             </a:extLst>
           </p:cNvPr>
@@ -4096,226 +4848,361 @@
             <p:ph idx="1"/>
           </p:nvPr>
         </p:nvSpPr>
-        <p:spPr>
-          <a:xfrm>
-            <a:off x="1188054" y="2611775"/>
-            <a:ext cx="8825659" cy="3416300"/>
-          </a:xfrm>
-        </p:spPr>
+        <p:spPr/>
         <p:txBody>
           <a:bodyPr>
-            <a:normAutofit fontScale="92500" lnSpcReduction="10000"/>
+            <a:normAutofit/>
           </a:bodyPr>
           <a:lstStyle/>
           <a:p>
-            <a:pPr marL="0" indent="0" algn="ctr">
-              <a:buNone/>
-            </a:pPr>
-            <a:r>
-              <a:rPr lang="en-GB" sz="3200" dirty="0" err="1"/>
+            <a:pPr algn="just"/>
+            <a:r>
+              <a:rPr lang="pl-PL" dirty="0" err="1"/>
+              <a:t>October</a:t>
+            </a:r>
+            <a:r>
+              <a:rPr lang="pl-PL" dirty="0"/>
+              <a:t> 2016 – </a:t>
+            </a:r>
+            <a:r>
+              <a:rPr lang="pl-PL" dirty="0" err="1">
+                <a:solidFill>
+                  <a:srgbClr val="425CC7"/>
+                </a:solidFill>
+              </a:rPr>
               <a:t>OpenTracing</a:t>
             </a:r>
+            <a:r>
+              <a:rPr lang="pl-PL" b="1" dirty="0"/>
+              <a:t> </a:t>
+            </a:r>
+            <a:r>
+              <a:rPr lang="pl-PL" dirty="0" err="1"/>
+              <a:t>is</a:t>
+            </a:r>
+            <a:r>
+              <a:rPr lang="pl-PL" dirty="0"/>
+              <a:t> </a:t>
+            </a:r>
+            <a:r>
+              <a:rPr lang="pl-PL" dirty="0" err="1"/>
+              <a:t>released</a:t>
+            </a:r>
+            <a:r>
+              <a:rPr lang="pl-PL" dirty="0"/>
+              <a:t> to the market </a:t>
+            </a:r>
+            <a:r>
+              <a:rPr lang="pl-PL" dirty="0" err="1"/>
+              <a:t>under</a:t>
+            </a:r>
+            <a:r>
+              <a:rPr lang="pl-PL" dirty="0"/>
+              <a:t> </a:t>
+            </a:r>
+            <a:r>
+              <a:rPr lang="pl-PL" dirty="0" err="1"/>
+              <a:t>Cloud</a:t>
+            </a:r>
+            <a:r>
+              <a:rPr lang="pl-PL" dirty="0"/>
+              <a:t> Native Computing Foundation. It </a:t>
+            </a:r>
+            <a:r>
+              <a:rPr lang="pl-PL" dirty="0" err="1"/>
+              <a:t>brings</a:t>
+            </a:r>
+            <a:r>
+              <a:rPr lang="pl-PL" dirty="0"/>
+              <a:t> open </a:t>
+            </a:r>
+            <a:r>
+              <a:rPr lang="pl-PL" dirty="0" err="1"/>
+              <a:t>source</a:t>
+            </a:r>
+            <a:r>
+              <a:rPr lang="pl-PL" dirty="0"/>
+              <a:t> </a:t>
+            </a:r>
+            <a:r>
+              <a:rPr lang="pl-PL" dirty="0" err="1"/>
+              <a:t>APIs</a:t>
+            </a:r>
+            <a:r>
+              <a:rPr lang="pl-PL" dirty="0"/>
+              <a:t>, </a:t>
+            </a:r>
+            <a:r>
+              <a:rPr lang="pl-PL" dirty="0" err="1"/>
+              <a:t>libraries</a:t>
+            </a:r>
+            <a:r>
+              <a:rPr lang="pl-PL" dirty="0"/>
+              <a:t> and a platform-</a:t>
+            </a:r>
+            <a:r>
+              <a:rPr lang="pl-PL" dirty="0" err="1"/>
+              <a:t>agnostic</a:t>
+            </a:r>
+            <a:r>
+              <a:rPr lang="pl-PL" dirty="0"/>
+              <a:t> </a:t>
+            </a:r>
+            <a:r>
+              <a:rPr lang="pl-PL" dirty="0" err="1"/>
+              <a:t>schema</a:t>
+            </a:r>
+            <a:r>
+              <a:rPr lang="pl-PL" dirty="0"/>
+              <a:t> for </a:t>
+            </a:r>
+            <a:r>
+              <a:rPr lang="pl-PL" dirty="0" err="1"/>
+              <a:t>distributed</a:t>
+            </a:r>
+            <a:r>
+              <a:rPr lang="pl-PL" dirty="0"/>
+              <a:t> </a:t>
+            </a:r>
+            <a:r>
+              <a:rPr lang="pl-PL" dirty="0" err="1"/>
+              <a:t>tracing</a:t>
+            </a:r>
+            <a:r>
+              <a:rPr lang="pl-PL" dirty="0"/>
+              <a:t>. </a:t>
+            </a:r>
+            <a:r>
+              <a:rPr lang="en-GB" dirty="0"/>
+              <a:t>The authors of the </a:t>
+            </a:r>
+            <a:r>
+              <a:rPr lang="en-GB" dirty="0" err="1"/>
+              <a:t>OpenTracing</a:t>
+            </a:r>
+            <a:r>
+              <a:rPr lang="en-GB" dirty="0"/>
+              <a:t> project wanted to provide a standard mechanism for instrumentation that does not bind any library or package to any specific vendor.</a:t>
+            </a:r>
+            <a:r>
+              <a:rPr lang="pl-PL" dirty="0"/>
+              <a:t> The </a:t>
+            </a:r>
+            <a:r>
+              <a:rPr lang="pl-PL" dirty="0" err="1"/>
+              <a:t>project</a:t>
+            </a:r>
+            <a:r>
+              <a:rPr lang="pl-PL" dirty="0"/>
+              <a:t> was </a:t>
+            </a:r>
+            <a:r>
+              <a:rPr lang="pl-PL" dirty="0" err="1"/>
+              <a:t>initially</a:t>
+            </a:r>
+            <a:r>
+              <a:rPr lang="pl-PL" dirty="0"/>
+              <a:t> </a:t>
+            </a:r>
+            <a:r>
+              <a:rPr lang="pl-PL" dirty="0" err="1"/>
+              <a:t>developed</a:t>
+            </a:r>
+            <a:r>
+              <a:rPr lang="pl-PL" dirty="0"/>
+              <a:t> by Uber</a:t>
+            </a:r>
+          </a:p>
+          <a:p>
+            <a:pPr algn="just"/>
+            <a:r>
+              <a:rPr lang="pl-PL" dirty="0"/>
+              <a:t>January 2018 – Google open </a:t>
+            </a:r>
+            <a:r>
+              <a:rPr lang="pl-PL" dirty="0" err="1"/>
+              <a:t>sources</a:t>
+            </a:r>
+            <a:r>
+              <a:rPr lang="pl-PL" dirty="0"/>
+              <a:t> </a:t>
+            </a:r>
+            <a:r>
+              <a:rPr lang="en-GB" dirty="0" err="1">
+                <a:solidFill>
+                  <a:srgbClr val="FFC000"/>
+                </a:solidFill>
+              </a:rPr>
+              <a:t>OpenCensus</a:t>
+            </a:r>
+            <a:r>
+              <a:rPr lang="pl-PL" dirty="0"/>
+              <a:t>, a </a:t>
+            </a:r>
+            <a:r>
+              <a:rPr lang="pl-PL" dirty="0" err="1"/>
+              <a:t>vendor-neutral</a:t>
+            </a:r>
+            <a:r>
+              <a:rPr lang="pl-PL" dirty="0"/>
+              <a:t> </a:t>
+            </a:r>
+            <a:r>
+              <a:rPr lang="pl-PL" dirty="0" err="1"/>
+              <a:t>library</a:t>
+            </a:r>
+            <a:r>
+              <a:rPr lang="pl-PL" dirty="0"/>
+              <a:t> for </a:t>
+            </a:r>
+            <a:r>
+              <a:rPr lang="pl-PL" dirty="0" err="1"/>
+              <a:t>collecting</a:t>
+            </a:r>
+            <a:r>
+              <a:rPr lang="pl-PL" dirty="0"/>
+              <a:t> </a:t>
+            </a:r>
+            <a:r>
+              <a:rPr lang="pl-PL" dirty="0" err="1">
+                <a:solidFill>
+                  <a:srgbClr val="425CC7"/>
+                </a:solidFill>
+              </a:rPr>
+              <a:t>metrics</a:t>
+            </a:r>
+            <a:r>
+              <a:rPr lang="pl-PL" dirty="0"/>
+              <a:t> and </a:t>
+            </a:r>
+            <a:r>
+              <a:rPr lang="pl-PL" dirty="0" err="1">
+                <a:solidFill>
+                  <a:srgbClr val="425CC7"/>
+                </a:solidFill>
+              </a:rPr>
+              <a:t>traces</a:t>
+            </a:r>
+            <a:r>
+              <a:rPr lang="pl-PL" dirty="0"/>
+              <a:t>. </a:t>
+            </a:r>
+          </a:p>
+          <a:p>
+            <a:pPr algn="just"/>
+            <a:r>
+              <a:rPr lang="en-GB" dirty="0"/>
+              <a:t>The </a:t>
+            </a:r>
+            <a:r>
+              <a:rPr lang="en-GB" dirty="0" err="1">
+                <a:solidFill>
+                  <a:srgbClr val="425CC7"/>
+                </a:solidFill>
+              </a:rPr>
+              <a:t>OpenTracing</a:t>
+            </a:r>
+            <a:r>
+              <a:rPr lang="en-GB" dirty="0"/>
+              <a:t> API makes it simple to change a preferred storage backend but relies on you to implement your own tracers that </a:t>
+            </a:r>
+            <a:r>
+              <a:rPr lang="pl-PL" dirty="0" err="1"/>
+              <a:t>must</a:t>
+            </a:r>
+            <a:r>
+              <a:rPr lang="pl-PL" dirty="0"/>
+              <a:t> be </a:t>
+            </a:r>
+            <a:r>
+              <a:rPr lang="en-GB" dirty="0"/>
+              <a:t>compatible with the specifications of the project. </a:t>
+            </a:r>
             <a:br>
-              <a:rPr lang="en-GB" sz="3200" dirty="0"/>
+              <a:rPr lang="pl-PL" dirty="0"/>
             </a:br>
-            <a:br>
-              <a:rPr lang="en-GB" sz="3200" dirty="0"/>
-            </a:br>
-            <a:r>
-              <a:rPr lang="en-GB" sz="3200" b="1" dirty="0"/>
-              <a:t>vs</a:t>
-            </a:r>
-            <a:r>
-              <a:rPr lang="en-GB" sz="3200" dirty="0"/>
-              <a:t> </a:t>
-            </a:r>
-            <a:br>
-              <a:rPr lang="en-GB" sz="3200" dirty="0"/>
-            </a:br>
-            <a:br>
-              <a:rPr lang="en-GB" sz="3200" dirty="0"/>
-            </a:br>
-            <a:r>
-              <a:rPr lang="en-GB" sz="3200" dirty="0" err="1"/>
+            <a:endParaRPr lang="pl-PL" dirty="0"/>
+          </a:p>
+          <a:p>
+            <a:pPr algn="just"/>
+            <a:r>
+              <a:rPr lang="en-GB" dirty="0" err="1">
+                <a:solidFill>
+                  <a:srgbClr val="FFC000"/>
+                </a:solidFill>
+              </a:rPr>
               <a:t>OpenCensus</a:t>
             </a:r>
             <a:r>
-              <a:rPr lang="en-GB" sz="3200" dirty="0"/>
-              <a:t> </a:t>
-            </a:r>
-            <a:br>
-              <a:rPr lang="en-GB" sz="3200" dirty="0"/>
-            </a:br>
-            <a:br>
-              <a:rPr lang="en-GB" sz="3200" dirty="0"/>
-            </a:br>
-            <a:r>
-              <a:rPr lang="en-GB" sz="3200" b="1" dirty="0"/>
-              <a:t>vs</a:t>
-            </a:r>
-            <a:r>
-              <a:rPr lang="en-GB" sz="3200" dirty="0"/>
-              <a:t> </a:t>
-            </a:r>
-            <a:br>
-              <a:rPr lang="en-GB" sz="3200" dirty="0"/>
-            </a:br>
-            <a:br>
-              <a:rPr lang="en-GB" sz="3200" dirty="0"/>
-            </a:br>
-            <a:r>
-              <a:rPr lang="en-GB" sz="3200" dirty="0" err="1"/>
-              <a:t>OpenTelemetry</a:t>
-            </a:r>
-            <a:endParaRPr lang="en-GB" sz="3200" dirty="0"/>
+              <a:rPr lang="en-GB" dirty="0"/>
+              <a:t> is built to include multiple backend exports automatically, it only supports the collection of various data types based on the backend and language.</a:t>
+            </a:r>
+          </a:p>
+          <a:p>
+            <a:pPr algn="just"/>
+            <a:endParaRPr lang="pl-PL" dirty="0"/>
+          </a:p>
+          <a:p>
+            <a:pPr algn="just"/>
+            <a:endParaRPr lang="en-GB" dirty="0"/>
           </a:p>
         </p:txBody>
       </p:sp>
-      <p:pic>
-        <p:nvPicPr>
-          <p:cNvPr id="3074" name="Picture 2" descr="OpenTracing API · GitHub">
+      <p:sp>
+        <p:nvSpPr>
+          <p:cNvPr id="4" name="Prostokąt 3">
             <a:extLst>
               <a:ext uri="{FF2B5EF4-FFF2-40B4-BE49-F238E27FC236}">
-                <a16:creationId xmlns:a16="http://schemas.microsoft.com/office/drawing/2014/main" id="{C6BEDD77-8C86-4D3D-BA11-8BE482762BB8}"/>
+                <a16:creationId xmlns:a16="http://schemas.microsoft.com/office/drawing/2014/main" id="{4A137F17-70C4-4530-B022-71B34B373800}"/>
               </a:ext>
             </a:extLst>
           </p:cNvPr>
-          <p:cNvPicPr>
-            <a:picLocks noChangeAspect="1" noChangeArrowheads="1"/>
-          </p:cNvPicPr>
+          <p:cNvSpPr/>
           <p:nvPr/>
-        </p:nvPicPr>
-        <p:blipFill>
-          <a:blip r:embed="rId2">
-            <a:extLst>
-              <a:ext uri="{28A0092B-C50C-407E-A947-70E740481C1C}">
-                <a14:useLocalDpi xmlns:a14="http://schemas.microsoft.com/office/drawing/2010/main" val="0"/>
-              </a:ext>
-            </a:extLst>
-          </a:blip>
-          <a:srcRect/>
-          <a:stretch>
-            <a:fillRect/>
-          </a:stretch>
-        </p:blipFill>
-        <p:spPr bwMode="auto">
+        </p:nvSpPr>
+        <p:spPr>
           <a:xfrm>
-            <a:off x="7255548" y="2448672"/>
-            <a:ext cx="748725" cy="748725"/>
+            <a:off x="10531138" y="6466361"/>
+            <a:ext cx="1558825" cy="369332"/>
           </a:xfrm>
           <a:prstGeom prst="rect">
             <a:avLst/>
           </a:prstGeom>
-          <a:noFill/>
-          <a:extLst>
-            <a:ext uri="{909E8E84-426E-40DD-AFC4-6F175D3DCCD1}">
-              <a14:hiddenFill xmlns:a14="http://schemas.microsoft.com/office/drawing/2010/main">
-                <a:solidFill>
-                  <a:srgbClr val="FFFFFF"/>
-                </a:solidFill>
-              </a14:hiddenFill>
-            </a:ext>
-          </a:extLst>
         </p:spPr>
-      </p:pic>
-      <p:pic>
-        <p:nvPicPr>
-          <p:cNvPr id="3078" name="Picture 6" descr="OpenCensus">
-            <a:extLst>
-              <a:ext uri="{FF2B5EF4-FFF2-40B4-BE49-F238E27FC236}">
-                <a16:creationId xmlns:a16="http://schemas.microsoft.com/office/drawing/2014/main" id="{B6FA13AF-37A5-417D-A871-1A5D1DBA2BE3}"/>
-              </a:ext>
-            </a:extLst>
-          </p:cNvPr>
-          <p:cNvPicPr>
-            <a:picLocks noChangeAspect="1" noChangeArrowheads="1"/>
-          </p:cNvPicPr>
-          <p:nvPr/>
-        </p:nvPicPr>
-        <p:blipFill>
-          <a:blip r:embed="rId3">
-            <a:extLst>
-              <a:ext uri="{28A0092B-C50C-407E-A947-70E740481C1C}">
-                <a14:useLocalDpi xmlns:a14="http://schemas.microsoft.com/office/drawing/2010/main" val="0"/>
-              </a:ext>
-            </a:extLst>
-          </a:blip>
-          <a:srcRect/>
-          <a:stretch>
-            <a:fillRect/>
-          </a:stretch>
-        </p:blipFill>
-        <p:spPr bwMode="auto">
-          <a:xfrm>
-            <a:off x="7255547" y="3945562"/>
-            <a:ext cx="748725" cy="748725"/>
-          </a:xfrm>
-          <a:prstGeom prst="rect">
-            <a:avLst/>
-          </a:prstGeom>
-          <a:noFill/>
-          <a:extLst>
-            <a:ext uri="{909E8E84-426E-40DD-AFC4-6F175D3DCCD1}">
-              <a14:hiddenFill xmlns:a14="http://schemas.microsoft.com/office/drawing/2010/main">
-                <a:solidFill>
-                  <a:srgbClr val="FFFFFF"/>
-                </a:solidFill>
-              </a14:hiddenFill>
-            </a:ext>
-          </a:extLst>
-        </p:spPr>
-      </p:pic>
-      <p:pic>
-        <p:nvPicPr>
-          <p:cNvPr id="3080" name="Picture 8" descr="NuGet Gallery | OpenTelemetry.Exporter.ApplicationInsights 0.2.0 ...">
-            <a:extLst>
-              <a:ext uri="{FF2B5EF4-FFF2-40B4-BE49-F238E27FC236}">
-                <a16:creationId xmlns:a16="http://schemas.microsoft.com/office/drawing/2014/main" id="{46387AD8-89AD-4B61-A18F-7B246D958B75}"/>
-              </a:ext>
-            </a:extLst>
-          </p:cNvPr>
-          <p:cNvPicPr>
-            <a:picLocks noChangeAspect="1" noChangeArrowheads="1"/>
-          </p:cNvPicPr>
-          <p:nvPr/>
-        </p:nvPicPr>
-        <p:blipFill>
-          <a:blip r:embed="rId4">
-            <a:extLst>
-              <a:ext uri="{28A0092B-C50C-407E-A947-70E740481C1C}">
-                <a14:useLocalDpi xmlns:a14="http://schemas.microsoft.com/office/drawing/2010/main" val="0"/>
-              </a:ext>
-            </a:extLst>
-          </a:blip>
-          <a:srcRect/>
-          <a:stretch>
-            <a:fillRect/>
-          </a:stretch>
-        </p:blipFill>
-        <p:spPr bwMode="auto">
-          <a:xfrm>
-            <a:off x="7255546" y="5442452"/>
-            <a:ext cx="748725" cy="748725"/>
-          </a:xfrm>
-          <a:prstGeom prst="rect">
-            <a:avLst/>
-          </a:prstGeom>
-          <a:noFill/>
-          <a:extLst>
-            <a:ext uri="{909E8E84-426E-40DD-AFC4-6F175D3DCCD1}">
-              <a14:hiddenFill xmlns:a14="http://schemas.microsoft.com/office/drawing/2010/main">
-                <a:solidFill>
-                  <a:srgbClr val="FFFFFF"/>
-                </a:solidFill>
-              </a14:hiddenFill>
-            </a:ext>
-          </a:extLst>
-        </p:spPr>
-      </p:pic>
+        <p:txBody>
+          <a:bodyPr wrap="none">
+            <a:spAutoFit/>
+          </a:bodyPr>
+          <a:lstStyle/>
+          <a:p>
+            <a:r>
+              <a:rPr lang="pl-PL" dirty="0">
+                <a:solidFill>
+                  <a:schemeClr val="bg1"/>
+                </a:solidFill>
+              </a:rPr>
+              <a:t>@</a:t>
+            </a:r>
+            <a:r>
+              <a:rPr lang="pl-PL" dirty="0" err="1">
+                <a:solidFill>
+                  <a:schemeClr val="bg1"/>
+                </a:solidFill>
+              </a:rPr>
+              <a:t>lukaszpyrzyk</a:t>
+            </a:r>
+            <a:endParaRPr lang="en-GB" dirty="0">
+              <a:solidFill>
+                <a:schemeClr val="bg1"/>
+              </a:solidFill>
+            </a:endParaRPr>
+          </a:p>
+        </p:txBody>
+      </p:sp>
     </p:spTree>
     <p:extLst>
       <p:ext uri="{BB962C8B-B14F-4D97-AF65-F5344CB8AC3E}">
-        <p14:creationId xmlns:p14="http://schemas.microsoft.com/office/powerpoint/2010/main" val="2145822955"/>
+        <p14:creationId xmlns:p14="http://schemas.microsoft.com/office/powerpoint/2010/main" val="1641080211"/>
       </p:ext>
     </p:extLst>
   </p:cSld>
@@ -4347,7 +5234,7 @@
           <p:cNvPr id="2" name="Tytuł 1">
             <a:extLst>
               <a:ext uri="{FF2B5EF4-FFF2-40B4-BE49-F238E27FC236}">
-                <a16:creationId xmlns:a16="http://schemas.microsoft.com/office/drawing/2014/main" id="{2FA79AB7-92F2-4573-B58F-4EEDC333F16D}"/>
+                <a16:creationId xmlns:a16="http://schemas.microsoft.com/office/drawing/2014/main" id="{FF311FA3-93F1-4DC2-9EA1-F297D189ACA7}"/>
               </a:ext>
             </a:extLst>
           </p:cNvPr>
@@ -4364,46 +5251,543 @@
           <a:lstStyle/>
           <a:p>
             <a:r>
-              <a:rPr lang="en-GB" dirty="0"/>
-              <a:t>Open tracing</a:t>
-            </a:r>
+              <a:rPr lang="pl-PL" dirty="0" err="1"/>
+              <a:t>History</a:t>
+            </a:r>
+            <a:r>
+              <a:rPr lang="pl-PL" dirty="0"/>
+              <a:t> of </a:t>
+            </a:r>
+            <a:r>
+              <a:rPr lang="pl-PL" dirty="0" err="1">
+                <a:solidFill>
+                  <a:srgbClr val="FFC000"/>
+                </a:solidFill>
+              </a:rPr>
+              <a:t>Open</a:t>
+            </a:r>
+            <a:r>
+              <a:rPr lang="pl-PL" dirty="0" err="1">
+                <a:solidFill>
+                  <a:srgbClr val="425CC7"/>
+                </a:solidFill>
+              </a:rPr>
+              <a:t>Telemetry</a:t>
+            </a:r>
+            <a:r>
+              <a:rPr lang="pl-PL" dirty="0"/>
+              <a:t>	</a:t>
+            </a:r>
+            <a:endParaRPr lang="en-GB" dirty="0"/>
           </a:p>
         </p:txBody>
       </p:sp>
-      <p:pic>
-        <p:nvPicPr>
-          <p:cNvPr id="5" name="Obraz 4">
+      <p:sp>
+        <p:nvSpPr>
+          <p:cNvPr id="3" name="Symbol zastępczy zawartości 2">
             <a:extLst>
               <a:ext uri="{FF2B5EF4-FFF2-40B4-BE49-F238E27FC236}">
-                <a16:creationId xmlns:a16="http://schemas.microsoft.com/office/drawing/2014/main" id="{9B3FFB92-CFA9-4743-8B2F-38DB9E43EE4D}"/>
+                <a16:creationId xmlns:a16="http://schemas.microsoft.com/office/drawing/2014/main" id="{7EF4003B-2662-4313-92B3-2AC079538360}"/>
               </a:ext>
             </a:extLst>
           </p:cNvPr>
-          <p:cNvPicPr>
-            <a:picLocks noChangeAspect="1"/>
-          </p:cNvPicPr>
+          <p:cNvSpPr>
+            <a:spLocks noGrp="1"/>
+          </p:cNvSpPr>
+          <p:nvPr>
+            <p:ph idx="1"/>
+          </p:nvPr>
+        </p:nvSpPr>
+        <p:spPr/>
+        <p:txBody>
+          <a:bodyPr>
+            <a:normAutofit lnSpcReduction="10000"/>
+          </a:bodyPr>
+          <a:lstStyle/>
+          <a:p>
+            <a:pPr algn="just"/>
+            <a:r>
+              <a:rPr lang="en-GB" dirty="0"/>
+              <a:t>March 2019 – Committee of </a:t>
+            </a:r>
+            <a:r>
+              <a:rPr lang="en-GB" dirty="0" err="1"/>
+              <a:t>OpenTracing</a:t>
+            </a:r>
+            <a:r>
+              <a:rPr lang="en-GB" dirty="0"/>
+              <a:t> and </a:t>
+            </a:r>
+            <a:r>
+              <a:rPr lang="en-GB" dirty="0" err="1"/>
+              <a:t>OpenCensus</a:t>
+            </a:r>
+            <a:r>
+              <a:rPr lang="en-GB" dirty="0"/>
+              <a:t> decided to merge and form </a:t>
+            </a:r>
+            <a:r>
+              <a:rPr lang="en-GB" dirty="0" err="1"/>
+              <a:t>OpenTelemetry</a:t>
+            </a:r>
+            <a:r>
+              <a:rPr lang="en-GB" dirty="0"/>
+              <a:t> with a few goals:</a:t>
+            </a:r>
+            <a:endParaRPr lang="pl-PL" dirty="0"/>
+          </a:p>
+          <a:p>
+            <a:pPr algn="just">
+              <a:buFont typeface="Wingdings" panose="05000000000000000000" pitchFamily="2" charset="2"/>
+              <a:buChar char="v"/>
+            </a:pPr>
+            <a:r>
+              <a:rPr lang="en-GB" dirty="0">
+                <a:solidFill>
+                  <a:schemeClr val="tx1"/>
+                </a:solidFill>
+              </a:rPr>
+              <a:t>Not a third project – the </a:t>
+            </a:r>
+            <a:r>
+              <a:rPr lang="en-GB" dirty="0" err="1">
+                <a:solidFill>
+                  <a:schemeClr val="tx1"/>
+                </a:solidFill>
+              </a:rPr>
+              <a:t>comitee</a:t>
+            </a:r>
+            <a:r>
+              <a:rPr lang="en-GB" dirty="0">
+                <a:solidFill>
+                  <a:schemeClr val="tx1"/>
+                </a:solidFill>
+              </a:rPr>
+              <a:t> goal is to create grounds and root for the merge, rather than creating a separated project that provides compatibility</a:t>
+            </a:r>
+            <a:endParaRPr lang="pl-PL" dirty="0">
+              <a:solidFill>
+                <a:schemeClr val="tx1"/>
+              </a:solidFill>
+            </a:endParaRPr>
+          </a:p>
+          <a:p>
+            <a:pPr algn="just">
+              <a:buFont typeface="Wingdings" panose="05000000000000000000" pitchFamily="2" charset="2"/>
+              <a:buChar char="v"/>
+            </a:pPr>
+            <a:r>
+              <a:rPr lang="pl-PL" dirty="0">
+                <a:solidFill>
+                  <a:schemeClr val="tx1"/>
+                </a:solidFill>
+              </a:rPr>
+              <a:t>Not a </a:t>
+            </a:r>
+            <a:r>
+              <a:rPr lang="pl-PL" dirty="0" err="1">
+                <a:solidFill>
+                  <a:schemeClr val="tx1"/>
+                </a:solidFill>
+              </a:rPr>
+              <a:t>fresh</a:t>
+            </a:r>
+            <a:r>
+              <a:rPr lang="pl-PL" dirty="0">
+                <a:solidFill>
+                  <a:schemeClr val="tx1"/>
+                </a:solidFill>
+              </a:rPr>
+              <a:t> start – plan to </a:t>
+            </a:r>
+            <a:r>
+              <a:rPr lang="pl-PL" dirty="0" err="1">
+                <a:solidFill>
+                  <a:schemeClr val="tx1"/>
+                </a:solidFill>
+              </a:rPr>
+              <a:t>reduce</a:t>
+            </a:r>
+            <a:r>
+              <a:rPr lang="pl-PL" dirty="0">
+                <a:solidFill>
+                  <a:schemeClr val="tx1"/>
+                </a:solidFill>
+              </a:rPr>
+              <a:t> </a:t>
+            </a:r>
+            <a:r>
+              <a:rPr lang="pl-PL" dirty="0" err="1">
+                <a:solidFill>
+                  <a:schemeClr val="tx1"/>
+                </a:solidFill>
+              </a:rPr>
+              <a:t>instrumentation</a:t>
+            </a:r>
+            <a:r>
+              <a:rPr lang="pl-PL" dirty="0">
+                <a:solidFill>
+                  <a:schemeClr val="tx1"/>
+                </a:solidFill>
+              </a:rPr>
+              <a:t> </a:t>
+            </a:r>
+            <a:r>
+              <a:rPr lang="pl-PL" dirty="0" err="1">
+                <a:solidFill>
+                  <a:schemeClr val="tx1"/>
+                </a:solidFill>
+              </a:rPr>
+              <a:t>standards</a:t>
+            </a:r>
+            <a:r>
+              <a:rPr lang="pl-PL" dirty="0">
+                <a:solidFill>
+                  <a:schemeClr val="tx1"/>
+                </a:solidFill>
+              </a:rPr>
+              <a:t> to one </a:t>
+            </a:r>
+            <a:r>
+              <a:rPr lang="pl-PL" dirty="0" err="1">
+                <a:solidFill>
+                  <a:schemeClr val="tx1"/>
+                </a:solidFill>
+              </a:rPr>
+              <a:t>before</a:t>
+            </a:r>
+            <a:r>
+              <a:rPr lang="pl-PL" dirty="0">
+                <a:solidFill>
+                  <a:schemeClr val="tx1"/>
+                </a:solidFill>
+              </a:rPr>
+              <a:t> </a:t>
+            </a:r>
+            <a:r>
+              <a:rPr lang="pl-PL" dirty="0" err="1">
+                <a:solidFill>
+                  <a:schemeClr val="tx1"/>
+                </a:solidFill>
+              </a:rPr>
+              <a:t>adding</a:t>
+            </a:r>
+            <a:r>
+              <a:rPr lang="pl-PL" dirty="0">
+                <a:solidFill>
+                  <a:schemeClr val="tx1"/>
+                </a:solidFill>
+              </a:rPr>
+              <a:t> </a:t>
+            </a:r>
+            <a:r>
+              <a:rPr lang="pl-PL" dirty="0" err="1">
+                <a:solidFill>
+                  <a:schemeClr val="tx1"/>
+                </a:solidFill>
+              </a:rPr>
+              <a:t>any</a:t>
+            </a:r>
+            <a:r>
+              <a:rPr lang="pl-PL" dirty="0">
+                <a:solidFill>
+                  <a:schemeClr val="tx1"/>
+                </a:solidFill>
+              </a:rPr>
+              <a:t> </a:t>
+            </a:r>
+            <a:r>
+              <a:rPr lang="pl-PL" dirty="0" err="1">
+                <a:solidFill>
+                  <a:schemeClr val="tx1"/>
+                </a:solidFill>
+              </a:rPr>
+              <a:t>new</a:t>
+            </a:r>
+            <a:r>
+              <a:rPr lang="pl-PL" dirty="0">
+                <a:solidFill>
+                  <a:schemeClr val="tx1"/>
+                </a:solidFill>
+              </a:rPr>
+              <a:t> </a:t>
+            </a:r>
+            <a:r>
+              <a:rPr lang="pl-PL" dirty="0" err="1">
+                <a:solidFill>
+                  <a:schemeClr val="tx1"/>
+                </a:solidFill>
+              </a:rPr>
+              <a:t>functionality</a:t>
+            </a:r>
+            <a:endParaRPr lang="pl-PL" dirty="0">
+              <a:solidFill>
+                <a:schemeClr val="tx1"/>
+              </a:solidFill>
+            </a:endParaRPr>
+          </a:p>
+          <a:p>
+            <a:pPr algn="just">
+              <a:buFont typeface="Wingdings" panose="05000000000000000000" pitchFamily="2" charset="2"/>
+              <a:buChar char="v"/>
+            </a:pPr>
+            <a:r>
+              <a:rPr lang="pl-PL" dirty="0">
+                <a:solidFill>
+                  <a:schemeClr val="tx1"/>
+                </a:solidFill>
+              </a:rPr>
+              <a:t>Not a </a:t>
+            </a:r>
+            <a:r>
+              <a:rPr lang="pl-PL" dirty="0" err="1">
+                <a:solidFill>
+                  <a:schemeClr val="tx1"/>
+                </a:solidFill>
+              </a:rPr>
+              <a:t>complete</a:t>
+            </a:r>
+            <a:r>
+              <a:rPr lang="pl-PL" dirty="0">
+                <a:solidFill>
+                  <a:schemeClr val="tx1"/>
+                </a:solidFill>
+              </a:rPr>
+              <a:t> </a:t>
+            </a:r>
+            <a:r>
+              <a:rPr lang="pl-PL" dirty="0" err="1">
+                <a:solidFill>
+                  <a:schemeClr val="tx1"/>
+                </a:solidFill>
+              </a:rPr>
+              <a:t>superset</a:t>
+            </a:r>
+            <a:r>
+              <a:rPr lang="pl-PL" dirty="0">
+                <a:solidFill>
+                  <a:schemeClr val="tx1"/>
+                </a:solidFill>
+              </a:rPr>
+              <a:t> of </a:t>
+            </a:r>
+            <a:r>
+              <a:rPr lang="pl-PL" dirty="0" err="1">
+                <a:solidFill>
+                  <a:schemeClr val="tx1"/>
+                </a:solidFill>
+              </a:rPr>
+              <a:t>functionalities</a:t>
+            </a:r>
+            <a:r>
+              <a:rPr lang="pl-PL" dirty="0">
+                <a:solidFill>
+                  <a:schemeClr val="tx1"/>
+                </a:solidFill>
+              </a:rPr>
+              <a:t> - </a:t>
+            </a:r>
+            <a:r>
+              <a:rPr lang="en-GB" dirty="0">
+                <a:solidFill>
+                  <a:schemeClr val="tx1"/>
+                </a:solidFill>
+              </a:rPr>
+              <a:t>The technical committee will ensure that the most important developer scenarios remain supported and will prioritize end-user benefits and standardization over feature requests from individual tracing/observability projects or vendors</a:t>
+            </a:r>
+            <a:endParaRPr lang="pl-PL" dirty="0">
+              <a:solidFill>
+                <a:schemeClr val="tx1"/>
+              </a:solidFill>
+            </a:endParaRPr>
+          </a:p>
+          <a:p>
+            <a:pPr algn="just">
+              <a:buFont typeface="Wingdings" panose="05000000000000000000" pitchFamily="2" charset="2"/>
+              <a:buChar char="v"/>
+            </a:pPr>
+            <a:r>
+              <a:rPr lang="pl-PL" dirty="0">
+                <a:solidFill>
+                  <a:schemeClr val="tx1"/>
+                </a:solidFill>
+              </a:rPr>
+              <a:t>Not </a:t>
+            </a:r>
+            <a:r>
+              <a:rPr lang="pl-PL" dirty="0" err="1">
+                <a:solidFill>
+                  <a:schemeClr val="tx1"/>
+                </a:solidFill>
+              </a:rPr>
+              <a:t>just</a:t>
+            </a:r>
+            <a:r>
+              <a:rPr lang="pl-PL" dirty="0">
+                <a:solidFill>
+                  <a:schemeClr val="tx1"/>
+                </a:solidFill>
+              </a:rPr>
+              <a:t> </a:t>
+            </a:r>
+            <a:r>
+              <a:rPr lang="pl-PL" dirty="0" err="1">
+                <a:solidFill>
+                  <a:schemeClr val="tx1"/>
+                </a:solidFill>
+              </a:rPr>
+              <a:t>tracing</a:t>
+            </a:r>
+            <a:r>
+              <a:rPr lang="pl-PL" dirty="0">
+                <a:solidFill>
+                  <a:schemeClr val="tx1"/>
+                </a:solidFill>
+              </a:rPr>
+              <a:t> – m</a:t>
+            </a:r>
+            <a:r>
+              <a:rPr lang="en-GB" dirty="0" err="1"/>
+              <a:t>erged</a:t>
+            </a:r>
+            <a:r>
+              <a:rPr lang="en-GB" dirty="0"/>
+              <a:t> project APIs will incorporate a variety of signals, like </a:t>
+            </a:r>
+            <a:r>
+              <a:rPr lang="en-GB" dirty="0">
+                <a:solidFill>
+                  <a:srgbClr val="425CC7"/>
+                </a:solidFill>
+              </a:rPr>
+              <a:t>metrics</a:t>
+            </a:r>
+            <a:r>
+              <a:rPr lang="en-GB" dirty="0"/>
+              <a:t>, </a:t>
+            </a:r>
+            <a:r>
+              <a:rPr lang="en-GB" dirty="0">
+                <a:solidFill>
+                  <a:srgbClr val="425CC7"/>
+                </a:solidFill>
+              </a:rPr>
+              <a:t>traces</a:t>
+            </a:r>
+            <a:r>
+              <a:rPr lang="en-GB" dirty="0"/>
+              <a:t> and </a:t>
+            </a:r>
+            <a:r>
+              <a:rPr lang="en-GB" dirty="0">
+                <a:solidFill>
+                  <a:srgbClr val="425CC7"/>
+                </a:solidFill>
+              </a:rPr>
+              <a:t>logs</a:t>
+            </a:r>
+            <a:r>
+              <a:rPr lang="en-GB" dirty="0"/>
+              <a:t>.</a:t>
+            </a:r>
+            <a:endParaRPr lang="en-GB" dirty="0">
+              <a:solidFill>
+                <a:schemeClr val="tx1"/>
+              </a:solidFill>
+            </a:endParaRPr>
+          </a:p>
+          <a:p>
+            <a:pPr algn="just"/>
+            <a:r>
+              <a:rPr lang="pl-PL" dirty="0"/>
+              <a:t>Project </a:t>
+            </a:r>
+            <a:r>
+              <a:rPr lang="pl-PL" dirty="0" err="1"/>
+              <a:t>developed</a:t>
+            </a:r>
+            <a:r>
+              <a:rPr lang="pl-PL" dirty="0"/>
+              <a:t> </a:t>
+            </a:r>
+            <a:r>
+              <a:rPr lang="pl-PL" dirty="0" err="1"/>
+              <a:t>under</a:t>
+            </a:r>
+            <a:r>
+              <a:rPr lang="pl-PL" dirty="0"/>
+              <a:t> the CNCF – </a:t>
+            </a:r>
+            <a:r>
+              <a:rPr lang="pl-PL" dirty="0" err="1"/>
+              <a:t>Cloud</a:t>
+            </a:r>
+            <a:r>
+              <a:rPr lang="pl-PL" dirty="0"/>
+              <a:t> Native Computing Foundation</a:t>
+            </a:r>
+          </a:p>
+          <a:p>
+            <a:pPr algn="just"/>
+            <a:endParaRPr lang="en-GB" dirty="0"/>
+          </a:p>
+        </p:txBody>
+      </p:sp>
+      <p:sp>
+        <p:nvSpPr>
+          <p:cNvPr id="4" name="Prostokąt 3">
+            <a:extLst>
+              <a:ext uri="{FF2B5EF4-FFF2-40B4-BE49-F238E27FC236}">
+                <a16:creationId xmlns:a16="http://schemas.microsoft.com/office/drawing/2014/main" id="{F7F8D4DF-B3E3-4877-BF54-4740C2F58A18}"/>
+              </a:ext>
+            </a:extLst>
+          </p:cNvPr>
+          <p:cNvSpPr/>
           <p:nvPr/>
-        </p:nvPicPr>
-        <p:blipFill>
-          <a:blip r:embed="rId2"/>
-          <a:stretch>
-            <a:fillRect/>
-          </a:stretch>
-        </p:blipFill>
+        </p:nvSpPr>
         <p:spPr>
           <a:xfrm>
-            <a:off x="-32846" y="0"/>
-            <a:ext cx="12224845" cy="7726348"/>
+            <a:off x="10531138" y="6466361"/>
+            <a:ext cx="1558825" cy="369332"/>
           </a:xfrm>
           <a:prstGeom prst="rect">
             <a:avLst/>
           </a:prstGeom>
         </p:spPr>
-      </p:pic>
+        <p:txBody>
+          <a:bodyPr wrap="none">
+            <a:spAutoFit/>
+          </a:bodyPr>
+          <a:lstStyle/>
+          <a:p>
+            <a:r>
+              <a:rPr lang="pl-PL" dirty="0">
+                <a:solidFill>
+                  <a:schemeClr val="bg1"/>
+                </a:solidFill>
+              </a:rPr>
+              <a:t>@</a:t>
+            </a:r>
+            <a:r>
+              <a:rPr lang="pl-PL" dirty="0" err="1">
+                <a:solidFill>
+                  <a:schemeClr val="bg1"/>
+                </a:solidFill>
+              </a:rPr>
+              <a:t>lukaszpyrzyk</a:t>
+            </a:r>
+            <a:endParaRPr lang="en-GB" dirty="0">
+              <a:solidFill>
+                <a:schemeClr val="bg1"/>
+              </a:solidFill>
+            </a:endParaRPr>
+          </a:p>
+        </p:txBody>
+      </p:sp>
     </p:spTree>
     <p:extLst>
       <p:ext uri="{BB962C8B-B14F-4D97-AF65-F5344CB8AC3E}">
-        <p14:creationId xmlns:p14="http://schemas.microsoft.com/office/powerpoint/2010/main" val="848262405"/>
+        <p14:creationId xmlns:p14="http://schemas.microsoft.com/office/powerpoint/2010/main" val="838115816"/>
       </p:ext>
     </p:extLst>
   </p:cSld>
@@ -4430,12 +5814,149 @@
           <a:chExt cx="0" cy="0"/>
         </a:xfrm>
       </p:grpSpPr>
+      <p:sp>
+        <p:nvSpPr>
+          <p:cNvPr id="2" name="Tytuł 1">
+            <a:extLst>
+              <a:ext uri="{FF2B5EF4-FFF2-40B4-BE49-F238E27FC236}">
+                <a16:creationId xmlns:a16="http://schemas.microsoft.com/office/drawing/2014/main" id="{FF311FA3-93F1-4DC2-9EA1-F297D189ACA7}"/>
+              </a:ext>
+            </a:extLst>
+          </p:cNvPr>
+          <p:cNvSpPr>
+            <a:spLocks noGrp="1"/>
+          </p:cNvSpPr>
+          <p:nvPr>
+            <p:ph type="title"/>
+          </p:nvPr>
+        </p:nvSpPr>
+        <p:spPr/>
+        <p:txBody>
+          <a:bodyPr/>
+          <a:lstStyle/>
+          <a:p>
+            <a:r>
+              <a:rPr lang="pl-PL" dirty="0" err="1">
+                <a:solidFill>
+                  <a:srgbClr val="FFC000"/>
+                </a:solidFill>
+              </a:rPr>
+              <a:t>Open</a:t>
+            </a:r>
+            <a:r>
+              <a:rPr lang="pl-PL" dirty="0" err="1">
+                <a:solidFill>
+                  <a:srgbClr val="425CC7"/>
+                </a:solidFill>
+              </a:rPr>
+              <a:t>Telemetry</a:t>
+            </a:r>
+            <a:r>
+              <a:rPr lang="pl-PL" dirty="0"/>
+              <a:t>	</a:t>
+            </a:r>
+            <a:endParaRPr lang="en-GB" dirty="0"/>
+          </a:p>
+        </p:txBody>
+      </p:sp>
+      <p:sp>
+        <p:nvSpPr>
+          <p:cNvPr id="3" name="Symbol zastępczy zawartości 2">
+            <a:extLst>
+              <a:ext uri="{FF2B5EF4-FFF2-40B4-BE49-F238E27FC236}">
+                <a16:creationId xmlns:a16="http://schemas.microsoft.com/office/drawing/2014/main" id="{7EF4003B-2662-4313-92B3-2AC079538360}"/>
+              </a:ext>
+            </a:extLst>
+          </p:cNvPr>
+          <p:cNvSpPr>
+            <a:spLocks noGrp="1"/>
+          </p:cNvSpPr>
+          <p:nvPr>
+            <p:ph idx="1"/>
+          </p:nvPr>
+        </p:nvSpPr>
+        <p:spPr/>
+        <p:txBody>
+          <a:bodyPr>
+            <a:normAutofit/>
+          </a:bodyPr>
+          <a:lstStyle/>
+          <a:p>
+            <a:pPr algn="just"/>
+            <a:r>
+              <a:rPr lang="pl-PL" dirty="0" err="1"/>
+              <a:t>Code</a:t>
+            </a:r>
+            <a:r>
+              <a:rPr lang="pl-PL" dirty="0"/>
+              <a:t> </a:t>
+            </a:r>
+            <a:r>
+              <a:rPr lang="pl-PL" dirty="0" err="1"/>
+              <a:t>instrumentation</a:t>
+            </a:r>
+            <a:r>
+              <a:rPr lang="pl-PL" dirty="0"/>
+              <a:t> </a:t>
+            </a:r>
+            <a:r>
+              <a:rPr lang="pl-PL" dirty="0" err="1"/>
+              <a:t>is</a:t>
+            </a:r>
+            <a:r>
+              <a:rPr lang="pl-PL" dirty="0"/>
+              <a:t> </a:t>
+            </a:r>
+            <a:r>
+              <a:rPr lang="pl-PL" dirty="0" err="1"/>
+              <a:t>supported</a:t>
+            </a:r>
+            <a:r>
+              <a:rPr lang="pl-PL" dirty="0"/>
+              <a:t> for </a:t>
+            </a:r>
+            <a:r>
+              <a:rPr lang="pl-PL" dirty="0" err="1"/>
+              <a:t>many</a:t>
+            </a:r>
+            <a:r>
+              <a:rPr lang="pl-PL" dirty="0"/>
+              <a:t> </a:t>
+            </a:r>
+            <a:r>
+              <a:rPr lang="pl-PL" dirty="0" err="1"/>
+              <a:t>programming</a:t>
+            </a:r>
+            <a:r>
+              <a:rPr lang="pl-PL" dirty="0"/>
+              <a:t> </a:t>
+            </a:r>
+            <a:r>
+              <a:rPr lang="pl-PL" dirty="0" err="1"/>
+              <a:t>languages</a:t>
+            </a:r>
+            <a:r>
+              <a:rPr lang="pl-PL" dirty="0"/>
+              <a:t>, </a:t>
+            </a:r>
+            <a:r>
+              <a:rPr lang="pl-PL" dirty="0" err="1"/>
+              <a:t>including</a:t>
+            </a:r>
+            <a:endParaRPr lang="pl-PL" dirty="0"/>
+          </a:p>
+          <a:p>
+            <a:pPr algn="just"/>
+            <a:endParaRPr lang="en-GB" dirty="0"/>
+          </a:p>
+        </p:txBody>
+      </p:sp>
       <p:pic>
         <p:nvPicPr>
-          <p:cNvPr id="4" name="Obraz 3">
+          <p:cNvPr id="5" name="Obraz 4">
             <a:extLst>
               <a:ext uri="{FF2B5EF4-FFF2-40B4-BE49-F238E27FC236}">
-                <a16:creationId xmlns:a16="http://schemas.microsoft.com/office/drawing/2014/main" id="{C7FB3167-F54C-446D-BCB3-7AA12000A050}"/>
+                <a16:creationId xmlns:a16="http://schemas.microsoft.com/office/drawing/2014/main" id="{70AD36B6-E0A4-4DE3-839E-86C67478D716}"/>
               </a:ext>
             </a:extLst>
           </p:cNvPr>
@@ -4452,18 +5973,399 @@
         </p:blipFill>
         <p:spPr>
           <a:xfrm>
-            <a:off x="0" y="-703385"/>
-            <a:ext cx="12065115" cy="8521871"/>
+            <a:off x="2606983" y="2322700"/>
+            <a:ext cx="1392195" cy="1565485"/>
           </a:xfrm>
           <a:prstGeom prst="rect">
             <a:avLst/>
           </a:prstGeom>
         </p:spPr>
       </p:pic>
+      <p:pic>
+        <p:nvPicPr>
+          <p:cNvPr id="7" name="Obraz 6">
+            <a:extLst>
+              <a:ext uri="{FF2B5EF4-FFF2-40B4-BE49-F238E27FC236}">
+                <a16:creationId xmlns:a16="http://schemas.microsoft.com/office/drawing/2014/main" id="{BB21F5C7-EC51-416D-BE1E-B45D4A992A98}"/>
+              </a:ext>
+            </a:extLst>
+          </p:cNvPr>
+          <p:cNvPicPr>
+            <a:picLocks noChangeAspect="1"/>
+          </p:cNvPicPr>
+          <p:nvPr/>
+        </p:nvPicPr>
+        <p:blipFill>
+          <a:blip r:embed="rId3"/>
+          <a:stretch>
+            <a:fillRect/>
+          </a:stretch>
+        </p:blipFill>
+        <p:spPr>
+          <a:xfrm>
+            <a:off x="4363886" y="2478709"/>
+            <a:ext cx="1591549" cy="1591549"/>
+          </a:xfrm>
+          <a:prstGeom prst="rect">
+            <a:avLst/>
+          </a:prstGeom>
+        </p:spPr>
+      </p:pic>
+      <p:pic>
+        <p:nvPicPr>
+          <p:cNvPr id="9" name="Obraz 8">
+            <a:extLst>
+              <a:ext uri="{FF2B5EF4-FFF2-40B4-BE49-F238E27FC236}">
+                <a16:creationId xmlns:a16="http://schemas.microsoft.com/office/drawing/2014/main" id="{38B5E0A0-C836-4227-9C68-0F58D6C8D83F}"/>
+              </a:ext>
+            </a:extLst>
+          </p:cNvPr>
+          <p:cNvPicPr>
+            <a:picLocks noChangeAspect="1"/>
+          </p:cNvPicPr>
+          <p:nvPr/>
+        </p:nvPicPr>
+        <p:blipFill>
+          <a:blip r:embed="rId4"/>
+          <a:stretch>
+            <a:fillRect/>
+          </a:stretch>
+        </p:blipFill>
+        <p:spPr>
+          <a:xfrm>
+            <a:off x="3152763" y="4365150"/>
+            <a:ext cx="1376729" cy="1209051"/>
+          </a:xfrm>
+          <a:prstGeom prst="rect">
+            <a:avLst/>
+          </a:prstGeom>
+        </p:spPr>
+      </p:pic>
+      <p:pic>
+        <p:nvPicPr>
+          <p:cNvPr id="11" name="Obraz 10">
+            <a:extLst>
+              <a:ext uri="{FF2B5EF4-FFF2-40B4-BE49-F238E27FC236}">
+                <a16:creationId xmlns:a16="http://schemas.microsoft.com/office/drawing/2014/main" id="{0A7C7EE9-E435-4957-B819-2402DC252D8F}"/>
+              </a:ext>
+            </a:extLst>
+          </p:cNvPr>
+          <p:cNvPicPr>
+            <a:picLocks noChangeAspect="1"/>
+          </p:cNvPicPr>
+          <p:nvPr/>
+        </p:nvPicPr>
+        <p:blipFill>
+          <a:blip r:embed="rId5"/>
+          <a:stretch>
+            <a:fillRect/>
+          </a:stretch>
+        </p:blipFill>
+        <p:spPr>
+          <a:xfrm>
+            <a:off x="5955435" y="3857414"/>
+            <a:ext cx="1428750" cy="1428750"/>
+          </a:xfrm>
+          <a:prstGeom prst="rect">
+            <a:avLst/>
+          </a:prstGeom>
+        </p:spPr>
+      </p:pic>
+      <p:pic>
+        <p:nvPicPr>
+          <p:cNvPr id="19" name="Obraz 18">
+            <a:extLst>
+              <a:ext uri="{FF2B5EF4-FFF2-40B4-BE49-F238E27FC236}">
+                <a16:creationId xmlns:a16="http://schemas.microsoft.com/office/drawing/2014/main" id="{BB6119B2-A867-4A96-B2B5-DEB1F2E012AD}"/>
+              </a:ext>
+            </a:extLst>
+          </p:cNvPr>
+          <p:cNvPicPr>
+            <a:picLocks noChangeAspect="1"/>
+          </p:cNvPicPr>
+          <p:nvPr/>
+        </p:nvPicPr>
+        <p:blipFill>
+          <a:blip r:embed="rId6"/>
+          <a:stretch>
+            <a:fillRect/>
+          </a:stretch>
+        </p:blipFill>
+        <p:spPr>
+          <a:xfrm>
+            <a:off x="7524480" y="2380769"/>
+            <a:ext cx="2163270" cy="2163270"/>
+          </a:xfrm>
+          <a:prstGeom prst="rect">
+            <a:avLst/>
+          </a:prstGeom>
+        </p:spPr>
+      </p:pic>
+      <p:pic>
+        <p:nvPicPr>
+          <p:cNvPr id="21" name="Obraz 20">
+            <a:extLst>
+              <a:ext uri="{FF2B5EF4-FFF2-40B4-BE49-F238E27FC236}">
+                <a16:creationId xmlns:a16="http://schemas.microsoft.com/office/drawing/2014/main" id="{3DD14791-E8A3-4471-AF88-BFE69EFCA353}"/>
+              </a:ext>
+            </a:extLst>
+          </p:cNvPr>
+          <p:cNvPicPr>
+            <a:picLocks noChangeAspect="1"/>
+          </p:cNvPicPr>
+          <p:nvPr/>
+        </p:nvPicPr>
+        <p:blipFill>
+          <a:blip r:embed="rId7"/>
+          <a:stretch>
+            <a:fillRect/>
+          </a:stretch>
+        </p:blipFill>
+        <p:spPr>
+          <a:xfrm>
+            <a:off x="6918764" y="5106289"/>
+            <a:ext cx="1936941" cy="1082889"/>
+          </a:xfrm>
+          <a:prstGeom prst="rect">
+            <a:avLst/>
+          </a:prstGeom>
+        </p:spPr>
+      </p:pic>
+      <p:pic>
+        <p:nvPicPr>
+          <p:cNvPr id="27" name="Obraz 26">
+            <a:extLst>
+              <a:ext uri="{FF2B5EF4-FFF2-40B4-BE49-F238E27FC236}">
+                <a16:creationId xmlns:a16="http://schemas.microsoft.com/office/drawing/2014/main" id="{F2BB7D5F-06CB-4797-9AEB-7BED389DAD71}"/>
+              </a:ext>
+            </a:extLst>
+          </p:cNvPr>
+          <p:cNvPicPr>
+            <a:picLocks noChangeAspect="1"/>
+          </p:cNvPicPr>
+          <p:nvPr/>
+        </p:nvPicPr>
+        <p:blipFill>
+          <a:blip r:embed="rId8"/>
+          <a:stretch>
+            <a:fillRect/>
+          </a:stretch>
+        </p:blipFill>
+        <p:spPr>
+          <a:xfrm>
+            <a:off x="10177491" y="2548391"/>
+            <a:ext cx="978189" cy="1058843"/>
+          </a:xfrm>
+          <a:prstGeom prst="rect">
+            <a:avLst/>
+          </a:prstGeom>
+        </p:spPr>
+      </p:pic>
+      <p:pic>
+        <p:nvPicPr>
+          <p:cNvPr id="29" name="Obraz 28">
+            <a:extLst>
+              <a:ext uri="{FF2B5EF4-FFF2-40B4-BE49-F238E27FC236}">
+                <a16:creationId xmlns:a16="http://schemas.microsoft.com/office/drawing/2014/main" id="{7EB40C84-D900-440A-9889-BF1D934F1BAA}"/>
+              </a:ext>
+            </a:extLst>
+          </p:cNvPr>
+          <p:cNvPicPr>
+            <a:picLocks noChangeAspect="1"/>
+          </p:cNvPicPr>
+          <p:nvPr/>
+        </p:nvPicPr>
+        <p:blipFill>
+          <a:blip r:embed="rId9"/>
+          <a:stretch>
+            <a:fillRect/>
+          </a:stretch>
+        </p:blipFill>
+        <p:spPr>
+          <a:xfrm>
+            <a:off x="378965" y="4709604"/>
+            <a:ext cx="2240692" cy="1209974"/>
+          </a:xfrm>
+          <a:prstGeom prst="rect">
+            <a:avLst/>
+          </a:prstGeom>
+        </p:spPr>
+      </p:pic>
+      <p:pic>
+        <p:nvPicPr>
+          <p:cNvPr id="31" name="Obraz 30">
+            <a:extLst>
+              <a:ext uri="{FF2B5EF4-FFF2-40B4-BE49-F238E27FC236}">
+                <a16:creationId xmlns:a16="http://schemas.microsoft.com/office/drawing/2014/main" id="{640C7476-A8C1-43BF-95F5-600FE472AEBE}"/>
+              </a:ext>
+            </a:extLst>
+          </p:cNvPr>
+          <p:cNvPicPr>
+            <a:picLocks noChangeAspect="1"/>
+          </p:cNvPicPr>
+          <p:nvPr/>
+        </p:nvPicPr>
+        <p:blipFill>
+          <a:blip r:embed="rId10"/>
+          <a:stretch>
+            <a:fillRect/>
+          </a:stretch>
+        </p:blipFill>
+        <p:spPr>
+          <a:xfrm>
+            <a:off x="9387070" y="4404576"/>
+            <a:ext cx="1408352" cy="1565485"/>
+          </a:xfrm>
+          <a:prstGeom prst="rect">
+            <a:avLst/>
+          </a:prstGeom>
+        </p:spPr>
+      </p:pic>
+      <p:pic>
+        <p:nvPicPr>
+          <p:cNvPr id="35" name="Obraz 34">
+            <a:extLst>
+              <a:ext uri="{FF2B5EF4-FFF2-40B4-BE49-F238E27FC236}">
+                <a16:creationId xmlns:a16="http://schemas.microsoft.com/office/drawing/2014/main" id="{B7B8AA7A-FE3D-4E0F-B60F-90668B716E3E}"/>
+              </a:ext>
+            </a:extLst>
+          </p:cNvPr>
+          <p:cNvPicPr>
+            <a:picLocks noChangeAspect="1"/>
+          </p:cNvPicPr>
+          <p:nvPr/>
+        </p:nvPicPr>
+        <p:blipFill>
+          <a:blip r:embed="rId11"/>
+          <a:stretch>
+            <a:fillRect/>
+          </a:stretch>
+        </p:blipFill>
+        <p:spPr>
+          <a:xfrm>
+            <a:off x="6040412" y="2204979"/>
+            <a:ext cx="1297976" cy="1297976"/>
+          </a:xfrm>
+          <a:prstGeom prst="rect">
+            <a:avLst/>
+          </a:prstGeom>
+        </p:spPr>
+      </p:pic>
+      <p:pic>
+        <p:nvPicPr>
+          <p:cNvPr id="37" name="Obraz 36">
+            <a:extLst>
+              <a:ext uri="{FF2B5EF4-FFF2-40B4-BE49-F238E27FC236}">
+                <a16:creationId xmlns:a16="http://schemas.microsoft.com/office/drawing/2014/main" id="{0ECFB71B-7B4D-4A69-BF41-2386E1CA7983}"/>
+              </a:ext>
+            </a:extLst>
+          </p:cNvPr>
+          <p:cNvPicPr>
+            <a:picLocks noChangeAspect="1"/>
+          </p:cNvPicPr>
+          <p:nvPr/>
+        </p:nvPicPr>
+        <p:blipFill>
+          <a:blip r:embed="rId12"/>
+          <a:stretch>
+            <a:fillRect/>
+          </a:stretch>
+        </p:blipFill>
+        <p:spPr>
+          <a:xfrm>
+            <a:off x="4835944" y="5003943"/>
+            <a:ext cx="1193383" cy="1193383"/>
+          </a:xfrm>
+          <a:prstGeom prst="rect">
+            <a:avLst/>
+          </a:prstGeom>
+        </p:spPr>
+      </p:pic>
+      <p:pic>
+        <p:nvPicPr>
+          <p:cNvPr id="39" name="Obraz 38">
+            <a:extLst>
+              <a:ext uri="{FF2B5EF4-FFF2-40B4-BE49-F238E27FC236}">
+                <a16:creationId xmlns:a16="http://schemas.microsoft.com/office/drawing/2014/main" id="{327265DA-5F55-4135-8BF5-DA66A8F5EB4C}"/>
+              </a:ext>
+            </a:extLst>
+          </p:cNvPr>
+          <p:cNvPicPr>
+            <a:picLocks noChangeAspect="1"/>
+          </p:cNvPicPr>
+          <p:nvPr/>
+        </p:nvPicPr>
+        <p:blipFill>
+          <a:blip r:embed="rId13"/>
+          <a:stretch>
+            <a:fillRect/>
+          </a:stretch>
+        </p:blipFill>
+        <p:spPr>
+          <a:xfrm>
+            <a:off x="827103" y="2800227"/>
+            <a:ext cx="1344416" cy="1209974"/>
+          </a:xfrm>
+          <a:prstGeom prst="rect">
+            <a:avLst/>
+          </a:prstGeom>
+        </p:spPr>
+      </p:pic>
+      <p:sp>
+        <p:nvSpPr>
+          <p:cNvPr id="40" name="Prostokąt 39">
+            <a:extLst>
+              <a:ext uri="{FF2B5EF4-FFF2-40B4-BE49-F238E27FC236}">
+                <a16:creationId xmlns:a16="http://schemas.microsoft.com/office/drawing/2014/main" id="{5165ECBF-857C-462A-8FED-C480CD940103}"/>
+              </a:ext>
+            </a:extLst>
+          </p:cNvPr>
+          <p:cNvSpPr/>
+          <p:nvPr/>
+        </p:nvSpPr>
+        <p:spPr>
+          <a:xfrm>
+            <a:off x="10531138" y="6466361"/>
+            <a:ext cx="1558825" cy="369332"/>
+          </a:xfrm>
+          <a:prstGeom prst="rect">
+            <a:avLst/>
+          </a:prstGeom>
+        </p:spPr>
+        <p:txBody>
+          <a:bodyPr wrap="none">
+            <a:spAutoFit/>
+          </a:bodyPr>
+          <a:lstStyle/>
+          <a:p>
+            <a:r>
+              <a:rPr lang="pl-PL" dirty="0">
+                <a:solidFill>
+                  <a:schemeClr val="bg1"/>
+                </a:solidFill>
+              </a:rPr>
+              <a:t>@</a:t>
+            </a:r>
+            <a:r>
+              <a:rPr lang="pl-PL" dirty="0" err="1">
+                <a:solidFill>
+                  <a:schemeClr val="bg1"/>
+                </a:solidFill>
+              </a:rPr>
+              <a:t>lukaszpyrzyk</a:t>
+            </a:r>
+            <a:endParaRPr lang="en-GB" dirty="0">
+              <a:solidFill>
+                <a:schemeClr val="bg1"/>
+              </a:solidFill>
+            </a:endParaRPr>
+          </a:p>
+        </p:txBody>
+      </p:sp>
     </p:spTree>
     <p:extLst>
       <p:ext uri="{BB962C8B-B14F-4D97-AF65-F5344CB8AC3E}">
-        <p14:creationId xmlns:p14="http://schemas.microsoft.com/office/powerpoint/2010/main" val="1141810024"/>
+        <p14:creationId xmlns:p14="http://schemas.microsoft.com/office/powerpoint/2010/main" val="3388810631"/>
       </p:ext>
     </p:extLst>
   </p:cSld>
@@ -4490,40 +6392,374 @@
           <a:chExt cx="0" cy="0"/>
         </a:xfrm>
       </p:grpSpPr>
-      <p:pic>
-        <p:nvPicPr>
-          <p:cNvPr id="4" name="Obraz 3">
+      <p:sp>
+        <p:nvSpPr>
+          <p:cNvPr id="2" name="Tytuł 1">
             <a:extLst>
               <a:ext uri="{FF2B5EF4-FFF2-40B4-BE49-F238E27FC236}">
-                <a16:creationId xmlns:a16="http://schemas.microsoft.com/office/drawing/2014/main" id="{91C68FAC-1A2C-4922-85D4-DDF604EAA8E5}"/>
+                <a16:creationId xmlns:a16="http://schemas.microsoft.com/office/drawing/2014/main" id="{FF311FA3-93F1-4DC2-9EA1-F297D189ACA7}"/>
               </a:ext>
             </a:extLst>
           </p:cNvPr>
-          <p:cNvPicPr>
-            <a:picLocks noChangeAspect="1"/>
-          </p:cNvPicPr>
+          <p:cNvSpPr>
+            <a:spLocks noGrp="1"/>
+          </p:cNvSpPr>
+          <p:nvPr>
+            <p:ph type="title"/>
+          </p:nvPr>
+        </p:nvSpPr>
+        <p:spPr/>
+        <p:txBody>
+          <a:bodyPr/>
+          <a:lstStyle/>
+          <a:p>
+            <a:r>
+              <a:rPr lang="pl-PL" dirty="0" err="1">
+                <a:solidFill>
+                  <a:srgbClr val="FFC000"/>
+                </a:solidFill>
+              </a:rPr>
+              <a:t>Open</a:t>
+            </a:r>
+            <a:r>
+              <a:rPr lang="pl-PL" dirty="0" err="1">
+                <a:solidFill>
+                  <a:srgbClr val="425CC7"/>
+                </a:solidFill>
+              </a:rPr>
+              <a:t>Telemetry</a:t>
+            </a:r>
+            <a:r>
+              <a:rPr lang="pl-PL" dirty="0"/>
+              <a:t>	</a:t>
+            </a:r>
+            <a:endParaRPr lang="en-GB" dirty="0"/>
+          </a:p>
+        </p:txBody>
+      </p:sp>
+      <p:sp>
+        <p:nvSpPr>
+          <p:cNvPr id="3" name="Symbol zastępczy zawartości 2">
+            <a:extLst>
+              <a:ext uri="{FF2B5EF4-FFF2-40B4-BE49-F238E27FC236}">
+                <a16:creationId xmlns:a16="http://schemas.microsoft.com/office/drawing/2014/main" id="{7EF4003B-2662-4313-92B3-2AC079538360}"/>
+              </a:ext>
+            </a:extLst>
+          </p:cNvPr>
+          <p:cNvSpPr>
+            <a:spLocks noGrp="1"/>
+          </p:cNvSpPr>
+          <p:nvPr>
+            <p:ph idx="1"/>
+          </p:nvPr>
+        </p:nvSpPr>
+        <p:spPr/>
+        <p:txBody>
+          <a:bodyPr>
+            <a:normAutofit lnSpcReduction="10000"/>
+          </a:bodyPr>
+          <a:lstStyle/>
+          <a:p>
+            <a:pPr algn="just"/>
+            <a:r>
+              <a:rPr lang="pl-PL" dirty="0"/>
+              <a:t>SDK for .NET </a:t>
+            </a:r>
+            <a:r>
+              <a:rPr lang="pl-PL" dirty="0" err="1"/>
+              <a:t>is</a:t>
+            </a:r>
+            <a:r>
+              <a:rPr lang="pl-PL" dirty="0"/>
+              <a:t> </a:t>
+            </a:r>
+            <a:r>
+              <a:rPr lang="pl-PL" dirty="0" err="1"/>
+              <a:t>based</a:t>
+            </a:r>
+            <a:r>
+              <a:rPr lang="pl-PL" dirty="0"/>
+              <a:t> on the </a:t>
+            </a:r>
+            <a:r>
+              <a:rPr lang="pl-PL" dirty="0" err="1"/>
+              <a:t>few</a:t>
+            </a:r>
+            <a:r>
+              <a:rPr lang="pl-PL" dirty="0"/>
+              <a:t> </a:t>
+            </a:r>
+            <a:r>
+              <a:rPr lang="pl-PL" dirty="0" err="1"/>
+              <a:t>nuget</a:t>
+            </a:r>
+            <a:r>
+              <a:rPr lang="pl-PL" dirty="0"/>
+              <a:t> </a:t>
+            </a:r>
+            <a:r>
+              <a:rPr lang="pl-PL" dirty="0" err="1"/>
+              <a:t>packages</a:t>
+            </a:r>
+            <a:endParaRPr lang="pl-PL" dirty="0"/>
+          </a:p>
+          <a:p>
+            <a:pPr lvl="1" algn="just">
+              <a:buFont typeface="Wingdings" panose="05000000000000000000" pitchFamily="2" charset="2"/>
+              <a:buChar char="v"/>
+            </a:pPr>
+            <a:r>
+              <a:rPr lang="pl-PL" dirty="0" err="1"/>
+              <a:t>OpenTelemetry</a:t>
+            </a:r>
+            <a:endParaRPr lang="pl-PL" dirty="0"/>
+          </a:p>
+          <a:p>
+            <a:pPr lvl="1" algn="just">
+              <a:buFont typeface="Wingdings" panose="05000000000000000000" pitchFamily="2" charset="2"/>
+              <a:buChar char="v"/>
+            </a:pPr>
+            <a:r>
+              <a:rPr lang="pl-PL" dirty="0" err="1"/>
+              <a:t>OpenTelemetry.API</a:t>
+            </a:r>
+            <a:endParaRPr lang="pl-PL" dirty="0"/>
+          </a:p>
+          <a:p>
+            <a:pPr lvl="1" algn="just">
+              <a:buFont typeface="Wingdings" panose="05000000000000000000" pitchFamily="2" charset="2"/>
+              <a:buChar char="v"/>
+            </a:pPr>
+            <a:r>
+              <a:rPr lang="pl-PL" dirty="0" err="1"/>
+              <a:t>OpenTelemetry.Instrumentation.AspNetCore</a:t>
+            </a:r>
+            <a:endParaRPr lang="pl-PL" dirty="0"/>
+          </a:p>
+          <a:p>
+            <a:pPr lvl="1" algn="just">
+              <a:buFont typeface="Wingdings" panose="05000000000000000000" pitchFamily="2" charset="2"/>
+              <a:buChar char="v"/>
+            </a:pPr>
+            <a:r>
+              <a:rPr lang="pl-PL" dirty="0" err="1"/>
+              <a:t>OpenTelemetry.Instrumentation.GrpcNetClient</a:t>
+            </a:r>
+            <a:endParaRPr lang="pl-PL" dirty="0"/>
+          </a:p>
+          <a:p>
+            <a:pPr lvl="1" algn="just">
+              <a:buFont typeface="Wingdings" panose="05000000000000000000" pitchFamily="2" charset="2"/>
+              <a:buChar char="v"/>
+            </a:pPr>
+            <a:r>
+              <a:rPr lang="pl-PL" dirty="0" err="1"/>
+              <a:t>OpenTelemetry.Instrumentation.Http</a:t>
+            </a:r>
+            <a:endParaRPr lang="pl-PL" dirty="0"/>
+          </a:p>
+          <a:p>
+            <a:pPr lvl="1" algn="just">
+              <a:buFont typeface="Wingdings" panose="05000000000000000000" pitchFamily="2" charset="2"/>
+              <a:buChar char="v"/>
+            </a:pPr>
+            <a:r>
+              <a:rPr lang="pl-PL" dirty="0" err="1"/>
+              <a:t>OpenTelemetry.Instrumentation.SqlClient</a:t>
+            </a:r>
+            <a:endParaRPr lang="pl-PL" dirty="0"/>
+          </a:p>
+          <a:p>
+            <a:pPr lvl="1" algn="just">
+              <a:buFont typeface="Wingdings" panose="05000000000000000000" pitchFamily="2" charset="2"/>
+              <a:buChar char="v"/>
+            </a:pPr>
+            <a:r>
+              <a:rPr lang="pl-PL" dirty="0" err="1"/>
+              <a:t>OpenTelemetry.Exporter.OpenTelemetryProtocol</a:t>
+            </a:r>
+            <a:endParaRPr lang="pl-PL" dirty="0"/>
+          </a:p>
+          <a:p>
+            <a:pPr lvl="1" algn="just">
+              <a:buFont typeface="Wingdings" panose="05000000000000000000" pitchFamily="2" charset="2"/>
+              <a:buChar char="v"/>
+            </a:pPr>
+            <a:r>
+              <a:rPr lang="pl-PL" dirty="0" err="1"/>
+              <a:t>OpenTelemetry.Exporter.InMemory</a:t>
+            </a:r>
+            <a:endParaRPr lang="pl-PL" dirty="0"/>
+          </a:p>
+          <a:p>
+            <a:pPr lvl="1" algn="just">
+              <a:buFont typeface="Wingdings" panose="05000000000000000000" pitchFamily="2" charset="2"/>
+              <a:buChar char="v"/>
+            </a:pPr>
+            <a:r>
+              <a:rPr lang="pl-PL" dirty="0" err="1"/>
+              <a:t>OpenTelemetry.Exporter.Zipkin</a:t>
+            </a:r>
+            <a:endParaRPr lang="pl-PL" dirty="0"/>
+          </a:p>
+          <a:p>
+            <a:pPr marL="201168" lvl="1" indent="0" algn="just">
+              <a:buNone/>
+            </a:pPr>
+            <a:endParaRPr lang="pl-PL" dirty="0"/>
+          </a:p>
+          <a:p>
+            <a:pPr marL="201168" lvl="1" indent="0" algn="just">
+              <a:buNone/>
+            </a:pPr>
+            <a:r>
+              <a:rPr lang="pl-PL" dirty="0"/>
+              <a:t>And </a:t>
+            </a:r>
+            <a:r>
+              <a:rPr lang="pl-PL" dirty="0" err="1"/>
+              <a:t>more</a:t>
+            </a:r>
+            <a:r>
+              <a:rPr lang="pl-PL" dirty="0"/>
+              <a:t> </a:t>
+            </a:r>
+            <a:r>
+              <a:rPr lang="pl-PL" dirty="0" err="1"/>
+              <a:t>exporters</a:t>
+            </a:r>
+            <a:r>
+              <a:rPr lang="pl-PL" dirty="0"/>
+              <a:t> and </a:t>
+            </a:r>
+            <a:r>
+              <a:rPr lang="pl-PL" dirty="0" err="1"/>
+              <a:t>instrumentations</a:t>
+            </a:r>
+            <a:r>
+              <a:rPr lang="pl-PL" dirty="0"/>
+              <a:t>, </a:t>
+            </a:r>
+            <a:r>
+              <a:rPr lang="pl-PL" dirty="0" err="1"/>
+              <a:t>official</a:t>
+            </a:r>
+            <a:r>
+              <a:rPr lang="pl-PL" dirty="0"/>
+              <a:t> and one from the </a:t>
+            </a:r>
+            <a:r>
+              <a:rPr lang="pl-PL" dirty="0" err="1"/>
+              <a:t>OpenSource</a:t>
+            </a:r>
+            <a:r>
+              <a:rPr lang="pl-PL" dirty="0"/>
+              <a:t> </a:t>
+            </a:r>
+            <a:r>
+              <a:rPr lang="pl-PL" dirty="0" err="1"/>
+              <a:t>contributors</a:t>
+            </a:r>
+            <a:r>
+              <a:rPr lang="pl-PL" dirty="0"/>
+              <a:t>, </a:t>
+            </a:r>
+            <a:r>
+              <a:rPr lang="pl-PL" dirty="0" err="1"/>
+              <a:t>like</a:t>
+            </a:r>
+            <a:br>
+              <a:rPr lang="pl-PL" dirty="0"/>
+            </a:br>
+            <a:r>
+              <a:rPr lang="pl-PL" dirty="0" err="1"/>
+              <a:t>OpenTelemetry.Contrib.Instrumentation.AWS</a:t>
+            </a:r>
+            <a:endParaRPr lang="pl-PL" dirty="0"/>
+          </a:p>
+          <a:p>
+            <a:pPr marL="201168" lvl="1" indent="0" algn="just">
+              <a:buNone/>
+            </a:pPr>
+            <a:endParaRPr lang="pl-PL" dirty="0"/>
+          </a:p>
+          <a:p>
+            <a:pPr lvl="1" algn="just">
+              <a:buFont typeface="Wingdings" panose="05000000000000000000" pitchFamily="2" charset="2"/>
+              <a:buChar char="v"/>
+            </a:pPr>
+            <a:endParaRPr lang="pl-PL" dirty="0"/>
+          </a:p>
+          <a:p>
+            <a:pPr lvl="1" algn="just">
+              <a:buFont typeface="Wingdings" panose="05000000000000000000" pitchFamily="2" charset="2"/>
+              <a:buChar char="v"/>
+            </a:pPr>
+            <a:endParaRPr lang="pl-PL" dirty="0"/>
+          </a:p>
+          <a:p>
+            <a:pPr marL="201168" lvl="1" indent="0" algn="just">
+              <a:buNone/>
+            </a:pPr>
+            <a:endParaRPr lang="pl-PL" dirty="0"/>
+          </a:p>
+        </p:txBody>
+      </p:sp>
+      <p:sp>
+        <p:nvSpPr>
+          <p:cNvPr id="25" name="Prostokąt 24">
+            <a:extLst>
+              <a:ext uri="{FF2B5EF4-FFF2-40B4-BE49-F238E27FC236}">
+                <a16:creationId xmlns:a16="http://schemas.microsoft.com/office/drawing/2014/main" id="{F22E8CEC-F1B9-41DD-B402-E372147BCD89}"/>
+              </a:ext>
+            </a:extLst>
+          </p:cNvPr>
+          <p:cNvSpPr/>
           <p:nvPr/>
-        </p:nvPicPr>
-        <p:blipFill>
-          <a:blip r:embed="rId2"/>
-          <a:stretch>
-            <a:fillRect/>
-          </a:stretch>
-        </p:blipFill>
+        </p:nvSpPr>
         <p:spPr>
           <a:xfrm>
-            <a:off x="0" y="0"/>
-            <a:ext cx="13441862" cy="6858000"/>
+            <a:off x="10531138" y="6466361"/>
+            <a:ext cx="1558825" cy="369332"/>
           </a:xfrm>
           <a:prstGeom prst="rect">
             <a:avLst/>
           </a:prstGeom>
         </p:spPr>
-      </p:pic>
+        <p:txBody>
+          <a:bodyPr wrap="none">
+            <a:spAutoFit/>
+          </a:bodyPr>
+          <a:lstStyle/>
+          <a:p>
+            <a:r>
+              <a:rPr lang="pl-PL" dirty="0">
+                <a:solidFill>
+                  <a:schemeClr val="bg1"/>
+                </a:solidFill>
+              </a:rPr>
+              <a:t>@</a:t>
+            </a:r>
+            <a:r>
+              <a:rPr lang="pl-PL" dirty="0" err="1">
+                <a:solidFill>
+                  <a:schemeClr val="bg1"/>
+                </a:solidFill>
+              </a:rPr>
+              <a:t>lukaszpyrzyk</a:t>
+            </a:r>
+            <a:endParaRPr lang="en-GB" dirty="0">
+              <a:solidFill>
+                <a:schemeClr val="bg1"/>
+              </a:solidFill>
+            </a:endParaRPr>
+          </a:p>
+        </p:txBody>
+      </p:sp>
     </p:spTree>
     <p:extLst>
       <p:ext uri="{BB962C8B-B14F-4D97-AF65-F5344CB8AC3E}">
-        <p14:creationId xmlns:p14="http://schemas.microsoft.com/office/powerpoint/2010/main" val="2092907433"/>
+        <p14:creationId xmlns:p14="http://schemas.microsoft.com/office/powerpoint/2010/main" val="428082036"/>
       </p:ext>
     </p:extLst>
   </p:cSld>
@@ -4552,10 +6788,10 @@
       </p:grpSpPr>
       <p:pic>
         <p:nvPicPr>
-          <p:cNvPr id="4" name="Obraz 3">
+          <p:cNvPr id="14" name="Obraz 13">
             <a:extLst>
               <a:ext uri="{FF2B5EF4-FFF2-40B4-BE49-F238E27FC236}">
-                <a16:creationId xmlns:a16="http://schemas.microsoft.com/office/drawing/2014/main" id="{D291D5A3-8A3B-4929-86F4-78A73EF8B1D9}"/>
+                <a16:creationId xmlns:a16="http://schemas.microsoft.com/office/drawing/2014/main" id="{F65532C8-129B-49AE-9F69-5226820AC0CB}"/>
               </a:ext>
             </a:extLst>
           </p:cNvPr>
@@ -4572,18 +6808,70 @@
         </p:blipFill>
         <p:spPr>
           <a:xfrm>
-            <a:off x="2490651" y="0"/>
-            <a:ext cx="7210697" cy="6858000"/>
+            <a:off x="0" y="0"/>
+            <a:ext cx="12192000" cy="6307830"/>
           </a:xfrm>
           <a:prstGeom prst="rect">
             <a:avLst/>
           </a:prstGeom>
         </p:spPr>
       </p:pic>
+      <p:sp>
+        <p:nvSpPr>
+          <p:cNvPr id="15" name="Prostokąt 14">
+            <a:extLst>
+              <a:ext uri="{FF2B5EF4-FFF2-40B4-BE49-F238E27FC236}">
+                <a16:creationId xmlns:a16="http://schemas.microsoft.com/office/drawing/2014/main" id="{D9110784-02E3-42BF-BFAB-7A31B187050B}"/>
+              </a:ext>
+            </a:extLst>
+          </p:cNvPr>
+          <p:cNvSpPr/>
+          <p:nvPr/>
+        </p:nvSpPr>
+        <p:spPr>
+          <a:xfrm>
+            <a:off x="2108887" y="6365496"/>
+            <a:ext cx="9572368" cy="369332"/>
+          </a:xfrm>
+          <a:prstGeom prst="rect">
+            <a:avLst/>
+          </a:prstGeom>
+        </p:spPr>
+        <p:txBody>
+          <a:bodyPr wrap="square">
+            <a:spAutoFit/>
+          </a:bodyPr>
+          <a:lstStyle/>
+          <a:p>
+            <a:r>
+              <a:rPr lang="pl-PL" dirty="0">
+                <a:solidFill>
+                  <a:schemeClr val="bg1"/>
+                </a:solidFill>
+                <a:latin typeface="Calibri" panose="020F0502020204030204" pitchFamily="34" charset="0"/>
+                <a:hlinkClick r:id="rId3">
+                  <a:extLst>
+                    <a:ext uri="{A12FA001-AC4F-418D-AE19-62706E023703}">
+                      <ahyp:hlinkClr xmlns:ahyp="http://schemas.microsoft.com/office/drawing/2018/hyperlinkcolor" val="tx"/>
+                    </a:ext>
+                  </a:extLst>
+                </a:hlinkClick>
+              </a:rPr>
+              <a:t>https://all.devstats.cncf.io/d/1/activity-repository-groups?orgId=1&amp;from=now-30d&amp;to=now-1h</a:t>
+            </a:r>
+            <a:endParaRPr lang="pl-PL" dirty="0">
+              <a:solidFill>
+                <a:schemeClr val="bg1"/>
+              </a:solidFill>
+              <a:latin typeface="Calibri" panose="020F0502020204030204" pitchFamily="34" charset="0"/>
+            </a:endParaRPr>
+          </a:p>
+        </p:txBody>
+      </p:sp>
     </p:spTree>
     <p:extLst>
       <p:ext uri="{BB962C8B-B14F-4D97-AF65-F5344CB8AC3E}">
-        <p14:creationId xmlns:p14="http://schemas.microsoft.com/office/powerpoint/2010/main" val="2505307098"/>
+        <p14:creationId xmlns:p14="http://schemas.microsoft.com/office/powerpoint/2010/main" val="2460058264"/>
       </p:ext>
     </p:extLst>
   </p:cSld>
@@ -4610,40 +6898,623 @@
           <a:chExt cx="0" cy="0"/>
         </a:xfrm>
       </p:grpSpPr>
-      <p:pic>
-        <p:nvPicPr>
-          <p:cNvPr id="4" name="Obraz 3">
+      <p:sp>
+        <p:nvSpPr>
+          <p:cNvPr id="2" name="Tytuł 1">
             <a:extLst>
               <a:ext uri="{FF2B5EF4-FFF2-40B4-BE49-F238E27FC236}">
-                <a16:creationId xmlns:a16="http://schemas.microsoft.com/office/drawing/2014/main" id="{338E7E2E-DF44-479D-A751-78F4CEA0E4E6}"/>
+                <a16:creationId xmlns:a16="http://schemas.microsoft.com/office/drawing/2014/main" id="{B6D19CAD-3E7F-4828-9E86-E249458910C5}"/>
               </a:ext>
             </a:extLst>
           </p:cNvPr>
-          <p:cNvPicPr>
-            <a:picLocks noChangeAspect="1"/>
-          </p:cNvPicPr>
+          <p:cNvSpPr>
+            <a:spLocks noGrp="1"/>
+          </p:cNvSpPr>
+          <p:nvPr>
+            <p:ph type="title"/>
+          </p:nvPr>
+        </p:nvSpPr>
+        <p:spPr/>
+        <p:txBody>
+          <a:bodyPr/>
+          <a:lstStyle/>
+          <a:p>
+            <a:r>
+              <a:rPr lang="pl-PL" dirty="0"/>
+              <a:t>Basics of </a:t>
+            </a:r>
+            <a:r>
+              <a:rPr lang="pl-PL" dirty="0" err="1"/>
+              <a:t>tracing</a:t>
+            </a:r>
+            <a:endParaRPr lang="en-GB" dirty="0"/>
+          </a:p>
+        </p:txBody>
+      </p:sp>
+      <p:sp>
+        <p:nvSpPr>
+          <p:cNvPr id="3" name="Symbol zastępczy zawartości 2">
+            <a:extLst>
+              <a:ext uri="{FF2B5EF4-FFF2-40B4-BE49-F238E27FC236}">
+                <a16:creationId xmlns:a16="http://schemas.microsoft.com/office/drawing/2014/main" id="{51CEAB97-2205-4703-B3D4-5DF5F32A0DAC}"/>
+              </a:ext>
+            </a:extLst>
+          </p:cNvPr>
+          <p:cNvSpPr>
+            <a:spLocks noGrp="1"/>
+          </p:cNvSpPr>
+          <p:nvPr>
+            <p:ph idx="1"/>
+          </p:nvPr>
+        </p:nvSpPr>
+        <p:spPr/>
+        <p:txBody>
+          <a:bodyPr/>
+          <a:lstStyle/>
+          <a:p>
+            <a:pPr>
+              <a:buFont typeface="Wingdings" panose="05000000000000000000" pitchFamily="2" charset="2"/>
+              <a:buChar char="v"/>
+            </a:pPr>
+            <a:r>
+              <a:rPr lang="pl-PL" dirty="0" err="1"/>
+              <a:t>Context</a:t>
+            </a:r>
+            <a:r>
+              <a:rPr lang="pl-PL" dirty="0"/>
+              <a:t>: W3C </a:t>
+            </a:r>
+            <a:r>
+              <a:rPr lang="pl-PL" dirty="0" err="1"/>
+              <a:t>trace-context</a:t>
+            </a:r>
+            <a:r>
+              <a:rPr lang="pl-PL" dirty="0"/>
+              <a:t>, B3 (</a:t>
+            </a:r>
+            <a:r>
+              <a:rPr lang="pl-PL" dirty="0">
+                <a:hlinkClick r:id="rId2"/>
+              </a:rPr>
+              <a:t>https://github.com/openzipkin/b3-propagation</a:t>
+            </a:r>
+            <a:r>
+              <a:rPr lang="pl-PL" dirty="0"/>
+              <a:t>), </a:t>
+            </a:r>
+            <a:r>
+              <a:rPr lang="pl-PL" dirty="0" err="1"/>
+              <a:t>or</a:t>
+            </a:r>
+            <a:r>
+              <a:rPr lang="pl-PL" dirty="0"/>
+              <a:t> </a:t>
+            </a:r>
+            <a:r>
+              <a:rPr lang="pl-PL" dirty="0" err="1"/>
+              <a:t>any</a:t>
+            </a:r>
+            <a:r>
+              <a:rPr lang="pl-PL" dirty="0"/>
+              <a:t> </a:t>
+            </a:r>
+            <a:r>
+              <a:rPr lang="pl-PL" dirty="0" err="1"/>
+              <a:t>other</a:t>
+            </a:r>
+            <a:endParaRPr lang="pl-PL" dirty="0"/>
+          </a:p>
+          <a:p>
+            <a:pPr>
+              <a:buFont typeface="Wingdings" panose="05000000000000000000" pitchFamily="2" charset="2"/>
+              <a:buChar char="v"/>
+            </a:pPr>
+            <a:r>
+              <a:rPr lang="pl-PL" dirty="0" err="1"/>
+              <a:t>Tracer</a:t>
+            </a:r>
+            <a:r>
+              <a:rPr lang="pl-PL" dirty="0"/>
+              <a:t>: a </a:t>
+            </a:r>
+            <a:r>
+              <a:rPr lang="pl-PL" dirty="0" err="1"/>
+              <a:t>way</a:t>
+            </a:r>
+            <a:r>
+              <a:rPr lang="pl-PL" dirty="0"/>
+              <a:t> to </a:t>
+            </a:r>
+            <a:r>
+              <a:rPr lang="pl-PL" dirty="0" err="1"/>
+              <a:t>get</a:t>
+            </a:r>
+            <a:r>
+              <a:rPr lang="pl-PL" dirty="0"/>
+              <a:t> the </a:t>
+            </a:r>
+            <a:r>
+              <a:rPr lang="pl-PL" dirty="0" err="1"/>
+              <a:t>trace</a:t>
+            </a:r>
+            <a:r>
+              <a:rPr lang="pl-PL" dirty="0"/>
+              <a:t> </a:t>
+            </a:r>
+            <a:r>
+              <a:rPr lang="pl-PL" dirty="0" err="1"/>
+              <a:t>context</a:t>
+            </a:r>
+            <a:endParaRPr lang="pl-PL" dirty="0"/>
+          </a:p>
+          <a:p>
+            <a:pPr>
+              <a:buFont typeface="Wingdings" panose="05000000000000000000" pitchFamily="2" charset="2"/>
+              <a:buChar char="v"/>
+            </a:pPr>
+            <a:r>
+              <a:rPr lang="pl-PL" dirty="0" err="1"/>
+              <a:t>Span</a:t>
+            </a:r>
+            <a:r>
+              <a:rPr lang="pl-PL" dirty="0"/>
+              <a:t>: </a:t>
+            </a:r>
+            <a:r>
+              <a:rPr lang="pl-PL" dirty="0" err="1"/>
+              <a:t>represents</a:t>
+            </a:r>
+            <a:r>
+              <a:rPr lang="pl-PL" dirty="0"/>
+              <a:t> a single </a:t>
+            </a:r>
+            <a:r>
+              <a:rPr lang="pl-PL" dirty="0" err="1"/>
+              <a:t>specific</a:t>
+            </a:r>
+            <a:r>
+              <a:rPr lang="pl-PL" dirty="0"/>
+              <a:t> </a:t>
+            </a:r>
+            <a:r>
+              <a:rPr lang="pl-PL" dirty="0" err="1"/>
+              <a:t>action</a:t>
+            </a:r>
+            <a:r>
+              <a:rPr lang="pl-PL" dirty="0"/>
+              <a:t> happening in the </a:t>
+            </a:r>
+            <a:r>
+              <a:rPr lang="pl-PL" dirty="0" err="1"/>
+              <a:t>trace</a:t>
+            </a:r>
+            <a:r>
+              <a:rPr lang="pl-PL" dirty="0"/>
+              <a:t>, </a:t>
+            </a:r>
+            <a:r>
+              <a:rPr lang="pl-PL" dirty="0" err="1"/>
+              <a:t>contains</a:t>
+            </a:r>
+            <a:r>
+              <a:rPr lang="pl-PL" dirty="0"/>
+              <a:t> </a:t>
+            </a:r>
+            <a:r>
+              <a:rPr lang="pl-PL" dirty="0" err="1"/>
+              <a:t>many</a:t>
+            </a:r>
+            <a:r>
+              <a:rPr lang="pl-PL" dirty="0"/>
+              <a:t> </a:t>
+            </a:r>
+            <a:r>
+              <a:rPr lang="pl-PL" dirty="0" err="1"/>
+              <a:t>attributes</a:t>
+            </a:r>
+            <a:r>
+              <a:rPr lang="pl-PL" dirty="0"/>
+              <a:t> </a:t>
+            </a:r>
+            <a:r>
+              <a:rPr lang="pl-PL" dirty="0" err="1"/>
+              <a:t>like</a:t>
+            </a:r>
+            <a:r>
+              <a:rPr lang="pl-PL" dirty="0"/>
+              <a:t>:</a:t>
+            </a:r>
+          </a:p>
+          <a:p>
+            <a:pPr lvl="1">
+              <a:buFont typeface="Wingdings" panose="05000000000000000000" pitchFamily="2" charset="2"/>
+              <a:buChar char="v"/>
+            </a:pPr>
+            <a:r>
+              <a:rPr lang="pl-PL" dirty="0" err="1"/>
+              <a:t>Kind</a:t>
+            </a:r>
+            <a:r>
+              <a:rPr lang="pl-PL" dirty="0"/>
+              <a:t> – </a:t>
+            </a:r>
+            <a:r>
+              <a:rPr lang="pl-PL" dirty="0" err="1"/>
+              <a:t>client</a:t>
+            </a:r>
+            <a:r>
+              <a:rPr lang="pl-PL" dirty="0"/>
+              <a:t>/</a:t>
+            </a:r>
+            <a:r>
+              <a:rPr lang="pl-PL" dirty="0" err="1"/>
+              <a:t>server</a:t>
+            </a:r>
+            <a:r>
+              <a:rPr lang="pl-PL" dirty="0"/>
+              <a:t>/</a:t>
+            </a:r>
+            <a:r>
+              <a:rPr lang="pl-PL" dirty="0" err="1"/>
+              <a:t>producer</a:t>
+            </a:r>
+            <a:r>
+              <a:rPr lang="pl-PL" dirty="0"/>
+              <a:t>/</a:t>
+            </a:r>
+            <a:r>
+              <a:rPr lang="pl-PL" dirty="0" err="1"/>
+              <a:t>consumer</a:t>
+            </a:r>
+            <a:r>
+              <a:rPr lang="pl-PL" dirty="0"/>
+              <a:t>/</a:t>
+            </a:r>
+            <a:r>
+              <a:rPr lang="pl-PL" dirty="0" err="1"/>
+              <a:t>internal</a:t>
+            </a:r>
+            <a:endParaRPr lang="pl-PL" dirty="0"/>
+          </a:p>
+          <a:p>
+            <a:pPr lvl="1">
+              <a:buFont typeface="Wingdings" panose="05000000000000000000" pitchFamily="2" charset="2"/>
+              <a:buChar char="v"/>
+            </a:pPr>
+            <a:r>
+              <a:rPr lang="pl-PL" dirty="0" err="1"/>
+              <a:t>Attributes</a:t>
+            </a:r>
+            <a:r>
+              <a:rPr lang="pl-PL" dirty="0"/>
+              <a:t> – </a:t>
+            </a:r>
+            <a:r>
+              <a:rPr lang="pl-PL" dirty="0" err="1"/>
+              <a:t>key</a:t>
+            </a:r>
+            <a:r>
+              <a:rPr lang="pl-PL" dirty="0"/>
+              <a:t>/</a:t>
+            </a:r>
+            <a:r>
+              <a:rPr lang="pl-PL" dirty="0" err="1"/>
+              <a:t>value</a:t>
+            </a:r>
+            <a:r>
+              <a:rPr lang="pl-PL" dirty="0"/>
+              <a:t> </a:t>
+            </a:r>
+            <a:r>
+              <a:rPr lang="pl-PL" dirty="0" err="1"/>
+              <a:t>pairs</a:t>
+            </a:r>
+            <a:endParaRPr lang="pl-PL" dirty="0"/>
+          </a:p>
+          <a:p>
+            <a:pPr lvl="1">
+              <a:buFont typeface="Wingdings" panose="05000000000000000000" pitchFamily="2" charset="2"/>
+              <a:buChar char="v"/>
+            </a:pPr>
+            <a:r>
+              <a:rPr lang="pl-PL" dirty="0" err="1"/>
+              <a:t>Events</a:t>
+            </a:r>
+            <a:r>
+              <a:rPr lang="pl-PL" dirty="0"/>
+              <a:t> – </a:t>
+            </a:r>
+            <a:r>
+              <a:rPr lang="pl-PL" dirty="0" err="1"/>
+              <a:t>strings</a:t>
+            </a:r>
+            <a:endParaRPr lang="pl-PL" dirty="0"/>
+          </a:p>
+          <a:p>
+            <a:pPr lvl="1">
+              <a:buFont typeface="Wingdings" panose="05000000000000000000" pitchFamily="2" charset="2"/>
+              <a:buChar char="v"/>
+            </a:pPr>
+            <a:r>
+              <a:rPr lang="pl-PL" dirty="0"/>
+              <a:t>Links – </a:t>
+            </a:r>
+            <a:r>
+              <a:rPr lang="pl-PL" dirty="0" err="1"/>
+              <a:t>links</a:t>
+            </a:r>
+            <a:r>
+              <a:rPr lang="pl-PL" dirty="0"/>
+              <a:t> to </a:t>
+            </a:r>
+            <a:r>
+              <a:rPr lang="pl-PL" dirty="0" err="1"/>
+              <a:t>other</a:t>
+            </a:r>
+            <a:r>
+              <a:rPr lang="pl-PL" dirty="0"/>
+              <a:t> </a:t>
+            </a:r>
+            <a:r>
+              <a:rPr lang="pl-PL" dirty="0" err="1"/>
+              <a:t>spans</a:t>
+            </a:r>
+            <a:r>
+              <a:rPr lang="pl-PL" dirty="0"/>
+              <a:t>, </a:t>
+            </a:r>
+            <a:r>
+              <a:rPr lang="pl-PL" dirty="0" err="1"/>
+              <a:t>helpful</a:t>
+            </a:r>
+            <a:r>
+              <a:rPr lang="pl-PL" dirty="0"/>
+              <a:t> for </a:t>
+            </a:r>
+            <a:r>
+              <a:rPr lang="pl-PL" dirty="0" err="1"/>
+              <a:t>batch</a:t>
+            </a:r>
+            <a:r>
+              <a:rPr lang="pl-PL" dirty="0"/>
+              <a:t> </a:t>
+            </a:r>
+            <a:r>
+              <a:rPr lang="pl-PL" dirty="0" err="1"/>
+              <a:t>processing</a:t>
+            </a:r>
+            <a:r>
+              <a:rPr lang="pl-PL" dirty="0"/>
+              <a:t> </a:t>
+            </a:r>
+            <a:r>
+              <a:rPr lang="pl-PL" dirty="0" err="1"/>
+              <a:t>or</a:t>
+            </a:r>
+            <a:r>
+              <a:rPr lang="pl-PL" dirty="0"/>
+              <a:t> </a:t>
+            </a:r>
+            <a:r>
+              <a:rPr lang="pl-PL" dirty="0" err="1"/>
+              <a:t>additional</a:t>
+            </a:r>
+            <a:r>
+              <a:rPr lang="pl-PL" dirty="0"/>
+              <a:t> </a:t>
+            </a:r>
+            <a:r>
+              <a:rPr lang="pl-PL" dirty="0" err="1"/>
+              <a:t>correlation</a:t>
+            </a:r>
+            <a:endParaRPr lang="pl-PL" dirty="0"/>
+          </a:p>
+          <a:p>
+            <a:pPr>
+              <a:buFont typeface="Wingdings" panose="05000000000000000000" pitchFamily="2" charset="2"/>
+              <a:buChar char="v"/>
+            </a:pPr>
+            <a:r>
+              <a:rPr lang="pl-PL" dirty="0"/>
+              <a:t>Sampler: </a:t>
+            </a:r>
+            <a:r>
+              <a:rPr lang="pl-PL" dirty="0" err="1"/>
+              <a:t>how</a:t>
+            </a:r>
+            <a:r>
+              <a:rPr lang="pl-PL" dirty="0"/>
+              <a:t> </a:t>
+            </a:r>
+            <a:r>
+              <a:rPr lang="pl-PL" dirty="0" err="1"/>
+              <a:t>often</a:t>
+            </a:r>
+            <a:r>
+              <a:rPr lang="pl-PL" dirty="0"/>
+              <a:t> </a:t>
+            </a:r>
+            <a:r>
+              <a:rPr lang="pl-PL" dirty="0" err="1"/>
+              <a:t>sample</a:t>
+            </a:r>
+            <a:r>
+              <a:rPr lang="pl-PL" dirty="0"/>
+              <a:t> the data, </a:t>
+            </a:r>
+            <a:r>
+              <a:rPr lang="pl-PL" dirty="0" err="1"/>
+              <a:t>always</a:t>
+            </a:r>
+            <a:r>
+              <a:rPr lang="pl-PL" dirty="0"/>
+              <a:t>, </a:t>
+            </a:r>
+            <a:r>
+              <a:rPr lang="pl-PL" dirty="0" err="1"/>
+              <a:t>probabilistic</a:t>
+            </a:r>
+            <a:r>
+              <a:rPr lang="pl-PL" dirty="0"/>
+              <a:t> , </a:t>
+            </a:r>
+            <a:r>
+              <a:rPr lang="pl-PL" dirty="0" err="1"/>
+              <a:t>etc</a:t>
+            </a:r>
+            <a:endParaRPr lang="pl-PL" dirty="0"/>
+          </a:p>
+          <a:p>
+            <a:pPr>
+              <a:buFont typeface="Wingdings" panose="05000000000000000000" pitchFamily="2" charset="2"/>
+              <a:buChar char="v"/>
+            </a:pPr>
+            <a:r>
+              <a:rPr lang="pl-PL" dirty="0" err="1"/>
+              <a:t>Span</a:t>
+            </a:r>
+            <a:r>
+              <a:rPr lang="pl-PL" dirty="0"/>
+              <a:t> procesor: </a:t>
+            </a:r>
+            <a:r>
+              <a:rPr lang="pl-PL" dirty="0" err="1"/>
+              <a:t>how</a:t>
+            </a:r>
+            <a:r>
+              <a:rPr lang="pl-PL" dirty="0"/>
+              <a:t> to proces </a:t>
+            </a:r>
+            <a:r>
+              <a:rPr lang="pl-PL" dirty="0" err="1"/>
+              <a:t>spans</a:t>
+            </a:r>
+            <a:r>
+              <a:rPr lang="pl-PL" dirty="0"/>
+              <a:t>, </a:t>
+            </a:r>
+            <a:r>
+              <a:rPr lang="pl-PL" dirty="0" err="1"/>
+              <a:t>simple</a:t>
+            </a:r>
+            <a:r>
+              <a:rPr lang="pl-PL" dirty="0"/>
+              <a:t>, </a:t>
+            </a:r>
+            <a:r>
+              <a:rPr lang="pl-PL" dirty="0" err="1"/>
+              <a:t>batch</a:t>
+            </a:r>
+            <a:r>
+              <a:rPr lang="pl-PL" dirty="0"/>
+              <a:t>, </a:t>
+            </a:r>
+            <a:r>
+              <a:rPr lang="pl-PL" dirty="0" err="1"/>
+              <a:t>etc</a:t>
+            </a:r>
+            <a:endParaRPr lang="pl-PL" dirty="0"/>
+          </a:p>
+          <a:p>
+            <a:pPr>
+              <a:buFont typeface="Wingdings" panose="05000000000000000000" pitchFamily="2" charset="2"/>
+              <a:buChar char="v"/>
+            </a:pPr>
+            <a:r>
+              <a:rPr lang="pl-PL" dirty="0" err="1"/>
+              <a:t>Exporter</a:t>
+            </a:r>
+            <a:r>
+              <a:rPr lang="pl-PL" dirty="0"/>
+              <a:t>: </a:t>
+            </a:r>
+            <a:r>
+              <a:rPr lang="pl-PL" dirty="0" err="1"/>
+              <a:t>where</a:t>
+            </a:r>
+            <a:r>
+              <a:rPr lang="pl-PL" dirty="0"/>
+              <a:t> to export the data, OTLP, </a:t>
+            </a:r>
+            <a:r>
+              <a:rPr lang="pl-PL" dirty="0" err="1"/>
+              <a:t>Jaeger</a:t>
+            </a:r>
+            <a:r>
+              <a:rPr lang="pl-PL" dirty="0"/>
+              <a:t>, </a:t>
+            </a:r>
+            <a:r>
+              <a:rPr lang="pl-PL" dirty="0" err="1"/>
+              <a:t>Zipkin</a:t>
+            </a:r>
+            <a:r>
+              <a:rPr lang="pl-PL" dirty="0"/>
+              <a:t> </a:t>
+            </a:r>
+            <a:r>
+              <a:rPr lang="pl-PL" dirty="0" err="1"/>
+              <a:t>etc</a:t>
+            </a:r>
+            <a:endParaRPr lang="pl-PL" dirty="0"/>
+          </a:p>
+        </p:txBody>
+      </p:sp>
+      <p:sp>
+        <p:nvSpPr>
+          <p:cNvPr id="4" name="Prostokąt 3">
+            <a:extLst>
+              <a:ext uri="{FF2B5EF4-FFF2-40B4-BE49-F238E27FC236}">
+                <a16:creationId xmlns:a16="http://schemas.microsoft.com/office/drawing/2014/main" id="{7AE68B4B-517D-495C-A1C4-F8B0EFAED1F7}"/>
+              </a:ext>
+            </a:extLst>
+          </p:cNvPr>
+          <p:cNvSpPr/>
           <p:nvPr/>
-        </p:nvPicPr>
-        <p:blipFill>
-          <a:blip r:embed="rId2"/>
-          <a:stretch>
-            <a:fillRect/>
-          </a:stretch>
-        </p:blipFill>
+        </p:nvSpPr>
         <p:spPr>
           <a:xfrm>
-            <a:off x="761784" y="115851"/>
-            <a:ext cx="10668432" cy="6858000"/>
+            <a:off x="10531138" y="6466361"/>
+            <a:ext cx="1558825" cy="369332"/>
           </a:xfrm>
           <a:prstGeom prst="rect">
             <a:avLst/>
           </a:prstGeom>
         </p:spPr>
-      </p:pic>
+        <p:txBody>
+          <a:bodyPr wrap="none">
+            <a:spAutoFit/>
+          </a:bodyPr>
+          <a:lstStyle/>
+          <a:p>
+            <a:r>
+              <a:rPr lang="pl-PL" dirty="0">
+                <a:solidFill>
+                  <a:schemeClr val="bg1"/>
+                </a:solidFill>
+              </a:rPr>
+              <a:t>@</a:t>
+            </a:r>
+            <a:r>
+              <a:rPr lang="pl-PL" dirty="0" err="1">
+                <a:solidFill>
+                  <a:schemeClr val="bg1"/>
+                </a:solidFill>
+              </a:rPr>
+              <a:t>lukaszpyrzyk</a:t>
+            </a:r>
+            <a:endParaRPr lang="en-GB" dirty="0">
+              <a:solidFill>
+                <a:schemeClr val="bg1"/>
+              </a:solidFill>
+            </a:endParaRPr>
+          </a:p>
+        </p:txBody>
+      </p:sp>
     </p:spTree>
     <p:extLst>
       <p:ext uri="{BB962C8B-B14F-4D97-AF65-F5344CB8AC3E}">
-        <p14:creationId xmlns:p14="http://schemas.microsoft.com/office/powerpoint/2010/main" val="4150237740"/>
+        <p14:creationId xmlns:p14="http://schemas.microsoft.com/office/powerpoint/2010/main" val="3831601780"/>
       </p:ext>
     </p:extLst>
   </p:cSld>
@@ -4654,6 +7525,1763 @@
 </file>
 
 <file path=ppt/slides/slide17.xml><?xml version="1.0" encoding="utf-8"?>
+<p:sld xmlns:a="http://schemas.openxmlformats.org/drawingml/2006/main" xmlns:r="http://schemas.openxmlformats.org/officeDocument/2006/relationships" xmlns:p="http://schemas.openxmlformats.org/presentationml/2006/main">
+  <p:cSld>
+    <p:spTree>
+      <p:nvGrpSpPr>
+        <p:cNvPr id="1" name=""/>
+        <p:cNvGrpSpPr/>
+        <p:nvPr/>
+      </p:nvGrpSpPr>
+      <p:grpSpPr>
+        <a:xfrm>
+          <a:off x="0" y="0"/>
+          <a:ext cx="0" cy="0"/>
+          <a:chOff x="0" y="0"/>
+          <a:chExt cx="0" cy="0"/>
+        </a:xfrm>
+      </p:grpSpPr>
+      <p:sp>
+        <p:nvSpPr>
+          <p:cNvPr id="2" name="Tytuł 1">
+            <a:extLst>
+              <a:ext uri="{FF2B5EF4-FFF2-40B4-BE49-F238E27FC236}">
+                <a16:creationId xmlns:a16="http://schemas.microsoft.com/office/drawing/2014/main" id="{FF311FA3-93F1-4DC2-9EA1-F297D189ACA7}"/>
+              </a:ext>
+            </a:extLst>
+          </p:cNvPr>
+          <p:cNvSpPr>
+            <a:spLocks noGrp="1"/>
+          </p:cNvSpPr>
+          <p:nvPr>
+            <p:ph type="title"/>
+          </p:nvPr>
+        </p:nvSpPr>
+        <p:spPr/>
+        <p:txBody>
+          <a:bodyPr/>
+          <a:lstStyle/>
+          <a:p>
+            <a:r>
+              <a:rPr lang="pl-PL" dirty="0">
+                <a:solidFill>
+                  <a:schemeClr val="tx1"/>
+                </a:solidFill>
+              </a:rPr>
+              <a:t>W3C </a:t>
+            </a:r>
+            <a:r>
+              <a:rPr lang="pl-PL" dirty="0" err="1">
+                <a:solidFill>
+                  <a:schemeClr val="tx1"/>
+                </a:solidFill>
+              </a:rPr>
+              <a:t>TraceContext</a:t>
+            </a:r>
+            <a:r>
+              <a:rPr lang="pl-PL" dirty="0">
+                <a:solidFill>
+                  <a:schemeClr val="tx1"/>
+                </a:solidFill>
+              </a:rPr>
+              <a:t>	</a:t>
+            </a:r>
+            <a:endParaRPr lang="en-GB" dirty="0">
+              <a:solidFill>
+                <a:schemeClr val="tx1"/>
+              </a:solidFill>
+            </a:endParaRPr>
+          </a:p>
+        </p:txBody>
+      </p:sp>
+      <p:sp>
+        <p:nvSpPr>
+          <p:cNvPr id="3" name="Symbol zastępczy zawartości 2">
+            <a:extLst>
+              <a:ext uri="{FF2B5EF4-FFF2-40B4-BE49-F238E27FC236}">
+                <a16:creationId xmlns:a16="http://schemas.microsoft.com/office/drawing/2014/main" id="{7EF4003B-2662-4313-92B3-2AC079538360}"/>
+              </a:ext>
+            </a:extLst>
+          </p:cNvPr>
+          <p:cNvSpPr>
+            <a:spLocks noGrp="1"/>
+          </p:cNvSpPr>
+          <p:nvPr>
+            <p:ph idx="1"/>
+          </p:nvPr>
+        </p:nvSpPr>
+        <p:spPr/>
+        <p:txBody>
+          <a:bodyPr>
+            <a:normAutofit/>
+          </a:bodyPr>
+          <a:lstStyle/>
+          <a:p>
+            <a:pPr marL="201168" lvl="1" indent="0" algn="just">
+              <a:buNone/>
+            </a:pPr>
+            <a:r>
+              <a:rPr lang="pl-PL" dirty="0"/>
+              <a:t>„</a:t>
+            </a:r>
+            <a:r>
+              <a:rPr lang="en-GB" dirty="0"/>
+              <a:t>This specification defines standard HTTP headers and a value format to propagate context information that enables distributed tracing scenarios. The specification standardizes how context information is sent and modified between services. Context information uniquely identifies individual requests in a distributed system and also defines a means to add and propagate provider-specific context information.</a:t>
+            </a:r>
+            <a:r>
+              <a:rPr lang="pl-PL" dirty="0"/>
+              <a:t>”</a:t>
+            </a:r>
+          </a:p>
+          <a:p>
+            <a:pPr marL="201168" lvl="1" indent="0" algn="ctr">
+              <a:buNone/>
+            </a:pPr>
+            <a:r>
+              <a:rPr lang="pl-PL" dirty="0"/>
+              <a:t>https://www.w3.org/TR/trace-context/</a:t>
+            </a:r>
+          </a:p>
+          <a:p>
+            <a:pPr lvl="1" algn="just">
+              <a:buFont typeface="Wingdings" panose="05000000000000000000" pitchFamily="2" charset="2"/>
+              <a:buChar char="v"/>
+            </a:pPr>
+            <a:endParaRPr lang="pl-PL" dirty="0"/>
+          </a:p>
+          <a:p>
+            <a:pPr marL="201168" lvl="1" indent="0" algn="just">
+              <a:buNone/>
+            </a:pPr>
+            <a:r>
+              <a:rPr lang="en-GB" dirty="0"/>
+              <a:t>The </a:t>
+            </a:r>
+            <a:r>
+              <a:rPr lang="en-GB" dirty="0" err="1"/>
+              <a:t>traceparent</a:t>
+            </a:r>
+            <a:r>
+              <a:rPr lang="en-GB" dirty="0"/>
+              <a:t> header represents the incoming request in a tracing system in a common format, understood by all vendors. Here’s an example of a </a:t>
+            </a:r>
+            <a:r>
+              <a:rPr lang="en-GB" dirty="0" err="1">
+                <a:solidFill>
+                  <a:srgbClr val="0070C0"/>
+                </a:solidFill>
+              </a:rPr>
+              <a:t>traceparent</a:t>
+            </a:r>
+            <a:r>
+              <a:rPr lang="en-GB" dirty="0"/>
+              <a:t> header.</a:t>
+            </a:r>
+            <a:endParaRPr lang="pl-PL" dirty="0"/>
+          </a:p>
+          <a:p>
+            <a:pPr marL="201168" lvl="1" indent="0" algn="just">
+              <a:buNone/>
+            </a:pPr>
+            <a:endParaRPr lang="pl-PL" dirty="0"/>
+          </a:p>
+          <a:p>
+            <a:pPr marL="201168" lvl="1" indent="0" algn="just">
+              <a:buNone/>
+            </a:pPr>
+            <a:r>
+              <a:rPr lang="pl-PL" dirty="0" err="1"/>
+              <a:t>traceparent</a:t>
+            </a:r>
+            <a:r>
+              <a:rPr lang="pl-PL" dirty="0"/>
+              <a:t>: 00-0af7651916cd43dd8448eb211c80319c-b9c7c989f97918e1-01</a:t>
+            </a:r>
+          </a:p>
+        </p:txBody>
+      </p:sp>
+      <p:sp>
+        <p:nvSpPr>
+          <p:cNvPr id="6" name="Prostokąt 5">
+            <a:extLst>
+              <a:ext uri="{FF2B5EF4-FFF2-40B4-BE49-F238E27FC236}">
+                <a16:creationId xmlns:a16="http://schemas.microsoft.com/office/drawing/2014/main" id="{968838E7-4BC6-4D6A-9BFC-5247051559CA}"/>
+              </a:ext>
+            </a:extLst>
+          </p:cNvPr>
+          <p:cNvSpPr/>
+          <p:nvPr/>
+        </p:nvSpPr>
+        <p:spPr>
+          <a:xfrm>
+            <a:off x="10531138" y="6466361"/>
+            <a:ext cx="1558825" cy="369332"/>
+          </a:xfrm>
+          <a:prstGeom prst="rect">
+            <a:avLst/>
+          </a:prstGeom>
+        </p:spPr>
+        <p:txBody>
+          <a:bodyPr wrap="none">
+            <a:spAutoFit/>
+          </a:bodyPr>
+          <a:lstStyle/>
+          <a:p>
+            <a:r>
+              <a:rPr lang="pl-PL" dirty="0">
+                <a:solidFill>
+                  <a:schemeClr val="bg1"/>
+                </a:solidFill>
+              </a:rPr>
+              <a:t>@</a:t>
+            </a:r>
+            <a:r>
+              <a:rPr lang="pl-PL" dirty="0" err="1">
+                <a:solidFill>
+                  <a:schemeClr val="bg1"/>
+                </a:solidFill>
+              </a:rPr>
+              <a:t>lukaszpyrzyk</a:t>
+            </a:r>
+            <a:endParaRPr lang="en-GB" dirty="0">
+              <a:solidFill>
+                <a:schemeClr val="bg1"/>
+              </a:solidFill>
+            </a:endParaRPr>
+          </a:p>
+        </p:txBody>
+      </p:sp>
+    </p:spTree>
+    <p:extLst>
+      <p:ext uri="{BB962C8B-B14F-4D97-AF65-F5344CB8AC3E}">
+        <p14:creationId xmlns:p14="http://schemas.microsoft.com/office/powerpoint/2010/main" val="1590237771"/>
+      </p:ext>
+    </p:extLst>
+  </p:cSld>
+  <p:clrMapOvr>
+    <a:masterClrMapping/>
+  </p:clrMapOvr>
+</p:sld>
+</file>
+
+<file path=ppt/slides/slide18.xml><?xml version="1.0" encoding="utf-8"?>
+<p:sld xmlns:a="http://schemas.openxmlformats.org/drawingml/2006/main" xmlns:r="http://schemas.openxmlformats.org/officeDocument/2006/relationships" xmlns:p="http://schemas.openxmlformats.org/presentationml/2006/main">
+  <p:cSld>
+    <p:spTree>
+      <p:nvGrpSpPr>
+        <p:cNvPr id="1" name=""/>
+        <p:cNvGrpSpPr/>
+        <p:nvPr/>
+      </p:nvGrpSpPr>
+      <p:grpSpPr>
+        <a:xfrm>
+          <a:off x="0" y="0"/>
+          <a:ext cx="0" cy="0"/>
+          <a:chOff x="0" y="0"/>
+          <a:chExt cx="0" cy="0"/>
+        </a:xfrm>
+      </p:grpSpPr>
+      <p:sp>
+        <p:nvSpPr>
+          <p:cNvPr id="2" name="Tytuł 1">
+            <a:extLst>
+              <a:ext uri="{FF2B5EF4-FFF2-40B4-BE49-F238E27FC236}">
+                <a16:creationId xmlns:a16="http://schemas.microsoft.com/office/drawing/2014/main" id="{FF311FA3-93F1-4DC2-9EA1-F297D189ACA7}"/>
+              </a:ext>
+            </a:extLst>
+          </p:cNvPr>
+          <p:cNvSpPr>
+            <a:spLocks noGrp="1"/>
+          </p:cNvSpPr>
+          <p:nvPr>
+            <p:ph type="title"/>
+          </p:nvPr>
+        </p:nvSpPr>
+        <p:spPr/>
+        <p:txBody>
+          <a:bodyPr/>
+          <a:lstStyle/>
+          <a:p>
+            <a:r>
+              <a:rPr lang="pl-PL" dirty="0">
+                <a:solidFill>
+                  <a:schemeClr val="tx1"/>
+                </a:solidFill>
+              </a:rPr>
+              <a:t>W3C </a:t>
+            </a:r>
+            <a:r>
+              <a:rPr lang="pl-PL" dirty="0" err="1">
+                <a:solidFill>
+                  <a:schemeClr val="tx1"/>
+                </a:solidFill>
+              </a:rPr>
+              <a:t>TraceContext</a:t>
+            </a:r>
+            <a:r>
+              <a:rPr lang="pl-PL" dirty="0">
+                <a:solidFill>
+                  <a:schemeClr val="tx1"/>
+                </a:solidFill>
+              </a:rPr>
+              <a:t>	</a:t>
+            </a:r>
+            <a:endParaRPr lang="en-GB" dirty="0">
+              <a:solidFill>
+                <a:schemeClr val="tx1"/>
+              </a:solidFill>
+            </a:endParaRPr>
+          </a:p>
+        </p:txBody>
+      </p:sp>
+      <p:sp>
+        <p:nvSpPr>
+          <p:cNvPr id="3" name="Symbol zastępczy zawartości 2">
+            <a:extLst>
+              <a:ext uri="{FF2B5EF4-FFF2-40B4-BE49-F238E27FC236}">
+                <a16:creationId xmlns:a16="http://schemas.microsoft.com/office/drawing/2014/main" id="{7EF4003B-2662-4313-92B3-2AC079538360}"/>
+              </a:ext>
+            </a:extLst>
+          </p:cNvPr>
+          <p:cNvSpPr>
+            <a:spLocks noGrp="1"/>
+          </p:cNvSpPr>
+          <p:nvPr>
+            <p:ph idx="1"/>
+          </p:nvPr>
+        </p:nvSpPr>
+        <p:spPr/>
+        <p:txBody>
+          <a:bodyPr>
+            <a:normAutofit/>
+          </a:bodyPr>
+          <a:lstStyle/>
+          <a:p>
+            <a:pPr marL="201168" lvl="1" indent="0" algn="just">
+              <a:buNone/>
+            </a:pPr>
+            <a:r>
+              <a:rPr lang="pl-PL" dirty="0" err="1"/>
+              <a:t>traceparent</a:t>
+            </a:r>
+            <a:r>
+              <a:rPr lang="pl-PL" dirty="0"/>
+              <a:t>: </a:t>
+            </a:r>
+            <a:r>
+              <a:rPr lang="pl-PL" dirty="0">
+                <a:solidFill>
+                  <a:srgbClr val="00B050"/>
+                </a:solidFill>
+              </a:rPr>
+              <a:t>00</a:t>
+            </a:r>
+            <a:r>
+              <a:rPr lang="pl-PL" dirty="0"/>
+              <a:t>-</a:t>
+            </a:r>
+            <a:r>
+              <a:rPr lang="pl-PL" dirty="0">
+                <a:solidFill>
+                  <a:srgbClr val="FFC000"/>
+                </a:solidFill>
+              </a:rPr>
+              <a:t>0af7651916cd43dd8448eb211c80319c</a:t>
+            </a:r>
+            <a:r>
+              <a:rPr lang="pl-PL" dirty="0"/>
+              <a:t>-</a:t>
+            </a:r>
+            <a:r>
+              <a:rPr lang="pl-PL" dirty="0">
+                <a:solidFill>
+                  <a:srgbClr val="FF0000"/>
+                </a:solidFill>
+              </a:rPr>
+              <a:t>b9c7c989f97918e1</a:t>
+            </a:r>
+            <a:r>
+              <a:rPr lang="pl-PL" dirty="0"/>
+              <a:t>-</a:t>
+            </a:r>
+            <a:r>
+              <a:rPr lang="pl-PL" dirty="0">
+                <a:solidFill>
+                  <a:srgbClr val="0070C0"/>
+                </a:solidFill>
+              </a:rPr>
+              <a:t>01</a:t>
+            </a:r>
+          </a:p>
+          <a:p>
+            <a:pPr marL="201168" lvl="1" indent="0" algn="just">
+              <a:buNone/>
+            </a:pPr>
+            <a:endParaRPr lang="pl-PL" dirty="0">
+              <a:solidFill>
+                <a:srgbClr val="0070C0"/>
+              </a:solidFill>
+            </a:endParaRPr>
+          </a:p>
+          <a:p>
+            <a:pPr marL="201168" lvl="1" indent="0" algn="just">
+              <a:buNone/>
+            </a:pPr>
+            <a:r>
+              <a:rPr lang="en-GB" dirty="0"/>
+              <a:t>The </a:t>
+            </a:r>
+            <a:r>
+              <a:rPr lang="en-GB" dirty="0" err="1"/>
+              <a:t>traceparent</a:t>
+            </a:r>
+            <a:r>
+              <a:rPr lang="en-GB" dirty="0"/>
+              <a:t> HTTP header field identifies the incoming request in a tracing system. It has four fields:</a:t>
+            </a:r>
+          </a:p>
+          <a:p>
+            <a:pPr marL="201168" lvl="1" indent="0" algn="just">
+              <a:buNone/>
+            </a:pPr>
+            <a:r>
+              <a:rPr lang="en-GB" dirty="0"/>
+              <a:t>    </a:t>
+            </a:r>
+            <a:r>
+              <a:rPr lang="en-GB" dirty="0">
+                <a:solidFill>
+                  <a:srgbClr val="00B050"/>
+                </a:solidFill>
+              </a:rPr>
+              <a:t>version</a:t>
+            </a:r>
+            <a:r>
+              <a:rPr lang="pl-PL" dirty="0">
+                <a:solidFill>
+                  <a:srgbClr val="00B050"/>
+                </a:solidFill>
+              </a:rPr>
+              <a:t> - 00</a:t>
+            </a:r>
+            <a:endParaRPr lang="en-GB" dirty="0">
+              <a:solidFill>
+                <a:srgbClr val="00B050"/>
+              </a:solidFill>
+            </a:endParaRPr>
+          </a:p>
+          <a:p>
+            <a:pPr marL="201168" lvl="1" indent="0" algn="just">
+              <a:buNone/>
+            </a:pPr>
+            <a:r>
+              <a:rPr lang="en-GB" dirty="0"/>
+              <a:t>    </a:t>
+            </a:r>
+            <a:r>
+              <a:rPr lang="en-GB" dirty="0">
+                <a:solidFill>
+                  <a:srgbClr val="FFC000"/>
+                </a:solidFill>
+              </a:rPr>
+              <a:t>trace-id</a:t>
+            </a:r>
+            <a:r>
+              <a:rPr lang="pl-PL" dirty="0">
+                <a:solidFill>
+                  <a:srgbClr val="FFC000"/>
+                </a:solidFill>
+              </a:rPr>
+              <a:t> - 0af7651916cd43dd8448eb211c80319c</a:t>
+            </a:r>
+            <a:endParaRPr lang="en-GB" dirty="0">
+              <a:solidFill>
+                <a:srgbClr val="FFC000"/>
+              </a:solidFill>
+            </a:endParaRPr>
+          </a:p>
+          <a:p>
+            <a:pPr marL="201168" lvl="1" indent="0" algn="just">
+              <a:buNone/>
+            </a:pPr>
+            <a:r>
+              <a:rPr lang="en-GB" dirty="0"/>
+              <a:t>    </a:t>
+            </a:r>
+            <a:r>
+              <a:rPr lang="en-GB" dirty="0">
+                <a:solidFill>
+                  <a:srgbClr val="FF0000"/>
+                </a:solidFill>
+              </a:rPr>
+              <a:t>parent-id</a:t>
+            </a:r>
+            <a:r>
+              <a:rPr lang="pl-PL" dirty="0">
+                <a:solidFill>
+                  <a:srgbClr val="FF0000"/>
+                </a:solidFill>
+              </a:rPr>
+              <a:t> - b9c7c989f97918e1</a:t>
+            </a:r>
+            <a:endParaRPr lang="en-GB" dirty="0">
+              <a:solidFill>
+                <a:srgbClr val="FF0000"/>
+              </a:solidFill>
+            </a:endParaRPr>
+          </a:p>
+          <a:p>
+            <a:pPr marL="201168" lvl="1" indent="0" algn="just">
+              <a:buNone/>
+            </a:pPr>
+            <a:r>
+              <a:rPr lang="en-GB" dirty="0"/>
+              <a:t>    </a:t>
+            </a:r>
+            <a:r>
+              <a:rPr lang="en-GB" dirty="0">
+                <a:solidFill>
+                  <a:srgbClr val="0070C0"/>
+                </a:solidFill>
+              </a:rPr>
+              <a:t>trace-flags</a:t>
+            </a:r>
+            <a:r>
+              <a:rPr lang="pl-PL" dirty="0">
+                <a:solidFill>
+                  <a:srgbClr val="0070C0"/>
+                </a:solidFill>
+              </a:rPr>
+              <a:t> - 01</a:t>
+            </a:r>
+            <a:endParaRPr lang="en-GB" dirty="0">
+              <a:solidFill>
+                <a:srgbClr val="0070C0"/>
+              </a:solidFill>
+            </a:endParaRPr>
+          </a:p>
+          <a:p>
+            <a:pPr marL="201168" lvl="1" indent="0" algn="just">
+              <a:buNone/>
+            </a:pPr>
+            <a:endParaRPr lang="pl-PL" dirty="0"/>
+          </a:p>
+        </p:txBody>
+      </p:sp>
+      <p:sp>
+        <p:nvSpPr>
+          <p:cNvPr id="5" name="Prostokąt 4">
+            <a:extLst>
+              <a:ext uri="{FF2B5EF4-FFF2-40B4-BE49-F238E27FC236}">
+                <a16:creationId xmlns:a16="http://schemas.microsoft.com/office/drawing/2014/main" id="{9DD8CDF3-DE32-4C25-8D64-BCB28454FF55}"/>
+              </a:ext>
+            </a:extLst>
+          </p:cNvPr>
+          <p:cNvSpPr/>
+          <p:nvPr/>
+        </p:nvSpPr>
+        <p:spPr>
+          <a:xfrm>
+            <a:off x="10531138" y="6466361"/>
+            <a:ext cx="1558825" cy="369332"/>
+          </a:xfrm>
+          <a:prstGeom prst="rect">
+            <a:avLst/>
+          </a:prstGeom>
+        </p:spPr>
+        <p:txBody>
+          <a:bodyPr wrap="none">
+            <a:spAutoFit/>
+          </a:bodyPr>
+          <a:lstStyle/>
+          <a:p>
+            <a:r>
+              <a:rPr lang="pl-PL" dirty="0">
+                <a:solidFill>
+                  <a:schemeClr val="bg1"/>
+                </a:solidFill>
+              </a:rPr>
+              <a:t>@</a:t>
+            </a:r>
+            <a:r>
+              <a:rPr lang="pl-PL" dirty="0" err="1">
+                <a:solidFill>
+                  <a:schemeClr val="bg1"/>
+                </a:solidFill>
+              </a:rPr>
+              <a:t>lukaszpyrzyk</a:t>
+            </a:r>
+            <a:endParaRPr lang="en-GB" dirty="0">
+              <a:solidFill>
+                <a:schemeClr val="bg1"/>
+              </a:solidFill>
+            </a:endParaRPr>
+          </a:p>
+        </p:txBody>
+      </p:sp>
+    </p:spTree>
+    <p:extLst>
+      <p:ext uri="{BB962C8B-B14F-4D97-AF65-F5344CB8AC3E}">
+        <p14:creationId xmlns:p14="http://schemas.microsoft.com/office/powerpoint/2010/main" val="783726315"/>
+      </p:ext>
+    </p:extLst>
+  </p:cSld>
+  <p:clrMapOvr>
+    <a:masterClrMapping/>
+  </p:clrMapOvr>
+</p:sld>
+</file>
+
+<file path=ppt/slides/slide19.xml><?xml version="1.0" encoding="utf-8"?>
+<p:sld xmlns:a="http://schemas.openxmlformats.org/drawingml/2006/main" xmlns:r="http://schemas.openxmlformats.org/officeDocument/2006/relationships" xmlns:p="http://schemas.openxmlformats.org/presentationml/2006/main">
+  <p:cSld>
+    <p:spTree>
+      <p:nvGrpSpPr>
+        <p:cNvPr id="1" name=""/>
+        <p:cNvGrpSpPr/>
+        <p:nvPr/>
+      </p:nvGrpSpPr>
+      <p:grpSpPr>
+        <a:xfrm>
+          <a:off x="0" y="0"/>
+          <a:ext cx="0" cy="0"/>
+          <a:chOff x="0" y="0"/>
+          <a:chExt cx="0" cy="0"/>
+        </a:xfrm>
+      </p:grpSpPr>
+      <p:sp>
+        <p:nvSpPr>
+          <p:cNvPr id="2" name="Tytuł 1">
+            <a:extLst>
+              <a:ext uri="{FF2B5EF4-FFF2-40B4-BE49-F238E27FC236}">
+                <a16:creationId xmlns:a16="http://schemas.microsoft.com/office/drawing/2014/main" id="{FF311FA3-93F1-4DC2-9EA1-F297D189ACA7}"/>
+              </a:ext>
+            </a:extLst>
+          </p:cNvPr>
+          <p:cNvSpPr>
+            <a:spLocks noGrp="1"/>
+          </p:cNvSpPr>
+          <p:nvPr>
+            <p:ph type="title"/>
+          </p:nvPr>
+        </p:nvSpPr>
+        <p:spPr/>
+        <p:txBody>
+          <a:bodyPr/>
+          <a:lstStyle/>
+          <a:p>
+            <a:r>
+              <a:rPr lang="pl-PL" dirty="0">
+                <a:solidFill>
+                  <a:schemeClr val="tx1"/>
+                </a:solidFill>
+              </a:rPr>
+              <a:t>Messaging</a:t>
+            </a:r>
+            <a:endParaRPr lang="en-GB" dirty="0">
+              <a:solidFill>
+                <a:schemeClr val="tx1"/>
+              </a:solidFill>
+            </a:endParaRPr>
+          </a:p>
+        </p:txBody>
+      </p:sp>
+      <p:sp>
+        <p:nvSpPr>
+          <p:cNvPr id="3" name="Symbol zastępczy zawartości 2">
+            <a:extLst>
+              <a:ext uri="{FF2B5EF4-FFF2-40B4-BE49-F238E27FC236}">
+                <a16:creationId xmlns:a16="http://schemas.microsoft.com/office/drawing/2014/main" id="{7EF4003B-2662-4313-92B3-2AC079538360}"/>
+              </a:ext>
+            </a:extLst>
+          </p:cNvPr>
+          <p:cNvSpPr>
+            <a:spLocks noGrp="1"/>
+          </p:cNvSpPr>
+          <p:nvPr>
+            <p:ph idx="1"/>
+          </p:nvPr>
+        </p:nvSpPr>
+        <p:spPr/>
+        <p:txBody>
+          <a:bodyPr>
+            <a:normAutofit/>
+          </a:bodyPr>
+          <a:lstStyle/>
+          <a:p>
+            <a:pPr marL="201168" lvl="1" indent="0" algn="just">
+              <a:buNone/>
+            </a:pPr>
+            <a:r>
+              <a:rPr lang="pl-PL" dirty="0" err="1">
+                <a:solidFill>
+                  <a:schemeClr val="tx1"/>
+                </a:solidFill>
+              </a:rPr>
+              <a:t>OpenTelemetry</a:t>
+            </a:r>
+            <a:r>
+              <a:rPr lang="pl-PL" dirty="0">
+                <a:solidFill>
+                  <a:schemeClr val="tx1"/>
+                </a:solidFill>
+              </a:rPr>
+              <a:t> </a:t>
+            </a:r>
+            <a:r>
+              <a:rPr lang="pl-PL" dirty="0" err="1">
+                <a:solidFill>
+                  <a:schemeClr val="tx1"/>
+                </a:solidFill>
+              </a:rPr>
+              <a:t>also</a:t>
+            </a:r>
+            <a:r>
+              <a:rPr lang="pl-PL" dirty="0">
+                <a:solidFill>
+                  <a:schemeClr val="tx1"/>
+                </a:solidFill>
+              </a:rPr>
+              <a:t> </a:t>
+            </a:r>
+            <a:r>
+              <a:rPr lang="pl-PL" dirty="0" err="1">
+                <a:solidFill>
+                  <a:schemeClr val="tx1"/>
+                </a:solidFill>
+              </a:rPr>
+              <a:t>supports</a:t>
+            </a:r>
+            <a:r>
+              <a:rPr lang="pl-PL" dirty="0">
+                <a:solidFill>
+                  <a:schemeClr val="tx1"/>
+                </a:solidFill>
+              </a:rPr>
+              <a:t> </a:t>
+            </a:r>
+            <a:r>
+              <a:rPr lang="pl-PL" dirty="0" err="1">
+                <a:solidFill>
+                  <a:schemeClr val="tx1"/>
+                </a:solidFill>
+              </a:rPr>
+              <a:t>messaging</a:t>
+            </a:r>
+            <a:r>
+              <a:rPr lang="pl-PL" dirty="0">
+                <a:solidFill>
+                  <a:schemeClr val="tx1"/>
+                </a:solidFill>
+              </a:rPr>
+              <a:t> </a:t>
+            </a:r>
+            <a:r>
+              <a:rPr lang="pl-PL" dirty="0" err="1">
+                <a:solidFill>
+                  <a:schemeClr val="tx1"/>
+                </a:solidFill>
+              </a:rPr>
+              <a:t>functionalities</a:t>
+            </a:r>
+            <a:r>
+              <a:rPr lang="pl-PL" dirty="0">
+                <a:solidFill>
+                  <a:schemeClr val="tx1"/>
+                </a:solidFill>
+              </a:rPr>
+              <a:t>. For </a:t>
+            </a:r>
+            <a:r>
+              <a:rPr lang="pl-PL" dirty="0" err="1">
+                <a:solidFill>
+                  <a:schemeClr val="tx1"/>
+                </a:solidFill>
+              </a:rPr>
+              <a:t>example</a:t>
+            </a:r>
+            <a:r>
+              <a:rPr lang="pl-PL" dirty="0">
+                <a:solidFill>
+                  <a:schemeClr val="tx1"/>
+                </a:solidFill>
+              </a:rPr>
+              <a:t>, </a:t>
+            </a:r>
+            <a:r>
+              <a:rPr lang="pl-PL" dirty="0" err="1">
+                <a:solidFill>
+                  <a:schemeClr val="tx1"/>
+                </a:solidFill>
+              </a:rPr>
+              <a:t>it</a:t>
+            </a:r>
+            <a:r>
+              <a:rPr lang="pl-PL" dirty="0">
+                <a:solidFill>
+                  <a:schemeClr val="tx1"/>
+                </a:solidFill>
+              </a:rPr>
+              <a:t> </a:t>
+            </a:r>
+            <a:r>
+              <a:rPr lang="pl-PL" dirty="0" err="1">
+                <a:solidFill>
+                  <a:schemeClr val="tx1"/>
+                </a:solidFill>
+              </a:rPr>
+              <a:t>enriches</a:t>
+            </a:r>
+            <a:r>
+              <a:rPr lang="pl-PL" dirty="0">
+                <a:solidFill>
+                  <a:schemeClr val="tx1"/>
+                </a:solidFill>
+              </a:rPr>
+              <a:t> the </a:t>
+            </a:r>
+            <a:r>
+              <a:rPr lang="pl-PL" dirty="0" err="1">
+                <a:solidFill>
+                  <a:schemeClr val="tx1"/>
+                </a:solidFill>
+              </a:rPr>
+              <a:t>trace</a:t>
+            </a:r>
+            <a:r>
+              <a:rPr lang="pl-PL" dirty="0">
+                <a:solidFill>
+                  <a:schemeClr val="tx1"/>
+                </a:solidFill>
+              </a:rPr>
+              <a:t> with </a:t>
+            </a:r>
+            <a:r>
+              <a:rPr lang="pl-PL" dirty="0" err="1">
+                <a:solidFill>
+                  <a:schemeClr val="tx1"/>
+                </a:solidFill>
+              </a:rPr>
+              <a:t>atrributes</a:t>
+            </a:r>
+            <a:r>
+              <a:rPr lang="pl-PL" dirty="0">
+                <a:solidFill>
+                  <a:schemeClr val="tx1"/>
+                </a:solidFill>
+              </a:rPr>
+              <a:t> </a:t>
+            </a:r>
+            <a:r>
+              <a:rPr lang="pl-PL" dirty="0" err="1">
+                <a:solidFill>
+                  <a:schemeClr val="tx1"/>
+                </a:solidFill>
+              </a:rPr>
+              <a:t>like</a:t>
+            </a:r>
+            <a:r>
+              <a:rPr lang="pl-PL" dirty="0">
+                <a:solidFill>
+                  <a:schemeClr val="tx1"/>
+                </a:solidFill>
+              </a:rPr>
+              <a:t>:</a:t>
+            </a:r>
+          </a:p>
+          <a:p>
+            <a:pPr lvl="1" algn="just">
+              <a:buFont typeface="Wingdings" panose="05000000000000000000" pitchFamily="2" charset="2"/>
+              <a:buChar char="v"/>
+            </a:pPr>
+            <a:r>
+              <a:rPr lang="pl-PL" dirty="0" err="1">
+                <a:solidFill>
+                  <a:schemeClr val="tx1"/>
+                </a:solidFill>
+              </a:rPr>
+              <a:t>messaging.system</a:t>
+            </a:r>
+            <a:r>
+              <a:rPr lang="pl-PL" dirty="0">
+                <a:solidFill>
+                  <a:schemeClr val="tx1"/>
+                </a:solidFill>
+              </a:rPr>
+              <a:t> (</a:t>
+            </a:r>
+            <a:r>
+              <a:rPr lang="pl-PL" dirty="0" err="1">
+                <a:solidFill>
+                  <a:schemeClr val="tx1"/>
+                </a:solidFill>
+              </a:rPr>
+              <a:t>kafka</a:t>
+            </a:r>
+            <a:r>
+              <a:rPr lang="pl-PL" dirty="0">
+                <a:solidFill>
+                  <a:schemeClr val="tx1"/>
+                </a:solidFill>
+              </a:rPr>
+              <a:t>, </a:t>
+            </a:r>
+            <a:r>
+              <a:rPr lang="pl-PL" dirty="0" err="1">
+                <a:solidFill>
+                  <a:schemeClr val="tx1"/>
+                </a:solidFill>
+              </a:rPr>
+              <a:t>rabitmq</a:t>
+            </a:r>
+            <a:r>
+              <a:rPr lang="pl-PL" dirty="0">
+                <a:solidFill>
+                  <a:schemeClr val="tx1"/>
+                </a:solidFill>
+              </a:rPr>
+              <a:t>, </a:t>
+            </a:r>
+            <a:r>
+              <a:rPr lang="pl-PL" dirty="0" err="1">
+                <a:solidFill>
+                  <a:schemeClr val="tx1"/>
+                </a:solidFill>
+              </a:rPr>
+              <a:t>rocketmq</a:t>
+            </a:r>
+            <a:r>
+              <a:rPr lang="pl-PL" dirty="0">
+                <a:solidFill>
+                  <a:schemeClr val="tx1"/>
+                </a:solidFill>
+              </a:rPr>
+              <a:t>, </a:t>
+            </a:r>
+            <a:r>
+              <a:rPr lang="pl-PL" dirty="0" err="1">
+                <a:solidFill>
+                  <a:schemeClr val="tx1"/>
+                </a:solidFill>
+              </a:rPr>
+              <a:t>activemq</a:t>
+            </a:r>
+            <a:r>
+              <a:rPr lang="pl-PL" dirty="0">
+                <a:solidFill>
+                  <a:schemeClr val="tx1"/>
+                </a:solidFill>
+              </a:rPr>
+              <a:t>, </a:t>
+            </a:r>
+            <a:r>
+              <a:rPr lang="pl-PL" dirty="0" err="1">
+                <a:solidFill>
+                  <a:schemeClr val="tx1"/>
+                </a:solidFill>
+              </a:rPr>
+              <a:t>AmazonSqs</a:t>
+            </a:r>
+            <a:r>
+              <a:rPr lang="pl-PL" dirty="0">
+                <a:solidFill>
+                  <a:schemeClr val="tx1"/>
+                </a:solidFill>
+              </a:rPr>
+              <a:t>, </a:t>
+            </a:r>
+            <a:r>
+              <a:rPr lang="pl-PL" dirty="0" err="1">
+                <a:solidFill>
+                  <a:schemeClr val="tx1"/>
+                </a:solidFill>
+              </a:rPr>
+              <a:t>etc</a:t>
+            </a:r>
+            <a:r>
+              <a:rPr lang="pl-PL" dirty="0">
+                <a:solidFill>
+                  <a:schemeClr val="tx1"/>
+                </a:solidFill>
+              </a:rPr>
+              <a:t>)</a:t>
+            </a:r>
+          </a:p>
+          <a:p>
+            <a:pPr lvl="1" algn="just">
+              <a:buFont typeface="Wingdings" panose="05000000000000000000" pitchFamily="2" charset="2"/>
+              <a:buChar char="v"/>
+            </a:pPr>
+            <a:r>
+              <a:rPr lang="pl-PL" dirty="0" err="1">
+                <a:solidFill>
+                  <a:schemeClr val="tx1"/>
+                </a:solidFill>
+              </a:rPr>
+              <a:t>messaging.destination</a:t>
+            </a:r>
+            <a:r>
+              <a:rPr lang="pl-PL" dirty="0">
+                <a:solidFill>
+                  <a:schemeClr val="tx1"/>
+                </a:solidFill>
+              </a:rPr>
+              <a:t> (</a:t>
+            </a:r>
+            <a:r>
+              <a:rPr lang="pl-PL" dirty="0" err="1">
+                <a:solidFill>
+                  <a:schemeClr val="tx1"/>
+                </a:solidFill>
+              </a:rPr>
+              <a:t>queue</a:t>
+            </a:r>
+            <a:r>
+              <a:rPr lang="pl-PL" dirty="0">
+                <a:solidFill>
+                  <a:schemeClr val="tx1"/>
+                </a:solidFill>
+              </a:rPr>
+              <a:t> </a:t>
+            </a:r>
+            <a:r>
+              <a:rPr lang="pl-PL" dirty="0" err="1">
+                <a:solidFill>
+                  <a:schemeClr val="tx1"/>
+                </a:solidFill>
+              </a:rPr>
+              <a:t>name</a:t>
+            </a:r>
+            <a:r>
+              <a:rPr lang="pl-PL" dirty="0">
+                <a:solidFill>
+                  <a:schemeClr val="tx1"/>
+                </a:solidFill>
+              </a:rPr>
+              <a:t>, </a:t>
+            </a:r>
+            <a:r>
+              <a:rPr lang="pl-PL" dirty="0" err="1">
+                <a:solidFill>
+                  <a:schemeClr val="tx1"/>
+                </a:solidFill>
+              </a:rPr>
+              <a:t>topic</a:t>
+            </a:r>
+            <a:r>
+              <a:rPr lang="pl-PL" dirty="0">
+                <a:solidFill>
+                  <a:schemeClr val="tx1"/>
+                </a:solidFill>
+              </a:rPr>
+              <a:t> </a:t>
+            </a:r>
+            <a:r>
+              <a:rPr lang="pl-PL" dirty="0" err="1">
+                <a:solidFill>
+                  <a:schemeClr val="tx1"/>
+                </a:solidFill>
+              </a:rPr>
+              <a:t>name</a:t>
+            </a:r>
+            <a:r>
+              <a:rPr lang="pl-PL" dirty="0">
+                <a:solidFill>
+                  <a:schemeClr val="tx1"/>
+                </a:solidFill>
+              </a:rPr>
+              <a:t>)</a:t>
+            </a:r>
+          </a:p>
+          <a:p>
+            <a:pPr lvl="1" algn="just">
+              <a:buFont typeface="Wingdings" panose="05000000000000000000" pitchFamily="2" charset="2"/>
+              <a:buChar char="v"/>
+            </a:pPr>
+            <a:r>
+              <a:rPr lang="pl-PL" dirty="0" err="1">
+                <a:solidFill>
+                  <a:schemeClr val="tx1"/>
+                </a:solidFill>
+              </a:rPr>
+              <a:t>messaging.message_id</a:t>
+            </a:r>
+            <a:endParaRPr lang="pl-PL" dirty="0">
+              <a:solidFill>
+                <a:schemeClr val="tx1"/>
+              </a:solidFill>
+            </a:endParaRPr>
+          </a:p>
+          <a:p>
+            <a:pPr lvl="1" algn="just">
+              <a:buFont typeface="Wingdings" panose="05000000000000000000" pitchFamily="2" charset="2"/>
+              <a:buChar char="v"/>
+            </a:pPr>
+            <a:r>
+              <a:rPr lang="pl-PL" dirty="0">
+                <a:solidFill>
+                  <a:schemeClr val="tx1"/>
+                </a:solidFill>
+              </a:rPr>
+              <a:t>and </a:t>
+            </a:r>
+            <a:r>
+              <a:rPr lang="pl-PL" dirty="0" err="1">
+                <a:solidFill>
+                  <a:schemeClr val="tx1"/>
+                </a:solidFill>
+              </a:rPr>
+              <a:t>more</a:t>
+            </a:r>
+            <a:endParaRPr lang="pl-PL" dirty="0">
+              <a:solidFill>
+                <a:schemeClr val="tx1"/>
+              </a:solidFill>
+            </a:endParaRPr>
+          </a:p>
+          <a:p>
+            <a:pPr lvl="1" algn="just">
+              <a:buFont typeface="Wingdings" panose="05000000000000000000" pitchFamily="2" charset="2"/>
+              <a:buChar char="v"/>
+            </a:pPr>
+            <a:endParaRPr lang="pl-PL" dirty="0">
+              <a:solidFill>
+                <a:schemeClr val="tx1"/>
+              </a:solidFill>
+            </a:endParaRPr>
+          </a:p>
+          <a:p>
+            <a:pPr marL="201168" lvl="1" indent="0">
+              <a:buNone/>
+            </a:pPr>
+            <a:r>
+              <a:rPr lang="pl-PL" dirty="0">
+                <a:solidFill>
+                  <a:schemeClr val="tx1"/>
+                </a:solidFill>
+              </a:rPr>
+              <a:t>Full </a:t>
+            </a:r>
+            <a:r>
+              <a:rPr lang="pl-PL" dirty="0" err="1">
+                <a:solidFill>
+                  <a:schemeClr val="tx1"/>
+                </a:solidFill>
+              </a:rPr>
+              <a:t>specification</a:t>
+            </a:r>
+            <a:r>
+              <a:rPr lang="pl-PL" dirty="0">
+                <a:solidFill>
+                  <a:schemeClr val="tx1"/>
+                </a:solidFill>
+              </a:rPr>
+              <a:t> </a:t>
+            </a:r>
+            <a:r>
+              <a:rPr lang="pl-PL" dirty="0" err="1">
+                <a:solidFill>
+                  <a:schemeClr val="tx1"/>
+                </a:solidFill>
+              </a:rPr>
+              <a:t>is</a:t>
+            </a:r>
+            <a:r>
+              <a:rPr lang="pl-PL" dirty="0">
+                <a:solidFill>
+                  <a:schemeClr val="tx1"/>
+                </a:solidFill>
+              </a:rPr>
+              <a:t> </a:t>
+            </a:r>
+            <a:r>
+              <a:rPr lang="pl-PL" dirty="0" err="1">
+                <a:solidFill>
+                  <a:schemeClr val="tx1"/>
+                </a:solidFill>
+              </a:rPr>
+              <a:t>available</a:t>
+            </a:r>
+            <a:r>
+              <a:rPr lang="pl-PL" dirty="0">
+                <a:solidFill>
+                  <a:schemeClr val="tx1"/>
+                </a:solidFill>
+              </a:rPr>
+              <a:t> </a:t>
+            </a:r>
+            <a:r>
+              <a:rPr lang="pl-PL" dirty="0" err="1">
+                <a:solidFill>
+                  <a:schemeClr val="tx1"/>
+                </a:solidFill>
+              </a:rPr>
+              <a:t>at</a:t>
+            </a:r>
+            <a:r>
+              <a:rPr lang="pl-PL" dirty="0">
+                <a:solidFill>
+                  <a:schemeClr val="tx1"/>
+                </a:solidFill>
+              </a:rPr>
+              <a:t> </a:t>
+            </a:r>
+            <a:r>
+              <a:rPr lang="pl-PL" dirty="0">
+                <a:solidFill>
+                  <a:schemeClr val="tx1"/>
+                </a:solidFill>
+                <a:hlinkClick r:id="rId2"/>
+              </a:rPr>
+              <a:t>https://github.com/open-telemetry/opentelemetry-specification/blob/main/specification/trace/semantic_conventions/messaging.md</a:t>
+            </a:r>
+            <a:endParaRPr lang="pl-PL" dirty="0">
+              <a:solidFill>
+                <a:schemeClr val="tx1"/>
+              </a:solidFill>
+            </a:endParaRPr>
+          </a:p>
+          <a:p>
+            <a:pPr marL="201168" lvl="1" indent="0">
+              <a:buNone/>
+            </a:pPr>
+            <a:endParaRPr lang="pl-PL" dirty="0">
+              <a:solidFill>
+                <a:schemeClr val="tx1"/>
+              </a:solidFill>
+            </a:endParaRPr>
+          </a:p>
+          <a:p>
+            <a:pPr marL="201168" lvl="1" indent="0">
+              <a:buNone/>
+            </a:pPr>
+            <a:r>
+              <a:rPr lang="pl-PL" dirty="0">
+                <a:solidFill>
+                  <a:schemeClr val="tx1"/>
+                </a:solidFill>
+              </a:rPr>
+              <a:t>To </a:t>
+            </a:r>
+            <a:r>
+              <a:rPr lang="pl-PL" dirty="0" err="1">
+                <a:solidFill>
+                  <a:schemeClr val="tx1"/>
+                </a:solidFill>
+              </a:rPr>
+              <a:t>propagate</a:t>
+            </a:r>
+            <a:r>
+              <a:rPr lang="pl-PL" dirty="0">
+                <a:solidFill>
+                  <a:schemeClr val="tx1"/>
+                </a:solidFill>
+              </a:rPr>
+              <a:t> </a:t>
+            </a:r>
+            <a:r>
+              <a:rPr lang="pl-PL" dirty="0" err="1">
+                <a:solidFill>
+                  <a:schemeClr val="tx1"/>
+                </a:solidFill>
+              </a:rPr>
+              <a:t>trace</a:t>
+            </a:r>
+            <a:r>
+              <a:rPr lang="pl-PL" dirty="0">
+                <a:solidFill>
+                  <a:schemeClr val="tx1"/>
+                </a:solidFill>
+              </a:rPr>
+              <a:t> </a:t>
+            </a:r>
+            <a:r>
+              <a:rPr lang="pl-PL" dirty="0" err="1">
+                <a:solidFill>
+                  <a:schemeClr val="tx1"/>
+                </a:solidFill>
+              </a:rPr>
+              <a:t>flow</a:t>
+            </a:r>
+            <a:r>
+              <a:rPr lang="pl-PL" dirty="0">
+                <a:solidFill>
+                  <a:schemeClr val="tx1"/>
+                </a:solidFill>
+              </a:rPr>
+              <a:t>, the </a:t>
+            </a:r>
+            <a:r>
+              <a:rPr lang="pl-PL" dirty="0" err="1">
+                <a:solidFill>
+                  <a:schemeClr val="tx1"/>
+                </a:solidFill>
+              </a:rPr>
+              <a:t>corresponding</a:t>
+            </a:r>
+            <a:r>
+              <a:rPr lang="pl-PL" dirty="0">
+                <a:solidFill>
+                  <a:schemeClr val="tx1"/>
+                </a:solidFill>
+              </a:rPr>
+              <a:t> </a:t>
+            </a:r>
+            <a:r>
+              <a:rPr lang="pl-PL" dirty="0" err="1"/>
+              <a:t>traceparent</a:t>
+            </a:r>
+            <a:r>
+              <a:rPr lang="pl-PL" dirty="0"/>
+              <a:t> </a:t>
+            </a:r>
+            <a:r>
+              <a:rPr lang="pl-PL" dirty="0" err="1"/>
+              <a:t>value</a:t>
+            </a:r>
+            <a:r>
+              <a:rPr lang="pl-PL" dirty="0"/>
+              <a:t> </a:t>
+            </a:r>
+            <a:r>
+              <a:rPr lang="pl-PL" dirty="0" err="1"/>
+              <a:t>is</a:t>
+            </a:r>
+            <a:r>
+              <a:rPr lang="pl-PL" dirty="0"/>
+              <a:t> </a:t>
+            </a:r>
+            <a:r>
+              <a:rPr lang="pl-PL" dirty="0" err="1"/>
+              <a:t>sent</a:t>
+            </a:r>
+            <a:r>
+              <a:rPr lang="pl-PL" dirty="0"/>
+              <a:t> as </a:t>
+            </a:r>
+            <a:r>
+              <a:rPr lang="pl-PL" dirty="0" err="1">
+                <a:solidFill>
+                  <a:srgbClr val="0070C0"/>
+                </a:solidFill>
+              </a:rPr>
+              <a:t>Diagnostic</a:t>
+            </a:r>
+            <a:r>
+              <a:rPr lang="pl-PL" dirty="0">
+                <a:solidFill>
+                  <a:srgbClr val="0070C0"/>
+                </a:solidFill>
+              </a:rPr>
+              <a:t>-Id</a:t>
+            </a:r>
+            <a:r>
+              <a:rPr lang="pl-PL" dirty="0"/>
+              <a:t> </a:t>
+            </a:r>
+            <a:r>
+              <a:rPr lang="pl-PL" dirty="0" err="1"/>
+              <a:t>message</a:t>
+            </a:r>
+            <a:r>
+              <a:rPr lang="pl-PL" dirty="0"/>
+              <a:t> </a:t>
+            </a:r>
+            <a:r>
+              <a:rPr lang="pl-PL" dirty="0" err="1"/>
+              <a:t>property</a:t>
+            </a:r>
+            <a:r>
+              <a:rPr lang="pl-PL" dirty="0"/>
+              <a:t>. </a:t>
+            </a:r>
+            <a:r>
+              <a:rPr lang="pl-PL" dirty="0" err="1"/>
+              <a:t>However</a:t>
+            </a:r>
+            <a:r>
+              <a:rPr lang="pl-PL" dirty="0"/>
+              <a:t>, in </a:t>
+            </a:r>
+            <a:r>
+              <a:rPr lang="pl-PL" dirty="0" err="1"/>
+              <a:t>some</a:t>
+            </a:r>
+            <a:r>
+              <a:rPr lang="pl-PL" dirty="0"/>
+              <a:t> </a:t>
+            </a:r>
+            <a:r>
+              <a:rPr lang="pl-PL" dirty="0" err="1"/>
+              <a:t>scenarios</a:t>
+            </a:r>
+            <a:r>
+              <a:rPr lang="pl-PL" dirty="0"/>
+              <a:t> </a:t>
+            </a:r>
+            <a:r>
+              <a:rPr lang="pl-PL" dirty="0" err="1"/>
+              <a:t>flows</a:t>
+            </a:r>
+            <a:r>
+              <a:rPr lang="pl-PL" dirty="0"/>
+              <a:t> </a:t>
+            </a:r>
+            <a:r>
+              <a:rPr lang="pl-PL" dirty="0" err="1"/>
+              <a:t>separated</a:t>
+            </a:r>
+            <a:r>
+              <a:rPr lang="pl-PL" dirty="0"/>
+              <a:t> by the </a:t>
+            </a:r>
+            <a:r>
+              <a:rPr lang="pl-PL" dirty="0" err="1"/>
+              <a:t>ServiceBus</a:t>
+            </a:r>
+            <a:r>
+              <a:rPr lang="pl-PL" dirty="0"/>
+              <a:t> </a:t>
+            </a:r>
+            <a:r>
+              <a:rPr lang="pl-PL" dirty="0" err="1"/>
+              <a:t>are</a:t>
+            </a:r>
+            <a:r>
+              <a:rPr lang="pl-PL" dirty="0"/>
+              <a:t> </a:t>
+            </a:r>
+            <a:r>
+              <a:rPr lang="pl-PL" dirty="0" err="1"/>
+              <a:t>linked</a:t>
+            </a:r>
+            <a:r>
+              <a:rPr lang="pl-PL" dirty="0"/>
+              <a:t> with </a:t>
+            </a:r>
+            <a:r>
+              <a:rPr lang="pl-PL" dirty="0">
+                <a:solidFill>
+                  <a:srgbClr val="0070C0"/>
+                </a:solidFill>
+              </a:rPr>
+              <a:t>Links</a:t>
+            </a:r>
+            <a:r>
+              <a:rPr lang="pl-PL" dirty="0"/>
+              <a:t> </a:t>
+            </a:r>
+            <a:r>
+              <a:rPr lang="pl-PL" dirty="0" err="1"/>
+              <a:t>instead</a:t>
+            </a:r>
+            <a:r>
+              <a:rPr lang="pl-PL" dirty="0"/>
+              <a:t> of a single </a:t>
+            </a:r>
+            <a:r>
+              <a:rPr lang="pl-PL" dirty="0" err="1"/>
+              <a:t>trace</a:t>
+            </a:r>
+            <a:endParaRPr lang="pl-PL" dirty="0">
+              <a:solidFill>
+                <a:schemeClr val="tx1"/>
+              </a:solidFill>
+            </a:endParaRPr>
+          </a:p>
+        </p:txBody>
+      </p:sp>
+      <p:sp>
+        <p:nvSpPr>
+          <p:cNvPr id="5" name="Prostokąt 4">
+            <a:extLst>
+              <a:ext uri="{FF2B5EF4-FFF2-40B4-BE49-F238E27FC236}">
+                <a16:creationId xmlns:a16="http://schemas.microsoft.com/office/drawing/2014/main" id="{E1129490-370C-4FDF-80C2-6625BEB798D1}"/>
+              </a:ext>
+            </a:extLst>
+          </p:cNvPr>
+          <p:cNvSpPr/>
+          <p:nvPr/>
+        </p:nvSpPr>
+        <p:spPr>
+          <a:xfrm>
+            <a:off x="10531138" y="6466361"/>
+            <a:ext cx="1558825" cy="369332"/>
+          </a:xfrm>
+          <a:prstGeom prst="rect">
+            <a:avLst/>
+          </a:prstGeom>
+        </p:spPr>
+        <p:txBody>
+          <a:bodyPr wrap="none">
+            <a:spAutoFit/>
+          </a:bodyPr>
+          <a:lstStyle/>
+          <a:p>
+            <a:r>
+              <a:rPr lang="pl-PL" dirty="0">
+                <a:solidFill>
+                  <a:schemeClr val="bg1"/>
+                </a:solidFill>
+              </a:rPr>
+              <a:t>@</a:t>
+            </a:r>
+            <a:r>
+              <a:rPr lang="pl-PL" dirty="0" err="1">
+                <a:solidFill>
+                  <a:schemeClr val="bg1"/>
+                </a:solidFill>
+              </a:rPr>
+              <a:t>lukaszpyrzyk</a:t>
+            </a:r>
+            <a:endParaRPr lang="en-GB" dirty="0">
+              <a:solidFill>
+                <a:schemeClr val="bg1"/>
+              </a:solidFill>
+            </a:endParaRPr>
+          </a:p>
+        </p:txBody>
+      </p:sp>
+    </p:spTree>
+    <p:extLst>
+      <p:ext uri="{BB962C8B-B14F-4D97-AF65-F5344CB8AC3E}">
+        <p14:creationId xmlns:p14="http://schemas.microsoft.com/office/powerpoint/2010/main" val="2771167750"/>
+      </p:ext>
+    </p:extLst>
+  </p:cSld>
+  <p:clrMapOvr>
+    <a:masterClrMapping/>
+  </p:clrMapOvr>
+</p:sld>
+</file>
+
+<file path=ppt/slides/slide2.xml><?xml version="1.0" encoding="utf-8"?>
+<p:sld xmlns:a="http://schemas.openxmlformats.org/drawingml/2006/main" xmlns:r="http://schemas.openxmlformats.org/officeDocument/2006/relationships" xmlns:p="http://schemas.openxmlformats.org/presentationml/2006/main">
+  <p:cSld>
+    <p:spTree>
+      <p:nvGrpSpPr>
+        <p:cNvPr id="1" name=""/>
+        <p:cNvGrpSpPr/>
+        <p:nvPr/>
+      </p:nvGrpSpPr>
+      <p:grpSpPr>
+        <a:xfrm>
+          <a:off x="0" y="0"/>
+          <a:ext cx="0" cy="0"/>
+          <a:chOff x="0" y="0"/>
+          <a:chExt cx="0" cy="0"/>
+        </a:xfrm>
+      </p:grpSpPr>
+      <p:sp>
+        <p:nvSpPr>
+          <p:cNvPr id="2" name="Tytuł 1">
+            <a:extLst>
+              <a:ext uri="{FF2B5EF4-FFF2-40B4-BE49-F238E27FC236}">
+                <a16:creationId xmlns:a16="http://schemas.microsoft.com/office/drawing/2014/main" id="{7CDD0CAE-BC7E-4C57-B901-23D0E8BF80BA}"/>
+              </a:ext>
+            </a:extLst>
+          </p:cNvPr>
+          <p:cNvSpPr>
+            <a:spLocks noGrp="1"/>
+          </p:cNvSpPr>
+          <p:nvPr>
+            <p:ph type="title"/>
+          </p:nvPr>
+        </p:nvSpPr>
+        <p:spPr>
+          <a:xfrm>
+            <a:off x="1097280" y="263527"/>
+            <a:ext cx="10058400" cy="1450757"/>
+          </a:xfrm>
+        </p:spPr>
+        <p:txBody>
+          <a:bodyPr/>
+          <a:lstStyle/>
+          <a:p>
+            <a:r>
+              <a:rPr lang="pl-PL" dirty="0" err="1"/>
+              <a:t>About</a:t>
+            </a:r>
+            <a:r>
+              <a:rPr lang="pl-PL" dirty="0"/>
+              <a:t> me</a:t>
+            </a:r>
+            <a:endParaRPr lang="en-GB" dirty="0"/>
+          </a:p>
+        </p:txBody>
+      </p:sp>
+      <p:sp>
+        <p:nvSpPr>
+          <p:cNvPr id="3" name="Symbol zastępczy zawartości 2">
+            <a:extLst>
+              <a:ext uri="{FF2B5EF4-FFF2-40B4-BE49-F238E27FC236}">
+                <a16:creationId xmlns:a16="http://schemas.microsoft.com/office/drawing/2014/main" id="{FE5691DC-230B-4898-A90C-5EC9BAC529F2}"/>
+              </a:ext>
+            </a:extLst>
+          </p:cNvPr>
+          <p:cNvSpPr>
+            <a:spLocks noGrp="1"/>
+          </p:cNvSpPr>
+          <p:nvPr>
+            <p:ph idx="1"/>
+          </p:nvPr>
+        </p:nvSpPr>
+        <p:spPr/>
+        <p:txBody>
+          <a:bodyPr/>
+          <a:lstStyle/>
+          <a:p>
+            <a:pPr>
+              <a:buFont typeface="Wingdings" panose="05000000000000000000" pitchFamily="2" charset="2"/>
+              <a:buChar char="v"/>
+            </a:pPr>
+            <a:r>
+              <a:rPr lang="pl-PL" dirty="0"/>
+              <a:t> Co-</a:t>
+            </a:r>
+            <a:r>
+              <a:rPr lang="pl-PL" dirty="0" err="1"/>
+              <a:t>founder</a:t>
+            </a:r>
+            <a:r>
+              <a:rPr lang="pl-PL" dirty="0"/>
+              <a:t> of </a:t>
+            </a:r>
+            <a:r>
+              <a:rPr lang="pl-PL" dirty="0" err="1"/>
+              <a:t>Dotnetos</a:t>
+            </a:r>
+            <a:endParaRPr lang="pl-PL" dirty="0"/>
+          </a:p>
+          <a:p>
+            <a:pPr>
+              <a:buFont typeface="Wingdings" panose="05000000000000000000" pitchFamily="2" charset="2"/>
+              <a:buChar char="v"/>
+            </a:pPr>
+            <a:r>
+              <a:rPr lang="pl-PL" dirty="0"/>
+              <a:t> Microsoft MVP</a:t>
+            </a:r>
+          </a:p>
+          <a:p>
+            <a:pPr>
+              <a:buFont typeface="Wingdings" panose="05000000000000000000" pitchFamily="2" charset="2"/>
+              <a:buChar char="v"/>
+            </a:pPr>
+            <a:r>
+              <a:rPr lang="pl-PL" dirty="0"/>
+              <a:t> .NET Technical </a:t>
+            </a:r>
+            <a:r>
+              <a:rPr lang="pl-PL" dirty="0" err="1"/>
+              <a:t>Lead</a:t>
+            </a:r>
+            <a:r>
+              <a:rPr lang="pl-PL" dirty="0"/>
+              <a:t> </a:t>
+            </a:r>
+            <a:r>
+              <a:rPr lang="pl-PL" dirty="0" err="1"/>
+              <a:t>at</a:t>
+            </a:r>
+            <a:r>
+              <a:rPr lang="pl-PL" dirty="0"/>
+              <a:t> Sonova</a:t>
+            </a:r>
+          </a:p>
+          <a:p>
+            <a:pPr>
+              <a:buFont typeface="Wingdings" panose="05000000000000000000" pitchFamily="2" charset="2"/>
+              <a:buChar char="v"/>
+            </a:pPr>
+            <a:r>
+              <a:rPr lang="pl-PL" dirty="0"/>
+              <a:t> </a:t>
+            </a:r>
+            <a:r>
+              <a:rPr lang="pl-PL" dirty="0" err="1"/>
+              <a:t>Tweets</a:t>
+            </a:r>
+            <a:r>
+              <a:rPr lang="pl-PL" dirty="0"/>
+              <a:t> as @</a:t>
+            </a:r>
+            <a:r>
+              <a:rPr lang="pl-PL" dirty="0" err="1"/>
+              <a:t>lukaszpyrzyk</a:t>
+            </a:r>
+            <a:endParaRPr lang="pl-PL" dirty="0"/>
+          </a:p>
+          <a:p>
+            <a:pPr>
+              <a:buFont typeface="Arial" panose="020B0604020202020204" pitchFamily="34" charset="0"/>
+              <a:buChar char="•"/>
+            </a:pPr>
+            <a:endParaRPr lang="en-GB" dirty="0"/>
+          </a:p>
+        </p:txBody>
+      </p:sp>
+      <p:pic>
+        <p:nvPicPr>
+          <p:cNvPr id="1026" name="Picture 2">
+            <a:extLst>
+              <a:ext uri="{FF2B5EF4-FFF2-40B4-BE49-F238E27FC236}">
+                <a16:creationId xmlns:a16="http://schemas.microsoft.com/office/drawing/2014/main" id="{F696BC72-15EE-4BA5-9847-56B155C1CB9A}"/>
+              </a:ext>
+            </a:extLst>
+          </p:cNvPr>
+          <p:cNvPicPr>
+            <a:picLocks noChangeAspect="1" noChangeArrowheads="1"/>
+          </p:cNvPicPr>
+          <p:nvPr/>
+        </p:nvPicPr>
+        <p:blipFill>
+          <a:blip r:embed="rId2">
+            <a:extLst>
+              <a:ext uri="{28A0092B-C50C-407E-A947-70E740481C1C}">
+                <a14:useLocalDpi xmlns:a14="http://schemas.microsoft.com/office/drawing/2010/main" val="0"/>
+              </a:ext>
+            </a:extLst>
+          </a:blip>
+          <a:srcRect/>
+          <a:stretch>
+            <a:fillRect/>
+          </a:stretch>
+        </p:blipFill>
+        <p:spPr bwMode="auto">
+          <a:xfrm>
+            <a:off x="4528525" y="1596035"/>
+            <a:ext cx="10694313" cy="4975362"/>
+          </a:xfrm>
+          <a:prstGeom prst="rect">
+            <a:avLst/>
+          </a:prstGeom>
+          <a:noFill/>
+          <a:extLst>
+            <a:ext uri="{909E8E84-426E-40DD-AFC4-6F175D3DCCD1}">
+              <a14:hiddenFill xmlns:a14="http://schemas.microsoft.com/office/drawing/2010/main">
+                <a:solidFill>
+                  <a:srgbClr val="FFFFFF"/>
+                </a:solidFill>
+              </a14:hiddenFill>
+            </a:ext>
+          </a:extLst>
+        </p:spPr>
+      </p:pic>
+    </p:spTree>
+    <p:extLst>
+      <p:ext uri="{BB962C8B-B14F-4D97-AF65-F5344CB8AC3E}">
+        <p14:creationId xmlns:p14="http://schemas.microsoft.com/office/powerpoint/2010/main" val="1197036292"/>
+      </p:ext>
+    </p:extLst>
+  </p:cSld>
+  <p:clrMapOvr>
+    <a:masterClrMapping/>
+  </p:clrMapOvr>
+</p:sld>
+</file>
+
+<file path=ppt/slides/slide20.xml><?xml version="1.0" encoding="utf-8"?>
 <p:sld xmlns:a="http://schemas.openxmlformats.org/drawingml/2006/main" xmlns:r="http://schemas.openxmlformats.org/officeDocument/2006/relationships" xmlns:p="http://schemas.openxmlformats.org/presentationml/2006/main">
   <p:cSld>
     <p:spTree>
@@ -4699,8 +9327,8 @@
         </p:blipFill>
         <p:spPr bwMode="auto">
           <a:xfrm>
-            <a:off x="1911744" y="62451"/>
-            <a:ext cx="7538435" cy="6588419"/>
+            <a:off x="2248930" y="-91785"/>
+            <a:ext cx="7234201" cy="6322525"/>
           </a:xfrm>
           <a:prstGeom prst="rect">
             <a:avLst/>
@@ -4717,6 +9345,44 @@
           </a:extLst>
         </p:spPr>
       </p:pic>
+      <p:sp>
+        <p:nvSpPr>
+          <p:cNvPr id="2" name="Prostokąt 1">
+            <a:extLst>
+              <a:ext uri="{FF2B5EF4-FFF2-40B4-BE49-F238E27FC236}">
+                <a16:creationId xmlns:a16="http://schemas.microsoft.com/office/drawing/2014/main" id="{8DB6581B-B9F6-4079-9EE9-1C654AB5F6F8}"/>
+              </a:ext>
+            </a:extLst>
+          </p:cNvPr>
+          <p:cNvSpPr/>
+          <p:nvPr/>
+        </p:nvSpPr>
+        <p:spPr>
+          <a:xfrm>
+            <a:off x="1894702" y="6425684"/>
+            <a:ext cx="8649730" cy="369332"/>
+          </a:xfrm>
+          <a:prstGeom prst="rect">
+            <a:avLst/>
+          </a:prstGeom>
+        </p:spPr>
+        <p:txBody>
+          <a:bodyPr wrap="square">
+            <a:spAutoFit/>
+          </a:bodyPr>
+          <a:lstStyle/>
+          <a:p>
+            <a:r>
+              <a:rPr lang="en-GB" dirty="0">
+                <a:solidFill>
+                  <a:schemeClr val="bg1"/>
+                </a:solidFill>
+              </a:rPr>
+              <a:t>https://medium.com/knerd/distributed-tracing-design-and-architecture-88b1ce31f60d</a:t>
+            </a:r>
+          </a:p>
+        </p:txBody>
+      </p:sp>
     </p:spTree>
     <p:extLst>
       <p:ext uri="{BB962C8B-B14F-4D97-AF65-F5344CB8AC3E}">
@@ -4730,7 +9396,7 @@
 </p:sld>
 </file>
 
-<file path=ppt/slides/slide18.xml><?xml version="1.0" encoding="utf-8"?>
+<file path=ppt/slides/slide21.xml><?xml version="1.0" encoding="utf-8"?>
 <p:sld xmlns:a="http://schemas.openxmlformats.org/drawingml/2006/main" xmlns:r="http://schemas.openxmlformats.org/officeDocument/2006/relationships" xmlns:p="http://schemas.openxmlformats.org/presentationml/2006/main">
   <p:cSld>
     <p:spTree>
@@ -4794,6 +9460,57 @@
           </a:extLst>
         </p:spPr>
       </p:pic>
+      <p:sp>
+        <p:nvSpPr>
+          <p:cNvPr id="3" name="Prostokąt 2">
+            <a:extLst>
+              <a:ext uri="{FF2B5EF4-FFF2-40B4-BE49-F238E27FC236}">
+                <a16:creationId xmlns:a16="http://schemas.microsoft.com/office/drawing/2014/main" id="{1FB528ED-4C38-45BE-8D3C-417BECF00CAF}"/>
+              </a:ext>
+            </a:extLst>
+          </p:cNvPr>
+          <p:cNvSpPr/>
+          <p:nvPr/>
+        </p:nvSpPr>
+        <p:spPr>
+          <a:xfrm>
+            <a:off x="10531138" y="6466361"/>
+            <a:ext cx="1558825" cy="369332"/>
+          </a:xfrm>
+          <a:prstGeom prst="rect">
+            <a:avLst/>
+          </a:prstGeom>
+        </p:spPr>
+        <p:txBody>
+          <a:bodyPr wrap="none">
+            <a:spAutoFit/>
+          </a:bodyPr>
+          <a:lstStyle/>
+          <a:p>
+            <a:r>
+              <a:rPr lang="pl-PL" dirty="0">
+                <a:solidFill>
+                  <a:schemeClr val="bg1"/>
+                </a:solidFill>
+              </a:rPr>
+              <a:t>@</a:t>
+            </a:r>
+            <a:r>
+              <a:rPr lang="pl-PL" dirty="0" err="1">
+                <a:solidFill>
+                  <a:schemeClr val="bg1"/>
+                </a:solidFill>
+              </a:rPr>
+              <a:t>lukaszpyrzyk</a:t>
+            </a:r>
+            <a:endParaRPr lang="en-GB" dirty="0">
+              <a:solidFill>
+                <a:schemeClr val="bg1"/>
+              </a:solidFill>
+            </a:endParaRPr>
+          </a:p>
+        </p:txBody>
+      </p:sp>
     </p:spTree>
     <p:extLst>
       <p:ext uri="{BB962C8B-B14F-4D97-AF65-F5344CB8AC3E}">
@@ -4807,7 +9524,1118 @@
 </p:sld>
 </file>
 
-<file path=ppt/slides/slide19.xml><?xml version="1.0" encoding="utf-8"?>
+<file path=ppt/slides/slide22.xml><?xml version="1.0" encoding="utf-8"?>
+<p:sld xmlns:a="http://schemas.openxmlformats.org/drawingml/2006/main" xmlns:r="http://schemas.openxmlformats.org/officeDocument/2006/relationships" xmlns:p="http://schemas.openxmlformats.org/presentationml/2006/main">
+  <p:cSld>
+    <p:spTree>
+      <p:nvGrpSpPr>
+        <p:cNvPr id="1" name=""/>
+        <p:cNvGrpSpPr/>
+        <p:nvPr/>
+      </p:nvGrpSpPr>
+      <p:grpSpPr>
+        <a:xfrm>
+          <a:off x="0" y="0"/>
+          <a:ext cx="0" cy="0"/>
+          <a:chOff x="0" y="0"/>
+          <a:chExt cx="0" cy="0"/>
+        </a:xfrm>
+      </p:grpSpPr>
+      <p:sp>
+        <p:nvSpPr>
+          <p:cNvPr id="2" name="Tytuł 1">
+            <a:extLst>
+              <a:ext uri="{FF2B5EF4-FFF2-40B4-BE49-F238E27FC236}">
+                <a16:creationId xmlns:a16="http://schemas.microsoft.com/office/drawing/2014/main" id="{DBCF61BD-95D2-4195-92AB-D5FBFA5899FE}"/>
+              </a:ext>
+            </a:extLst>
+          </p:cNvPr>
+          <p:cNvSpPr>
+            <a:spLocks noGrp="1"/>
+          </p:cNvSpPr>
+          <p:nvPr>
+            <p:ph type="title"/>
+          </p:nvPr>
+        </p:nvSpPr>
+        <p:spPr/>
+        <p:txBody>
+          <a:bodyPr/>
+          <a:lstStyle/>
+          <a:p>
+            <a:r>
+              <a:rPr lang="pl-PL" dirty="0" err="1"/>
+              <a:t>About</a:t>
+            </a:r>
+            <a:r>
+              <a:rPr lang="pl-PL" dirty="0"/>
+              <a:t> the demo</a:t>
+            </a:r>
+            <a:endParaRPr lang="en-GB" dirty="0"/>
+          </a:p>
+        </p:txBody>
+      </p:sp>
+      <p:sp>
+        <p:nvSpPr>
+          <p:cNvPr id="3" name="Symbol zastępczy zawartości 2">
+            <a:extLst>
+              <a:ext uri="{FF2B5EF4-FFF2-40B4-BE49-F238E27FC236}">
+                <a16:creationId xmlns:a16="http://schemas.microsoft.com/office/drawing/2014/main" id="{AD3FCEB9-56AF-4295-BC72-2CC224C9BB38}"/>
+              </a:ext>
+            </a:extLst>
+          </p:cNvPr>
+          <p:cNvSpPr>
+            <a:spLocks noGrp="1"/>
+          </p:cNvSpPr>
+          <p:nvPr>
+            <p:ph idx="1"/>
+          </p:nvPr>
+        </p:nvSpPr>
+        <p:spPr/>
+        <p:txBody>
+          <a:bodyPr/>
+          <a:lstStyle/>
+          <a:p>
+            <a:endParaRPr lang="pl-PL" dirty="0"/>
+          </a:p>
+          <a:p>
+            <a:endParaRPr lang="pl-PL" dirty="0"/>
+          </a:p>
+          <a:p>
+            <a:r>
+              <a:rPr lang="pl-PL" dirty="0"/>
+              <a:t>Source </a:t>
+            </a:r>
+            <a:r>
+              <a:rPr lang="pl-PL" dirty="0" err="1"/>
+              <a:t>code</a:t>
+            </a:r>
+            <a:r>
+              <a:rPr lang="pl-PL" dirty="0"/>
+              <a:t> for the demo </a:t>
+            </a:r>
+            <a:r>
+              <a:rPr lang="pl-PL" dirty="0" err="1"/>
+              <a:t>is</a:t>
+            </a:r>
+            <a:r>
+              <a:rPr lang="pl-PL" dirty="0"/>
+              <a:t> open </a:t>
+            </a:r>
+            <a:r>
+              <a:rPr lang="pl-PL" dirty="0" err="1"/>
+              <a:t>sourced</a:t>
+            </a:r>
+            <a:r>
+              <a:rPr lang="pl-PL" dirty="0"/>
+              <a:t>, </a:t>
+            </a:r>
+            <a:r>
+              <a:rPr lang="pl-PL" dirty="0" err="1"/>
+              <a:t>together</a:t>
+            </a:r>
+            <a:r>
+              <a:rPr lang="pl-PL" dirty="0"/>
+              <a:t> with </a:t>
+            </a:r>
+            <a:r>
+              <a:rPr lang="pl-PL" dirty="0" err="1"/>
+              <a:t>presentation</a:t>
+            </a:r>
+            <a:r>
+              <a:rPr lang="pl-PL" dirty="0"/>
+              <a:t> on my </a:t>
+            </a:r>
+            <a:r>
+              <a:rPr lang="pl-PL" dirty="0" err="1"/>
+              <a:t>Github</a:t>
+            </a:r>
+            <a:r>
+              <a:rPr lang="pl-PL" dirty="0"/>
+              <a:t> profile. To run </a:t>
+            </a:r>
+            <a:r>
+              <a:rPr lang="pl-PL" dirty="0" err="1"/>
+              <a:t>it</a:t>
+            </a:r>
+            <a:r>
+              <a:rPr lang="pl-PL" dirty="0"/>
+              <a:t>, </a:t>
+            </a:r>
+            <a:r>
+              <a:rPr lang="pl-PL" dirty="0" err="1"/>
+              <a:t>follow</a:t>
+            </a:r>
+            <a:r>
+              <a:rPr lang="pl-PL" dirty="0"/>
+              <a:t> </a:t>
+            </a:r>
+            <a:r>
+              <a:rPr lang="pl-PL" dirty="0" err="1"/>
+              <a:t>instructions</a:t>
+            </a:r>
+            <a:r>
+              <a:rPr lang="pl-PL" dirty="0"/>
+              <a:t> in the </a:t>
+            </a:r>
+            <a:r>
+              <a:rPr lang="pl-PL" dirty="0" err="1"/>
+              <a:t>readme</a:t>
+            </a:r>
+            <a:r>
+              <a:rPr lang="pl-PL" dirty="0"/>
+              <a:t> file.</a:t>
+            </a:r>
+          </a:p>
+          <a:p>
+            <a:pPr algn="ctr"/>
+            <a:r>
+              <a:rPr lang="pl-PL" dirty="0"/>
+              <a:t>https://github.com/lukasz-pyrzyk/opentelemetry-demo</a:t>
+            </a:r>
+          </a:p>
+        </p:txBody>
+      </p:sp>
+    </p:spTree>
+    <p:extLst>
+      <p:ext uri="{BB962C8B-B14F-4D97-AF65-F5344CB8AC3E}">
+        <p14:creationId xmlns:p14="http://schemas.microsoft.com/office/powerpoint/2010/main" val="61611896"/>
+      </p:ext>
+    </p:extLst>
+  </p:cSld>
+  <p:clrMapOvr>
+    <a:masterClrMapping/>
+  </p:clrMapOvr>
+</p:sld>
+</file>
+
+<file path=ppt/slides/slide23.xml><?xml version="1.0" encoding="utf-8"?>
+<p:sld xmlns:a="http://schemas.openxmlformats.org/drawingml/2006/main" xmlns:r="http://schemas.openxmlformats.org/officeDocument/2006/relationships" xmlns:p="http://schemas.openxmlformats.org/presentationml/2006/main">
+  <p:cSld>
+    <p:spTree>
+      <p:nvGrpSpPr>
+        <p:cNvPr id="1" name=""/>
+        <p:cNvGrpSpPr/>
+        <p:nvPr/>
+      </p:nvGrpSpPr>
+      <p:grpSpPr>
+        <a:xfrm>
+          <a:off x="0" y="0"/>
+          <a:ext cx="0" cy="0"/>
+          <a:chOff x="0" y="0"/>
+          <a:chExt cx="0" cy="0"/>
+        </a:xfrm>
+      </p:grpSpPr>
+      <p:sp>
+        <p:nvSpPr>
+          <p:cNvPr id="2" name="Tytuł 1">
+            <a:extLst>
+              <a:ext uri="{FF2B5EF4-FFF2-40B4-BE49-F238E27FC236}">
+                <a16:creationId xmlns:a16="http://schemas.microsoft.com/office/drawing/2014/main" id="{DBCF61BD-95D2-4195-92AB-D5FBFA5899FE}"/>
+              </a:ext>
+            </a:extLst>
+          </p:cNvPr>
+          <p:cNvSpPr>
+            <a:spLocks noGrp="1"/>
+          </p:cNvSpPr>
+          <p:nvPr>
+            <p:ph type="title"/>
+          </p:nvPr>
+        </p:nvSpPr>
+        <p:spPr/>
+        <p:txBody>
+          <a:bodyPr/>
+          <a:lstStyle/>
+          <a:p>
+            <a:r>
+              <a:rPr lang="pl-PL" dirty="0" err="1"/>
+              <a:t>About</a:t>
+            </a:r>
+            <a:r>
+              <a:rPr lang="pl-PL" dirty="0"/>
+              <a:t> the demo - </a:t>
+            </a:r>
+            <a:r>
+              <a:rPr lang="pl-PL" dirty="0" err="1"/>
+              <a:t>projects</a:t>
+            </a:r>
+            <a:endParaRPr lang="en-GB" dirty="0"/>
+          </a:p>
+        </p:txBody>
+      </p:sp>
+      <p:sp>
+        <p:nvSpPr>
+          <p:cNvPr id="3" name="Symbol zastępczy zawartości 2">
+            <a:extLst>
+              <a:ext uri="{FF2B5EF4-FFF2-40B4-BE49-F238E27FC236}">
+                <a16:creationId xmlns:a16="http://schemas.microsoft.com/office/drawing/2014/main" id="{AD3FCEB9-56AF-4295-BC72-2CC224C9BB38}"/>
+              </a:ext>
+            </a:extLst>
+          </p:cNvPr>
+          <p:cNvSpPr>
+            <a:spLocks noGrp="1"/>
+          </p:cNvSpPr>
+          <p:nvPr>
+            <p:ph idx="1"/>
+          </p:nvPr>
+        </p:nvSpPr>
+        <p:spPr/>
+        <p:txBody>
+          <a:bodyPr/>
+          <a:lstStyle/>
+          <a:p>
+            <a:r>
+              <a:rPr lang="pl-PL" dirty="0" err="1"/>
+              <a:t>Within</a:t>
+            </a:r>
+            <a:r>
+              <a:rPr lang="pl-PL" dirty="0"/>
+              <a:t> the </a:t>
+            </a:r>
+            <a:r>
+              <a:rPr lang="pl-PL" dirty="0" err="1"/>
+              <a:t>repository</a:t>
+            </a:r>
+            <a:r>
+              <a:rPr lang="pl-PL" dirty="0"/>
+              <a:t> </a:t>
+            </a:r>
+            <a:r>
+              <a:rPr lang="pl-PL" dirty="0" err="1"/>
+              <a:t>you</a:t>
+            </a:r>
+            <a:r>
+              <a:rPr lang="pl-PL" dirty="0"/>
+              <a:t> </a:t>
+            </a:r>
+            <a:r>
+              <a:rPr lang="pl-PL" dirty="0" err="1"/>
+              <a:t>may</a:t>
+            </a:r>
+            <a:r>
+              <a:rPr lang="pl-PL" dirty="0"/>
+              <a:t> </a:t>
+            </a:r>
+            <a:r>
+              <a:rPr lang="pl-PL" dirty="0" err="1"/>
+              <a:t>find</a:t>
+            </a:r>
+            <a:r>
+              <a:rPr lang="pl-PL" dirty="0"/>
+              <a:t> a </a:t>
+            </a:r>
+            <a:r>
+              <a:rPr lang="pl-PL" dirty="0" err="1"/>
+              <a:t>solution</a:t>
+            </a:r>
+            <a:r>
+              <a:rPr lang="pl-PL" dirty="0"/>
+              <a:t> for </a:t>
+            </a:r>
+            <a:r>
+              <a:rPr lang="pl-PL" dirty="0" err="1"/>
+              <a:t>calculating</a:t>
+            </a:r>
+            <a:r>
+              <a:rPr lang="pl-PL" dirty="0"/>
+              <a:t> Fibonacci </a:t>
+            </a:r>
+            <a:r>
+              <a:rPr lang="pl-PL" dirty="0" err="1"/>
+              <a:t>numbers</a:t>
+            </a:r>
+            <a:endParaRPr lang="pl-PL" dirty="0"/>
+          </a:p>
+          <a:p>
+            <a:r>
+              <a:rPr lang="pl-PL" dirty="0"/>
+              <a:t>Solution </a:t>
+            </a:r>
+            <a:r>
+              <a:rPr lang="pl-PL" dirty="0" err="1"/>
+              <a:t>is</a:t>
+            </a:r>
+            <a:r>
+              <a:rPr lang="pl-PL" dirty="0"/>
+              <a:t> </a:t>
+            </a:r>
+            <a:r>
+              <a:rPr lang="pl-PL" dirty="0" err="1"/>
+              <a:t>based</a:t>
+            </a:r>
+            <a:r>
+              <a:rPr lang="pl-PL" dirty="0"/>
+              <a:t> on </a:t>
+            </a:r>
+            <a:r>
+              <a:rPr lang="pl-PL" dirty="0" err="1"/>
+              <a:t>three</a:t>
+            </a:r>
+            <a:r>
+              <a:rPr lang="pl-PL" dirty="0"/>
+              <a:t> </a:t>
+            </a:r>
+            <a:r>
+              <a:rPr lang="pl-PL" dirty="0" err="1"/>
+              <a:t>projects</a:t>
+            </a:r>
+            <a:r>
+              <a:rPr lang="pl-PL" dirty="0"/>
+              <a:t>:</a:t>
+            </a:r>
+          </a:p>
+          <a:p>
+            <a:pPr>
+              <a:buFont typeface="Wingdings" panose="05000000000000000000" pitchFamily="2" charset="2"/>
+              <a:buChar char="v"/>
+            </a:pPr>
+            <a:r>
+              <a:rPr lang="en-GB" dirty="0" err="1"/>
+              <a:t>Fibonacci.WebService</a:t>
+            </a:r>
+            <a:r>
+              <a:rPr lang="pl-PL" dirty="0"/>
+              <a:t> – Web API </a:t>
+            </a:r>
+            <a:r>
+              <a:rPr lang="pl-PL" dirty="0" err="1"/>
+              <a:t>responsible</a:t>
+            </a:r>
+            <a:r>
+              <a:rPr lang="pl-PL" dirty="0"/>
+              <a:t> for </a:t>
+            </a:r>
+            <a:r>
+              <a:rPr lang="pl-PL" dirty="0" err="1"/>
+              <a:t>receiving</a:t>
+            </a:r>
+            <a:r>
+              <a:rPr lang="pl-PL" dirty="0"/>
+              <a:t> </a:t>
+            </a:r>
+            <a:r>
+              <a:rPr lang="pl-PL" dirty="0" err="1"/>
+              <a:t>request</a:t>
+            </a:r>
+            <a:r>
+              <a:rPr lang="pl-PL" dirty="0"/>
+              <a:t> from the </a:t>
+            </a:r>
+            <a:r>
+              <a:rPr lang="pl-PL" dirty="0" err="1"/>
+              <a:t>user</a:t>
+            </a:r>
+            <a:r>
+              <a:rPr lang="pl-PL" dirty="0"/>
+              <a:t>. It </a:t>
+            </a:r>
+            <a:r>
+              <a:rPr lang="pl-PL" dirty="0" err="1"/>
+              <a:t>supports</a:t>
+            </a:r>
+            <a:r>
+              <a:rPr lang="pl-PL" dirty="0"/>
+              <a:t>:</a:t>
+            </a:r>
+          </a:p>
+          <a:p>
+            <a:pPr lvl="1">
+              <a:buFont typeface="Wingdings" panose="05000000000000000000" pitchFamily="2" charset="2"/>
+              <a:buChar char="v"/>
+            </a:pPr>
+            <a:r>
+              <a:rPr lang="pl-PL" dirty="0"/>
+              <a:t>GET /n – </a:t>
+            </a:r>
+            <a:r>
+              <a:rPr lang="pl-PL" dirty="0" err="1"/>
+              <a:t>get</a:t>
+            </a:r>
+            <a:r>
+              <a:rPr lang="pl-PL" dirty="0"/>
+              <a:t> </a:t>
+            </a:r>
+            <a:r>
+              <a:rPr lang="pl-PL" dirty="0" err="1"/>
+              <a:t>result</a:t>
+            </a:r>
+            <a:r>
+              <a:rPr lang="pl-PL" dirty="0"/>
+              <a:t> for </a:t>
+            </a:r>
+            <a:r>
+              <a:rPr lang="pl-PL" dirty="0" err="1"/>
+              <a:t>given</a:t>
+            </a:r>
+            <a:r>
+              <a:rPr lang="pl-PL" dirty="0"/>
+              <a:t> </a:t>
+            </a:r>
+            <a:r>
+              <a:rPr lang="pl-PL" dirty="0" err="1"/>
+              <a:t>number</a:t>
+            </a:r>
+            <a:endParaRPr lang="pl-PL" dirty="0"/>
+          </a:p>
+          <a:p>
+            <a:pPr lvl="1">
+              <a:buFont typeface="Wingdings" panose="05000000000000000000" pitchFamily="2" charset="2"/>
+              <a:buChar char="v"/>
+            </a:pPr>
+            <a:r>
+              <a:rPr lang="pl-PL" dirty="0"/>
+              <a:t>POST /n – </a:t>
+            </a:r>
+            <a:r>
+              <a:rPr lang="pl-PL" dirty="0" err="1"/>
+              <a:t>send</a:t>
+            </a:r>
+            <a:r>
+              <a:rPr lang="pl-PL" dirty="0"/>
+              <a:t> </a:t>
+            </a:r>
+            <a:r>
+              <a:rPr lang="pl-PL" dirty="0" err="1"/>
+              <a:t>new</a:t>
+            </a:r>
+            <a:r>
+              <a:rPr lang="pl-PL" dirty="0"/>
+              <a:t> </a:t>
+            </a:r>
+            <a:r>
+              <a:rPr lang="pl-PL" dirty="0" err="1"/>
+              <a:t>calculation</a:t>
+            </a:r>
+            <a:r>
+              <a:rPr lang="pl-PL" dirty="0"/>
+              <a:t> </a:t>
+            </a:r>
+            <a:r>
+              <a:rPr lang="pl-PL" dirty="0" err="1"/>
+              <a:t>request</a:t>
+            </a:r>
+            <a:r>
+              <a:rPr lang="pl-PL" dirty="0"/>
+              <a:t> for </a:t>
+            </a:r>
+            <a:r>
+              <a:rPr lang="pl-PL" dirty="0" err="1"/>
+              <a:t>given</a:t>
+            </a:r>
+            <a:r>
+              <a:rPr lang="pl-PL" dirty="0"/>
+              <a:t> numer</a:t>
+            </a:r>
+          </a:p>
+          <a:p>
+            <a:pPr lvl="1">
+              <a:buFont typeface="Wingdings" panose="05000000000000000000" pitchFamily="2" charset="2"/>
+              <a:buChar char="v"/>
+            </a:pPr>
+            <a:r>
+              <a:rPr lang="pl-PL" dirty="0"/>
+              <a:t>DELETE /n – </a:t>
+            </a:r>
+            <a:r>
+              <a:rPr lang="pl-PL" dirty="0" err="1"/>
+              <a:t>remove</a:t>
+            </a:r>
+            <a:r>
+              <a:rPr lang="pl-PL" dirty="0"/>
+              <a:t> </a:t>
+            </a:r>
+            <a:r>
+              <a:rPr lang="pl-PL" dirty="0" err="1"/>
+              <a:t>result</a:t>
+            </a:r>
+            <a:r>
+              <a:rPr lang="pl-PL" dirty="0"/>
+              <a:t> from the </a:t>
+            </a:r>
+            <a:r>
+              <a:rPr lang="pl-PL" dirty="0" err="1"/>
+              <a:t>storage</a:t>
+            </a:r>
+            <a:endParaRPr lang="pl-PL" dirty="0"/>
+          </a:p>
+          <a:p>
+            <a:pPr>
+              <a:buFont typeface="Wingdings" panose="05000000000000000000" pitchFamily="2" charset="2"/>
+              <a:buChar char="v"/>
+            </a:pPr>
+            <a:r>
+              <a:rPr lang="pl-PL" dirty="0" err="1"/>
+              <a:t>Fibonaci.Worker</a:t>
+            </a:r>
+            <a:r>
+              <a:rPr lang="pl-PL" dirty="0"/>
+              <a:t> – </a:t>
+            </a:r>
+            <a:r>
+              <a:rPr lang="pl-PL" dirty="0" err="1"/>
+              <a:t>Worker</a:t>
+            </a:r>
+            <a:r>
+              <a:rPr lang="pl-PL" dirty="0"/>
+              <a:t> </a:t>
+            </a:r>
+            <a:r>
+              <a:rPr lang="pl-PL" dirty="0" err="1"/>
+              <a:t>responsible</a:t>
+            </a:r>
+            <a:r>
+              <a:rPr lang="pl-PL" dirty="0"/>
+              <a:t> for </a:t>
+            </a:r>
+            <a:r>
+              <a:rPr lang="pl-PL" dirty="0" err="1"/>
+              <a:t>receiving</a:t>
+            </a:r>
+            <a:r>
+              <a:rPr lang="pl-PL" dirty="0"/>
+              <a:t> </a:t>
+            </a:r>
+            <a:r>
+              <a:rPr lang="pl-PL" dirty="0" err="1"/>
+              <a:t>calculation</a:t>
+            </a:r>
+            <a:r>
+              <a:rPr lang="pl-PL" dirty="0"/>
+              <a:t> </a:t>
+            </a:r>
+            <a:r>
+              <a:rPr lang="pl-PL" dirty="0" err="1"/>
+              <a:t>request</a:t>
+            </a:r>
+            <a:r>
+              <a:rPr lang="pl-PL" dirty="0"/>
+              <a:t>, </a:t>
+            </a:r>
+            <a:r>
+              <a:rPr lang="pl-PL" dirty="0" err="1"/>
+              <a:t>calculating</a:t>
+            </a:r>
+            <a:r>
+              <a:rPr lang="pl-PL" dirty="0"/>
+              <a:t> Fibonacci numer and </a:t>
+            </a:r>
+            <a:r>
+              <a:rPr lang="pl-PL" dirty="0" err="1"/>
+              <a:t>storing</a:t>
+            </a:r>
+            <a:r>
+              <a:rPr lang="pl-PL" dirty="0"/>
+              <a:t> </a:t>
+            </a:r>
+            <a:r>
+              <a:rPr lang="pl-PL" dirty="0" err="1"/>
+              <a:t>result</a:t>
+            </a:r>
+            <a:r>
+              <a:rPr lang="pl-PL" dirty="0"/>
+              <a:t> in the </a:t>
+            </a:r>
+            <a:r>
+              <a:rPr lang="pl-PL" dirty="0" err="1"/>
+              <a:t>repository</a:t>
+            </a:r>
+            <a:endParaRPr lang="pl-PL" dirty="0"/>
+          </a:p>
+          <a:p>
+            <a:pPr>
+              <a:buFont typeface="Wingdings" panose="05000000000000000000" pitchFamily="2" charset="2"/>
+              <a:buChar char="v"/>
+            </a:pPr>
+            <a:r>
+              <a:rPr lang="pl-PL" dirty="0" err="1"/>
+              <a:t>Fibonacci.Shared</a:t>
+            </a:r>
+            <a:r>
+              <a:rPr lang="pl-PL" dirty="0"/>
+              <a:t> – a </a:t>
+            </a:r>
+            <a:r>
+              <a:rPr lang="pl-PL" dirty="0" err="1"/>
+              <a:t>shared</a:t>
+            </a:r>
+            <a:r>
+              <a:rPr lang="pl-PL" dirty="0"/>
+              <a:t> </a:t>
+            </a:r>
+            <a:r>
+              <a:rPr lang="pl-PL" dirty="0" err="1"/>
+              <a:t>project</a:t>
+            </a:r>
+            <a:r>
+              <a:rPr lang="pl-PL" dirty="0"/>
+              <a:t> for </a:t>
+            </a:r>
+            <a:r>
+              <a:rPr lang="pl-PL" dirty="0" err="1"/>
+              <a:t>Api</a:t>
+            </a:r>
+            <a:r>
+              <a:rPr lang="pl-PL" dirty="0"/>
+              <a:t> and </a:t>
+            </a:r>
+            <a:r>
+              <a:rPr lang="pl-PL" dirty="0" err="1"/>
+              <a:t>Worker</a:t>
+            </a:r>
+            <a:endParaRPr lang="pl-PL" dirty="0"/>
+          </a:p>
+        </p:txBody>
+      </p:sp>
+    </p:spTree>
+    <p:extLst>
+      <p:ext uri="{BB962C8B-B14F-4D97-AF65-F5344CB8AC3E}">
+        <p14:creationId xmlns:p14="http://schemas.microsoft.com/office/powerpoint/2010/main" val="443592601"/>
+      </p:ext>
+    </p:extLst>
+  </p:cSld>
+  <p:clrMapOvr>
+    <a:masterClrMapping/>
+  </p:clrMapOvr>
+</p:sld>
+</file>
+
+<file path=ppt/slides/slide24.xml><?xml version="1.0" encoding="utf-8"?>
+<p:sld xmlns:a="http://schemas.openxmlformats.org/drawingml/2006/main" xmlns:r="http://schemas.openxmlformats.org/officeDocument/2006/relationships" xmlns:p="http://schemas.openxmlformats.org/presentationml/2006/main">
+  <p:cSld>
+    <p:spTree>
+      <p:nvGrpSpPr>
+        <p:cNvPr id="1" name=""/>
+        <p:cNvGrpSpPr/>
+        <p:nvPr/>
+      </p:nvGrpSpPr>
+      <p:grpSpPr>
+        <a:xfrm>
+          <a:off x="0" y="0"/>
+          <a:ext cx="0" cy="0"/>
+          <a:chOff x="0" y="0"/>
+          <a:chExt cx="0" cy="0"/>
+        </a:xfrm>
+      </p:grpSpPr>
+      <p:sp>
+        <p:nvSpPr>
+          <p:cNvPr id="2" name="Tytuł 1">
+            <a:extLst>
+              <a:ext uri="{FF2B5EF4-FFF2-40B4-BE49-F238E27FC236}">
+                <a16:creationId xmlns:a16="http://schemas.microsoft.com/office/drawing/2014/main" id="{DBCF61BD-95D2-4195-92AB-D5FBFA5899FE}"/>
+              </a:ext>
+            </a:extLst>
+          </p:cNvPr>
+          <p:cNvSpPr>
+            <a:spLocks noGrp="1"/>
+          </p:cNvSpPr>
+          <p:nvPr>
+            <p:ph type="title"/>
+          </p:nvPr>
+        </p:nvSpPr>
+        <p:spPr/>
+        <p:txBody>
+          <a:bodyPr/>
+          <a:lstStyle/>
+          <a:p>
+            <a:r>
+              <a:rPr lang="pl-PL" dirty="0" err="1"/>
+              <a:t>About</a:t>
+            </a:r>
+            <a:r>
+              <a:rPr lang="pl-PL" dirty="0"/>
+              <a:t> the demo - </a:t>
+            </a:r>
+            <a:r>
+              <a:rPr lang="pl-PL" dirty="0" err="1"/>
+              <a:t>dependencies</a:t>
+            </a:r>
+            <a:endParaRPr lang="en-GB" dirty="0"/>
+          </a:p>
+        </p:txBody>
+      </p:sp>
+      <p:sp>
+        <p:nvSpPr>
+          <p:cNvPr id="3" name="Symbol zastępczy zawartości 2">
+            <a:extLst>
+              <a:ext uri="{FF2B5EF4-FFF2-40B4-BE49-F238E27FC236}">
+                <a16:creationId xmlns:a16="http://schemas.microsoft.com/office/drawing/2014/main" id="{AD3FCEB9-56AF-4295-BC72-2CC224C9BB38}"/>
+              </a:ext>
+            </a:extLst>
+          </p:cNvPr>
+          <p:cNvSpPr>
+            <a:spLocks noGrp="1"/>
+          </p:cNvSpPr>
+          <p:nvPr>
+            <p:ph idx="1"/>
+          </p:nvPr>
+        </p:nvSpPr>
+        <p:spPr/>
+        <p:txBody>
+          <a:bodyPr/>
+          <a:lstStyle/>
+          <a:p>
+            <a:r>
+              <a:rPr lang="pl-PL" dirty="0"/>
+              <a:t>To </a:t>
+            </a:r>
+            <a:r>
+              <a:rPr lang="pl-PL" dirty="0" err="1"/>
+              <a:t>increase</a:t>
+            </a:r>
+            <a:r>
+              <a:rPr lang="pl-PL" dirty="0"/>
+              <a:t> the </a:t>
+            </a:r>
+            <a:r>
+              <a:rPr lang="pl-PL" dirty="0" err="1"/>
+              <a:t>amount</a:t>
+            </a:r>
+            <a:r>
+              <a:rPr lang="pl-PL" dirty="0"/>
+              <a:t> of data </a:t>
+            </a:r>
+            <a:r>
+              <a:rPr lang="pl-PL" dirty="0" err="1"/>
+              <a:t>that</a:t>
+            </a:r>
+            <a:r>
+              <a:rPr lang="pl-PL" dirty="0"/>
+              <a:t> </a:t>
+            </a:r>
+            <a:r>
+              <a:rPr lang="pl-PL" dirty="0" err="1"/>
+              <a:t>OpenTelemetry</a:t>
+            </a:r>
+            <a:r>
+              <a:rPr lang="pl-PL" dirty="0"/>
+              <a:t> </a:t>
+            </a:r>
+            <a:r>
+              <a:rPr lang="pl-PL" dirty="0" err="1"/>
+              <a:t>can</a:t>
+            </a:r>
+            <a:r>
+              <a:rPr lang="pl-PL" dirty="0"/>
+              <a:t> run </a:t>
+            </a:r>
+            <a:r>
+              <a:rPr lang="pl-PL" dirty="0" err="1"/>
+              <a:t>collect</a:t>
+            </a:r>
+            <a:r>
+              <a:rPr lang="pl-PL" dirty="0"/>
+              <a:t> and </a:t>
+            </a:r>
+            <a:r>
+              <a:rPr lang="pl-PL" dirty="0" err="1"/>
+              <a:t>present</a:t>
+            </a:r>
+            <a:r>
+              <a:rPr lang="pl-PL" dirty="0"/>
+              <a:t>, the </a:t>
+            </a:r>
+            <a:r>
+              <a:rPr lang="pl-PL" dirty="0" err="1"/>
+              <a:t>repository</a:t>
+            </a:r>
+            <a:r>
+              <a:rPr lang="pl-PL" dirty="0"/>
+              <a:t> </a:t>
+            </a:r>
+            <a:r>
+              <a:rPr lang="pl-PL" dirty="0" err="1"/>
+              <a:t>uses</a:t>
+            </a:r>
+            <a:r>
+              <a:rPr lang="pl-PL" dirty="0"/>
+              <a:t> a </a:t>
+            </a:r>
+            <a:r>
+              <a:rPr lang="pl-PL" dirty="0" err="1"/>
+              <a:t>few</a:t>
+            </a:r>
+            <a:r>
+              <a:rPr lang="pl-PL" dirty="0"/>
+              <a:t> </a:t>
+            </a:r>
+            <a:r>
+              <a:rPr lang="pl-PL" dirty="0" err="1"/>
+              <a:t>Azure</a:t>
+            </a:r>
+            <a:r>
+              <a:rPr lang="pl-PL" dirty="0"/>
+              <a:t> </a:t>
+            </a:r>
+            <a:r>
+              <a:rPr lang="pl-PL" dirty="0" err="1"/>
+              <a:t>dependencies</a:t>
+            </a:r>
+            <a:r>
+              <a:rPr lang="pl-PL" dirty="0"/>
+              <a:t>:</a:t>
+            </a:r>
+          </a:p>
+          <a:p>
+            <a:endParaRPr lang="pl-PL" dirty="0"/>
+          </a:p>
+          <a:p>
+            <a:pPr>
+              <a:buFont typeface="Wingdings" panose="05000000000000000000" pitchFamily="2" charset="2"/>
+              <a:buChar char="v"/>
+            </a:pPr>
+            <a:r>
+              <a:rPr lang="pl-PL" dirty="0" err="1"/>
+              <a:t>ServiceBus</a:t>
+            </a:r>
+            <a:r>
+              <a:rPr lang="pl-PL" dirty="0"/>
+              <a:t> – to </a:t>
+            </a:r>
+            <a:r>
+              <a:rPr lang="pl-PL" dirty="0" err="1"/>
+              <a:t>send</a:t>
+            </a:r>
+            <a:r>
+              <a:rPr lang="pl-PL" dirty="0"/>
+              <a:t> </a:t>
+            </a:r>
+            <a:r>
+              <a:rPr lang="pl-PL" dirty="0" err="1"/>
+              <a:t>calculation</a:t>
+            </a:r>
+            <a:r>
+              <a:rPr lang="pl-PL" dirty="0"/>
+              <a:t> </a:t>
+            </a:r>
+            <a:r>
+              <a:rPr lang="pl-PL" dirty="0" err="1"/>
+              <a:t>requests</a:t>
+            </a:r>
+            <a:r>
+              <a:rPr lang="pl-PL" dirty="0"/>
+              <a:t> from </a:t>
+            </a:r>
+            <a:r>
+              <a:rPr lang="pl-PL" dirty="0" err="1"/>
+              <a:t>WebService</a:t>
+            </a:r>
+            <a:r>
+              <a:rPr lang="pl-PL" dirty="0"/>
+              <a:t> to the </a:t>
+            </a:r>
+            <a:r>
+              <a:rPr lang="pl-PL" dirty="0" err="1"/>
+              <a:t>Worker</a:t>
+            </a:r>
+            <a:endParaRPr lang="pl-PL" dirty="0"/>
+          </a:p>
+          <a:p>
+            <a:pPr>
+              <a:buFont typeface="Wingdings" panose="05000000000000000000" pitchFamily="2" charset="2"/>
+              <a:buChar char="v"/>
+            </a:pPr>
+            <a:r>
+              <a:rPr lang="pl-PL" dirty="0" err="1"/>
+              <a:t>Table</a:t>
+            </a:r>
+            <a:r>
+              <a:rPr lang="pl-PL" dirty="0"/>
+              <a:t> Storage – to </a:t>
+            </a:r>
+            <a:r>
+              <a:rPr lang="pl-PL" dirty="0" err="1"/>
+              <a:t>store</a:t>
+            </a:r>
+            <a:r>
+              <a:rPr lang="pl-PL" dirty="0"/>
+              <a:t> the </a:t>
+            </a:r>
+            <a:r>
+              <a:rPr lang="pl-PL" dirty="0" err="1"/>
+              <a:t>result</a:t>
+            </a:r>
+            <a:r>
+              <a:rPr lang="pl-PL" dirty="0"/>
+              <a:t> for </a:t>
+            </a:r>
+            <a:r>
+              <a:rPr lang="pl-PL" dirty="0" err="1"/>
+              <a:t>given</a:t>
+            </a:r>
+            <a:r>
+              <a:rPr lang="pl-PL" dirty="0"/>
+              <a:t> N</a:t>
+            </a:r>
+          </a:p>
+          <a:p>
+            <a:pPr>
+              <a:buFont typeface="Wingdings" panose="05000000000000000000" pitchFamily="2" charset="2"/>
+              <a:buChar char="v"/>
+            </a:pPr>
+            <a:r>
+              <a:rPr lang="pl-PL" dirty="0"/>
+              <a:t>SQL Database and </a:t>
+            </a:r>
+            <a:r>
+              <a:rPr lang="pl-PL" dirty="0" err="1"/>
+              <a:t>Entity</a:t>
+            </a:r>
+            <a:r>
+              <a:rPr lang="pl-PL" dirty="0"/>
+              <a:t> Framework – to </a:t>
+            </a:r>
+            <a:r>
+              <a:rPr lang="pl-PL" dirty="0" err="1"/>
+              <a:t>store</a:t>
+            </a:r>
+            <a:r>
+              <a:rPr lang="pl-PL" dirty="0"/>
+              <a:t> </a:t>
+            </a:r>
+            <a:r>
+              <a:rPr lang="pl-PL" dirty="0" err="1"/>
+              <a:t>information</a:t>
+            </a:r>
+            <a:r>
+              <a:rPr lang="pl-PL" dirty="0"/>
+              <a:t> </a:t>
+            </a:r>
+            <a:r>
+              <a:rPr lang="pl-PL" dirty="0" err="1"/>
+              <a:t>about</a:t>
+            </a:r>
+            <a:r>
+              <a:rPr lang="pl-PL" dirty="0"/>
+              <a:t> the </a:t>
+            </a:r>
+            <a:r>
+              <a:rPr lang="pl-PL" dirty="0" err="1"/>
+              <a:t>caller</a:t>
+            </a:r>
+            <a:r>
+              <a:rPr lang="pl-PL" dirty="0"/>
+              <a:t> of the POST /n </a:t>
+            </a:r>
+            <a:r>
+              <a:rPr lang="pl-PL" dirty="0" err="1"/>
+              <a:t>endpoint</a:t>
+            </a:r>
+            <a:r>
+              <a:rPr lang="pl-PL" dirty="0"/>
+              <a:t>. It </a:t>
+            </a:r>
+            <a:r>
+              <a:rPr lang="pl-PL" dirty="0" err="1"/>
+              <a:t>doesn’t</a:t>
+            </a:r>
+            <a:r>
+              <a:rPr lang="pl-PL" dirty="0"/>
+              <a:t> </a:t>
+            </a:r>
+            <a:r>
+              <a:rPr lang="pl-PL" dirty="0" err="1"/>
+              <a:t>bring</a:t>
+            </a:r>
+            <a:r>
+              <a:rPr lang="pl-PL" dirty="0"/>
+              <a:t> </a:t>
+            </a:r>
+            <a:r>
+              <a:rPr lang="pl-PL" dirty="0" err="1"/>
+              <a:t>any</a:t>
+            </a:r>
+            <a:r>
+              <a:rPr lang="pl-PL" dirty="0"/>
+              <a:t> </a:t>
+            </a:r>
+            <a:r>
+              <a:rPr lang="pl-PL" dirty="0" err="1"/>
+              <a:t>additional</a:t>
+            </a:r>
+            <a:r>
+              <a:rPr lang="pl-PL" dirty="0"/>
+              <a:t> </a:t>
+            </a:r>
+            <a:r>
+              <a:rPr lang="pl-PL" dirty="0" err="1"/>
+              <a:t>value</a:t>
+            </a:r>
+            <a:r>
+              <a:rPr lang="pl-PL" dirty="0"/>
+              <a:t> and </a:t>
+            </a:r>
+            <a:r>
+              <a:rPr lang="pl-PL" dirty="0" err="1"/>
+              <a:t>it</a:t>
+            </a:r>
+            <a:r>
+              <a:rPr lang="pl-PL" dirty="0"/>
+              <a:t> was </a:t>
+            </a:r>
+            <a:r>
+              <a:rPr lang="pl-PL" dirty="0" err="1"/>
+              <a:t>added</a:t>
+            </a:r>
+            <a:r>
+              <a:rPr lang="pl-PL" dirty="0"/>
+              <a:t> </a:t>
+            </a:r>
+            <a:r>
+              <a:rPr lang="pl-PL" dirty="0" err="1"/>
+              <a:t>only</a:t>
+            </a:r>
+            <a:r>
+              <a:rPr lang="pl-PL" dirty="0"/>
+              <a:t> to </a:t>
+            </a:r>
+            <a:r>
+              <a:rPr lang="pl-PL" dirty="0" err="1"/>
+              <a:t>generate</a:t>
+            </a:r>
+            <a:r>
+              <a:rPr lang="pl-PL" dirty="0"/>
+              <a:t> extra </a:t>
+            </a:r>
+            <a:r>
+              <a:rPr lang="pl-PL" dirty="0" err="1"/>
+              <a:t>traffic</a:t>
+            </a:r>
+            <a:r>
+              <a:rPr lang="pl-PL" dirty="0"/>
+              <a:t> to </a:t>
+            </a:r>
+            <a:r>
+              <a:rPr lang="pl-PL" dirty="0" err="1"/>
+              <a:t>external</a:t>
+            </a:r>
+            <a:r>
+              <a:rPr lang="pl-PL" dirty="0"/>
+              <a:t> </a:t>
+            </a:r>
+            <a:r>
+              <a:rPr lang="pl-PL" dirty="0" err="1"/>
+              <a:t>dependency</a:t>
+            </a:r>
+            <a:r>
+              <a:rPr lang="pl-PL" dirty="0"/>
+              <a:t>.</a:t>
+            </a:r>
+          </a:p>
+        </p:txBody>
+      </p:sp>
+    </p:spTree>
+    <p:extLst>
+      <p:ext uri="{BB962C8B-B14F-4D97-AF65-F5344CB8AC3E}">
+        <p14:creationId xmlns:p14="http://schemas.microsoft.com/office/powerpoint/2010/main" val="1266029004"/>
+      </p:ext>
+    </p:extLst>
+  </p:cSld>
+  <p:clrMapOvr>
+    <a:masterClrMapping/>
+  </p:clrMapOvr>
+</p:sld>
+</file>
+
+<file path=ppt/slides/slide25.xml><?xml version="1.0" encoding="utf-8"?>
 <p:sld xmlns:a="http://schemas.openxmlformats.org/drawingml/2006/main" xmlns:r="http://schemas.openxmlformats.org/officeDocument/2006/relationships" xmlns:p="http://schemas.openxmlformats.org/presentationml/2006/main">
   <p:cSld>
     <p:spTree>
@@ -4846,6 +10674,450 @@
           <a:lstStyle/>
           <a:p>
             <a:r>
+              <a:rPr lang="pl-PL" dirty="0" err="1"/>
+              <a:t>Ready</a:t>
+            </a:r>
+            <a:r>
+              <a:rPr lang="pl-PL" dirty="0"/>
+              <a:t> for </a:t>
+            </a:r>
+            <a:r>
+              <a:rPr lang="pl-PL" dirty="0" err="1"/>
+              <a:t>prod</a:t>
+            </a:r>
+            <a:r>
+              <a:rPr lang="pl-PL" dirty="0"/>
+              <a:t>?</a:t>
+            </a:r>
+            <a:endParaRPr lang="en-GB" dirty="0"/>
+          </a:p>
+        </p:txBody>
+      </p:sp>
+      <p:sp>
+        <p:nvSpPr>
+          <p:cNvPr id="4" name="Prostokąt 3">
+            <a:extLst>
+              <a:ext uri="{FF2B5EF4-FFF2-40B4-BE49-F238E27FC236}">
+                <a16:creationId xmlns:a16="http://schemas.microsoft.com/office/drawing/2014/main" id="{74D1CAFC-BC0B-45A3-B1F9-0368DD74D688}"/>
+              </a:ext>
+            </a:extLst>
+          </p:cNvPr>
+          <p:cNvSpPr/>
+          <p:nvPr/>
+        </p:nvSpPr>
+        <p:spPr>
+          <a:xfrm>
+            <a:off x="10531138" y="6466361"/>
+            <a:ext cx="1558825" cy="369332"/>
+          </a:xfrm>
+          <a:prstGeom prst="rect">
+            <a:avLst/>
+          </a:prstGeom>
+        </p:spPr>
+        <p:txBody>
+          <a:bodyPr wrap="none">
+            <a:spAutoFit/>
+          </a:bodyPr>
+          <a:lstStyle/>
+          <a:p>
+            <a:r>
+              <a:rPr lang="pl-PL" dirty="0">
+                <a:solidFill>
+                  <a:schemeClr val="bg1"/>
+                </a:solidFill>
+              </a:rPr>
+              <a:t>@</a:t>
+            </a:r>
+            <a:r>
+              <a:rPr lang="pl-PL" dirty="0" err="1">
+                <a:solidFill>
+                  <a:schemeClr val="bg1"/>
+                </a:solidFill>
+              </a:rPr>
+              <a:t>lukaszpyrzyk</a:t>
+            </a:r>
+            <a:endParaRPr lang="en-GB" dirty="0">
+              <a:solidFill>
+                <a:schemeClr val="bg1"/>
+              </a:solidFill>
+            </a:endParaRPr>
+          </a:p>
+        </p:txBody>
+      </p:sp>
+      <p:sp>
+        <p:nvSpPr>
+          <p:cNvPr id="7" name="Symbol zastępczy zawartości 6">
+            <a:extLst>
+              <a:ext uri="{FF2B5EF4-FFF2-40B4-BE49-F238E27FC236}">
+                <a16:creationId xmlns:a16="http://schemas.microsoft.com/office/drawing/2014/main" id="{28554112-A311-488E-AEF7-45380CE3BED6}"/>
+              </a:ext>
+            </a:extLst>
+          </p:cNvPr>
+          <p:cNvSpPr>
+            <a:spLocks noGrp="1"/>
+          </p:cNvSpPr>
+          <p:nvPr>
+            <p:ph idx="1"/>
+          </p:nvPr>
+        </p:nvSpPr>
+        <p:spPr/>
+        <p:txBody>
+          <a:bodyPr/>
+          <a:lstStyle/>
+          <a:p>
+            <a:pPr marL="0" indent="0">
+              <a:buNone/>
+            </a:pPr>
+            <a:r>
+              <a:rPr lang="en-GB" dirty="0"/>
+              <a:t>Only the core components of </a:t>
+            </a:r>
+            <a:r>
+              <a:rPr lang="pl-PL" dirty="0" err="1">
+                <a:solidFill>
+                  <a:srgbClr val="FFC000"/>
+                </a:solidFill>
+              </a:rPr>
+              <a:t>Open</a:t>
+            </a:r>
+            <a:r>
+              <a:rPr lang="pl-PL" dirty="0" err="1">
+                <a:solidFill>
+                  <a:srgbClr val="425CC7"/>
+                </a:solidFill>
+              </a:rPr>
+              <a:t>Telemetry</a:t>
+            </a:r>
+            <a:r>
+              <a:rPr lang="en-GB" dirty="0"/>
+              <a:t> have released a stable version. </a:t>
+            </a:r>
+            <a:r>
+              <a:rPr lang="pl-PL" dirty="0"/>
+              <a:t>It </a:t>
+            </a:r>
+            <a:r>
+              <a:rPr lang="pl-PL" dirty="0" err="1"/>
+              <a:t>means</a:t>
+            </a:r>
+            <a:r>
+              <a:rPr lang="pl-PL" dirty="0"/>
+              <a:t> </a:t>
+            </a:r>
+            <a:r>
+              <a:rPr lang="pl-PL" dirty="0" err="1"/>
+              <a:t>that</a:t>
+            </a:r>
+            <a:r>
+              <a:rPr lang="pl-PL" dirty="0"/>
+              <a:t> </a:t>
+            </a:r>
+            <a:r>
+              <a:rPr lang="pl-PL" dirty="0" err="1">
+                <a:solidFill>
+                  <a:srgbClr val="425CC7"/>
+                </a:solidFill>
+              </a:rPr>
+              <a:t>traces</a:t>
+            </a:r>
+            <a:r>
+              <a:rPr lang="pl-PL" dirty="0"/>
+              <a:t>, </a:t>
+            </a:r>
+            <a:r>
+              <a:rPr lang="pl-PL" dirty="0" err="1">
+                <a:solidFill>
+                  <a:srgbClr val="425CC7"/>
+                </a:solidFill>
+              </a:rPr>
+              <a:t>metrics</a:t>
+            </a:r>
+            <a:r>
+              <a:rPr lang="pl-PL" dirty="0"/>
+              <a:t> and </a:t>
+            </a:r>
+            <a:r>
+              <a:rPr lang="pl-PL" dirty="0" err="1">
+                <a:solidFill>
+                  <a:srgbClr val="425CC7"/>
+                </a:solidFill>
+              </a:rPr>
+              <a:t>logs</a:t>
+            </a:r>
+            <a:r>
+              <a:rPr lang="pl-PL" dirty="0"/>
+              <a:t> </a:t>
+            </a:r>
+            <a:r>
+              <a:rPr lang="pl-PL" dirty="0" err="1"/>
+              <a:t>have</a:t>
+            </a:r>
+            <a:r>
+              <a:rPr lang="pl-PL" dirty="0"/>
+              <a:t> </a:t>
+            </a:r>
+            <a:r>
+              <a:rPr lang="pl-PL" dirty="0" err="1"/>
+              <a:t>stable</a:t>
+            </a:r>
+            <a:r>
+              <a:rPr lang="pl-PL" dirty="0"/>
+              <a:t> SDK and API.</a:t>
+            </a:r>
+          </a:p>
+          <a:p>
+            <a:pPr marL="0" indent="0">
+              <a:buNone/>
+            </a:pPr>
+            <a:r>
+              <a:rPr lang="pl-PL" dirty="0" err="1">
+                <a:solidFill>
+                  <a:srgbClr val="425CC7"/>
+                </a:solidFill>
+              </a:rPr>
+              <a:t>Logs</a:t>
+            </a:r>
+            <a:r>
+              <a:rPr lang="pl-PL" dirty="0"/>
+              <a:t> </a:t>
+            </a:r>
+            <a:r>
+              <a:rPr lang="pl-PL" dirty="0" err="1"/>
+              <a:t>are</a:t>
+            </a:r>
+            <a:r>
+              <a:rPr lang="pl-PL" dirty="0"/>
+              <a:t> </a:t>
+            </a:r>
+            <a:r>
+              <a:rPr lang="pl-PL" dirty="0" err="1"/>
+              <a:t>stable</a:t>
+            </a:r>
+            <a:r>
+              <a:rPr lang="pl-PL" dirty="0"/>
+              <a:t> </a:t>
+            </a:r>
+            <a:r>
+              <a:rPr lang="pl-PL" dirty="0" err="1"/>
+              <a:t>when</a:t>
+            </a:r>
+            <a:r>
+              <a:rPr lang="pl-PL" dirty="0"/>
+              <a:t> </a:t>
+            </a:r>
+            <a:r>
+              <a:rPr lang="pl-PL" dirty="0" err="1"/>
+              <a:t>using</a:t>
+            </a:r>
+            <a:r>
+              <a:rPr lang="en-GB" dirty="0"/>
+              <a:t> </a:t>
+            </a:r>
+            <a:r>
+              <a:rPr lang="en-GB" dirty="0" err="1">
+                <a:solidFill>
+                  <a:srgbClr val="425CC7"/>
+                </a:solidFill>
+              </a:rPr>
+              <a:t>OpenTelemetryLoggerProvider</a:t>
+            </a:r>
+            <a:r>
+              <a:rPr lang="en-GB" dirty="0"/>
+              <a:t> (</a:t>
+            </a:r>
+            <a:r>
+              <a:rPr lang="en-GB" dirty="0" err="1"/>
+              <a:t>i.e</a:t>
+            </a:r>
+            <a:r>
+              <a:rPr lang="en-GB" dirty="0"/>
+              <a:t> integration with </a:t>
+            </a:r>
+            <a:r>
+              <a:rPr lang="en-GB" dirty="0" err="1">
+                <a:solidFill>
+                  <a:srgbClr val="425CC7"/>
+                </a:solidFill>
+              </a:rPr>
+              <a:t>ILogger</a:t>
+            </a:r>
+            <a:r>
+              <a:rPr lang="en-GB" dirty="0"/>
+              <a:t>)</a:t>
+            </a:r>
+            <a:r>
+              <a:rPr lang="pl-PL" dirty="0"/>
+              <a:t>. T</a:t>
+            </a:r>
+            <a:r>
+              <a:rPr lang="en-GB" dirty="0"/>
+              <a:t>he OTLP Exporter for Logs is still non-stable.</a:t>
+            </a:r>
+            <a:endParaRPr lang="pl-PL" dirty="0"/>
+          </a:p>
+          <a:p>
+            <a:pPr marL="0" indent="0">
+              <a:buNone/>
+            </a:pPr>
+            <a:r>
+              <a:rPr lang="en-GB" dirty="0"/>
+              <a:t>Components </a:t>
+            </a:r>
+            <a:r>
+              <a:rPr lang="pl-PL" dirty="0" err="1"/>
+              <a:t>that</a:t>
+            </a:r>
+            <a:r>
+              <a:rPr lang="en-GB" dirty="0"/>
+              <a:t> are marked pre-release, are still in progress and can undergo many breaking changes before </a:t>
+            </a:r>
+            <a:r>
+              <a:rPr lang="pl-PL" dirty="0"/>
+              <a:t>a </a:t>
+            </a:r>
+            <a:r>
+              <a:rPr lang="en-GB" dirty="0"/>
+              <a:t>stable release</a:t>
+            </a:r>
+            <a:r>
+              <a:rPr lang="pl-PL" dirty="0"/>
+              <a:t>. A </a:t>
+            </a:r>
+            <a:r>
+              <a:rPr lang="pl-PL" dirty="0" err="1"/>
+              <a:t>few</a:t>
+            </a:r>
+            <a:r>
+              <a:rPr lang="pl-PL" dirty="0"/>
+              <a:t> non-</a:t>
+            </a:r>
+            <a:r>
+              <a:rPr lang="pl-PL" dirty="0" err="1"/>
+              <a:t>core</a:t>
+            </a:r>
+            <a:r>
+              <a:rPr lang="pl-PL" dirty="0"/>
+              <a:t> </a:t>
+            </a:r>
+            <a:r>
+              <a:rPr lang="pl-PL" dirty="0" err="1"/>
+              <a:t>components</a:t>
+            </a:r>
+            <a:r>
+              <a:rPr lang="pl-PL" dirty="0"/>
+              <a:t> </a:t>
+            </a:r>
+            <a:r>
+              <a:rPr lang="pl-PL" dirty="0" err="1"/>
+              <a:t>still</a:t>
+            </a:r>
+            <a:r>
+              <a:rPr lang="pl-PL" dirty="0"/>
+              <a:t> </a:t>
+            </a:r>
+            <a:r>
+              <a:rPr lang="pl-PL" dirty="0" err="1"/>
+              <a:t>don’t</a:t>
+            </a:r>
+            <a:r>
+              <a:rPr lang="pl-PL" dirty="0"/>
+              <a:t> </a:t>
+            </a:r>
+            <a:r>
+              <a:rPr lang="pl-PL" dirty="0" err="1"/>
+              <a:t>have</a:t>
+            </a:r>
+            <a:r>
+              <a:rPr lang="pl-PL" dirty="0"/>
+              <a:t> </a:t>
+            </a:r>
+            <a:r>
+              <a:rPr lang="pl-PL" dirty="0" err="1"/>
+              <a:t>stable</a:t>
+            </a:r>
+            <a:r>
+              <a:rPr lang="pl-PL" dirty="0"/>
+              <a:t> </a:t>
+            </a:r>
+            <a:r>
+              <a:rPr lang="pl-PL" dirty="0" err="1"/>
+              <a:t>versions</a:t>
+            </a:r>
+            <a:r>
+              <a:rPr lang="pl-PL" dirty="0"/>
+              <a:t>, for </a:t>
+            </a:r>
+            <a:r>
+              <a:rPr lang="pl-PL" dirty="0" err="1"/>
+              <a:t>example</a:t>
+            </a:r>
+            <a:r>
+              <a:rPr lang="pl-PL" dirty="0"/>
+              <a:t>, Instrumentation </a:t>
+            </a:r>
+            <a:r>
+              <a:rPr lang="pl-PL" dirty="0" err="1"/>
+              <a:t>packages</a:t>
+            </a:r>
+            <a:r>
+              <a:rPr lang="pl-PL" dirty="0"/>
+              <a:t>.</a:t>
+            </a:r>
+          </a:p>
+        </p:txBody>
+      </p:sp>
+    </p:spTree>
+    <p:extLst>
+      <p:ext uri="{BB962C8B-B14F-4D97-AF65-F5344CB8AC3E}">
+        <p14:creationId xmlns:p14="http://schemas.microsoft.com/office/powerpoint/2010/main" val="2399399885"/>
+      </p:ext>
+    </p:extLst>
+  </p:cSld>
+  <p:clrMapOvr>
+    <a:masterClrMapping/>
+  </p:clrMapOvr>
+</p:sld>
+</file>
+
+<file path=ppt/slides/slide26.xml><?xml version="1.0" encoding="utf-8"?>
+<p:sld xmlns:a="http://schemas.openxmlformats.org/drawingml/2006/main" xmlns:r="http://schemas.openxmlformats.org/officeDocument/2006/relationships" xmlns:p="http://schemas.openxmlformats.org/presentationml/2006/main">
+  <p:cSld>
+    <p:spTree>
+      <p:nvGrpSpPr>
+        <p:cNvPr id="1" name=""/>
+        <p:cNvGrpSpPr/>
+        <p:nvPr/>
+      </p:nvGrpSpPr>
+      <p:grpSpPr>
+        <a:xfrm>
+          <a:off x="0" y="0"/>
+          <a:ext cx="0" cy="0"/>
+          <a:chOff x="0" y="0"/>
+          <a:chExt cx="0" cy="0"/>
+        </a:xfrm>
+      </p:grpSpPr>
+      <p:sp>
+        <p:nvSpPr>
+          <p:cNvPr id="2" name="Tytuł 1">
+            <a:extLst>
+              <a:ext uri="{FF2B5EF4-FFF2-40B4-BE49-F238E27FC236}">
+                <a16:creationId xmlns:a16="http://schemas.microsoft.com/office/drawing/2014/main" id="{E3EC04E6-8277-497C-ADF6-74DFD1B89840}"/>
+              </a:ext>
+            </a:extLst>
+          </p:cNvPr>
+          <p:cNvSpPr>
+            <a:spLocks noGrp="1"/>
+          </p:cNvSpPr>
+          <p:nvPr>
+            <p:ph type="title"/>
+          </p:nvPr>
+        </p:nvSpPr>
+        <p:spPr/>
+        <p:txBody>
+          <a:bodyPr/>
+          <a:lstStyle/>
+          <a:p>
+            <a:r>
               <a:rPr lang="en-GB" dirty="0"/>
               <a:t>Thanks!</a:t>
             </a:r>
@@ -4882,34 +11154,105 @@
             <a:endParaRPr lang="en-GB" dirty="0"/>
           </a:p>
           <a:p>
-            <a:r>
-              <a:rPr lang="en-GB" dirty="0">
-                <a:hlinkClick r:id="rId2"/>
-              </a:rPr>
-              <a:t>https://git.sonova.com/99lpyrzyk/distributed-request-telemetry</a:t>
-            </a:r>
-            <a:endParaRPr lang="en-GB" dirty="0"/>
-          </a:p>
-          <a:p>
-            <a:r>
-              <a:rPr lang="en-GB" dirty="0">
-                <a:hlinkClick r:id="rId3"/>
-              </a:rPr>
-              <a:t>https://wiki.sonova.com/display/NEPHELE/OpenTelemetry</a:t>
-            </a:r>
+            <a:pPr>
+              <a:buFont typeface="Wingdings" panose="05000000000000000000" pitchFamily="2" charset="2"/>
+              <a:buChar char="v"/>
+            </a:pPr>
+            <a:r>
+              <a:rPr lang="pl-PL" dirty="0"/>
+              <a:t>https://github.com/lukasz-pyrzyk/opentelemetry-demo</a:t>
+            </a:r>
+          </a:p>
+          <a:p>
+            <a:pPr>
+              <a:buFont typeface="Wingdings" panose="05000000000000000000" pitchFamily="2" charset="2"/>
+              <a:buChar char="v"/>
+            </a:pPr>
+            <a:r>
+              <a:rPr lang="pl-PL" dirty="0"/>
+              <a:t>https://opentelemetry.io/docs/</a:t>
+            </a:r>
+          </a:p>
+          <a:p>
+            <a:pPr>
+              <a:buFont typeface="Wingdings" panose="05000000000000000000" pitchFamily="2" charset="2"/>
+              <a:buChar char="v"/>
+            </a:pPr>
+            <a:r>
+              <a:rPr lang="pl-PL" dirty="0"/>
+              <a:t>https://github.com/open-telemetry</a:t>
+            </a:r>
+          </a:p>
+          <a:p>
+            <a:pPr>
+              <a:buFont typeface="Wingdings" panose="05000000000000000000" pitchFamily="2" charset="2"/>
+              <a:buChar char="v"/>
+            </a:pPr>
+            <a:r>
+              <a:rPr lang="pl-PL" dirty="0"/>
+              <a:t>https://logz.io/learn/opentelemetry-guide/#overview</a:t>
+            </a:r>
+          </a:p>
+          <a:p>
+            <a:pPr>
+              <a:buFont typeface="Wingdings" panose="05000000000000000000" pitchFamily="2" charset="2"/>
+              <a:buChar char="v"/>
+            </a:pPr>
             <a:r>
               <a:rPr lang="en-GB" dirty="0"/>
-              <a:t> (needs an update)</a:t>
-            </a:r>
-          </a:p>
-          <a:p>
-            <a:r>
-              <a:rPr lang="en-GB" dirty="0">
-                <a:hlinkClick r:id="rId4"/>
-              </a:rPr>
-              <a:t>lukasz.pyrzyk.external@sonova.com</a:t>
-            </a:r>
-            <a:endParaRPr lang="en-GB" dirty="0"/>
+              <a:t>https://medium.com/knerd/distributed-tracing-design-and-architecture-88b1ce31f60d</a:t>
+            </a:r>
+          </a:p>
+        </p:txBody>
+      </p:sp>
+      <p:sp>
+        <p:nvSpPr>
+          <p:cNvPr id="4" name="Prostokąt 3">
+            <a:extLst>
+              <a:ext uri="{FF2B5EF4-FFF2-40B4-BE49-F238E27FC236}">
+                <a16:creationId xmlns:a16="http://schemas.microsoft.com/office/drawing/2014/main" id="{74D1CAFC-BC0B-45A3-B1F9-0368DD74D688}"/>
+              </a:ext>
+            </a:extLst>
+          </p:cNvPr>
+          <p:cNvSpPr/>
+          <p:nvPr/>
+        </p:nvSpPr>
+        <p:spPr>
+          <a:xfrm>
+            <a:off x="10531138" y="6466361"/>
+            <a:ext cx="1558825" cy="369332"/>
+          </a:xfrm>
+          <a:prstGeom prst="rect">
+            <a:avLst/>
+          </a:prstGeom>
+        </p:spPr>
+        <p:txBody>
+          <a:bodyPr wrap="none">
+            <a:spAutoFit/>
+          </a:bodyPr>
+          <a:lstStyle/>
+          <a:p>
+            <a:r>
+              <a:rPr lang="pl-PL" dirty="0">
+                <a:solidFill>
+                  <a:schemeClr val="bg1"/>
+                </a:solidFill>
+              </a:rPr>
+              <a:t>@</a:t>
+            </a:r>
+            <a:r>
+              <a:rPr lang="pl-PL" dirty="0" err="1">
+                <a:solidFill>
+                  <a:schemeClr val="bg1"/>
+                </a:solidFill>
+              </a:rPr>
+              <a:t>lukaszpyrzyk</a:t>
+            </a:r>
+            <a:endParaRPr lang="en-GB" dirty="0">
+              <a:solidFill>
+                <a:schemeClr val="bg1"/>
+              </a:solidFill>
+            </a:endParaRPr>
           </a:p>
         </p:txBody>
       </p:sp>
@@ -4917,232 +11260,6 @@
     <p:extLst>
       <p:ext uri="{BB962C8B-B14F-4D97-AF65-F5344CB8AC3E}">
         <p14:creationId xmlns:p14="http://schemas.microsoft.com/office/powerpoint/2010/main" val="998917717"/>
-      </p:ext>
-    </p:extLst>
-  </p:cSld>
-  <p:clrMapOvr>
-    <a:masterClrMapping/>
-  </p:clrMapOvr>
-</p:sld>
-</file>
-
-<file path=ppt/slides/slide2.xml><?xml version="1.0" encoding="utf-8"?>
-<p:sld xmlns:a="http://schemas.openxmlformats.org/drawingml/2006/main" xmlns:r="http://schemas.openxmlformats.org/officeDocument/2006/relationships" xmlns:p="http://schemas.openxmlformats.org/presentationml/2006/main">
-  <p:cSld>
-    <p:spTree>
-      <p:nvGrpSpPr>
-        <p:cNvPr id="1" name=""/>
-        <p:cNvGrpSpPr/>
-        <p:nvPr/>
-      </p:nvGrpSpPr>
-      <p:grpSpPr>
-        <a:xfrm>
-          <a:off x="0" y="0"/>
-          <a:ext cx="0" cy="0"/>
-          <a:chOff x="0" y="0"/>
-          <a:chExt cx="0" cy="0"/>
-        </a:xfrm>
-      </p:grpSpPr>
-      <p:sp>
-        <p:nvSpPr>
-          <p:cNvPr id="2" name="Tytuł 1">
-            <a:extLst>
-              <a:ext uri="{FF2B5EF4-FFF2-40B4-BE49-F238E27FC236}">
-                <a16:creationId xmlns:a16="http://schemas.microsoft.com/office/drawing/2014/main" id="{7CDD0CAE-BC7E-4C57-B901-23D0E8BF80BA}"/>
-              </a:ext>
-            </a:extLst>
-          </p:cNvPr>
-          <p:cNvSpPr>
-            <a:spLocks noGrp="1"/>
-          </p:cNvSpPr>
-          <p:nvPr>
-            <p:ph type="title"/>
-          </p:nvPr>
-        </p:nvSpPr>
-        <p:spPr>
-          <a:xfrm>
-            <a:off x="1097280" y="263527"/>
-            <a:ext cx="10058400" cy="1450757"/>
-          </a:xfrm>
-        </p:spPr>
-        <p:txBody>
-          <a:bodyPr/>
-          <a:lstStyle/>
-          <a:p>
-            <a:r>
-              <a:rPr lang="pl-PL" dirty="0" err="1"/>
-              <a:t>About</a:t>
-            </a:r>
-            <a:r>
-              <a:rPr lang="pl-PL" dirty="0"/>
-              <a:t> me</a:t>
-            </a:r>
-            <a:endParaRPr lang="en-GB" dirty="0"/>
-          </a:p>
-        </p:txBody>
-      </p:sp>
-      <p:sp>
-        <p:nvSpPr>
-          <p:cNvPr id="3" name="Symbol zastępczy zawartości 2">
-            <a:extLst>
-              <a:ext uri="{FF2B5EF4-FFF2-40B4-BE49-F238E27FC236}">
-                <a16:creationId xmlns:a16="http://schemas.microsoft.com/office/drawing/2014/main" id="{FE5691DC-230B-4898-A90C-5EC9BAC529F2}"/>
-              </a:ext>
-            </a:extLst>
-          </p:cNvPr>
-          <p:cNvSpPr>
-            <a:spLocks noGrp="1"/>
-          </p:cNvSpPr>
-          <p:nvPr>
-            <p:ph idx="1"/>
-          </p:nvPr>
-        </p:nvSpPr>
-        <p:spPr/>
-        <p:txBody>
-          <a:bodyPr/>
-          <a:lstStyle/>
-          <a:p>
-            <a:pPr>
-              <a:buFont typeface="Wingdings" panose="05000000000000000000" pitchFamily="2" charset="2"/>
-              <a:buChar char="v"/>
-            </a:pPr>
-            <a:r>
-              <a:rPr lang="pl-PL" dirty="0"/>
-              <a:t> Co-</a:t>
-            </a:r>
-            <a:r>
-              <a:rPr lang="pl-PL" dirty="0" err="1"/>
-              <a:t>founder</a:t>
-            </a:r>
-            <a:r>
-              <a:rPr lang="pl-PL" dirty="0"/>
-              <a:t> of </a:t>
-            </a:r>
-            <a:r>
-              <a:rPr lang="pl-PL" dirty="0" err="1"/>
-              <a:t>Dotnetos</a:t>
-            </a:r>
-            <a:endParaRPr lang="pl-PL" dirty="0"/>
-          </a:p>
-          <a:p>
-            <a:pPr>
-              <a:buFont typeface="Wingdings" panose="05000000000000000000" pitchFamily="2" charset="2"/>
-              <a:buChar char="v"/>
-            </a:pPr>
-            <a:r>
-              <a:rPr lang="pl-PL" dirty="0"/>
-              <a:t> Microsoft MVP</a:t>
-            </a:r>
-          </a:p>
-          <a:p>
-            <a:pPr>
-              <a:buFont typeface="Wingdings" panose="05000000000000000000" pitchFamily="2" charset="2"/>
-              <a:buChar char="v"/>
-            </a:pPr>
-            <a:r>
-              <a:rPr lang="pl-PL" dirty="0"/>
-              <a:t> .NET Technical </a:t>
-            </a:r>
-            <a:r>
-              <a:rPr lang="pl-PL" dirty="0" err="1"/>
-              <a:t>Lead</a:t>
-            </a:r>
-            <a:r>
-              <a:rPr lang="pl-PL" dirty="0"/>
-              <a:t> </a:t>
-            </a:r>
-            <a:r>
-              <a:rPr lang="pl-PL" dirty="0" err="1"/>
-              <a:t>at</a:t>
-            </a:r>
-            <a:r>
-              <a:rPr lang="pl-PL" dirty="0"/>
-              <a:t> Sonova</a:t>
-            </a:r>
-          </a:p>
-          <a:p>
-            <a:pPr>
-              <a:buFont typeface="Wingdings" panose="05000000000000000000" pitchFamily="2" charset="2"/>
-              <a:buChar char="v"/>
-            </a:pPr>
-            <a:r>
-              <a:rPr lang="pl-PL" dirty="0"/>
-              <a:t> </a:t>
-            </a:r>
-            <a:r>
-              <a:rPr lang="pl-PL" dirty="0" err="1"/>
-              <a:t>Tweets</a:t>
-            </a:r>
-            <a:r>
-              <a:rPr lang="pl-PL" dirty="0"/>
-              <a:t> as @</a:t>
-            </a:r>
-            <a:r>
-              <a:rPr lang="pl-PL" dirty="0" err="1"/>
-              <a:t>lukaszpyrzyk</a:t>
-            </a:r>
-            <a:endParaRPr lang="pl-PL" dirty="0"/>
-          </a:p>
-          <a:p>
-            <a:pPr>
-              <a:buFont typeface="Arial" panose="020B0604020202020204" pitchFamily="34" charset="0"/>
-              <a:buChar char="•"/>
-            </a:pPr>
-            <a:endParaRPr lang="en-GB" dirty="0"/>
-          </a:p>
-        </p:txBody>
-      </p:sp>
-      <p:pic>
-        <p:nvPicPr>
-          <p:cNvPr id="1026" name="Picture 2">
-            <a:extLst>
-              <a:ext uri="{FF2B5EF4-FFF2-40B4-BE49-F238E27FC236}">
-                <a16:creationId xmlns:a16="http://schemas.microsoft.com/office/drawing/2014/main" id="{F696BC72-15EE-4BA5-9847-56B155C1CB9A}"/>
-              </a:ext>
-            </a:extLst>
-          </p:cNvPr>
-          <p:cNvPicPr>
-            <a:picLocks noChangeAspect="1" noChangeArrowheads="1"/>
-          </p:cNvPicPr>
-          <p:nvPr/>
-        </p:nvPicPr>
-        <p:blipFill>
-          <a:blip r:embed="rId2">
-            <a:extLst>
-              <a:ext uri="{28A0092B-C50C-407E-A947-70E740481C1C}">
-                <a14:useLocalDpi xmlns:a14="http://schemas.microsoft.com/office/drawing/2010/main" val="0"/>
-              </a:ext>
-            </a:extLst>
-          </a:blip>
-          <a:srcRect/>
-          <a:stretch>
-            <a:fillRect/>
-          </a:stretch>
-        </p:blipFill>
-        <p:spPr bwMode="auto">
-          <a:xfrm>
-            <a:off x="4528525" y="1596035"/>
-            <a:ext cx="10694313" cy="4975362"/>
-          </a:xfrm>
-          <a:prstGeom prst="rect">
-            <a:avLst/>
-          </a:prstGeom>
-          <a:noFill/>
-          <a:extLst>
-            <a:ext uri="{909E8E84-426E-40DD-AFC4-6F175D3DCCD1}">
-              <a14:hiddenFill xmlns:a14="http://schemas.microsoft.com/office/drawing/2010/main">
-                <a:solidFill>
-                  <a:srgbClr val="FFFFFF"/>
-                </a:solidFill>
-              </a14:hiddenFill>
-            </a:ext>
-          </a:extLst>
-        </p:spPr>
-      </p:pic>
-    </p:spTree>
-    <p:extLst>
-      <p:ext uri="{BB962C8B-B14F-4D97-AF65-F5344CB8AC3E}">
-        <p14:creationId xmlns:p14="http://schemas.microsoft.com/office/powerpoint/2010/main" val="1197036292"/>
       </p:ext>
     </p:extLst>
   </p:cSld>
@@ -5235,7 +11352,197 @@
               <a:rPr lang="pl-PL" dirty="0" err="1"/>
               <a:t>observability</a:t>
             </a:r>
+            <a:endParaRPr lang="pl-PL" dirty="0"/>
+          </a:p>
+          <a:p>
+            <a:pPr marL="457200" indent="-457200">
+              <a:buFont typeface="+mj-lt"/>
+              <a:buAutoNum type="arabicPeriod"/>
+            </a:pPr>
+            <a:r>
+              <a:rPr lang="pl-PL" dirty="0" err="1">
+                <a:solidFill>
+                  <a:srgbClr val="F5A800"/>
+                </a:solidFill>
+              </a:rPr>
+              <a:t>Open</a:t>
+            </a:r>
+            <a:r>
+              <a:rPr lang="pl-PL" dirty="0" err="1">
+                <a:solidFill>
+                  <a:srgbClr val="425C8B"/>
+                </a:solidFill>
+              </a:rPr>
+              <a:t>Telemetry</a:t>
+            </a:r>
+            <a:r>
+              <a:rPr lang="pl-PL" dirty="0"/>
+              <a:t> </a:t>
+            </a:r>
+            <a:r>
+              <a:rPr lang="pl-PL" dirty="0" err="1"/>
+              <a:t>history</a:t>
+            </a:r>
+            <a:endParaRPr lang="pl-PL" dirty="0"/>
+          </a:p>
+          <a:p>
+            <a:pPr marL="457200" indent="-457200">
+              <a:buFont typeface="+mj-lt"/>
+              <a:buAutoNum type="arabicPeriod"/>
+            </a:pPr>
+            <a:r>
+              <a:rPr lang="pl-PL" dirty="0"/>
+              <a:t>Basics of </a:t>
+            </a:r>
+            <a:r>
+              <a:rPr lang="pl-PL" dirty="0" err="1"/>
+              <a:t>tracing</a:t>
+            </a:r>
+            <a:r>
+              <a:rPr lang="pl-PL" dirty="0"/>
+              <a:t>, </a:t>
+            </a:r>
+            <a:r>
+              <a:rPr lang="pl-PL" dirty="0" err="1"/>
+              <a:t>TraceContext</a:t>
+            </a:r>
+            <a:r>
+              <a:rPr lang="pl-PL" dirty="0"/>
+              <a:t>, </a:t>
+            </a:r>
+            <a:r>
+              <a:rPr lang="pl-PL" dirty="0" err="1"/>
+              <a:t>Trace</a:t>
+            </a:r>
+            <a:r>
+              <a:rPr lang="pl-PL" dirty="0"/>
+              <a:t>, </a:t>
+            </a:r>
+            <a:r>
+              <a:rPr lang="pl-PL" dirty="0" err="1"/>
+              <a:t>Span</a:t>
+            </a:r>
+            <a:endParaRPr lang="pl-PL" dirty="0"/>
+          </a:p>
+          <a:p>
+            <a:pPr marL="457200" indent="-457200">
+              <a:buFont typeface="+mj-lt"/>
+              <a:buAutoNum type="arabicPeriod"/>
+            </a:pPr>
+            <a:r>
+              <a:rPr lang="pl-PL" dirty="0"/>
+              <a:t>W3C </a:t>
+            </a:r>
+            <a:r>
+              <a:rPr lang="pl-PL" dirty="0" err="1"/>
+              <a:t>TraceContext</a:t>
+            </a:r>
+            <a:r>
+              <a:rPr lang="pl-PL" dirty="0"/>
+              <a:t> &amp; </a:t>
+            </a:r>
+            <a:r>
+              <a:rPr lang="pl-PL" dirty="0" err="1"/>
+              <a:t>Diagnostic</a:t>
+            </a:r>
+            <a:r>
+              <a:rPr lang="pl-PL" dirty="0"/>
+              <a:t>-Id</a:t>
+            </a:r>
+          </a:p>
+          <a:p>
+            <a:pPr marL="457200" indent="-457200">
+              <a:buFont typeface="+mj-lt"/>
+              <a:buAutoNum type="arabicPeriod"/>
+            </a:pPr>
+            <a:r>
+              <a:rPr lang="pl-PL" dirty="0" err="1"/>
+              <a:t>Trace</a:t>
+            </a:r>
+            <a:r>
+              <a:rPr lang="pl-PL" dirty="0"/>
+              <a:t> </a:t>
+            </a:r>
+            <a:r>
+              <a:rPr lang="pl-PL" dirty="0" err="1"/>
+              <a:t>tree</a:t>
+            </a:r>
+            <a:endParaRPr lang="pl-PL" dirty="0"/>
+          </a:p>
+          <a:p>
+            <a:pPr marL="457200" indent="-457200">
+              <a:buFont typeface="+mj-lt"/>
+              <a:buAutoNum type="arabicPeriod"/>
+            </a:pPr>
+            <a:r>
+              <a:rPr lang="pl-PL" dirty="0"/>
+              <a:t>Demo</a:t>
+            </a:r>
+          </a:p>
+          <a:p>
+            <a:pPr marL="457200" indent="-457200">
+              <a:buFont typeface="+mj-lt"/>
+              <a:buAutoNum type="arabicPeriod"/>
+            </a:pPr>
+            <a:endParaRPr lang="pl-PL" dirty="0"/>
+          </a:p>
+          <a:p>
+            <a:pPr marL="457200" indent="-457200">
+              <a:buFont typeface="+mj-lt"/>
+              <a:buAutoNum type="arabicPeriod"/>
+            </a:pPr>
             <a:endParaRPr lang="en-GB" dirty="0"/>
+          </a:p>
+        </p:txBody>
+      </p:sp>
+      <p:sp>
+        <p:nvSpPr>
+          <p:cNvPr id="4" name="Prostokąt 3">
+            <a:extLst>
+              <a:ext uri="{FF2B5EF4-FFF2-40B4-BE49-F238E27FC236}">
+                <a16:creationId xmlns:a16="http://schemas.microsoft.com/office/drawing/2014/main" id="{CB23426D-DC1D-4343-98AD-3216DB6A70AC}"/>
+              </a:ext>
+            </a:extLst>
+          </p:cNvPr>
+          <p:cNvSpPr/>
+          <p:nvPr/>
+        </p:nvSpPr>
+        <p:spPr>
+          <a:xfrm>
+            <a:off x="10531138" y="6466361"/>
+            <a:ext cx="1558825" cy="369332"/>
+          </a:xfrm>
+          <a:prstGeom prst="rect">
+            <a:avLst/>
+          </a:prstGeom>
+        </p:spPr>
+        <p:txBody>
+          <a:bodyPr wrap="none">
+            <a:spAutoFit/>
+          </a:bodyPr>
+          <a:lstStyle/>
+          <a:p>
+            <a:r>
+              <a:rPr lang="pl-PL" dirty="0">
+                <a:solidFill>
+                  <a:schemeClr val="bg1"/>
+                </a:solidFill>
+              </a:rPr>
+              <a:t>@</a:t>
+            </a:r>
+            <a:r>
+              <a:rPr lang="pl-PL" dirty="0" err="1">
+                <a:solidFill>
+                  <a:schemeClr val="bg1"/>
+                </a:solidFill>
+              </a:rPr>
+              <a:t>lukaszpyrzyk</a:t>
+            </a:r>
+            <a:endParaRPr lang="en-GB" dirty="0">
+              <a:solidFill>
+                <a:schemeClr val="bg1"/>
+              </a:solidFill>
+            </a:endParaRPr>
           </a:p>
         </p:txBody>
       </p:sp>
@@ -5448,6 +11755,57 @@
           </a:p>
         </p:txBody>
       </p:sp>
+      <p:sp>
+        <p:nvSpPr>
+          <p:cNvPr id="4" name="Prostokąt 3">
+            <a:extLst>
+              <a:ext uri="{FF2B5EF4-FFF2-40B4-BE49-F238E27FC236}">
+                <a16:creationId xmlns:a16="http://schemas.microsoft.com/office/drawing/2014/main" id="{0FA8A528-2BEA-4265-A643-EA4CC55ACD40}"/>
+              </a:ext>
+            </a:extLst>
+          </p:cNvPr>
+          <p:cNvSpPr/>
+          <p:nvPr/>
+        </p:nvSpPr>
+        <p:spPr>
+          <a:xfrm>
+            <a:off x="10531138" y="6466361"/>
+            <a:ext cx="1558825" cy="369332"/>
+          </a:xfrm>
+          <a:prstGeom prst="rect">
+            <a:avLst/>
+          </a:prstGeom>
+        </p:spPr>
+        <p:txBody>
+          <a:bodyPr wrap="none">
+            <a:spAutoFit/>
+          </a:bodyPr>
+          <a:lstStyle/>
+          <a:p>
+            <a:r>
+              <a:rPr lang="pl-PL" dirty="0">
+                <a:solidFill>
+                  <a:schemeClr val="bg1"/>
+                </a:solidFill>
+              </a:rPr>
+              <a:t>@</a:t>
+            </a:r>
+            <a:r>
+              <a:rPr lang="pl-PL" dirty="0" err="1">
+                <a:solidFill>
+                  <a:schemeClr val="bg1"/>
+                </a:solidFill>
+              </a:rPr>
+              <a:t>lukaszpyrzyk</a:t>
+            </a:r>
+            <a:endParaRPr lang="en-GB" dirty="0">
+              <a:solidFill>
+                <a:schemeClr val="bg1"/>
+              </a:solidFill>
+            </a:endParaRPr>
+          </a:p>
+        </p:txBody>
+      </p:sp>
     </p:spTree>
     <p:extLst>
       <p:ext uri="{BB962C8B-B14F-4D97-AF65-F5344CB8AC3E}">
@@ -5865,6 +12223,57 @@
             <a:endParaRPr lang="pl-PL" dirty="0">
               <a:solidFill>
                 <a:srgbClr val="425CC7"/>
+              </a:solidFill>
+            </a:endParaRPr>
+          </a:p>
+        </p:txBody>
+      </p:sp>
+      <p:sp>
+        <p:nvSpPr>
+          <p:cNvPr id="4" name="Prostokąt 3">
+            <a:extLst>
+              <a:ext uri="{FF2B5EF4-FFF2-40B4-BE49-F238E27FC236}">
+                <a16:creationId xmlns:a16="http://schemas.microsoft.com/office/drawing/2014/main" id="{1B17EE6A-CB3F-4475-8D28-E982320040C4}"/>
+              </a:ext>
+            </a:extLst>
+          </p:cNvPr>
+          <p:cNvSpPr/>
+          <p:nvPr/>
+        </p:nvSpPr>
+        <p:spPr>
+          <a:xfrm>
+            <a:off x="10531138" y="6466361"/>
+            <a:ext cx="1558825" cy="369332"/>
+          </a:xfrm>
+          <a:prstGeom prst="rect">
+            <a:avLst/>
+          </a:prstGeom>
+        </p:spPr>
+        <p:txBody>
+          <a:bodyPr wrap="none">
+            <a:spAutoFit/>
+          </a:bodyPr>
+          <a:lstStyle/>
+          <a:p>
+            <a:r>
+              <a:rPr lang="pl-PL" dirty="0">
+                <a:solidFill>
+                  <a:schemeClr val="bg1"/>
+                </a:solidFill>
+              </a:rPr>
+              <a:t>@</a:t>
+            </a:r>
+            <a:r>
+              <a:rPr lang="pl-PL" dirty="0" err="1">
+                <a:solidFill>
+                  <a:schemeClr val="bg1"/>
+                </a:solidFill>
+              </a:rPr>
+              <a:t>lukaszpyrzyk</a:t>
+            </a:r>
+            <a:endParaRPr lang="en-GB" dirty="0">
+              <a:solidFill>
+                <a:schemeClr val="bg1"/>
               </a:solidFill>
             </a:endParaRPr>
           </a:p>
@@ -7045,6 +13454,57 @@
           </a:p>
         </p:txBody>
       </p:sp>
+      <p:sp>
+        <p:nvSpPr>
+          <p:cNvPr id="4" name="Prostokąt 3">
+            <a:extLst>
+              <a:ext uri="{FF2B5EF4-FFF2-40B4-BE49-F238E27FC236}">
+                <a16:creationId xmlns:a16="http://schemas.microsoft.com/office/drawing/2014/main" id="{48F03819-742F-4A5D-89A4-B0C030DE89AC}"/>
+              </a:ext>
+            </a:extLst>
+          </p:cNvPr>
+          <p:cNvSpPr/>
+          <p:nvPr/>
+        </p:nvSpPr>
+        <p:spPr>
+          <a:xfrm>
+            <a:off x="10531138" y="6466361"/>
+            <a:ext cx="1558825" cy="369332"/>
+          </a:xfrm>
+          <a:prstGeom prst="rect">
+            <a:avLst/>
+          </a:prstGeom>
+        </p:spPr>
+        <p:txBody>
+          <a:bodyPr wrap="none">
+            <a:spAutoFit/>
+          </a:bodyPr>
+          <a:lstStyle/>
+          <a:p>
+            <a:r>
+              <a:rPr lang="pl-PL" dirty="0">
+                <a:solidFill>
+                  <a:schemeClr val="bg1"/>
+                </a:solidFill>
+              </a:rPr>
+              <a:t>@</a:t>
+            </a:r>
+            <a:r>
+              <a:rPr lang="pl-PL" dirty="0" err="1">
+                <a:solidFill>
+                  <a:schemeClr val="bg1"/>
+                </a:solidFill>
+              </a:rPr>
+              <a:t>lukaszpyrzyk</a:t>
+            </a:r>
+            <a:endParaRPr lang="en-GB" dirty="0">
+              <a:solidFill>
+                <a:schemeClr val="bg1"/>
+              </a:solidFill>
+            </a:endParaRPr>
+          </a:p>
+        </p:txBody>
+      </p:sp>
     </p:spTree>
     <p:extLst>
       <p:ext uri="{BB962C8B-B14F-4D97-AF65-F5344CB8AC3E}">
@@ -7323,11 +13783,27 @@
                   <a:schemeClr val="tx1"/>
                 </a:solidFill>
               </a:rPr>
-              <a:t>Metrics are also lighter than logs, so they enable </a:t>
+              <a:t>Metrics are also lighter than logs, </a:t>
+            </a:r>
+            <a:r>
+              <a:rPr lang="pl-PL" dirty="0" err="1">
+                <a:solidFill>
+                  <a:schemeClr val="tx1"/>
+                </a:solidFill>
+              </a:rPr>
+              <a:t>enabling</a:t>
             </a:r>
             <a:r>
               <a:rPr lang="en-GB" dirty="0">
                 <a:solidFill>
+                  <a:schemeClr val="tx1"/>
+                </a:solidFill>
+              </a:rPr>
+              <a:t> </a:t>
+            </a:r>
+            <a:r>
+              <a:rPr lang="en-GB" dirty="0">
+                <a:solidFill>
                   <a:srgbClr val="F5A800"/>
                 </a:solidFill>
               </a:rPr>
@@ -7355,11 +13831,62 @@
                   <a:schemeClr val="tx1"/>
                 </a:solidFill>
               </a:rPr>
-              <a:t>. </a:t>
+              <a:t>. Because of that, they are better suited to be a source for different graphs and visualizations.</a:t>
             </a:r>
             <a:endParaRPr lang="pl-PL" dirty="0">
               <a:solidFill>
                 <a:schemeClr val="tx1"/>
+              </a:solidFill>
+            </a:endParaRPr>
+          </a:p>
+        </p:txBody>
+      </p:sp>
+      <p:sp>
+        <p:nvSpPr>
+          <p:cNvPr id="4" name="Prostokąt 3">
+            <a:extLst>
+              <a:ext uri="{FF2B5EF4-FFF2-40B4-BE49-F238E27FC236}">
+                <a16:creationId xmlns:a16="http://schemas.microsoft.com/office/drawing/2014/main" id="{E0EF794F-A428-4FCB-A935-862ED9D0383D}"/>
+              </a:ext>
+            </a:extLst>
+          </p:cNvPr>
+          <p:cNvSpPr/>
+          <p:nvPr/>
+        </p:nvSpPr>
+        <p:spPr>
+          <a:xfrm>
+            <a:off x="10531138" y="6466361"/>
+            <a:ext cx="1558825" cy="369332"/>
+          </a:xfrm>
+          <a:prstGeom prst="rect">
+            <a:avLst/>
+          </a:prstGeom>
+        </p:spPr>
+        <p:txBody>
+          <a:bodyPr wrap="none">
+            <a:spAutoFit/>
+          </a:bodyPr>
+          <a:lstStyle/>
+          <a:p>
+            <a:r>
+              <a:rPr lang="pl-PL" dirty="0">
+                <a:solidFill>
+                  <a:schemeClr val="bg1"/>
+                </a:solidFill>
+              </a:rPr>
+              <a:t>@</a:t>
+            </a:r>
+            <a:r>
+              <a:rPr lang="pl-PL" dirty="0" err="1">
+                <a:solidFill>
+                  <a:schemeClr val="bg1"/>
+                </a:solidFill>
+              </a:rPr>
+              <a:t>lukaszpyrzyk</a:t>
+            </a:r>
+            <a:endParaRPr lang="en-GB" dirty="0">
+              <a:solidFill>
+                <a:schemeClr val="bg1"/>
               </a:solidFill>
             </a:endParaRPr>
           </a:p>
@@ -7460,7 +13987,9 @@
           </a:bodyPr>
           <a:lstStyle/>
           <a:p>
-            <a:pPr algn="just"/>
+            <a:pPr marL="0" indent="0" algn="just">
+              <a:buNone/>
+            </a:pPr>
             <a:r>
               <a:rPr lang="pl-PL" dirty="0" err="1">
                 <a:solidFill>
@@ -7816,7 +14345,7 @@
                   <a:schemeClr val="tx1"/>
                 </a:solidFill>
               </a:rPr>
-              <a:t> To </a:t>
+              <a:t>To </a:t>
             </a:r>
             <a:r>
               <a:rPr lang="pl-PL" dirty="0" err="1">
@@ -8087,11 +14616,382 @@
             <a:pPr marL="0" indent="0" algn="just">
               <a:buNone/>
             </a:pPr>
-            <a:endParaRPr lang="pl-PL" dirty="0">
-              <a:solidFill>
-                <a:srgbClr val="425CC7"/>
-              </a:solidFill>
-            </a:endParaRPr>
+            <a:r>
+              <a:rPr lang="pl-PL" dirty="0">
+                <a:solidFill>
+                  <a:schemeClr val="tx1"/>
+                </a:solidFill>
+              </a:rPr>
+              <a:t>A single </a:t>
+            </a:r>
+            <a:r>
+              <a:rPr lang="pl-PL" dirty="0" err="1">
+                <a:solidFill>
+                  <a:srgbClr val="425CC7"/>
+                </a:solidFill>
+              </a:rPr>
+              <a:t>trace</a:t>
+            </a:r>
+            <a:r>
+              <a:rPr lang="pl-PL" dirty="0">
+                <a:solidFill>
+                  <a:schemeClr val="tx1"/>
+                </a:solidFill>
+              </a:rPr>
+              <a:t> </a:t>
+            </a:r>
+            <a:r>
+              <a:rPr lang="pl-PL" dirty="0" err="1">
+                <a:solidFill>
+                  <a:schemeClr val="tx1"/>
+                </a:solidFill>
+              </a:rPr>
+              <a:t>represents</a:t>
+            </a:r>
+            <a:r>
+              <a:rPr lang="pl-PL" dirty="0">
+                <a:solidFill>
+                  <a:schemeClr val="tx1"/>
+                </a:solidFill>
+              </a:rPr>
+              <a:t> the </a:t>
+            </a:r>
+            <a:r>
+              <a:rPr lang="pl-PL" dirty="0" err="1">
+                <a:solidFill>
+                  <a:schemeClr val="tx1"/>
+                </a:solidFill>
+              </a:rPr>
+              <a:t>entire</a:t>
+            </a:r>
+            <a:r>
+              <a:rPr lang="pl-PL" dirty="0">
+                <a:solidFill>
+                  <a:schemeClr val="tx1"/>
+                </a:solidFill>
+              </a:rPr>
+              <a:t> </a:t>
+            </a:r>
+            <a:r>
+              <a:rPr lang="pl-PL" dirty="0" err="1">
+                <a:solidFill>
+                  <a:schemeClr val="tx1"/>
+                </a:solidFill>
+              </a:rPr>
+              <a:t>history</a:t>
+            </a:r>
+            <a:r>
+              <a:rPr lang="pl-PL" dirty="0">
+                <a:solidFill>
+                  <a:schemeClr val="tx1"/>
+                </a:solidFill>
+              </a:rPr>
+              <a:t> of a </a:t>
+            </a:r>
+            <a:r>
+              <a:rPr lang="pl-PL" dirty="0" err="1">
+                <a:solidFill>
+                  <a:schemeClr val="tx1"/>
+                </a:solidFill>
+              </a:rPr>
+              <a:t>request</a:t>
+            </a:r>
+            <a:r>
+              <a:rPr lang="pl-PL" dirty="0">
+                <a:solidFill>
+                  <a:schemeClr val="tx1"/>
+                </a:solidFill>
+              </a:rPr>
+              <a:t> </a:t>
+            </a:r>
+            <a:r>
+              <a:rPr lang="pl-PL" dirty="0" err="1">
+                <a:solidFill>
+                  <a:schemeClr val="tx1"/>
+                </a:solidFill>
+              </a:rPr>
+              <a:t>or</a:t>
+            </a:r>
+            <a:r>
+              <a:rPr lang="pl-PL" dirty="0">
+                <a:solidFill>
+                  <a:schemeClr val="tx1"/>
+                </a:solidFill>
+              </a:rPr>
+              <a:t> </a:t>
+            </a:r>
+            <a:r>
+              <a:rPr lang="pl-PL" dirty="0" err="1">
+                <a:solidFill>
+                  <a:schemeClr val="tx1"/>
+                </a:solidFill>
+              </a:rPr>
+              <a:t>action</a:t>
+            </a:r>
+            <a:r>
+              <a:rPr lang="pl-PL" dirty="0">
+                <a:solidFill>
+                  <a:schemeClr val="tx1"/>
+                </a:solidFill>
+              </a:rPr>
+              <a:t> </a:t>
+            </a:r>
+            <a:r>
+              <a:rPr lang="en-GB" dirty="0">
+                <a:solidFill>
+                  <a:schemeClr val="tx1"/>
+                </a:solidFill>
+              </a:rPr>
+              <a:t>including all </a:t>
+            </a:r>
+            <a:r>
+              <a:rPr lang="en-GB" dirty="0">
+                <a:solidFill>
+                  <a:srgbClr val="F5A800"/>
+                </a:solidFill>
+              </a:rPr>
+              <a:t>communication</a:t>
+            </a:r>
+            <a:r>
+              <a:rPr lang="en-GB" dirty="0">
+                <a:solidFill>
+                  <a:schemeClr val="tx1"/>
+                </a:solidFill>
+              </a:rPr>
+              <a:t> </a:t>
+            </a:r>
+            <a:r>
+              <a:rPr lang="en-GB" dirty="0">
+                <a:solidFill>
+                  <a:srgbClr val="F5A800"/>
+                </a:solidFill>
+              </a:rPr>
+              <a:t>between services</a:t>
+            </a:r>
+            <a:r>
+              <a:rPr lang="en-GB" dirty="0">
+                <a:solidFill>
+                  <a:schemeClr val="tx1"/>
+                </a:solidFill>
+              </a:rPr>
+              <a:t>, </a:t>
+            </a:r>
+            <a:r>
+              <a:rPr lang="en-GB" dirty="0">
+                <a:solidFill>
+                  <a:srgbClr val="F5A800"/>
+                </a:solidFill>
+              </a:rPr>
+              <a:t>applications</a:t>
+            </a:r>
+            <a:r>
+              <a:rPr lang="en-GB" dirty="0">
+                <a:solidFill>
+                  <a:schemeClr val="tx1"/>
+                </a:solidFill>
+              </a:rPr>
+              <a:t>, </a:t>
+            </a:r>
+            <a:r>
+              <a:rPr lang="en-GB" dirty="0">
+                <a:solidFill>
+                  <a:srgbClr val="F5A800"/>
+                </a:solidFill>
+              </a:rPr>
+              <a:t>databases</a:t>
+            </a:r>
+            <a:r>
+              <a:rPr lang="en-GB" dirty="0">
+                <a:solidFill>
+                  <a:schemeClr val="tx1"/>
+                </a:solidFill>
+              </a:rPr>
+              <a:t> or </a:t>
+            </a:r>
+            <a:r>
+              <a:rPr lang="en-GB" dirty="0">
+                <a:solidFill>
+                  <a:srgbClr val="F5A800"/>
+                </a:solidFill>
+              </a:rPr>
+              <a:t>queues</a:t>
+            </a:r>
+            <a:r>
+              <a:rPr lang="en-GB" dirty="0">
+                <a:solidFill>
+                  <a:schemeClr val="tx1"/>
+                </a:solidFill>
+              </a:rPr>
+              <a:t>.</a:t>
+            </a:r>
+            <a:r>
+              <a:rPr lang="pl-PL" dirty="0">
+                <a:solidFill>
+                  <a:schemeClr val="tx1"/>
+                </a:solidFill>
+              </a:rPr>
+              <a:t> By </a:t>
+            </a:r>
+            <a:r>
+              <a:rPr lang="pl-PL" dirty="0" err="1">
+                <a:solidFill>
+                  <a:schemeClr val="tx1"/>
+                </a:solidFill>
+              </a:rPr>
+              <a:t>analyzing</a:t>
+            </a:r>
+            <a:r>
+              <a:rPr lang="pl-PL" dirty="0">
+                <a:solidFill>
+                  <a:schemeClr val="tx1"/>
+                </a:solidFill>
+              </a:rPr>
+              <a:t> </a:t>
+            </a:r>
+            <a:r>
+              <a:rPr lang="pl-PL" dirty="0" err="1">
+                <a:solidFill>
+                  <a:schemeClr val="tx1"/>
+                </a:solidFill>
+              </a:rPr>
+              <a:t>traces</a:t>
+            </a:r>
+            <a:r>
+              <a:rPr lang="pl-PL" dirty="0">
+                <a:solidFill>
+                  <a:schemeClr val="tx1"/>
+                </a:solidFill>
+              </a:rPr>
+              <a:t> we </a:t>
+            </a:r>
+            <a:r>
+              <a:rPr lang="pl-PL" dirty="0" err="1">
+                <a:solidFill>
+                  <a:schemeClr val="tx1"/>
+                </a:solidFill>
+              </a:rPr>
+              <a:t>can</a:t>
+            </a:r>
+            <a:r>
+              <a:rPr lang="pl-PL" dirty="0">
+                <a:solidFill>
+                  <a:schemeClr val="tx1"/>
+                </a:solidFill>
+              </a:rPr>
+              <a:t> </a:t>
+            </a:r>
+            <a:r>
+              <a:rPr lang="pl-PL" dirty="0" err="1">
+                <a:solidFill>
+                  <a:schemeClr val="tx1"/>
+                </a:solidFill>
+              </a:rPr>
+              <a:t>measure</a:t>
+            </a:r>
+            <a:r>
+              <a:rPr lang="pl-PL" dirty="0">
+                <a:solidFill>
+                  <a:schemeClr val="tx1"/>
+                </a:solidFill>
+              </a:rPr>
+              <a:t> </a:t>
+            </a:r>
+            <a:r>
+              <a:rPr lang="pl-PL" dirty="0" err="1">
+                <a:solidFill>
+                  <a:schemeClr val="tx1"/>
+                </a:solidFill>
+              </a:rPr>
+              <a:t>overall</a:t>
+            </a:r>
+            <a:r>
+              <a:rPr lang="pl-PL" dirty="0">
+                <a:solidFill>
+                  <a:schemeClr val="tx1"/>
+                </a:solidFill>
+              </a:rPr>
+              <a:t> system performance, </a:t>
+            </a:r>
+            <a:r>
+              <a:rPr lang="pl-PL" dirty="0" err="1">
+                <a:solidFill>
+                  <a:schemeClr val="tx1"/>
+                </a:solidFill>
+              </a:rPr>
+              <a:t>find</a:t>
+            </a:r>
+            <a:r>
+              <a:rPr lang="pl-PL" dirty="0">
+                <a:solidFill>
+                  <a:schemeClr val="tx1"/>
+                </a:solidFill>
+              </a:rPr>
+              <a:t> </a:t>
+            </a:r>
+            <a:r>
+              <a:rPr lang="pl-PL" dirty="0" err="1">
+                <a:solidFill>
+                  <a:schemeClr val="tx1"/>
+                </a:solidFill>
+              </a:rPr>
+              <a:t>bottlenecks</a:t>
+            </a:r>
+            <a:r>
+              <a:rPr lang="pl-PL" dirty="0">
+                <a:solidFill>
+                  <a:schemeClr val="tx1"/>
+                </a:solidFill>
+              </a:rPr>
+              <a:t> </a:t>
+            </a:r>
+            <a:r>
+              <a:rPr lang="pl-PL" dirty="0" err="1">
+                <a:solidFill>
+                  <a:schemeClr val="tx1"/>
+                </a:solidFill>
+              </a:rPr>
+              <a:t>andprotitize</a:t>
+            </a:r>
+            <a:r>
+              <a:rPr lang="pl-PL" dirty="0">
+                <a:solidFill>
+                  <a:schemeClr val="tx1"/>
+                </a:solidFill>
+              </a:rPr>
+              <a:t> </a:t>
+            </a:r>
+            <a:r>
+              <a:rPr lang="pl-PL" dirty="0" err="1">
+                <a:solidFill>
+                  <a:schemeClr val="tx1"/>
+                </a:solidFill>
+              </a:rPr>
+              <a:t>ares</a:t>
+            </a:r>
+            <a:r>
+              <a:rPr lang="pl-PL" dirty="0">
+                <a:solidFill>
+                  <a:schemeClr val="tx1"/>
+                </a:solidFill>
+              </a:rPr>
+              <a:t> for </a:t>
+            </a:r>
+            <a:r>
+              <a:rPr lang="pl-PL" dirty="0" err="1">
+                <a:solidFill>
+                  <a:schemeClr val="tx1"/>
+                </a:solidFill>
+              </a:rPr>
+              <a:t>optimizations</a:t>
+            </a:r>
+            <a:r>
+              <a:rPr lang="pl-PL" dirty="0">
+                <a:solidFill>
+                  <a:schemeClr val="tx1"/>
+                </a:solidFill>
+              </a:rPr>
+              <a:t>.</a:t>
+            </a:r>
           </a:p>
           <a:p>
             <a:pPr marL="0" indent="0" algn="just">
@@ -8103,79 +15003,239 @@
                   <a:schemeClr val="tx1"/>
                 </a:solidFill>
               </a:rPr>
-              <a:t>A single </a:t>
-            </a:r>
-            <a:r>
-              <a:rPr lang="pl-PL" dirty="0" err="1">
-                <a:solidFill>
-                  <a:srgbClr val="425CC7"/>
-                </a:solidFill>
-              </a:rPr>
-              <a:t>trace</a:t>
-            </a:r>
-            <a:r>
-              <a:rPr lang="pl-PL" dirty="0">
-                <a:solidFill>
-                  <a:schemeClr val="tx1"/>
-                </a:solidFill>
-              </a:rPr>
-              <a:t> </a:t>
-            </a:r>
-            <a:r>
-              <a:rPr lang="pl-PL" dirty="0" err="1">
-                <a:solidFill>
-                  <a:schemeClr val="tx1"/>
-                </a:solidFill>
-              </a:rPr>
-              <a:t>represents</a:t>
-            </a:r>
-            <a:r>
-              <a:rPr lang="pl-PL" dirty="0">
-                <a:solidFill>
-                  <a:schemeClr val="tx1"/>
-                </a:solidFill>
-              </a:rPr>
-              <a:t> the </a:t>
-            </a:r>
-            <a:r>
-              <a:rPr lang="pl-PL" dirty="0" err="1">
-                <a:solidFill>
-                  <a:schemeClr val="tx1"/>
-                </a:solidFill>
-              </a:rPr>
-              <a:t>entire</a:t>
-            </a:r>
-            <a:r>
-              <a:rPr lang="pl-PL" dirty="0">
-                <a:solidFill>
-                  <a:schemeClr val="tx1"/>
-                </a:solidFill>
-              </a:rPr>
-              <a:t> </a:t>
-            </a:r>
-            <a:r>
-              <a:rPr lang="pl-PL" dirty="0" err="1">
-                <a:solidFill>
-                  <a:schemeClr val="tx1"/>
-                </a:solidFill>
-              </a:rPr>
-              <a:t>history</a:t>
-            </a:r>
-            <a:r>
-              <a:rPr lang="pl-PL" dirty="0">
-                <a:solidFill>
-                  <a:schemeClr val="tx1"/>
-                </a:solidFill>
-              </a:rPr>
-              <a:t> of a </a:t>
-            </a:r>
-            <a:r>
-              <a:rPr lang="pl-PL" dirty="0" err="1">
-                <a:solidFill>
-                  <a:schemeClr val="tx1"/>
-                </a:solidFill>
-              </a:rPr>
-              <a:t>request</a:t>
+              <a:t>We </a:t>
+            </a:r>
+            <a:r>
+              <a:rPr lang="pl-PL" dirty="0" err="1">
+                <a:solidFill>
+                  <a:schemeClr val="tx1"/>
+                </a:solidFill>
+              </a:rPr>
+              <a:t>can</a:t>
+            </a:r>
+            <a:r>
+              <a:rPr lang="pl-PL" dirty="0">
+                <a:solidFill>
+                  <a:schemeClr val="tx1"/>
+                </a:solidFill>
+              </a:rPr>
+              <a:t> </a:t>
+            </a:r>
+            <a:r>
+              <a:rPr lang="pl-PL" dirty="0" err="1">
+                <a:solidFill>
+                  <a:schemeClr val="tx1"/>
+                </a:solidFill>
+              </a:rPr>
+              <a:t>orchestrate</a:t>
+            </a:r>
+            <a:r>
+              <a:rPr lang="pl-PL" dirty="0">
+                <a:solidFill>
+                  <a:schemeClr val="tx1"/>
+                </a:solidFill>
+              </a:rPr>
+              <a:t> </a:t>
+            </a:r>
+            <a:r>
+              <a:rPr lang="pl-PL" dirty="0" err="1">
+                <a:solidFill>
+                  <a:schemeClr val="tx1"/>
+                </a:solidFill>
+              </a:rPr>
+              <a:t>traces</a:t>
+            </a:r>
+            <a:r>
+              <a:rPr lang="pl-PL" dirty="0">
+                <a:solidFill>
+                  <a:schemeClr val="tx1"/>
+                </a:solidFill>
+              </a:rPr>
+              <a:t> </a:t>
+            </a:r>
+            <a:r>
+              <a:rPr lang="pl-PL" dirty="0" err="1">
+                <a:solidFill>
+                  <a:schemeClr val="tx1"/>
+                </a:solidFill>
+              </a:rPr>
+              <a:t>manually</a:t>
+            </a:r>
+            <a:r>
+              <a:rPr lang="pl-PL" dirty="0">
+                <a:solidFill>
+                  <a:schemeClr val="tx1"/>
+                </a:solidFill>
+              </a:rPr>
+              <a:t>, </a:t>
+            </a:r>
+            <a:r>
+              <a:rPr lang="pl-PL" dirty="0" err="1">
+                <a:solidFill>
+                  <a:schemeClr val="tx1"/>
+                </a:solidFill>
+              </a:rPr>
+              <a:t>however</a:t>
+            </a:r>
+            <a:r>
+              <a:rPr lang="pl-PL" dirty="0">
+                <a:solidFill>
+                  <a:schemeClr val="tx1"/>
+                </a:solidFill>
+              </a:rPr>
+              <a:t> </a:t>
+            </a:r>
+            <a:r>
+              <a:rPr lang="pl-PL" dirty="0" err="1">
+                <a:solidFill>
+                  <a:schemeClr val="tx1"/>
+                </a:solidFill>
+              </a:rPr>
+              <a:t>there</a:t>
+            </a:r>
+            <a:r>
+              <a:rPr lang="pl-PL" dirty="0">
+                <a:solidFill>
+                  <a:schemeClr val="tx1"/>
+                </a:solidFill>
+              </a:rPr>
+              <a:t> </a:t>
+            </a:r>
+            <a:r>
+              <a:rPr lang="pl-PL" dirty="0" err="1">
+                <a:solidFill>
+                  <a:schemeClr val="tx1"/>
+                </a:solidFill>
+              </a:rPr>
+              <a:t>are</a:t>
+            </a:r>
+            <a:r>
+              <a:rPr lang="pl-PL" dirty="0">
+                <a:solidFill>
+                  <a:schemeClr val="tx1"/>
+                </a:solidFill>
+              </a:rPr>
+              <a:t> </a:t>
+            </a:r>
+            <a:r>
+              <a:rPr lang="pl-PL" dirty="0" err="1">
+                <a:solidFill>
+                  <a:schemeClr val="tx1"/>
+                </a:solidFill>
+              </a:rPr>
+              <a:t>many</a:t>
+            </a:r>
+            <a:r>
+              <a:rPr lang="pl-PL" dirty="0">
+                <a:solidFill>
+                  <a:schemeClr val="tx1"/>
+                </a:solidFill>
+              </a:rPr>
+              <a:t> </a:t>
+            </a:r>
+            <a:r>
+              <a:rPr lang="pl-PL" dirty="0" err="1">
+                <a:solidFill>
+                  <a:schemeClr val="tx1"/>
+                </a:solidFill>
+              </a:rPr>
+              <a:t>libraries</a:t>
+            </a:r>
+            <a:r>
+              <a:rPr lang="pl-PL" dirty="0">
+                <a:solidFill>
+                  <a:schemeClr val="tx1"/>
+                </a:solidFill>
+              </a:rPr>
+              <a:t> </a:t>
+            </a:r>
+            <a:r>
+              <a:rPr lang="pl-PL" dirty="0" err="1">
+                <a:solidFill>
+                  <a:schemeClr val="tx1"/>
+                </a:solidFill>
+              </a:rPr>
+              <a:t>that</a:t>
+            </a:r>
+            <a:r>
+              <a:rPr lang="pl-PL" dirty="0">
+                <a:solidFill>
+                  <a:schemeClr val="tx1"/>
+                </a:solidFill>
+              </a:rPr>
+              <a:t> </a:t>
+            </a:r>
+            <a:r>
+              <a:rPr lang="pl-PL" dirty="0" err="1">
+                <a:solidFill>
+                  <a:schemeClr val="tx1"/>
+                </a:solidFill>
+              </a:rPr>
+              <a:t>can</a:t>
+            </a:r>
+            <a:r>
+              <a:rPr lang="pl-PL" dirty="0">
+                <a:solidFill>
+                  <a:schemeClr val="tx1"/>
+                </a:solidFill>
+              </a:rPr>
+              <a:t> do </a:t>
+            </a:r>
+            <a:r>
+              <a:rPr lang="pl-PL" dirty="0" err="1">
+                <a:solidFill>
+                  <a:schemeClr val="tx1"/>
+                </a:solidFill>
+              </a:rPr>
+              <a:t>this</a:t>
+            </a:r>
+            <a:r>
+              <a:rPr lang="pl-PL" dirty="0">
+                <a:solidFill>
+                  <a:schemeClr val="tx1"/>
+                </a:solidFill>
+              </a:rPr>
+              <a:t> </a:t>
+            </a:r>
+            <a:r>
+              <a:rPr lang="pl-PL" dirty="0" err="1">
+                <a:solidFill>
+                  <a:schemeClr val="tx1"/>
+                </a:solidFill>
+              </a:rPr>
+              <a:t>automatically</a:t>
+            </a:r>
+            <a:r>
+              <a:rPr lang="pl-PL" dirty="0">
+                <a:solidFill>
+                  <a:schemeClr val="tx1"/>
+                </a:solidFill>
+              </a:rPr>
+              <a:t>, for </a:t>
+            </a:r>
+            <a:r>
+              <a:rPr lang="pl-PL" dirty="0" err="1">
+                <a:solidFill>
+                  <a:schemeClr val="tx1"/>
+                </a:solidFill>
+              </a:rPr>
+              <a:t>example</a:t>
+            </a:r>
+            <a:r>
+              <a:rPr lang="pl-PL" dirty="0">
+                <a:solidFill>
+                  <a:schemeClr val="tx1"/>
+                </a:solidFill>
+              </a:rPr>
+              <a:t> </a:t>
+            </a:r>
+            <a:r>
+              <a:rPr lang="pl-PL" dirty="0" err="1">
+                <a:solidFill>
+                  <a:schemeClr val="tx1"/>
+                </a:solidFill>
+              </a:rPr>
+              <a:t>outgoing</a:t>
             </a:r>
             <a:r>
               <a:rPr lang="pl-PL" dirty="0">
@@ -8207,50 +15267,26 @@
                   <a:schemeClr val="tx1"/>
                 </a:solidFill>
               </a:rPr>
-              <a:t>action</a:t>
-            </a:r>
-            <a:r>
-              <a:rPr lang="pl-PL" dirty="0">
-                <a:solidFill>
-                  <a:schemeClr val="tx1"/>
-                </a:solidFill>
-              </a:rPr>
-              <a:t> </a:t>
-            </a:r>
-            <a:r>
-              <a:rPr lang="en-GB" dirty="0">
-                <a:solidFill>
-                  <a:schemeClr val="tx1"/>
-                </a:solidFill>
-              </a:rPr>
-              <a:t>including all </a:t>
-            </a:r>
-            <a:r>
-              <a:rPr lang="en-GB" dirty="0">
-                <a:solidFill>
-                  <a:srgbClr val="F5A800"/>
-                </a:solidFill>
-              </a:rPr>
-              <a:t>communication</a:t>
-            </a:r>
-            <a:r>
-              <a:rPr lang="en-GB" dirty="0">
-                <a:solidFill>
-                  <a:schemeClr val="tx1"/>
-                </a:solidFill>
-              </a:rPr>
-              <a:t> </a:t>
-            </a:r>
-            <a:r>
-              <a:rPr lang="en-GB" dirty="0">
-                <a:solidFill>
-                  <a:srgbClr val="F5A800"/>
-                </a:solidFill>
-              </a:rPr>
-              <a:t>between services</a:t>
-            </a:r>
-            <a:r>
-              <a:rPr lang="en-GB" dirty="0">
+              <a:t>incoming</a:t>
+            </a:r>
+            <a:r>
+              <a:rPr lang="pl-PL" dirty="0">
+                <a:solidFill>
+                  <a:schemeClr val="tx1"/>
+                </a:solidFill>
+              </a:rPr>
+              <a:t> HTTP </a:t>
+            </a:r>
+            <a:r>
+              <a:rPr lang="pl-PL" dirty="0" err="1">
+                <a:solidFill>
+                  <a:schemeClr val="tx1"/>
+                </a:solidFill>
+              </a:rPr>
+              <a:t>calls</a:t>
+            </a:r>
+            <a:r>
+              <a:rPr lang="pl-PL" dirty="0">
                 <a:solidFill>
                   <a:schemeClr val="tx1"/>
                 </a:solidFill>
@@ -8258,221 +15294,104 @@
               <a:t>, </a:t>
             </a:r>
             <a:r>
-              <a:rPr lang="en-GB" dirty="0">
-                <a:solidFill>
-                  <a:srgbClr val="F5A800"/>
-                </a:solidFill>
-              </a:rPr>
-              <a:t>applications</a:t>
-            </a:r>
-            <a:r>
-              <a:rPr lang="en-GB" dirty="0">
-                <a:solidFill>
-                  <a:schemeClr val="tx1"/>
-                </a:solidFill>
-              </a:rPr>
-              <a:t>, </a:t>
-            </a:r>
-            <a:r>
-              <a:rPr lang="en-GB" dirty="0">
-                <a:solidFill>
-                  <a:srgbClr val="F5A800"/>
-                </a:solidFill>
-              </a:rPr>
-              <a:t>databases</a:t>
-            </a:r>
-            <a:r>
-              <a:rPr lang="en-GB" dirty="0">
-                <a:solidFill>
-                  <a:schemeClr val="tx1"/>
-                </a:solidFill>
-              </a:rPr>
-              <a:t> or </a:t>
-            </a:r>
-            <a:r>
-              <a:rPr lang="en-GB" dirty="0">
-                <a:solidFill>
-                  <a:srgbClr val="F5A800"/>
-                </a:solidFill>
-              </a:rPr>
-              <a:t>queues</a:t>
-            </a:r>
-            <a:r>
-              <a:rPr lang="en-GB" dirty="0">
+              <a:rPr lang="pl-PL" dirty="0" err="1">
+                <a:solidFill>
+                  <a:schemeClr val="tx1"/>
+                </a:solidFill>
+              </a:rPr>
+              <a:t>database</a:t>
+            </a:r>
+            <a:r>
+              <a:rPr lang="pl-PL" dirty="0">
+                <a:solidFill>
+                  <a:schemeClr val="tx1"/>
+                </a:solidFill>
+              </a:rPr>
+              <a:t> </a:t>
+            </a:r>
+            <a:r>
+              <a:rPr lang="pl-PL" dirty="0" err="1">
+                <a:solidFill>
+                  <a:schemeClr val="tx1"/>
+                </a:solidFill>
+              </a:rPr>
+              <a:t>queries</a:t>
+            </a:r>
+            <a:r>
+              <a:rPr lang="pl-PL" dirty="0">
+                <a:solidFill>
+                  <a:schemeClr val="tx1"/>
+                </a:solidFill>
+              </a:rPr>
+              <a:t> and </a:t>
+            </a:r>
+            <a:r>
+              <a:rPr lang="pl-PL" dirty="0" err="1">
+                <a:solidFill>
+                  <a:schemeClr val="tx1"/>
+                </a:solidFill>
+              </a:rPr>
+              <a:t>more</a:t>
+            </a:r>
+            <a:r>
+              <a:rPr lang="pl-PL" dirty="0">
                 <a:solidFill>
                   <a:schemeClr val="tx1"/>
                 </a:solidFill>
               </a:rPr>
               <a:t>.</a:t>
             </a:r>
-            <a:r>
-              <a:rPr lang="pl-PL" dirty="0">
-                <a:solidFill>
-                  <a:schemeClr val="tx1"/>
-                </a:solidFill>
-              </a:rPr>
-              <a:t> By </a:t>
-            </a:r>
-            <a:r>
-              <a:rPr lang="pl-PL" dirty="0" err="1">
-                <a:solidFill>
-                  <a:schemeClr val="tx1"/>
-                </a:solidFill>
-              </a:rPr>
-              <a:t>analyzing</a:t>
-            </a:r>
-            <a:r>
-              <a:rPr lang="pl-PL" dirty="0">
-                <a:solidFill>
-                  <a:schemeClr val="tx1"/>
-                </a:solidFill>
-              </a:rPr>
-              <a:t> </a:t>
-            </a:r>
-            <a:r>
-              <a:rPr lang="pl-PL" dirty="0" err="1">
-                <a:solidFill>
-                  <a:schemeClr val="tx1"/>
-                </a:solidFill>
-              </a:rPr>
-              <a:t>traces</a:t>
-            </a:r>
-            <a:r>
-              <a:rPr lang="pl-PL" dirty="0">
-                <a:solidFill>
-                  <a:schemeClr val="tx1"/>
-                </a:solidFill>
-              </a:rPr>
-              <a:t> we </a:t>
-            </a:r>
-            <a:r>
-              <a:rPr lang="pl-PL" dirty="0" err="1">
-                <a:solidFill>
-                  <a:schemeClr val="tx1"/>
-                </a:solidFill>
-              </a:rPr>
-              <a:t>can</a:t>
-            </a:r>
-            <a:r>
-              <a:rPr lang="pl-PL" dirty="0">
-                <a:solidFill>
-                  <a:schemeClr val="tx1"/>
-                </a:solidFill>
-              </a:rPr>
-              <a:t> </a:t>
-            </a:r>
-            <a:r>
-              <a:rPr lang="pl-PL" dirty="0" err="1">
-                <a:solidFill>
-                  <a:schemeClr val="tx1"/>
-                </a:solidFill>
-              </a:rPr>
-              <a:t>measure</a:t>
-            </a:r>
-            <a:r>
-              <a:rPr lang="pl-PL" dirty="0">
-                <a:solidFill>
-                  <a:schemeClr val="tx1"/>
-                </a:solidFill>
-              </a:rPr>
-              <a:t> </a:t>
-            </a:r>
-            <a:r>
-              <a:rPr lang="pl-PL" dirty="0" err="1">
-                <a:solidFill>
-                  <a:schemeClr val="tx1"/>
-                </a:solidFill>
-              </a:rPr>
-              <a:t>overall</a:t>
-            </a:r>
-            <a:r>
-              <a:rPr lang="pl-PL" dirty="0">
-                <a:solidFill>
-                  <a:schemeClr val="tx1"/>
-                </a:solidFill>
-              </a:rPr>
-              <a:t> system performance, </a:t>
-            </a:r>
-            <a:r>
-              <a:rPr lang="pl-PL" dirty="0" err="1">
-                <a:solidFill>
-                  <a:schemeClr val="tx1"/>
-                </a:solidFill>
-              </a:rPr>
-              <a:t>find</a:t>
-            </a:r>
-            <a:r>
-              <a:rPr lang="pl-PL" dirty="0">
-                <a:solidFill>
-                  <a:schemeClr val="tx1"/>
-                </a:solidFill>
-              </a:rPr>
-              <a:t> </a:t>
-            </a:r>
-            <a:r>
-              <a:rPr lang="pl-PL" dirty="0" err="1">
-                <a:solidFill>
-                  <a:schemeClr val="tx1"/>
-                </a:solidFill>
-              </a:rPr>
-              <a:t>bottlenecks</a:t>
-            </a:r>
-            <a:r>
-              <a:rPr lang="pl-PL" dirty="0">
-                <a:solidFill>
-                  <a:schemeClr val="tx1"/>
-                </a:solidFill>
-              </a:rPr>
-              <a:t> </a:t>
-            </a:r>
-            <a:r>
-              <a:rPr lang="pl-PL" dirty="0" err="1">
-                <a:solidFill>
-                  <a:schemeClr val="tx1"/>
-                </a:solidFill>
-              </a:rPr>
-              <a:t>andprotitize</a:t>
-            </a:r>
-            <a:r>
-              <a:rPr lang="pl-PL" dirty="0">
-                <a:solidFill>
-                  <a:schemeClr val="tx1"/>
-                </a:solidFill>
-              </a:rPr>
-              <a:t> </a:t>
-            </a:r>
-            <a:r>
-              <a:rPr lang="pl-PL" dirty="0" err="1">
-                <a:solidFill>
-                  <a:schemeClr val="tx1"/>
-                </a:solidFill>
-              </a:rPr>
-              <a:t>ares</a:t>
-            </a:r>
-            <a:r>
-              <a:rPr lang="pl-PL" dirty="0">
-                <a:solidFill>
-                  <a:schemeClr val="tx1"/>
-                </a:solidFill>
-              </a:rPr>
-              <a:t> for </a:t>
-            </a:r>
-            <a:r>
-              <a:rPr lang="pl-PL" dirty="0" err="1">
-                <a:solidFill>
-                  <a:schemeClr val="tx1"/>
-                </a:solidFill>
-              </a:rPr>
-              <a:t>optimizations</a:t>
-            </a:r>
-            <a:r>
-              <a:rPr lang="pl-PL" dirty="0">
-                <a:solidFill>
-                  <a:schemeClr val="tx1"/>
-                </a:solidFill>
-              </a:rPr>
-              <a:t>.</a:t>
-            </a:r>
+          </a:p>
+        </p:txBody>
+      </p:sp>
+      <p:sp>
+        <p:nvSpPr>
+          <p:cNvPr id="4" name="Prostokąt 3">
+            <a:extLst>
+              <a:ext uri="{FF2B5EF4-FFF2-40B4-BE49-F238E27FC236}">
+                <a16:creationId xmlns:a16="http://schemas.microsoft.com/office/drawing/2014/main" id="{8E1A7B8B-A98F-4B09-BBDB-F923D9D7AD21}"/>
+              </a:ext>
+            </a:extLst>
+          </p:cNvPr>
+          <p:cNvSpPr/>
+          <p:nvPr/>
+        </p:nvSpPr>
+        <p:spPr>
+          <a:xfrm>
+            <a:off x="10531138" y="6466361"/>
+            <a:ext cx="1558825" cy="369332"/>
+          </a:xfrm>
+          <a:prstGeom prst="rect">
+            <a:avLst/>
+          </a:prstGeom>
+        </p:spPr>
+        <p:txBody>
+          <a:bodyPr wrap="none">
+            <a:spAutoFit/>
+          </a:bodyPr>
+          <a:lstStyle/>
+          <a:p>
+            <a:r>
+              <a:rPr lang="pl-PL" dirty="0">
+                <a:solidFill>
+                  <a:schemeClr val="bg1"/>
+                </a:solidFill>
+              </a:rPr>
+              <a:t>@</a:t>
+            </a:r>
+            <a:r>
+              <a:rPr lang="pl-PL" dirty="0" err="1">
+                <a:solidFill>
+                  <a:schemeClr val="bg1"/>
+                </a:solidFill>
+              </a:rPr>
+              <a:t>lukaszpyrzyk</a:t>
+            </a:r>
+            <a:endParaRPr lang="en-GB" dirty="0">
+              <a:solidFill>
+                <a:schemeClr val="bg1"/>
+              </a:solidFill>
+            </a:endParaRPr>
           </a:p>
         </p:txBody>
       </p:sp>
@@ -8506,736 +15425,116 @@
           <a:chExt cx="0" cy="0"/>
         </a:xfrm>
       </p:grpSpPr>
-      <p:sp>
-        <p:nvSpPr>
-          <p:cNvPr id="2" name="Tytuł 1">
+      <p:pic>
+        <p:nvPicPr>
+          <p:cNvPr id="4098" name="Picture 2" descr="Introduction to Distributed Tracing | Epsagon">
             <a:extLst>
               <a:ext uri="{FF2B5EF4-FFF2-40B4-BE49-F238E27FC236}">
-                <a16:creationId xmlns:a16="http://schemas.microsoft.com/office/drawing/2014/main" id="{10A5ACF3-CAE3-4559-9B15-9B142550400A}"/>
+                <a16:creationId xmlns:a16="http://schemas.microsoft.com/office/drawing/2014/main" id="{51656D7D-071C-4CB1-BB49-B8D87F143374}"/>
               </a:ext>
             </a:extLst>
           </p:cNvPr>
-          <p:cNvSpPr>
-            <a:spLocks noGrp="1"/>
-          </p:cNvSpPr>
-          <p:nvPr>
-            <p:ph type="title"/>
-          </p:nvPr>
-        </p:nvSpPr>
-        <p:spPr/>
-        <p:txBody>
-          <a:bodyPr/>
-          <a:lstStyle/>
-          <a:p>
-            <a:r>
-              <a:rPr lang="en-GB" dirty="0"/>
-              <a:t>Pillars</a:t>
-            </a:r>
-            <a:r>
-              <a:rPr lang="pl-PL" dirty="0"/>
-              <a:t> of system </a:t>
-            </a:r>
-            <a:r>
-              <a:rPr lang="pl-PL" dirty="0" err="1">
-                <a:solidFill>
-                  <a:srgbClr val="425CC7"/>
-                </a:solidFill>
-              </a:rPr>
-              <a:t>observability</a:t>
-            </a:r>
-            <a:endParaRPr lang="en-GB" dirty="0">
-              <a:solidFill>
-                <a:srgbClr val="425CC7"/>
-              </a:solidFill>
-            </a:endParaRPr>
-          </a:p>
-        </p:txBody>
-      </p:sp>
+          <p:cNvPicPr>
+            <a:picLocks noChangeAspect="1" noChangeArrowheads="1"/>
+          </p:cNvPicPr>
+          <p:nvPr/>
+        </p:nvPicPr>
+        <p:blipFill>
+          <a:blip r:embed="rId2">
+            <a:extLst>
+              <a:ext uri="{28A0092B-C50C-407E-A947-70E740481C1C}">
+                <a14:useLocalDpi xmlns:a14="http://schemas.microsoft.com/office/drawing/2010/main" val="0"/>
+              </a:ext>
+            </a:extLst>
+          </a:blip>
+          <a:srcRect/>
+          <a:stretch>
+            <a:fillRect/>
+          </a:stretch>
+        </p:blipFill>
+        <p:spPr bwMode="auto">
+          <a:xfrm>
+            <a:off x="366712" y="67472"/>
+            <a:ext cx="11096625" cy="6233117"/>
+          </a:xfrm>
+          <a:prstGeom prst="snip2DiagRect">
+            <a:avLst/>
+          </a:prstGeom>
+          <a:solidFill>
+            <a:srgbClr val="FFFFFF">
+              <a:shade val="85000"/>
+            </a:srgbClr>
+          </a:solidFill>
+          <a:ln w="88900" cap="sq">
+            <a:solidFill>
+              <a:srgbClr val="FFFFFF"/>
+            </a:solidFill>
+            <a:miter lim="800000"/>
+          </a:ln>
+          <a:effectLst>
+            <a:outerShdw blurRad="88900" algn="tl" rotWithShape="0">
+              <a:srgbClr val="000000">
+                <a:alpha val="45000"/>
+              </a:srgbClr>
+            </a:outerShdw>
+          </a:effectLst>
+          <a:scene3d>
+            <a:camera prst="orthographicFront"/>
+            <a:lightRig rig="twoPt" dir="t">
+              <a:rot lat="0" lon="0" rev="7200000"/>
+            </a:lightRig>
+          </a:scene3d>
+          <a:sp3d>
+            <a:bevelT w="25400" h="19050"/>
+            <a:contourClr>
+              <a:srgbClr val="FFFFFF"/>
+            </a:contourClr>
+          </a:sp3d>
+          <a:extLst/>
+        </p:spPr>
+      </p:pic>
       <p:sp>
         <p:nvSpPr>
-          <p:cNvPr id="3" name="Symbol zastępczy zawartości 2">
+          <p:cNvPr id="2" name="Prostokąt 1">
             <a:extLst>
               <a:ext uri="{FF2B5EF4-FFF2-40B4-BE49-F238E27FC236}">
-                <a16:creationId xmlns:a16="http://schemas.microsoft.com/office/drawing/2014/main" id="{7D75D931-3DF1-4DB8-8145-B0B3726F6ECC}"/>
+                <a16:creationId xmlns:a16="http://schemas.microsoft.com/office/drawing/2014/main" id="{C3FA5BBC-16E7-4E56-B05C-9572D3F22831}"/>
               </a:ext>
             </a:extLst>
           </p:cNvPr>
-          <p:cNvSpPr>
-            <a:spLocks noGrp="1"/>
-          </p:cNvSpPr>
-          <p:nvPr>
-            <p:ph idx="1"/>
-          </p:nvPr>
+          <p:cNvSpPr/>
+          <p:nvPr/>
         </p:nvSpPr>
-        <p:spPr/>
+        <p:spPr>
+          <a:xfrm>
+            <a:off x="728662" y="6440246"/>
+            <a:ext cx="10734675" cy="369332"/>
+          </a:xfrm>
+          <a:prstGeom prst="rect">
+            <a:avLst/>
+          </a:prstGeom>
+        </p:spPr>
         <p:txBody>
-          <a:bodyPr>
-            <a:normAutofit/>
+          <a:bodyPr wrap="square">
+            <a:spAutoFit/>
           </a:bodyPr>
           <a:lstStyle/>
           <a:p>
-            <a:pPr algn="just"/>
-            <a:r>
-              <a:rPr lang="pl-PL" dirty="0" err="1">
-                <a:solidFill>
-                  <a:srgbClr val="425CC7"/>
-                </a:solidFill>
-              </a:rPr>
-              <a:t>Logs</a:t>
-            </a:r>
-            <a:r>
-              <a:rPr lang="pl-PL" dirty="0">
-                <a:solidFill>
-                  <a:srgbClr val="425CC7"/>
-                </a:solidFill>
-              </a:rPr>
-              <a:t>, </a:t>
-            </a:r>
-            <a:r>
-              <a:rPr lang="pl-PL" dirty="0" err="1">
-                <a:solidFill>
-                  <a:srgbClr val="425CC7"/>
-                </a:solidFill>
-              </a:rPr>
-              <a:t>metrics</a:t>
-            </a:r>
-            <a:r>
-              <a:rPr lang="pl-PL" dirty="0">
-                <a:solidFill>
-                  <a:srgbClr val="425CC7"/>
-                </a:solidFill>
-              </a:rPr>
-              <a:t> and </a:t>
-            </a:r>
-            <a:r>
-              <a:rPr lang="pl-PL" dirty="0" err="1">
-                <a:solidFill>
-                  <a:srgbClr val="425CC7"/>
-                </a:solidFill>
-              </a:rPr>
-              <a:t>traces</a:t>
-            </a:r>
-            <a:r>
-              <a:rPr lang="pl-PL" dirty="0">
-                <a:solidFill>
-                  <a:srgbClr val="425CC7"/>
-                </a:solidFill>
-              </a:rPr>
-              <a:t> </a:t>
-            </a:r>
-            <a:r>
-              <a:rPr lang="pl-PL" dirty="0" err="1">
-                <a:solidFill>
-                  <a:schemeClr val="tx2"/>
-                </a:solidFill>
-              </a:rPr>
-              <a:t>serve</a:t>
-            </a:r>
-            <a:r>
-              <a:rPr lang="pl-PL" dirty="0">
-                <a:solidFill>
-                  <a:schemeClr val="tx2"/>
-                </a:solidFill>
-              </a:rPr>
-              <a:t> </a:t>
-            </a:r>
-            <a:r>
-              <a:rPr lang="pl-PL" dirty="0" err="1">
-                <a:solidFill>
-                  <a:schemeClr val="tx2"/>
-                </a:solidFill>
-              </a:rPr>
-              <a:t>their</a:t>
-            </a:r>
-            <a:r>
-              <a:rPr lang="pl-PL" dirty="0">
-                <a:solidFill>
-                  <a:schemeClr val="tx2"/>
-                </a:solidFill>
-              </a:rPr>
-              <a:t> </a:t>
-            </a:r>
-            <a:r>
-              <a:rPr lang="pl-PL" dirty="0" err="1">
-                <a:solidFill>
-                  <a:schemeClr val="tx2"/>
-                </a:solidFill>
-              </a:rPr>
-              <a:t>own</a:t>
-            </a:r>
-            <a:r>
-              <a:rPr lang="pl-PL" dirty="0">
-                <a:solidFill>
-                  <a:schemeClr val="tx2"/>
-                </a:solidFill>
-              </a:rPr>
-              <a:t> </a:t>
-            </a:r>
-            <a:r>
-              <a:rPr lang="pl-PL" dirty="0" err="1">
-                <a:solidFill>
-                  <a:schemeClr val="tx2"/>
-                </a:solidFill>
-              </a:rPr>
-              <a:t>unique</a:t>
-            </a:r>
-            <a:r>
-              <a:rPr lang="pl-PL" dirty="0">
-                <a:solidFill>
-                  <a:schemeClr val="tx2"/>
-                </a:solidFill>
-              </a:rPr>
-              <a:t> </a:t>
-            </a:r>
-            <a:r>
-              <a:rPr lang="pl-PL" dirty="0" err="1">
-                <a:solidFill>
-                  <a:schemeClr val="tx2"/>
-                </a:solidFill>
-              </a:rPr>
-              <a:t>purpose</a:t>
-            </a:r>
-            <a:r>
-              <a:rPr lang="pl-PL" dirty="0">
-                <a:solidFill>
-                  <a:schemeClr val="tx2"/>
-                </a:solidFill>
-              </a:rPr>
-              <a:t>, </a:t>
-            </a:r>
-            <a:r>
-              <a:rPr lang="pl-PL" dirty="0" err="1">
-                <a:solidFill>
-                  <a:schemeClr val="tx2"/>
-                </a:solidFill>
-              </a:rPr>
-              <a:t>however</a:t>
-            </a:r>
-            <a:r>
-              <a:rPr lang="pl-PL" dirty="0">
-                <a:solidFill>
-                  <a:schemeClr val="tx2"/>
-                </a:solidFill>
-              </a:rPr>
-              <a:t> </a:t>
-            </a:r>
-            <a:r>
-              <a:rPr lang="pl-PL" dirty="0" err="1">
-                <a:solidFill>
-                  <a:schemeClr val="tx2"/>
-                </a:solidFill>
-              </a:rPr>
-              <a:t>together</a:t>
-            </a:r>
-            <a:r>
-              <a:rPr lang="pl-PL" dirty="0">
-                <a:solidFill>
-                  <a:schemeClr val="tx2"/>
-                </a:solidFill>
-              </a:rPr>
-              <a:t> </a:t>
-            </a:r>
-            <a:r>
-              <a:rPr lang="pl-PL" dirty="0" err="1">
-                <a:solidFill>
-                  <a:schemeClr val="tx2"/>
-                </a:solidFill>
-              </a:rPr>
-              <a:t>they</a:t>
-            </a:r>
-            <a:r>
-              <a:rPr lang="pl-PL" dirty="0">
-                <a:solidFill>
-                  <a:schemeClr val="tx2"/>
-                </a:solidFill>
-              </a:rPr>
-              <a:t> </a:t>
-            </a:r>
-            <a:r>
-              <a:rPr lang="pl-PL" dirty="0" err="1">
-                <a:solidFill>
-                  <a:schemeClr val="tx2"/>
-                </a:solidFill>
-              </a:rPr>
-              <a:t>help</a:t>
-            </a:r>
-            <a:r>
-              <a:rPr lang="pl-PL" dirty="0">
-                <a:solidFill>
-                  <a:schemeClr val="tx2"/>
-                </a:solidFill>
-              </a:rPr>
-              <a:t> to </a:t>
-            </a:r>
-            <a:r>
-              <a:rPr lang="pl-PL" dirty="0" err="1">
-                <a:solidFill>
-                  <a:schemeClr val="tx2"/>
-                </a:solidFill>
-              </a:rPr>
-              <a:t>build</a:t>
-            </a:r>
-            <a:r>
-              <a:rPr lang="pl-PL" dirty="0">
-                <a:solidFill>
-                  <a:schemeClr val="tx2"/>
-                </a:solidFill>
-              </a:rPr>
-              <a:t> and </a:t>
-            </a:r>
-            <a:r>
-              <a:rPr lang="pl-PL" dirty="0" err="1">
-                <a:solidFill>
-                  <a:schemeClr val="tx2"/>
-                </a:solidFill>
-              </a:rPr>
-              <a:t>maintain</a:t>
-            </a:r>
-            <a:r>
-              <a:rPr lang="pl-PL" dirty="0">
-                <a:solidFill>
-                  <a:schemeClr val="tx2"/>
-                </a:solidFill>
-              </a:rPr>
-              <a:t> </a:t>
-            </a:r>
-            <a:r>
-              <a:rPr lang="pl-PL" dirty="0" err="1">
-                <a:solidFill>
-                  <a:schemeClr val="tx2"/>
-                </a:solidFill>
-              </a:rPr>
-              <a:t>reliable</a:t>
-            </a:r>
-            <a:r>
-              <a:rPr lang="pl-PL" dirty="0">
-                <a:solidFill>
-                  <a:schemeClr val="tx2"/>
-                </a:solidFill>
-              </a:rPr>
-              <a:t> </a:t>
-            </a:r>
-            <a:r>
-              <a:rPr lang="pl-PL" dirty="0" err="1">
-                <a:solidFill>
-                  <a:schemeClr val="tx2"/>
-                </a:solidFill>
-              </a:rPr>
-              <a:t>applications</a:t>
-            </a:r>
-            <a:r>
-              <a:rPr lang="pl-PL" dirty="0">
-                <a:solidFill>
-                  <a:schemeClr val="tx2"/>
-                </a:solidFill>
-              </a:rPr>
-              <a:t> and </a:t>
-            </a:r>
-            <a:r>
-              <a:rPr lang="pl-PL" dirty="0" err="1">
-                <a:solidFill>
-                  <a:schemeClr val="tx2"/>
-                </a:solidFill>
-              </a:rPr>
-              <a:t>systems</a:t>
-            </a:r>
-            <a:r>
-              <a:rPr lang="pl-PL" dirty="0">
-                <a:solidFill>
-                  <a:schemeClr val="tx2"/>
-                </a:solidFill>
-              </a:rPr>
-              <a:t>.</a:t>
-            </a:r>
-          </a:p>
-          <a:p>
-            <a:pPr algn="just"/>
-            <a:endParaRPr lang="pl-PL" dirty="0">
-              <a:solidFill>
-                <a:schemeClr val="tx2"/>
-              </a:solidFill>
-            </a:endParaRPr>
-          </a:p>
-          <a:p>
-            <a:pPr algn="just"/>
-            <a:r>
-              <a:rPr lang="pl-PL" dirty="0" err="1">
-                <a:solidFill>
-                  <a:schemeClr val="tx2"/>
-                </a:solidFill>
-              </a:rPr>
-              <a:t>They</a:t>
-            </a:r>
-            <a:r>
-              <a:rPr lang="pl-PL" dirty="0">
-                <a:solidFill>
-                  <a:schemeClr val="tx2"/>
-                </a:solidFill>
-              </a:rPr>
-              <a:t> </a:t>
-            </a:r>
-            <a:r>
-              <a:rPr lang="pl-PL" dirty="0" err="1">
-                <a:solidFill>
-                  <a:schemeClr val="tx2"/>
-                </a:solidFill>
-              </a:rPr>
-              <a:t>all</a:t>
-            </a:r>
-            <a:r>
-              <a:rPr lang="pl-PL" dirty="0">
-                <a:solidFill>
-                  <a:schemeClr val="tx2"/>
-                </a:solidFill>
-              </a:rPr>
-              <a:t> </a:t>
-            </a:r>
-            <a:r>
-              <a:rPr lang="pl-PL" dirty="0" err="1">
-                <a:solidFill>
-                  <a:schemeClr val="tx2"/>
-                </a:solidFill>
-              </a:rPr>
-              <a:t>work</a:t>
-            </a:r>
-            <a:r>
-              <a:rPr lang="pl-PL" dirty="0">
-                <a:solidFill>
-                  <a:schemeClr val="tx2"/>
-                </a:solidFill>
-              </a:rPr>
-              <a:t> </a:t>
-            </a:r>
-            <a:r>
-              <a:rPr lang="pl-PL" dirty="0" err="1">
-                <a:solidFill>
-                  <a:schemeClr val="tx2"/>
-                </a:solidFill>
-              </a:rPr>
-              <a:t>together</a:t>
-            </a:r>
-            <a:r>
-              <a:rPr lang="pl-PL" dirty="0">
-                <a:solidFill>
-                  <a:schemeClr val="tx2"/>
-                </a:solidFill>
-              </a:rPr>
-              <a:t> to </a:t>
-            </a:r>
-            <a:r>
-              <a:rPr lang="pl-PL" dirty="0" err="1">
-                <a:solidFill>
-                  <a:schemeClr val="tx2"/>
-                </a:solidFill>
-              </a:rPr>
-              <a:t>help</a:t>
-            </a:r>
-            <a:r>
-              <a:rPr lang="pl-PL" dirty="0">
-                <a:solidFill>
-                  <a:schemeClr val="tx2"/>
-                </a:solidFill>
-              </a:rPr>
-              <a:t> </a:t>
-            </a:r>
-            <a:r>
-              <a:rPr lang="pl-PL" dirty="0" err="1">
-                <a:solidFill>
-                  <a:schemeClr val="tx2"/>
-                </a:solidFill>
-              </a:rPr>
-              <a:t>us</a:t>
-            </a:r>
-            <a:r>
-              <a:rPr lang="pl-PL" dirty="0">
-                <a:solidFill>
-                  <a:schemeClr val="tx2"/>
-                </a:solidFill>
-              </a:rPr>
-              <a:t> </a:t>
-            </a:r>
-            <a:r>
-              <a:rPr lang="pl-PL" dirty="0" err="1">
-                <a:solidFill>
-                  <a:schemeClr val="tx2"/>
-                </a:solidFill>
-              </a:rPr>
-              <a:t>understand</a:t>
-            </a:r>
-            <a:r>
-              <a:rPr lang="pl-PL" dirty="0">
-                <a:solidFill>
-                  <a:schemeClr val="tx2"/>
-                </a:solidFill>
-              </a:rPr>
-              <a:t> </a:t>
-            </a:r>
-            <a:r>
-              <a:rPr lang="pl-PL" dirty="0" err="1">
-                <a:solidFill>
-                  <a:schemeClr val="tx2"/>
-                </a:solidFill>
-              </a:rPr>
-              <a:t>overall</a:t>
-            </a:r>
-            <a:r>
-              <a:rPr lang="pl-PL" dirty="0">
-                <a:solidFill>
-                  <a:schemeClr val="tx2"/>
-                </a:solidFill>
-              </a:rPr>
-              <a:t> performance of the </a:t>
-            </a:r>
-            <a:r>
-              <a:rPr lang="pl-PL" dirty="0" err="1">
-                <a:solidFill>
-                  <a:schemeClr val="tx2"/>
-                </a:solidFill>
-              </a:rPr>
-              <a:t>app</a:t>
-            </a:r>
-            <a:r>
-              <a:rPr lang="pl-PL" dirty="0">
-                <a:solidFill>
-                  <a:schemeClr val="tx2"/>
-                </a:solidFill>
-              </a:rPr>
-              <a:t>, monitor </a:t>
-            </a:r>
-            <a:r>
-              <a:rPr lang="pl-PL" dirty="0" err="1">
-                <a:solidFill>
-                  <a:schemeClr val="tx2"/>
-                </a:solidFill>
-              </a:rPr>
-              <a:t>flows</a:t>
-            </a:r>
-            <a:r>
-              <a:rPr lang="pl-PL" dirty="0">
-                <a:solidFill>
-                  <a:schemeClr val="tx2"/>
-                </a:solidFill>
-              </a:rPr>
-              <a:t> and </a:t>
-            </a:r>
-            <a:r>
-              <a:rPr lang="pl-PL" dirty="0" err="1">
-                <a:solidFill>
-                  <a:schemeClr val="tx2"/>
-                </a:solidFill>
-              </a:rPr>
-              <a:t>behaviours</a:t>
-            </a:r>
-            <a:r>
-              <a:rPr lang="pl-PL" dirty="0">
-                <a:solidFill>
-                  <a:schemeClr val="tx2"/>
-                </a:solidFill>
-              </a:rPr>
-              <a:t> in the </a:t>
-            </a:r>
-            <a:r>
-              <a:rPr lang="pl-PL" dirty="0" err="1">
-                <a:solidFill>
-                  <a:schemeClr val="tx2"/>
-                </a:solidFill>
-              </a:rPr>
-              <a:t>distributed</a:t>
-            </a:r>
-            <a:r>
-              <a:rPr lang="pl-PL" dirty="0">
-                <a:solidFill>
-                  <a:schemeClr val="tx2"/>
-                </a:solidFill>
-              </a:rPr>
-              <a:t> </a:t>
-            </a:r>
-            <a:r>
-              <a:rPr lang="pl-PL" dirty="0" err="1">
-                <a:solidFill>
-                  <a:schemeClr val="tx2"/>
-                </a:solidFill>
-              </a:rPr>
-              <a:t>systems</a:t>
-            </a:r>
-            <a:r>
-              <a:rPr lang="pl-PL" dirty="0">
-                <a:solidFill>
-                  <a:schemeClr val="tx2"/>
-                </a:solidFill>
-              </a:rPr>
-              <a:t>.</a:t>
-            </a:r>
-          </a:p>
-          <a:p>
-            <a:pPr algn="just"/>
-            <a:endParaRPr lang="pl-PL" dirty="0">
-              <a:solidFill>
-                <a:schemeClr val="tx2"/>
-              </a:solidFill>
-            </a:endParaRPr>
-          </a:p>
-          <a:p>
-            <a:pPr algn="just"/>
-            <a:r>
-              <a:rPr lang="pl-PL" dirty="0" err="1">
-                <a:solidFill>
-                  <a:schemeClr val="tx2"/>
-                </a:solidFill>
-              </a:rPr>
-              <a:t>Because</a:t>
-            </a:r>
-            <a:r>
-              <a:rPr lang="pl-PL" dirty="0">
-                <a:solidFill>
-                  <a:schemeClr val="tx2"/>
-                </a:solidFill>
-              </a:rPr>
-              <a:t> of </a:t>
-            </a:r>
-            <a:r>
-              <a:rPr lang="pl-PL" dirty="0" err="1">
-                <a:solidFill>
-                  <a:schemeClr val="tx2"/>
-                </a:solidFill>
-              </a:rPr>
-              <a:t>that</a:t>
-            </a:r>
-            <a:r>
-              <a:rPr lang="pl-PL" dirty="0">
-                <a:solidFill>
-                  <a:schemeClr val="tx2"/>
-                </a:solidFill>
-              </a:rPr>
-              <a:t>, </a:t>
-            </a:r>
-            <a:r>
-              <a:rPr lang="pl-PL" dirty="0" err="1">
-                <a:solidFill>
-                  <a:schemeClr val="tx2"/>
-                </a:solidFill>
-              </a:rPr>
-              <a:t>they</a:t>
-            </a:r>
-            <a:r>
-              <a:rPr lang="pl-PL" dirty="0">
-                <a:solidFill>
-                  <a:schemeClr val="tx2"/>
-                </a:solidFill>
-              </a:rPr>
-              <a:t> </a:t>
-            </a:r>
-            <a:r>
-              <a:rPr lang="pl-PL" dirty="0" err="1">
-                <a:solidFill>
-                  <a:schemeClr val="tx2"/>
-                </a:solidFill>
-              </a:rPr>
-              <a:t>are</a:t>
-            </a:r>
-            <a:r>
-              <a:rPr lang="pl-PL" dirty="0">
-                <a:solidFill>
-                  <a:schemeClr val="tx2"/>
-                </a:solidFill>
-              </a:rPr>
-              <a:t> </a:t>
-            </a:r>
-            <a:r>
-              <a:rPr lang="pl-PL" dirty="0" err="1">
-                <a:solidFill>
-                  <a:schemeClr val="tx2"/>
-                </a:solidFill>
-              </a:rPr>
-              <a:t>perfectly</a:t>
-            </a:r>
-            <a:r>
-              <a:rPr lang="pl-PL" dirty="0">
-                <a:solidFill>
-                  <a:schemeClr val="tx2"/>
-                </a:solidFill>
-              </a:rPr>
-              <a:t> </a:t>
-            </a:r>
-            <a:r>
-              <a:rPr lang="pl-PL" dirty="0" err="1">
-                <a:solidFill>
-                  <a:schemeClr val="tx2"/>
-                </a:solidFill>
-              </a:rPr>
-              <a:t>suited</a:t>
-            </a:r>
-            <a:r>
-              <a:rPr lang="pl-PL" dirty="0">
-                <a:solidFill>
-                  <a:schemeClr val="tx2"/>
-                </a:solidFill>
-              </a:rPr>
-              <a:t> for </a:t>
-            </a:r>
-            <a:r>
-              <a:rPr lang="pl-PL" dirty="0" err="1">
-                <a:solidFill>
-                  <a:schemeClr val="tx2"/>
-                </a:solidFill>
-              </a:rPr>
-              <a:t>application</a:t>
-            </a:r>
-            <a:r>
-              <a:rPr lang="pl-PL" dirty="0">
-                <a:solidFill>
-                  <a:schemeClr val="tx2"/>
-                </a:solidFill>
-              </a:rPr>
-              <a:t> </a:t>
-            </a:r>
-            <a:r>
-              <a:rPr lang="pl-PL" dirty="0" err="1">
-                <a:solidFill>
-                  <a:schemeClr val="tx2"/>
-                </a:solidFill>
-              </a:rPr>
-              <a:t>based</a:t>
-            </a:r>
-            <a:r>
-              <a:rPr lang="pl-PL" dirty="0">
-                <a:solidFill>
-                  <a:schemeClr val="tx2"/>
-                </a:solidFill>
-              </a:rPr>
-              <a:t> on </a:t>
-            </a:r>
-            <a:r>
-              <a:rPr lang="pl-PL" dirty="0" err="1">
-                <a:solidFill>
-                  <a:schemeClr val="tx2"/>
-                </a:solidFill>
-              </a:rPr>
-              <a:t>microservice</a:t>
-            </a:r>
-            <a:r>
-              <a:rPr lang="pl-PL" dirty="0">
-                <a:solidFill>
-                  <a:schemeClr val="tx2"/>
-                </a:solidFill>
-              </a:rPr>
-              <a:t> </a:t>
+            <a:r>
+              <a:rPr lang="pl-PL" dirty="0">
+                <a:solidFill>
+                  <a:schemeClr val="bg1"/>
+                </a:solidFill>
+              </a:rPr>
+              <a:t>Source :</a:t>
             </a:r>
             <a:r>
               <a:rPr lang="en-GB" dirty="0">
                 <a:solidFill>
-                  <a:schemeClr val="tx2"/>
-                </a:solidFill>
-              </a:rPr>
-              <a:t>However, not forgetting that even a single monolith can benefit from implementing such analytics.</a:t>
-            </a:r>
-            <a:r>
-              <a:rPr lang="pl-PL" dirty="0">
-                <a:solidFill>
-                  <a:schemeClr val="tx2"/>
-                </a:solidFill>
-              </a:rPr>
-              <a:t>s.</a:t>
+                  <a:schemeClr val="bg1"/>
+                </a:solidFill>
+              </a:rPr>
+              <a:t>https://www2.fastly.com/blog/how-adobe-improves-performances-and-mttr-using-epsagon-and-fastly</a:t>
             </a:r>
           </a:p>
         </p:txBody>
@@ -9243,7 +15542,7 @@
     </p:spTree>
     <p:extLst>
       <p:ext uri="{BB962C8B-B14F-4D97-AF65-F5344CB8AC3E}">
-        <p14:creationId xmlns:p14="http://schemas.microsoft.com/office/powerpoint/2010/main" val="1813077107"/>
+        <p14:creationId xmlns:p14="http://schemas.microsoft.com/office/powerpoint/2010/main" val="2665968061"/>
       </p:ext>
     </p:extLst>
   </p:cSld>

--- a/OpenTelemetry.pptx
+++ b/OpenTelemetry.pptx
@@ -25,10 +25,10 @@
     <p:sldId id="283" r:id="rId19"/>
     <p:sldId id="284" r:id="rId20"/>
     <p:sldId id="264" r:id="rId21"/>
-    <p:sldId id="263" r:id="rId22"/>
-    <p:sldId id="288" r:id="rId23"/>
-    <p:sldId id="289" r:id="rId24"/>
-    <p:sldId id="290" r:id="rId25"/>
+    <p:sldId id="288" r:id="rId22"/>
+    <p:sldId id="289" r:id="rId23"/>
+    <p:sldId id="290" r:id="rId24"/>
+    <p:sldId id="263" r:id="rId25"/>
     <p:sldId id="286" r:id="rId26"/>
     <p:sldId id="267" r:id="rId27"/>
   </p:sldIdLst>
@@ -9413,108 +9413,164 @@
           <a:chExt cx="0" cy="0"/>
         </a:xfrm>
       </p:grpSpPr>
-      <p:pic>
-        <p:nvPicPr>
-          <p:cNvPr id="2050" name="Picture 2" descr="quote-talk-is-cheap-show-me-the-code-linus-torvalds-45-66-13 ...">
+      <p:sp>
+        <p:nvSpPr>
+          <p:cNvPr id="2" name="Tytuł 1">
             <a:extLst>
               <a:ext uri="{FF2B5EF4-FFF2-40B4-BE49-F238E27FC236}">
-                <a16:creationId xmlns:a16="http://schemas.microsoft.com/office/drawing/2014/main" id="{482BC03B-C30A-4125-9FA6-230B5682511F}"/>
+                <a16:creationId xmlns:a16="http://schemas.microsoft.com/office/drawing/2014/main" id="{DBCF61BD-95D2-4195-92AB-D5FBFA5899FE}"/>
               </a:ext>
             </a:extLst>
           </p:cNvPr>
-          <p:cNvPicPr>
-            <a:picLocks noChangeAspect="1" noChangeArrowheads="1"/>
-          </p:cNvPicPr>
-          <p:nvPr/>
-        </p:nvPicPr>
-        <p:blipFill>
-          <a:blip r:embed="rId2">
-            <a:extLst>
-              <a:ext uri="{28A0092B-C50C-407E-A947-70E740481C1C}">
-                <a14:useLocalDpi xmlns:a14="http://schemas.microsoft.com/office/drawing/2010/main" val="0"/>
-              </a:ext>
-            </a:extLst>
-          </a:blip>
-          <a:srcRect/>
-          <a:stretch>
-            <a:fillRect/>
-          </a:stretch>
-        </p:blipFill>
-        <p:spPr bwMode="auto">
-          <a:xfrm>
-            <a:off x="-292645" y="618520"/>
-            <a:ext cx="13045248" cy="5451275"/>
-          </a:xfrm>
-          <a:prstGeom prst="rect">
-            <a:avLst/>
-          </a:prstGeom>
-          <a:noFill/>
-          <a:extLst>
-            <a:ext uri="{909E8E84-426E-40DD-AFC4-6F175D3DCCD1}">
-              <a14:hiddenFill xmlns:a14="http://schemas.microsoft.com/office/drawing/2010/main">
-                <a:solidFill>
-                  <a:srgbClr val="FFFFFF"/>
-                </a:solidFill>
-              </a14:hiddenFill>
-            </a:ext>
-          </a:extLst>
-        </p:spPr>
-      </p:pic>
+          <p:cNvSpPr>
+            <a:spLocks noGrp="1"/>
+          </p:cNvSpPr>
+          <p:nvPr>
+            <p:ph type="title"/>
+          </p:nvPr>
+        </p:nvSpPr>
+        <p:spPr/>
+        <p:txBody>
+          <a:bodyPr/>
+          <a:lstStyle/>
+          <a:p>
+            <a:r>
+              <a:rPr lang="pl-PL" dirty="0" err="1"/>
+              <a:t>About</a:t>
+            </a:r>
+            <a:r>
+              <a:rPr lang="pl-PL" dirty="0"/>
+              <a:t> the demo</a:t>
+            </a:r>
+            <a:endParaRPr lang="en-GB" dirty="0"/>
+          </a:p>
+        </p:txBody>
+      </p:sp>
       <p:sp>
         <p:nvSpPr>
-          <p:cNvPr id="3" name="Prostokąt 2">
+          <p:cNvPr id="3" name="Symbol zastępczy zawartości 2">
             <a:extLst>
               <a:ext uri="{FF2B5EF4-FFF2-40B4-BE49-F238E27FC236}">
-                <a16:creationId xmlns:a16="http://schemas.microsoft.com/office/drawing/2014/main" id="{1FB528ED-4C38-45BE-8D3C-417BECF00CAF}"/>
+                <a16:creationId xmlns:a16="http://schemas.microsoft.com/office/drawing/2014/main" id="{AD3FCEB9-56AF-4295-BC72-2CC224C9BB38}"/>
               </a:ext>
             </a:extLst>
           </p:cNvPr>
-          <p:cNvSpPr/>
-          <p:nvPr/>
+          <p:cNvSpPr>
+            <a:spLocks noGrp="1"/>
+          </p:cNvSpPr>
+          <p:nvPr>
+            <p:ph idx="1"/>
+          </p:nvPr>
         </p:nvSpPr>
-        <p:spPr>
-          <a:xfrm>
-            <a:off x="10531138" y="6466361"/>
-            <a:ext cx="1558825" cy="369332"/>
-          </a:xfrm>
-          <a:prstGeom prst="rect">
-            <a:avLst/>
-          </a:prstGeom>
-        </p:spPr>
+        <p:spPr/>
         <p:txBody>
-          <a:bodyPr wrap="none">
-            <a:spAutoFit/>
-          </a:bodyPr>
+          <a:bodyPr/>
           <a:lstStyle/>
           <a:p>
-            <a:r>
-              <a:rPr lang="pl-PL" dirty="0">
-                <a:solidFill>
-                  <a:schemeClr val="bg1"/>
-                </a:solidFill>
-              </a:rPr>
-              <a:t>@</a:t>
-            </a:r>
-            <a:r>
-              <a:rPr lang="pl-PL" dirty="0" err="1">
-                <a:solidFill>
-                  <a:schemeClr val="bg1"/>
-                </a:solidFill>
-              </a:rPr>
-              <a:t>lukaszpyrzyk</a:t>
-            </a:r>
-            <a:endParaRPr lang="en-GB" dirty="0">
-              <a:solidFill>
-                <a:schemeClr val="bg1"/>
-              </a:solidFill>
-            </a:endParaRPr>
+            <a:endParaRPr lang="pl-PL" dirty="0"/>
+          </a:p>
+          <a:p>
+            <a:endParaRPr lang="pl-PL" dirty="0"/>
+          </a:p>
+          <a:p>
+            <a:r>
+              <a:rPr lang="pl-PL" dirty="0"/>
+              <a:t>Source </a:t>
+            </a:r>
+            <a:r>
+              <a:rPr lang="pl-PL" dirty="0" err="1"/>
+              <a:t>code</a:t>
+            </a:r>
+            <a:r>
+              <a:rPr lang="pl-PL" dirty="0"/>
+              <a:t> for the demo </a:t>
+            </a:r>
+            <a:r>
+              <a:rPr lang="pl-PL" dirty="0" err="1"/>
+              <a:t>is</a:t>
+            </a:r>
+            <a:r>
+              <a:rPr lang="pl-PL" dirty="0"/>
+              <a:t> open </a:t>
+            </a:r>
+            <a:r>
+              <a:rPr lang="pl-PL" dirty="0" err="1"/>
+              <a:t>sourced</a:t>
+            </a:r>
+            <a:r>
+              <a:rPr lang="pl-PL" dirty="0"/>
+              <a:t>, </a:t>
+            </a:r>
+            <a:r>
+              <a:rPr lang="pl-PL" dirty="0" err="1"/>
+              <a:t>together</a:t>
+            </a:r>
+            <a:r>
+              <a:rPr lang="pl-PL" dirty="0"/>
+              <a:t> with </a:t>
+            </a:r>
+            <a:r>
+              <a:rPr lang="pl-PL" dirty="0" err="1"/>
+              <a:t>presentation</a:t>
+            </a:r>
+            <a:r>
+              <a:rPr lang="pl-PL" dirty="0"/>
+              <a:t> on my </a:t>
+            </a:r>
+            <a:r>
+              <a:rPr lang="pl-PL" dirty="0" err="1"/>
+              <a:t>Github</a:t>
+            </a:r>
+            <a:r>
+              <a:rPr lang="pl-PL" dirty="0"/>
+              <a:t> profile. To run </a:t>
+            </a:r>
+            <a:r>
+              <a:rPr lang="pl-PL" dirty="0" err="1"/>
+              <a:t>it</a:t>
+            </a:r>
+            <a:r>
+              <a:rPr lang="pl-PL" dirty="0"/>
+              <a:t>, </a:t>
+            </a:r>
+            <a:r>
+              <a:rPr lang="pl-PL" dirty="0" err="1"/>
+              <a:t>follow</a:t>
+            </a:r>
+            <a:r>
+              <a:rPr lang="pl-PL" dirty="0"/>
+              <a:t> </a:t>
+            </a:r>
+            <a:r>
+              <a:rPr lang="pl-PL" dirty="0" err="1"/>
+              <a:t>instructions</a:t>
+            </a:r>
+            <a:r>
+              <a:rPr lang="pl-PL" dirty="0"/>
+              <a:t> in the </a:t>
+            </a:r>
+            <a:r>
+              <a:rPr lang="pl-PL" dirty="0" err="1"/>
+              <a:t>readme</a:t>
+            </a:r>
+            <a:r>
+              <a:rPr lang="pl-PL" dirty="0"/>
+              <a:t> file.</a:t>
+            </a:r>
+          </a:p>
+          <a:p>
+            <a:pPr algn="ctr"/>
+            <a:r>
+              <a:rPr lang="pl-PL" dirty="0"/>
+              <a:t>https://github.com/lukasz-pyrzyk/opentelemetry-demo</a:t>
+            </a:r>
           </a:p>
         </p:txBody>
       </p:sp>
     </p:spTree>
     <p:extLst>
       <p:ext uri="{BB962C8B-B14F-4D97-AF65-F5344CB8AC3E}">
-        <p14:creationId xmlns:p14="http://schemas.microsoft.com/office/powerpoint/2010/main" val="1346667413"/>
+        <p14:creationId xmlns:p14="http://schemas.microsoft.com/office/powerpoint/2010/main" val="61611896"/>
       </p:ext>
     </p:extLst>
   </p:cSld>
@@ -9568,7 +9624,11 @@
             </a:r>
             <a:r>
               <a:rPr lang="pl-PL" dirty="0"/>
-              <a:t> the demo</a:t>
+              <a:t> the demo - </a:t>
+            </a:r>
+            <a:r>
+              <a:rPr lang="pl-PL" dirty="0" err="1"/>
+              <a:t>projects</a:t>
             </a:r>
             <a:endParaRPr lang="en-GB" dirty="0"/>
           </a:p>
@@ -9592,38 +9652,415 @@
         </p:nvSpPr>
         <p:spPr/>
         <p:txBody>
-          <a:bodyPr/>
+          <a:bodyPr>
+            <a:normAutofit/>
+          </a:bodyPr>
           <a:lstStyle/>
           <a:p>
+            <a:r>
+              <a:rPr lang="pl-PL" dirty="0" err="1"/>
+              <a:t>Within</a:t>
+            </a:r>
+            <a:r>
+              <a:rPr lang="pl-PL" dirty="0"/>
+              <a:t> the </a:t>
+            </a:r>
+            <a:r>
+              <a:rPr lang="pl-PL" dirty="0" err="1"/>
+              <a:t>repository</a:t>
+            </a:r>
+            <a:r>
+              <a:rPr lang="pl-PL" dirty="0"/>
+              <a:t> </a:t>
+            </a:r>
+            <a:r>
+              <a:rPr lang="pl-PL" dirty="0" err="1"/>
+              <a:t>you</a:t>
+            </a:r>
+            <a:r>
+              <a:rPr lang="pl-PL" dirty="0"/>
+              <a:t> </a:t>
+            </a:r>
+            <a:r>
+              <a:rPr lang="pl-PL" dirty="0" err="1"/>
+              <a:t>may</a:t>
+            </a:r>
+            <a:r>
+              <a:rPr lang="pl-PL" dirty="0"/>
+              <a:t> </a:t>
+            </a:r>
+            <a:r>
+              <a:rPr lang="pl-PL" dirty="0" err="1"/>
+              <a:t>find</a:t>
+            </a:r>
+            <a:r>
+              <a:rPr lang="pl-PL" dirty="0"/>
+              <a:t> a </a:t>
+            </a:r>
+            <a:r>
+              <a:rPr lang="pl-PL" dirty="0" err="1"/>
+              <a:t>solution</a:t>
+            </a:r>
+            <a:r>
+              <a:rPr lang="pl-PL" dirty="0"/>
+              <a:t> for </a:t>
+            </a:r>
+            <a:r>
+              <a:rPr lang="pl-PL" dirty="0" err="1"/>
+              <a:t>calculating</a:t>
+            </a:r>
+            <a:r>
+              <a:rPr lang="pl-PL" dirty="0"/>
+              <a:t> Fibonacci </a:t>
+            </a:r>
+            <a:r>
+              <a:rPr lang="pl-PL" dirty="0" err="1"/>
+              <a:t>numbers</a:t>
+            </a:r>
             <a:endParaRPr lang="pl-PL" dirty="0"/>
           </a:p>
           <a:p>
+            <a:r>
+              <a:rPr lang="pl-PL" dirty="0"/>
+              <a:t>Solution </a:t>
+            </a:r>
+            <a:r>
+              <a:rPr lang="pl-PL" dirty="0" err="1"/>
+              <a:t>is</a:t>
+            </a:r>
+            <a:r>
+              <a:rPr lang="pl-PL" dirty="0"/>
+              <a:t> </a:t>
+            </a:r>
+            <a:r>
+              <a:rPr lang="pl-PL" dirty="0" err="1"/>
+              <a:t>based</a:t>
+            </a:r>
+            <a:r>
+              <a:rPr lang="pl-PL" dirty="0"/>
+              <a:t> on </a:t>
+            </a:r>
+            <a:r>
+              <a:rPr lang="pl-PL" dirty="0" err="1"/>
+              <a:t>three</a:t>
+            </a:r>
+            <a:r>
+              <a:rPr lang="pl-PL" dirty="0"/>
+              <a:t> </a:t>
+            </a:r>
+            <a:r>
+              <a:rPr lang="pl-PL" dirty="0" err="1"/>
+              <a:t>projects</a:t>
+            </a:r>
+            <a:r>
+              <a:rPr lang="pl-PL" dirty="0"/>
+              <a:t>:</a:t>
+            </a:r>
+          </a:p>
+          <a:p>
+            <a:pPr>
+              <a:buFont typeface="Wingdings" panose="05000000000000000000" pitchFamily="2" charset="2"/>
+              <a:buChar char="v"/>
+            </a:pPr>
+            <a:r>
+              <a:rPr lang="en-GB" dirty="0" err="1"/>
+              <a:t>Fibonacci.WebService</a:t>
+            </a:r>
+            <a:r>
+              <a:rPr lang="pl-PL" dirty="0"/>
+              <a:t> – Web API </a:t>
+            </a:r>
+            <a:r>
+              <a:rPr lang="pl-PL" dirty="0" err="1"/>
+              <a:t>responsible</a:t>
+            </a:r>
+            <a:r>
+              <a:rPr lang="pl-PL" dirty="0"/>
+              <a:t> for </a:t>
+            </a:r>
+            <a:r>
+              <a:rPr lang="pl-PL" dirty="0" err="1"/>
+              <a:t>receiving</a:t>
+            </a:r>
+            <a:r>
+              <a:rPr lang="pl-PL" dirty="0"/>
+              <a:t> </a:t>
+            </a:r>
+            <a:r>
+              <a:rPr lang="pl-PL" dirty="0" err="1"/>
+              <a:t>request</a:t>
+            </a:r>
+            <a:r>
+              <a:rPr lang="pl-PL" dirty="0"/>
+              <a:t> from the </a:t>
+            </a:r>
+            <a:r>
+              <a:rPr lang="pl-PL" dirty="0" err="1"/>
+              <a:t>user</a:t>
+            </a:r>
+            <a:r>
+              <a:rPr lang="pl-PL" dirty="0"/>
+              <a:t>. It </a:t>
+            </a:r>
+            <a:r>
+              <a:rPr lang="pl-PL" dirty="0" err="1"/>
+              <a:t>supports</a:t>
+            </a:r>
+            <a:r>
+              <a:rPr lang="pl-PL" dirty="0"/>
+              <a:t>:</a:t>
+            </a:r>
+          </a:p>
+          <a:p>
+            <a:pPr lvl="1">
+              <a:buFont typeface="Wingdings" panose="05000000000000000000" pitchFamily="2" charset="2"/>
+              <a:buChar char="v"/>
+            </a:pPr>
+            <a:r>
+              <a:rPr lang="pl-PL" dirty="0"/>
+              <a:t>GET /n – </a:t>
+            </a:r>
+            <a:r>
+              <a:rPr lang="pl-PL" dirty="0" err="1"/>
+              <a:t>get</a:t>
+            </a:r>
+            <a:r>
+              <a:rPr lang="pl-PL" dirty="0"/>
+              <a:t> </a:t>
+            </a:r>
+            <a:r>
+              <a:rPr lang="pl-PL" dirty="0" err="1"/>
+              <a:t>result</a:t>
+            </a:r>
+            <a:r>
+              <a:rPr lang="pl-PL" dirty="0"/>
+              <a:t> for </a:t>
+            </a:r>
+            <a:r>
+              <a:rPr lang="pl-PL" dirty="0" err="1"/>
+              <a:t>given</a:t>
+            </a:r>
+            <a:r>
+              <a:rPr lang="pl-PL" dirty="0"/>
+              <a:t> </a:t>
+            </a:r>
+            <a:r>
+              <a:rPr lang="pl-PL" dirty="0" err="1"/>
+              <a:t>number</a:t>
+            </a:r>
             <a:endParaRPr lang="pl-PL" dirty="0"/>
           </a:p>
           <a:p>
-            <a:r>
-              <a:rPr lang="pl-PL" dirty="0"/>
-              <a:t>Source </a:t>
-            </a:r>
-            <a:r>
-              <a:rPr lang="pl-PL" dirty="0" err="1"/>
-              <a:t>code</a:t>
-            </a:r>
-            <a:r>
-              <a:rPr lang="pl-PL" dirty="0"/>
-              <a:t> for the demo </a:t>
-            </a:r>
-            <a:r>
-              <a:rPr lang="pl-PL" dirty="0" err="1"/>
-              <a:t>is</a:t>
-            </a:r>
-            <a:r>
-              <a:rPr lang="pl-PL" dirty="0"/>
-              <a:t> open </a:t>
-            </a:r>
-            <a:r>
-              <a:rPr lang="pl-PL" dirty="0" err="1"/>
-              <a:t>sourced</a:t>
+            <a:pPr lvl="1">
+              <a:buFont typeface="Wingdings" panose="05000000000000000000" pitchFamily="2" charset="2"/>
+              <a:buChar char="v"/>
+            </a:pPr>
+            <a:r>
+              <a:rPr lang="pl-PL" dirty="0"/>
+              <a:t>POST /n – </a:t>
+            </a:r>
+            <a:r>
+              <a:rPr lang="pl-PL" dirty="0" err="1"/>
+              <a:t>send</a:t>
+            </a:r>
+            <a:r>
+              <a:rPr lang="pl-PL" dirty="0"/>
+              <a:t> </a:t>
+            </a:r>
+            <a:r>
+              <a:rPr lang="pl-PL" dirty="0" err="1"/>
+              <a:t>new</a:t>
+            </a:r>
+            <a:r>
+              <a:rPr lang="pl-PL" dirty="0"/>
+              <a:t> </a:t>
+            </a:r>
+            <a:r>
+              <a:rPr lang="pl-PL" dirty="0" err="1"/>
+              <a:t>calculation</a:t>
+            </a:r>
+            <a:r>
+              <a:rPr lang="pl-PL" dirty="0"/>
+              <a:t> </a:t>
+            </a:r>
+            <a:r>
+              <a:rPr lang="pl-PL" dirty="0" err="1"/>
+              <a:t>request</a:t>
+            </a:r>
+            <a:r>
+              <a:rPr lang="pl-PL" dirty="0"/>
+              <a:t> for </a:t>
+            </a:r>
+            <a:r>
+              <a:rPr lang="pl-PL" dirty="0" err="1"/>
+              <a:t>given</a:t>
+            </a:r>
+            <a:r>
+              <a:rPr lang="pl-PL" dirty="0"/>
+              <a:t> numer</a:t>
+            </a:r>
+          </a:p>
+          <a:p>
+            <a:pPr lvl="1">
+              <a:buFont typeface="Wingdings" panose="05000000000000000000" pitchFamily="2" charset="2"/>
+              <a:buChar char="v"/>
+            </a:pPr>
+            <a:r>
+              <a:rPr lang="pl-PL" dirty="0"/>
+              <a:t>DELETE /n – </a:t>
+            </a:r>
+            <a:r>
+              <a:rPr lang="pl-PL" dirty="0" err="1"/>
+              <a:t>remove</a:t>
+            </a:r>
+            <a:r>
+              <a:rPr lang="pl-PL" dirty="0"/>
+              <a:t> </a:t>
+            </a:r>
+            <a:r>
+              <a:rPr lang="pl-PL" dirty="0" err="1"/>
+              <a:t>result</a:t>
+            </a:r>
+            <a:r>
+              <a:rPr lang="pl-PL" dirty="0"/>
+              <a:t> from the </a:t>
+            </a:r>
+            <a:r>
+              <a:rPr lang="pl-PL" dirty="0" err="1"/>
+              <a:t>storage</a:t>
+            </a:r>
+            <a:endParaRPr lang="pl-PL" dirty="0"/>
+          </a:p>
+          <a:p>
+            <a:pPr lvl="1">
+              <a:buFont typeface="Wingdings" panose="05000000000000000000" pitchFamily="2" charset="2"/>
+              <a:buChar char="v"/>
+            </a:pPr>
+            <a:r>
+              <a:rPr lang="pl-PL" dirty="0" err="1"/>
+              <a:t>You</a:t>
+            </a:r>
+            <a:r>
+              <a:rPr lang="pl-PL" dirty="0"/>
+              <a:t> </a:t>
+            </a:r>
+            <a:r>
+              <a:rPr lang="pl-PL" dirty="0" err="1"/>
+              <a:t>can</a:t>
+            </a:r>
+            <a:r>
+              <a:rPr lang="pl-PL" dirty="0"/>
+              <a:t> </a:t>
+            </a:r>
+            <a:r>
+              <a:rPr lang="pl-PL" dirty="0" err="1"/>
+              <a:t>use</a:t>
+            </a:r>
+            <a:r>
+              <a:rPr lang="pl-PL" dirty="0"/>
+              <a:t> VS </a:t>
+            </a:r>
+            <a:r>
+              <a:rPr lang="pl-PL" dirty="0" err="1"/>
+              <a:t>Code</a:t>
+            </a:r>
+            <a:r>
+              <a:rPr lang="pl-PL" dirty="0"/>
+              <a:t> and </a:t>
+            </a:r>
+            <a:r>
+              <a:rPr lang="pl-PL" dirty="0" err="1"/>
+              <a:t>HttpClient</a:t>
+            </a:r>
+            <a:r>
+              <a:rPr lang="pl-PL" dirty="0"/>
+              <a:t> </a:t>
+            </a:r>
+            <a:r>
+              <a:rPr lang="pl-PL" dirty="0" err="1"/>
+              <a:t>extension</a:t>
+            </a:r>
+            <a:r>
+              <a:rPr lang="pl-PL" dirty="0"/>
+              <a:t> to run </a:t>
+            </a:r>
+            <a:r>
+              <a:rPr lang="pl-PL" dirty="0" err="1"/>
+              <a:t>example</a:t>
+            </a:r>
+            <a:r>
+              <a:rPr lang="pl-PL" dirty="0"/>
+              <a:t> </a:t>
+            </a:r>
+            <a:r>
+              <a:rPr lang="pl-PL" dirty="0" err="1"/>
+              <a:t>request</a:t>
+            </a:r>
+            <a:r>
+              <a:rPr lang="pl-PL" dirty="0"/>
+              <a:t> from the </a:t>
+            </a:r>
+            <a:r>
+              <a:rPr lang="pl-PL" dirty="0" err="1">
+                <a:solidFill>
+                  <a:srgbClr val="425CC7"/>
+                </a:solidFill>
+              </a:rPr>
+              <a:t>requests.http</a:t>
+            </a:r>
+            <a:r>
+              <a:rPr lang="pl-PL" dirty="0"/>
+              <a:t> file</a:t>
+            </a:r>
+          </a:p>
+          <a:p>
+            <a:pPr>
+              <a:buFont typeface="Wingdings" panose="05000000000000000000" pitchFamily="2" charset="2"/>
+              <a:buChar char="v"/>
+            </a:pPr>
+            <a:r>
+              <a:rPr lang="pl-PL" dirty="0" err="1"/>
+              <a:t>Fibonaci.Worker</a:t>
+            </a:r>
+            <a:r>
+              <a:rPr lang="pl-PL" dirty="0"/>
+              <a:t> – </a:t>
+            </a:r>
+            <a:r>
+              <a:rPr lang="pl-PL" dirty="0" err="1"/>
+              <a:t>Worker</a:t>
+            </a:r>
+            <a:r>
+              <a:rPr lang="pl-PL" dirty="0"/>
+              <a:t> </a:t>
+            </a:r>
+            <a:r>
+              <a:rPr lang="pl-PL" dirty="0" err="1"/>
+              <a:t>responsible</a:t>
+            </a:r>
+            <a:r>
+              <a:rPr lang="pl-PL" dirty="0"/>
+              <a:t> for </a:t>
+            </a:r>
+            <a:r>
+              <a:rPr lang="pl-PL" dirty="0" err="1"/>
+              <a:t>receiving</a:t>
+            </a:r>
+            <a:r>
+              <a:rPr lang="pl-PL" dirty="0"/>
+              <a:t> </a:t>
+            </a:r>
+            <a:r>
+              <a:rPr lang="pl-PL" dirty="0" err="1"/>
+              <a:t>calculation</a:t>
+            </a:r>
+            <a:r>
+              <a:rPr lang="pl-PL" dirty="0"/>
+              <a:t> </a:t>
+            </a:r>
+            <a:r>
+              <a:rPr lang="pl-PL" dirty="0" err="1"/>
+              <a:t>request</a:t>
             </a:r>
             <a:r>
               <a:rPr lang="pl-PL" dirty="0"/>
@@ -9631,47 +10068,23 @@
             </a:r>
             <a:r>
               <a:rPr lang="pl-PL" dirty="0" err="1"/>
-              <a:t>together</a:t>
-            </a:r>
-            <a:r>
-              <a:rPr lang="pl-PL" dirty="0"/>
-              <a:t> with </a:t>
-            </a:r>
-            <a:r>
-              <a:rPr lang="pl-PL" dirty="0" err="1"/>
-              <a:t>presentation</a:t>
-            </a:r>
-            <a:r>
-              <a:rPr lang="pl-PL" dirty="0"/>
-              <a:t> on my </a:t>
-            </a:r>
-            <a:r>
-              <a:rPr lang="pl-PL" dirty="0" err="1"/>
-              <a:t>Github</a:t>
-            </a:r>
-            <a:r>
-              <a:rPr lang="pl-PL" dirty="0"/>
-              <a:t> profile. To run </a:t>
-            </a:r>
-            <a:r>
-              <a:rPr lang="pl-PL" dirty="0" err="1"/>
-              <a:t>it</a:t>
-            </a:r>
-            <a:r>
-              <a:rPr lang="pl-PL" dirty="0"/>
-              <a:t>, </a:t>
-            </a:r>
-            <a:r>
-              <a:rPr lang="pl-PL" dirty="0" err="1"/>
-              <a:t>follow</a:t>
-            </a:r>
-            <a:r>
-              <a:rPr lang="pl-PL" dirty="0"/>
-              <a:t> </a:t>
-            </a:r>
-            <a:r>
-              <a:rPr lang="pl-PL" dirty="0" err="1"/>
-              <a:t>instructions</a:t>
+              <a:t>calculating</a:t>
+            </a:r>
+            <a:r>
+              <a:rPr lang="pl-PL" dirty="0"/>
+              <a:t> Fibonacci numer and </a:t>
+            </a:r>
+            <a:r>
+              <a:rPr lang="pl-PL" dirty="0" err="1"/>
+              <a:t>storing</a:t>
+            </a:r>
+            <a:r>
+              <a:rPr lang="pl-PL" dirty="0"/>
+              <a:t> </a:t>
+            </a:r>
+            <a:r>
+              <a:rPr lang="pl-PL" dirty="0" err="1"/>
+              <a:t>result</a:t>
             </a:r>
             <a:r>
               <a:rPr lang="pl-PL" dirty="0"/>
@@ -9679,26 +10092,59 @@
             </a:r>
             <a:r>
               <a:rPr lang="pl-PL" dirty="0" err="1"/>
-              <a:t>readme</a:t>
-            </a:r>
-            <a:r>
-              <a:rPr lang="pl-PL" dirty="0"/>
-              <a:t> file.</a:t>
-            </a:r>
-          </a:p>
-          <a:p>
-            <a:pPr algn="ctr"/>
-            <a:r>
-              <a:rPr lang="pl-PL" dirty="0"/>
-              <a:t>https://github.com/lukasz-pyrzyk/opentelemetry-demo</a:t>
-            </a:r>
+              <a:t>repository</a:t>
+            </a:r>
+            <a:endParaRPr lang="pl-PL" dirty="0"/>
+          </a:p>
+          <a:p>
+            <a:pPr>
+              <a:buFont typeface="Wingdings" panose="05000000000000000000" pitchFamily="2" charset="2"/>
+              <a:buChar char="v"/>
+            </a:pPr>
+            <a:r>
+              <a:rPr lang="pl-PL" dirty="0" err="1"/>
+              <a:t>Fibonacci.Shared</a:t>
+            </a:r>
+            <a:r>
+              <a:rPr lang="pl-PL" dirty="0"/>
+              <a:t> – a </a:t>
+            </a:r>
+            <a:r>
+              <a:rPr lang="pl-PL" dirty="0" err="1"/>
+              <a:t>shared</a:t>
+            </a:r>
+            <a:r>
+              <a:rPr lang="pl-PL" dirty="0"/>
+              <a:t> </a:t>
+            </a:r>
+            <a:r>
+              <a:rPr lang="pl-PL" dirty="0" err="1"/>
+              <a:t>project</a:t>
+            </a:r>
+            <a:r>
+              <a:rPr lang="pl-PL" dirty="0"/>
+              <a:t> for </a:t>
+            </a:r>
+            <a:r>
+              <a:rPr lang="pl-PL" dirty="0" err="1"/>
+              <a:t>Api</a:t>
+            </a:r>
+            <a:r>
+              <a:rPr lang="pl-PL" dirty="0"/>
+              <a:t> and </a:t>
+            </a:r>
+            <a:r>
+              <a:rPr lang="pl-PL" dirty="0" err="1"/>
+              <a:t>Worker</a:t>
+            </a:r>
+            <a:endParaRPr lang="pl-PL" dirty="0"/>
           </a:p>
         </p:txBody>
       </p:sp>
     </p:spTree>
     <p:extLst>
       <p:ext uri="{BB962C8B-B14F-4D97-AF65-F5344CB8AC3E}">
-        <p14:creationId xmlns:p14="http://schemas.microsoft.com/office/powerpoint/2010/main" val="61611896"/>
+        <p14:creationId xmlns:p14="http://schemas.microsoft.com/office/powerpoint/2010/main" val="443592601"/>
       </p:ext>
     </p:extLst>
   </p:cSld>
@@ -9756,7 +10202,7 @@
             </a:r>
             <a:r>
               <a:rPr lang="pl-PL" dirty="0" err="1"/>
-              <a:t>projects</a:t>
+              <a:t>dependencies</a:t>
             </a:r>
             <a:endParaRPr lang="en-GB" dirty="0"/>
           </a:p>
@@ -9784,8 +10230,12 @@
           <a:lstStyle/>
           <a:p>
             <a:r>
-              <a:rPr lang="pl-PL" dirty="0" err="1"/>
-              <a:t>Within</a:t>
+              <a:rPr lang="pl-PL" dirty="0"/>
+              <a:t>To </a:t>
+            </a:r>
+            <a:r>
+              <a:rPr lang="pl-PL" dirty="0" err="1"/>
+              <a:t>increase</a:t>
             </a:r>
             <a:r>
               <a:rPr lang="pl-PL" dirty="0"/>
@@ -9793,6 +10243,54 @@
             </a:r>
             <a:r>
               <a:rPr lang="pl-PL" dirty="0" err="1"/>
+              <a:t>amount</a:t>
+            </a:r>
+            <a:r>
+              <a:rPr lang="pl-PL" dirty="0"/>
+              <a:t> of data </a:t>
+            </a:r>
+            <a:r>
+              <a:rPr lang="pl-PL" dirty="0" err="1"/>
+              <a:t>that</a:t>
+            </a:r>
+            <a:r>
+              <a:rPr lang="pl-PL" dirty="0"/>
+              <a:t> </a:t>
+            </a:r>
+            <a:r>
+              <a:rPr lang="pl-PL" dirty="0" err="1"/>
+              <a:t>OpenTelemetry</a:t>
+            </a:r>
+            <a:r>
+              <a:rPr lang="pl-PL" dirty="0"/>
+              <a:t> </a:t>
+            </a:r>
+            <a:r>
+              <a:rPr lang="pl-PL" dirty="0" err="1"/>
+              <a:t>can</a:t>
+            </a:r>
+            <a:r>
+              <a:rPr lang="pl-PL" dirty="0"/>
+              <a:t> run </a:t>
+            </a:r>
+            <a:r>
+              <a:rPr lang="pl-PL" dirty="0" err="1"/>
+              <a:t>collect</a:t>
+            </a:r>
+            <a:r>
+              <a:rPr lang="pl-PL" dirty="0"/>
+              <a:t> and </a:t>
+            </a:r>
+            <a:r>
+              <a:rPr lang="pl-PL" dirty="0" err="1"/>
+              <a:t>present</a:t>
+            </a:r>
+            <a:r>
+              <a:rPr lang="pl-PL" dirty="0"/>
+              <a:t>, the </a:t>
+            </a:r>
+            <a:r>
+              <a:rPr lang="pl-PL" dirty="0" err="1"/>
               <a:t>repository</a:t>
             </a:r>
             <a:r>
@@ -9801,23 +10299,7 @@
             </a:r>
             <a:r>
               <a:rPr lang="pl-PL" dirty="0" err="1"/>
-              <a:t>you</a:t>
-            </a:r>
-            <a:r>
-              <a:rPr lang="pl-PL" dirty="0"/>
-              <a:t> </a:t>
-            </a:r>
-            <a:r>
-              <a:rPr lang="pl-PL" dirty="0" err="1"/>
-              <a:t>may</a:t>
-            </a:r>
-            <a:r>
-              <a:rPr lang="pl-PL" dirty="0"/>
-              <a:t> </a:t>
-            </a:r>
-            <a:r>
-              <a:rPr lang="pl-PL" dirty="0" err="1"/>
-              <a:t>find</a:t>
+              <a:t>uses</a:t>
             </a:r>
             <a:r>
               <a:rPr lang="pl-PL" dirty="0"/>
@@ -9825,63 +10307,31 @@
             </a:r>
             <a:r>
               <a:rPr lang="pl-PL" dirty="0" err="1"/>
-              <a:t>solution</a:t>
-            </a:r>
-            <a:r>
-              <a:rPr lang="pl-PL" dirty="0"/>
-              <a:t> for </a:t>
-            </a:r>
-            <a:r>
-              <a:rPr lang="pl-PL" dirty="0" err="1"/>
-              <a:t>calculating</a:t>
-            </a:r>
-            <a:r>
-              <a:rPr lang="pl-PL" dirty="0"/>
-              <a:t> Fibonacci </a:t>
-            </a:r>
-            <a:r>
-              <a:rPr lang="pl-PL" dirty="0" err="1"/>
-              <a:t>numbers</a:t>
-            </a:r>
+              <a:t>few</a:t>
+            </a:r>
+            <a:r>
+              <a:rPr lang="pl-PL" dirty="0"/>
+              <a:t> </a:t>
+            </a:r>
+            <a:r>
+              <a:rPr lang="pl-PL" dirty="0" err="1"/>
+              <a:t>Azure</a:t>
+            </a:r>
+            <a:r>
+              <a:rPr lang="pl-PL" dirty="0"/>
+              <a:t> </a:t>
+            </a:r>
+            <a:r>
+              <a:rPr lang="pl-PL" dirty="0" err="1"/>
+              <a:t>dependencies</a:t>
+            </a:r>
+            <a:r>
+              <a:rPr lang="pl-PL" dirty="0"/>
+              <a:t>:</a:t>
+            </a:r>
+          </a:p>
+          <a:p>
             <a:endParaRPr lang="pl-PL" dirty="0"/>
-          </a:p>
-          <a:p>
-            <a:r>
-              <a:rPr lang="pl-PL" dirty="0"/>
-              <a:t>Solution </a:t>
-            </a:r>
-            <a:r>
-              <a:rPr lang="pl-PL" dirty="0" err="1"/>
-              <a:t>is</a:t>
-            </a:r>
-            <a:r>
-              <a:rPr lang="pl-PL" dirty="0"/>
-              <a:t> </a:t>
-            </a:r>
-            <a:r>
-              <a:rPr lang="pl-PL" dirty="0" err="1"/>
-              <a:t>based</a:t>
-            </a:r>
-            <a:r>
-              <a:rPr lang="pl-PL" dirty="0"/>
-              <a:t> on </a:t>
-            </a:r>
-            <a:r>
-              <a:rPr lang="pl-PL" dirty="0" err="1"/>
-              <a:t>three</a:t>
-            </a:r>
-            <a:r>
-              <a:rPr lang="pl-PL" dirty="0"/>
-              <a:t> </a:t>
-            </a:r>
-            <a:r>
-              <a:rPr lang="pl-PL" dirty="0" err="1"/>
-              <a:t>projects</a:t>
-            </a:r>
-            <a:r>
-              <a:rPr lang="pl-PL" dirty="0"/>
-              <a:t>:</a:t>
-            </a:r>
           </a:p>
           <a:p>
             <a:pPr>
@@ -9889,101 +10339,12 @@
               <a:buChar char="v"/>
             </a:pPr>
             <a:r>
-              <a:rPr lang="en-GB" dirty="0" err="1"/>
-              <a:t>Fibonacci.WebService</a:t>
-            </a:r>
-            <a:r>
-              <a:rPr lang="pl-PL" dirty="0"/>
-              <a:t> – Web API </a:t>
-            </a:r>
-            <a:r>
-              <a:rPr lang="pl-PL" dirty="0" err="1"/>
-              <a:t>responsible</a:t>
-            </a:r>
-            <a:r>
-              <a:rPr lang="pl-PL" dirty="0"/>
-              <a:t> for </a:t>
-            </a:r>
-            <a:r>
-              <a:rPr lang="pl-PL" dirty="0" err="1"/>
-              <a:t>receiving</a:t>
-            </a:r>
-            <a:r>
-              <a:rPr lang="pl-PL" dirty="0"/>
-              <a:t> </a:t>
-            </a:r>
-            <a:r>
-              <a:rPr lang="pl-PL" dirty="0" err="1"/>
-              <a:t>request</a:t>
-            </a:r>
-            <a:r>
-              <a:rPr lang="pl-PL" dirty="0"/>
-              <a:t> from the </a:t>
-            </a:r>
-            <a:r>
-              <a:rPr lang="pl-PL" dirty="0" err="1"/>
-              <a:t>user</a:t>
-            </a:r>
-            <a:r>
-              <a:rPr lang="pl-PL" dirty="0"/>
-              <a:t>. It </a:t>
-            </a:r>
-            <a:r>
-              <a:rPr lang="pl-PL" dirty="0" err="1"/>
-              <a:t>supports</a:t>
-            </a:r>
-            <a:r>
-              <a:rPr lang="pl-PL" dirty="0"/>
-              <a:t>:</a:t>
-            </a:r>
-          </a:p>
-          <a:p>
-            <a:pPr lvl="1">
-              <a:buFont typeface="Wingdings" panose="05000000000000000000" pitchFamily="2" charset="2"/>
-              <a:buChar char="v"/>
-            </a:pPr>
-            <a:r>
-              <a:rPr lang="pl-PL" dirty="0"/>
-              <a:t>GET /n – </a:t>
-            </a:r>
-            <a:r>
-              <a:rPr lang="pl-PL" dirty="0" err="1"/>
-              <a:t>get</a:t>
-            </a:r>
-            <a:r>
-              <a:rPr lang="pl-PL" dirty="0"/>
-              <a:t> </a:t>
-            </a:r>
-            <a:r>
-              <a:rPr lang="pl-PL" dirty="0" err="1"/>
-              <a:t>result</a:t>
-            </a:r>
-            <a:r>
-              <a:rPr lang="pl-PL" dirty="0"/>
-              <a:t> for </a:t>
-            </a:r>
-            <a:r>
-              <a:rPr lang="pl-PL" dirty="0" err="1"/>
-              <a:t>given</a:t>
-            </a:r>
-            <a:r>
-              <a:rPr lang="pl-PL" dirty="0"/>
-              <a:t> </a:t>
-            </a:r>
-            <a:r>
-              <a:rPr lang="pl-PL" dirty="0" err="1"/>
-              <a:t>number</a:t>
-            </a:r>
-            <a:endParaRPr lang="pl-PL" dirty="0"/>
-          </a:p>
-          <a:p>
-            <a:pPr lvl="1">
-              <a:buFont typeface="Wingdings" panose="05000000000000000000" pitchFamily="2" charset="2"/>
-              <a:buChar char="v"/>
-            </a:pPr>
-            <a:r>
-              <a:rPr lang="pl-PL" dirty="0"/>
-              <a:t>POST /n – </a:t>
+              <a:rPr lang="pl-PL" dirty="0" err="1"/>
+              <a:t>ServiceBus</a:t>
+            </a:r>
+            <a:r>
+              <a:rPr lang="pl-PL" dirty="0"/>
+              <a:t> – to </a:t>
             </a:r>
             <a:r>
               <a:rPr lang="pl-PL" dirty="0" err="1"/>
@@ -9995,14 +10356,6 @@
             </a:r>
             <a:r>
               <a:rPr lang="pl-PL" dirty="0" err="1"/>
-              <a:t>new</a:t>
-            </a:r>
-            <a:r>
-              <a:rPr lang="pl-PL" dirty="0"/>
-              <a:t> </a:t>
-            </a:r>
-            <a:r>
-              <a:rPr lang="pl-PL" dirty="0" err="1"/>
               <a:t>calculation</a:t>
             </a:r>
             <a:r>
@@ -10011,49 +10364,23 @@
             </a:r>
             <a:r>
               <a:rPr lang="pl-PL" dirty="0" err="1"/>
-              <a:t>request</a:t>
-            </a:r>
-            <a:r>
-              <a:rPr lang="pl-PL" dirty="0"/>
-              <a:t> for </a:t>
-            </a:r>
-            <a:r>
-              <a:rPr lang="pl-PL" dirty="0" err="1"/>
-              <a:t>given</a:t>
-            </a:r>
-            <a:r>
-              <a:rPr lang="pl-PL" dirty="0"/>
-              <a:t> numer</a:t>
-            </a:r>
-          </a:p>
-          <a:p>
-            <a:pPr lvl="1">
-              <a:buFont typeface="Wingdings" panose="05000000000000000000" pitchFamily="2" charset="2"/>
-              <a:buChar char="v"/>
-            </a:pPr>
-            <a:r>
-              <a:rPr lang="pl-PL" dirty="0"/>
-              <a:t>DELETE /n – </a:t>
-            </a:r>
-            <a:r>
-              <a:rPr lang="pl-PL" dirty="0" err="1"/>
-              <a:t>remove</a:t>
-            </a:r>
-            <a:r>
-              <a:rPr lang="pl-PL" dirty="0"/>
-              <a:t> </a:t>
-            </a:r>
-            <a:r>
-              <a:rPr lang="pl-PL" dirty="0" err="1"/>
-              <a:t>result</a:t>
-            </a:r>
-            <a:r>
-              <a:rPr lang="pl-PL" dirty="0"/>
-              <a:t> from the </a:t>
-            </a:r>
-            <a:r>
-              <a:rPr lang="pl-PL" dirty="0" err="1"/>
-              <a:t>storage</a:t>
+              <a:t>requests</a:t>
+            </a:r>
+            <a:r>
+              <a:rPr lang="pl-PL" dirty="0"/>
+              <a:t> from </a:t>
+            </a:r>
+            <a:r>
+              <a:rPr lang="pl-PL" dirty="0" err="1"/>
+              <a:t>WebService</a:t>
+            </a:r>
+            <a:r>
+              <a:rPr lang="pl-PL" dirty="0"/>
+              <a:t> to the </a:t>
+            </a:r>
+            <a:r>
+              <a:rPr lang="pl-PL" dirty="0" err="1"/>
+              <a:t>Worker</a:t>
             </a:r>
             <a:endParaRPr lang="pl-PL" dirty="0"/>
           </a:p>
@@ -10064,23 +10391,23 @@
             </a:pPr>
             <a:r>
               <a:rPr lang="pl-PL" dirty="0" err="1"/>
-              <a:t>Fibonaci.Worker</a:t>
-            </a:r>
-            <a:r>
-              <a:rPr lang="pl-PL" dirty="0"/>
-              <a:t> – </a:t>
-            </a:r>
-            <a:r>
-              <a:rPr lang="pl-PL" dirty="0" err="1"/>
-              <a:t>Worker</a:t>
-            </a:r>
-            <a:r>
-              <a:rPr lang="pl-PL" dirty="0"/>
-              <a:t> </a:t>
-            </a:r>
-            <a:r>
-              <a:rPr lang="pl-PL" dirty="0" err="1"/>
-              <a:t>responsible</a:t>
+              <a:t>Table</a:t>
+            </a:r>
+            <a:r>
+              <a:rPr lang="pl-PL" dirty="0"/>
+              <a:t> Storage – to </a:t>
+            </a:r>
+            <a:r>
+              <a:rPr lang="pl-PL" dirty="0" err="1"/>
+              <a:t>store</a:t>
+            </a:r>
+            <a:r>
+              <a:rPr lang="pl-PL" dirty="0"/>
+              <a:t> the </a:t>
+            </a:r>
+            <a:r>
+              <a:rPr lang="pl-PL" dirty="0" err="1"/>
+              <a:t>result</a:t>
             </a:r>
             <a:r>
               <a:rPr lang="pl-PL" dirty="0"/>
@@ -10088,57 +10415,12 @@
             </a:r>
             <a:r>
               <a:rPr lang="pl-PL" dirty="0" err="1"/>
-              <a:t>receiving</a:t>
-            </a:r>
-            <a:r>
-              <a:rPr lang="pl-PL" dirty="0"/>
-              <a:t> </a:t>
-            </a:r>
-            <a:r>
-              <a:rPr lang="pl-PL" dirty="0" err="1"/>
-              <a:t>calculation</a:t>
-            </a:r>
-            <a:r>
-              <a:rPr lang="pl-PL" dirty="0"/>
-              <a:t> </a:t>
-            </a:r>
-            <a:r>
-              <a:rPr lang="pl-PL" dirty="0" err="1"/>
-              <a:t>request</a:t>
-            </a:r>
-            <a:r>
-              <a:rPr lang="pl-PL" dirty="0"/>
-              <a:t>, </a:t>
-            </a:r>
-            <a:r>
-              <a:rPr lang="pl-PL" dirty="0" err="1"/>
-              <a:t>calculating</a:t>
-            </a:r>
-            <a:r>
-              <a:rPr lang="pl-PL" dirty="0"/>
-              <a:t> Fibonacci numer and </a:t>
-            </a:r>
-            <a:r>
-              <a:rPr lang="pl-PL" dirty="0" err="1"/>
-              <a:t>storing</a:t>
-            </a:r>
-            <a:r>
-              <a:rPr lang="pl-PL" dirty="0"/>
-              <a:t> </a:t>
-            </a:r>
-            <a:r>
-              <a:rPr lang="pl-PL" dirty="0" err="1"/>
-              <a:t>result</a:t>
-            </a:r>
-            <a:r>
-              <a:rPr lang="pl-PL" dirty="0"/>
-              <a:t> in the </a:t>
-            </a:r>
-            <a:r>
-              <a:rPr lang="pl-PL" dirty="0" err="1"/>
-              <a:t>repository</a:t>
-            </a:r>
-            <a:endParaRPr lang="pl-PL" dirty="0"/>
+              <a:t>given</a:t>
+            </a:r>
+            <a:r>
+              <a:rPr lang="pl-PL" dirty="0"/>
+              <a:t> N</a:t>
+            </a:r>
           </a:p>
           <a:p>
             <a:pPr>
@@ -10146,32 +10428,92 @@
               <a:buChar char="v"/>
             </a:pPr>
             <a:r>
-              <a:rPr lang="pl-PL" dirty="0" err="1"/>
-              <a:t>Fibonacci.Shared</a:t>
-            </a:r>
-            <a:r>
-              <a:rPr lang="pl-PL" dirty="0"/>
-              <a:t> – a </a:t>
-            </a:r>
-            <a:r>
-              <a:rPr lang="pl-PL" dirty="0" err="1"/>
-              <a:t>shared</a:t>
-            </a:r>
-            <a:r>
-              <a:rPr lang="pl-PL" dirty="0"/>
-              <a:t> </a:t>
-            </a:r>
-            <a:r>
-              <a:rPr lang="pl-PL" dirty="0" err="1"/>
-              <a:t>project</a:t>
-            </a:r>
-            <a:r>
-              <a:rPr lang="pl-PL" dirty="0"/>
-              <a:t> for </a:t>
-            </a:r>
-            <a:r>
-              <a:rPr lang="pl-PL" dirty="0" err="1"/>
-              <a:t>Api</a:t>
+              <a:rPr lang="pl-PL" dirty="0"/>
+              <a:t>SQL Database and </a:t>
+            </a:r>
+            <a:r>
+              <a:rPr lang="pl-PL" dirty="0" err="1"/>
+              <a:t>Entity</a:t>
+            </a:r>
+            <a:r>
+              <a:rPr lang="pl-PL" dirty="0"/>
+              <a:t> Framework – to </a:t>
+            </a:r>
+            <a:r>
+              <a:rPr lang="pl-PL" dirty="0" err="1"/>
+              <a:t>store</a:t>
+            </a:r>
+            <a:r>
+              <a:rPr lang="pl-PL" dirty="0"/>
+              <a:t> </a:t>
+            </a:r>
+            <a:r>
+              <a:rPr lang="pl-PL" dirty="0" err="1"/>
+              <a:t>information</a:t>
+            </a:r>
+            <a:r>
+              <a:rPr lang="pl-PL" dirty="0"/>
+              <a:t> </a:t>
+            </a:r>
+            <a:r>
+              <a:rPr lang="pl-PL" dirty="0" err="1"/>
+              <a:t>about</a:t>
+            </a:r>
+            <a:r>
+              <a:rPr lang="pl-PL" dirty="0"/>
+              <a:t> the </a:t>
+            </a:r>
+            <a:r>
+              <a:rPr lang="pl-PL" dirty="0" err="1"/>
+              <a:t>caller</a:t>
+            </a:r>
+            <a:r>
+              <a:rPr lang="pl-PL" dirty="0"/>
+              <a:t> of the POST /n </a:t>
+            </a:r>
+            <a:r>
+              <a:rPr lang="pl-PL" dirty="0" err="1"/>
+              <a:t>endpoint</a:t>
+            </a:r>
+            <a:r>
+              <a:rPr lang="pl-PL" dirty="0"/>
+              <a:t>. It </a:t>
+            </a:r>
+            <a:r>
+              <a:rPr lang="pl-PL" dirty="0" err="1"/>
+              <a:t>doesn’t</a:t>
+            </a:r>
+            <a:r>
+              <a:rPr lang="pl-PL" dirty="0"/>
+              <a:t> </a:t>
+            </a:r>
+            <a:r>
+              <a:rPr lang="pl-PL" dirty="0" err="1"/>
+              <a:t>bring</a:t>
+            </a:r>
+            <a:r>
+              <a:rPr lang="pl-PL" dirty="0"/>
+              <a:t> </a:t>
+            </a:r>
+            <a:r>
+              <a:rPr lang="pl-PL" dirty="0" err="1"/>
+              <a:t>any</a:t>
+            </a:r>
+            <a:r>
+              <a:rPr lang="pl-PL" dirty="0"/>
+              <a:t> </a:t>
+            </a:r>
+            <a:r>
+              <a:rPr lang="pl-PL" dirty="0" err="1"/>
+              <a:t>additional</a:t>
+            </a:r>
+            <a:r>
+              <a:rPr lang="pl-PL" dirty="0"/>
+              <a:t> </a:t>
+            </a:r>
+            <a:r>
+              <a:rPr lang="pl-PL" dirty="0" err="1"/>
+              <a:t>value</a:t>
             </a:r>
             <a:r>
               <a:rPr lang="pl-PL" dirty="0"/>
@@ -10179,16 +10521,67 @@
             </a:r>
             <a:r>
               <a:rPr lang="pl-PL" dirty="0" err="1"/>
-              <a:t>Worker</a:t>
-            </a:r>
-            <a:endParaRPr lang="pl-PL" dirty="0"/>
+              <a:t>it</a:t>
+            </a:r>
+            <a:r>
+              <a:rPr lang="pl-PL" dirty="0"/>
+              <a:t> was </a:t>
+            </a:r>
+            <a:r>
+              <a:rPr lang="pl-PL" dirty="0" err="1"/>
+              <a:t>added</a:t>
+            </a:r>
+            <a:r>
+              <a:rPr lang="pl-PL" dirty="0"/>
+              <a:t> </a:t>
+            </a:r>
+            <a:r>
+              <a:rPr lang="pl-PL" dirty="0" err="1"/>
+              <a:t>only</a:t>
+            </a:r>
+            <a:r>
+              <a:rPr lang="pl-PL" dirty="0"/>
+              <a:t> to </a:t>
+            </a:r>
+            <a:r>
+              <a:rPr lang="pl-PL" dirty="0" err="1"/>
+              <a:t>generate</a:t>
+            </a:r>
+            <a:r>
+              <a:rPr lang="pl-PL" dirty="0"/>
+              <a:t> extra </a:t>
+            </a:r>
+            <a:r>
+              <a:rPr lang="pl-PL" dirty="0" err="1"/>
+              <a:t>traffic</a:t>
+            </a:r>
+            <a:r>
+              <a:rPr lang="pl-PL" dirty="0"/>
+              <a:t> to </a:t>
+            </a:r>
+            <a:r>
+              <a:rPr lang="pl-PL" dirty="0" err="1"/>
+              <a:t>external</a:t>
+            </a:r>
+            <a:r>
+              <a:rPr lang="pl-PL" dirty="0"/>
+              <a:t> </a:t>
+            </a:r>
+            <a:r>
+              <a:rPr lang="pl-PL" dirty="0" err="1"/>
+              <a:t>dependency</a:t>
+            </a:r>
+            <a:r>
+              <a:rPr lang="pl-PL" dirty="0"/>
+              <a:t>.</a:t>
+            </a:r>
           </a:p>
         </p:txBody>
       </p:sp>
     </p:spTree>
     <p:extLst>
       <p:ext uri="{BB962C8B-B14F-4D97-AF65-F5344CB8AC3E}">
-        <p14:creationId xmlns:p14="http://schemas.microsoft.com/office/powerpoint/2010/main" val="443592601"/>
+        <p14:creationId xmlns:p14="http://schemas.microsoft.com/office/powerpoint/2010/main" val="1266029004"/>
       </p:ext>
     </p:extLst>
   </p:cSld>
@@ -10215,417 +10608,108 @@
           <a:chExt cx="0" cy="0"/>
         </a:xfrm>
       </p:grpSpPr>
-      <p:sp>
-        <p:nvSpPr>
-          <p:cNvPr id="2" name="Tytuł 1">
+      <p:pic>
+        <p:nvPicPr>
+          <p:cNvPr id="2050" name="Picture 2" descr="quote-talk-is-cheap-show-me-the-code-linus-torvalds-45-66-13 ...">
             <a:extLst>
               <a:ext uri="{FF2B5EF4-FFF2-40B4-BE49-F238E27FC236}">
-                <a16:creationId xmlns:a16="http://schemas.microsoft.com/office/drawing/2014/main" id="{DBCF61BD-95D2-4195-92AB-D5FBFA5899FE}"/>
+                <a16:creationId xmlns:a16="http://schemas.microsoft.com/office/drawing/2014/main" id="{482BC03B-C30A-4125-9FA6-230B5682511F}"/>
               </a:ext>
             </a:extLst>
           </p:cNvPr>
-          <p:cNvSpPr>
-            <a:spLocks noGrp="1"/>
-          </p:cNvSpPr>
-          <p:nvPr>
-            <p:ph type="title"/>
-          </p:nvPr>
-        </p:nvSpPr>
-        <p:spPr/>
-        <p:txBody>
-          <a:bodyPr/>
-          <a:lstStyle/>
-          <a:p>
-            <a:r>
-              <a:rPr lang="pl-PL" dirty="0" err="1"/>
-              <a:t>About</a:t>
-            </a:r>
-            <a:r>
-              <a:rPr lang="pl-PL" dirty="0"/>
-              <a:t> the demo - </a:t>
-            </a:r>
-            <a:r>
-              <a:rPr lang="pl-PL" dirty="0" err="1"/>
-              <a:t>dependencies</a:t>
-            </a:r>
-            <a:endParaRPr lang="en-GB" dirty="0"/>
-          </a:p>
-        </p:txBody>
-      </p:sp>
+          <p:cNvPicPr>
+            <a:picLocks noChangeAspect="1" noChangeArrowheads="1"/>
+          </p:cNvPicPr>
+          <p:nvPr/>
+        </p:nvPicPr>
+        <p:blipFill>
+          <a:blip r:embed="rId2">
+            <a:extLst>
+              <a:ext uri="{28A0092B-C50C-407E-A947-70E740481C1C}">
+                <a14:useLocalDpi xmlns:a14="http://schemas.microsoft.com/office/drawing/2010/main" val="0"/>
+              </a:ext>
+            </a:extLst>
+          </a:blip>
+          <a:srcRect/>
+          <a:stretch>
+            <a:fillRect/>
+          </a:stretch>
+        </p:blipFill>
+        <p:spPr bwMode="auto">
+          <a:xfrm>
+            <a:off x="-292645" y="618520"/>
+            <a:ext cx="13045248" cy="5451275"/>
+          </a:xfrm>
+          <a:prstGeom prst="rect">
+            <a:avLst/>
+          </a:prstGeom>
+          <a:noFill/>
+          <a:extLst>
+            <a:ext uri="{909E8E84-426E-40DD-AFC4-6F175D3DCCD1}">
+              <a14:hiddenFill xmlns:a14="http://schemas.microsoft.com/office/drawing/2010/main">
+                <a:solidFill>
+                  <a:srgbClr val="FFFFFF"/>
+                </a:solidFill>
+              </a14:hiddenFill>
+            </a:ext>
+          </a:extLst>
+        </p:spPr>
+      </p:pic>
       <p:sp>
         <p:nvSpPr>
-          <p:cNvPr id="3" name="Symbol zastępczy zawartości 2">
+          <p:cNvPr id="3" name="Prostokąt 2">
             <a:extLst>
               <a:ext uri="{FF2B5EF4-FFF2-40B4-BE49-F238E27FC236}">
-                <a16:creationId xmlns:a16="http://schemas.microsoft.com/office/drawing/2014/main" id="{AD3FCEB9-56AF-4295-BC72-2CC224C9BB38}"/>
+                <a16:creationId xmlns:a16="http://schemas.microsoft.com/office/drawing/2014/main" id="{1FB528ED-4C38-45BE-8D3C-417BECF00CAF}"/>
               </a:ext>
             </a:extLst>
           </p:cNvPr>
-          <p:cNvSpPr>
-            <a:spLocks noGrp="1"/>
-          </p:cNvSpPr>
-          <p:nvPr>
-            <p:ph idx="1"/>
-          </p:nvPr>
+          <p:cNvSpPr/>
+          <p:nvPr/>
         </p:nvSpPr>
-        <p:spPr/>
+        <p:spPr>
+          <a:xfrm>
+            <a:off x="10531138" y="6466361"/>
+            <a:ext cx="1558825" cy="369332"/>
+          </a:xfrm>
+          <a:prstGeom prst="rect">
+            <a:avLst/>
+          </a:prstGeom>
+        </p:spPr>
         <p:txBody>
-          <a:bodyPr/>
+          <a:bodyPr wrap="none">
+            <a:spAutoFit/>
+          </a:bodyPr>
           <a:lstStyle/>
           <a:p>
             <a:r>
-              <a:rPr lang="pl-PL" dirty="0"/>
-              <a:t>To </a:t>
-            </a:r>
-            <a:r>
-              <a:rPr lang="pl-PL" dirty="0" err="1"/>
-              <a:t>increase</a:t>
-            </a:r>
-            <a:r>
-              <a:rPr lang="pl-PL" dirty="0"/>
-              <a:t> the </a:t>
-            </a:r>
-            <a:r>
-              <a:rPr lang="pl-PL" dirty="0" err="1"/>
-              <a:t>amount</a:t>
-            </a:r>
-            <a:r>
-              <a:rPr lang="pl-PL" dirty="0"/>
-              <a:t> of data </a:t>
-            </a:r>
-            <a:r>
-              <a:rPr lang="pl-PL" dirty="0" err="1"/>
-              <a:t>that</a:t>
-            </a:r>
-            <a:r>
-              <a:rPr lang="pl-PL" dirty="0"/>
-              <a:t> </a:t>
-            </a:r>
-            <a:r>
-              <a:rPr lang="pl-PL" dirty="0" err="1"/>
-              <a:t>OpenTelemetry</a:t>
-            </a:r>
-            <a:r>
-              <a:rPr lang="pl-PL" dirty="0"/>
-              <a:t> </a:t>
-            </a:r>
-            <a:r>
-              <a:rPr lang="pl-PL" dirty="0" err="1"/>
-              <a:t>can</a:t>
-            </a:r>
-            <a:r>
-              <a:rPr lang="pl-PL" dirty="0"/>
-              <a:t> run </a:t>
-            </a:r>
-            <a:r>
-              <a:rPr lang="pl-PL" dirty="0" err="1"/>
-              <a:t>collect</a:t>
-            </a:r>
-            <a:r>
-              <a:rPr lang="pl-PL" dirty="0"/>
-              <a:t> and </a:t>
-            </a:r>
-            <a:r>
-              <a:rPr lang="pl-PL" dirty="0" err="1"/>
-              <a:t>present</a:t>
-            </a:r>
-            <a:r>
-              <a:rPr lang="pl-PL" dirty="0"/>
-              <a:t>, the </a:t>
-            </a:r>
-            <a:r>
-              <a:rPr lang="pl-PL" dirty="0" err="1"/>
-              <a:t>repository</a:t>
-            </a:r>
-            <a:r>
-              <a:rPr lang="pl-PL" dirty="0"/>
-              <a:t> </a:t>
-            </a:r>
-            <a:r>
-              <a:rPr lang="pl-PL" dirty="0" err="1"/>
-              <a:t>uses</a:t>
-            </a:r>
-            <a:r>
-              <a:rPr lang="pl-PL" dirty="0"/>
-              <a:t> a </a:t>
-            </a:r>
-            <a:r>
-              <a:rPr lang="pl-PL" dirty="0" err="1"/>
-              <a:t>few</a:t>
-            </a:r>
-            <a:r>
-              <a:rPr lang="pl-PL" dirty="0"/>
-              <a:t> </a:t>
-            </a:r>
-            <a:r>
-              <a:rPr lang="pl-PL" dirty="0" err="1"/>
-              <a:t>Azure</a:t>
-            </a:r>
-            <a:r>
-              <a:rPr lang="pl-PL" dirty="0"/>
-              <a:t> </a:t>
-            </a:r>
-            <a:r>
-              <a:rPr lang="pl-PL" dirty="0" err="1"/>
-              <a:t>dependencies</a:t>
-            </a:r>
-            <a:r>
-              <a:rPr lang="pl-PL" dirty="0"/>
-              <a:t>:</a:t>
-            </a:r>
-          </a:p>
-          <a:p>
-            <a:endParaRPr lang="pl-PL" dirty="0"/>
-          </a:p>
-          <a:p>
-            <a:pPr>
-              <a:buFont typeface="Wingdings" panose="05000000000000000000" pitchFamily="2" charset="2"/>
-              <a:buChar char="v"/>
-            </a:pPr>
-            <a:r>
-              <a:rPr lang="pl-PL" dirty="0" err="1"/>
-              <a:t>ServiceBus</a:t>
-            </a:r>
-            <a:r>
-              <a:rPr lang="pl-PL" dirty="0"/>
-              <a:t> – to </a:t>
-            </a:r>
-            <a:r>
-              <a:rPr lang="pl-PL" dirty="0" err="1"/>
-              <a:t>send</a:t>
-            </a:r>
-            <a:r>
-              <a:rPr lang="pl-PL" dirty="0"/>
-              <a:t> </a:t>
-            </a:r>
-            <a:r>
-              <a:rPr lang="pl-PL" dirty="0" err="1"/>
-              <a:t>calculation</a:t>
-            </a:r>
-            <a:r>
-              <a:rPr lang="pl-PL" dirty="0"/>
-              <a:t> </a:t>
-            </a:r>
-            <a:r>
-              <a:rPr lang="pl-PL" dirty="0" err="1"/>
-              <a:t>requests</a:t>
-            </a:r>
-            <a:r>
-              <a:rPr lang="pl-PL" dirty="0"/>
-              <a:t> from </a:t>
-            </a:r>
-            <a:r>
-              <a:rPr lang="pl-PL" dirty="0" err="1"/>
-              <a:t>WebService</a:t>
-            </a:r>
-            <a:r>
-              <a:rPr lang="pl-PL" dirty="0"/>
-              <a:t> to the </a:t>
-            </a:r>
-            <a:r>
-              <a:rPr lang="pl-PL" dirty="0" err="1"/>
-              <a:t>Worker</a:t>
-            </a:r>
-            <a:endParaRPr lang="pl-PL" dirty="0"/>
-          </a:p>
-          <a:p>
-            <a:pPr>
-              <a:buFont typeface="Wingdings" panose="05000000000000000000" pitchFamily="2" charset="2"/>
-              <a:buChar char="v"/>
-            </a:pPr>
-            <a:r>
-              <a:rPr lang="pl-PL" dirty="0" err="1"/>
-              <a:t>Table</a:t>
-            </a:r>
-            <a:r>
-              <a:rPr lang="pl-PL" dirty="0"/>
-              <a:t> Storage – to </a:t>
-            </a:r>
-            <a:r>
-              <a:rPr lang="pl-PL" dirty="0" err="1"/>
-              <a:t>store</a:t>
-            </a:r>
-            <a:r>
-              <a:rPr lang="pl-PL" dirty="0"/>
-              <a:t> the </a:t>
-            </a:r>
-            <a:r>
-              <a:rPr lang="pl-PL" dirty="0" err="1"/>
-              <a:t>result</a:t>
-            </a:r>
-            <a:r>
-              <a:rPr lang="pl-PL" dirty="0"/>
-              <a:t> for </a:t>
-            </a:r>
-            <a:r>
-              <a:rPr lang="pl-PL" dirty="0" err="1"/>
-              <a:t>given</a:t>
-            </a:r>
-            <a:r>
-              <a:rPr lang="pl-PL" dirty="0"/>
-              <a:t> N</a:t>
-            </a:r>
-          </a:p>
-          <a:p>
-            <a:pPr>
-              <a:buFont typeface="Wingdings" panose="05000000000000000000" pitchFamily="2" charset="2"/>
-              <a:buChar char="v"/>
-            </a:pPr>
-            <a:r>
-              <a:rPr lang="pl-PL" dirty="0"/>
-              <a:t>SQL Database and </a:t>
-            </a:r>
-            <a:r>
-              <a:rPr lang="pl-PL" dirty="0" err="1"/>
-              <a:t>Entity</a:t>
-            </a:r>
-            <a:r>
-              <a:rPr lang="pl-PL" dirty="0"/>
-              <a:t> Framework – to </a:t>
-            </a:r>
-            <a:r>
-              <a:rPr lang="pl-PL" dirty="0" err="1"/>
-              <a:t>store</a:t>
-            </a:r>
-            <a:r>
-              <a:rPr lang="pl-PL" dirty="0"/>
-              <a:t> </a:t>
-            </a:r>
-            <a:r>
-              <a:rPr lang="pl-PL" dirty="0" err="1"/>
-              <a:t>information</a:t>
-            </a:r>
-            <a:r>
-              <a:rPr lang="pl-PL" dirty="0"/>
-              <a:t> </a:t>
-            </a:r>
-            <a:r>
-              <a:rPr lang="pl-PL" dirty="0" err="1"/>
-              <a:t>about</a:t>
-            </a:r>
-            <a:r>
-              <a:rPr lang="pl-PL" dirty="0"/>
-              <a:t> the </a:t>
-            </a:r>
-            <a:r>
-              <a:rPr lang="pl-PL" dirty="0" err="1"/>
-              <a:t>caller</a:t>
-            </a:r>
-            <a:r>
-              <a:rPr lang="pl-PL" dirty="0"/>
-              <a:t> of the POST /n </a:t>
-            </a:r>
-            <a:r>
-              <a:rPr lang="pl-PL" dirty="0" err="1"/>
-              <a:t>endpoint</a:t>
-            </a:r>
-            <a:r>
-              <a:rPr lang="pl-PL" dirty="0"/>
-              <a:t>. It </a:t>
-            </a:r>
-            <a:r>
-              <a:rPr lang="pl-PL" dirty="0" err="1"/>
-              <a:t>doesn’t</a:t>
-            </a:r>
-            <a:r>
-              <a:rPr lang="pl-PL" dirty="0"/>
-              <a:t> </a:t>
-            </a:r>
-            <a:r>
-              <a:rPr lang="pl-PL" dirty="0" err="1"/>
-              <a:t>bring</a:t>
-            </a:r>
-            <a:r>
-              <a:rPr lang="pl-PL" dirty="0"/>
-              <a:t> </a:t>
-            </a:r>
-            <a:r>
-              <a:rPr lang="pl-PL" dirty="0" err="1"/>
-              <a:t>any</a:t>
-            </a:r>
-            <a:r>
-              <a:rPr lang="pl-PL" dirty="0"/>
-              <a:t> </a:t>
-            </a:r>
-            <a:r>
-              <a:rPr lang="pl-PL" dirty="0" err="1"/>
-              <a:t>additional</a:t>
-            </a:r>
-            <a:r>
-              <a:rPr lang="pl-PL" dirty="0"/>
-              <a:t> </a:t>
-            </a:r>
-            <a:r>
-              <a:rPr lang="pl-PL" dirty="0" err="1"/>
-              <a:t>value</a:t>
-            </a:r>
-            <a:r>
-              <a:rPr lang="pl-PL" dirty="0"/>
-              <a:t> and </a:t>
-            </a:r>
-            <a:r>
-              <a:rPr lang="pl-PL" dirty="0" err="1"/>
-              <a:t>it</a:t>
-            </a:r>
-            <a:r>
-              <a:rPr lang="pl-PL" dirty="0"/>
-              <a:t> was </a:t>
-            </a:r>
-            <a:r>
-              <a:rPr lang="pl-PL" dirty="0" err="1"/>
-              <a:t>added</a:t>
-            </a:r>
-            <a:r>
-              <a:rPr lang="pl-PL" dirty="0"/>
-              <a:t> </a:t>
-            </a:r>
-            <a:r>
-              <a:rPr lang="pl-PL" dirty="0" err="1"/>
-              <a:t>only</a:t>
-            </a:r>
-            <a:r>
-              <a:rPr lang="pl-PL" dirty="0"/>
-              <a:t> to </a:t>
-            </a:r>
-            <a:r>
-              <a:rPr lang="pl-PL" dirty="0" err="1"/>
-              <a:t>generate</a:t>
-            </a:r>
-            <a:r>
-              <a:rPr lang="pl-PL" dirty="0"/>
-              <a:t> extra </a:t>
-            </a:r>
-            <a:r>
-              <a:rPr lang="pl-PL" dirty="0" err="1"/>
-              <a:t>traffic</a:t>
-            </a:r>
-            <a:r>
-              <a:rPr lang="pl-PL" dirty="0"/>
-              <a:t> to </a:t>
-            </a:r>
-            <a:r>
-              <a:rPr lang="pl-PL" dirty="0" err="1"/>
-              <a:t>external</a:t>
-            </a:r>
-            <a:r>
-              <a:rPr lang="pl-PL" dirty="0"/>
-              <a:t> </a:t>
-            </a:r>
-            <a:r>
-              <a:rPr lang="pl-PL" dirty="0" err="1"/>
-              <a:t>dependency</a:t>
-            </a:r>
-            <a:r>
-              <a:rPr lang="pl-PL" dirty="0"/>
-              <a:t>.</a:t>
-            </a:r>
+              <a:rPr lang="pl-PL" dirty="0">
+                <a:solidFill>
+                  <a:schemeClr val="bg1"/>
+                </a:solidFill>
+              </a:rPr>
+              <a:t>@</a:t>
+            </a:r>
+            <a:r>
+              <a:rPr lang="pl-PL" dirty="0" err="1">
+                <a:solidFill>
+                  <a:schemeClr val="bg1"/>
+                </a:solidFill>
+              </a:rPr>
+              <a:t>lukaszpyrzyk</a:t>
+            </a:r>
+            <a:endParaRPr lang="en-GB" dirty="0">
+              <a:solidFill>
+                <a:schemeClr val="bg1"/>
+              </a:solidFill>
+            </a:endParaRPr>
           </a:p>
         </p:txBody>
       </p:sp>
     </p:spTree>
     <p:extLst>
       <p:ext uri="{BB962C8B-B14F-4D97-AF65-F5344CB8AC3E}">
-        <p14:creationId xmlns:p14="http://schemas.microsoft.com/office/powerpoint/2010/main" val="1266029004"/>
+        <p14:creationId xmlns:p14="http://schemas.microsoft.com/office/powerpoint/2010/main" val="1346667413"/>
       </p:ext>
     </p:extLst>
   </p:cSld>
@@ -11142,7 +11226,9 @@
         </p:nvSpPr>
         <p:spPr/>
         <p:txBody>
-          <a:bodyPr/>
+          <a:bodyPr>
+            <a:normAutofit fontScale="85000" lnSpcReduction="20000"/>
+          </a:bodyPr>
           <a:lstStyle/>
           <a:p>
             <a:r>
@@ -11202,6 +11288,99 @@
               <a:rPr lang="en-GB" dirty="0"/>
               <a:t>https://medium.com/knerd/distributed-tracing-design-and-architecture-88b1ce31f60d</a:t>
             </a:r>
+            <a:endParaRPr lang="pl-PL" dirty="0"/>
+          </a:p>
+          <a:p>
+            <a:pPr marL="0" indent="0">
+              <a:buNone/>
+            </a:pPr>
+            <a:endParaRPr lang="pl-PL" dirty="0"/>
+          </a:p>
+          <a:p>
+            <a:pPr marL="0" indent="0">
+              <a:buNone/>
+            </a:pPr>
+            <a:r>
+              <a:rPr lang="pl-PL" dirty="0" err="1"/>
+              <a:t>Feel</a:t>
+            </a:r>
+            <a:r>
+              <a:rPr lang="pl-PL" dirty="0"/>
+              <a:t> </a:t>
+            </a:r>
+            <a:r>
+              <a:rPr lang="pl-PL" dirty="0" err="1"/>
+              <a:t>free</a:t>
+            </a:r>
+            <a:r>
+              <a:rPr lang="pl-PL" dirty="0"/>
+              <a:t> to </a:t>
+            </a:r>
+            <a:r>
+              <a:rPr lang="pl-PL" dirty="0" err="1"/>
+              <a:t>reach</a:t>
+            </a:r>
+            <a:r>
+              <a:rPr lang="pl-PL" dirty="0"/>
+              <a:t> out to me for </a:t>
+            </a:r>
+            <a:r>
+              <a:rPr lang="pl-PL" dirty="0" err="1"/>
+              <a:t>more</a:t>
+            </a:r>
+            <a:r>
+              <a:rPr lang="pl-PL" dirty="0"/>
+              <a:t> </a:t>
+            </a:r>
+            <a:r>
+              <a:rPr lang="pl-PL" dirty="0" err="1"/>
+              <a:t>details</a:t>
+            </a:r>
+            <a:r>
+              <a:rPr lang="pl-PL" dirty="0"/>
+              <a:t>.</a:t>
+            </a:r>
+          </a:p>
+          <a:p>
+            <a:pPr marL="0" indent="0">
+              <a:buNone/>
+            </a:pPr>
+            <a:r>
+              <a:rPr lang="pl-PL" dirty="0"/>
+              <a:t>Twitter: @</a:t>
+            </a:r>
+            <a:r>
+              <a:rPr lang="pl-PL" dirty="0" err="1"/>
+              <a:t>lukaszpyrzyk</a:t>
+            </a:r>
+            <a:br>
+              <a:rPr lang="pl-PL" dirty="0"/>
+            </a:br>
+            <a:r>
+              <a:rPr lang="pl-PL" dirty="0"/>
+              <a:t>LinkedIn: https://www.linkedin.com/in/lukaszpyrzyk/</a:t>
+            </a:r>
+            <a:br>
+              <a:rPr lang="pl-PL" dirty="0"/>
+            </a:br>
+            <a:r>
+              <a:rPr lang="en-GB" dirty="0" err="1"/>
+              <a:t>Em</a:t>
+            </a:r>
+            <a:r>
+              <a:rPr lang="pl-PL" dirty="0" err="1"/>
+              <a:t>ail</a:t>
+            </a:r>
+            <a:r>
+              <a:rPr lang="pl-PL" dirty="0"/>
+              <a:t>: lukasz.pyrzyk@gmail.com</a:t>
+            </a:r>
+          </a:p>
+          <a:p>
+            <a:pPr marL="0" indent="0">
+              <a:buNone/>
+            </a:pPr>
+            <a:endParaRPr lang="pl-PL" dirty="0"/>
           </a:p>
         </p:txBody>
       </p:sp>

--- a/OpenTelemetry.pptx
+++ b/OpenTelemetry.pptx
@@ -14,23 +14,22 @@
     <p:sldId id="273" r:id="rId8"/>
     <p:sldId id="274" r:id="rId9"/>
     <p:sldId id="266" r:id="rId10"/>
-    <p:sldId id="275" r:id="rId11"/>
-    <p:sldId id="276" r:id="rId12"/>
-    <p:sldId id="277" r:id="rId13"/>
-    <p:sldId id="278" r:id="rId14"/>
-    <p:sldId id="281" r:id="rId15"/>
-    <p:sldId id="279" r:id="rId16"/>
-    <p:sldId id="285" r:id="rId17"/>
+    <p:sldId id="276" r:id="rId11"/>
+    <p:sldId id="277" r:id="rId12"/>
+    <p:sldId id="278" r:id="rId13"/>
+    <p:sldId id="281" r:id="rId14"/>
+    <p:sldId id="279" r:id="rId15"/>
+    <p:sldId id="285" r:id="rId16"/>
+    <p:sldId id="264" r:id="rId17"/>
     <p:sldId id="282" r:id="rId18"/>
     <p:sldId id="283" r:id="rId19"/>
     <p:sldId id="284" r:id="rId20"/>
-    <p:sldId id="264" r:id="rId21"/>
-    <p:sldId id="288" r:id="rId22"/>
-    <p:sldId id="289" r:id="rId23"/>
-    <p:sldId id="290" r:id="rId24"/>
-    <p:sldId id="263" r:id="rId25"/>
-    <p:sldId id="286" r:id="rId26"/>
-    <p:sldId id="267" r:id="rId27"/>
+    <p:sldId id="288" r:id="rId21"/>
+    <p:sldId id="289" r:id="rId22"/>
+    <p:sldId id="290" r:id="rId23"/>
+    <p:sldId id="263" r:id="rId24"/>
+    <p:sldId id="286" r:id="rId25"/>
+    <p:sldId id="267" r:id="rId26"/>
   </p:sldIdLst>
   <p:sldSz cx="12192000" cy="6858000"/>
   <p:notesSz cx="6858000" cy="9144000"/>
@@ -364,7 +363,7 @@
             <a:fld id="{5923F103-BC34-4FE4-A40E-EDDEECFDA5D0}" type="datetimeFigureOut">
               <a:rPr lang="en-US" smtClean="0"/>
               <a:pPr/>
-              <a:t>9/20/2022</a:t>
+              <a:t>9/22/2022</a:t>
             </a:fld>
             <a:endParaRPr lang="en-US" dirty="0"/>
           </a:p>
@@ -573,7 +572,7 @@
           <a:p>
             <a:fld id="{53086D93-FCAC-47E0-A2EE-787E62CA814C}" type="datetimeFigureOut">
               <a:rPr lang="en-US" smtClean="0"/>
-              <a:t>9/20/2022</a:t>
+              <a:t>9/22/2022</a:t>
             </a:fld>
             <a:endParaRPr lang="en-US" dirty="0"/>
           </a:p>
@@ -830,7 +829,7 @@
           <a:p>
             <a:fld id="{CDA879A6-0FD0-4734-A311-86BFCA472E6E}" type="datetimeFigureOut">
               <a:rPr lang="en-US" smtClean="0"/>
-              <a:t>9/20/2022</a:t>
+              <a:t>9/22/2022</a:t>
             </a:fld>
             <a:endParaRPr lang="en-US" dirty="0"/>
           </a:p>
@@ -1001,7 +1000,7 @@
           <a:p>
             <a:fld id="{19C9CA7B-DFD4-44B5-8C60-D14B8CD1FB59}" type="datetimeFigureOut">
               <a:rPr lang="en-US" smtClean="0"/>
-              <a:t>9/20/2022</a:t>
+              <a:t>9/22/2022</a:t>
             </a:fld>
             <a:endParaRPr lang="en-US" dirty="0"/>
           </a:p>
@@ -1345,7 +1344,7 @@
           <a:p>
             <a:fld id="{F34E6425-0181-43F2-84FC-787E803FD2F8}" type="datetimeFigureOut">
               <a:rPr lang="en-US" smtClean="0"/>
-              <a:t>9/20/2022</a:t>
+              <a:t>9/22/2022</a:t>
             </a:fld>
             <a:endParaRPr lang="en-US" dirty="0"/>
           </a:p>
@@ -1621,7 +1620,7 @@
           <a:p>
             <a:fld id="{3BDB8791-F1B0-41E7-B7FD-A781E65C4266}" type="datetimeFigureOut">
               <a:rPr lang="en-US" smtClean="0"/>
-              <a:t>9/20/2022</a:t>
+              <a:t>9/22/2022</a:t>
             </a:fld>
             <a:endParaRPr lang="en-US" dirty="0"/>
           </a:p>
@@ -2001,7 +2000,7 @@
           <a:p>
             <a:fld id="{5FDD63B2-E120-4ED8-B27B-C685F510A5FE}" type="datetimeFigureOut">
               <a:rPr lang="en-US" smtClean="0"/>
-              <a:t>9/20/2022</a:t>
+              <a:t>9/22/2022</a:t>
             </a:fld>
             <a:endParaRPr lang="en-US" dirty="0"/>
           </a:p>
@@ -2120,7 +2119,7 @@
           <a:p>
             <a:fld id="{7AA18ACC-A947-437B-A130-35BD54FDF1E9}" type="datetimeFigureOut">
               <a:rPr lang="en-US" smtClean="0"/>
-              <a:t>9/20/2022</a:t>
+              <a:t>9/22/2022</a:t>
             </a:fld>
             <a:endParaRPr lang="en-US" dirty="0"/>
           </a:p>
@@ -2292,7 +2291,7 @@
           <a:p>
             <a:fld id="{7C8D7E02-BCB8-4D50-A234-369438C08659}" type="datetimeFigureOut">
               <a:rPr lang="en-US" smtClean="0"/>
-              <a:t>9/20/2022</a:t>
+              <a:t>9/22/2022</a:t>
             </a:fld>
             <a:endParaRPr lang="en-US" dirty="0"/>
           </a:p>
@@ -2647,7 +2646,7 @@
           <a:p>
             <a:fld id="{76E86A4C-8E40-4F87-A4F0-01A0687C5742}" type="datetimeFigureOut">
               <a:rPr lang="en-US" smtClean="0"/>
-              <a:t>9/20/2022</a:t>
+              <a:t>9/22/2022</a:t>
             </a:fld>
             <a:endParaRPr lang="en-US" dirty="0"/>
           </a:p>
@@ -3025,7 +3024,7 @@
           <a:p>
             <a:fld id="{35E72C73-2D91-4E12-BA25-F0AA0C03599B}" type="datetimeFigureOut">
               <a:rPr lang="en-US" smtClean="0"/>
-              <a:t>9/20/2022</a:t>
+              <a:t>9/22/2022</a:t>
             </a:fld>
             <a:endParaRPr lang="en-US" dirty="0"/>
           </a:p>
@@ -3313,7 +3312,7 @@
           <a:p>
             <a:fld id="{2BE451C3-0FF4-47C4-B829-773ADF60F88C}" type="datetimeFigureOut">
               <a:rPr lang="en-US" smtClean="0"/>
-              <a:t>9/20/2022</a:t>
+              <a:t>9/22/2022</a:t>
             </a:fld>
             <a:endParaRPr lang="en-US" dirty="0"/>
           </a:p>
@@ -3969,7 +3968,7 @@
           <p:cNvPr id="2" name="Tytuł 1">
             <a:extLst>
               <a:ext uri="{FF2B5EF4-FFF2-40B4-BE49-F238E27FC236}">
-                <a16:creationId xmlns:a16="http://schemas.microsoft.com/office/drawing/2014/main" id="{10A5ACF3-CAE3-4559-9B15-9B142550400A}"/>
+                <a16:creationId xmlns:a16="http://schemas.microsoft.com/office/drawing/2014/main" id="{FF311FA3-93F1-4DC2-9EA1-F297D189ACA7}"/>
               </a:ext>
             </a:extLst>
           </p:cNvPr>
@@ -3986,12 +3985,20 @@
           <a:lstStyle/>
           <a:p>
             <a:r>
-              <a:rPr lang="en-GB" dirty="0"/>
-              <a:t>Pillars</a:t>
-            </a:r>
-            <a:r>
-              <a:rPr lang="pl-PL" dirty="0"/>
-              <a:t> of system </a:t>
+              <a:rPr lang="pl-PL" dirty="0" err="1"/>
+              <a:t>History</a:t>
+            </a:r>
+            <a:r>
+              <a:rPr lang="pl-PL" dirty="0"/>
+              <a:t> of </a:t>
+            </a:r>
+            <a:r>
+              <a:rPr lang="pl-PL" dirty="0" err="1">
+                <a:solidFill>
+                  <a:srgbClr val="FFC000"/>
+                </a:solidFill>
+              </a:rPr>
+              <a:t>Open</a:t>
             </a:r>
             <a:r>
               <a:rPr lang="pl-PL" dirty="0" err="1">
@@ -3999,13 +4006,13 @@
                   <a:srgbClr val="425CC7"/>
                 </a:solidFill>
               </a:rPr>
-              <a:t>observability</a:t>
-            </a:r>
-            <a:endParaRPr lang="en-GB" dirty="0">
-              <a:solidFill>
-                <a:srgbClr val="425CC7"/>
-              </a:solidFill>
-            </a:endParaRPr>
+              <a:t>Telemetry</a:t>
+            </a:r>
+            <a:r>
+              <a:rPr lang="pl-PL" dirty="0"/>
+              <a:t>	</a:t>
+            </a:r>
+            <a:endParaRPr lang="en-GB" dirty="0"/>
           </a:p>
         </p:txBody>
       </p:sp>
@@ -4014,7 +4021,7 @@
           <p:cNvPr id="3" name="Symbol zastępczy zawartości 2">
             <a:extLst>
               <a:ext uri="{FF2B5EF4-FFF2-40B4-BE49-F238E27FC236}">
-                <a16:creationId xmlns:a16="http://schemas.microsoft.com/office/drawing/2014/main" id="{7D75D931-3DF1-4DB8-8145-B0B3726F6ECC}"/>
+                <a16:creationId xmlns:a16="http://schemas.microsoft.com/office/drawing/2014/main" id="{7EF4003B-2662-4313-92B3-2AC079538360}"/>
               </a:ext>
             </a:extLst>
           </p:cNvPr>
@@ -4034,20 +4041,223 @@
           <a:p>
             <a:pPr algn="just"/>
             <a:r>
+              <a:rPr lang="pl-PL" dirty="0" err="1"/>
+              <a:t>October</a:t>
+            </a:r>
+            <a:r>
+              <a:rPr lang="pl-PL" dirty="0"/>
+              <a:t> 2016 – </a:t>
+            </a:r>
+            <a:r>
               <a:rPr lang="pl-PL" dirty="0" err="1">
                 <a:solidFill>
                   <a:srgbClr val="425CC7"/>
                 </a:solidFill>
               </a:rPr>
-              <a:t>Logs</a:t>
-            </a:r>
-            <a:r>
-              <a:rPr lang="pl-PL" dirty="0">
+              <a:t>OpenTracing</a:t>
+            </a:r>
+            <a:r>
+              <a:rPr lang="pl-PL" b="1" dirty="0"/>
+              <a:t> </a:t>
+            </a:r>
+            <a:r>
+              <a:rPr lang="pl-PL" dirty="0" err="1"/>
+              <a:t>is</a:t>
+            </a:r>
+            <a:r>
+              <a:rPr lang="pl-PL" dirty="0"/>
+              <a:t> </a:t>
+            </a:r>
+            <a:r>
+              <a:rPr lang="pl-PL" dirty="0" err="1"/>
+              <a:t>released</a:t>
+            </a:r>
+            <a:r>
+              <a:rPr lang="pl-PL" dirty="0"/>
+              <a:t> to the market </a:t>
+            </a:r>
+            <a:r>
+              <a:rPr lang="pl-PL" dirty="0" err="1"/>
+              <a:t>under</a:t>
+            </a:r>
+            <a:r>
+              <a:rPr lang="pl-PL" dirty="0"/>
+              <a:t> </a:t>
+            </a:r>
+            <a:r>
+              <a:rPr lang="pl-PL" dirty="0" err="1"/>
+              <a:t>Cloud</a:t>
+            </a:r>
+            <a:r>
+              <a:rPr lang="pl-PL" dirty="0"/>
+              <a:t> Native Computing Foundation. It </a:t>
+            </a:r>
+            <a:r>
+              <a:rPr lang="pl-PL" dirty="0" err="1"/>
+              <a:t>brings</a:t>
+            </a:r>
+            <a:r>
+              <a:rPr lang="pl-PL" dirty="0"/>
+              <a:t> open </a:t>
+            </a:r>
+            <a:r>
+              <a:rPr lang="pl-PL" dirty="0" err="1"/>
+              <a:t>source</a:t>
+            </a:r>
+            <a:r>
+              <a:rPr lang="pl-PL" dirty="0"/>
+              <a:t> </a:t>
+            </a:r>
+            <a:r>
+              <a:rPr lang="pl-PL" dirty="0" err="1"/>
+              <a:t>APIs</a:t>
+            </a:r>
+            <a:r>
+              <a:rPr lang="pl-PL" dirty="0"/>
+              <a:t>, </a:t>
+            </a:r>
+            <a:r>
+              <a:rPr lang="pl-PL" dirty="0" err="1"/>
+              <a:t>libraries</a:t>
+            </a:r>
+            <a:r>
+              <a:rPr lang="pl-PL" dirty="0"/>
+              <a:t> and a platform-</a:t>
+            </a:r>
+            <a:r>
+              <a:rPr lang="pl-PL" dirty="0" err="1"/>
+              <a:t>agnostic</a:t>
+            </a:r>
+            <a:r>
+              <a:rPr lang="pl-PL" dirty="0"/>
+              <a:t> </a:t>
+            </a:r>
+            <a:r>
+              <a:rPr lang="pl-PL" dirty="0" err="1"/>
+              <a:t>schema</a:t>
+            </a:r>
+            <a:r>
+              <a:rPr lang="pl-PL" dirty="0"/>
+              <a:t> for </a:t>
+            </a:r>
+            <a:r>
+              <a:rPr lang="pl-PL" dirty="0" err="1"/>
+              <a:t>distributed</a:t>
+            </a:r>
+            <a:r>
+              <a:rPr lang="pl-PL" dirty="0"/>
+              <a:t> </a:t>
+            </a:r>
+            <a:r>
+              <a:rPr lang="pl-PL" dirty="0" err="1"/>
+              <a:t>tracing</a:t>
+            </a:r>
+            <a:r>
+              <a:rPr lang="pl-PL" dirty="0"/>
+              <a:t>. </a:t>
+            </a:r>
+            <a:r>
+              <a:rPr lang="en-GB" dirty="0"/>
+              <a:t>The authors of the </a:t>
+            </a:r>
+            <a:r>
+              <a:rPr lang="en-GB" dirty="0" err="1"/>
+              <a:t>OpenTracing</a:t>
+            </a:r>
+            <a:r>
+              <a:rPr lang="en-GB" dirty="0"/>
+              <a:t> project wanted to provide a standard mechanism for instrumentation that does not bind any library or package to any specific vendor.</a:t>
+            </a:r>
+            <a:r>
+              <a:rPr lang="pl-PL" dirty="0"/>
+              <a:t> The </a:t>
+            </a:r>
+            <a:r>
+              <a:rPr lang="pl-PL" dirty="0" err="1"/>
+              <a:t>project</a:t>
+            </a:r>
+            <a:r>
+              <a:rPr lang="pl-PL" dirty="0"/>
+              <a:t> was </a:t>
+            </a:r>
+            <a:r>
+              <a:rPr lang="pl-PL" dirty="0" err="1"/>
+              <a:t>initially</a:t>
+            </a:r>
+            <a:r>
+              <a:rPr lang="pl-PL" dirty="0"/>
+              <a:t> </a:t>
+            </a:r>
+            <a:r>
+              <a:rPr lang="pl-PL" dirty="0" err="1"/>
+              <a:t>developed</a:t>
+            </a:r>
+            <a:r>
+              <a:rPr lang="pl-PL" dirty="0"/>
+              <a:t> by Uber</a:t>
+            </a:r>
+          </a:p>
+          <a:p>
+            <a:pPr algn="just"/>
+            <a:r>
+              <a:rPr lang="pl-PL" dirty="0"/>
+              <a:t>January 2018 – Google open </a:t>
+            </a:r>
+            <a:r>
+              <a:rPr lang="pl-PL" dirty="0" err="1"/>
+              <a:t>sources</a:t>
+            </a:r>
+            <a:r>
+              <a:rPr lang="pl-PL" dirty="0"/>
+              <a:t> </a:t>
+            </a:r>
+            <a:r>
+              <a:rPr lang="en-GB" dirty="0" err="1">
+                <a:solidFill>
+                  <a:srgbClr val="FFC000"/>
+                </a:solidFill>
+              </a:rPr>
+              <a:t>OpenCensus</a:t>
+            </a:r>
+            <a:r>
+              <a:rPr lang="pl-PL" dirty="0"/>
+              <a:t>, a </a:t>
+            </a:r>
+            <a:r>
+              <a:rPr lang="pl-PL" dirty="0" err="1"/>
+              <a:t>vendor-neutral</a:t>
+            </a:r>
+            <a:r>
+              <a:rPr lang="pl-PL" dirty="0"/>
+              <a:t> </a:t>
+            </a:r>
+            <a:r>
+              <a:rPr lang="pl-PL" dirty="0" err="1"/>
+              <a:t>library</a:t>
+            </a:r>
+            <a:r>
+              <a:rPr lang="pl-PL" dirty="0"/>
+              <a:t> for </a:t>
+            </a:r>
+            <a:r>
+              <a:rPr lang="pl-PL" dirty="0" err="1"/>
+              <a:t>collecting</a:t>
+            </a:r>
+            <a:r>
+              <a:rPr lang="pl-PL" dirty="0"/>
+              <a:t> </a:t>
+            </a:r>
+            <a:r>
+              <a:rPr lang="pl-PL" dirty="0" err="1">
                 <a:solidFill>
                   <a:srgbClr val="425CC7"/>
                 </a:solidFill>
               </a:rPr>
-              <a:t>, </a:t>
+              <a:t>metrics</a:t>
+            </a:r>
+            <a:r>
+              <a:rPr lang="pl-PL" dirty="0"/>
+              <a:t> and </a:t>
             </a:r>
             <a:r>
               <a:rPr lang="pl-PL" dirty="0" err="1">
@@ -4055,646 +4265,70 @@
                   <a:srgbClr val="425CC7"/>
                 </a:solidFill>
               </a:rPr>
-              <a:t>metrics</a:t>
-            </a:r>
-            <a:r>
-              <a:rPr lang="pl-PL" dirty="0">
+              <a:t>traces</a:t>
+            </a:r>
+            <a:r>
+              <a:rPr lang="pl-PL" dirty="0"/>
+              <a:t>. </a:t>
+            </a:r>
+          </a:p>
+          <a:p>
+            <a:pPr algn="just"/>
+            <a:r>
+              <a:rPr lang="en-GB" dirty="0"/>
+              <a:t>The </a:t>
+            </a:r>
+            <a:r>
+              <a:rPr lang="en-GB" dirty="0" err="1">
                 <a:solidFill>
                   <a:srgbClr val="425CC7"/>
                 </a:solidFill>
               </a:rPr>
-              <a:t> and </a:t>
-            </a:r>
-            <a:r>
-              <a:rPr lang="pl-PL" dirty="0" err="1">
-                <a:solidFill>
-                  <a:srgbClr val="425CC7"/>
-                </a:solidFill>
-              </a:rPr>
-              <a:t>traces</a:t>
-            </a:r>
-            <a:r>
-              <a:rPr lang="pl-PL" dirty="0">
-                <a:solidFill>
-                  <a:srgbClr val="425CC7"/>
-                </a:solidFill>
-              </a:rPr>
-              <a:t> </a:t>
-            </a:r>
-            <a:r>
-              <a:rPr lang="pl-PL" dirty="0" err="1">
-                <a:solidFill>
-                  <a:schemeClr val="tx2"/>
-                </a:solidFill>
-              </a:rPr>
-              <a:t>serve</a:t>
-            </a:r>
-            <a:r>
-              <a:rPr lang="pl-PL" dirty="0">
-                <a:solidFill>
-                  <a:schemeClr val="tx2"/>
-                </a:solidFill>
-              </a:rPr>
-              <a:t> </a:t>
-            </a:r>
-            <a:r>
-              <a:rPr lang="pl-PL" dirty="0" err="1">
-                <a:solidFill>
-                  <a:schemeClr val="tx2"/>
-                </a:solidFill>
-              </a:rPr>
-              <a:t>their</a:t>
-            </a:r>
-            <a:r>
-              <a:rPr lang="pl-PL" dirty="0">
-                <a:solidFill>
-                  <a:schemeClr val="tx2"/>
-                </a:solidFill>
-              </a:rPr>
-              <a:t> </a:t>
-            </a:r>
-            <a:r>
-              <a:rPr lang="pl-PL" dirty="0" err="1">
-                <a:solidFill>
-                  <a:schemeClr val="tx2"/>
-                </a:solidFill>
-              </a:rPr>
-              <a:t>own</a:t>
-            </a:r>
-            <a:r>
-              <a:rPr lang="pl-PL" dirty="0">
-                <a:solidFill>
-                  <a:schemeClr val="tx2"/>
-                </a:solidFill>
-              </a:rPr>
-              <a:t> </a:t>
-            </a:r>
-            <a:r>
-              <a:rPr lang="pl-PL" dirty="0" err="1">
-                <a:solidFill>
-                  <a:schemeClr val="tx2"/>
-                </a:solidFill>
-              </a:rPr>
-              <a:t>unique</a:t>
-            </a:r>
-            <a:r>
-              <a:rPr lang="pl-PL" dirty="0">
-                <a:solidFill>
-                  <a:schemeClr val="tx2"/>
-                </a:solidFill>
-              </a:rPr>
-              <a:t> </a:t>
-            </a:r>
-            <a:r>
-              <a:rPr lang="pl-PL" dirty="0" err="1">
-                <a:solidFill>
-                  <a:schemeClr val="tx2"/>
-                </a:solidFill>
-              </a:rPr>
-              <a:t>purpose</a:t>
-            </a:r>
-            <a:r>
-              <a:rPr lang="pl-PL" dirty="0">
-                <a:solidFill>
-                  <a:schemeClr val="tx2"/>
-                </a:solidFill>
-              </a:rPr>
-              <a:t>, </a:t>
-            </a:r>
-            <a:r>
-              <a:rPr lang="pl-PL" dirty="0" err="1">
-                <a:solidFill>
-                  <a:schemeClr val="tx2"/>
-                </a:solidFill>
-              </a:rPr>
-              <a:t>however</a:t>
-            </a:r>
-            <a:r>
-              <a:rPr lang="pl-PL" dirty="0">
-                <a:solidFill>
-                  <a:schemeClr val="tx2"/>
-                </a:solidFill>
-              </a:rPr>
-              <a:t> </a:t>
-            </a:r>
-            <a:r>
-              <a:rPr lang="pl-PL" dirty="0" err="1">
-                <a:solidFill>
-                  <a:schemeClr val="tx2"/>
-                </a:solidFill>
-              </a:rPr>
-              <a:t>together</a:t>
-            </a:r>
-            <a:r>
-              <a:rPr lang="pl-PL" dirty="0">
-                <a:solidFill>
-                  <a:schemeClr val="tx2"/>
-                </a:solidFill>
-              </a:rPr>
-              <a:t> </a:t>
-            </a:r>
-            <a:r>
-              <a:rPr lang="pl-PL" dirty="0" err="1">
-                <a:solidFill>
-                  <a:schemeClr val="tx2"/>
-                </a:solidFill>
-              </a:rPr>
-              <a:t>they</a:t>
-            </a:r>
-            <a:r>
-              <a:rPr lang="pl-PL" dirty="0">
-                <a:solidFill>
-                  <a:schemeClr val="tx2"/>
-                </a:solidFill>
-              </a:rPr>
-              <a:t> </a:t>
-            </a:r>
-            <a:r>
-              <a:rPr lang="pl-PL" dirty="0" err="1">
-                <a:solidFill>
-                  <a:schemeClr val="tx2"/>
-                </a:solidFill>
-              </a:rPr>
-              <a:t>help</a:t>
-            </a:r>
-            <a:r>
-              <a:rPr lang="pl-PL" dirty="0">
-                <a:solidFill>
-                  <a:schemeClr val="tx2"/>
-                </a:solidFill>
-              </a:rPr>
-              <a:t> to </a:t>
-            </a:r>
-            <a:r>
-              <a:rPr lang="pl-PL" dirty="0" err="1">
-                <a:solidFill>
-                  <a:schemeClr val="tx2"/>
-                </a:solidFill>
-              </a:rPr>
-              <a:t>build</a:t>
-            </a:r>
-            <a:r>
-              <a:rPr lang="pl-PL" dirty="0">
-                <a:solidFill>
-                  <a:schemeClr val="tx2"/>
-                </a:solidFill>
-              </a:rPr>
-              <a:t> and </a:t>
-            </a:r>
-            <a:r>
-              <a:rPr lang="pl-PL" dirty="0" err="1">
-                <a:solidFill>
-                  <a:schemeClr val="tx2"/>
-                </a:solidFill>
-              </a:rPr>
-              <a:t>maintain</a:t>
-            </a:r>
-            <a:r>
-              <a:rPr lang="pl-PL" dirty="0">
-                <a:solidFill>
-                  <a:schemeClr val="tx2"/>
-                </a:solidFill>
-              </a:rPr>
-              <a:t> </a:t>
-            </a:r>
-            <a:r>
-              <a:rPr lang="pl-PL" dirty="0" err="1">
-                <a:solidFill>
-                  <a:schemeClr val="tx2"/>
-                </a:solidFill>
-              </a:rPr>
-              <a:t>reliable</a:t>
-            </a:r>
-            <a:r>
-              <a:rPr lang="pl-PL" dirty="0">
-                <a:solidFill>
-                  <a:schemeClr val="tx2"/>
-                </a:solidFill>
-              </a:rPr>
-              <a:t> </a:t>
-            </a:r>
-            <a:r>
-              <a:rPr lang="pl-PL" dirty="0" err="1">
-                <a:solidFill>
-                  <a:schemeClr val="tx2"/>
-                </a:solidFill>
-              </a:rPr>
-              <a:t>applications</a:t>
-            </a:r>
-            <a:r>
-              <a:rPr lang="pl-PL" dirty="0">
-                <a:solidFill>
-                  <a:schemeClr val="tx2"/>
-                </a:solidFill>
-              </a:rPr>
-              <a:t> and </a:t>
-            </a:r>
-            <a:r>
-              <a:rPr lang="pl-PL" dirty="0" err="1">
-                <a:solidFill>
-                  <a:schemeClr val="tx2"/>
-                </a:solidFill>
-              </a:rPr>
-              <a:t>systems</a:t>
-            </a:r>
-            <a:r>
-              <a:rPr lang="pl-PL" dirty="0">
-                <a:solidFill>
-                  <a:schemeClr val="tx2"/>
-                </a:solidFill>
-              </a:rPr>
-              <a:t>.</a:t>
-            </a:r>
+              <a:t>OpenTracing</a:t>
+            </a:r>
+            <a:r>
+              <a:rPr lang="en-GB" dirty="0"/>
+              <a:t> API makes it simple to change a preferred storage backend but relies on you to implement your own tracers that </a:t>
+            </a:r>
+            <a:r>
+              <a:rPr lang="pl-PL" dirty="0" err="1"/>
+              <a:t>must</a:t>
+            </a:r>
+            <a:r>
+              <a:rPr lang="pl-PL" dirty="0"/>
+              <a:t> be </a:t>
+            </a:r>
+            <a:r>
+              <a:rPr lang="en-GB" dirty="0"/>
+              <a:t>compatible with the specifications of the project. </a:t>
+            </a:r>
+            <a:br>
+              <a:rPr lang="pl-PL" dirty="0"/>
+            </a:br>
+            <a:endParaRPr lang="pl-PL" dirty="0"/>
           </a:p>
           <a:p>
             <a:pPr algn="just"/>
-            <a:endParaRPr lang="pl-PL" dirty="0">
-              <a:solidFill>
-                <a:schemeClr val="tx2"/>
-              </a:solidFill>
-            </a:endParaRPr>
+            <a:r>
+              <a:rPr lang="en-GB" dirty="0" err="1">
+                <a:solidFill>
+                  <a:srgbClr val="FFC000"/>
+                </a:solidFill>
+              </a:rPr>
+              <a:t>OpenCensus</a:t>
+            </a:r>
+            <a:r>
+              <a:rPr lang="en-GB" dirty="0"/>
+              <a:t> is built to include multiple backend exports automatically, it only supports the collection of various data types based on the backend and language.</a:t>
+            </a:r>
           </a:p>
           <a:p>
             <a:pPr algn="just"/>
-            <a:r>
-              <a:rPr lang="pl-PL" dirty="0" err="1">
-                <a:solidFill>
-                  <a:schemeClr val="tx2"/>
-                </a:solidFill>
-              </a:rPr>
-              <a:t>They</a:t>
-            </a:r>
-            <a:r>
-              <a:rPr lang="pl-PL" dirty="0">
-                <a:solidFill>
-                  <a:schemeClr val="tx2"/>
-                </a:solidFill>
-              </a:rPr>
-              <a:t> </a:t>
-            </a:r>
-            <a:r>
-              <a:rPr lang="pl-PL" dirty="0" err="1">
-                <a:solidFill>
-                  <a:schemeClr val="tx2"/>
-                </a:solidFill>
-              </a:rPr>
-              <a:t>all</a:t>
-            </a:r>
-            <a:r>
-              <a:rPr lang="pl-PL" dirty="0">
-                <a:solidFill>
-                  <a:schemeClr val="tx2"/>
-                </a:solidFill>
-              </a:rPr>
-              <a:t> </a:t>
-            </a:r>
-            <a:r>
-              <a:rPr lang="pl-PL" dirty="0" err="1">
-                <a:solidFill>
-                  <a:schemeClr val="tx2"/>
-                </a:solidFill>
-              </a:rPr>
-              <a:t>work</a:t>
-            </a:r>
-            <a:r>
-              <a:rPr lang="pl-PL" dirty="0">
-                <a:solidFill>
-                  <a:schemeClr val="tx2"/>
-                </a:solidFill>
-              </a:rPr>
-              <a:t> </a:t>
-            </a:r>
-            <a:r>
-              <a:rPr lang="pl-PL" dirty="0" err="1">
-                <a:solidFill>
-                  <a:schemeClr val="tx2"/>
-                </a:solidFill>
-              </a:rPr>
-              <a:t>together</a:t>
-            </a:r>
-            <a:r>
-              <a:rPr lang="pl-PL" dirty="0">
-                <a:solidFill>
-                  <a:schemeClr val="tx2"/>
-                </a:solidFill>
-              </a:rPr>
-              <a:t> to </a:t>
-            </a:r>
-            <a:r>
-              <a:rPr lang="pl-PL" dirty="0" err="1">
-                <a:solidFill>
-                  <a:schemeClr val="tx2"/>
-                </a:solidFill>
-              </a:rPr>
-              <a:t>help</a:t>
-            </a:r>
-            <a:r>
-              <a:rPr lang="pl-PL" dirty="0">
-                <a:solidFill>
-                  <a:schemeClr val="tx2"/>
-                </a:solidFill>
-              </a:rPr>
-              <a:t> </a:t>
-            </a:r>
-            <a:r>
-              <a:rPr lang="pl-PL" dirty="0" err="1">
-                <a:solidFill>
-                  <a:schemeClr val="tx2"/>
-                </a:solidFill>
-              </a:rPr>
-              <a:t>us</a:t>
-            </a:r>
-            <a:r>
-              <a:rPr lang="pl-PL" dirty="0">
-                <a:solidFill>
-                  <a:schemeClr val="tx2"/>
-                </a:solidFill>
-              </a:rPr>
-              <a:t> </a:t>
-            </a:r>
-            <a:r>
-              <a:rPr lang="pl-PL" dirty="0" err="1">
-                <a:solidFill>
-                  <a:schemeClr val="tx2"/>
-                </a:solidFill>
-              </a:rPr>
-              <a:t>understand</a:t>
-            </a:r>
-            <a:r>
-              <a:rPr lang="pl-PL" dirty="0">
-                <a:solidFill>
-                  <a:schemeClr val="tx2"/>
-                </a:solidFill>
-              </a:rPr>
-              <a:t> </a:t>
-            </a:r>
-            <a:r>
-              <a:rPr lang="pl-PL" dirty="0" err="1">
-                <a:solidFill>
-                  <a:schemeClr val="tx2"/>
-                </a:solidFill>
-              </a:rPr>
-              <a:t>overall</a:t>
-            </a:r>
-            <a:r>
-              <a:rPr lang="pl-PL" dirty="0">
-                <a:solidFill>
-                  <a:schemeClr val="tx2"/>
-                </a:solidFill>
-              </a:rPr>
-              <a:t> performance of the </a:t>
-            </a:r>
-            <a:r>
-              <a:rPr lang="pl-PL" dirty="0" err="1">
-                <a:solidFill>
-                  <a:schemeClr val="tx2"/>
-                </a:solidFill>
-              </a:rPr>
-              <a:t>app</a:t>
-            </a:r>
-            <a:r>
-              <a:rPr lang="pl-PL" dirty="0">
-                <a:solidFill>
-                  <a:schemeClr val="tx2"/>
-                </a:solidFill>
-              </a:rPr>
-              <a:t>, monitor </a:t>
-            </a:r>
-            <a:r>
-              <a:rPr lang="pl-PL" dirty="0" err="1">
-                <a:solidFill>
-                  <a:schemeClr val="tx2"/>
-                </a:solidFill>
-              </a:rPr>
-              <a:t>flows</a:t>
-            </a:r>
-            <a:r>
-              <a:rPr lang="pl-PL" dirty="0">
-                <a:solidFill>
-                  <a:schemeClr val="tx2"/>
-                </a:solidFill>
-              </a:rPr>
-              <a:t> and </a:t>
-            </a:r>
-            <a:r>
-              <a:rPr lang="pl-PL" dirty="0" err="1">
-                <a:solidFill>
-                  <a:schemeClr val="tx2"/>
-                </a:solidFill>
-              </a:rPr>
-              <a:t>behaviours</a:t>
-            </a:r>
-            <a:r>
-              <a:rPr lang="pl-PL" dirty="0">
-                <a:solidFill>
-                  <a:schemeClr val="tx2"/>
-                </a:solidFill>
-              </a:rPr>
-              <a:t> in the </a:t>
-            </a:r>
-            <a:r>
-              <a:rPr lang="pl-PL" dirty="0" err="1">
-                <a:solidFill>
-                  <a:schemeClr val="tx2"/>
-                </a:solidFill>
-              </a:rPr>
-              <a:t>distributed</a:t>
-            </a:r>
-            <a:r>
-              <a:rPr lang="pl-PL" dirty="0">
-                <a:solidFill>
-                  <a:schemeClr val="tx2"/>
-                </a:solidFill>
-              </a:rPr>
-              <a:t> </a:t>
-            </a:r>
-            <a:r>
-              <a:rPr lang="pl-PL" dirty="0" err="1">
-                <a:solidFill>
-                  <a:schemeClr val="tx2"/>
-                </a:solidFill>
-              </a:rPr>
-              <a:t>systems</a:t>
-            </a:r>
-            <a:r>
-              <a:rPr lang="pl-PL" dirty="0">
-                <a:solidFill>
-                  <a:schemeClr val="tx2"/>
-                </a:solidFill>
-              </a:rPr>
-              <a:t>.</a:t>
-            </a:r>
+            <a:endParaRPr lang="pl-PL" dirty="0"/>
           </a:p>
           <a:p>
             <a:pPr algn="just"/>
-            <a:endParaRPr lang="pl-PL" dirty="0">
-              <a:solidFill>
-                <a:schemeClr val="tx2"/>
-              </a:solidFill>
-            </a:endParaRPr>
-          </a:p>
-          <a:p>
-            <a:pPr algn="just"/>
-            <a:r>
-              <a:rPr lang="pl-PL" dirty="0" err="1">
-                <a:solidFill>
-                  <a:schemeClr val="tx2"/>
-                </a:solidFill>
-              </a:rPr>
-              <a:t>Because</a:t>
-            </a:r>
-            <a:r>
-              <a:rPr lang="pl-PL" dirty="0">
-                <a:solidFill>
-                  <a:schemeClr val="tx2"/>
-                </a:solidFill>
-              </a:rPr>
-              <a:t> of </a:t>
-            </a:r>
-            <a:r>
-              <a:rPr lang="pl-PL" dirty="0" err="1">
-                <a:solidFill>
-                  <a:schemeClr val="tx2"/>
-                </a:solidFill>
-              </a:rPr>
-              <a:t>that</a:t>
-            </a:r>
-            <a:r>
-              <a:rPr lang="pl-PL" dirty="0">
-                <a:solidFill>
-                  <a:schemeClr val="tx2"/>
-                </a:solidFill>
-              </a:rPr>
-              <a:t>, </a:t>
-            </a:r>
-            <a:r>
-              <a:rPr lang="pl-PL" dirty="0" err="1">
-                <a:solidFill>
-                  <a:schemeClr val="tx2"/>
-                </a:solidFill>
-              </a:rPr>
-              <a:t>they</a:t>
-            </a:r>
-            <a:r>
-              <a:rPr lang="pl-PL" dirty="0">
-                <a:solidFill>
-                  <a:schemeClr val="tx2"/>
-                </a:solidFill>
-              </a:rPr>
-              <a:t> </a:t>
-            </a:r>
-            <a:r>
-              <a:rPr lang="pl-PL" dirty="0" err="1">
-                <a:solidFill>
-                  <a:schemeClr val="tx2"/>
-                </a:solidFill>
-              </a:rPr>
-              <a:t>are</a:t>
-            </a:r>
-            <a:r>
-              <a:rPr lang="pl-PL" dirty="0">
-                <a:solidFill>
-                  <a:schemeClr val="tx2"/>
-                </a:solidFill>
-              </a:rPr>
-              <a:t> </a:t>
-            </a:r>
-            <a:r>
-              <a:rPr lang="pl-PL" dirty="0" err="1">
-                <a:solidFill>
-                  <a:schemeClr val="tx2"/>
-                </a:solidFill>
-              </a:rPr>
-              <a:t>perfectly</a:t>
-            </a:r>
-            <a:r>
-              <a:rPr lang="pl-PL" dirty="0">
-                <a:solidFill>
-                  <a:schemeClr val="tx2"/>
-                </a:solidFill>
-              </a:rPr>
-              <a:t> </a:t>
-            </a:r>
-            <a:r>
-              <a:rPr lang="pl-PL" dirty="0" err="1">
-                <a:solidFill>
-                  <a:schemeClr val="tx2"/>
-                </a:solidFill>
-              </a:rPr>
-              <a:t>suited</a:t>
-            </a:r>
-            <a:r>
-              <a:rPr lang="pl-PL" dirty="0">
-                <a:solidFill>
-                  <a:schemeClr val="tx2"/>
-                </a:solidFill>
-              </a:rPr>
-              <a:t> for </a:t>
-            </a:r>
-            <a:r>
-              <a:rPr lang="pl-PL" dirty="0" err="1">
-                <a:solidFill>
-                  <a:schemeClr val="tx2"/>
-                </a:solidFill>
-              </a:rPr>
-              <a:t>application</a:t>
-            </a:r>
-            <a:r>
-              <a:rPr lang="pl-PL" dirty="0">
-                <a:solidFill>
-                  <a:schemeClr val="tx2"/>
-                </a:solidFill>
-              </a:rPr>
-              <a:t> </a:t>
-            </a:r>
-            <a:r>
-              <a:rPr lang="pl-PL" dirty="0" err="1">
-                <a:solidFill>
-                  <a:schemeClr val="tx2"/>
-                </a:solidFill>
-              </a:rPr>
-              <a:t>based</a:t>
-            </a:r>
-            <a:r>
-              <a:rPr lang="pl-PL" dirty="0">
-                <a:solidFill>
-                  <a:schemeClr val="tx2"/>
-                </a:solidFill>
-              </a:rPr>
-              <a:t> on </a:t>
-            </a:r>
-            <a:r>
-              <a:rPr lang="pl-PL" dirty="0" err="1">
-                <a:solidFill>
-                  <a:schemeClr val="tx2"/>
-                </a:solidFill>
-              </a:rPr>
-              <a:t>microservice</a:t>
-            </a:r>
-            <a:r>
-              <a:rPr lang="pl-PL" dirty="0">
-                <a:solidFill>
-                  <a:schemeClr val="tx2"/>
-                </a:solidFill>
-              </a:rPr>
-              <a:t> </a:t>
-            </a:r>
-            <a:r>
-              <a:rPr lang="en-GB" dirty="0">
-                <a:solidFill>
-                  <a:schemeClr val="tx2"/>
-                </a:solidFill>
-              </a:rPr>
-              <a:t>However, not forgetting that even a single monolith can benefit from implementing such analytics.</a:t>
-            </a:r>
-            <a:r>
-              <a:rPr lang="pl-PL" dirty="0">
-                <a:solidFill>
-                  <a:schemeClr val="tx2"/>
-                </a:solidFill>
-              </a:rPr>
-              <a:t>s.</a:t>
-            </a:r>
+            <a:endParaRPr lang="en-GB" dirty="0"/>
           </a:p>
         </p:txBody>
       </p:sp>
@@ -4703,7 +4337,7 @@
           <p:cNvPr id="4" name="Prostokąt 3">
             <a:extLst>
               <a:ext uri="{FF2B5EF4-FFF2-40B4-BE49-F238E27FC236}">
-                <a16:creationId xmlns:a16="http://schemas.microsoft.com/office/drawing/2014/main" id="{C1A073CE-8D80-4162-9CFB-190731B882BB}"/>
+                <a16:creationId xmlns:a16="http://schemas.microsoft.com/office/drawing/2014/main" id="{4A137F17-70C4-4530-B022-71B34B373800}"/>
               </a:ext>
             </a:extLst>
           </p:cNvPr>
@@ -4752,7 +4386,7 @@
     </p:spTree>
     <p:extLst>
       <p:ext uri="{BB962C8B-B14F-4D97-AF65-F5344CB8AC3E}">
-        <p14:creationId xmlns:p14="http://schemas.microsoft.com/office/powerpoint/2010/main" val="1813077107"/>
+        <p14:creationId xmlns:p14="http://schemas.microsoft.com/office/powerpoint/2010/main" val="1641080211"/>
       </p:ext>
     </p:extLst>
   </p:cSld>
@@ -4851,456 +4485,6 @@
         <p:spPr/>
         <p:txBody>
           <a:bodyPr>
-            <a:normAutofit/>
-          </a:bodyPr>
-          <a:lstStyle/>
-          <a:p>
-            <a:pPr algn="just"/>
-            <a:r>
-              <a:rPr lang="pl-PL" dirty="0" err="1"/>
-              <a:t>October</a:t>
-            </a:r>
-            <a:r>
-              <a:rPr lang="pl-PL" dirty="0"/>
-              <a:t> 2016 – </a:t>
-            </a:r>
-            <a:r>
-              <a:rPr lang="pl-PL" dirty="0" err="1">
-                <a:solidFill>
-                  <a:srgbClr val="425CC7"/>
-                </a:solidFill>
-              </a:rPr>
-              <a:t>OpenTracing</a:t>
-            </a:r>
-            <a:r>
-              <a:rPr lang="pl-PL" b="1" dirty="0"/>
-              <a:t> </a:t>
-            </a:r>
-            <a:r>
-              <a:rPr lang="pl-PL" dirty="0" err="1"/>
-              <a:t>is</a:t>
-            </a:r>
-            <a:r>
-              <a:rPr lang="pl-PL" dirty="0"/>
-              <a:t> </a:t>
-            </a:r>
-            <a:r>
-              <a:rPr lang="pl-PL" dirty="0" err="1"/>
-              <a:t>released</a:t>
-            </a:r>
-            <a:r>
-              <a:rPr lang="pl-PL" dirty="0"/>
-              <a:t> to the market </a:t>
-            </a:r>
-            <a:r>
-              <a:rPr lang="pl-PL" dirty="0" err="1"/>
-              <a:t>under</a:t>
-            </a:r>
-            <a:r>
-              <a:rPr lang="pl-PL" dirty="0"/>
-              <a:t> </a:t>
-            </a:r>
-            <a:r>
-              <a:rPr lang="pl-PL" dirty="0" err="1"/>
-              <a:t>Cloud</a:t>
-            </a:r>
-            <a:r>
-              <a:rPr lang="pl-PL" dirty="0"/>
-              <a:t> Native Computing Foundation. It </a:t>
-            </a:r>
-            <a:r>
-              <a:rPr lang="pl-PL" dirty="0" err="1"/>
-              <a:t>brings</a:t>
-            </a:r>
-            <a:r>
-              <a:rPr lang="pl-PL" dirty="0"/>
-              <a:t> open </a:t>
-            </a:r>
-            <a:r>
-              <a:rPr lang="pl-PL" dirty="0" err="1"/>
-              <a:t>source</a:t>
-            </a:r>
-            <a:r>
-              <a:rPr lang="pl-PL" dirty="0"/>
-              <a:t> </a:t>
-            </a:r>
-            <a:r>
-              <a:rPr lang="pl-PL" dirty="0" err="1"/>
-              <a:t>APIs</a:t>
-            </a:r>
-            <a:r>
-              <a:rPr lang="pl-PL" dirty="0"/>
-              <a:t>, </a:t>
-            </a:r>
-            <a:r>
-              <a:rPr lang="pl-PL" dirty="0" err="1"/>
-              <a:t>libraries</a:t>
-            </a:r>
-            <a:r>
-              <a:rPr lang="pl-PL" dirty="0"/>
-              <a:t> and a platform-</a:t>
-            </a:r>
-            <a:r>
-              <a:rPr lang="pl-PL" dirty="0" err="1"/>
-              <a:t>agnostic</a:t>
-            </a:r>
-            <a:r>
-              <a:rPr lang="pl-PL" dirty="0"/>
-              <a:t> </a:t>
-            </a:r>
-            <a:r>
-              <a:rPr lang="pl-PL" dirty="0" err="1"/>
-              <a:t>schema</a:t>
-            </a:r>
-            <a:r>
-              <a:rPr lang="pl-PL" dirty="0"/>
-              <a:t> for </a:t>
-            </a:r>
-            <a:r>
-              <a:rPr lang="pl-PL" dirty="0" err="1"/>
-              <a:t>distributed</a:t>
-            </a:r>
-            <a:r>
-              <a:rPr lang="pl-PL" dirty="0"/>
-              <a:t> </a:t>
-            </a:r>
-            <a:r>
-              <a:rPr lang="pl-PL" dirty="0" err="1"/>
-              <a:t>tracing</a:t>
-            </a:r>
-            <a:r>
-              <a:rPr lang="pl-PL" dirty="0"/>
-              <a:t>. </a:t>
-            </a:r>
-            <a:r>
-              <a:rPr lang="en-GB" dirty="0"/>
-              <a:t>The authors of the </a:t>
-            </a:r>
-            <a:r>
-              <a:rPr lang="en-GB" dirty="0" err="1"/>
-              <a:t>OpenTracing</a:t>
-            </a:r>
-            <a:r>
-              <a:rPr lang="en-GB" dirty="0"/>
-              <a:t> project wanted to provide a standard mechanism for instrumentation that does not bind any library or package to any specific vendor.</a:t>
-            </a:r>
-            <a:r>
-              <a:rPr lang="pl-PL" dirty="0"/>
-              <a:t> The </a:t>
-            </a:r>
-            <a:r>
-              <a:rPr lang="pl-PL" dirty="0" err="1"/>
-              <a:t>project</a:t>
-            </a:r>
-            <a:r>
-              <a:rPr lang="pl-PL" dirty="0"/>
-              <a:t> was </a:t>
-            </a:r>
-            <a:r>
-              <a:rPr lang="pl-PL" dirty="0" err="1"/>
-              <a:t>initially</a:t>
-            </a:r>
-            <a:r>
-              <a:rPr lang="pl-PL" dirty="0"/>
-              <a:t> </a:t>
-            </a:r>
-            <a:r>
-              <a:rPr lang="pl-PL" dirty="0" err="1"/>
-              <a:t>developed</a:t>
-            </a:r>
-            <a:r>
-              <a:rPr lang="pl-PL" dirty="0"/>
-              <a:t> by Uber</a:t>
-            </a:r>
-          </a:p>
-          <a:p>
-            <a:pPr algn="just"/>
-            <a:r>
-              <a:rPr lang="pl-PL" dirty="0"/>
-              <a:t>January 2018 – Google open </a:t>
-            </a:r>
-            <a:r>
-              <a:rPr lang="pl-PL" dirty="0" err="1"/>
-              <a:t>sources</a:t>
-            </a:r>
-            <a:r>
-              <a:rPr lang="pl-PL" dirty="0"/>
-              <a:t> </a:t>
-            </a:r>
-            <a:r>
-              <a:rPr lang="en-GB" dirty="0" err="1">
-                <a:solidFill>
-                  <a:srgbClr val="FFC000"/>
-                </a:solidFill>
-              </a:rPr>
-              <a:t>OpenCensus</a:t>
-            </a:r>
-            <a:r>
-              <a:rPr lang="pl-PL" dirty="0"/>
-              <a:t>, a </a:t>
-            </a:r>
-            <a:r>
-              <a:rPr lang="pl-PL" dirty="0" err="1"/>
-              <a:t>vendor-neutral</a:t>
-            </a:r>
-            <a:r>
-              <a:rPr lang="pl-PL" dirty="0"/>
-              <a:t> </a:t>
-            </a:r>
-            <a:r>
-              <a:rPr lang="pl-PL" dirty="0" err="1"/>
-              <a:t>library</a:t>
-            </a:r>
-            <a:r>
-              <a:rPr lang="pl-PL" dirty="0"/>
-              <a:t> for </a:t>
-            </a:r>
-            <a:r>
-              <a:rPr lang="pl-PL" dirty="0" err="1"/>
-              <a:t>collecting</a:t>
-            </a:r>
-            <a:r>
-              <a:rPr lang="pl-PL" dirty="0"/>
-              <a:t> </a:t>
-            </a:r>
-            <a:r>
-              <a:rPr lang="pl-PL" dirty="0" err="1">
-                <a:solidFill>
-                  <a:srgbClr val="425CC7"/>
-                </a:solidFill>
-              </a:rPr>
-              <a:t>metrics</a:t>
-            </a:r>
-            <a:r>
-              <a:rPr lang="pl-PL" dirty="0"/>
-              <a:t> and </a:t>
-            </a:r>
-            <a:r>
-              <a:rPr lang="pl-PL" dirty="0" err="1">
-                <a:solidFill>
-                  <a:srgbClr val="425CC7"/>
-                </a:solidFill>
-              </a:rPr>
-              <a:t>traces</a:t>
-            </a:r>
-            <a:r>
-              <a:rPr lang="pl-PL" dirty="0"/>
-              <a:t>. </a:t>
-            </a:r>
-          </a:p>
-          <a:p>
-            <a:pPr algn="just"/>
-            <a:r>
-              <a:rPr lang="en-GB" dirty="0"/>
-              <a:t>The </a:t>
-            </a:r>
-            <a:r>
-              <a:rPr lang="en-GB" dirty="0" err="1">
-                <a:solidFill>
-                  <a:srgbClr val="425CC7"/>
-                </a:solidFill>
-              </a:rPr>
-              <a:t>OpenTracing</a:t>
-            </a:r>
-            <a:r>
-              <a:rPr lang="en-GB" dirty="0"/>
-              <a:t> API makes it simple to change a preferred storage backend but relies on you to implement your own tracers that </a:t>
-            </a:r>
-            <a:r>
-              <a:rPr lang="pl-PL" dirty="0" err="1"/>
-              <a:t>must</a:t>
-            </a:r>
-            <a:r>
-              <a:rPr lang="pl-PL" dirty="0"/>
-              <a:t> be </a:t>
-            </a:r>
-            <a:r>
-              <a:rPr lang="en-GB" dirty="0"/>
-              <a:t>compatible with the specifications of the project. </a:t>
-            </a:r>
-            <a:br>
-              <a:rPr lang="pl-PL" dirty="0"/>
-            </a:br>
-            <a:endParaRPr lang="pl-PL" dirty="0"/>
-          </a:p>
-          <a:p>
-            <a:pPr algn="just"/>
-            <a:r>
-              <a:rPr lang="en-GB" dirty="0" err="1">
-                <a:solidFill>
-                  <a:srgbClr val="FFC000"/>
-                </a:solidFill>
-              </a:rPr>
-              <a:t>OpenCensus</a:t>
-            </a:r>
-            <a:r>
-              <a:rPr lang="en-GB" dirty="0"/>
-              <a:t> is built to include multiple backend exports automatically, it only supports the collection of various data types based on the backend and language.</a:t>
-            </a:r>
-          </a:p>
-          <a:p>
-            <a:pPr algn="just"/>
-            <a:endParaRPr lang="pl-PL" dirty="0"/>
-          </a:p>
-          <a:p>
-            <a:pPr algn="just"/>
-            <a:endParaRPr lang="en-GB" dirty="0"/>
-          </a:p>
-        </p:txBody>
-      </p:sp>
-      <p:sp>
-        <p:nvSpPr>
-          <p:cNvPr id="4" name="Prostokąt 3">
-            <a:extLst>
-              <a:ext uri="{FF2B5EF4-FFF2-40B4-BE49-F238E27FC236}">
-                <a16:creationId xmlns:a16="http://schemas.microsoft.com/office/drawing/2014/main" id="{4A137F17-70C4-4530-B022-71B34B373800}"/>
-              </a:ext>
-            </a:extLst>
-          </p:cNvPr>
-          <p:cNvSpPr/>
-          <p:nvPr/>
-        </p:nvSpPr>
-        <p:spPr>
-          <a:xfrm>
-            <a:off x="10531138" y="6466361"/>
-            <a:ext cx="1558825" cy="369332"/>
-          </a:xfrm>
-          <a:prstGeom prst="rect">
-            <a:avLst/>
-          </a:prstGeom>
-        </p:spPr>
-        <p:txBody>
-          <a:bodyPr wrap="none">
-            <a:spAutoFit/>
-          </a:bodyPr>
-          <a:lstStyle/>
-          <a:p>
-            <a:r>
-              <a:rPr lang="pl-PL" dirty="0">
-                <a:solidFill>
-                  <a:schemeClr val="bg1"/>
-                </a:solidFill>
-              </a:rPr>
-              <a:t>@</a:t>
-            </a:r>
-            <a:r>
-              <a:rPr lang="pl-PL" dirty="0" err="1">
-                <a:solidFill>
-                  <a:schemeClr val="bg1"/>
-                </a:solidFill>
-              </a:rPr>
-              <a:t>lukaszpyrzyk</a:t>
-            </a:r>
-            <a:endParaRPr lang="en-GB" dirty="0">
-              <a:solidFill>
-                <a:schemeClr val="bg1"/>
-              </a:solidFill>
-            </a:endParaRPr>
-          </a:p>
-        </p:txBody>
-      </p:sp>
-    </p:spTree>
-    <p:extLst>
-      <p:ext uri="{BB962C8B-B14F-4D97-AF65-F5344CB8AC3E}">
-        <p14:creationId xmlns:p14="http://schemas.microsoft.com/office/powerpoint/2010/main" val="1641080211"/>
-      </p:ext>
-    </p:extLst>
-  </p:cSld>
-  <p:clrMapOvr>
-    <a:masterClrMapping/>
-  </p:clrMapOvr>
-</p:sld>
-</file>
-
-<file path=ppt/slides/slide12.xml><?xml version="1.0" encoding="utf-8"?>
-<p:sld xmlns:a="http://schemas.openxmlformats.org/drawingml/2006/main" xmlns:r="http://schemas.openxmlformats.org/officeDocument/2006/relationships" xmlns:p="http://schemas.openxmlformats.org/presentationml/2006/main">
-  <p:cSld>
-    <p:spTree>
-      <p:nvGrpSpPr>
-        <p:cNvPr id="1" name=""/>
-        <p:cNvGrpSpPr/>
-        <p:nvPr/>
-      </p:nvGrpSpPr>
-      <p:grpSpPr>
-        <a:xfrm>
-          <a:off x="0" y="0"/>
-          <a:ext cx="0" cy="0"/>
-          <a:chOff x="0" y="0"/>
-          <a:chExt cx="0" cy="0"/>
-        </a:xfrm>
-      </p:grpSpPr>
-      <p:sp>
-        <p:nvSpPr>
-          <p:cNvPr id="2" name="Tytuł 1">
-            <a:extLst>
-              <a:ext uri="{FF2B5EF4-FFF2-40B4-BE49-F238E27FC236}">
-                <a16:creationId xmlns:a16="http://schemas.microsoft.com/office/drawing/2014/main" id="{FF311FA3-93F1-4DC2-9EA1-F297D189ACA7}"/>
-              </a:ext>
-            </a:extLst>
-          </p:cNvPr>
-          <p:cNvSpPr>
-            <a:spLocks noGrp="1"/>
-          </p:cNvSpPr>
-          <p:nvPr>
-            <p:ph type="title"/>
-          </p:nvPr>
-        </p:nvSpPr>
-        <p:spPr/>
-        <p:txBody>
-          <a:bodyPr/>
-          <a:lstStyle/>
-          <a:p>
-            <a:r>
-              <a:rPr lang="pl-PL" dirty="0" err="1"/>
-              <a:t>History</a:t>
-            </a:r>
-            <a:r>
-              <a:rPr lang="pl-PL" dirty="0"/>
-              <a:t> of </a:t>
-            </a:r>
-            <a:r>
-              <a:rPr lang="pl-PL" dirty="0" err="1">
-                <a:solidFill>
-                  <a:srgbClr val="FFC000"/>
-                </a:solidFill>
-              </a:rPr>
-              <a:t>Open</a:t>
-            </a:r>
-            <a:r>
-              <a:rPr lang="pl-PL" dirty="0" err="1">
-                <a:solidFill>
-                  <a:srgbClr val="425CC7"/>
-                </a:solidFill>
-              </a:rPr>
-              <a:t>Telemetry</a:t>
-            </a:r>
-            <a:r>
-              <a:rPr lang="pl-PL" dirty="0"/>
-              <a:t>	</a:t>
-            </a:r>
-            <a:endParaRPr lang="en-GB" dirty="0"/>
-          </a:p>
-        </p:txBody>
-      </p:sp>
-      <p:sp>
-        <p:nvSpPr>
-          <p:cNvPr id="3" name="Symbol zastępczy zawartości 2">
-            <a:extLst>
-              <a:ext uri="{FF2B5EF4-FFF2-40B4-BE49-F238E27FC236}">
-                <a16:creationId xmlns:a16="http://schemas.microsoft.com/office/drawing/2014/main" id="{7EF4003B-2662-4313-92B3-2AC079538360}"/>
-              </a:ext>
-            </a:extLst>
-          </p:cNvPr>
-          <p:cNvSpPr>
-            <a:spLocks noGrp="1"/>
-          </p:cNvSpPr>
-          <p:nvPr>
-            <p:ph idx="1"/>
-          </p:nvPr>
-        </p:nvSpPr>
-        <p:spPr/>
-        <p:txBody>
-          <a:bodyPr>
             <a:normAutofit lnSpcReduction="10000"/>
           </a:bodyPr>
           <a:lstStyle/>
@@ -5797,7 +4981,7 @@
 </p:sld>
 </file>
 
-<file path=ppt/slides/slide13.xml><?xml version="1.0" encoding="utf-8"?>
+<file path=ppt/slides/slide12.xml><?xml version="1.0" encoding="utf-8"?>
 <p:sld xmlns:a="http://schemas.openxmlformats.org/drawingml/2006/main" xmlns:r="http://schemas.openxmlformats.org/officeDocument/2006/relationships" xmlns:p="http://schemas.openxmlformats.org/presentationml/2006/main">
   <p:cSld>
     <p:spTree>
@@ -6123,7 +5307,7 @@
         </p:blipFill>
         <p:spPr>
           <a:xfrm>
-            <a:off x="6918764" y="5106289"/>
+            <a:off x="7038793" y="5179632"/>
             <a:ext cx="1936941" cy="1082889"/>
           </a:xfrm>
           <a:prstGeom prst="rect">
@@ -6375,7 +5559,7 @@
 </p:sld>
 </file>
 
-<file path=ppt/slides/slide14.xml><?xml version="1.0" encoding="utf-8"?>
+<file path=ppt/slides/slide13.xml><?xml version="1.0" encoding="utf-8"?>
 <p:sld xmlns:a="http://schemas.openxmlformats.org/drawingml/2006/main" xmlns:r="http://schemas.openxmlformats.org/officeDocument/2006/relationships" xmlns:p="http://schemas.openxmlformats.org/presentationml/2006/main">
   <p:cSld>
     <p:spTree>
@@ -6769,7 +5953,7 @@
 </p:sld>
 </file>
 
-<file path=ppt/slides/slide15.xml><?xml version="1.0" encoding="utf-8"?>
+<file path=ppt/slides/slide14.xml><?xml version="1.0" encoding="utf-8"?>
 <p:sld xmlns:a="http://schemas.openxmlformats.org/drawingml/2006/main" xmlns:r="http://schemas.openxmlformats.org/officeDocument/2006/relationships" xmlns:p="http://schemas.openxmlformats.org/presentationml/2006/main">
   <p:cSld>
     <p:spTree>
@@ -6881,7 +6065,7 @@
 </p:sld>
 </file>
 
-<file path=ppt/slides/slide16.xml><?xml version="1.0" encoding="utf-8"?>
+<file path=ppt/slides/slide15.xml><?xml version="1.0" encoding="utf-8"?>
 <p:sld xmlns:a="http://schemas.openxmlformats.org/drawingml/2006/main" xmlns:r="http://schemas.openxmlformats.org/officeDocument/2006/relationships" xmlns:p="http://schemas.openxmlformats.org/presentationml/2006/main">
   <p:cSld>
     <p:spTree>
@@ -7515,6 +6699,121 @@
     <p:extLst>
       <p:ext uri="{BB962C8B-B14F-4D97-AF65-F5344CB8AC3E}">
         <p14:creationId xmlns:p14="http://schemas.microsoft.com/office/powerpoint/2010/main" val="3831601780"/>
+      </p:ext>
+    </p:extLst>
+  </p:cSld>
+  <p:clrMapOvr>
+    <a:masterClrMapping/>
+  </p:clrMapOvr>
+</p:sld>
+</file>
+
+<file path=ppt/slides/slide16.xml><?xml version="1.0" encoding="utf-8"?>
+<p:sld xmlns:a="http://schemas.openxmlformats.org/drawingml/2006/main" xmlns:r="http://schemas.openxmlformats.org/officeDocument/2006/relationships" xmlns:p="http://schemas.openxmlformats.org/presentationml/2006/main">
+  <p:cSld>
+    <p:spTree>
+      <p:nvGrpSpPr>
+        <p:cNvPr id="1" name=""/>
+        <p:cNvGrpSpPr/>
+        <p:nvPr/>
+      </p:nvGrpSpPr>
+      <p:grpSpPr>
+        <a:xfrm>
+          <a:off x="0" y="0"/>
+          <a:ext cx="0" cy="0"/>
+          <a:chOff x="0" y="0"/>
+          <a:chExt cx="0" cy="0"/>
+        </a:xfrm>
+      </p:grpSpPr>
+      <p:pic>
+        <p:nvPicPr>
+          <p:cNvPr id="1026" name="Picture 2" descr="Distributed Tracing: Design and Architecture - Knerd - Medium">
+            <a:extLst>
+              <a:ext uri="{FF2B5EF4-FFF2-40B4-BE49-F238E27FC236}">
+                <a16:creationId xmlns:a16="http://schemas.microsoft.com/office/drawing/2014/main" id="{A9CDA691-4CC3-48AE-A9B6-6D95664E84C4}"/>
+              </a:ext>
+            </a:extLst>
+          </p:cNvPr>
+          <p:cNvPicPr>
+            <a:picLocks noChangeAspect="1" noChangeArrowheads="1"/>
+          </p:cNvPicPr>
+          <p:nvPr/>
+        </p:nvPicPr>
+        <p:blipFill>
+          <a:blip r:embed="rId2">
+            <a:extLst>
+              <a:ext uri="{28A0092B-C50C-407E-A947-70E740481C1C}">
+                <a14:useLocalDpi xmlns:a14="http://schemas.microsoft.com/office/drawing/2010/main" val="0"/>
+              </a:ext>
+            </a:extLst>
+          </a:blip>
+          <a:srcRect/>
+          <a:stretch>
+            <a:fillRect/>
+          </a:stretch>
+        </p:blipFill>
+        <p:spPr bwMode="auto">
+          <a:xfrm>
+            <a:off x="2248930" y="-91785"/>
+            <a:ext cx="7234201" cy="6322525"/>
+          </a:xfrm>
+          <a:prstGeom prst="rect">
+            <a:avLst/>
+          </a:prstGeom>
+          <a:noFill/>
+          <a:extLst>
+            <a:ext uri="{909E8E84-426E-40DD-AFC4-6F175D3DCCD1}">
+              <a14:hiddenFill xmlns:a14="http://schemas.microsoft.com/office/drawing/2010/main">
+                <a:solidFill>
+                  <a:srgbClr val="FFFFFF"/>
+                </a:solidFill>
+              </a14:hiddenFill>
+            </a:ext>
+          </a:extLst>
+        </p:spPr>
+      </p:pic>
+      <p:sp>
+        <p:nvSpPr>
+          <p:cNvPr id="2" name="Prostokąt 1">
+            <a:extLst>
+              <a:ext uri="{FF2B5EF4-FFF2-40B4-BE49-F238E27FC236}">
+                <a16:creationId xmlns:a16="http://schemas.microsoft.com/office/drawing/2014/main" id="{8DB6581B-B9F6-4079-9EE9-1C654AB5F6F8}"/>
+              </a:ext>
+            </a:extLst>
+          </p:cNvPr>
+          <p:cNvSpPr/>
+          <p:nvPr/>
+        </p:nvSpPr>
+        <p:spPr>
+          <a:xfrm>
+            <a:off x="1894702" y="6425684"/>
+            <a:ext cx="8649730" cy="369332"/>
+          </a:xfrm>
+          <a:prstGeom prst="rect">
+            <a:avLst/>
+          </a:prstGeom>
+        </p:spPr>
+        <p:txBody>
+          <a:bodyPr wrap="square">
+            <a:spAutoFit/>
+          </a:bodyPr>
+          <a:lstStyle/>
+          <a:p>
+            <a:r>
+              <a:rPr lang="en-GB" dirty="0">
+                <a:solidFill>
+                  <a:schemeClr val="bg1"/>
+                </a:solidFill>
+              </a:rPr>
+              <a:t>https://medium.com/knerd/distributed-tracing-design-and-architecture-88b1ce31f60d</a:t>
+            </a:r>
+          </a:p>
+        </p:txBody>
+      </p:sp>
+    </p:spTree>
+    <p:extLst>
+      <p:ext uri="{BB962C8B-B14F-4D97-AF65-F5344CB8AC3E}">
+        <p14:creationId xmlns:p14="http://schemas.microsoft.com/office/powerpoint/2010/main" val="341503878"/>
       </p:ext>
     </p:extLst>
   </p:cSld>
@@ -9221,53 +8520,6 @@
           </a:p>
         </p:txBody>
       </p:sp>
-      <p:pic>
-        <p:nvPicPr>
-          <p:cNvPr id="1026" name="Picture 2">
-            <a:extLst>
-              <a:ext uri="{FF2B5EF4-FFF2-40B4-BE49-F238E27FC236}">
-                <a16:creationId xmlns:a16="http://schemas.microsoft.com/office/drawing/2014/main" id="{F696BC72-15EE-4BA5-9847-56B155C1CB9A}"/>
-              </a:ext>
-            </a:extLst>
-          </p:cNvPr>
-          <p:cNvPicPr>
-            <a:picLocks noChangeAspect="1" noChangeArrowheads="1"/>
-          </p:cNvPicPr>
-          <p:nvPr/>
-        </p:nvPicPr>
-        <p:blipFill>
-          <a:blip r:embed="rId2">
-            <a:extLst>
-              <a:ext uri="{28A0092B-C50C-407E-A947-70E740481C1C}">
-                <a14:useLocalDpi xmlns:a14="http://schemas.microsoft.com/office/drawing/2010/main" val="0"/>
-              </a:ext>
-            </a:extLst>
-          </a:blip>
-          <a:srcRect/>
-          <a:stretch>
-            <a:fillRect/>
-          </a:stretch>
-        </p:blipFill>
-        <p:spPr bwMode="auto">
-          <a:xfrm>
-            <a:off x="4528525" y="1596035"/>
-            <a:ext cx="10694313" cy="4975362"/>
-          </a:xfrm>
-          <a:prstGeom prst="rect">
-            <a:avLst/>
-          </a:prstGeom>
-          <a:noFill/>
-          <a:extLst>
-            <a:ext uri="{909E8E84-426E-40DD-AFC4-6F175D3DCCD1}">
-              <a14:hiddenFill xmlns:a14="http://schemas.microsoft.com/office/drawing/2010/main">
-                <a:solidFill>
-                  <a:srgbClr val="FFFFFF"/>
-                </a:solidFill>
-              </a14:hiddenFill>
-            </a:ext>
-          </a:extLst>
-        </p:spPr>
-      </p:pic>
     </p:spTree>
     <p:extLst>
       <p:ext uri="{BB962C8B-B14F-4D97-AF65-F5344CB8AC3E}">
@@ -9298,87 +8550,156 @@
           <a:chExt cx="0" cy="0"/>
         </a:xfrm>
       </p:grpSpPr>
-      <p:pic>
-        <p:nvPicPr>
-          <p:cNvPr id="1026" name="Picture 2" descr="Distributed Tracing: Design and Architecture - Knerd - Medium">
+      <p:sp>
+        <p:nvSpPr>
+          <p:cNvPr id="2" name="Tytuł 1">
             <a:extLst>
               <a:ext uri="{FF2B5EF4-FFF2-40B4-BE49-F238E27FC236}">
-                <a16:creationId xmlns:a16="http://schemas.microsoft.com/office/drawing/2014/main" id="{A9CDA691-4CC3-48AE-A9B6-6D95664E84C4}"/>
+                <a16:creationId xmlns:a16="http://schemas.microsoft.com/office/drawing/2014/main" id="{DBCF61BD-95D2-4195-92AB-D5FBFA5899FE}"/>
               </a:ext>
             </a:extLst>
           </p:cNvPr>
-          <p:cNvPicPr>
-            <a:picLocks noChangeAspect="1" noChangeArrowheads="1"/>
-          </p:cNvPicPr>
-          <p:nvPr/>
-        </p:nvPicPr>
-        <p:blipFill>
-          <a:blip r:embed="rId2">
-            <a:extLst>
-              <a:ext uri="{28A0092B-C50C-407E-A947-70E740481C1C}">
-                <a14:useLocalDpi xmlns:a14="http://schemas.microsoft.com/office/drawing/2010/main" val="0"/>
-              </a:ext>
-            </a:extLst>
-          </a:blip>
-          <a:srcRect/>
-          <a:stretch>
-            <a:fillRect/>
-          </a:stretch>
-        </p:blipFill>
-        <p:spPr bwMode="auto">
-          <a:xfrm>
-            <a:off x="2248930" y="-91785"/>
-            <a:ext cx="7234201" cy="6322525"/>
-          </a:xfrm>
-          <a:prstGeom prst="rect">
-            <a:avLst/>
-          </a:prstGeom>
-          <a:noFill/>
-          <a:extLst>
-            <a:ext uri="{909E8E84-426E-40DD-AFC4-6F175D3DCCD1}">
-              <a14:hiddenFill xmlns:a14="http://schemas.microsoft.com/office/drawing/2010/main">
-                <a:solidFill>
-                  <a:srgbClr val="FFFFFF"/>
-                </a:solidFill>
-              </a14:hiddenFill>
-            </a:ext>
-          </a:extLst>
-        </p:spPr>
-      </p:pic>
+          <p:cNvSpPr>
+            <a:spLocks noGrp="1"/>
+          </p:cNvSpPr>
+          <p:nvPr>
+            <p:ph type="title"/>
+          </p:nvPr>
+        </p:nvSpPr>
+        <p:spPr/>
+        <p:txBody>
+          <a:bodyPr/>
+          <a:lstStyle/>
+          <a:p>
+            <a:r>
+              <a:rPr lang="pl-PL" dirty="0" err="1"/>
+              <a:t>About</a:t>
+            </a:r>
+            <a:r>
+              <a:rPr lang="pl-PL" dirty="0"/>
+              <a:t> the demo</a:t>
+            </a:r>
+            <a:endParaRPr lang="en-GB" dirty="0"/>
+          </a:p>
+        </p:txBody>
+      </p:sp>
       <p:sp>
         <p:nvSpPr>
-          <p:cNvPr id="2" name="Prostokąt 1">
+          <p:cNvPr id="3" name="Symbol zastępczy zawartości 2">
             <a:extLst>
               <a:ext uri="{FF2B5EF4-FFF2-40B4-BE49-F238E27FC236}">
-                <a16:creationId xmlns:a16="http://schemas.microsoft.com/office/drawing/2014/main" id="{8DB6581B-B9F6-4079-9EE9-1C654AB5F6F8}"/>
+                <a16:creationId xmlns:a16="http://schemas.microsoft.com/office/drawing/2014/main" id="{AD3FCEB9-56AF-4295-BC72-2CC224C9BB38}"/>
               </a:ext>
             </a:extLst>
           </p:cNvPr>
-          <p:cNvSpPr/>
-          <p:nvPr/>
+          <p:cNvSpPr>
+            <a:spLocks noGrp="1"/>
+          </p:cNvSpPr>
+          <p:nvPr>
+            <p:ph idx="1"/>
+          </p:nvPr>
         </p:nvSpPr>
-        <p:spPr>
-          <a:xfrm>
-            <a:off x="1894702" y="6425684"/>
-            <a:ext cx="8649730" cy="369332"/>
-          </a:xfrm>
-          <a:prstGeom prst="rect">
-            <a:avLst/>
-          </a:prstGeom>
-        </p:spPr>
+        <p:spPr/>
         <p:txBody>
-          <a:bodyPr wrap="square">
-            <a:spAutoFit/>
-          </a:bodyPr>
+          <a:bodyPr/>
           <a:lstStyle/>
           <a:p>
-            <a:r>
-              <a:rPr lang="en-GB" dirty="0">
-                <a:solidFill>
-                  <a:schemeClr val="bg1"/>
-                </a:solidFill>
-              </a:rPr>
-              <a:t>https://medium.com/knerd/distributed-tracing-design-and-architecture-88b1ce31f60d</a:t>
+            <a:endParaRPr lang="pl-PL" dirty="0"/>
+          </a:p>
+          <a:p>
+            <a:endParaRPr lang="pl-PL" dirty="0"/>
+          </a:p>
+          <a:p>
+            <a:r>
+              <a:rPr lang="pl-PL" dirty="0"/>
+              <a:t>Source </a:t>
+            </a:r>
+            <a:r>
+              <a:rPr lang="pl-PL" dirty="0" err="1"/>
+              <a:t>code</a:t>
+            </a:r>
+            <a:r>
+              <a:rPr lang="pl-PL" dirty="0"/>
+              <a:t> for the demo </a:t>
+            </a:r>
+            <a:r>
+              <a:rPr lang="pl-PL" dirty="0" err="1"/>
+              <a:t>is</a:t>
+            </a:r>
+            <a:r>
+              <a:rPr lang="pl-PL" dirty="0"/>
+              <a:t> open </a:t>
+            </a:r>
+            <a:r>
+              <a:rPr lang="pl-PL" dirty="0" err="1"/>
+              <a:t>sourced</a:t>
+            </a:r>
+            <a:r>
+              <a:rPr lang="pl-PL" dirty="0"/>
+              <a:t>, </a:t>
+            </a:r>
+            <a:r>
+              <a:rPr lang="pl-PL" dirty="0" err="1"/>
+              <a:t>together</a:t>
+            </a:r>
+            <a:r>
+              <a:rPr lang="pl-PL" dirty="0"/>
+              <a:t> with </a:t>
+            </a:r>
+            <a:r>
+              <a:rPr lang="pl-PL" dirty="0" err="1"/>
+              <a:t>presentation</a:t>
+            </a:r>
+            <a:r>
+              <a:rPr lang="pl-PL" dirty="0"/>
+              <a:t> on my </a:t>
+            </a:r>
+            <a:r>
+              <a:rPr lang="pl-PL" dirty="0" err="1"/>
+              <a:t>Github</a:t>
+            </a:r>
+            <a:r>
+              <a:rPr lang="pl-PL" dirty="0"/>
+              <a:t> profile. To run </a:t>
+            </a:r>
+            <a:r>
+              <a:rPr lang="pl-PL" dirty="0" err="1"/>
+              <a:t>it</a:t>
+            </a:r>
+            <a:r>
+              <a:rPr lang="pl-PL" dirty="0"/>
+              <a:t>, </a:t>
+            </a:r>
+            <a:r>
+              <a:rPr lang="pl-PL" dirty="0" err="1"/>
+              <a:t>follow</a:t>
+            </a:r>
+            <a:r>
+              <a:rPr lang="pl-PL" dirty="0"/>
+              <a:t> </a:t>
+            </a:r>
+            <a:r>
+              <a:rPr lang="pl-PL" dirty="0" err="1"/>
+              <a:t>instructions</a:t>
+            </a:r>
+            <a:r>
+              <a:rPr lang="pl-PL" dirty="0"/>
+              <a:t> in the </a:t>
+            </a:r>
+            <a:r>
+              <a:rPr lang="pl-PL" dirty="0" err="1"/>
+              <a:t>readme</a:t>
+            </a:r>
+            <a:r>
+              <a:rPr lang="pl-PL" dirty="0"/>
+              <a:t> file.</a:t>
+            </a:r>
+          </a:p>
+          <a:p>
+            <a:pPr algn="ctr"/>
+            <a:r>
+              <a:rPr lang="pl-PL" dirty="0"/>
+              <a:t>https://github.com/lukasz-pyrzyk/opentelemetry-demo</a:t>
             </a:r>
           </a:p>
         </p:txBody>
@@ -9386,7 +8707,7 @@
     </p:spTree>
     <p:extLst>
       <p:ext uri="{BB962C8B-B14F-4D97-AF65-F5344CB8AC3E}">
-        <p14:creationId xmlns:p14="http://schemas.microsoft.com/office/powerpoint/2010/main" val="341503878"/>
+        <p14:creationId xmlns:p14="http://schemas.microsoft.com/office/powerpoint/2010/main" val="61611896"/>
       </p:ext>
     </p:extLst>
   </p:cSld>
@@ -9440,7 +8761,11 @@
             </a:r>
             <a:r>
               <a:rPr lang="pl-PL" dirty="0"/>
-              <a:t> the demo</a:t>
+              <a:t> the demo - </a:t>
+            </a:r>
+            <a:r>
+              <a:rPr lang="pl-PL" dirty="0" err="1"/>
+              <a:t>projects</a:t>
             </a:r>
             <a:endParaRPr lang="en-GB" dirty="0"/>
           </a:p>
@@ -9464,38 +8789,415 @@
         </p:nvSpPr>
         <p:spPr/>
         <p:txBody>
-          <a:bodyPr/>
+          <a:bodyPr>
+            <a:normAutofit/>
+          </a:bodyPr>
           <a:lstStyle/>
           <a:p>
+            <a:r>
+              <a:rPr lang="pl-PL" dirty="0" err="1"/>
+              <a:t>Within</a:t>
+            </a:r>
+            <a:r>
+              <a:rPr lang="pl-PL" dirty="0"/>
+              <a:t> the </a:t>
+            </a:r>
+            <a:r>
+              <a:rPr lang="pl-PL" dirty="0" err="1"/>
+              <a:t>repository</a:t>
+            </a:r>
+            <a:r>
+              <a:rPr lang="pl-PL" dirty="0"/>
+              <a:t> </a:t>
+            </a:r>
+            <a:r>
+              <a:rPr lang="pl-PL" dirty="0" err="1"/>
+              <a:t>you</a:t>
+            </a:r>
+            <a:r>
+              <a:rPr lang="pl-PL" dirty="0"/>
+              <a:t> </a:t>
+            </a:r>
+            <a:r>
+              <a:rPr lang="pl-PL" dirty="0" err="1"/>
+              <a:t>may</a:t>
+            </a:r>
+            <a:r>
+              <a:rPr lang="pl-PL" dirty="0"/>
+              <a:t> </a:t>
+            </a:r>
+            <a:r>
+              <a:rPr lang="pl-PL" dirty="0" err="1"/>
+              <a:t>find</a:t>
+            </a:r>
+            <a:r>
+              <a:rPr lang="pl-PL" dirty="0"/>
+              <a:t> a </a:t>
+            </a:r>
+            <a:r>
+              <a:rPr lang="pl-PL" dirty="0" err="1"/>
+              <a:t>solution</a:t>
+            </a:r>
+            <a:r>
+              <a:rPr lang="pl-PL" dirty="0"/>
+              <a:t> for </a:t>
+            </a:r>
+            <a:r>
+              <a:rPr lang="pl-PL" dirty="0" err="1"/>
+              <a:t>calculating</a:t>
+            </a:r>
+            <a:r>
+              <a:rPr lang="pl-PL" dirty="0"/>
+              <a:t> Fibonacci </a:t>
+            </a:r>
+            <a:r>
+              <a:rPr lang="pl-PL" dirty="0" err="1"/>
+              <a:t>numbers</a:t>
+            </a:r>
             <a:endParaRPr lang="pl-PL" dirty="0"/>
           </a:p>
           <a:p>
+            <a:r>
+              <a:rPr lang="pl-PL" dirty="0"/>
+              <a:t>Solution </a:t>
+            </a:r>
+            <a:r>
+              <a:rPr lang="pl-PL" dirty="0" err="1"/>
+              <a:t>is</a:t>
+            </a:r>
+            <a:r>
+              <a:rPr lang="pl-PL" dirty="0"/>
+              <a:t> </a:t>
+            </a:r>
+            <a:r>
+              <a:rPr lang="pl-PL" dirty="0" err="1"/>
+              <a:t>based</a:t>
+            </a:r>
+            <a:r>
+              <a:rPr lang="pl-PL" dirty="0"/>
+              <a:t> on </a:t>
+            </a:r>
+            <a:r>
+              <a:rPr lang="pl-PL" dirty="0" err="1"/>
+              <a:t>three</a:t>
+            </a:r>
+            <a:r>
+              <a:rPr lang="pl-PL" dirty="0"/>
+              <a:t> </a:t>
+            </a:r>
+            <a:r>
+              <a:rPr lang="pl-PL" dirty="0" err="1"/>
+              <a:t>projects</a:t>
+            </a:r>
+            <a:r>
+              <a:rPr lang="pl-PL" dirty="0"/>
+              <a:t>:</a:t>
+            </a:r>
+          </a:p>
+          <a:p>
+            <a:pPr>
+              <a:buFont typeface="Wingdings" panose="05000000000000000000" pitchFamily="2" charset="2"/>
+              <a:buChar char="v"/>
+            </a:pPr>
+            <a:r>
+              <a:rPr lang="en-GB" dirty="0" err="1"/>
+              <a:t>Fibonacci.WebService</a:t>
+            </a:r>
+            <a:r>
+              <a:rPr lang="pl-PL" dirty="0"/>
+              <a:t> – Web API </a:t>
+            </a:r>
+            <a:r>
+              <a:rPr lang="pl-PL" dirty="0" err="1"/>
+              <a:t>responsible</a:t>
+            </a:r>
+            <a:r>
+              <a:rPr lang="pl-PL" dirty="0"/>
+              <a:t> for </a:t>
+            </a:r>
+            <a:r>
+              <a:rPr lang="pl-PL" dirty="0" err="1"/>
+              <a:t>receiving</a:t>
+            </a:r>
+            <a:r>
+              <a:rPr lang="pl-PL" dirty="0"/>
+              <a:t> </a:t>
+            </a:r>
+            <a:r>
+              <a:rPr lang="pl-PL" dirty="0" err="1"/>
+              <a:t>request</a:t>
+            </a:r>
+            <a:r>
+              <a:rPr lang="pl-PL" dirty="0"/>
+              <a:t> from the </a:t>
+            </a:r>
+            <a:r>
+              <a:rPr lang="pl-PL" dirty="0" err="1"/>
+              <a:t>user</a:t>
+            </a:r>
+            <a:r>
+              <a:rPr lang="pl-PL" dirty="0"/>
+              <a:t>. It </a:t>
+            </a:r>
+            <a:r>
+              <a:rPr lang="pl-PL" dirty="0" err="1"/>
+              <a:t>supports</a:t>
+            </a:r>
+            <a:r>
+              <a:rPr lang="pl-PL" dirty="0"/>
+              <a:t>:</a:t>
+            </a:r>
+          </a:p>
+          <a:p>
+            <a:pPr lvl="1">
+              <a:buFont typeface="Wingdings" panose="05000000000000000000" pitchFamily="2" charset="2"/>
+              <a:buChar char="v"/>
+            </a:pPr>
+            <a:r>
+              <a:rPr lang="pl-PL" dirty="0"/>
+              <a:t>GET /n – </a:t>
+            </a:r>
+            <a:r>
+              <a:rPr lang="pl-PL" dirty="0" err="1"/>
+              <a:t>get</a:t>
+            </a:r>
+            <a:r>
+              <a:rPr lang="pl-PL" dirty="0"/>
+              <a:t> </a:t>
+            </a:r>
+            <a:r>
+              <a:rPr lang="pl-PL" dirty="0" err="1"/>
+              <a:t>result</a:t>
+            </a:r>
+            <a:r>
+              <a:rPr lang="pl-PL" dirty="0"/>
+              <a:t> for </a:t>
+            </a:r>
+            <a:r>
+              <a:rPr lang="pl-PL" dirty="0" err="1"/>
+              <a:t>given</a:t>
+            </a:r>
+            <a:r>
+              <a:rPr lang="pl-PL" dirty="0"/>
+              <a:t> </a:t>
+            </a:r>
+            <a:r>
+              <a:rPr lang="pl-PL" dirty="0" err="1"/>
+              <a:t>number</a:t>
+            </a:r>
             <a:endParaRPr lang="pl-PL" dirty="0"/>
           </a:p>
           <a:p>
-            <a:r>
-              <a:rPr lang="pl-PL" dirty="0"/>
-              <a:t>Source </a:t>
-            </a:r>
-            <a:r>
-              <a:rPr lang="pl-PL" dirty="0" err="1"/>
-              <a:t>code</a:t>
-            </a:r>
-            <a:r>
-              <a:rPr lang="pl-PL" dirty="0"/>
-              <a:t> for the demo </a:t>
-            </a:r>
-            <a:r>
-              <a:rPr lang="pl-PL" dirty="0" err="1"/>
-              <a:t>is</a:t>
-            </a:r>
-            <a:r>
-              <a:rPr lang="pl-PL" dirty="0"/>
-              <a:t> open </a:t>
-            </a:r>
-            <a:r>
-              <a:rPr lang="pl-PL" dirty="0" err="1"/>
-              <a:t>sourced</a:t>
+            <a:pPr lvl="1">
+              <a:buFont typeface="Wingdings" panose="05000000000000000000" pitchFamily="2" charset="2"/>
+              <a:buChar char="v"/>
+            </a:pPr>
+            <a:r>
+              <a:rPr lang="pl-PL" dirty="0"/>
+              <a:t>POST /n – </a:t>
+            </a:r>
+            <a:r>
+              <a:rPr lang="pl-PL" dirty="0" err="1"/>
+              <a:t>send</a:t>
+            </a:r>
+            <a:r>
+              <a:rPr lang="pl-PL" dirty="0"/>
+              <a:t> </a:t>
+            </a:r>
+            <a:r>
+              <a:rPr lang="pl-PL" dirty="0" err="1"/>
+              <a:t>new</a:t>
+            </a:r>
+            <a:r>
+              <a:rPr lang="pl-PL" dirty="0"/>
+              <a:t> </a:t>
+            </a:r>
+            <a:r>
+              <a:rPr lang="pl-PL" dirty="0" err="1"/>
+              <a:t>calculation</a:t>
+            </a:r>
+            <a:r>
+              <a:rPr lang="pl-PL" dirty="0"/>
+              <a:t> </a:t>
+            </a:r>
+            <a:r>
+              <a:rPr lang="pl-PL" dirty="0" err="1"/>
+              <a:t>request</a:t>
+            </a:r>
+            <a:r>
+              <a:rPr lang="pl-PL" dirty="0"/>
+              <a:t> for </a:t>
+            </a:r>
+            <a:r>
+              <a:rPr lang="pl-PL" dirty="0" err="1"/>
+              <a:t>given</a:t>
+            </a:r>
+            <a:r>
+              <a:rPr lang="pl-PL" dirty="0"/>
+              <a:t> numer</a:t>
+            </a:r>
+          </a:p>
+          <a:p>
+            <a:pPr lvl="1">
+              <a:buFont typeface="Wingdings" panose="05000000000000000000" pitchFamily="2" charset="2"/>
+              <a:buChar char="v"/>
+            </a:pPr>
+            <a:r>
+              <a:rPr lang="pl-PL" dirty="0"/>
+              <a:t>DELETE /n – </a:t>
+            </a:r>
+            <a:r>
+              <a:rPr lang="pl-PL" dirty="0" err="1"/>
+              <a:t>remove</a:t>
+            </a:r>
+            <a:r>
+              <a:rPr lang="pl-PL" dirty="0"/>
+              <a:t> </a:t>
+            </a:r>
+            <a:r>
+              <a:rPr lang="pl-PL" dirty="0" err="1"/>
+              <a:t>result</a:t>
+            </a:r>
+            <a:r>
+              <a:rPr lang="pl-PL" dirty="0"/>
+              <a:t> from the </a:t>
+            </a:r>
+            <a:r>
+              <a:rPr lang="pl-PL" dirty="0" err="1"/>
+              <a:t>storage</a:t>
+            </a:r>
+            <a:endParaRPr lang="pl-PL" dirty="0"/>
+          </a:p>
+          <a:p>
+            <a:pPr lvl="1">
+              <a:buFont typeface="Wingdings" panose="05000000000000000000" pitchFamily="2" charset="2"/>
+              <a:buChar char="v"/>
+            </a:pPr>
+            <a:r>
+              <a:rPr lang="pl-PL" dirty="0" err="1"/>
+              <a:t>You</a:t>
+            </a:r>
+            <a:r>
+              <a:rPr lang="pl-PL" dirty="0"/>
+              <a:t> </a:t>
+            </a:r>
+            <a:r>
+              <a:rPr lang="pl-PL" dirty="0" err="1"/>
+              <a:t>can</a:t>
+            </a:r>
+            <a:r>
+              <a:rPr lang="pl-PL" dirty="0"/>
+              <a:t> </a:t>
+            </a:r>
+            <a:r>
+              <a:rPr lang="pl-PL" dirty="0" err="1"/>
+              <a:t>use</a:t>
+            </a:r>
+            <a:r>
+              <a:rPr lang="pl-PL" dirty="0"/>
+              <a:t> VS </a:t>
+            </a:r>
+            <a:r>
+              <a:rPr lang="pl-PL" dirty="0" err="1"/>
+              <a:t>Code</a:t>
+            </a:r>
+            <a:r>
+              <a:rPr lang="pl-PL" dirty="0"/>
+              <a:t> and </a:t>
+            </a:r>
+            <a:r>
+              <a:rPr lang="pl-PL" dirty="0" err="1"/>
+              <a:t>HttpClient</a:t>
+            </a:r>
+            <a:r>
+              <a:rPr lang="pl-PL" dirty="0"/>
+              <a:t> </a:t>
+            </a:r>
+            <a:r>
+              <a:rPr lang="pl-PL" dirty="0" err="1"/>
+              <a:t>extension</a:t>
+            </a:r>
+            <a:r>
+              <a:rPr lang="pl-PL" dirty="0"/>
+              <a:t> to run </a:t>
+            </a:r>
+            <a:r>
+              <a:rPr lang="pl-PL" dirty="0" err="1"/>
+              <a:t>example</a:t>
+            </a:r>
+            <a:r>
+              <a:rPr lang="pl-PL" dirty="0"/>
+              <a:t> </a:t>
+            </a:r>
+            <a:r>
+              <a:rPr lang="pl-PL" dirty="0" err="1"/>
+              <a:t>request</a:t>
+            </a:r>
+            <a:r>
+              <a:rPr lang="pl-PL" dirty="0"/>
+              <a:t> from the </a:t>
+            </a:r>
+            <a:r>
+              <a:rPr lang="pl-PL" dirty="0" err="1">
+                <a:solidFill>
+                  <a:srgbClr val="425CC7"/>
+                </a:solidFill>
+              </a:rPr>
+              <a:t>requests.http</a:t>
+            </a:r>
+            <a:r>
+              <a:rPr lang="pl-PL" dirty="0"/>
+              <a:t> file</a:t>
+            </a:r>
+          </a:p>
+          <a:p>
+            <a:pPr>
+              <a:buFont typeface="Wingdings" panose="05000000000000000000" pitchFamily="2" charset="2"/>
+              <a:buChar char="v"/>
+            </a:pPr>
+            <a:r>
+              <a:rPr lang="pl-PL" dirty="0" err="1"/>
+              <a:t>Fibonaci.Worker</a:t>
+            </a:r>
+            <a:r>
+              <a:rPr lang="pl-PL" dirty="0"/>
+              <a:t> – </a:t>
+            </a:r>
+            <a:r>
+              <a:rPr lang="pl-PL" dirty="0" err="1"/>
+              <a:t>Worker</a:t>
+            </a:r>
+            <a:r>
+              <a:rPr lang="pl-PL" dirty="0"/>
+              <a:t> </a:t>
+            </a:r>
+            <a:r>
+              <a:rPr lang="pl-PL" dirty="0" err="1"/>
+              <a:t>responsible</a:t>
+            </a:r>
+            <a:r>
+              <a:rPr lang="pl-PL" dirty="0"/>
+              <a:t> for </a:t>
+            </a:r>
+            <a:r>
+              <a:rPr lang="pl-PL" dirty="0" err="1"/>
+              <a:t>receiving</a:t>
+            </a:r>
+            <a:r>
+              <a:rPr lang="pl-PL" dirty="0"/>
+              <a:t> </a:t>
+            </a:r>
+            <a:r>
+              <a:rPr lang="pl-PL" dirty="0" err="1"/>
+              <a:t>calculation</a:t>
+            </a:r>
+            <a:r>
+              <a:rPr lang="pl-PL" dirty="0"/>
+              <a:t> </a:t>
+            </a:r>
+            <a:r>
+              <a:rPr lang="pl-PL" dirty="0" err="1"/>
+              <a:t>request</a:t>
             </a:r>
             <a:r>
               <a:rPr lang="pl-PL" dirty="0"/>
@@ -9503,47 +9205,23 @@
             </a:r>
             <a:r>
               <a:rPr lang="pl-PL" dirty="0" err="1"/>
-              <a:t>together</a:t>
-            </a:r>
-            <a:r>
-              <a:rPr lang="pl-PL" dirty="0"/>
-              <a:t> with </a:t>
-            </a:r>
-            <a:r>
-              <a:rPr lang="pl-PL" dirty="0" err="1"/>
-              <a:t>presentation</a:t>
-            </a:r>
-            <a:r>
-              <a:rPr lang="pl-PL" dirty="0"/>
-              <a:t> on my </a:t>
-            </a:r>
-            <a:r>
-              <a:rPr lang="pl-PL" dirty="0" err="1"/>
-              <a:t>Github</a:t>
-            </a:r>
-            <a:r>
-              <a:rPr lang="pl-PL" dirty="0"/>
-              <a:t> profile. To run </a:t>
-            </a:r>
-            <a:r>
-              <a:rPr lang="pl-PL" dirty="0" err="1"/>
-              <a:t>it</a:t>
-            </a:r>
-            <a:r>
-              <a:rPr lang="pl-PL" dirty="0"/>
-              <a:t>, </a:t>
-            </a:r>
-            <a:r>
-              <a:rPr lang="pl-PL" dirty="0" err="1"/>
-              <a:t>follow</a:t>
-            </a:r>
-            <a:r>
-              <a:rPr lang="pl-PL" dirty="0"/>
-              <a:t> </a:t>
-            </a:r>
-            <a:r>
-              <a:rPr lang="pl-PL" dirty="0" err="1"/>
-              <a:t>instructions</a:t>
+              <a:t>calculating</a:t>
+            </a:r>
+            <a:r>
+              <a:rPr lang="pl-PL" dirty="0"/>
+              <a:t> Fibonacci numer and </a:t>
+            </a:r>
+            <a:r>
+              <a:rPr lang="pl-PL" dirty="0" err="1"/>
+              <a:t>storing</a:t>
+            </a:r>
+            <a:r>
+              <a:rPr lang="pl-PL" dirty="0"/>
+              <a:t> </a:t>
+            </a:r>
+            <a:r>
+              <a:rPr lang="pl-PL" dirty="0" err="1"/>
+              <a:t>result</a:t>
             </a:r>
             <a:r>
               <a:rPr lang="pl-PL" dirty="0"/>
@@ -9551,26 +9229,59 @@
             </a:r>
             <a:r>
               <a:rPr lang="pl-PL" dirty="0" err="1"/>
-              <a:t>readme</a:t>
-            </a:r>
-            <a:r>
-              <a:rPr lang="pl-PL" dirty="0"/>
-              <a:t> file.</a:t>
-            </a:r>
-          </a:p>
-          <a:p>
-            <a:pPr algn="ctr"/>
-            <a:r>
-              <a:rPr lang="pl-PL" dirty="0"/>
-              <a:t>https://github.com/lukasz-pyrzyk/opentelemetry-demo</a:t>
-            </a:r>
+              <a:t>repository</a:t>
+            </a:r>
+            <a:endParaRPr lang="pl-PL" dirty="0"/>
+          </a:p>
+          <a:p>
+            <a:pPr>
+              <a:buFont typeface="Wingdings" panose="05000000000000000000" pitchFamily="2" charset="2"/>
+              <a:buChar char="v"/>
+            </a:pPr>
+            <a:r>
+              <a:rPr lang="pl-PL" dirty="0" err="1"/>
+              <a:t>Fibonacci.Shared</a:t>
+            </a:r>
+            <a:r>
+              <a:rPr lang="pl-PL" dirty="0"/>
+              <a:t> – a </a:t>
+            </a:r>
+            <a:r>
+              <a:rPr lang="pl-PL" dirty="0" err="1"/>
+              <a:t>shared</a:t>
+            </a:r>
+            <a:r>
+              <a:rPr lang="pl-PL" dirty="0"/>
+              <a:t> </a:t>
+            </a:r>
+            <a:r>
+              <a:rPr lang="pl-PL" dirty="0" err="1"/>
+              <a:t>project</a:t>
+            </a:r>
+            <a:r>
+              <a:rPr lang="pl-PL" dirty="0"/>
+              <a:t> for </a:t>
+            </a:r>
+            <a:r>
+              <a:rPr lang="pl-PL" dirty="0" err="1"/>
+              <a:t>Api</a:t>
+            </a:r>
+            <a:r>
+              <a:rPr lang="pl-PL" dirty="0"/>
+              <a:t> and </a:t>
+            </a:r>
+            <a:r>
+              <a:rPr lang="pl-PL" dirty="0" err="1"/>
+              <a:t>Worker</a:t>
+            </a:r>
+            <a:endParaRPr lang="pl-PL" dirty="0"/>
           </a:p>
         </p:txBody>
       </p:sp>
     </p:spTree>
     <p:extLst>
       <p:ext uri="{BB962C8B-B14F-4D97-AF65-F5344CB8AC3E}">
-        <p14:creationId xmlns:p14="http://schemas.microsoft.com/office/powerpoint/2010/main" val="61611896"/>
+        <p14:creationId xmlns:p14="http://schemas.microsoft.com/office/powerpoint/2010/main" val="443592601"/>
       </p:ext>
     </p:extLst>
   </p:cSld>
@@ -9628,580 +9339,6 @@
             </a:r>
             <a:r>
               <a:rPr lang="pl-PL" dirty="0" err="1"/>
-              <a:t>projects</a:t>
-            </a:r>
-            <a:endParaRPr lang="en-GB" dirty="0"/>
-          </a:p>
-        </p:txBody>
-      </p:sp>
-      <p:sp>
-        <p:nvSpPr>
-          <p:cNvPr id="3" name="Symbol zastępczy zawartości 2">
-            <a:extLst>
-              <a:ext uri="{FF2B5EF4-FFF2-40B4-BE49-F238E27FC236}">
-                <a16:creationId xmlns:a16="http://schemas.microsoft.com/office/drawing/2014/main" id="{AD3FCEB9-56AF-4295-BC72-2CC224C9BB38}"/>
-              </a:ext>
-            </a:extLst>
-          </p:cNvPr>
-          <p:cNvSpPr>
-            <a:spLocks noGrp="1"/>
-          </p:cNvSpPr>
-          <p:nvPr>
-            <p:ph idx="1"/>
-          </p:nvPr>
-        </p:nvSpPr>
-        <p:spPr/>
-        <p:txBody>
-          <a:bodyPr>
-            <a:normAutofit/>
-          </a:bodyPr>
-          <a:lstStyle/>
-          <a:p>
-            <a:r>
-              <a:rPr lang="pl-PL" dirty="0" err="1"/>
-              <a:t>Within</a:t>
-            </a:r>
-            <a:r>
-              <a:rPr lang="pl-PL" dirty="0"/>
-              <a:t> the </a:t>
-            </a:r>
-            <a:r>
-              <a:rPr lang="pl-PL" dirty="0" err="1"/>
-              <a:t>repository</a:t>
-            </a:r>
-            <a:r>
-              <a:rPr lang="pl-PL" dirty="0"/>
-              <a:t> </a:t>
-            </a:r>
-            <a:r>
-              <a:rPr lang="pl-PL" dirty="0" err="1"/>
-              <a:t>you</a:t>
-            </a:r>
-            <a:r>
-              <a:rPr lang="pl-PL" dirty="0"/>
-              <a:t> </a:t>
-            </a:r>
-            <a:r>
-              <a:rPr lang="pl-PL" dirty="0" err="1"/>
-              <a:t>may</a:t>
-            </a:r>
-            <a:r>
-              <a:rPr lang="pl-PL" dirty="0"/>
-              <a:t> </a:t>
-            </a:r>
-            <a:r>
-              <a:rPr lang="pl-PL" dirty="0" err="1"/>
-              <a:t>find</a:t>
-            </a:r>
-            <a:r>
-              <a:rPr lang="pl-PL" dirty="0"/>
-              <a:t> a </a:t>
-            </a:r>
-            <a:r>
-              <a:rPr lang="pl-PL" dirty="0" err="1"/>
-              <a:t>solution</a:t>
-            </a:r>
-            <a:r>
-              <a:rPr lang="pl-PL" dirty="0"/>
-              <a:t> for </a:t>
-            </a:r>
-            <a:r>
-              <a:rPr lang="pl-PL" dirty="0" err="1"/>
-              <a:t>calculating</a:t>
-            </a:r>
-            <a:r>
-              <a:rPr lang="pl-PL" dirty="0"/>
-              <a:t> Fibonacci </a:t>
-            </a:r>
-            <a:r>
-              <a:rPr lang="pl-PL" dirty="0" err="1"/>
-              <a:t>numbers</a:t>
-            </a:r>
-            <a:endParaRPr lang="pl-PL" dirty="0"/>
-          </a:p>
-          <a:p>
-            <a:r>
-              <a:rPr lang="pl-PL" dirty="0"/>
-              <a:t>Solution </a:t>
-            </a:r>
-            <a:r>
-              <a:rPr lang="pl-PL" dirty="0" err="1"/>
-              <a:t>is</a:t>
-            </a:r>
-            <a:r>
-              <a:rPr lang="pl-PL" dirty="0"/>
-              <a:t> </a:t>
-            </a:r>
-            <a:r>
-              <a:rPr lang="pl-PL" dirty="0" err="1"/>
-              <a:t>based</a:t>
-            </a:r>
-            <a:r>
-              <a:rPr lang="pl-PL" dirty="0"/>
-              <a:t> on </a:t>
-            </a:r>
-            <a:r>
-              <a:rPr lang="pl-PL" dirty="0" err="1"/>
-              <a:t>three</a:t>
-            </a:r>
-            <a:r>
-              <a:rPr lang="pl-PL" dirty="0"/>
-              <a:t> </a:t>
-            </a:r>
-            <a:r>
-              <a:rPr lang="pl-PL" dirty="0" err="1"/>
-              <a:t>projects</a:t>
-            </a:r>
-            <a:r>
-              <a:rPr lang="pl-PL" dirty="0"/>
-              <a:t>:</a:t>
-            </a:r>
-          </a:p>
-          <a:p>
-            <a:pPr>
-              <a:buFont typeface="Wingdings" panose="05000000000000000000" pitchFamily="2" charset="2"/>
-              <a:buChar char="v"/>
-            </a:pPr>
-            <a:r>
-              <a:rPr lang="en-GB" dirty="0" err="1"/>
-              <a:t>Fibonacci.WebService</a:t>
-            </a:r>
-            <a:r>
-              <a:rPr lang="pl-PL" dirty="0"/>
-              <a:t> – Web API </a:t>
-            </a:r>
-            <a:r>
-              <a:rPr lang="pl-PL" dirty="0" err="1"/>
-              <a:t>responsible</a:t>
-            </a:r>
-            <a:r>
-              <a:rPr lang="pl-PL" dirty="0"/>
-              <a:t> for </a:t>
-            </a:r>
-            <a:r>
-              <a:rPr lang="pl-PL" dirty="0" err="1"/>
-              <a:t>receiving</a:t>
-            </a:r>
-            <a:r>
-              <a:rPr lang="pl-PL" dirty="0"/>
-              <a:t> </a:t>
-            </a:r>
-            <a:r>
-              <a:rPr lang="pl-PL" dirty="0" err="1"/>
-              <a:t>request</a:t>
-            </a:r>
-            <a:r>
-              <a:rPr lang="pl-PL" dirty="0"/>
-              <a:t> from the </a:t>
-            </a:r>
-            <a:r>
-              <a:rPr lang="pl-PL" dirty="0" err="1"/>
-              <a:t>user</a:t>
-            </a:r>
-            <a:r>
-              <a:rPr lang="pl-PL" dirty="0"/>
-              <a:t>. It </a:t>
-            </a:r>
-            <a:r>
-              <a:rPr lang="pl-PL" dirty="0" err="1"/>
-              <a:t>supports</a:t>
-            </a:r>
-            <a:r>
-              <a:rPr lang="pl-PL" dirty="0"/>
-              <a:t>:</a:t>
-            </a:r>
-          </a:p>
-          <a:p>
-            <a:pPr lvl="1">
-              <a:buFont typeface="Wingdings" panose="05000000000000000000" pitchFamily="2" charset="2"/>
-              <a:buChar char="v"/>
-            </a:pPr>
-            <a:r>
-              <a:rPr lang="pl-PL" dirty="0"/>
-              <a:t>GET /n – </a:t>
-            </a:r>
-            <a:r>
-              <a:rPr lang="pl-PL" dirty="0" err="1"/>
-              <a:t>get</a:t>
-            </a:r>
-            <a:r>
-              <a:rPr lang="pl-PL" dirty="0"/>
-              <a:t> </a:t>
-            </a:r>
-            <a:r>
-              <a:rPr lang="pl-PL" dirty="0" err="1"/>
-              <a:t>result</a:t>
-            </a:r>
-            <a:r>
-              <a:rPr lang="pl-PL" dirty="0"/>
-              <a:t> for </a:t>
-            </a:r>
-            <a:r>
-              <a:rPr lang="pl-PL" dirty="0" err="1"/>
-              <a:t>given</a:t>
-            </a:r>
-            <a:r>
-              <a:rPr lang="pl-PL" dirty="0"/>
-              <a:t> </a:t>
-            </a:r>
-            <a:r>
-              <a:rPr lang="pl-PL" dirty="0" err="1"/>
-              <a:t>number</a:t>
-            </a:r>
-            <a:endParaRPr lang="pl-PL" dirty="0"/>
-          </a:p>
-          <a:p>
-            <a:pPr lvl="1">
-              <a:buFont typeface="Wingdings" panose="05000000000000000000" pitchFamily="2" charset="2"/>
-              <a:buChar char="v"/>
-            </a:pPr>
-            <a:r>
-              <a:rPr lang="pl-PL" dirty="0"/>
-              <a:t>POST /n – </a:t>
-            </a:r>
-            <a:r>
-              <a:rPr lang="pl-PL" dirty="0" err="1"/>
-              <a:t>send</a:t>
-            </a:r>
-            <a:r>
-              <a:rPr lang="pl-PL" dirty="0"/>
-              <a:t> </a:t>
-            </a:r>
-            <a:r>
-              <a:rPr lang="pl-PL" dirty="0" err="1"/>
-              <a:t>new</a:t>
-            </a:r>
-            <a:r>
-              <a:rPr lang="pl-PL" dirty="0"/>
-              <a:t> </a:t>
-            </a:r>
-            <a:r>
-              <a:rPr lang="pl-PL" dirty="0" err="1"/>
-              <a:t>calculation</a:t>
-            </a:r>
-            <a:r>
-              <a:rPr lang="pl-PL" dirty="0"/>
-              <a:t> </a:t>
-            </a:r>
-            <a:r>
-              <a:rPr lang="pl-PL" dirty="0" err="1"/>
-              <a:t>request</a:t>
-            </a:r>
-            <a:r>
-              <a:rPr lang="pl-PL" dirty="0"/>
-              <a:t> for </a:t>
-            </a:r>
-            <a:r>
-              <a:rPr lang="pl-PL" dirty="0" err="1"/>
-              <a:t>given</a:t>
-            </a:r>
-            <a:r>
-              <a:rPr lang="pl-PL" dirty="0"/>
-              <a:t> numer</a:t>
-            </a:r>
-          </a:p>
-          <a:p>
-            <a:pPr lvl="1">
-              <a:buFont typeface="Wingdings" panose="05000000000000000000" pitchFamily="2" charset="2"/>
-              <a:buChar char="v"/>
-            </a:pPr>
-            <a:r>
-              <a:rPr lang="pl-PL" dirty="0"/>
-              <a:t>DELETE /n – </a:t>
-            </a:r>
-            <a:r>
-              <a:rPr lang="pl-PL" dirty="0" err="1"/>
-              <a:t>remove</a:t>
-            </a:r>
-            <a:r>
-              <a:rPr lang="pl-PL" dirty="0"/>
-              <a:t> </a:t>
-            </a:r>
-            <a:r>
-              <a:rPr lang="pl-PL" dirty="0" err="1"/>
-              <a:t>result</a:t>
-            </a:r>
-            <a:r>
-              <a:rPr lang="pl-PL" dirty="0"/>
-              <a:t> from the </a:t>
-            </a:r>
-            <a:r>
-              <a:rPr lang="pl-PL" dirty="0" err="1"/>
-              <a:t>storage</a:t>
-            </a:r>
-            <a:endParaRPr lang="pl-PL" dirty="0"/>
-          </a:p>
-          <a:p>
-            <a:pPr lvl="1">
-              <a:buFont typeface="Wingdings" panose="05000000000000000000" pitchFamily="2" charset="2"/>
-              <a:buChar char="v"/>
-            </a:pPr>
-            <a:r>
-              <a:rPr lang="pl-PL" dirty="0" err="1"/>
-              <a:t>You</a:t>
-            </a:r>
-            <a:r>
-              <a:rPr lang="pl-PL" dirty="0"/>
-              <a:t> </a:t>
-            </a:r>
-            <a:r>
-              <a:rPr lang="pl-PL" dirty="0" err="1"/>
-              <a:t>can</a:t>
-            </a:r>
-            <a:r>
-              <a:rPr lang="pl-PL" dirty="0"/>
-              <a:t> </a:t>
-            </a:r>
-            <a:r>
-              <a:rPr lang="pl-PL" dirty="0" err="1"/>
-              <a:t>use</a:t>
-            </a:r>
-            <a:r>
-              <a:rPr lang="pl-PL" dirty="0"/>
-              <a:t> VS </a:t>
-            </a:r>
-            <a:r>
-              <a:rPr lang="pl-PL" dirty="0" err="1"/>
-              <a:t>Code</a:t>
-            </a:r>
-            <a:r>
-              <a:rPr lang="pl-PL" dirty="0"/>
-              <a:t> and </a:t>
-            </a:r>
-            <a:r>
-              <a:rPr lang="pl-PL" dirty="0" err="1"/>
-              <a:t>HttpClient</a:t>
-            </a:r>
-            <a:r>
-              <a:rPr lang="pl-PL" dirty="0"/>
-              <a:t> </a:t>
-            </a:r>
-            <a:r>
-              <a:rPr lang="pl-PL" dirty="0" err="1"/>
-              <a:t>extension</a:t>
-            </a:r>
-            <a:r>
-              <a:rPr lang="pl-PL" dirty="0"/>
-              <a:t> to run </a:t>
-            </a:r>
-            <a:r>
-              <a:rPr lang="pl-PL" dirty="0" err="1"/>
-              <a:t>example</a:t>
-            </a:r>
-            <a:r>
-              <a:rPr lang="pl-PL" dirty="0"/>
-              <a:t> </a:t>
-            </a:r>
-            <a:r>
-              <a:rPr lang="pl-PL" dirty="0" err="1"/>
-              <a:t>request</a:t>
-            </a:r>
-            <a:r>
-              <a:rPr lang="pl-PL" dirty="0"/>
-              <a:t> from the </a:t>
-            </a:r>
-            <a:r>
-              <a:rPr lang="pl-PL" dirty="0" err="1">
-                <a:solidFill>
-                  <a:srgbClr val="425CC7"/>
-                </a:solidFill>
-              </a:rPr>
-              <a:t>requests.http</a:t>
-            </a:r>
-            <a:r>
-              <a:rPr lang="pl-PL" dirty="0"/>
-              <a:t> file</a:t>
-            </a:r>
-          </a:p>
-          <a:p>
-            <a:pPr>
-              <a:buFont typeface="Wingdings" panose="05000000000000000000" pitchFamily="2" charset="2"/>
-              <a:buChar char="v"/>
-            </a:pPr>
-            <a:r>
-              <a:rPr lang="pl-PL" dirty="0" err="1"/>
-              <a:t>Fibonaci.Worker</a:t>
-            </a:r>
-            <a:r>
-              <a:rPr lang="pl-PL" dirty="0"/>
-              <a:t> – </a:t>
-            </a:r>
-            <a:r>
-              <a:rPr lang="pl-PL" dirty="0" err="1"/>
-              <a:t>Worker</a:t>
-            </a:r>
-            <a:r>
-              <a:rPr lang="pl-PL" dirty="0"/>
-              <a:t> </a:t>
-            </a:r>
-            <a:r>
-              <a:rPr lang="pl-PL" dirty="0" err="1"/>
-              <a:t>responsible</a:t>
-            </a:r>
-            <a:r>
-              <a:rPr lang="pl-PL" dirty="0"/>
-              <a:t> for </a:t>
-            </a:r>
-            <a:r>
-              <a:rPr lang="pl-PL" dirty="0" err="1"/>
-              <a:t>receiving</a:t>
-            </a:r>
-            <a:r>
-              <a:rPr lang="pl-PL" dirty="0"/>
-              <a:t> </a:t>
-            </a:r>
-            <a:r>
-              <a:rPr lang="pl-PL" dirty="0" err="1"/>
-              <a:t>calculation</a:t>
-            </a:r>
-            <a:r>
-              <a:rPr lang="pl-PL" dirty="0"/>
-              <a:t> </a:t>
-            </a:r>
-            <a:r>
-              <a:rPr lang="pl-PL" dirty="0" err="1"/>
-              <a:t>request</a:t>
-            </a:r>
-            <a:r>
-              <a:rPr lang="pl-PL" dirty="0"/>
-              <a:t>, </a:t>
-            </a:r>
-            <a:r>
-              <a:rPr lang="pl-PL" dirty="0" err="1"/>
-              <a:t>calculating</a:t>
-            </a:r>
-            <a:r>
-              <a:rPr lang="pl-PL" dirty="0"/>
-              <a:t> Fibonacci numer and </a:t>
-            </a:r>
-            <a:r>
-              <a:rPr lang="pl-PL" dirty="0" err="1"/>
-              <a:t>storing</a:t>
-            </a:r>
-            <a:r>
-              <a:rPr lang="pl-PL" dirty="0"/>
-              <a:t> </a:t>
-            </a:r>
-            <a:r>
-              <a:rPr lang="pl-PL" dirty="0" err="1"/>
-              <a:t>result</a:t>
-            </a:r>
-            <a:r>
-              <a:rPr lang="pl-PL" dirty="0"/>
-              <a:t> in the </a:t>
-            </a:r>
-            <a:r>
-              <a:rPr lang="pl-PL" dirty="0" err="1"/>
-              <a:t>repository</a:t>
-            </a:r>
-            <a:endParaRPr lang="pl-PL" dirty="0"/>
-          </a:p>
-          <a:p>
-            <a:pPr>
-              <a:buFont typeface="Wingdings" panose="05000000000000000000" pitchFamily="2" charset="2"/>
-              <a:buChar char="v"/>
-            </a:pPr>
-            <a:r>
-              <a:rPr lang="pl-PL" dirty="0" err="1"/>
-              <a:t>Fibonacci.Shared</a:t>
-            </a:r>
-            <a:r>
-              <a:rPr lang="pl-PL" dirty="0"/>
-              <a:t> – a </a:t>
-            </a:r>
-            <a:r>
-              <a:rPr lang="pl-PL" dirty="0" err="1"/>
-              <a:t>shared</a:t>
-            </a:r>
-            <a:r>
-              <a:rPr lang="pl-PL" dirty="0"/>
-              <a:t> </a:t>
-            </a:r>
-            <a:r>
-              <a:rPr lang="pl-PL" dirty="0" err="1"/>
-              <a:t>project</a:t>
-            </a:r>
-            <a:r>
-              <a:rPr lang="pl-PL" dirty="0"/>
-              <a:t> for </a:t>
-            </a:r>
-            <a:r>
-              <a:rPr lang="pl-PL" dirty="0" err="1"/>
-              <a:t>Api</a:t>
-            </a:r>
-            <a:r>
-              <a:rPr lang="pl-PL" dirty="0"/>
-              <a:t> and </a:t>
-            </a:r>
-            <a:r>
-              <a:rPr lang="pl-PL" dirty="0" err="1"/>
-              <a:t>Worker</a:t>
-            </a:r>
-            <a:endParaRPr lang="pl-PL" dirty="0"/>
-          </a:p>
-        </p:txBody>
-      </p:sp>
-    </p:spTree>
-    <p:extLst>
-      <p:ext uri="{BB962C8B-B14F-4D97-AF65-F5344CB8AC3E}">
-        <p14:creationId xmlns:p14="http://schemas.microsoft.com/office/powerpoint/2010/main" val="443592601"/>
-      </p:ext>
-    </p:extLst>
-  </p:cSld>
-  <p:clrMapOvr>
-    <a:masterClrMapping/>
-  </p:clrMapOvr>
-</p:sld>
-</file>
-
-<file path=ppt/slides/slide23.xml><?xml version="1.0" encoding="utf-8"?>
-<p:sld xmlns:a="http://schemas.openxmlformats.org/drawingml/2006/main" xmlns:r="http://schemas.openxmlformats.org/officeDocument/2006/relationships" xmlns:p="http://schemas.openxmlformats.org/presentationml/2006/main">
-  <p:cSld>
-    <p:spTree>
-      <p:nvGrpSpPr>
-        <p:cNvPr id="1" name=""/>
-        <p:cNvGrpSpPr/>
-        <p:nvPr/>
-      </p:nvGrpSpPr>
-      <p:grpSpPr>
-        <a:xfrm>
-          <a:off x="0" y="0"/>
-          <a:ext cx="0" cy="0"/>
-          <a:chOff x="0" y="0"/>
-          <a:chExt cx="0" cy="0"/>
-        </a:xfrm>
-      </p:grpSpPr>
-      <p:sp>
-        <p:nvSpPr>
-          <p:cNvPr id="2" name="Tytuł 1">
-            <a:extLst>
-              <a:ext uri="{FF2B5EF4-FFF2-40B4-BE49-F238E27FC236}">
-                <a16:creationId xmlns:a16="http://schemas.microsoft.com/office/drawing/2014/main" id="{DBCF61BD-95D2-4195-92AB-D5FBFA5899FE}"/>
-              </a:ext>
-            </a:extLst>
-          </p:cNvPr>
-          <p:cNvSpPr>
-            <a:spLocks noGrp="1"/>
-          </p:cNvSpPr>
-          <p:nvPr>
-            <p:ph type="title"/>
-          </p:nvPr>
-        </p:nvSpPr>
-        <p:spPr/>
-        <p:txBody>
-          <a:bodyPr/>
-          <a:lstStyle/>
-          <a:p>
-            <a:r>
-              <a:rPr lang="pl-PL" dirty="0" err="1"/>
-              <a:t>About</a:t>
-            </a:r>
-            <a:r>
-              <a:rPr lang="pl-PL" dirty="0"/>
-              <a:t> the demo - </a:t>
-            </a:r>
-            <a:r>
-              <a:rPr lang="pl-PL" dirty="0" err="1"/>
               <a:t>dependencies</a:t>
             </a:r>
             <a:endParaRPr lang="en-GB" dirty="0"/>
@@ -10591,7 +9728,7 @@
 </p:sld>
 </file>
 
-<file path=ppt/slides/slide24.xml><?xml version="1.0" encoding="utf-8"?>
+<file path=ppt/slides/slide23.xml><?xml version="1.0" encoding="utf-8"?>
 <p:sld xmlns:a="http://schemas.openxmlformats.org/drawingml/2006/main" xmlns:r="http://schemas.openxmlformats.org/officeDocument/2006/relationships" xmlns:p="http://schemas.openxmlformats.org/presentationml/2006/main">
   <p:cSld>
     <p:spTree>
@@ -10719,7 +9856,7 @@
 </p:sld>
 </file>
 
-<file path=ppt/slides/slide25.xml><?xml version="1.0" encoding="utf-8"?>
+<file path=ppt/slides/slide24.xml><?xml version="1.0" encoding="utf-8"?>
 <p:sld xmlns:a="http://schemas.openxmlformats.org/drawingml/2006/main" xmlns:r="http://schemas.openxmlformats.org/officeDocument/2006/relationships" xmlns:p="http://schemas.openxmlformats.org/presentationml/2006/main">
   <p:cSld>
     <p:spTree>
@@ -11163,7 +10300,7 @@
 </p:sld>
 </file>
 
-<file path=ppt/slides/slide26.xml><?xml version="1.0" encoding="utf-8"?>
+<file path=ppt/slides/slide25.xml><?xml version="1.0" encoding="utf-8"?>
 <p:sld xmlns:a="http://schemas.openxmlformats.org/drawingml/2006/main" xmlns:r="http://schemas.openxmlformats.org/officeDocument/2006/relationships" xmlns:p="http://schemas.openxmlformats.org/presentationml/2006/main">
   <p:cSld>
     <p:spTree>
@@ -13001,636 +12138,6 @@
               <a:t>.</a:t>
             </a:r>
           </a:p>
-          <a:p>
-            <a:pPr algn="just"/>
-            <a:r>
-              <a:rPr lang="pl-PL" dirty="0">
-                <a:solidFill>
-                  <a:srgbClr val="425CC7"/>
-                </a:solidFill>
-              </a:rPr>
-              <a:t>Log </a:t>
-            </a:r>
-            <a:r>
-              <a:rPr lang="pl-PL" dirty="0" err="1">
-                <a:solidFill>
-                  <a:srgbClr val="425CC7"/>
-                </a:solidFill>
-              </a:rPr>
-              <a:t>entry</a:t>
-            </a:r>
-            <a:r>
-              <a:rPr lang="pl-PL" dirty="0">
-                <a:solidFill>
-                  <a:srgbClr val="425CC7"/>
-                </a:solidFill>
-              </a:rPr>
-              <a:t> </a:t>
-            </a:r>
-            <a:r>
-              <a:rPr lang="pl-PL" dirty="0" err="1">
-                <a:solidFill>
-                  <a:schemeClr val="tx1"/>
-                </a:solidFill>
-              </a:rPr>
-              <a:t>can</a:t>
-            </a:r>
-            <a:r>
-              <a:rPr lang="pl-PL" dirty="0">
-                <a:solidFill>
-                  <a:schemeClr val="tx1"/>
-                </a:solidFill>
-              </a:rPr>
-              <a:t> be </a:t>
-            </a:r>
-            <a:r>
-              <a:rPr lang="pl-PL" dirty="0" err="1">
-                <a:solidFill>
-                  <a:schemeClr val="tx1"/>
-                </a:solidFill>
-              </a:rPr>
-              <a:t>more</a:t>
-            </a:r>
-            <a:r>
-              <a:rPr lang="pl-PL" dirty="0">
-                <a:solidFill>
-                  <a:schemeClr val="tx1"/>
-                </a:solidFill>
-              </a:rPr>
-              <a:t> </a:t>
-            </a:r>
-            <a:r>
-              <a:rPr lang="pl-PL" dirty="0" err="1">
-                <a:solidFill>
-                  <a:schemeClr val="tx1"/>
-                </a:solidFill>
-              </a:rPr>
-              <a:t>then</a:t>
-            </a:r>
-            <a:r>
-              <a:rPr lang="pl-PL" dirty="0">
-                <a:solidFill>
-                  <a:schemeClr val="tx1"/>
-                </a:solidFill>
-              </a:rPr>
-              <a:t> a </a:t>
-            </a:r>
-            <a:r>
-              <a:rPr lang="pl-PL" dirty="0" err="1">
-                <a:solidFill>
-                  <a:schemeClr val="tx1"/>
-                </a:solidFill>
-              </a:rPr>
-              <a:t>simple</a:t>
-            </a:r>
-            <a:r>
-              <a:rPr lang="pl-PL" dirty="0">
-                <a:solidFill>
-                  <a:schemeClr val="tx1"/>
-                </a:solidFill>
-              </a:rPr>
-              <a:t> </a:t>
-            </a:r>
-            <a:r>
-              <a:rPr lang="pl-PL" dirty="0" err="1">
-                <a:solidFill>
-                  <a:schemeClr val="tx1"/>
-                </a:solidFill>
-              </a:rPr>
-              <a:t>line</a:t>
-            </a:r>
-            <a:r>
-              <a:rPr lang="pl-PL" dirty="0">
-                <a:solidFill>
-                  <a:schemeClr val="tx1"/>
-                </a:solidFill>
-              </a:rPr>
-              <a:t> of </a:t>
-            </a:r>
-            <a:r>
-              <a:rPr lang="pl-PL" dirty="0" err="1">
-                <a:solidFill>
-                  <a:schemeClr val="tx1"/>
-                </a:solidFill>
-              </a:rPr>
-              <a:t>that</a:t>
-            </a:r>
-            <a:r>
-              <a:rPr lang="pl-PL" dirty="0">
-                <a:solidFill>
-                  <a:schemeClr val="tx1"/>
-                </a:solidFill>
-              </a:rPr>
-              <a:t>. For </a:t>
-            </a:r>
-            <a:r>
-              <a:rPr lang="pl-PL" dirty="0" err="1">
-                <a:solidFill>
-                  <a:schemeClr val="tx1"/>
-                </a:solidFill>
-              </a:rPr>
-              <a:t>example</a:t>
-            </a:r>
-            <a:r>
-              <a:rPr lang="pl-PL" dirty="0">
-                <a:solidFill>
-                  <a:schemeClr val="tx1"/>
-                </a:solidFill>
-              </a:rPr>
-              <a:t>, </a:t>
-            </a:r>
-            <a:r>
-              <a:rPr lang="pl-PL" dirty="0" err="1">
-                <a:solidFill>
-                  <a:schemeClr val="tx1"/>
-                </a:solidFill>
-              </a:rPr>
-              <a:t>it</a:t>
-            </a:r>
-            <a:r>
-              <a:rPr lang="pl-PL" dirty="0">
-                <a:solidFill>
-                  <a:schemeClr val="tx1"/>
-                </a:solidFill>
-              </a:rPr>
-              <a:t> </a:t>
-            </a:r>
-            <a:r>
-              <a:rPr lang="pl-PL" dirty="0" err="1">
-                <a:solidFill>
-                  <a:schemeClr val="tx1"/>
-                </a:solidFill>
-              </a:rPr>
-              <a:t>can</a:t>
-            </a:r>
-            <a:r>
-              <a:rPr lang="pl-PL" dirty="0">
-                <a:solidFill>
-                  <a:schemeClr val="tx1"/>
-                </a:solidFill>
-              </a:rPr>
-              <a:t> be a JSON </a:t>
-            </a:r>
-            <a:r>
-              <a:rPr lang="pl-PL" dirty="0" err="1">
-                <a:solidFill>
-                  <a:schemeClr val="tx1"/>
-                </a:solidFill>
-              </a:rPr>
-              <a:t>structured</a:t>
-            </a:r>
-            <a:r>
-              <a:rPr lang="pl-PL" dirty="0">
-                <a:solidFill>
-                  <a:schemeClr val="tx1"/>
-                </a:solidFill>
-              </a:rPr>
-              <a:t> </a:t>
-            </a:r>
-            <a:r>
-              <a:rPr lang="pl-PL" dirty="0" err="1">
-                <a:solidFill>
-                  <a:schemeClr val="tx1"/>
-                </a:solidFill>
-              </a:rPr>
-              <a:t>messages</a:t>
-            </a:r>
-            <a:r>
-              <a:rPr lang="pl-PL" dirty="0">
-                <a:solidFill>
-                  <a:schemeClr val="tx1"/>
-                </a:solidFill>
-              </a:rPr>
-              <a:t> with log </a:t>
-            </a:r>
-            <a:r>
-              <a:rPr lang="pl-PL" dirty="0" err="1">
-                <a:solidFill>
-                  <a:schemeClr val="tx1"/>
-                </a:solidFill>
-              </a:rPr>
-              <a:t>message</a:t>
-            </a:r>
-            <a:r>
-              <a:rPr lang="pl-PL" dirty="0">
-                <a:solidFill>
-                  <a:schemeClr val="tx1"/>
-                </a:solidFill>
-              </a:rPr>
-              <a:t> </a:t>
-            </a:r>
-            <a:r>
-              <a:rPr lang="pl-PL" dirty="0" err="1">
-                <a:solidFill>
-                  <a:schemeClr val="tx1"/>
-                </a:solidFill>
-              </a:rPr>
-              <a:t>properties</a:t>
-            </a:r>
-            <a:r>
-              <a:rPr lang="pl-PL" dirty="0">
-                <a:solidFill>
-                  <a:schemeClr val="tx1"/>
-                </a:solidFill>
-              </a:rPr>
-              <a:t> </a:t>
-            </a:r>
-            <a:r>
-              <a:rPr lang="pl-PL" dirty="0" err="1">
-                <a:solidFill>
-                  <a:schemeClr val="tx1"/>
-                </a:solidFill>
-              </a:rPr>
-              <a:t>written</a:t>
-            </a:r>
-            <a:r>
-              <a:rPr lang="pl-PL" dirty="0">
-                <a:solidFill>
-                  <a:schemeClr val="tx1"/>
-                </a:solidFill>
-              </a:rPr>
-              <a:t> as </a:t>
-            </a:r>
-            <a:r>
-              <a:rPr lang="pl-PL" dirty="0" err="1">
-                <a:solidFill>
-                  <a:schemeClr val="tx1"/>
-                </a:solidFill>
-              </a:rPr>
-              <a:t>properties</a:t>
-            </a:r>
-            <a:r>
-              <a:rPr lang="pl-PL" dirty="0">
-                <a:solidFill>
-                  <a:schemeClr val="tx1"/>
-                </a:solidFill>
-              </a:rPr>
-              <a:t>, </a:t>
-            </a:r>
-            <a:r>
-              <a:rPr lang="pl-PL" dirty="0" err="1">
-                <a:solidFill>
-                  <a:schemeClr val="tx1"/>
-                </a:solidFill>
-              </a:rPr>
-              <a:t>aka</a:t>
-            </a:r>
-            <a:r>
-              <a:rPr lang="pl-PL" dirty="0">
-                <a:solidFill>
-                  <a:schemeClr val="tx1"/>
-                </a:solidFill>
-              </a:rPr>
-              <a:t> </a:t>
-            </a:r>
-            <a:r>
-              <a:rPr lang="pl-PL" dirty="0" err="1">
-                <a:solidFill>
-                  <a:schemeClr val="tx1"/>
-                </a:solidFill>
-              </a:rPr>
-              <a:t>called</a:t>
-            </a:r>
-            <a:r>
-              <a:rPr lang="pl-PL" dirty="0">
-                <a:solidFill>
-                  <a:schemeClr val="tx1"/>
-                </a:solidFill>
-              </a:rPr>
-              <a:t> </a:t>
-            </a:r>
-            <a:r>
-              <a:rPr lang="pl-PL" dirty="0" err="1">
-                <a:solidFill>
-                  <a:srgbClr val="F5A800"/>
-                </a:solidFill>
-              </a:rPr>
-              <a:t>Structured</a:t>
-            </a:r>
-            <a:r>
-              <a:rPr lang="pl-PL" dirty="0">
-                <a:solidFill>
-                  <a:srgbClr val="F5A800"/>
-                </a:solidFill>
-              </a:rPr>
-              <a:t> </a:t>
-            </a:r>
-            <a:r>
-              <a:rPr lang="pl-PL" dirty="0" err="1">
-                <a:solidFill>
-                  <a:srgbClr val="F5A800"/>
-                </a:solidFill>
-              </a:rPr>
-              <a:t>Logging</a:t>
-            </a:r>
-            <a:r>
-              <a:rPr lang="pl-PL" dirty="0">
-                <a:solidFill>
-                  <a:schemeClr val="tx1"/>
-                </a:solidFill>
-              </a:rPr>
-              <a:t>. It </a:t>
-            </a:r>
-            <a:r>
-              <a:rPr lang="pl-PL" dirty="0" err="1">
-                <a:solidFill>
-                  <a:schemeClr val="tx1"/>
-                </a:solidFill>
-              </a:rPr>
-              <a:t>allows</a:t>
-            </a:r>
-            <a:r>
-              <a:rPr lang="pl-PL" dirty="0">
-                <a:solidFill>
-                  <a:schemeClr val="tx1"/>
-                </a:solidFill>
-              </a:rPr>
-              <a:t> to </a:t>
-            </a:r>
-            <a:r>
-              <a:rPr lang="pl-PL" dirty="0" err="1">
-                <a:solidFill>
-                  <a:schemeClr val="tx1"/>
-                </a:solidFill>
-              </a:rPr>
-              <a:t>analyze</a:t>
-            </a:r>
-            <a:r>
-              <a:rPr lang="pl-PL" dirty="0">
-                <a:solidFill>
-                  <a:schemeClr val="tx1"/>
-                </a:solidFill>
-              </a:rPr>
-              <a:t> </a:t>
-            </a:r>
-            <a:r>
-              <a:rPr lang="pl-PL" dirty="0" err="1">
-                <a:solidFill>
-                  <a:schemeClr val="tx1"/>
-                </a:solidFill>
-              </a:rPr>
-              <a:t>specific</a:t>
-            </a:r>
-            <a:r>
-              <a:rPr lang="pl-PL" dirty="0">
-                <a:solidFill>
-                  <a:schemeClr val="tx1"/>
-                </a:solidFill>
-              </a:rPr>
-              <a:t> </a:t>
-            </a:r>
-            <a:r>
-              <a:rPr lang="pl-PL" dirty="0" err="1">
-                <a:solidFill>
-                  <a:schemeClr val="tx1"/>
-                </a:solidFill>
-              </a:rPr>
-              <a:t>properties</a:t>
-            </a:r>
-            <a:r>
-              <a:rPr lang="pl-PL" dirty="0">
-                <a:solidFill>
-                  <a:schemeClr val="tx1"/>
-                </a:solidFill>
-              </a:rPr>
-              <a:t> of the </a:t>
-            </a:r>
-            <a:r>
-              <a:rPr lang="pl-PL" dirty="0" err="1">
-                <a:solidFill>
-                  <a:schemeClr val="tx1"/>
-                </a:solidFill>
-              </a:rPr>
-              <a:t>logs</a:t>
-            </a:r>
-            <a:r>
-              <a:rPr lang="pl-PL" dirty="0">
-                <a:solidFill>
-                  <a:schemeClr val="tx1"/>
-                </a:solidFill>
-              </a:rPr>
-              <a:t> </a:t>
-            </a:r>
-            <a:r>
-              <a:rPr lang="pl-PL" dirty="0" err="1">
-                <a:solidFill>
-                  <a:schemeClr val="tx1"/>
-                </a:solidFill>
-              </a:rPr>
-              <a:t>or</a:t>
-            </a:r>
-            <a:r>
-              <a:rPr lang="pl-PL" dirty="0">
-                <a:solidFill>
-                  <a:schemeClr val="tx1"/>
-                </a:solidFill>
-              </a:rPr>
-              <a:t> </a:t>
-            </a:r>
-            <a:r>
-              <a:rPr lang="pl-PL" dirty="0" err="1">
-                <a:solidFill>
-                  <a:schemeClr val="tx1"/>
-                </a:solidFill>
-              </a:rPr>
-              <a:t>apply</a:t>
-            </a:r>
-            <a:r>
-              <a:rPr lang="pl-PL" dirty="0">
-                <a:solidFill>
-                  <a:schemeClr val="tx1"/>
-                </a:solidFill>
-              </a:rPr>
-              <a:t>  </a:t>
-            </a:r>
-            <a:r>
-              <a:rPr lang="pl-PL" dirty="0" err="1">
-                <a:solidFill>
-                  <a:schemeClr val="tx1"/>
-                </a:solidFill>
-              </a:rPr>
-              <a:t>advanced</a:t>
-            </a:r>
-            <a:r>
-              <a:rPr lang="pl-PL" dirty="0">
-                <a:solidFill>
-                  <a:schemeClr val="tx1"/>
-                </a:solidFill>
-              </a:rPr>
-              <a:t> </a:t>
-            </a:r>
-            <a:r>
-              <a:rPr lang="pl-PL" dirty="0" err="1">
-                <a:solidFill>
-                  <a:schemeClr val="tx1"/>
-                </a:solidFill>
-              </a:rPr>
-              <a:t>filtering</a:t>
-            </a:r>
-            <a:r>
-              <a:rPr lang="pl-PL" dirty="0">
-                <a:solidFill>
-                  <a:schemeClr val="tx1"/>
-                </a:solidFill>
-              </a:rPr>
-              <a:t>. One of the most popular </a:t>
-            </a:r>
-            <a:r>
-              <a:rPr lang="pl-PL" dirty="0" err="1">
-                <a:solidFill>
-                  <a:schemeClr val="tx1"/>
-                </a:solidFill>
-              </a:rPr>
-              <a:t>solutions</a:t>
-            </a:r>
-            <a:r>
-              <a:rPr lang="pl-PL" dirty="0">
-                <a:solidFill>
-                  <a:schemeClr val="tx1"/>
-                </a:solidFill>
-              </a:rPr>
-              <a:t> for </a:t>
-            </a:r>
-            <a:r>
-              <a:rPr lang="pl-PL" dirty="0" err="1">
-                <a:solidFill>
-                  <a:schemeClr val="tx1"/>
-                </a:solidFill>
-              </a:rPr>
-              <a:t>that</a:t>
-            </a:r>
-            <a:r>
-              <a:rPr lang="pl-PL" dirty="0">
-                <a:solidFill>
-                  <a:schemeClr val="tx1"/>
-                </a:solidFill>
-              </a:rPr>
-              <a:t> in .NET </a:t>
-            </a:r>
-            <a:r>
-              <a:rPr lang="pl-PL" dirty="0" err="1">
-                <a:solidFill>
-                  <a:schemeClr val="tx1"/>
-                </a:solidFill>
-              </a:rPr>
-              <a:t>is</a:t>
-            </a:r>
-            <a:r>
-              <a:rPr lang="pl-PL" dirty="0">
-                <a:solidFill>
-                  <a:schemeClr val="tx1"/>
-                </a:solidFill>
-              </a:rPr>
-              <a:t> </a:t>
-            </a:r>
-            <a:r>
-              <a:rPr lang="pl-PL" dirty="0" err="1">
-                <a:solidFill>
-                  <a:schemeClr val="tx1"/>
-                </a:solidFill>
-              </a:rPr>
-              <a:t>usage</a:t>
-            </a:r>
-            <a:r>
-              <a:rPr lang="pl-PL" dirty="0">
-                <a:solidFill>
-                  <a:schemeClr val="tx1"/>
-                </a:solidFill>
-              </a:rPr>
-              <a:t> of the </a:t>
-            </a:r>
-            <a:r>
-              <a:rPr lang="pl-PL" dirty="0" err="1">
-                <a:solidFill>
-                  <a:srgbClr val="F5A800"/>
-                </a:solidFill>
-              </a:rPr>
-              <a:t>Serilog</a:t>
-            </a:r>
-            <a:r>
-              <a:rPr lang="pl-PL" dirty="0">
-                <a:solidFill>
-                  <a:schemeClr val="tx1"/>
-                </a:solidFill>
-              </a:rPr>
-              <a:t> </a:t>
-            </a:r>
-            <a:r>
-              <a:rPr lang="pl-PL" dirty="0" err="1">
-                <a:solidFill>
-                  <a:schemeClr val="tx1"/>
-                </a:solidFill>
-              </a:rPr>
-              <a:t>logger</a:t>
-            </a:r>
-            <a:r>
-              <a:rPr lang="pl-PL" dirty="0">
-                <a:solidFill>
-                  <a:schemeClr val="tx1"/>
-                </a:solidFill>
-              </a:rPr>
-              <a:t> </a:t>
-            </a:r>
-            <a:r>
-              <a:rPr lang="pl-PL" dirty="0" err="1">
-                <a:solidFill>
-                  <a:schemeClr val="tx1"/>
-                </a:solidFill>
-              </a:rPr>
-              <a:t>together</a:t>
-            </a:r>
-            <a:r>
-              <a:rPr lang="pl-PL" dirty="0">
-                <a:solidFill>
-                  <a:schemeClr val="tx1"/>
-                </a:solidFill>
-              </a:rPr>
-              <a:t> with </a:t>
-            </a:r>
-            <a:r>
-              <a:rPr lang="pl-PL" dirty="0">
-                <a:solidFill>
-                  <a:srgbClr val="F5A800"/>
-                </a:solidFill>
-              </a:rPr>
-              <a:t>ELK </a:t>
-            </a:r>
-            <a:r>
-              <a:rPr lang="pl-PL" dirty="0" err="1">
-                <a:solidFill>
-                  <a:srgbClr val="F5A800"/>
-                </a:solidFill>
-              </a:rPr>
-              <a:t>Stack</a:t>
-            </a:r>
-            <a:r>
-              <a:rPr lang="pl-PL" dirty="0">
-                <a:solidFill>
-                  <a:schemeClr val="tx1"/>
-                </a:solidFill>
-              </a:rPr>
-              <a:t>.</a:t>
-            </a:r>
-          </a:p>
-          <a:p>
-            <a:pPr algn="just"/>
-            <a:endParaRPr lang="pl-PL" dirty="0">
-              <a:solidFill>
-                <a:schemeClr val="tx1"/>
-              </a:solidFill>
-            </a:endParaRPr>
-          </a:p>
-          <a:p>
-            <a:pPr algn="just"/>
-            <a:r>
-              <a:rPr lang="pl-PL" dirty="0">
-                <a:solidFill>
-                  <a:schemeClr val="tx1"/>
-                </a:solidFill>
-              </a:rPr>
-              <a:t>.</a:t>
-            </a:r>
-          </a:p>
         </p:txBody>
       </p:sp>
       <p:sp>
@@ -14170,12 +12677,20 @@
               <a:buNone/>
             </a:pPr>
             <a:r>
-              <a:rPr lang="pl-PL" dirty="0" err="1">
-                <a:solidFill>
-                  <a:srgbClr val="425CC7"/>
-                </a:solidFill>
-              </a:rPr>
-              <a:t>Logs</a:t>
+              <a:rPr lang="pl-PL" dirty="0">
+                <a:solidFill>
+                  <a:schemeClr val="tx1"/>
+                </a:solidFill>
+              </a:rPr>
+              <a:t>To </a:t>
+            </a:r>
+            <a:r>
+              <a:rPr lang="pl-PL" dirty="0" err="1">
+                <a:solidFill>
+                  <a:schemeClr val="tx1"/>
+                </a:solidFill>
+              </a:rPr>
+              <a:t>view</a:t>
             </a:r>
             <a:r>
               <a:rPr lang="pl-PL" dirty="0">
@@ -14188,58 +12703,10 @@
             <a:r>
               <a:rPr lang="pl-PL" dirty="0" err="1">
                 <a:solidFill>
-                  <a:srgbClr val="425CC7"/>
-                </a:solidFill>
-              </a:rPr>
-              <a:t>metrics</a:t>
-            </a:r>
-            <a:r>
-              <a:rPr lang="pl-PL" dirty="0">
-                <a:solidFill>
-                  <a:schemeClr val="tx1"/>
-                </a:solidFill>
-              </a:rPr>
-              <a:t> </a:t>
-            </a:r>
-            <a:r>
-              <a:rPr lang="pl-PL" dirty="0" err="1">
-                <a:solidFill>
-                  <a:schemeClr val="tx1"/>
-                </a:solidFill>
-              </a:rPr>
-              <a:t>provide</a:t>
-            </a:r>
-            <a:r>
-              <a:rPr lang="pl-PL" dirty="0">
-                <a:solidFill>
-                  <a:schemeClr val="tx1"/>
-                </a:solidFill>
-              </a:rPr>
-              <a:t> solid </a:t>
-            </a:r>
-            <a:r>
-              <a:rPr lang="pl-PL" dirty="0" err="1">
-                <a:solidFill>
-                  <a:schemeClr val="tx1"/>
-                </a:solidFill>
-              </a:rPr>
-              <a:t>functionality</a:t>
-            </a:r>
-            <a:r>
-              <a:rPr lang="pl-PL" dirty="0">
-                <a:solidFill>
-                  <a:schemeClr val="tx1"/>
-                </a:solidFill>
-              </a:rPr>
-              <a:t> for </a:t>
-            </a:r>
-            <a:r>
-              <a:rPr lang="pl-PL" dirty="0" err="1">
-                <a:solidFill>
-                  <a:schemeClr val="tx1"/>
-                </a:solidFill>
-              </a:rPr>
-              <a:t>understanding</a:t>
+                  <a:schemeClr val="tx1"/>
+                </a:solidFill>
+              </a:rPr>
+              <a:t>analyze</a:t>
             </a:r>
             <a:r>
               <a:rPr lang="pl-PL" dirty="0">
@@ -14255,191 +12722,31 @@
                   <a:schemeClr val="tx1"/>
                 </a:solidFill>
               </a:rPr>
-              <a:t>application</a:t>
-            </a:r>
-            <a:r>
-              <a:rPr lang="pl-PL" dirty="0">
-                <a:solidFill>
-                  <a:schemeClr val="tx1"/>
-                </a:solidFill>
-              </a:rPr>
-              <a:t> </a:t>
-            </a:r>
-            <a:r>
-              <a:rPr lang="pl-PL" dirty="0" err="1">
-                <a:solidFill>
-                  <a:schemeClr val="tx1"/>
-                </a:solidFill>
-              </a:rPr>
-              <a:t>behaviour</a:t>
-            </a:r>
-            <a:r>
-              <a:rPr lang="pl-PL" dirty="0">
-                <a:solidFill>
-                  <a:schemeClr val="tx1"/>
-                </a:solidFill>
-              </a:rPr>
-              <a:t> and performance, </a:t>
-            </a:r>
-            <a:r>
-              <a:rPr lang="pl-PL" dirty="0" err="1">
-                <a:solidFill>
-                  <a:schemeClr val="tx1"/>
-                </a:solidFill>
-              </a:rPr>
-              <a:t>however</a:t>
-            </a:r>
-            <a:r>
-              <a:rPr lang="pl-PL" dirty="0">
-                <a:solidFill>
-                  <a:schemeClr val="tx1"/>
-                </a:solidFill>
-              </a:rPr>
-              <a:t> </a:t>
-            </a:r>
-            <a:r>
-              <a:rPr lang="pl-PL" dirty="0" err="1">
-                <a:solidFill>
-                  <a:schemeClr val="tx1"/>
-                </a:solidFill>
-              </a:rPr>
-              <a:t>they</a:t>
-            </a:r>
-            <a:r>
-              <a:rPr lang="pl-PL" dirty="0">
-                <a:solidFill>
-                  <a:schemeClr val="tx1"/>
-                </a:solidFill>
-              </a:rPr>
-              <a:t> </a:t>
-            </a:r>
-            <a:r>
-              <a:rPr lang="pl-PL" dirty="0" err="1">
-                <a:solidFill>
-                  <a:schemeClr val="tx1"/>
-                </a:solidFill>
-              </a:rPr>
-              <a:t>are</a:t>
-            </a:r>
-            <a:r>
-              <a:rPr lang="pl-PL" dirty="0">
-                <a:solidFill>
-                  <a:schemeClr val="tx1"/>
-                </a:solidFill>
-              </a:rPr>
-              <a:t> not </a:t>
-            </a:r>
-            <a:r>
-              <a:rPr lang="pl-PL" dirty="0" err="1">
-                <a:solidFill>
-                  <a:schemeClr val="tx1"/>
-                </a:solidFill>
-              </a:rPr>
-              <a:t>so</a:t>
-            </a:r>
-            <a:r>
-              <a:rPr lang="pl-PL" dirty="0">
-                <a:solidFill>
-                  <a:schemeClr val="tx1"/>
-                </a:solidFill>
-              </a:rPr>
-              <a:t> </a:t>
-            </a:r>
-            <a:r>
-              <a:rPr lang="pl-PL" dirty="0" err="1">
-                <a:solidFill>
-                  <a:schemeClr val="tx1"/>
-                </a:solidFill>
-              </a:rPr>
-              <a:t>helpful</a:t>
-            </a:r>
-            <a:r>
-              <a:rPr lang="pl-PL" dirty="0">
-                <a:solidFill>
-                  <a:schemeClr val="tx1"/>
-                </a:solidFill>
-              </a:rPr>
-              <a:t> with </a:t>
-            </a:r>
-            <a:r>
-              <a:rPr lang="pl-PL" dirty="0" err="1">
-                <a:solidFill>
-                  <a:schemeClr val="tx1"/>
-                </a:solidFill>
-              </a:rPr>
-              <a:t>providing</a:t>
-            </a:r>
-            <a:r>
-              <a:rPr lang="pl-PL" dirty="0">
-                <a:solidFill>
-                  <a:schemeClr val="tx1"/>
-                </a:solidFill>
-              </a:rPr>
-              <a:t> </a:t>
-            </a:r>
-            <a:r>
-              <a:rPr lang="pl-PL" dirty="0" err="1">
-                <a:solidFill>
-                  <a:schemeClr val="tx1"/>
-                </a:solidFill>
-              </a:rPr>
-              <a:t>needed</a:t>
-            </a:r>
-            <a:r>
-              <a:rPr lang="pl-PL" dirty="0">
-                <a:solidFill>
-                  <a:schemeClr val="tx1"/>
-                </a:solidFill>
-              </a:rPr>
-              <a:t> </a:t>
-            </a:r>
-            <a:r>
-              <a:rPr lang="pl-PL" dirty="0" err="1">
-                <a:solidFill>
-                  <a:schemeClr val="tx1"/>
-                </a:solidFill>
-              </a:rPr>
-              <a:t>information</a:t>
-            </a:r>
-            <a:r>
-              <a:rPr lang="pl-PL" dirty="0">
-                <a:solidFill>
-                  <a:schemeClr val="tx1"/>
-                </a:solidFill>
-              </a:rPr>
-              <a:t> </a:t>
-            </a:r>
-            <a:r>
-              <a:rPr lang="pl-PL" dirty="0" err="1">
-                <a:solidFill>
-                  <a:schemeClr val="tx1"/>
-                </a:solidFill>
-              </a:rPr>
-              <a:t>about</a:t>
-            </a:r>
-            <a:r>
-              <a:rPr lang="pl-PL" dirty="0">
-                <a:solidFill>
-                  <a:schemeClr val="tx1"/>
-                </a:solidFill>
-              </a:rPr>
-              <a:t> the </a:t>
-            </a:r>
-            <a:r>
-              <a:rPr lang="pl-PL" dirty="0" err="1">
-                <a:solidFill>
-                  <a:schemeClr val="tx1"/>
-                </a:solidFill>
-              </a:rPr>
-              <a:t>lifetime</a:t>
-            </a:r>
-            <a:r>
-              <a:rPr lang="pl-PL" dirty="0">
-                <a:solidFill>
-                  <a:schemeClr val="tx1"/>
-                </a:solidFill>
-              </a:rPr>
-              <a:t> of the HTTP </a:t>
+              <a:t>entire</a:t>
+            </a:r>
+            <a:r>
+              <a:rPr lang="pl-PL" dirty="0">
+                <a:solidFill>
+                  <a:schemeClr val="tx1"/>
+                </a:solidFill>
+              </a:rPr>
+              <a:t> </a:t>
+            </a:r>
+            <a:r>
+              <a:rPr lang="pl-PL" dirty="0" err="1">
+                <a:solidFill>
+                  <a:schemeClr val="tx1"/>
+                </a:solidFill>
+              </a:rPr>
+              <a:t>lifecycle</a:t>
+            </a:r>
+            <a:r>
+              <a:rPr lang="pl-PL" dirty="0">
+                <a:solidFill>
+                  <a:schemeClr val="tx1"/>
+                </a:solidFill>
+              </a:rPr>
+              <a:t> of the </a:t>
             </a:r>
             <a:r>
               <a:rPr lang="pl-PL" dirty="0" err="1">
@@ -14471,7 +12778,7 @@
                   <a:schemeClr val="tx1"/>
                 </a:solidFill>
               </a:rPr>
-              <a:t> a business </a:t>
+              <a:t> business </a:t>
             </a:r>
             <a:r>
               <a:rPr lang="pl-PL" dirty="0" err="1">
@@ -14487,105 +12794,100 @@
                   <a:schemeClr val="tx1"/>
                 </a:solidFill>
               </a:rPr>
-              <a:t> in the </a:t>
-            </a:r>
-            <a:r>
-              <a:rPr lang="pl-PL" dirty="0" err="1">
-                <a:solidFill>
-                  <a:schemeClr val="tx1"/>
-                </a:solidFill>
-              </a:rPr>
-              <a:t>distributed</a:t>
-            </a:r>
-            <a:r>
-              <a:rPr lang="pl-PL" dirty="0">
-                <a:solidFill>
-                  <a:schemeClr val="tx1"/>
-                </a:solidFill>
-              </a:rPr>
-              <a:t> system.</a:t>
-            </a:r>
-          </a:p>
-          <a:p>
-            <a:pPr algn="just"/>
-            <a:endParaRPr lang="pl-PL" dirty="0">
-              <a:solidFill>
-                <a:schemeClr val="tx1"/>
-              </a:solidFill>
-            </a:endParaRPr>
-          </a:p>
-          <a:p>
-            <a:pPr marL="0" indent="0" algn="just">
-              <a:buNone/>
-            </a:pPr>
-            <a:r>
-              <a:rPr lang="pl-PL" dirty="0">
-                <a:solidFill>
-                  <a:schemeClr val="tx1"/>
-                </a:solidFill>
-              </a:rPr>
-              <a:t>To </a:t>
-            </a:r>
-            <a:r>
-              <a:rPr lang="pl-PL" dirty="0" err="1">
-                <a:solidFill>
-                  <a:schemeClr val="tx1"/>
-                </a:solidFill>
-              </a:rPr>
-              <a:t>view</a:t>
-            </a:r>
-            <a:r>
-              <a:rPr lang="pl-PL" dirty="0">
-                <a:solidFill>
-                  <a:schemeClr val="tx1"/>
-                </a:solidFill>
-              </a:rPr>
-              <a:t> and </a:t>
-            </a:r>
-            <a:r>
-              <a:rPr lang="pl-PL" dirty="0" err="1">
-                <a:solidFill>
-                  <a:schemeClr val="tx1"/>
-                </a:solidFill>
-              </a:rPr>
-              <a:t>analyze</a:t>
-            </a:r>
-            <a:r>
-              <a:rPr lang="pl-PL" dirty="0">
-                <a:solidFill>
-                  <a:schemeClr val="tx1"/>
-                </a:solidFill>
-              </a:rPr>
-              <a:t> the </a:t>
-            </a:r>
-            <a:r>
-              <a:rPr lang="pl-PL" dirty="0" err="1">
-                <a:solidFill>
-                  <a:srgbClr val="FFC000"/>
-                </a:solidFill>
-              </a:rPr>
-              <a:t>entire</a:t>
-            </a:r>
-            <a:r>
-              <a:rPr lang="pl-PL" dirty="0">
-                <a:solidFill>
-                  <a:srgbClr val="FFC000"/>
-                </a:solidFill>
-              </a:rPr>
-              <a:t> </a:t>
-            </a:r>
-            <a:r>
-              <a:rPr lang="pl-PL" dirty="0" err="1">
-                <a:solidFill>
-                  <a:srgbClr val="FFC000"/>
-                </a:solidFill>
-              </a:rPr>
-              <a:t>lifecycle</a:t>
-            </a:r>
-            <a:r>
-              <a:rPr lang="pl-PL" dirty="0">
-                <a:solidFill>
-                  <a:srgbClr val="FFC000"/>
+              <a:t> </a:t>
+            </a:r>
+            <a:r>
+              <a:rPr lang="pl-PL" dirty="0" err="1">
+                <a:solidFill>
+                  <a:schemeClr val="tx1"/>
+                </a:solidFill>
+              </a:rPr>
+              <a:t>accross</a:t>
+            </a:r>
+            <a:r>
+              <a:rPr lang="pl-PL" dirty="0">
+                <a:solidFill>
+                  <a:schemeClr val="tx1"/>
+                </a:solidFill>
+              </a:rPr>
+              <a:t> </a:t>
+            </a:r>
+            <a:r>
+              <a:rPr lang="pl-PL" dirty="0" err="1">
+                <a:solidFill>
+                  <a:schemeClr val="tx1"/>
+                </a:solidFill>
+              </a:rPr>
+              <a:t>several</a:t>
+            </a:r>
+            <a:r>
+              <a:rPr lang="pl-PL" dirty="0">
+                <a:solidFill>
+                  <a:schemeClr val="tx1"/>
+                </a:solidFill>
+              </a:rPr>
+              <a:t> </a:t>
+            </a:r>
+            <a:r>
+              <a:rPr lang="pl-PL" dirty="0" err="1">
+                <a:solidFill>
+                  <a:schemeClr val="tx1"/>
+                </a:solidFill>
+              </a:rPr>
+              <a:t>microservices</a:t>
+            </a:r>
+            <a:r>
+              <a:rPr lang="pl-PL" dirty="0">
+                <a:solidFill>
+                  <a:schemeClr val="tx1"/>
+                </a:solidFill>
+              </a:rPr>
+              <a:t> we </a:t>
+            </a:r>
+            <a:r>
+              <a:rPr lang="pl-PL" dirty="0" err="1">
+                <a:solidFill>
+                  <a:schemeClr val="tx1"/>
+                </a:solidFill>
+              </a:rPr>
+              <a:t>need</a:t>
+            </a:r>
+            <a:r>
+              <a:rPr lang="pl-PL" dirty="0">
+                <a:solidFill>
+                  <a:schemeClr val="tx1"/>
+                </a:solidFill>
+              </a:rPr>
+              <a:t> </a:t>
+            </a:r>
+            <a:r>
+              <a:rPr lang="pl-PL" dirty="0" err="1">
+                <a:solidFill>
+                  <a:schemeClr val="tx1"/>
+                </a:solidFill>
+              </a:rPr>
+              <a:t>another</a:t>
+            </a:r>
+            <a:r>
+              <a:rPr lang="pl-PL" dirty="0">
+                <a:solidFill>
+                  <a:schemeClr val="tx1"/>
+                </a:solidFill>
+              </a:rPr>
+              <a:t> </a:t>
+            </a:r>
+            <a:r>
+              <a:rPr lang="pl-PL" dirty="0" err="1">
+                <a:solidFill>
+                  <a:schemeClr val="tx1"/>
+                </a:solidFill>
+              </a:rPr>
+              <a:t>pilar</a:t>
+            </a:r>
+            <a:r>
+              <a:rPr lang="pl-PL" dirty="0">
+                <a:solidFill>
+                  <a:schemeClr val="tx1"/>
                 </a:solidFill>
               </a:rPr>
               <a:t> of the </a:t>
@@ -14593,158 +12895,6 @@
             <a:r>
               <a:rPr lang="pl-PL" dirty="0" err="1">
                 <a:solidFill>
-                  <a:srgbClr val="FFC000"/>
-                </a:solidFill>
-              </a:rPr>
-              <a:t>request</a:t>
-            </a:r>
-            <a:r>
-              <a:rPr lang="pl-PL" dirty="0">
-                <a:solidFill>
-                  <a:schemeClr val="tx1"/>
-                </a:solidFill>
-              </a:rPr>
-              <a:t> </a:t>
-            </a:r>
-            <a:r>
-              <a:rPr lang="pl-PL" dirty="0" err="1">
-                <a:solidFill>
-                  <a:schemeClr val="tx1"/>
-                </a:solidFill>
-              </a:rPr>
-              <a:t>or</a:t>
-            </a:r>
-            <a:r>
-              <a:rPr lang="pl-PL" dirty="0">
-                <a:solidFill>
-                  <a:schemeClr val="tx1"/>
-                </a:solidFill>
-              </a:rPr>
-              <a:t> </a:t>
-            </a:r>
-            <a:r>
-              <a:rPr lang="pl-PL" dirty="0">
-                <a:solidFill>
-                  <a:srgbClr val="FFC000"/>
-                </a:solidFill>
-              </a:rPr>
-              <a:t>business </a:t>
-            </a:r>
-            <a:r>
-              <a:rPr lang="pl-PL" dirty="0" err="1">
-                <a:solidFill>
-                  <a:srgbClr val="FFC000"/>
-                </a:solidFill>
-              </a:rPr>
-              <a:t>flow</a:t>
-            </a:r>
-            <a:r>
-              <a:rPr lang="pl-PL" dirty="0">
-                <a:solidFill>
-                  <a:srgbClr val="FFC000"/>
-                </a:solidFill>
-              </a:rPr>
-              <a:t> </a:t>
-            </a:r>
-            <a:r>
-              <a:rPr lang="pl-PL" dirty="0" err="1">
-                <a:solidFill>
-                  <a:srgbClr val="FFC000"/>
-                </a:solidFill>
-              </a:rPr>
-              <a:t>accross</a:t>
-            </a:r>
-            <a:r>
-              <a:rPr lang="pl-PL" dirty="0">
-                <a:solidFill>
-                  <a:srgbClr val="FFC000"/>
-                </a:solidFill>
-              </a:rPr>
-              <a:t> </a:t>
-            </a:r>
-            <a:r>
-              <a:rPr lang="pl-PL" dirty="0" err="1">
-                <a:solidFill>
-                  <a:srgbClr val="FFC000"/>
-                </a:solidFill>
-              </a:rPr>
-              <a:t>several</a:t>
-            </a:r>
-            <a:r>
-              <a:rPr lang="pl-PL" dirty="0">
-                <a:solidFill>
-                  <a:srgbClr val="FFC000"/>
-                </a:solidFill>
-              </a:rPr>
-              <a:t> </a:t>
-            </a:r>
-            <a:r>
-              <a:rPr lang="pl-PL" dirty="0" err="1">
-                <a:solidFill>
-                  <a:srgbClr val="FFC000"/>
-                </a:solidFill>
-              </a:rPr>
-              <a:t>microservices</a:t>
-            </a:r>
-            <a:r>
-              <a:rPr lang="pl-PL" dirty="0">
-                <a:solidFill>
-                  <a:schemeClr val="tx1"/>
-                </a:solidFill>
-              </a:rPr>
-              <a:t> we </a:t>
-            </a:r>
-            <a:r>
-              <a:rPr lang="pl-PL" dirty="0" err="1">
-                <a:solidFill>
-                  <a:schemeClr val="tx1"/>
-                </a:solidFill>
-              </a:rPr>
-              <a:t>need</a:t>
-            </a:r>
-            <a:r>
-              <a:rPr lang="pl-PL" dirty="0">
-                <a:solidFill>
-                  <a:schemeClr val="tx1"/>
-                </a:solidFill>
-              </a:rPr>
-              <a:t> </a:t>
-            </a:r>
-            <a:r>
-              <a:rPr lang="pl-PL" dirty="0" err="1">
-                <a:solidFill>
-                  <a:schemeClr val="tx1"/>
-                </a:solidFill>
-              </a:rPr>
-              <a:t>another</a:t>
-            </a:r>
-            <a:r>
-              <a:rPr lang="pl-PL" dirty="0">
-                <a:solidFill>
-                  <a:schemeClr val="tx1"/>
-                </a:solidFill>
-              </a:rPr>
-              <a:t> </a:t>
-            </a:r>
-            <a:r>
-              <a:rPr lang="pl-PL" dirty="0" err="1">
-                <a:solidFill>
-                  <a:schemeClr val="tx1"/>
-                </a:solidFill>
-              </a:rPr>
-              <a:t>pilar</a:t>
-            </a:r>
-            <a:r>
-              <a:rPr lang="pl-PL" dirty="0">
-                <a:solidFill>
-                  <a:schemeClr val="tx1"/>
-                </a:solidFill>
-              </a:rPr>
-              <a:t> of the </a:t>
-            </a:r>
-            <a:r>
-              <a:rPr lang="pl-PL" dirty="0" err="1">
-                <a:solidFill>
                   <a:schemeClr val="tx1"/>
                 </a:solidFill>
               </a:rPr>
@@ -14777,7 +12927,7 @@
             <a:r>
               <a:rPr lang="pl-PL" dirty="0" err="1">
                 <a:solidFill>
-                  <a:srgbClr val="425CC7"/>
+                  <a:schemeClr val="tx1"/>
                 </a:solidFill>
               </a:rPr>
               <a:t>tracing</a:t>
@@ -14785,7 +12935,7 @@
             <a:r>
               <a:rPr lang="pl-PL" dirty="0">
                 <a:solidFill>
-                  <a:srgbClr val="425CC7"/>
+                  <a:schemeClr val="tx1"/>
                 </a:solidFill>
               </a:rPr>
               <a:t>.</a:t>

--- a/OpenTelemetry.pptx
+++ b/OpenTelemetry.pptx
@@ -4,6 +4,9 @@
   <p:sldMasterIdLst>
     <p:sldMasterId id="2147483746" r:id="rId1"/>
   </p:sldMasterIdLst>
+  <p:notesMasterIdLst>
+    <p:notesMasterId r:id="rId27"/>
+  </p:notesMasterIdLst>
   <p:sldIdLst>
     <p:sldId id="256" r:id="rId2"/>
     <p:sldId id="268" r:id="rId3"/>
@@ -134,6 +137,440 @@
     </p:ext>
   </p:extLst>
 </p:presentation>
+</file>
+
+<file path=ppt/notesMasters/notesMaster1.xml><?xml version="1.0" encoding="utf-8"?>
+<p:notesMaster xmlns:a="http://schemas.openxmlformats.org/drawingml/2006/main" xmlns:r="http://schemas.openxmlformats.org/officeDocument/2006/relationships" xmlns:p="http://schemas.openxmlformats.org/presentationml/2006/main">
+  <p:cSld>
+    <p:bg>
+      <p:bgRef idx="1001">
+        <a:schemeClr val="bg1"/>
+      </p:bgRef>
+    </p:bg>
+    <p:spTree>
+      <p:nvGrpSpPr>
+        <p:cNvPr id="1" name=""/>
+        <p:cNvGrpSpPr/>
+        <p:nvPr/>
+      </p:nvGrpSpPr>
+      <p:grpSpPr>
+        <a:xfrm>
+          <a:off x="0" y="0"/>
+          <a:ext cx="0" cy="0"/>
+          <a:chOff x="0" y="0"/>
+          <a:chExt cx="0" cy="0"/>
+        </a:xfrm>
+      </p:grpSpPr>
+      <p:sp>
+        <p:nvSpPr>
+          <p:cNvPr id="2" name="Symbol zastępczy nagłówka 1"/>
+          <p:cNvSpPr>
+            <a:spLocks noGrp="1"/>
+          </p:cNvSpPr>
+          <p:nvPr>
+            <p:ph type="hdr" sz="quarter"/>
+          </p:nvPr>
+        </p:nvSpPr>
+        <p:spPr>
+          <a:xfrm>
+            <a:off x="0" y="0"/>
+            <a:ext cx="2971800" cy="458788"/>
+          </a:xfrm>
+          <a:prstGeom prst="rect">
+            <a:avLst/>
+          </a:prstGeom>
+        </p:spPr>
+        <p:txBody>
+          <a:bodyPr vert="horz" lIns="91440" tIns="45720" rIns="91440" bIns="45720" rtlCol="0"/>
+          <a:lstStyle>
+            <a:lvl1pPr algn="l">
+              <a:defRPr sz="1200"/>
+            </a:lvl1pPr>
+          </a:lstStyle>
+          <a:p>
+            <a:endParaRPr lang="en-GB"/>
+          </a:p>
+        </p:txBody>
+      </p:sp>
+      <p:sp>
+        <p:nvSpPr>
+          <p:cNvPr id="3" name="Symbol zastępczy daty 2"/>
+          <p:cNvSpPr>
+            <a:spLocks noGrp="1"/>
+          </p:cNvSpPr>
+          <p:nvPr>
+            <p:ph type="dt" idx="1"/>
+          </p:nvPr>
+        </p:nvSpPr>
+        <p:spPr>
+          <a:xfrm>
+            <a:off x="3884613" y="0"/>
+            <a:ext cx="2971800" cy="458788"/>
+          </a:xfrm>
+          <a:prstGeom prst="rect">
+            <a:avLst/>
+          </a:prstGeom>
+        </p:spPr>
+        <p:txBody>
+          <a:bodyPr vert="horz" lIns="91440" tIns="45720" rIns="91440" bIns="45720" rtlCol="0"/>
+          <a:lstStyle>
+            <a:lvl1pPr algn="r">
+              <a:defRPr sz="1200"/>
+            </a:lvl1pPr>
+          </a:lstStyle>
+          <a:p>
+            <a:fld id="{4A81D09A-6402-4B9C-B7A9-002454C21F34}" type="datetimeFigureOut">
+              <a:rPr lang="en-GB" smtClean="0"/>
+              <a:t>22/09/2022</a:t>
+            </a:fld>
+            <a:endParaRPr lang="en-GB"/>
+          </a:p>
+        </p:txBody>
+      </p:sp>
+      <p:sp>
+        <p:nvSpPr>
+          <p:cNvPr id="4" name="Symbol zastępczy obrazu slajdu 3"/>
+          <p:cNvSpPr>
+            <a:spLocks noGrp="1" noRot="1" noChangeAspect="1"/>
+          </p:cNvSpPr>
+          <p:nvPr>
+            <p:ph type="sldImg" idx="2"/>
+          </p:nvPr>
+        </p:nvSpPr>
+        <p:spPr>
+          <a:xfrm>
+            <a:off x="685800" y="1143000"/>
+            <a:ext cx="5486400" cy="3086100"/>
+          </a:xfrm>
+          <a:prstGeom prst="rect">
+            <a:avLst/>
+          </a:prstGeom>
+          <a:noFill/>
+          <a:ln w="12700">
+            <a:solidFill>
+              <a:prstClr val="black"/>
+            </a:solidFill>
+          </a:ln>
+        </p:spPr>
+        <p:txBody>
+          <a:bodyPr vert="horz" lIns="91440" tIns="45720" rIns="91440" bIns="45720" rtlCol="0" anchor="ctr"/>
+          <a:lstStyle/>
+          <a:p>
+            <a:endParaRPr lang="en-GB"/>
+          </a:p>
+        </p:txBody>
+      </p:sp>
+      <p:sp>
+        <p:nvSpPr>
+          <p:cNvPr id="5" name="Symbol zastępczy notatek 4"/>
+          <p:cNvSpPr>
+            <a:spLocks noGrp="1"/>
+          </p:cNvSpPr>
+          <p:nvPr>
+            <p:ph type="body" sz="quarter" idx="3"/>
+          </p:nvPr>
+        </p:nvSpPr>
+        <p:spPr>
+          <a:xfrm>
+            <a:off x="685800" y="4400550"/>
+            <a:ext cx="5486400" cy="3600450"/>
+          </a:xfrm>
+          <a:prstGeom prst="rect">
+            <a:avLst/>
+          </a:prstGeom>
+        </p:spPr>
+        <p:txBody>
+          <a:bodyPr vert="horz" lIns="91440" tIns="45720" rIns="91440" bIns="45720" rtlCol="0"/>
+          <a:lstStyle/>
+          <a:p>
+            <a:pPr lvl="0"/>
+            <a:r>
+              <a:rPr lang="pl-PL"/>
+              <a:t>Edytuj style wzorca tekstu</a:t>
+            </a:r>
+          </a:p>
+          <a:p>
+            <a:pPr lvl="1"/>
+            <a:r>
+              <a:rPr lang="pl-PL"/>
+              <a:t>Drugi poziom</a:t>
+            </a:r>
+          </a:p>
+          <a:p>
+            <a:pPr lvl="2"/>
+            <a:r>
+              <a:rPr lang="pl-PL"/>
+              <a:t>Trzeci poziom</a:t>
+            </a:r>
+          </a:p>
+          <a:p>
+            <a:pPr lvl="3"/>
+            <a:r>
+              <a:rPr lang="pl-PL"/>
+              <a:t>Czwarty poziom</a:t>
+            </a:r>
+          </a:p>
+          <a:p>
+            <a:pPr lvl="4"/>
+            <a:r>
+              <a:rPr lang="pl-PL"/>
+              <a:t>Piąty poziom</a:t>
+            </a:r>
+            <a:endParaRPr lang="en-GB"/>
+          </a:p>
+        </p:txBody>
+      </p:sp>
+      <p:sp>
+        <p:nvSpPr>
+          <p:cNvPr id="6" name="Symbol zastępczy stopki 5"/>
+          <p:cNvSpPr>
+            <a:spLocks noGrp="1"/>
+          </p:cNvSpPr>
+          <p:nvPr>
+            <p:ph type="ftr" sz="quarter" idx="4"/>
+          </p:nvPr>
+        </p:nvSpPr>
+        <p:spPr>
+          <a:xfrm>
+            <a:off x="0" y="8685213"/>
+            <a:ext cx="2971800" cy="458787"/>
+          </a:xfrm>
+          <a:prstGeom prst="rect">
+            <a:avLst/>
+          </a:prstGeom>
+        </p:spPr>
+        <p:txBody>
+          <a:bodyPr vert="horz" lIns="91440" tIns="45720" rIns="91440" bIns="45720" rtlCol="0" anchor="b"/>
+          <a:lstStyle>
+            <a:lvl1pPr algn="l">
+              <a:defRPr sz="1200"/>
+            </a:lvl1pPr>
+          </a:lstStyle>
+          <a:p>
+            <a:endParaRPr lang="en-GB"/>
+          </a:p>
+        </p:txBody>
+      </p:sp>
+      <p:sp>
+        <p:nvSpPr>
+          <p:cNvPr id="7" name="Symbol zastępczy numeru slajdu 6"/>
+          <p:cNvSpPr>
+            <a:spLocks noGrp="1"/>
+          </p:cNvSpPr>
+          <p:nvPr>
+            <p:ph type="sldNum" sz="quarter" idx="5"/>
+          </p:nvPr>
+        </p:nvSpPr>
+        <p:spPr>
+          <a:xfrm>
+            <a:off x="3884613" y="8685213"/>
+            <a:ext cx="2971800" cy="458787"/>
+          </a:xfrm>
+          <a:prstGeom prst="rect">
+            <a:avLst/>
+          </a:prstGeom>
+        </p:spPr>
+        <p:txBody>
+          <a:bodyPr vert="horz" lIns="91440" tIns="45720" rIns="91440" bIns="45720" rtlCol="0" anchor="b"/>
+          <a:lstStyle>
+            <a:lvl1pPr algn="r">
+              <a:defRPr sz="1200"/>
+            </a:lvl1pPr>
+          </a:lstStyle>
+          <a:p>
+            <a:fld id="{3BB0C5DD-FE4D-4106-B675-022D023C5B47}" type="slidenum">
+              <a:rPr lang="en-GB" smtClean="0"/>
+              <a:t>‹#›</a:t>
+            </a:fld>
+            <a:endParaRPr lang="en-GB"/>
+          </a:p>
+        </p:txBody>
+      </p:sp>
+    </p:spTree>
+    <p:extLst>
+      <p:ext uri="{BB962C8B-B14F-4D97-AF65-F5344CB8AC3E}">
+        <p14:creationId xmlns:p14="http://schemas.microsoft.com/office/powerpoint/2010/main" val="3768139477"/>
+      </p:ext>
+    </p:extLst>
+  </p:cSld>
+  <p:clrMap bg1="lt1" tx1="dk1" bg2="lt2" tx2="dk2" accent1="accent1" accent2="accent2" accent3="accent3" accent4="accent4" accent5="accent5" accent6="accent6" hlink="hlink" folHlink="folHlink"/>
+  <p:notesStyle>
+    <a:lvl1pPr marL="0" algn="l" defTabSz="914400" rtl="0" eaLnBrk="1" latinLnBrk="0" hangingPunct="1">
+      <a:defRPr sz="1200" kern="1200">
+        <a:solidFill>
+          <a:schemeClr val="tx1"/>
+        </a:solidFill>
+        <a:latin typeface="+mn-lt"/>
+        <a:ea typeface="+mn-ea"/>
+        <a:cs typeface="+mn-cs"/>
+      </a:defRPr>
+    </a:lvl1pPr>
+    <a:lvl2pPr marL="457200" algn="l" defTabSz="914400" rtl="0" eaLnBrk="1" latinLnBrk="0" hangingPunct="1">
+      <a:defRPr sz="1200" kern="1200">
+        <a:solidFill>
+          <a:schemeClr val="tx1"/>
+        </a:solidFill>
+        <a:latin typeface="+mn-lt"/>
+        <a:ea typeface="+mn-ea"/>
+        <a:cs typeface="+mn-cs"/>
+      </a:defRPr>
+    </a:lvl2pPr>
+    <a:lvl3pPr marL="914400" algn="l" defTabSz="914400" rtl="0" eaLnBrk="1" latinLnBrk="0" hangingPunct="1">
+      <a:defRPr sz="1200" kern="1200">
+        <a:solidFill>
+          <a:schemeClr val="tx1"/>
+        </a:solidFill>
+        <a:latin typeface="+mn-lt"/>
+        <a:ea typeface="+mn-ea"/>
+        <a:cs typeface="+mn-cs"/>
+      </a:defRPr>
+    </a:lvl3pPr>
+    <a:lvl4pPr marL="1371600" algn="l" defTabSz="914400" rtl="0" eaLnBrk="1" latinLnBrk="0" hangingPunct="1">
+      <a:defRPr sz="1200" kern="1200">
+        <a:solidFill>
+          <a:schemeClr val="tx1"/>
+        </a:solidFill>
+        <a:latin typeface="+mn-lt"/>
+        <a:ea typeface="+mn-ea"/>
+        <a:cs typeface="+mn-cs"/>
+      </a:defRPr>
+    </a:lvl4pPr>
+    <a:lvl5pPr marL="1828800" algn="l" defTabSz="914400" rtl="0" eaLnBrk="1" latinLnBrk="0" hangingPunct="1">
+      <a:defRPr sz="1200" kern="1200">
+        <a:solidFill>
+          <a:schemeClr val="tx1"/>
+        </a:solidFill>
+        <a:latin typeface="+mn-lt"/>
+        <a:ea typeface="+mn-ea"/>
+        <a:cs typeface="+mn-cs"/>
+      </a:defRPr>
+    </a:lvl5pPr>
+    <a:lvl6pPr marL="2286000" algn="l" defTabSz="914400" rtl="0" eaLnBrk="1" latinLnBrk="0" hangingPunct="1">
+      <a:defRPr sz="1200" kern="1200">
+        <a:solidFill>
+          <a:schemeClr val="tx1"/>
+        </a:solidFill>
+        <a:latin typeface="+mn-lt"/>
+        <a:ea typeface="+mn-ea"/>
+        <a:cs typeface="+mn-cs"/>
+      </a:defRPr>
+    </a:lvl6pPr>
+    <a:lvl7pPr marL="2743200" algn="l" defTabSz="914400" rtl="0" eaLnBrk="1" latinLnBrk="0" hangingPunct="1">
+      <a:defRPr sz="1200" kern="1200">
+        <a:solidFill>
+          <a:schemeClr val="tx1"/>
+        </a:solidFill>
+        <a:latin typeface="+mn-lt"/>
+        <a:ea typeface="+mn-ea"/>
+        <a:cs typeface="+mn-cs"/>
+      </a:defRPr>
+    </a:lvl7pPr>
+    <a:lvl8pPr marL="3200400" algn="l" defTabSz="914400" rtl="0" eaLnBrk="1" latinLnBrk="0" hangingPunct="1">
+      <a:defRPr sz="1200" kern="1200">
+        <a:solidFill>
+          <a:schemeClr val="tx1"/>
+        </a:solidFill>
+        <a:latin typeface="+mn-lt"/>
+        <a:ea typeface="+mn-ea"/>
+        <a:cs typeface="+mn-cs"/>
+      </a:defRPr>
+    </a:lvl8pPr>
+    <a:lvl9pPr marL="3657600" algn="l" defTabSz="914400" rtl="0" eaLnBrk="1" latinLnBrk="0" hangingPunct="1">
+      <a:defRPr sz="1200" kern="1200">
+        <a:solidFill>
+          <a:schemeClr val="tx1"/>
+        </a:solidFill>
+        <a:latin typeface="+mn-lt"/>
+        <a:ea typeface="+mn-ea"/>
+        <a:cs typeface="+mn-cs"/>
+      </a:defRPr>
+    </a:lvl9pPr>
+  </p:notesStyle>
+</p:notesMaster>
+</file>
+
+<file path=ppt/notesSlides/notesSlide1.xml><?xml version="1.0" encoding="utf-8"?>
+<p:notes xmlns:a="http://schemas.openxmlformats.org/drawingml/2006/main" xmlns:r="http://schemas.openxmlformats.org/officeDocument/2006/relationships" xmlns:p="http://schemas.openxmlformats.org/presentationml/2006/main">
+  <p:cSld>
+    <p:spTree>
+      <p:nvGrpSpPr>
+        <p:cNvPr id="1" name=""/>
+        <p:cNvGrpSpPr/>
+        <p:nvPr/>
+      </p:nvGrpSpPr>
+      <p:grpSpPr>
+        <a:xfrm>
+          <a:off x="0" y="0"/>
+          <a:ext cx="0" cy="0"/>
+          <a:chOff x="0" y="0"/>
+          <a:chExt cx="0" cy="0"/>
+        </a:xfrm>
+      </p:grpSpPr>
+      <p:sp>
+        <p:nvSpPr>
+          <p:cNvPr id="2" name="Symbol zastępczy obrazu slajdu 1"/>
+          <p:cNvSpPr>
+            <a:spLocks noGrp="1" noRot="1" noChangeAspect="1"/>
+          </p:cNvSpPr>
+          <p:nvPr>
+            <p:ph type="sldImg"/>
+          </p:nvPr>
+        </p:nvSpPr>
+        <p:spPr/>
+      </p:sp>
+      <p:sp>
+        <p:nvSpPr>
+          <p:cNvPr id="3" name="Symbol zastępczy notatek 2"/>
+          <p:cNvSpPr>
+            <a:spLocks noGrp="1"/>
+          </p:cNvSpPr>
+          <p:nvPr>
+            <p:ph type="body" idx="1"/>
+          </p:nvPr>
+        </p:nvSpPr>
+        <p:spPr/>
+        <p:txBody>
+          <a:bodyPr/>
+          <a:lstStyle/>
+          <a:p>
+            <a:endParaRPr lang="en-GB" dirty="0"/>
+          </a:p>
+        </p:txBody>
+      </p:sp>
+      <p:sp>
+        <p:nvSpPr>
+          <p:cNvPr id="4" name="Symbol zastępczy numeru slajdu 3"/>
+          <p:cNvSpPr>
+            <a:spLocks noGrp="1"/>
+          </p:cNvSpPr>
+          <p:nvPr>
+            <p:ph type="sldNum" sz="quarter" idx="5"/>
+          </p:nvPr>
+        </p:nvSpPr>
+        <p:spPr/>
+        <p:txBody>
+          <a:bodyPr/>
+          <a:lstStyle/>
+          <a:p>
+            <a:fld id="{3BB0C5DD-FE4D-4106-B675-022D023C5B47}" type="slidenum">
+              <a:rPr lang="en-GB" smtClean="0"/>
+              <a:t>4</a:t>
+            </a:fld>
+            <a:endParaRPr lang="en-GB"/>
+          </a:p>
+        </p:txBody>
+      </p:sp>
+    </p:spTree>
+    <p:extLst>
+      <p:ext uri="{BB962C8B-B14F-4D97-AF65-F5344CB8AC3E}">
+        <p14:creationId xmlns:p14="http://schemas.microsoft.com/office/powerpoint/2010/main" val="1267569901"/>
+      </p:ext>
+    </p:extLst>
+  </p:cSld>
+  <p:clrMapOvr>
+    <a:masterClrMapping/>
+  </p:clrMapOvr>
+</p:notes>
 </file>
 
 <file path=ppt/slideLayouts/slideLayout1.xml><?xml version="1.0" encoding="utf-8"?>
@@ -9278,6 +9715,57 @@
           </a:p>
         </p:txBody>
       </p:sp>
+      <p:sp>
+        <p:nvSpPr>
+          <p:cNvPr id="4" name="Prostokąt 3">
+            <a:extLst>
+              <a:ext uri="{FF2B5EF4-FFF2-40B4-BE49-F238E27FC236}">
+                <a16:creationId xmlns:a16="http://schemas.microsoft.com/office/drawing/2014/main" id="{9D09D38C-9B5A-48C1-8B4E-767BE40B0EF1}"/>
+              </a:ext>
+            </a:extLst>
+          </p:cNvPr>
+          <p:cNvSpPr/>
+          <p:nvPr/>
+        </p:nvSpPr>
+        <p:spPr>
+          <a:xfrm>
+            <a:off x="10531138" y="6466361"/>
+            <a:ext cx="1558825" cy="369332"/>
+          </a:xfrm>
+          <a:prstGeom prst="rect">
+            <a:avLst/>
+          </a:prstGeom>
+        </p:spPr>
+        <p:txBody>
+          <a:bodyPr wrap="none">
+            <a:spAutoFit/>
+          </a:bodyPr>
+          <a:lstStyle/>
+          <a:p>
+            <a:r>
+              <a:rPr lang="pl-PL" dirty="0">
+                <a:solidFill>
+                  <a:schemeClr val="bg1"/>
+                </a:solidFill>
+              </a:rPr>
+              <a:t>@</a:t>
+            </a:r>
+            <a:r>
+              <a:rPr lang="pl-PL" dirty="0" err="1">
+                <a:solidFill>
+                  <a:schemeClr val="bg1"/>
+                </a:solidFill>
+              </a:rPr>
+              <a:t>lukaszpyrzyk</a:t>
+            </a:r>
+            <a:endParaRPr lang="en-GB" dirty="0">
+              <a:solidFill>
+                <a:schemeClr val="bg1"/>
+              </a:solidFill>
+            </a:endParaRPr>
+          </a:p>
+        </p:txBody>
+      </p:sp>
     </p:spTree>
     <p:extLst>
       <p:ext uri="{BB962C8B-B14F-4D97-AF65-F5344CB8AC3E}">
@@ -9712,6 +10200,57 @@
               <a:rPr lang="pl-PL" dirty="0"/>
               <a:t>.</a:t>
             </a:r>
+          </a:p>
+        </p:txBody>
+      </p:sp>
+      <p:sp>
+        <p:nvSpPr>
+          <p:cNvPr id="4" name="Prostokąt 3">
+            <a:extLst>
+              <a:ext uri="{FF2B5EF4-FFF2-40B4-BE49-F238E27FC236}">
+                <a16:creationId xmlns:a16="http://schemas.microsoft.com/office/drawing/2014/main" id="{233317D2-0C2A-4AD5-B101-D7B84AB5EB43}"/>
+              </a:ext>
+            </a:extLst>
+          </p:cNvPr>
+          <p:cNvSpPr/>
+          <p:nvPr/>
+        </p:nvSpPr>
+        <p:spPr>
+          <a:xfrm>
+            <a:off x="10531138" y="6466361"/>
+            <a:ext cx="1558825" cy="369332"/>
+          </a:xfrm>
+          <a:prstGeom prst="rect">
+            <a:avLst/>
+          </a:prstGeom>
+        </p:spPr>
+        <p:txBody>
+          <a:bodyPr wrap="none">
+            <a:spAutoFit/>
+          </a:bodyPr>
+          <a:lstStyle/>
+          <a:p>
+            <a:r>
+              <a:rPr lang="pl-PL" dirty="0">
+                <a:solidFill>
+                  <a:schemeClr val="bg1"/>
+                </a:solidFill>
+              </a:rPr>
+              <a:t>@</a:t>
+            </a:r>
+            <a:r>
+              <a:rPr lang="pl-PL" dirty="0" err="1">
+                <a:solidFill>
+                  <a:schemeClr val="bg1"/>
+                </a:solidFill>
+              </a:rPr>
+              <a:t>lukaszpyrzyk</a:t>
+            </a:r>
+            <a:endParaRPr lang="en-GB" dirty="0">
+              <a:solidFill>
+                <a:schemeClr val="bg1"/>
+              </a:solidFill>
+            </a:endParaRPr>
           </a:p>
         </p:txBody>
       </p:sp>
@@ -10287,6 +10826,1187 @@
           </a:p>
         </p:txBody>
       </p:sp>
+      <p:sp>
+        <p:nvSpPr>
+          <p:cNvPr id="5" name="Prostokąt 4">
+            <a:extLst>
+              <a:ext uri="{FF2B5EF4-FFF2-40B4-BE49-F238E27FC236}">
+                <a16:creationId xmlns:a16="http://schemas.microsoft.com/office/drawing/2014/main" id="{9890B961-5948-4751-80A0-916BE9A0EDF6}"/>
+              </a:ext>
+            </a:extLst>
+          </p:cNvPr>
+          <p:cNvSpPr/>
+          <p:nvPr/>
+        </p:nvSpPr>
+        <p:spPr>
+          <a:xfrm>
+            <a:off x="156118" y="4351846"/>
+            <a:ext cx="12221736" cy="1815882"/>
+          </a:xfrm>
+          <a:prstGeom prst="rect">
+            <a:avLst/>
+          </a:prstGeom>
+        </p:spPr>
+        <p:txBody>
+          <a:bodyPr wrap="square">
+            <a:spAutoFit/>
+          </a:bodyPr>
+          <a:lstStyle/>
+          <a:p>
+            <a:r>
+              <a:rPr lang="pl-PL" sz="1400" dirty="0">
+                <a:solidFill>
+                  <a:srgbClr val="0000FF"/>
+                </a:solidFill>
+                <a:latin typeface="Cascadia Mono" panose="020B0609020000020004" pitchFamily="49" charset="0"/>
+              </a:rPr>
+              <a:t>    </a:t>
+            </a:r>
+            <a:r>
+              <a:rPr lang="en-GB" sz="1400" dirty="0">
+                <a:solidFill>
+                  <a:srgbClr val="0000FF"/>
+                </a:solidFill>
+                <a:latin typeface="Cascadia Mono" panose="020B0609020000020004" pitchFamily="49" charset="0"/>
+              </a:rPr>
+              <a:t>&lt;</a:t>
+            </a:r>
+            <a:r>
+              <a:rPr lang="en-GB" sz="1400" dirty="0" err="1">
+                <a:solidFill>
+                  <a:srgbClr val="A31515"/>
+                </a:solidFill>
+                <a:latin typeface="Cascadia Mono" panose="020B0609020000020004" pitchFamily="49" charset="0"/>
+              </a:rPr>
+              <a:t>PackageReference</a:t>
+            </a:r>
+            <a:r>
+              <a:rPr lang="en-GB" sz="1400" dirty="0">
+                <a:solidFill>
+                  <a:srgbClr val="0000FF"/>
+                </a:solidFill>
+                <a:latin typeface="Cascadia Mono" panose="020B0609020000020004" pitchFamily="49" charset="0"/>
+              </a:rPr>
+              <a:t> </a:t>
+            </a:r>
+            <a:r>
+              <a:rPr lang="en-GB" sz="1400" dirty="0">
+                <a:solidFill>
+                  <a:srgbClr val="FF0000"/>
+                </a:solidFill>
+                <a:latin typeface="Cascadia Mono" panose="020B0609020000020004" pitchFamily="49" charset="0"/>
+              </a:rPr>
+              <a:t>Update</a:t>
+            </a:r>
+            <a:r>
+              <a:rPr lang="en-GB" sz="1400" dirty="0">
+                <a:solidFill>
+                  <a:srgbClr val="0000FF"/>
+                </a:solidFill>
+                <a:latin typeface="Cascadia Mono" panose="020B0609020000020004" pitchFamily="49" charset="0"/>
+              </a:rPr>
+              <a:t>=</a:t>
+            </a:r>
+            <a:r>
+              <a:rPr lang="en-GB" sz="1400" dirty="0">
+                <a:solidFill>
+                  <a:srgbClr val="000000"/>
+                </a:solidFill>
+                <a:latin typeface="Cascadia Mono" panose="020B0609020000020004" pitchFamily="49" charset="0"/>
+              </a:rPr>
+              <a:t>"</a:t>
+            </a:r>
+            <a:r>
+              <a:rPr lang="en-GB" sz="1400" dirty="0" err="1">
+                <a:solidFill>
+                  <a:srgbClr val="0000FF"/>
+                </a:solidFill>
+                <a:latin typeface="Cascadia Mono" panose="020B0609020000020004" pitchFamily="49" charset="0"/>
+              </a:rPr>
+              <a:t>Azure.Messaging.ServiceBus</a:t>
+            </a:r>
+            <a:r>
+              <a:rPr lang="en-GB" sz="1400" dirty="0">
+                <a:solidFill>
+                  <a:srgbClr val="000000"/>
+                </a:solidFill>
+                <a:latin typeface="Cascadia Mono" panose="020B0609020000020004" pitchFamily="49" charset="0"/>
+              </a:rPr>
+              <a:t>"</a:t>
+            </a:r>
+            <a:r>
+              <a:rPr lang="en-GB" sz="1400" dirty="0">
+                <a:solidFill>
+                  <a:srgbClr val="0000FF"/>
+                </a:solidFill>
+                <a:latin typeface="Cascadia Mono" panose="020B0609020000020004" pitchFamily="49" charset="0"/>
+              </a:rPr>
+              <a:t> </a:t>
+            </a:r>
+            <a:r>
+              <a:rPr lang="en-GB" sz="1400" dirty="0">
+                <a:solidFill>
+                  <a:srgbClr val="FF0000"/>
+                </a:solidFill>
+                <a:latin typeface="Cascadia Mono" panose="020B0609020000020004" pitchFamily="49" charset="0"/>
+              </a:rPr>
+              <a:t>Version</a:t>
+            </a:r>
+            <a:r>
+              <a:rPr lang="en-GB" sz="1400" dirty="0">
+                <a:solidFill>
+                  <a:srgbClr val="0000FF"/>
+                </a:solidFill>
+                <a:latin typeface="Cascadia Mono" panose="020B0609020000020004" pitchFamily="49" charset="0"/>
+              </a:rPr>
+              <a:t>=</a:t>
+            </a:r>
+            <a:r>
+              <a:rPr lang="en-GB" sz="1400" dirty="0">
+                <a:solidFill>
+                  <a:srgbClr val="000000"/>
+                </a:solidFill>
+                <a:latin typeface="Cascadia Mono" panose="020B0609020000020004" pitchFamily="49" charset="0"/>
+              </a:rPr>
+              <a:t>"</a:t>
+            </a:r>
+            <a:r>
+              <a:rPr lang="en-GB" sz="1400" dirty="0">
+                <a:solidFill>
+                  <a:srgbClr val="0000FF"/>
+                </a:solidFill>
+                <a:latin typeface="Cascadia Mono" panose="020B0609020000020004" pitchFamily="49" charset="0"/>
+              </a:rPr>
+              <a:t>7.11.0-beta.1</a:t>
+            </a:r>
+            <a:r>
+              <a:rPr lang="en-GB" sz="1400" dirty="0">
+                <a:solidFill>
+                  <a:srgbClr val="000000"/>
+                </a:solidFill>
+                <a:latin typeface="Cascadia Mono" panose="020B0609020000020004" pitchFamily="49" charset="0"/>
+              </a:rPr>
+              <a:t>"</a:t>
+            </a:r>
+            <a:r>
+              <a:rPr lang="en-GB" sz="1400" dirty="0">
+                <a:solidFill>
+                  <a:srgbClr val="0000FF"/>
+                </a:solidFill>
+                <a:latin typeface="Cascadia Mono" panose="020B0609020000020004" pitchFamily="49" charset="0"/>
+              </a:rPr>
+              <a:t> /&gt;</a:t>
+            </a:r>
+            <a:endParaRPr lang="en-GB" sz="1400" dirty="0">
+              <a:solidFill>
+                <a:srgbClr val="000000"/>
+              </a:solidFill>
+              <a:latin typeface="Cascadia Mono" panose="020B0609020000020004" pitchFamily="49" charset="0"/>
+            </a:endParaRPr>
+          </a:p>
+          <a:p>
+            <a:r>
+              <a:rPr lang="en-GB" sz="1400" dirty="0">
+                <a:solidFill>
+                  <a:srgbClr val="0000FF"/>
+                </a:solidFill>
+                <a:latin typeface="Cascadia Mono" panose="020B0609020000020004" pitchFamily="49" charset="0"/>
+              </a:rPr>
+              <a:t>    &lt;</a:t>
+            </a:r>
+            <a:r>
+              <a:rPr lang="en-GB" sz="1400" dirty="0" err="1">
+                <a:solidFill>
+                  <a:srgbClr val="A31515"/>
+                </a:solidFill>
+                <a:latin typeface="Cascadia Mono" panose="020B0609020000020004" pitchFamily="49" charset="0"/>
+              </a:rPr>
+              <a:t>PackageReference</a:t>
+            </a:r>
+            <a:r>
+              <a:rPr lang="en-GB" sz="1400" dirty="0">
+                <a:solidFill>
+                  <a:srgbClr val="0000FF"/>
+                </a:solidFill>
+                <a:latin typeface="Cascadia Mono" panose="020B0609020000020004" pitchFamily="49" charset="0"/>
+              </a:rPr>
+              <a:t> </a:t>
+            </a:r>
+            <a:r>
+              <a:rPr lang="en-GB" sz="1400" dirty="0">
+                <a:solidFill>
+                  <a:srgbClr val="FF0000"/>
+                </a:solidFill>
+                <a:latin typeface="Cascadia Mono" panose="020B0609020000020004" pitchFamily="49" charset="0"/>
+              </a:rPr>
+              <a:t>Update</a:t>
+            </a:r>
+            <a:r>
+              <a:rPr lang="en-GB" sz="1400" dirty="0">
+                <a:solidFill>
+                  <a:srgbClr val="0000FF"/>
+                </a:solidFill>
+                <a:latin typeface="Cascadia Mono" panose="020B0609020000020004" pitchFamily="49" charset="0"/>
+              </a:rPr>
+              <a:t>=</a:t>
+            </a:r>
+            <a:r>
+              <a:rPr lang="en-GB" sz="1400" dirty="0">
+                <a:solidFill>
+                  <a:srgbClr val="000000"/>
+                </a:solidFill>
+                <a:latin typeface="Cascadia Mono" panose="020B0609020000020004" pitchFamily="49" charset="0"/>
+              </a:rPr>
+              <a:t>"</a:t>
+            </a:r>
+            <a:r>
+              <a:rPr lang="en-GB" sz="1400" dirty="0" err="1">
+                <a:solidFill>
+                  <a:srgbClr val="0000FF"/>
+                </a:solidFill>
+                <a:latin typeface="Cascadia Mono" panose="020B0609020000020004" pitchFamily="49" charset="0"/>
+              </a:rPr>
+              <a:t>OpenTelemetry</a:t>
+            </a:r>
+            <a:r>
+              <a:rPr lang="en-GB" sz="1400" dirty="0">
+                <a:solidFill>
+                  <a:srgbClr val="000000"/>
+                </a:solidFill>
+                <a:latin typeface="Cascadia Mono" panose="020B0609020000020004" pitchFamily="49" charset="0"/>
+              </a:rPr>
+              <a:t>"</a:t>
+            </a:r>
+            <a:r>
+              <a:rPr lang="en-GB" sz="1400" dirty="0">
+                <a:solidFill>
+                  <a:srgbClr val="0000FF"/>
+                </a:solidFill>
+                <a:latin typeface="Cascadia Mono" panose="020B0609020000020004" pitchFamily="49" charset="0"/>
+              </a:rPr>
+              <a:t> </a:t>
+            </a:r>
+            <a:r>
+              <a:rPr lang="en-GB" sz="1400" dirty="0">
+                <a:solidFill>
+                  <a:srgbClr val="FF0000"/>
+                </a:solidFill>
+                <a:latin typeface="Cascadia Mono" panose="020B0609020000020004" pitchFamily="49" charset="0"/>
+              </a:rPr>
+              <a:t>Version</a:t>
+            </a:r>
+            <a:r>
+              <a:rPr lang="en-GB" sz="1400" dirty="0">
+                <a:solidFill>
+                  <a:srgbClr val="0000FF"/>
+                </a:solidFill>
+                <a:latin typeface="Cascadia Mono" panose="020B0609020000020004" pitchFamily="49" charset="0"/>
+              </a:rPr>
+              <a:t>=</a:t>
+            </a:r>
+            <a:r>
+              <a:rPr lang="en-GB" sz="1400" dirty="0">
+                <a:solidFill>
+                  <a:srgbClr val="000000"/>
+                </a:solidFill>
+                <a:latin typeface="Cascadia Mono" panose="020B0609020000020004" pitchFamily="49" charset="0"/>
+              </a:rPr>
+              <a:t>"</a:t>
+            </a:r>
+            <a:r>
+              <a:rPr lang="en-GB" sz="1400" dirty="0">
+                <a:solidFill>
+                  <a:srgbClr val="0000FF"/>
+                </a:solidFill>
+                <a:latin typeface="Cascadia Mono" panose="020B0609020000020004" pitchFamily="49" charset="0"/>
+              </a:rPr>
+              <a:t>1.4.0-alpha.2</a:t>
+            </a:r>
+            <a:r>
+              <a:rPr lang="en-GB" sz="1400" dirty="0">
+                <a:solidFill>
+                  <a:srgbClr val="000000"/>
+                </a:solidFill>
+                <a:latin typeface="Cascadia Mono" panose="020B0609020000020004" pitchFamily="49" charset="0"/>
+              </a:rPr>
+              <a:t>"</a:t>
+            </a:r>
+            <a:r>
+              <a:rPr lang="en-GB" sz="1400" dirty="0">
+                <a:solidFill>
+                  <a:srgbClr val="0000FF"/>
+                </a:solidFill>
+                <a:latin typeface="Cascadia Mono" panose="020B0609020000020004" pitchFamily="49" charset="0"/>
+              </a:rPr>
+              <a:t> /&gt;</a:t>
+            </a:r>
+            <a:endParaRPr lang="en-GB" sz="1400" dirty="0">
+              <a:solidFill>
+                <a:srgbClr val="000000"/>
+              </a:solidFill>
+              <a:latin typeface="Cascadia Mono" panose="020B0609020000020004" pitchFamily="49" charset="0"/>
+            </a:endParaRPr>
+          </a:p>
+          <a:p>
+            <a:r>
+              <a:rPr lang="en-GB" sz="1400" dirty="0">
+                <a:solidFill>
+                  <a:srgbClr val="0000FF"/>
+                </a:solidFill>
+                <a:latin typeface="Cascadia Mono" panose="020B0609020000020004" pitchFamily="49" charset="0"/>
+              </a:rPr>
+              <a:t>    &lt;</a:t>
+            </a:r>
+            <a:r>
+              <a:rPr lang="en-GB" sz="1400" dirty="0" err="1">
+                <a:solidFill>
+                  <a:srgbClr val="A31515"/>
+                </a:solidFill>
+                <a:latin typeface="Cascadia Mono" panose="020B0609020000020004" pitchFamily="49" charset="0"/>
+              </a:rPr>
+              <a:t>PackageReference</a:t>
+            </a:r>
+            <a:r>
+              <a:rPr lang="en-GB" sz="1400" dirty="0">
+                <a:solidFill>
+                  <a:srgbClr val="0000FF"/>
+                </a:solidFill>
+                <a:latin typeface="Cascadia Mono" panose="020B0609020000020004" pitchFamily="49" charset="0"/>
+              </a:rPr>
+              <a:t> </a:t>
+            </a:r>
+            <a:r>
+              <a:rPr lang="en-GB" sz="1400" dirty="0">
+                <a:solidFill>
+                  <a:srgbClr val="FF0000"/>
+                </a:solidFill>
+                <a:latin typeface="Cascadia Mono" panose="020B0609020000020004" pitchFamily="49" charset="0"/>
+              </a:rPr>
+              <a:t>Update</a:t>
+            </a:r>
+            <a:r>
+              <a:rPr lang="en-GB" sz="1400" dirty="0">
+                <a:solidFill>
+                  <a:srgbClr val="0000FF"/>
+                </a:solidFill>
+                <a:latin typeface="Cascadia Mono" panose="020B0609020000020004" pitchFamily="49" charset="0"/>
+              </a:rPr>
+              <a:t>=</a:t>
+            </a:r>
+            <a:r>
+              <a:rPr lang="en-GB" sz="1400" dirty="0">
+                <a:solidFill>
+                  <a:srgbClr val="000000"/>
+                </a:solidFill>
+                <a:latin typeface="Cascadia Mono" panose="020B0609020000020004" pitchFamily="49" charset="0"/>
+              </a:rPr>
+              <a:t>"</a:t>
+            </a:r>
+            <a:r>
+              <a:rPr lang="en-GB" sz="1400" dirty="0" err="1">
+                <a:solidFill>
+                  <a:srgbClr val="0000FF"/>
+                </a:solidFill>
+                <a:latin typeface="Cascadia Mono" panose="020B0609020000020004" pitchFamily="49" charset="0"/>
+              </a:rPr>
+              <a:t>OpenTelemetry.Contrib.Instrumentation.EntityFrameworkCore</a:t>
+            </a:r>
+            <a:r>
+              <a:rPr lang="en-GB" sz="1400" dirty="0">
+                <a:solidFill>
+                  <a:srgbClr val="000000"/>
+                </a:solidFill>
+                <a:latin typeface="Cascadia Mono" panose="020B0609020000020004" pitchFamily="49" charset="0"/>
+              </a:rPr>
+              <a:t>"</a:t>
+            </a:r>
+            <a:r>
+              <a:rPr lang="en-GB" sz="1400" dirty="0">
+                <a:solidFill>
+                  <a:srgbClr val="0000FF"/>
+                </a:solidFill>
+                <a:latin typeface="Cascadia Mono" panose="020B0609020000020004" pitchFamily="49" charset="0"/>
+              </a:rPr>
+              <a:t> </a:t>
+            </a:r>
+            <a:r>
+              <a:rPr lang="en-GB" sz="1400" dirty="0">
+                <a:solidFill>
+                  <a:srgbClr val="FF0000"/>
+                </a:solidFill>
+                <a:latin typeface="Cascadia Mono" panose="020B0609020000020004" pitchFamily="49" charset="0"/>
+              </a:rPr>
+              <a:t>Version</a:t>
+            </a:r>
+            <a:r>
+              <a:rPr lang="en-GB" sz="1400" dirty="0">
+                <a:solidFill>
+                  <a:srgbClr val="0000FF"/>
+                </a:solidFill>
+                <a:latin typeface="Cascadia Mono" panose="020B0609020000020004" pitchFamily="49" charset="0"/>
+              </a:rPr>
+              <a:t>=</a:t>
+            </a:r>
+            <a:r>
+              <a:rPr lang="en-GB" sz="1400" dirty="0">
+                <a:solidFill>
+                  <a:srgbClr val="000000"/>
+                </a:solidFill>
+                <a:latin typeface="Cascadia Mono" panose="020B0609020000020004" pitchFamily="49" charset="0"/>
+              </a:rPr>
+              <a:t>"</a:t>
+            </a:r>
+            <a:r>
+              <a:rPr lang="en-GB" sz="1400" dirty="0">
+                <a:solidFill>
+                  <a:srgbClr val="0000FF"/>
+                </a:solidFill>
+                <a:latin typeface="Cascadia Mono" panose="020B0609020000020004" pitchFamily="49" charset="0"/>
+              </a:rPr>
+              <a:t>1.0.0-beta2</a:t>
+            </a:r>
+            <a:r>
+              <a:rPr lang="en-GB" sz="1400" dirty="0">
+                <a:solidFill>
+                  <a:srgbClr val="000000"/>
+                </a:solidFill>
+                <a:latin typeface="Cascadia Mono" panose="020B0609020000020004" pitchFamily="49" charset="0"/>
+              </a:rPr>
+              <a:t>"</a:t>
+            </a:r>
+            <a:r>
+              <a:rPr lang="en-GB" sz="1400" dirty="0">
+                <a:solidFill>
+                  <a:srgbClr val="0000FF"/>
+                </a:solidFill>
+                <a:latin typeface="Cascadia Mono" panose="020B0609020000020004" pitchFamily="49" charset="0"/>
+              </a:rPr>
+              <a:t> /&gt;</a:t>
+            </a:r>
+            <a:endParaRPr lang="en-GB" sz="1400" dirty="0">
+              <a:solidFill>
+                <a:srgbClr val="000000"/>
+              </a:solidFill>
+              <a:latin typeface="Cascadia Mono" panose="020B0609020000020004" pitchFamily="49" charset="0"/>
+            </a:endParaRPr>
+          </a:p>
+          <a:p>
+            <a:r>
+              <a:rPr lang="en-GB" sz="1400" dirty="0">
+                <a:solidFill>
+                  <a:srgbClr val="0000FF"/>
+                </a:solidFill>
+                <a:latin typeface="Cascadia Mono" panose="020B0609020000020004" pitchFamily="49" charset="0"/>
+              </a:rPr>
+              <a:t>    &lt;</a:t>
+            </a:r>
+            <a:r>
+              <a:rPr lang="en-GB" sz="1400" dirty="0" err="1">
+                <a:solidFill>
+                  <a:srgbClr val="A31515"/>
+                </a:solidFill>
+                <a:latin typeface="Cascadia Mono" panose="020B0609020000020004" pitchFamily="49" charset="0"/>
+              </a:rPr>
+              <a:t>PackageReference</a:t>
+            </a:r>
+            <a:r>
+              <a:rPr lang="en-GB" sz="1400" dirty="0">
+                <a:solidFill>
+                  <a:srgbClr val="0000FF"/>
+                </a:solidFill>
+                <a:latin typeface="Cascadia Mono" panose="020B0609020000020004" pitchFamily="49" charset="0"/>
+              </a:rPr>
+              <a:t> </a:t>
+            </a:r>
+            <a:r>
+              <a:rPr lang="en-GB" sz="1400" dirty="0">
+                <a:solidFill>
+                  <a:srgbClr val="FF0000"/>
+                </a:solidFill>
+                <a:latin typeface="Cascadia Mono" panose="020B0609020000020004" pitchFamily="49" charset="0"/>
+              </a:rPr>
+              <a:t>Update</a:t>
+            </a:r>
+            <a:r>
+              <a:rPr lang="en-GB" sz="1400" dirty="0">
+                <a:solidFill>
+                  <a:srgbClr val="0000FF"/>
+                </a:solidFill>
+                <a:latin typeface="Cascadia Mono" panose="020B0609020000020004" pitchFamily="49" charset="0"/>
+              </a:rPr>
+              <a:t>=</a:t>
+            </a:r>
+            <a:r>
+              <a:rPr lang="en-GB" sz="1400" dirty="0">
+                <a:solidFill>
+                  <a:srgbClr val="000000"/>
+                </a:solidFill>
+                <a:latin typeface="Cascadia Mono" panose="020B0609020000020004" pitchFamily="49" charset="0"/>
+              </a:rPr>
+              <a:t>"</a:t>
+            </a:r>
+            <a:r>
+              <a:rPr lang="en-GB" sz="1400" dirty="0" err="1">
+                <a:solidFill>
+                  <a:srgbClr val="0000FF"/>
+                </a:solidFill>
+                <a:latin typeface="Cascadia Mono" panose="020B0609020000020004" pitchFamily="49" charset="0"/>
+              </a:rPr>
+              <a:t>OpenTelemetry.Exporter.Zipkin</a:t>
+            </a:r>
+            <a:r>
+              <a:rPr lang="en-GB" sz="1400" dirty="0">
+                <a:solidFill>
+                  <a:srgbClr val="000000"/>
+                </a:solidFill>
+                <a:latin typeface="Cascadia Mono" panose="020B0609020000020004" pitchFamily="49" charset="0"/>
+              </a:rPr>
+              <a:t>"</a:t>
+            </a:r>
+            <a:r>
+              <a:rPr lang="en-GB" sz="1400" dirty="0">
+                <a:solidFill>
+                  <a:srgbClr val="0000FF"/>
+                </a:solidFill>
+                <a:latin typeface="Cascadia Mono" panose="020B0609020000020004" pitchFamily="49" charset="0"/>
+              </a:rPr>
+              <a:t> </a:t>
+            </a:r>
+            <a:r>
+              <a:rPr lang="en-GB" sz="1400" dirty="0">
+                <a:solidFill>
+                  <a:srgbClr val="FF0000"/>
+                </a:solidFill>
+                <a:latin typeface="Cascadia Mono" panose="020B0609020000020004" pitchFamily="49" charset="0"/>
+              </a:rPr>
+              <a:t>Version</a:t>
+            </a:r>
+            <a:r>
+              <a:rPr lang="en-GB" sz="1400" dirty="0">
+                <a:solidFill>
+                  <a:srgbClr val="0000FF"/>
+                </a:solidFill>
+                <a:latin typeface="Cascadia Mono" panose="020B0609020000020004" pitchFamily="49" charset="0"/>
+              </a:rPr>
+              <a:t>=</a:t>
+            </a:r>
+            <a:r>
+              <a:rPr lang="en-GB" sz="1400" dirty="0">
+                <a:solidFill>
+                  <a:srgbClr val="000000"/>
+                </a:solidFill>
+                <a:latin typeface="Cascadia Mono" panose="020B0609020000020004" pitchFamily="49" charset="0"/>
+              </a:rPr>
+              <a:t>"</a:t>
+            </a:r>
+            <a:r>
+              <a:rPr lang="en-GB" sz="1400" dirty="0">
+                <a:solidFill>
+                  <a:srgbClr val="0000FF"/>
+                </a:solidFill>
+                <a:latin typeface="Cascadia Mono" panose="020B0609020000020004" pitchFamily="49" charset="0"/>
+              </a:rPr>
+              <a:t>1.4.0-alpha.2</a:t>
+            </a:r>
+            <a:r>
+              <a:rPr lang="en-GB" sz="1400" dirty="0">
+                <a:solidFill>
+                  <a:srgbClr val="000000"/>
+                </a:solidFill>
+                <a:latin typeface="Cascadia Mono" panose="020B0609020000020004" pitchFamily="49" charset="0"/>
+              </a:rPr>
+              <a:t>"</a:t>
+            </a:r>
+            <a:r>
+              <a:rPr lang="en-GB" sz="1400" dirty="0">
+                <a:solidFill>
+                  <a:srgbClr val="0000FF"/>
+                </a:solidFill>
+                <a:latin typeface="Cascadia Mono" panose="020B0609020000020004" pitchFamily="49" charset="0"/>
+              </a:rPr>
+              <a:t> /&gt;</a:t>
+            </a:r>
+            <a:endParaRPr lang="en-GB" sz="1400" dirty="0">
+              <a:solidFill>
+                <a:srgbClr val="000000"/>
+              </a:solidFill>
+              <a:latin typeface="Cascadia Mono" panose="020B0609020000020004" pitchFamily="49" charset="0"/>
+            </a:endParaRPr>
+          </a:p>
+          <a:p>
+            <a:r>
+              <a:rPr lang="en-GB" sz="1400" dirty="0">
+                <a:solidFill>
+                  <a:srgbClr val="0000FF"/>
+                </a:solidFill>
+                <a:latin typeface="Cascadia Mono" panose="020B0609020000020004" pitchFamily="49" charset="0"/>
+              </a:rPr>
+              <a:t>    &lt;</a:t>
+            </a:r>
+            <a:r>
+              <a:rPr lang="en-GB" sz="1400" dirty="0" err="1">
+                <a:solidFill>
+                  <a:srgbClr val="A31515"/>
+                </a:solidFill>
+                <a:latin typeface="Cascadia Mono" panose="020B0609020000020004" pitchFamily="49" charset="0"/>
+              </a:rPr>
+              <a:t>PackageReference</a:t>
+            </a:r>
+            <a:r>
+              <a:rPr lang="en-GB" sz="1400" dirty="0">
+                <a:solidFill>
+                  <a:srgbClr val="0000FF"/>
+                </a:solidFill>
+                <a:latin typeface="Cascadia Mono" panose="020B0609020000020004" pitchFamily="49" charset="0"/>
+              </a:rPr>
+              <a:t> </a:t>
+            </a:r>
+            <a:r>
+              <a:rPr lang="en-GB" sz="1400" dirty="0">
+                <a:solidFill>
+                  <a:srgbClr val="FF0000"/>
+                </a:solidFill>
+                <a:latin typeface="Cascadia Mono" panose="020B0609020000020004" pitchFamily="49" charset="0"/>
+              </a:rPr>
+              <a:t>Update</a:t>
+            </a:r>
+            <a:r>
+              <a:rPr lang="en-GB" sz="1400" dirty="0">
+                <a:solidFill>
+                  <a:srgbClr val="0000FF"/>
+                </a:solidFill>
+                <a:latin typeface="Cascadia Mono" panose="020B0609020000020004" pitchFamily="49" charset="0"/>
+              </a:rPr>
+              <a:t>=</a:t>
+            </a:r>
+            <a:r>
+              <a:rPr lang="en-GB" sz="1400" dirty="0">
+                <a:solidFill>
+                  <a:srgbClr val="000000"/>
+                </a:solidFill>
+                <a:latin typeface="Cascadia Mono" panose="020B0609020000020004" pitchFamily="49" charset="0"/>
+              </a:rPr>
+              <a:t>"</a:t>
+            </a:r>
+            <a:r>
+              <a:rPr lang="en-GB" sz="1400" dirty="0" err="1">
+                <a:solidFill>
+                  <a:srgbClr val="0000FF"/>
+                </a:solidFill>
+                <a:latin typeface="Cascadia Mono" panose="020B0609020000020004" pitchFamily="49" charset="0"/>
+              </a:rPr>
+              <a:t>OpenTelemetry.Exporter.Jaeger</a:t>
+            </a:r>
+            <a:r>
+              <a:rPr lang="en-GB" sz="1400" dirty="0">
+                <a:solidFill>
+                  <a:srgbClr val="000000"/>
+                </a:solidFill>
+                <a:latin typeface="Cascadia Mono" panose="020B0609020000020004" pitchFamily="49" charset="0"/>
+              </a:rPr>
+              <a:t>"</a:t>
+            </a:r>
+            <a:r>
+              <a:rPr lang="en-GB" sz="1400" dirty="0">
+                <a:solidFill>
+                  <a:srgbClr val="0000FF"/>
+                </a:solidFill>
+                <a:latin typeface="Cascadia Mono" panose="020B0609020000020004" pitchFamily="49" charset="0"/>
+              </a:rPr>
+              <a:t> </a:t>
+            </a:r>
+            <a:r>
+              <a:rPr lang="en-GB" sz="1400" dirty="0">
+                <a:solidFill>
+                  <a:srgbClr val="FF0000"/>
+                </a:solidFill>
+                <a:latin typeface="Cascadia Mono" panose="020B0609020000020004" pitchFamily="49" charset="0"/>
+              </a:rPr>
+              <a:t>Version</a:t>
+            </a:r>
+            <a:r>
+              <a:rPr lang="en-GB" sz="1400" dirty="0">
+                <a:solidFill>
+                  <a:srgbClr val="0000FF"/>
+                </a:solidFill>
+                <a:latin typeface="Cascadia Mono" panose="020B0609020000020004" pitchFamily="49" charset="0"/>
+              </a:rPr>
+              <a:t>=</a:t>
+            </a:r>
+            <a:r>
+              <a:rPr lang="en-GB" sz="1400" dirty="0">
+                <a:solidFill>
+                  <a:srgbClr val="000000"/>
+                </a:solidFill>
+                <a:latin typeface="Cascadia Mono" panose="020B0609020000020004" pitchFamily="49" charset="0"/>
+              </a:rPr>
+              <a:t>"</a:t>
+            </a:r>
+            <a:r>
+              <a:rPr lang="en-GB" sz="1400" dirty="0">
+                <a:solidFill>
+                  <a:srgbClr val="0000FF"/>
+                </a:solidFill>
+                <a:latin typeface="Cascadia Mono" panose="020B0609020000020004" pitchFamily="49" charset="0"/>
+              </a:rPr>
+              <a:t>1.4.0-alpha.2</a:t>
+            </a:r>
+            <a:r>
+              <a:rPr lang="en-GB" sz="1400" dirty="0">
+                <a:solidFill>
+                  <a:srgbClr val="000000"/>
+                </a:solidFill>
+                <a:latin typeface="Cascadia Mono" panose="020B0609020000020004" pitchFamily="49" charset="0"/>
+              </a:rPr>
+              <a:t>"</a:t>
+            </a:r>
+            <a:r>
+              <a:rPr lang="en-GB" sz="1400" dirty="0">
+                <a:solidFill>
+                  <a:srgbClr val="0000FF"/>
+                </a:solidFill>
+                <a:latin typeface="Cascadia Mono" panose="020B0609020000020004" pitchFamily="49" charset="0"/>
+              </a:rPr>
+              <a:t> /&gt;</a:t>
+            </a:r>
+            <a:endParaRPr lang="en-GB" sz="1400" dirty="0">
+              <a:solidFill>
+                <a:srgbClr val="000000"/>
+              </a:solidFill>
+              <a:latin typeface="Cascadia Mono" panose="020B0609020000020004" pitchFamily="49" charset="0"/>
+            </a:endParaRPr>
+          </a:p>
+          <a:p>
+            <a:r>
+              <a:rPr lang="en-GB" sz="1400" dirty="0">
+                <a:solidFill>
+                  <a:srgbClr val="0000FF"/>
+                </a:solidFill>
+                <a:latin typeface="Cascadia Mono" panose="020B0609020000020004" pitchFamily="49" charset="0"/>
+              </a:rPr>
+              <a:t>    &lt;</a:t>
+            </a:r>
+            <a:r>
+              <a:rPr lang="en-GB" sz="1400" dirty="0" err="1">
+                <a:solidFill>
+                  <a:srgbClr val="A31515"/>
+                </a:solidFill>
+                <a:latin typeface="Cascadia Mono" panose="020B0609020000020004" pitchFamily="49" charset="0"/>
+              </a:rPr>
+              <a:t>PackageReference</a:t>
+            </a:r>
+            <a:r>
+              <a:rPr lang="en-GB" sz="1400" dirty="0">
+                <a:solidFill>
+                  <a:srgbClr val="0000FF"/>
+                </a:solidFill>
+                <a:latin typeface="Cascadia Mono" panose="020B0609020000020004" pitchFamily="49" charset="0"/>
+              </a:rPr>
+              <a:t> </a:t>
+            </a:r>
+            <a:r>
+              <a:rPr lang="en-GB" sz="1400" dirty="0">
+                <a:solidFill>
+                  <a:srgbClr val="FF0000"/>
+                </a:solidFill>
+                <a:latin typeface="Cascadia Mono" panose="020B0609020000020004" pitchFamily="49" charset="0"/>
+              </a:rPr>
+              <a:t>Update</a:t>
+            </a:r>
+            <a:r>
+              <a:rPr lang="en-GB" sz="1400" dirty="0">
+                <a:solidFill>
+                  <a:srgbClr val="0000FF"/>
+                </a:solidFill>
+                <a:latin typeface="Cascadia Mono" panose="020B0609020000020004" pitchFamily="49" charset="0"/>
+              </a:rPr>
+              <a:t>=</a:t>
+            </a:r>
+            <a:r>
+              <a:rPr lang="en-GB" sz="1400" dirty="0">
+                <a:solidFill>
+                  <a:srgbClr val="000000"/>
+                </a:solidFill>
+                <a:latin typeface="Cascadia Mono" panose="020B0609020000020004" pitchFamily="49" charset="0"/>
+              </a:rPr>
+              <a:t>"</a:t>
+            </a:r>
+            <a:r>
+              <a:rPr lang="en-GB" sz="1400" dirty="0" err="1">
+                <a:solidFill>
+                  <a:srgbClr val="0000FF"/>
+                </a:solidFill>
+                <a:latin typeface="Cascadia Mono" panose="020B0609020000020004" pitchFamily="49" charset="0"/>
+              </a:rPr>
+              <a:t>OpenTelemetry.Extensions.Hosting</a:t>
+            </a:r>
+            <a:r>
+              <a:rPr lang="en-GB" sz="1400" dirty="0">
+                <a:solidFill>
+                  <a:srgbClr val="000000"/>
+                </a:solidFill>
+                <a:latin typeface="Cascadia Mono" panose="020B0609020000020004" pitchFamily="49" charset="0"/>
+              </a:rPr>
+              <a:t>"</a:t>
+            </a:r>
+            <a:r>
+              <a:rPr lang="en-GB" sz="1400" dirty="0">
+                <a:solidFill>
+                  <a:srgbClr val="0000FF"/>
+                </a:solidFill>
+                <a:latin typeface="Cascadia Mono" panose="020B0609020000020004" pitchFamily="49" charset="0"/>
+              </a:rPr>
+              <a:t> </a:t>
+            </a:r>
+            <a:r>
+              <a:rPr lang="en-GB" sz="1400" dirty="0">
+                <a:solidFill>
+                  <a:srgbClr val="FF0000"/>
+                </a:solidFill>
+                <a:latin typeface="Cascadia Mono" panose="020B0609020000020004" pitchFamily="49" charset="0"/>
+              </a:rPr>
+              <a:t>Version</a:t>
+            </a:r>
+            <a:r>
+              <a:rPr lang="en-GB" sz="1400" dirty="0">
+                <a:solidFill>
+                  <a:srgbClr val="0000FF"/>
+                </a:solidFill>
+                <a:latin typeface="Cascadia Mono" panose="020B0609020000020004" pitchFamily="49" charset="0"/>
+              </a:rPr>
+              <a:t>=</a:t>
+            </a:r>
+            <a:r>
+              <a:rPr lang="en-GB" sz="1400" dirty="0">
+                <a:solidFill>
+                  <a:srgbClr val="000000"/>
+                </a:solidFill>
+                <a:latin typeface="Cascadia Mono" panose="020B0609020000020004" pitchFamily="49" charset="0"/>
+              </a:rPr>
+              <a:t>"</a:t>
+            </a:r>
+            <a:r>
+              <a:rPr lang="en-GB" sz="1400" dirty="0">
+                <a:solidFill>
+                  <a:srgbClr val="0000FF"/>
+                </a:solidFill>
+                <a:latin typeface="Cascadia Mono" panose="020B0609020000020004" pitchFamily="49" charset="0"/>
+              </a:rPr>
+              <a:t>1.0.0-rc9.6</a:t>
+            </a:r>
+            <a:r>
+              <a:rPr lang="en-GB" sz="1400" dirty="0">
+                <a:solidFill>
+                  <a:srgbClr val="000000"/>
+                </a:solidFill>
+                <a:latin typeface="Cascadia Mono" panose="020B0609020000020004" pitchFamily="49" charset="0"/>
+              </a:rPr>
+              <a:t>"</a:t>
+            </a:r>
+            <a:r>
+              <a:rPr lang="en-GB" sz="1400" dirty="0">
+                <a:solidFill>
+                  <a:srgbClr val="0000FF"/>
+                </a:solidFill>
+                <a:latin typeface="Cascadia Mono" panose="020B0609020000020004" pitchFamily="49" charset="0"/>
+              </a:rPr>
+              <a:t> /&gt;</a:t>
+            </a:r>
+            <a:endParaRPr lang="en-GB" sz="1400" dirty="0">
+              <a:solidFill>
+                <a:srgbClr val="000000"/>
+              </a:solidFill>
+              <a:latin typeface="Cascadia Mono" panose="020B0609020000020004" pitchFamily="49" charset="0"/>
+            </a:endParaRPr>
+          </a:p>
+          <a:p>
+            <a:r>
+              <a:rPr lang="en-GB" sz="1400" dirty="0">
+                <a:solidFill>
+                  <a:srgbClr val="0000FF"/>
+                </a:solidFill>
+                <a:latin typeface="Cascadia Mono" panose="020B0609020000020004" pitchFamily="49" charset="0"/>
+              </a:rPr>
+              <a:t>    &lt;</a:t>
+            </a:r>
+            <a:r>
+              <a:rPr lang="en-GB" sz="1400" dirty="0" err="1">
+                <a:solidFill>
+                  <a:srgbClr val="A31515"/>
+                </a:solidFill>
+                <a:latin typeface="Cascadia Mono" panose="020B0609020000020004" pitchFamily="49" charset="0"/>
+              </a:rPr>
+              <a:t>PackageReference</a:t>
+            </a:r>
+            <a:r>
+              <a:rPr lang="en-GB" sz="1400" dirty="0">
+                <a:solidFill>
+                  <a:srgbClr val="0000FF"/>
+                </a:solidFill>
+                <a:latin typeface="Cascadia Mono" panose="020B0609020000020004" pitchFamily="49" charset="0"/>
+              </a:rPr>
+              <a:t> </a:t>
+            </a:r>
+            <a:r>
+              <a:rPr lang="en-GB" sz="1400" dirty="0">
+                <a:solidFill>
+                  <a:srgbClr val="FF0000"/>
+                </a:solidFill>
+                <a:latin typeface="Cascadia Mono" panose="020B0609020000020004" pitchFamily="49" charset="0"/>
+              </a:rPr>
+              <a:t>Update</a:t>
+            </a:r>
+            <a:r>
+              <a:rPr lang="en-GB" sz="1400" dirty="0">
+                <a:solidFill>
+                  <a:srgbClr val="0000FF"/>
+                </a:solidFill>
+                <a:latin typeface="Cascadia Mono" panose="020B0609020000020004" pitchFamily="49" charset="0"/>
+              </a:rPr>
+              <a:t>=</a:t>
+            </a:r>
+            <a:r>
+              <a:rPr lang="en-GB" sz="1400" dirty="0">
+                <a:solidFill>
+                  <a:srgbClr val="000000"/>
+                </a:solidFill>
+                <a:latin typeface="Cascadia Mono" panose="020B0609020000020004" pitchFamily="49" charset="0"/>
+              </a:rPr>
+              <a:t>"</a:t>
+            </a:r>
+            <a:r>
+              <a:rPr lang="en-GB" sz="1400" dirty="0" err="1">
+                <a:solidFill>
+                  <a:srgbClr val="0000FF"/>
+                </a:solidFill>
+                <a:latin typeface="Cascadia Mono" panose="020B0609020000020004" pitchFamily="49" charset="0"/>
+              </a:rPr>
+              <a:t>OpenTelemetry.Instrumentation.AspNetCore</a:t>
+            </a:r>
+            <a:r>
+              <a:rPr lang="en-GB" sz="1400" dirty="0">
+                <a:solidFill>
+                  <a:srgbClr val="000000"/>
+                </a:solidFill>
+                <a:latin typeface="Cascadia Mono" panose="020B0609020000020004" pitchFamily="49" charset="0"/>
+              </a:rPr>
+              <a:t>"</a:t>
+            </a:r>
+            <a:r>
+              <a:rPr lang="en-GB" sz="1400" dirty="0">
+                <a:solidFill>
+                  <a:srgbClr val="0000FF"/>
+                </a:solidFill>
+                <a:latin typeface="Cascadia Mono" panose="020B0609020000020004" pitchFamily="49" charset="0"/>
+              </a:rPr>
+              <a:t> </a:t>
+            </a:r>
+            <a:r>
+              <a:rPr lang="en-GB" sz="1400" dirty="0">
+                <a:solidFill>
+                  <a:srgbClr val="FF0000"/>
+                </a:solidFill>
+                <a:latin typeface="Cascadia Mono" panose="020B0609020000020004" pitchFamily="49" charset="0"/>
+              </a:rPr>
+              <a:t>Version</a:t>
+            </a:r>
+            <a:r>
+              <a:rPr lang="en-GB" sz="1400" dirty="0">
+                <a:solidFill>
+                  <a:srgbClr val="0000FF"/>
+                </a:solidFill>
+                <a:latin typeface="Cascadia Mono" panose="020B0609020000020004" pitchFamily="49" charset="0"/>
+              </a:rPr>
+              <a:t>=</a:t>
+            </a:r>
+            <a:r>
+              <a:rPr lang="en-GB" sz="1400" dirty="0">
+                <a:solidFill>
+                  <a:srgbClr val="000000"/>
+                </a:solidFill>
+                <a:latin typeface="Cascadia Mono" panose="020B0609020000020004" pitchFamily="49" charset="0"/>
+              </a:rPr>
+              <a:t>"</a:t>
+            </a:r>
+            <a:r>
+              <a:rPr lang="en-GB" sz="1400" dirty="0">
+                <a:solidFill>
+                  <a:srgbClr val="0000FF"/>
+                </a:solidFill>
+                <a:latin typeface="Cascadia Mono" panose="020B0609020000020004" pitchFamily="49" charset="0"/>
+              </a:rPr>
+              <a:t>1.0.0-rc9.6</a:t>
+            </a:r>
+            <a:r>
+              <a:rPr lang="en-GB" sz="1400" dirty="0">
+                <a:solidFill>
+                  <a:srgbClr val="000000"/>
+                </a:solidFill>
+                <a:latin typeface="Cascadia Mono" panose="020B0609020000020004" pitchFamily="49" charset="0"/>
+              </a:rPr>
+              <a:t>"</a:t>
+            </a:r>
+            <a:r>
+              <a:rPr lang="en-GB" sz="1400" dirty="0">
+                <a:solidFill>
+                  <a:srgbClr val="0000FF"/>
+                </a:solidFill>
+                <a:latin typeface="Cascadia Mono" panose="020B0609020000020004" pitchFamily="49" charset="0"/>
+              </a:rPr>
+              <a:t> /&gt;</a:t>
+            </a:r>
+            <a:endParaRPr lang="en-GB" sz="1400" dirty="0">
+              <a:solidFill>
+                <a:srgbClr val="000000"/>
+              </a:solidFill>
+              <a:latin typeface="Cascadia Mono" panose="020B0609020000020004" pitchFamily="49" charset="0"/>
+            </a:endParaRPr>
+          </a:p>
+          <a:p>
+            <a:r>
+              <a:rPr lang="en-GB" sz="1400" dirty="0">
+                <a:solidFill>
+                  <a:srgbClr val="0000FF"/>
+                </a:solidFill>
+                <a:latin typeface="Cascadia Mono" panose="020B0609020000020004" pitchFamily="49" charset="0"/>
+              </a:rPr>
+              <a:t>    &lt;</a:t>
+            </a:r>
+            <a:r>
+              <a:rPr lang="en-GB" sz="1400" dirty="0" err="1">
+                <a:solidFill>
+                  <a:srgbClr val="A31515"/>
+                </a:solidFill>
+                <a:latin typeface="Cascadia Mono" panose="020B0609020000020004" pitchFamily="49" charset="0"/>
+              </a:rPr>
+              <a:t>PackageReference</a:t>
+            </a:r>
+            <a:r>
+              <a:rPr lang="en-GB" sz="1400" dirty="0">
+                <a:solidFill>
+                  <a:srgbClr val="0000FF"/>
+                </a:solidFill>
+                <a:latin typeface="Cascadia Mono" panose="020B0609020000020004" pitchFamily="49" charset="0"/>
+              </a:rPr>
+              <a:t> </a:t>
+            </a:r>
+            <a:r>
+              <a:rPr lang="en-GB" sz="1400" dirty="0">
+                <a:solidFill>
+                  <a:srgbClr val="FF0000"/>
+                </a:solidFill>
+                <a:latin typeface="Cascadia Mono" panose="020B0609020000020004" pitchFamily="49" charset="0"/>
+              </a:rPr>
+              <a:t>Update</a:t>
+            </a:r>
+            <a:r>
+              <a:rPr lang="en-GB" sz="1400" dirty="0">
+                <a:solidFill>
+                  <a:srgbClr val="0000FF"/>
+                </a:solidFill>
+                <a:latin typeface="Cascadia Mono" panose="020B0609020000020004" pitchFamily="49" charset="0"/>
+              </a:rPr>
+              <a:t>=</a:t>
+            </a:r>
+            <a:r>
+              <a:rPr lang="en-GB" sz="1400" dirty="0">
+                <a:solidFill>
+                  <a:srgbClr val="000000"/>
+                </a:solidFill>
+                <a:latin typeface="Cascadia Mono" panose="020B0609020000020004" pitchFamily="49" charset="0"/>
+              </a:rPr>
+              <a:t>"</a:t>
+            </a:r>
+            <a:r>
+              <a:rPr lang="en-GB" sz="1400" dirty="0" err="1">
+                <a:solidFill>
+                  <a:srgbClr val="0000FF"/>
+                </a:solidFill>
+                <a:latin typeface="Cascadia Mono" panose="020B0609020000020004" pitchFamily="49" charset="0"/>
+              </a:rPr>
+              <a:t>OpenTelemetry.Instrumentation.Http</a:t>
+            </a:r>
+            <a:r>
+              <a:rPr lang="en-GB" sz="1400" dirty="0">
+                <a:solidFill>
+                  <a:srgbClr val="000000"/>
+                </a:solidFill>
+                <a:latin typeface="Cascadia Mono" panose="020B0609020000020004" pitchFamily="49" charset="0"/>
+              </a:rPr>
+              <a:t>"</a:t>
+            </a:r>
+            <a:r>
+              <a:rPr lang="en-GB" sz="1400" dirty="0">
+                <a:solidFill>
+                  <a:srgbClr val="0000FF"/>
+                </a:solidFill>
+                <a:latin typeface="Cascadia Mono" panose="020B0609020000020004" pitchFamily="49" charset="0"/>
+              </a:rPr>
+              <a:t> </a:t>
+            </a:r>
+            <a:r>
+              <a:rPr lang="en-GB" sz="1400" dirty="0">
+                <a:solidFill>
+                  <a:srgbClr val="FF0000"/>
+                </a:solidFill>
+                <a:latin typeface="Cascadia Mono" panose="020B0609020000020004" pitchFamily="49" charset="0"/>
+              </a:rPr>
+              <a:t>Version</a:t>
+            </a:r>
+            <a:r>
+              <a:rPr lang="en-GB" sz="1400" dirty="0">
+                <a:solidFill>
+                  <a:srgbClr val="0000FF"/>
+                </a:solidFill>
+                <a:latin typeface="Cascadia Mono" panose="020B0609020000020004" pitchFamily="49" charset="0"/>
+              </a:rPr>
+              <a:t>=</a:t>
+            </a:r>
+            <a:r>
+              <a:rPr lang="en-GB" sz="1400" dirty="0">
+                <a:solidFill>
+                  <a:srgbClr val="000000"/>
+                </a:solidFill>
+                <a:latin typeface="Cascadia Mono" panose="020B0609020000020004" pitchFamily="49" charset="0"/>
+              </a:rPr>
+              <a:t>"</a:t>
+            </a:r>
+            <a:r>
+              <a:rPr lang="en-GB" sz="1400" dirty="0">
+                <a:solidFill>
+                  <a:srgbClr val="0000FF"/>
+                </a:solidFill>
+                <a:latin typeface="Cascadia Mono" panose="020B0609020000020004" pitchFamily="49" charset="0"/>
+              </a:rPr>
+              <a:t>1.0.0-rc9.6</a:t>
+            </a:r>
+            <a:r>
+              <a:rPr lang="en-GB" sz="1400" dirty="0">
+                <a:solidFill>
+                  <a:srgbClr val="000000"/>
+                </a:solidFill>
+                <a:latin typeface="Cascadia Mono" panose="020B0609020000020004" pitchFamily="49" charset="0"/>
+              </a:rPr>
+              <a:t>"</a:t>
+            </a:r>
+            <a:r>
+              <a:rPr lang="en-GB" sz="1400" dirty="0">
+                <a:solidFill>
+                  <a:srgbClr val="0000FF"/>
+                </a:solidFill>
+                <a:latin typeface="Cascadia Mono" panose="020B0609020000020004" pitchFamily="49" charset="0"/>
+              </a:rPr>
+              <a:t> /&gt;</a:t>
+            </a:r>
+            <a:endParaRPr lang="en-GB" sz="1400" dirty="0">
+              <a:solidFill>
+                <a:srgbClr val="000000"/>
+              </a:solidFill>
+              <a:latin typeface="Cascadia Mono" panose="020B0609020000020004" pitchFamily="49" charset="0"/>
+            </a:endParaRPr>
+          </a:p>
+        </p:txBody>
+      </p:sp>
     </p:spTree>
     <p:extLst>
       <p:ext uri="{BB962C8B-B14F-4D97-AF65-F5344CB8AC3E}">
@@ -10746,25 +12466,18 @@
               <a:buAutoNum type="arabicPeriod"/>
             </a:pPr>
             <a:r>
-              <a:rPr lang="pl-PL" dirty="0"/>
-              <a:t>W3C </a:t>
-            </a:r>
-            <a:r>
-              <a:rPr lang="pl-PL" dirty="0" err="1"/>
-              <a:t>TraceContext</a:t>
-            </a:r>
-            <a:r>
-              <a:rPr lang="pl-PL" dirty="0"/>
-              <a:t> &amp; </a:t>
-            </a:r>
-            <a:r>
-              <a:rPr lang="pl-PL" dirty="0" err="1"/>
-              <a:t>Diagnostic</a:t>
-            </a:r>
-            <a:r>
-              <a:rPr lang="pl-PL" dirty="0"/>
-              <a:t>-Id</a:t>
-            </a:r>
+              <a:rPr lang="pl-PL" dirty="0" err="1"/>
+              <a:t>Trace</a:t>
+            </a:r>
+            <a:r>
+              <a:rPr lang="pl-PL" dirty="0"/>
+              <a:t> </a:t>
+            </a:r>
+            <a:r>
+              <a:rPr lang="pl-PL" dirty="0" err="1"/>
+              <a:t>tree</a:t>
+            </a:r>
+            <a:endParaRPr lang="pl-PL" dirty="0"/>
           </a:p>
           <a:p>
             <a:pPr marL="457200" indent="-457200">
@@ -10772,18 +12485,25 @@
               <a:buAutoNum type="arabicPeriod"/>
             </a:pPr>
             <a:r>
-              <a:rPr lang="pl-PL" dirty="0" err="1"/>
-              <a:t>Trace</a:t>
-            </a:r>
-            <a:r>
-              <a:rPr lang="pl-PL" dirty="0"/>
-              <a:t> </a:t>
-            </a:r>
-            <a:r>
-              <a:rPr lang="pl-PL" dirty="0" err="1"/>
-              <a:t>tree</a:t>
-            </a:r>
-            <a:endParaRPr lang="pl-PL" dirty="0"/>
+              <a:rPr lang="pl-PL" dirty="0"/>
+              <a:t>W3C </a:t>
+            </a:r>
+            <a:r>
+              <a:rPr lang="pl-PL" dirty="0" err="1"/>
+              <a:t>TraceContext</a:t>
+            </a:r>
+            <a:r>
+              <a:rPr lang="pl-PL" dirty="0"/>
+              <a:t> &amp; </a:t>
+            </a:r>
+            <a:r>
+              <a:rPr lang="pl-PL" dirty="0" err="1"/>
+              <a:t>Diagnostic</a:t>
+            </a:r>
+            <a:r>
+              <a:rPr lang="pl-PL" dirty="0"/>
+              <a:t>-Id</a:t>
+            </a:r>
           </a:p>
           <a:p>
             <a:pPr marL="457200" indent="-457200">
@@ -14162,4 +15882,299 @@
     </a:ext>
   </a:extLst>
 </a:theme>
+</file>
+
+<file path=ppt/theme/theme2.xml><?xml version="1.0" encoding="utf-8"?>
+<a:theme xmlns:a="http://schemas.openxmlformats.org/drawingml/2006/main" name="Motyw pakietu Office">
+  <a:themeElements>
+    <a:clrScheme name="Pakiet Office">
+      <a:dk1>
+        <a:sysClr val="windowText" lastClr="000000"/>
+      </a:dk1>
+      <a:lt1>
+        <a:sysClr val="window" lastClr="FFFFFF"/>
+      </a:lt1>
+      <a:dk2>
+        <a:srgbClr val="44546A"/>
+      </a:dk2>
+      <a:lt2>
+        <a:srgbClr val="E7E6E6"/>
+      </a:lt2>
+      <a:accent1>
+        <a:srgbClr val="4472C4"/>
+      </a:accent1>
+      <a:accent2>
+        <a:srgbClr val="ED7D31"/>
+      </a:accent2>
+      <a:accent3>
+        <a:srgbClr val="A5A5A5"/>
+      </a:accent3>
+      <a:accent4>
+        <a:srgbClr val="FFC000"/>
+      </a:accent4>
+      <a:accent5>
+        <a:srgbClr val="5B9BD5"/>
+      </a:accent5>
+      <a:accent6>
+        <a:srgbClr val="70AD47"/>
+      </a:accent6>
+      <a:hlink>
+        <a:srgbClr val="0563C1"/>
+      </a:hlink>
+      <a:folHlink>
+        <a:srgbClr val="954F72"/>
+      </a:folHlink>
+    </a:clrScheme>
+    <a:fontScheme name="Pakiet Office">
+      <a:majorFont>
+        <a:latin typeface="Calibri Light" panose="020F0302020204030204"/>
+        <a:ea typeface=""/>
+        <a:cs typeface=""/>
+        <a:font script="Jpan" typeface="游ゴシック Light"/>
+        <a:font script="Hang" typeface="맑은 고딕"/>
+        <a:font script="Hans" typeface="等线 Light"/>
+        <a:font script="Hant" typeface="新細明體"/>
+        <a:font script="Arab" typeface="Times New Roman"/>
+        <a:font script="Hebr" typeface="Times New Roman"/>
+        <a:font script="Thai" typeface="Angsana New"/>
+        <a:font script="Ethi" typeface="Nyala"/>
+        <a:font script="Beng" typeface="Vrinda"/>
+        <a:font script="Gujr" typeface="Shruti"/>
+        <a:font script="Khmr" typeface="MoolBoran"/>
+        <a:font script="Knda" typeface="Tunga"/>
+        <a:font script="Guru" typeface="Raavi"/>
+        <a:font script="Cans" typeface="Euphemia"/>
+        <a:font script="Cher" typeface="Plantagenet Cherokee"/>
+        <a:font script="Yiii" typeface="Microsoft Yi Baiti"/>
+        <a:font script="Tibt" typeface="Microsoft Himalaya"/>
+        <a:font script="Thaa" typeface="MV Boli"/>
+        <a:font script="Deva" typeface="Mangal"/>
+        <a:font script="Telu" typeface="Gautami"/>
+        <a:font script="Taml" typeface="Latha"/>
+        <a:font script="Syrc" typeface="Estrangelo Edessa"/>
+        <a:font script="Orya" typeface="Kalinga"/>
+        <a:font script="Mlym" typeface="Kartika"/>
+        <a:font script="Laoo" typeface="DokChampa"/>
+        <a:font script="Sinh" typeface="Iskoola Pota"/>
+        <a:font script="Mong" typeface="Mongolian Baiti"/>
+        <a:font script="Viet" typeface="Times New Roman"/>
+        <a:font script="Uigh" typeface="Microsoft Uighur"/>
+        <a:font script="Geor" typeface="Sylfaen"/>
+        <a:font script="Armn" typeface="Arial"/>
+        <a:font script="Bugi" typeface="Leelawadee UI"/>
+        <a:font script="Bopo" typeface="Microsoft JhengHei"/>
+        <a:font script="Java" typeface="Javanese Text"/>
+        <a:font script="Lisu" typeface="Segoe UI"/>
+        <a:font script="Mymr" typeface="Myanmar Text"/>
+        <a:font script="Nkoo" typeface="Ebrima"/>
+        <a:font script="Olck" typeface="Nirmala UI"/>
+        <a:font script="Osma" typeface="Ebrima"/>
+        <a:font script="Phag" typeface="Phagspa"/>
+        <a:font script="Syrn" typeface="Estrangelo Edessa"/>
+        <a:font script="Syrj" typeface="Estrangelo Edessa"/>
+        <a:font script="Syre" typeface="Estrangelo Edessa"/>
+        <a:font script="Sora" typeface="Nirmala UI"/>
+        <a:font script="Tale" typeface="Microsoft Tai Le"/>
+        <a:font script="Talu" typeface="Microsoft New Tai Lue"/>
+        <a:font script="Tfng" typeface="Ebrima"/>
+      </a:majorFont>
+      <a:minorFont>
+        <a:latin typeface="Calibri" panose="020F0502020204030204"/>
+        <a:ea typeface=""/>
+        <a:cs typeface=""/>
+        <a:font script="Jpan" typeface="游ゴシック"/>
+        <a:font script="Hang" typeface="맑은 고딕"/>
+        <a:font script="Hans" typeface="等线"/>
+        <a:font script="Hant" typeface="新細明體"/>
+        <a:font script="Arab" typeface="Arial"/>
+        <a:font script="Hebr" typeface="Arial"/>
+        <a:font script="Thai" typeface="Cordia New"/>
+        <a:font script="Ethi" typeface="Nyala"/>
+        <a:font script="Beng" typeface="Vrinda"/>
+        <a:font script="Gujr" typeface="Shruti"/>
+        <a:font script="Khmr" typeface="DaunPenh"/>
+        <a:font script="Knda" typeface="Tunga"/>
+        <a:font script="Guru" typeface="Raavi"/>
+        <a:font script="Cans" typeface="Euphemia"/>
+        <a:font script="Cher" typeface="Plantagenet Cherokee"/>
+        <a:font script="Yiii" typeface="Microsoft Yi Baiti"/>
+        <a:font script="Tibt" typeface="Microsoft Himalaya"/>
+        <a:font script="Thaa" typeface="MV Boli"/>
+        <a:font script="Deva" typeface="Mangal"/>
+        <a:font script="Telu" typeface="Gautami"/>
+        <a:font script="Taml" typeface="Latha"/>
+        <a:font script="Syrc" typeface="Estrangelo Edessa"/>
+        <a:font script="Orya" typeface="Kalinga"/>
+        <a:font script="Mlym" typeface="Kartika"/>
+        <a:font script="Laoo" typeface="DokChampa"/>
+        <a:font script="Sinh" typeface="Iskoola Pota"/>
+        <a:font script="Mong" typeface="Mongolian Baiti"/>
+        <a:font script="Viet" typeface="Arial"/>
+        <a:font script="Uigh" typeface="Microsoft Uighur"/>
+        <a:font script="Geor" typeface="Sylfaen"/>
+        <a:font script="Armn" typeface="Arial"/>
+        <a:font script="Bugi" typeface="Leelawadee UI"/>
+        <a:font script="Bopo" typeface="Microsoft JhengHei"/>
+        <a:font script="Java" typeface="Javanese Text"/>
+        <a:font script="Lisu" typeface="Segoe UI"/>
+        <a:font script="Mymr" typeface="Myanmar Text"/>
+        <a:font script="Nkoo" typeface="Ebrima"/>
+        <a:font script="Olck" typeface="Nirmala UI"/>
+        <a:font script="Osma" typeface="Ebrima"/>
+        <a:font script="Phag" typeface="Phagspa"/>
+        <a:font script="Syrn" typeface="Estrangelo Edessa"/>
+        <a:font script="Syrj" typeface="Estrangelo Edessa"/>
+        <a:font script="Syre" typeface="Estrangelo Edessa"/>
+        <a:font script="Sora" typeface="Nirmala UI"/>
+        <a:font script="Tale" typeface="Microsoft Tai Le"/>
+        <a:font script="Talu" typeface="Microsoft New Tai Lue"/>
+        <a:font script="Tfng" typeface="Ebrima"/>
+      </a:minorFont>
+    </a:fontScheme>
+    <a:fmtScheme name="Pakiet Office">
+      <a:fillStyleLst>
+        <a:solidFill>
+          <a:schemeClr val="phClr"/>
+        </a:solidFill>
+        <a:gradFill rotWithShape="1">
+          <a:gsLst>
+            <a:gs pos="0">
+              <a:schemeClr val="phClr">
+                <a:lumMod val="110000"/>
+                <a:satMod val="105000"/>
+                <a:tint val="67000"/>
+              </a:schemeClr>
+            </a:gs>
+            <a:gs pos="50000">
+              <a:schemeClr val="phClr">
+                <a:lumMod val="105000"/>
+                <a:satMod val="103000"/>
+                <a:tint val="73000"/>
+              </a:schemeClr>
+            </a:gs>
+            <a:gs pos="100000">
+              <a:schemeClr val="phClr">
+                <a:lumMod val="105000"/>
+                <a:satMod val="109000"/>
+                <a:tint val="81000"/>
+              </a:schemeClr>
+            </a:gs>
+          </a:gsLst>
+          <a:lin ang="5400000" scaled="0"/>
+        </a:gradFill>
+        <a:gradFill rotWithShape="1">
+          <a:gsLst>
+            <a:gs pos="0">
+              <a:schemeClr val="phClr">
+                <a:satMod val="103000"/>
+                <a:lumMod val="102000"/>
+                <a:tint val="94000"/>
+              </a:schemeClr>
+            </a:gs>
+            <a:gs pos="50000">
+              <a:schemeClr val="phClr">
+                <a:satMod val="110000"/>
+                <a:lumMod val="100000"/>
+                <a:shade val="100000"/>
+              </a:schemeClr>
+            </a:gs>
+            <a:gs pos="100000">
+              <a:schemeClr val="phClr">
+                <a:lumMod val="99000"/>
+                <a:satMod val="120000"/>
+                <a:shade val="78000"/>
+              </a:schemeClr>
+            </a:gs>
+          </a:gsLst>
+          <a:lin ang="5400000" scaled="0"/>
+        </a:gradFill>
+      </a:fillStyleLst>
+      <a:lnStyleLst>
+        <a:ln w="6350" cap="flat" cmpd="sng" algn="ctr">
+          <a:solidFill>
+            <a:schemeClr val="phClr"/>
+          </a:solidFill>
+          <a:prstDash val="solid"/>
+          <a:miter lim="800000"/>
+        </a:ln>
+        <a:ln w="12700" cap="flat" cmpd="sng" algn="ctr">
+          <a:solidFill>
+            <a:schemeClr val="phClr"/>
+          </a:solidFill>
+          <a:prstDash val="solid"/>
+          <a:miter lim="800000"/>
+        </a:ln>
+        <a:ln w="19050" cap="flat" cmpd="sng" algn="ctr">
+          <a:solidFill>
+            <a:schemeClr val="phClr"/>
+          </a:solidFill>
+          <a:prstDash val="solid"/>
+          <a:miter lim="800000"/>
+        </a:ln>
+      </a:lnStyleLst>
+      <a:effectStyleLst>
+        <a:effectStyle>
+          <a:effectLst/>
+        </a:effectStyle>
+        <a:effectStyle>
+          <a:effectLst/>
+        </a:effectStyle>
+        <a:effectStyle>
+          <a:effectLst>
+            <a:outerShdw blurRad="57150" dist="19050" dir="5400000" algn="ctr" rotWithShape="0">
+              <a:srgbClr val="000000">
+                <a:alpha val="63000"/>
+              </a:srgbClr>
+            </a:outerShdw>
+          </a:effectLst>
+        </a:effectStyle>
+      </a:effectStyleLst>
+      <a:bgFillStyleLst>
+        <a:solidFill>
+          <a:schemeClr val="phClr"/>
+        </a:solidFill>
+        <a:solidFill>
+          <a:schemeClr val="phClr">
+            <a:tint val="95000"/>
+            <a:satMod val="170000"/>
+          </a:schemeClr>
+        </a:solidFill>
+        <a:gradFill rotWithShape="1">
+          <a:gsLst>
+            <a:gs pos="0">
+              <a:schemeClr val="phClr">
+                <a:tint val="93000"/>
+                <a:satMod val="150000"/>
+                <a:shade val="98000"/>
+                <a:lumMod val="102000"/>
+              </a:schemeClr>
+            </a:gs>
+            <a:gs pos="50000">
+              <a:schemeClr val="phClr">
+                <a:tint val="98000"/>
+                <a:satMod val="130000"/>
+                <a:shade val="90000"/>
+                <a:lumMod val="103000"/>
+              </a:schemeClr>
+            </a:gs>
+            <a:gs pos="100000">
+              <a:schemeClr val="phClr">
+                <a:shade val="63000"/>
+                <a:satMod val="120000"/>
+              </a:schemeClr>
+            </a:gs>
+          </a:gsLst>
+          <a:lin ang="5400000" scaled="0"/>
+        </a:gradFill>
+      </a:bgFillStyleLst>
+    </a:fmtScheme>
+  </a:themeElements>
+  <a:objectDefaults/>
+  <a:extraClrSchemeLst/>
+  <a:extLst>
+    <a:ext uri="{05A4C25C-085E-4340-85A3-A5531E510DB2}">
+      <thm15:themeFamily xmlns:thm15="http://schemas.microsoft.com/office/thememl/2012/main" name="Office Theme" id="{62F939B6-93AF-4DB8-9C6B-D6C7DFDC589F}" vid="{4A3C46E8-61CC-4603-A589-7422A47A8E4A}"/>
+    </a:ext>
+  </a:extLst>
+</a:theme>
 </file>
--- a/OpenTelemetry.pptx
+++ b/OpenTelemetry.pptx
@@ -221,7 +221,7 @@
           <a:p>
             <a:fld id="{4A81D09A-6402-4B9C-B7A9-002454C21F34}" type="datetimeFigureOut">
               <a:rPr lang="en-GB" smtClean="0"/>
-              <a:t>22/09/2022</a:t>
+              <a:t>23/09/2022</a:t>
             </a:fld>
             <a:endParaRPr lang="en-GB"/>
           </a:p>
@@ -533,6 +533,104 @@
           <a:bodyPr/>
           <a:lstStyle/>
           <a:p>
+            <a:r>
+              <a:rPr lang="pl-PL" dirty="0"/>
+              <a:t>Kiedy aplikacje są rozproszone, gdyż np. nasz ekosystem oparty jest o </a:t>
+            </a:r>
+            <a:r>
+              <a:rPr lang="pl-PL" dirty="0" err="1"/>
+              <a:t>mikroserwisy</a:t>
+            </a:r>
+            <a:r>
+              <a:rPr lang="pl-PL" dirty="0"/>
+              <a:t> lub </a:t>
+            </a:r>
+            <a:r>
+              <a:rPr lang="pl-PL" dirty="0" err="1"/>
+              <a:t>serverless</a:t>
+            </a:r>
+            <a:r>
+              <a:rPr lang="pl-PL" dirty="0"/>
+              <a:t>, wiele rzeczy może się zepsuć lub przestać działać. Nasz kod może być świetnie przetestowany, jednak poszczególne połączenie z serwisu A do B może skończyć się </a:t>
+            </a:r>
+            <a:r>
+              <a:rPr lang="pl-PL" dirty="0" err="1"/>
+              <a:t>timeoutem</a:t>
+            </a:r>
+            <a:r>
+              <a:rPr lang="pl-PL" dirty="0"/>
+              <a:t>, instancja serwisu B może przestać odpowiadać lub właśnie być realokowana przez </a:t>
+            </a:r>
+            <a:r>
+              <a:rPr lang="pl-PL" dirty="0" err="1"/>
+              <a:t>Kubernetesa</a:t>
+            </a:r>
+            <a:r>
+              <a:rPr lang="pl-PL" dirty="0"/>
+              <a:t>, lub nasz głośny sąsiad na tej samej maszynie wirtualnej właśnie robi coś zużywającego dużo zasobów, przez co na chwilę nasz serwis jest stłamszony. </a:t>
+            </a:r>
+            <a:br>
+              <a:rPr lang="pl-PL" dirty="0"/>
+            </a:br>
+            <a:br>
+              <a:rPr lang="pl-PL" dirty="0"/>
+            </a:br>
+            <a:r>
+              <a:rPr lang="pl-PL" dirty="0"/>
+              <a:t>W takich </a:t>
+            </a:r>
+            <a:r>
+              <a:rPr lang="pl-PL" dirty="0" err="1"/>
+              <a:t>architekturach</a:t>
+            </a:r>
+            <a:r>
+              <a:rPr lang="pl-PL" dirty="0"/>
+              <a:t> błędy tego typu są kwestią czasu i musimy się na nie przygotować.</a:t>
+            </a:r>
+            <a:br>
+              <a:rPr lang="pl-PL" dirty="0"/>
+            </a:br>
+            <a:br>
+              <a:rPr lang="pl-PL" dirty="0"/>
+            </a:br>
+            <a:r>
+              <a:rPr lang="pl-PL" dirty="0"/>
+              <a:t>Kiedy już się pojawią, musimy być gotowi na ich identyfikacje, znalezienie przyczyny błędu, poprawkę oraz </a:t>
+            </a:r>
+            <a:r>
+              <a:rPr lang="pl-PL" dirty="0" err="1"/>
+              <a:t>fix</a:t>
+            </a:r>
+            <a:r>
+              <a:rPr lang="pl-PL" dirty="0"/>
+              <a:t> najszybciej jak się da. </a:t>
+            </a:r>
+            <a:br>
+              <a:rPr lang="pl-PL" dirty="0"/>
+            </a:br>
+            <a:br>
+              <a:rPr lang="pl-PL" dirty="0"/>
+            </a:br>
+            <a:r>
+              <a:rPr lang="pl-PL" dirty="0"/>
+              <a:t>Dlatego też w </a:t>
+            </a:r>
+            <a:r>
+              <a:rPr lang="pl-PL" dirty="0" err="1"/>
+              <a:t>architekturach</a:t>
+            </a:r>
+            <a:r>
+              <a:rPr lang="pl-PL" dirty="0"/>
+              <a:t> tego typu powinniśmy zwracać </a:t>
+            </a:r>
+            <a:r>
+              <a:rPr lang="pl-PL" dirty="0" err="1"/>
+              <a:t>szczegółną</a:t>
+            </a:r>
+            <a:r>
+              <a:rPr lang="pl-PL" dirty="0"/>
+              <a:t> uwagę na obserwowalność, aplikacji i infrastruktury.</a:t>
+            </a:r>
             <a:endParaRPr lang="en-GB" dirty="0"/>
           </a:p>
         </p:txBody>
@@ -564,6 +662,972 @@
     <p:extLst>
       <p:ext uri="{BB962C8B-B14F-4D97-AF65-F5344CB8AC3E}">
         <p14:creationId xmlns:p14="http://schemas.microsoft.com/office/powerpoint/2010/main" val="1267569901"/>
+      </p:ext>
+    </p:extLst>
+  </p:cSld>
+  <p:clrMapOvr>
+    <a:masterClrMapping/>
+  </p:clrMapOvr>
+</p:notes>
+</file>
+
+<file path=ppt/notesSlides/notesSlide2.xml><?xml version="1.0" encoding="utf-8"?>
+<p:notes xmlns:a="http://schemas.openxmlformats.org/drawingml/2006/main" xmlns:r="http://schemas.openxmlformats.org/officeDocument/2006/relationships" xmlns:p="http://schemas.openxmlformats.org/presentationml/2006/main">
+  <p:cSld>
+    <p:spTree>
+      <p:nvGrpSpPr>
+        <p:cNvPr id="1" name=""/>
+        <p:cNvGrpSpPr/>
+        <p:nvPr/>
+      </p:nvGrpSpPr>
+      <p:grpSpPr>
+        <a:xfrm>
+          <a:off x="0" y="0"/>
+          <a:ext cx="0" cy="0"/>
+          <a:chOff x="0" y="0"/>
+          <a:chExt cx="0" cy="0"/>
+        </a:xfrm>
+      </p:grpSpPr>
+      <p:sp>
+        <p:nvSpPr>
+          <p:cNvPr id="2" name="Symbol zastępczy obrazu slajdu 1"/>
+          <p:cNvSpPr>
+            <a:spLocks noGrp="1" noRot="1" noChangeAspect="1"/>
+          </p:cNvSpPr>
+          <p:nvPr>
+            <p:ph type="sldImg"/>
+          </p:nvPr>
+        </p:nvSpPr>
+        <p:spPr/>
+      </p:sp>
+      <p:sp>
+        <p:nvSpPr>
+          <p:cNvPr id="3" name="Symbol zastępczy notatek 2"/>
+          <p:cNvSpPr>
+            <a:spLocks noGrp="1"/>
+          </p:cNvSpPr>
+          <p:nvPr>
+            <p:ph type="body" idx="1"/>
+          </p:nvPr>
+        </p:nvSpPr>
+        <p:spPr/>
+        <p:txBody>
+          <a:bodyPr/>
+          <a:lstStyle/>
+          <a:p>
+            <a:r>
+              <a:rPr lang="pl-PL" dirty="0"/>
+              <a:t>Obserwowalność to proces zbierania przydanych danych a aplikacji, które </a:t>
+            </a:r>
+            <a:r>
+              <a:rPr lang="pl-PL" dirty="0" err="1"/>
+              <a:t>pozwolną</a:t>
+            </a:r>
+            <a:r>
+              <a:rPr lang="pl-PL" dirty="0"/>
+              <a:t> nam sprawdzić zachowanie systemu. W przypadku błędu powinniśmy być w stanie zrozumieć co się stało i jakie były tego okoliczności.</a:t>
+            </a:r>
+          </a:p>
+          <a:p>
+            <a:endParaRPr lang="pl-PL" dirty="0"/>
+          </a:p>
+          <a:p>
+            <a:r>
+              <a:rPr lang="pl-PL" dirty="0"/>
+              <a:t>Takie dane możemy podzielić na trzy kategorie. Razem tworzą one filary obserwowalności</a:t>
+            </a:r>
+            <a:endParaRPr lang="en-GB" dirty="0"/>
+          </a:p>
+        </p:txBody>
+      </p:sp>
+      <p:sp>
+        <p:nvSpPr>
+          <p:cNvPr id="4" name="Symbol zastępczy numeru slajdu 3"/>
+          <p:cNvSpPr>
+            <a:spLocks noGrp="1"/>
+          </p:cNvSpPr>
+          <p:nvPr>
+            <p:ph type="sldNum" sz="quarter" idx="5"/>
+          </p:nvPr>
+        </p:nvSpPr>
+        <p:spPr/>
+        <p:txBody>
+          <a:bodyPr/>
+          <a:lstStyle/>
+          <a:p>
+            <a:fld id="{3BB0C5DD-FE4D-4106-B675-022D023C5B47}" type="slidenum">
+              <a:rPr lang="en-GB" smtClean="0"/>
+              <a:t>5</a:t>
+            </a:fld>
+            <a:endParaRPr lang="en-GB"/>
+          </a:p>
+        </p:txBody>
+      </p:sp>
+    </p:spTree>
+    <p:extLst>
+      <p:ext uri="{BB962C8B-B14F-4D97-AF65-F5344CB8AC3E}">
+        <p14:creationId xmlns:p14="http://schemas.microsoft.com/office/powerpoint/2010/main" val="3538954434"/>
+      </p:ext>
+    </p:extLst>
+  </p:cSld>
+  <p:clrMapOvr>
+    <a:masterClrMapping/>
+  </p:clrMapOvr>
+</p:notes>
+</file>
+
+<file path=ppt/notesSlides/notesSlide3.xml><?xml version="1.0" encoding="utf-8"?>
+<p:notes xmlns:a="http://schemas.openxmlformats.org/drawingml/2006/main" xmlns:r="http://schemas.openxmlformats.org/officeDocument/2006/relationships" xmlns:p="http://schemas.openxmlformats.org/presentationml/2006/main">
+  <p:cSld>
+    <p:spTree>
+      <p:nvGrpSpPr>
+        <p:cNvPr id="1" name=""/>
+        <p:cNvGrpSpPr/>
+        <p:nvPr/>
+      </p:nvGrpSpPr>
+      <p:grpSpPr>
+        <a:xfrm>
+          <a:off x="0" y="0"/>
+          <a:ext cx="0" cy="0"/>
+          <a:chOff x="0" y="0"/>
+          <a:chExt cx="0" cy="0"/>
+        </a:xfrm>
+      </p:grpSpPr>
+      <p:sp>
+        <p:nvSpPr>
+          <p:cNvPr id="2" name="Symbol zastępczy obrazu slajdu 1"/>
+          <p:cNvSpPr>
+            <a:spLocks noGrp="1" noRot="1" noChangeAspect="1"/>
+          </p:cNvSpPr>
+          <p:nvPr>
+            <p:ph type="sldImg"/>
+          </p:nvPr>
+        </p:nvSpPr>
+        <p:spPr/>
+      </p:sp>
+      <p:sp>
+        <p:nvSpPr>
+          <p:cNvPr id="3" name="Symbol zastępczy notatek 2"/>
+          <p:cNvSpPr>
+            <a:spLocks noGrp="1"/>
+          </p:cNvSpPr>
+          <p:nvPr>
+            <p:ph type="body" idx="1"/>
+          </p:nvPr>
+        </p:nvSpPr>
+        <p:spPr/>
+        <p:txBody>
+          <a:bodyPr/>
+          <a:lstStyle/>
+          <a:p>
+            <a:r>
+              <a:rPr lang="pl-PL" dirty="0"/>
+              <a:t>Logi, czyli tak naprawdę linie tekstu, często w formie </a:t>
+            </a:r>
+            <a:r>
+              <a:rPr lang="pl-PL" dirty="0" err="1"/>
+              <a:t>ustruktyryzowanej</a:t>
+            </a:r>
+            <a:r>
+              <a:rPr lang="pl-PL" dirty="0"/>
+              <a:t> (np. </a:t>
+            </a:r>
+            <a:r>
+              <a:rPr lang="pl-PL" dirty="0" err="1"/>
+              <a:t>json</a:t>
+            </a:r>
+            <a:r>
+              <a:rPr lang="pl-PL" dirty="0"/>
+              <a:t>, z dodatkowymi właściwościami dla argumentów wiadomości). Możemy o nich myśleć jak o poszczególnych wydarzeniach które wydarzyły się w naszej aplikacji.</a:t>
+            </a:r>
+          </a:p>
+          <a:p>
+            <a:br>
+              <a:rPr lang="pl-PL" dirty="0"/>
+            </a:br>
+            <a:r>
+              <a:rPr lang="pl-PL" dirty="0"/>
+              <a:t>Są łatwe do wygenerowania i agregowania. Są najpopularniejszym filarem obserwowalności, wspierane automatycznie przez większość </a:t>
+            </a:r>
+            <a:r>
+              <a:rPr lang="pl-PL" dirty="0" err="1"/>
+              <a:t>frameworków</a:t>
+            </a:r>
+            <a:r>
+              <a:rPr lang="pl-PL" dirty="0"/>
+              <a:t> i bibliotek.</a:t>
+            </a:r>
+            <a:endParaRPr lang="en-GB" dirty="0"/>
+          </a:p>
+        </p:txBody>
+      </p:sp>
+      <p:sp>
+        <p:nvSpPr>
+          <p:cNvPr id="4" name="Symbol zastępczy numeru slajdu 3"/>
+          <p:cNvSpPr>
+            <a:spLocks noGrp="1"/>
+          </p:cNvSpPr>
+          <p:nvPr>
+            <p:ph type="sldNum" sz="quarter" idx="5"/>
+          </p:nvPr>
+        </p:nvSpPr>
+        <p:spPr/>
+        <p:txBody>
+          <a:bodyPr/>
+          <a:lstStyle/>
+          <a:p>
+            <a:fld id="{3BB0C5DD-FE4D-4106-B675-022D023C5B47}" type="slidenum">
+              <a:rPr lang="en-GB" smtClean="0"/>
+              <a:t>6</a:t>
+            </a:fld>
+            <a:endParaRPr lang="en-GB"/>
+          </a:p>
+        </p:txBody>
+      </p:sp>
+    </p:spTree>
+    <p:extLst>
+      <p:ext uri="{BB962C8B-B14F-4D97-AF65-F5344CB8AC3E}">
+        <p14:creationId xmlns:p14="http://schemas.microsoft.com/office/powerpoint/2010/main" val="765528120"/>
+      </p:ext>
+    </p:extLst>
+  </p:cSld>
+  <p:clrMapOvr>
+    <a:masterClrMapping/>
+  </p:clrMapOvr>
+</p:notes>
+</file>
+
+<file path=ppt/notesSlides/notesSlide4.xml><?xml version="1.0" encoding="utf-8"?>
+<p:notes xmlns:a="http://schemas.openxmlformats.org/drawingml/2006/main" xmlns:r="http://schemas.openxmlformats.org/officeDocument/2006/relationships" xmlns:p="http://schemas.openxmlformats.org/presentationml/2006/main">
+  <p:cSld>
+    <p:spTree>
+      <p:nvGrpSpPr>
+        <p:cNvPr id="1" name=""/>
+        <p:cNvGrpSpPr/>
+        <p:nvPr/>
+      </p:nvGrpSpPr>
+      <p:grpSpPr>
+        <a:xfrm>
+          <a:off x="0" y="0"/>
+          <a:ext cx="0" cy="0"/>
+          <a:chOff x="0" y="0"/>
+          <a:chExt cx="0" cy="0"/>
+        </a:xfrm>
+      </p:grpSpPr>
+      <p:sp>
+        <p:nvSpPr>
+          <p:cNvPr id="2" name="Symbol zastępczy obrazu slajdu 1"/>
+          <p:cNvSpPr>
+            <a:spLocks noGrp="1" noRot="1" noChangeAspect="1"/>
+          </p:cNvSpPr>
+          <p:nvPr>
+            <p:ph type="sldImg"/>
+          </p:nvPr>
+        </p:nvSpPr>
+        <p:spPr/>
+      </p:sp>
+      <p:sp>
+        <p:nvSpPr>
+          <p:cNvPr id="3" name="Symbol zastępczy notatek 2"/>
+          <p:cNvSpPr>
+            <a:spLocks noGrp="1"/>
+          </p:cNvSpPr>
+          <p:nvPr>
+            <p:ph type="body" idx="1"/>
+          </p:nvPr>
+        </p:nvSpPr>
+        <p:spPr/>
+        <p:txBody>
+          <a:bodyPr/>
+          <a:lstStyle/>
+          <a:p>
+            <a:r>
+              <a:rPr lang="pl-PL" dirty="0"/>
+              <a:t>Metryki, czyli wartości numeryczne, które mogą nam wskazywać ogólny stan naszej aplikacji na przestrzeni czasu. Najczęściej są pobierane co regularny odstęp czasu. Są wzbogacone o kilka atrybutów, takich jak nazwa, wartość i </a:t>
+            </a:r>
+            <a:r>
+              <a:rPr lang="pl-PL" dirty="0" err="1"/>
+              <a:t>timestamp</a:t>
+            </a:r>
+            <a:r>
+              <a:rPr lang="pl-PL" dirty="0"/>
+              <a:t>. </a:t>
+            </a:r>
+            <a:br>
+              <a:rPr lang="pl-PL" dirty="0"/>
+            </a:br>
+            <a:r>
+              <a:rPr lang="pl-PL" dirty="0"/>
+              <a:t>Najczęściej wykorzystujemy je do reprezentowania ogólnej sprawności systemu, np. wykorzystując HTTP </a:t>
+            </a:r>
+            <a:r>
+              <a:rPr lang="pl-PL" dirty="0" err="1"/>
+              <a:t>response</a:t>
+            </a:r>
+            <a:r>
+              <a:rPr lang="pl-PL" dirty="0"/>
+              <a:t> </a:t>
+            </a:r>
+            <a:r>
+              <a:rPr lang="pl-PL" dirty="0" err="1"/>
+              <a:t>time</a:t>
+            </a:r>
+            <a:r>
+              <a:rPr lang="pl-PL" dirty="0"/>
+              <a:t>, system </a:t>
+            </a:r>
+            <a:r>
+              <a:rPr lang="pl-PL" dirty="0" err="1"/>
+              <a:t>uptime</a:t>
+            </a:r>
+            <a:r>
+              <a:rPr lang="pl-PL" dirty="0"/>
+              <a:t>, ilość </a:t>
+            </a:r>
+            <a:r>
+              <a:rPr lang="pl-PL" dirty="0" err="1"/>
+              <a:t>requestów</a:t>
+            </a:r>
+            <a:r>
+              <a:rPr lang="pl-PL" dirty="0"/>
+              <a:t> na sekundę, zużycie CPU i </a:t>
+            </a:r>
+            <a:r>
+              <a:rPr lang="pl-PL" dirty="0" err="1"/>
+              <a:t>RAMu</a:t>
+            </a:r>
+            <a:r>
+              <a:rPr lang="pl-PL" dirty="0"/>
+              <a:t>.</a:t>
+            </a:r>
+            <a:br>
+              <a:rPr lang="pl-PL" dirty="0"/>
+            </a:br>
+            <a:br>
+              <a:rPr lang="pl-PL" dirty="0"/>
+            </a:br>
+            <a:r>
+              <a:rPr lang="pl-PL" dirty="0"/>
+              <a:t>Metryki są także lżejsze niż logi, pozwalają na łatwiejszą filtrację i agregację. Dlatego też lepiej nadają się do budowania </a:t>
+            </a:r>
+            <a:r>
+              <a:rPr lang="pl-PL" dirty="0" err="1"/>
+              <a:t>dashboardów</a:t>
+            </a:r>
+            <a:r>
+              <a:rPr lang="pl-PL" dirty="0"/>
+              <a:t> i innych wizualizacji </a:t>
+            </a:r>
+            <a:r>
+              <a:rPr lang="pl-PL" dirty="0" err="1"/>
+              <a:t>niżlogi</a:t>
+            </a:r>
+            <a:r>
+              <a:rPr lang="pl-PL" dirty="0"/>
+              <a:t>.</a:t>
+            </a:r>
+            <a:endParaRPr lang="en-GB" dirty="0"/>
+          </a:p>
+        </p:txBody>
+      </p:sp>
+      <p:sp>
+        <p:nvSpPr>
+          <p:cNvPr id="4" name="Symbol zastępczy numeru slajdu 3"/>
+          <p:cNvSpPr>
+            <a:spLocks noGrp="1"/>
+          </p:cNvSpPr>
+          <p:nvPr>
+            <p:ph type="sldNum" sz="quarter" idx="5"/>
+          </p:nvPr>
+        </p:nvSpPr>
+        <p:spPr/>
+        <p:txBody>
+          <a:bodyPr/>
+          <a:lstStyle/>
+          <a:p>
+            <a:fld id="{3BB0C5DD-FE4D-4106-B675-022D023C5B47}" type="slidenum">
+              <a:rPr lang="en-GB" smtClean="0"/>
+              <a:t>7</a:t>
+            </a:fld>
+            <a:endParaRPr lang="en-GB"/>
+          </a:p>
+        </p:txBody>
+      </p:sp>
+    </p:spTree>
+    <p:extLst>
+      <p:ext uri="{BB962C8B-B14F-4D97-AF65-F5344CB8AC3E}">
+        <p14:creationId xmlns:p14="http://schemas.microsoft.com/office/powerpoint/2010/main" val="263438212"/>
+      </p:ext>
+    </p:extLst>
+  </p:cSld>
+  <p:clrMapOvr>
+    <a:masterClrMapping/>
+  </p:clrMapOvr>
+</p:notes>
+</file>
+
+<file path=ppt/notesSlides/notesSlide5.xml><?xml version="1.0" encoding="utf-8"?>
+<p:notes xmlns:a="http://schemas.openxmlformats.org/drawingml/2006/main" xmlns:r="http://schemas.openxmlformats.org/officeDocument/2006/relationships" xmlns:p="http://schemas.openxmlformats.org/presentationml/2006/main">
+  <p:cSld>
+    <p:spTree>
+      <p:nvGrpSpPr>
+        <p:cNvPr id="1" name=""/>
+        <p:cNvGrpSpPr/>
+        <p:nvPr/>
+      </p:nvGrpSpPr>
+      <p:grpSpPr>
+        <a:xfrm>
+          <a:off x="0" y="0"/>
+          <a:ext cx="0" cy="0"/>
+          <a:chOff x="0" y="0"/>
+          <a:chExt cx="0" cy="0"/>
+        </a:xfrm>
+      </p:grpSpPr>
+      <p:sp>
+        <p:nvSpPr>
+          <p:cNvPr id="2" name="Symbol zastępczy obrazu slajdu 1"/>
+          <p:cNvSpPr>
+            <a:spLocks noGrp="1" noRot="1" noChangeAspect="1"/>
+          </p:cNvSpPr>
+          <p:nvPr>
+            <p:ph type="sldImg"/>
+          </p:nvPr>
+        </p:nvSpPr>
+        <p:spPr/>
+      </p:sp>
+      <p:sp>
+        <p:nvSpPr>
+          <p:cNvPr id="3" name="Symbol zastępczy notatek 2"/>
+          <p:cNvSpPr>
+            <a:spLocks noGrp="1"/>
+          </p:cNvSpPr>
+          <p:nvPr>
+            <p:ph type="body" idx="1"/>
+          </p:nvPr>
+        </p:nvSpPr>
+        <p:spPr/>
+        <p:txBody>
+          <a:bodyPr/>
+          <a:lstStyle/>
+          <a:p>
+            <a:r>
+              <a:rPr lang="pl-PL" dirty="0"/>
+              <a:t>Aby przeanalizować cały czas życia danego HTTP </a:t>
+            </a:r>
+            <a:r>
+              <a:rPr lang="pl-PL" dirty="0" err="1"/>
+              <a:t>requestu</a:t>
+            </a:r>
+            <a:r>
+              <a:rPr lang="pl-PL" dirty="0"/>
+              <a:t> lub innego biznesowego </a:t>
+            </a:r>
+            <a:r>
+              <a:rPr lang="pl-PL" dirty="0" err="1"/>
+              <a:t>flow</a:t>
+            </a:r>
+            <a:r>
+              <a:rPr lang="pl-PL" dirty="0"/>
+              <a:t> potrzebujemy trzeciego filaru obserwowalności zwanego </a:t>
+            </a:r>
+            <a:r>
+              <a:rPr lang="pl-PL" dirty="0" err="1"/>
+              <a:t>Tracingiem</a:t>
+            </a:r>
+            <a:r>
+              <a:rPr lang="pl-PL" dirty="0"/>
+              <a:t>.</a:t>
+            </a:r>
+          </a:p>
+          <a:p>
+            <a:br>
+              <a:rPr lang="pl-PL" dirty="0"/>
+            </a:br>
+            <a:r>
+              <a:rPr lang="pl-PL" dirty="0"/>
+              <a:t>Poszczególny </a:t>
+            </a:r>
+            <a:r>
+              <a:rPr lang="pl-PL" dirty="0" err="1"/>
+              <a:t>trace</a:t>
+            </a:r>
+            <a:r>
+              <a:rPr lang="pl-PL" dirty="0"/>
+              <a:t> reprezentuje historię danego </a:t>
+            </a:r>
+            <a:r>
+              <a:rPr lang="pl-PL" dirty="0" err="1"/>
+              <a:t>requestu</a:t>
+            </a:r>
+            <a:r>
+              <a:rPr lang="pl-PL" dirty="0"/>
+              <a:t> lub akcji, wraz z komunikacją pomiędzy serwisami, aplikacjami, bazą danych, kolejkami itd. Za pomocą </a:t>
+            </a:r>
+            <a:r>
+              <a:rPr lang="pl-PL" dirty="0" err="1"/>
+              <a:t>trace’ów</a:t>
+            </a:r>
+            <a:r>
+              <a:rPr lang="pl-PL" dirty="0"/>
+              <a:t> możemy sprawdzić ogólny stan naszych </a:t>
+            </a:r>
+            <a:r>
+              <a:rPr lang="pl-PL" dirty="0" err="1"/>
+              <a:t>flow</a:t>
+            </a:r>
+            <a:r>
+              <a:rPr lang="pl-PL" dirty="0"/>
+              <a:t> w systemie, znaleźć wąskie gardła i </a:t>
+            </a:r>
+            <a:r>
+              <a:rPr lang="pl-PL" dirty="0" err="1"/>
+              <a:t>spriorytetyzować</a:t>
+            </a:r>
+            <a:r>
+              <a:rPr lang="pl-PL" dirty="0"/>
+              <a:t> optymalizacje.</a:t>
+            </a:r>
+            <a:br>
+              <a:rPr lang="pl-PL" dirty="0"/>
+            </a:br>
+            <a:br>
+              <a:rPr lang="pl-PL" dirty="0"/>
+            </a:br>
+            <a:r>
+              <a:rPr lang="pl-PL" dirty="0"/>
+              <a:t>Możemy tworzyć takie </a:t>
+            </a:r>
+            <a:r>
+              <a:rPr lang="pl-PL" dirty="0" err="1"/>
+              <a:t>trace’y</a:t>
+            </a:r>
+            <a:r>
+              <a:rPr lang="pl-PL" dirty="0"/>
+              <a:t> ręcznie, jednak na rynku istnieje wiele bibliotek które mogą zrobić to dla nas automatycznie, np. przechwytując wychodzące zapytanie HTTP, komunikacje z bazą danych itd..</a:t>
+            </a:r>
+          </a:p>
+        </p:txBody>
+      </p:sp>
+      <p:sp>
+        <p:nvSpPr>
+          <p:cNvPr id="4" name="Symbol zastępczy numeru slajdu 3"/>
+          <p:cNvSpPr>
+            <a:spLocks noGrp="1"/>
+          </p:cNvSpPr>
+          <p:nvPr>
+            <p:ph type="sldNum" sz="quarter" idx="5"/>
+          </p:nvPr>
+        </p:nvSpPr>
+        <p:spPr/>
+        <p:txBody>
+          <a:bodyPr/>
+          <a:lstStyle/>
+          <a:p>
+            <a:fld id="{3BB0C5DD-FE4D-4106-B675-022D023C5B47}" type="slidenum">
+              <a:rPr lang="en-GB" smtClean="0"/>
+              <a:t>8</a:t>
+            </a:fld>
+            <a:endParaRPr lang="en-GB"/>
+          </a:p>
+        </p:txBody>
+      </p:sp>
+    </p:spTree>
+    <p:extLst>
+      <p:ext uri="{BB962C8B-B14F-4D97-AF65-F5344CB8AC3E}">
+        <p14:creationId xmlns:p14="http://schemas.microsoft.com/office/powerpoint/2010/main" val="4200798866"/>
+      </p:ext>
+    </p:extLst>
+  </p:cSld>
+  <p:clrMapOvr>
+    <a:masterClrMapping/>
+  </p:clrMapOvr>
+</p:notes>
+</file>
+
+<file path=ppt/notesSlides/notesSlide6.xml><?xml version="1.0" encoding="utf-8"?>
+<p:notes xmlns:a="http://schemas.openxmlformats.org/drawingml/2006/main" xmlns:r="http://schemas.openxmlformats.org/officeDocument/2006/relationships" xmlns:p="http://schemas.openxmlformats.org/presentationml/2006/main">
+  <p:cSld>
+    <p:spTree>
+      <p:nvGrpSpPr>
+        <p:cNvPr id="1" name=""/>
+        <p:cNvGrpSpPr/>
+        <p:nvPr/>
+      </p:nvGrpSpPr>
+      <p:grpSpPr>
+        <a:xfrm>
+          <a:off x="0" y="0"/>
+          <a:ext cx="0" cy="0"/>
+          <a:chOff x="0" y="0"/>
+          <a:chExt cx="0" cy="0"/>
+        </a:xfrm>
+      </p:grpSpPr>
+      <p:sp>
+        <p:nvSpPr>
+          <p:cNvPr id="2" name="Symbol zastępczy obrazu slajdu 1"/>
+          <p:cNvSpPr>
+            <a:spLocks noGrp="1" noRot="1" noChangeAspect="1"/>
+          </p:cNvSpPr>
+          <p:nvPr>
+            <p:ph type="sldImg"/>
+          </p:nvPr>
+        </p:nvSpPr>
+        <p:spPr/>
+      </p:sp>
+      <p:sp>
+        <p:nvSpPr>
+          <p:cNvPr id="3" name="Symbol zastępczy notatek 2"/>
+          <p:cNvSpPr>
+            <a:spLocks noGrp="1"/>
+          </p:cNvSpPr>
+          <p:nvPr>
+            <p:ph type="body" idx="1"/>
+          </p:nvPr>
+        </p:nvSpPr>
+        <p:spPr/>
+        <p:txBody>
+          <a:bodyPr/>
+          <a:lstStyle/>
+          <a:p>
+            <a:r>
+              <a:rPr lang="pl-PL" dirty="0"/>
+              <a:t>Spróbujmy wyobrazić sobie zaawansowana architekturę opartą o </a:t>
+            </a:r>
+            <a:r>
+              <a:rPr lang="pl-PL" dirty="0" err="1"/>
+              <a:t>mikroserwisy</a:t>
+            </a:r>
+            <a:r>
+              <a:rPr lang="pl-PL" dirty="0"/>
+              <a:t>, np. sklep </a:t>
+            </a:r>
+            <a:r>
+              <a:rPr lang="pl-PL" dirty="0" err="1"/>
+              <a:t>amazona</a:t>
+            </a:r>
+            <a:r>
+              <a:rPr lang="pl-PL" dirty="0"/>
+              <a:t>. Widzimy tutaj wiele aplikacji pracujących na 5 różnych warstwach. Bez </a:t>
+            </a:r>
+            <a:r>
+              <a:rPr lang="pl-PL" dirty="0" err="1"/>
+              <a:t>traceingu</a:t>
+            </a:r>
+            <a:r>
+              <a:rPr lang="pl-PL" dirty="0"/>
+              <a:t> trudno jest dokładnie prześledzić danych </a:t>
+            </a:r>
+            <a:r>
+              <a:rPr lang="pl-PL" dirty="0" err="1"/>
+              <a:t>flow</a:t>
+            </a:r>
+            <a:r>
+              <a:rPr lang="pl-PL" dirty="0"/>
+              <a:t> pomiędzy warstwami. Natomiast przy użyciu </a:t>
+            </a:r>
+            <a:r>
+              <a:rPr lang="pl-PL" dirty="0" err="1"/>
+              <a:t>distributed</a:t>
+            </a:r>
+            <a:r>
+              <a:rPr lang="pl-PL" dirty="0"/>
+              <a:t> </a:t>
+            </a:r>
+            <a:r>
+              <a:rPr lang="pl-PL" dirty="0" err="1"/>
+              <a:t>tracing</a:t>
+            </a:r>
+            <a:r>
+              <a:rPr lang="pl-PL" dirty="0"/>
+              <a:t> mamy łatwy i szybki podgląd na dany </a:t>
+            </a:r>
+            <a:r>
+              <a:rPr lang="pl-PL" dirty="0" err="1"/>
+              <a:t>flow</a:t>
+            </a:r>
+            <a:r>
+              <a:rPr lang="pl-PL" dirty="0"/>
+              <a:t>, możemy sprawdzić </a:t>
+            </a:r>
+            <a:r>
+              <a:rPr lang="pl-PL" dirty="0" err="1"/>
+              <a:t>któe</a:t>
+            </a:r>
+            <a:r>
+              <a:rPr lang="pl-PL" dirty="0"/>
+              <a:t> serwisy były zaangażowane i jednocześnie prześledzić poszczególne czasy wywołania do każdego z nich.</a:t>
+            </a:r>
+            <a:endParaRPr lang="en-GB" dirty="0"/>
+          </a:p>
+        </p:txBody>
+      </p:sp>
+      <p:sp>
+        <p:nvSpPr>
+          <p:cNvPr id="4" name="Symbol zastępczy numeru slajdu 3"/>
+          <p:cNvSpPr>
+            <a:spLocks noGrp="1"/>
+          </p:cNvSpPr>
+          <p:nvPr>
+            <p:ph type="sldNum" sz="quarter" idx="5"/>
+          </p:nvPr>
+        </p:nvSpPr>
+        <p:spPr/>
+        <p:txBody>
+          <a:bodyPr/>
+          <a:lstStyle/>
+          <a:p>
+            <a:fld id="{3BB0C5DD-FE4D-4106-B675-022D023C5B47}" type="slidenum">
+              <a:rPr lang="en-GB" smtClean="0"/>
+              <a:t>9</a:t>
+            </a:fld>
+            <a:endParaRPr lang="en-GB"/>
+          </a:p>
+        </p:txBody>
+      </p:sp>
+    </p:spTree>
+    <p:extLst>
+      <p:ext uri="{BB962C8B-B14F-4D97-AF65-F5344CB8AC3E}">
+        <p14:creationId xmlns:p14="http://schemas.microsoft.com/office/powerpoint/2010/main" val="854042347"/>
+      </p:ext>
+    </p:extLst>
+  </p:cSld>
+  <p:clrMapOvr>
+    <a:masterClrMapping/>
+  </p:clrMapOvr>
+</p:notes>
+</file>
+
+<file path=ppt/notesSlides/notesSlide7.xml><?xml version="1.0" encoding="utf-8"?>
+<p:notes xmlns:a="http://schemas.openxmlformats.org/drawingml/2006/main" xmlns:r="http://schemas.openxmlformats.org/officeDocument/2006/relationships" xmlns:p="http://schemas.openxmlformats.org/presentationml/2006/main">
+  <p:cSld>
+    <p:spTree>
+      <p:nvGrpSpPr>
+        <p:cNvPr id="1" name=""/>
+        <p:cNvGrpSpPr/>
+        <p:nvPr/>
+      </p:nvGrpSpPr>
+      <p:grpSpPr>
+        <a:xfrm>
+          <a:off x="0" y="0"/>
+          <a:ext cx="0" cy="0"/>
+          <a:chOff x="0" y="0"/>
+          <a:chExt cx="0" cy="0"/>
+        </a:xfrm>
+      </p:grpSpPr>
+      <p:sp>
+        <p:nvSpPr>
+          <p:cNvPr id="2" name="Symbol zastępczy obrazu slajdu 1"/>
+          <p:cNvSpPr>
+            <a:spLocks noGrp="1" noRot="1" noChangeAspect="1"/>
+          </p:cNvSpPr>
+          <p:nvPr>
+            <p:ph type="sldImg"/>
+          </p:nvPr>
+        </p:nvSpPr>
+        <p:spPr/>
+      </p:sp>
+      <p:sp>
+        <p:nvSpPr>
+          <p:cNvPr id="3" name="Symbol zastępczy notatek 2"/>
+          <p:cNvSpPr>
+            <a:spLocks noGrp="1"/>
+          </p:cNvSpPr>
+          <p:nvPr>
+            <p:ph type="body" idx="1"/>
+          </p:nvPr>
+        </p:nvSpPr>
+        <p:spPr/>
+        <p:txBody>
+          <a:bodyPr/>
+          <a:lstStyle/>
+          <a:p>
+            <a:r>
+              <a:rPr lang="pl-PL" dirty="0" err="1"/>
+              <a:t>OpenTracing</a:t>
+            </a:r>
+            <a:r>
+              <a:rPr lang="pl-PL" dirty="0"/>
+              <a:t> jest to </a:t>
+            </a:r>
+            <a:r>
+              <a:rPr lang="pl-PL" dirty="0" err="1"/>
+              <a:t>ustandarozywane</a:t>
+            </a:r>
+            <a:r>
+              <a:rPr lang="pl-PL" dirty="0"/>
+              <a:t> API pozwalające na rozproszony </a:t>
+            </a:r>
+            <a:r>
+              <a:rPr lang="pl-PL" dirty="0" err="1"/>
+              <a:t>tracing</a:t>
+            </a:r>
+            <a:r>
+              <a:rPr lang="pl-PL" dirty="0"/>
+              <a:t>. Dodatkowo zapewnia specyfikacje, dzięki której programiści mogą dodawać instrumentacje do własnych serwisów czy bibliotek. Powstało również wiele paczek, które ułatwiają integrację, jednak nie wszystko jest out of the </a:t>
+            </a:r>
+            <a:r>
+              <a:rPr lang="pl-PL" dirty="0" err="1"/>
+              <a:t>box</a:t>
+            </a:r>
+            <a:r>
+              <a:rPr lang="pl-PL" dirty="0"/>
+              <a:t>. Projekt oryginalnie był tworzony przez Ubera.</a:t>
+            </a:r>
+          </a:p>
+          <a:p>
+            <a:endParaRPr lang="pl-PL" dirty="0"/>
+          </a:p>
+          <a:p>
+            <a:r>
+              <a:rPr lang="pl-PL" dirty="0"/>
+              <a:t>W styczniu 2018 opublikowało open </a:t>
+            </a:r>
+            <a:r>
+              <a:rPr lang="pl-PL" dirty="0" err="1"/>
+              <a:t>source</a:t>
+            </a:r>
+            <a:r>
+              <a:rPr lang="pl-PL" dirty="0"/>
+              <a:t> swoje wewnętrzne narzędzie o nazwie </a:t>
+            </a:r>
+            <a:r>
+              <a:rPr lang="pl-PL" dirty="0" err="1"/>
+              <a:t>OpenCensus</a:t>
+            </a:r>
+            <a:r>
+              <a:rPr lang="pl-PL" dirty="0"/>
+              <a:t>, który był kolekcją bibliotek do instrumentacji aplikacji, zbierania metryk i eksportowania ich do wspieranego </a:t>
+            </a:r>
+            <a:r>
+              <a:rPr lang="pl-PL" dirty="0" err="1"/>
+              <a:t>backendu</a:t>
+            </a:r>
+            <a:r>
+              <a:rPr lang="pl-PL" dirty="0"/>
+              <a:t>.</a:t>
+            </a:r>
+            <a:endParaRPr lang="en-GB" dirty="0"/>
+          </a:p>
+        </p:txBody>
+      </p:sp>
+      <p:sp>
+        <p:nvSpPr>
+          <p:cNvPr id="4" name="Symbol zastępczy numeru slajdu 3"/>
+          <p:cNvSpPr>
+            <a:spLocks noGrp="1"/>
+          </p:cNvSpPr>
+          <p:nvPr>
+            <p:ph type="sldNum" sz="quarter" idx="5"/>
+          </p:nvPr>
+        </p:nvSpPr>
+        <p:spPr/>
+        <p:txBody>
+          <a:bodyPr/>
+          <a:lstStyle/>
+          <a:p>
+            <a:fld id="{3BB0C5DD-FE4D-4106-B675-022D023C5B47}" type="slidenum">
+              <a:rPr lang="en-GB" smtClean="0"/>
+              <a:t>10</a:t>
+            </a:fld>
+            <a:endParaRPr lang="en-GB"/>
+          </a:p>
+        </p:txBody>
+      </p:sp>
+    </p:spTree>
+    <p:extLst>
+      <p:ext uri="{BB962C8B-B14F-4D97-AF65-F5344CB8AC3E}">
+        <p14:creationId xmlns:p14="http://schemas.microsoft.com/office/powerpoint/2010/main" val="3826786094"/>
+      </p:ext>
+    </p:extLst>
+  </p:cSld>
+  <p:clrMapOvr>
+    <a:masterClrMapping/>
+  </p:clrMapOvr>
+</p:notes>
+</file>
+
+<file path=ppt/notesSlides/notesSlide8.xml><?xml version="1.0" encoding="utf-8"?>
+<p:notes xmlns:a="http://schemas.openxmlformats.org/drawingml/2006/main" xmlns:r="http://schemas.openxmlformats.org/officeDocument/2006/relationships" xmlns:p="http://schemas.openxmlformats.org/presentationml/2006/main">
+  <p:cSld>
+    <p:spTree>
+      <p:nvGrpSpPr>
+        <p:cNvPr id="1" name=""/>
+        <p:cNvGrpSpPr/>
+        <p:nvPr/>
+      </p:nvGrpSpPr>
+      <p:grpSpPr>
+        <a:xfrm>
+          <a:off x="0" y="0"/>
+          <a:ext cx="0" cy="0"/>
+          <a:chOff x="0" y="0"/>
+          <a:chExt cx="0" cy="0"/>
+        </a:xfrm>
+      </p:grpSpPr>
+      <p:sp>
+        <p:nvSpPr>
+          <p:cNvPr id="2" name="Symbol zastępczy obrazu slajdu 1"/>
+          <p:cNvSpPr>
+            <a:spLocks noGrp="1" noRot="1" noChangeAspect="1"/>
+          </p:cNvSpPr>
+          <p:nvPr>
+            <p:ph type="sldImg"/>
+          </p:nvPr>
+        </p:nvSpPr>
+        <p:spPr/>
+      </p:sp>
+      <p:sp>
+        <p:nvSpPr>
+          <p:cNvPr id="3" name="Symbol zastępczy notatek 2"/>
+          <p:cNvSpPr>
+            <a:spLocks noGrp="1"/>
+          </p:cNvSpPr>
+          <p:nvPr>
+            <p:ph type="body" idx="1"/>
+          </p:nvPr>
+        </p:nvSpPr>
+        <p:spPr/>
+        <p:txBody>
+          <a:bodyPr/>
+          <a:lstStyle/>
+          <a:p>
+            <a:r>
+              <a:rPr lang="pl-PL" dirty="0"/>
+              <a:t>W marcu </a:t>
+            </a:r>
+            <a:r>
+              <a:rPr lang="pl-PL"/>
+              <a:t>2019r komitet</a:t>
+            </a:r>
+            <a:endParaRPr lang="en-GB"/>
+          </a:p>
+        </p:txBody>
+      </p:sp>
+      <p:sp>
+        <p:nvSpPr>
+          <p:cNvPr id="4" name="Symbol zastępczy numeru slajdu 3"/>
+          <p:cNvSpPr>
+            <a:spLocks noGrp="1"/>
+          </p:cNvSpPr>
+          <p:nvPr>
+            <p:ph type="sldNum" sz="quarter" idx="5"/>
+          </p:nvPr>
+        </p:nvSpPr>
+        <p:spPr/>
+        <p:txBody>
+          <a:bodyPr/>
+          <a:lstStyle/>
+          <a:p>
+            <a:fld id="{3BB0C5DD-FE4D-4106-B675-022D023C5B47}" type="slidenum">
+              <a:rPr lang="en-GB" smtClean="0"/>
+              <a:t>11</a:t>
+            </a:fld>
+            <a:endParaRPr lang="en-GB"/>
+          </a:p>
+        </p:txBody>
+      </p:sp>
+    </p:spTree>
+    <p:extLst>
+      <p:ext uri="{BB962C8B-B14F-4D97-AF65-F5344CB8AC3E}">
+        <p14:creationId xmlns:p14="http://schemas.microsoft.com/office/powerpoint/2010/main" val="3482304534"/>
       </p:ext>
     </p:extLst>
   </p:cSld>
@@ -800,7 +1864,7 @@
             <a:fld id="{5923F103-BC34-4FE4-A40E-EDDEECFDA5D0}" type="datetimeFigureOut">
               <a:rPr lang="en-US" smtClean="0"/>
               <a:pPr/>
-              <a:t>9/22/2022</a:t>
+              <a:t>9/23/2022</a:t>
             </a:fld>
             <a:endParaRPr lang="en-US" dirty="0"/>
           </a:p>
@@ -1009,7 +2073,7 @@
           <a:p>
             <a:fld id="{53086D93-FCAC-47E0-A2EE-787E62CA814C}" type="datetimeFigureOut">
               <a:rPr lang="en-US" smtClean="0"/>
-              <a:t>9/22/2022</a:t>
+              <a:t>9/23/2022</a:t>
             </a:fld>
             <a:endParaRPr lang="en-US" dirty="0"/>
           </a:p>
@@ -1266,7 +2330,7 @@
           <a:p>
             <a:fld id="{CDA879A6-0FD0-4734-A311-86BFCA472E6E}" type="datetimeFigureOut">
               <a:rPr lang="en-US" smtClean="0"/>
-              <a:t>9/22/2022</a:t>
+              <a:t>9/23/2022</a:t>
             </a:fld>
             <a:endParaRPr lang="en-US" dirty="0"/>
           </a:p>
@@ -1437,7 +2501,7 @@
           <a:p>
             <a:fld id="{19C9CA7B-DFD4-44B5-8C60-D14B8CD1FB59}" type="datetimeFigureOut">
               <a:rPr lang="en-US" smtClean="0"/>
-              <a:t>9/22/2022</a:t>
+              <a:t>9/23/2022</a:t>
             </a:fld>
             <a:endParaRPr lang="en-US" dirty="0"/>
           </a:p>
@@ -1781,7 +2845,7 @@
           <a:p>
             <a:fld id="{F34E6425-0181-43F2-84FC-787E803FD2F8}" type="datetimeFigureOut">
               <a:rPr lang="en-US" smtClean="0"/>
-              <a:t>9/22/2022</a:t>
+              <a:t>9/23/2022</a:t>
             </a:fld>
             <a:endParaRPr lang="en-US" dirty="0"/>
           </a:p>
@@ -2057,7 +3121,7 @@
           <a:p>
             <a:fld id="{3BDB8791-F1B0-41E7-B7FD-A781E65C4266}" type="datetimeFigureOut">
               <a:rPr lang="en-US" smtClean="0"/>
-              <a:t>9/22/2022</a:t>
+              <a:t>9/23/2022</a:t>
             </a:fld>
             <a:endParaRPr lang="en-US" dirty="0"/>
           </a:p>
@@ -2437,7 +3501,7 @@
           <a:p>
             <a:fld id="{5FDD63B2-E120-4ED8-B27B-C685F510A5FE}" type="datetimeFigureOut">
               <a:rPr lang="en-US" smtClean="0"/>
-              <a:t>9/22/2022</a:t>
+              <a:t>9/23/2022</a:t>
             </a:fld>
             <a:endParaRPr lang="en-US" dirty="0"/>
           </a:p>
@@ -2556,7 +3620,7 @@
           <a:p>
             <a:fld id="{7AA18ACC-A947-437B-A130-35BD54FDF1E9}" type="datetimeFigureOut">
               <a:rPr lang="en-US" smtClean="0"/>
-              <a:t>9/22/2022</a:t>
+              <a:t>9/23/2022</a:t>
             </a:fld>
             <a:endParaRPr lang="en-US" dirty="0"/>
           </a:p>
@@ -2728,7 +3792,7 @@
           <a:p>
             <a:fld id="{7C8D7E02-BCB8-4D50-A234-369438C08659}" type="datetimeFigureOut">
               <a:rPr lang="en-US" smtClean="0"/>
-              <a:t>9/22/2022</a:t>
+              <a:t>9/23/2022</a:t>
             </a:fld>
             <a:endParaRPr lang="en-US" dirty="0"/>
           </a:p>
@@ -3083,7 +4147,7 @@
           <a:p>
             <a:fld id="{76E86A4C-8E40-4F87-A4F0-01A0687C5742}" type="datetimeFigureOut">
               <a:rPr lang="en-US" smtClean="0"/>
-              <a:t>9/22/2022</a:t>
+              <a:t>9/23/2022</a:t>
             </a:fld>
             <a:endParaRPr lang="en-US" dirty="0"/>
           </a:p>
@@ -3461,7 +4525,7 @@
           <a:p>
             <a:fld id="{35E72C73-2D91-4E12-BA25-F0AA0C03599B}" type="datetimeFigureOut">
               <a:rPr lang="en-US" smtClean="0"/>
-              <a:t>9/22/2022</a:t>
+              <a:t>9/23/2022</a:t>
             </a:fld>
             <a:endParaRPr lang="en-US" dirty="0"/>
           </a:p>
@@ -3749,7 +4813,7 @@
           <a:p>
             <a:fld id="{2BE451C3-0FF4-47C4-B829-773ADF60F88C}" type="datetimeFigureOut">
               <a:rPr lang="en-US" smtClean="0"/>
-              <a:t>9/22/2022</a:t>
+              <a:t>9/23/2022</a:t>
             </a:fld>
             <a:endParaRPr lang="en-US" dirty="0"/>
           </a:p>
@@ -4527,75 +5591,11 @@
             </a:r>
             <a:r>
               <a:rPr lang="pl-PL" dirty="0"/>
-              <a:t> Native Computing Foundation. It </a:t>
-            </a:r>
-            <a:r>
-              <a:rPr lang="pl-PL" dirty="0" err="1"/>
-              <a:t>brings</a:t>
-            </a:r>
-            <a:r>
-              <a:rPr lang="pl-PL" dirty="0"/>
-              <a:t> open </a:t>
-            </a:r>
-            <a:r>
-              <a:rPr lang="pl-PL" dirty="0" err="1"/>
-              <a:t>source</a:t>
-            </a:r>
-            <a:r>
-              <a:rPr lang="pl-PL" dirty="0"/>
-              <a:t> </a:t>
-            </a:r>
-            <a:r>
-              <a:rPr lang="pl-PL" dirty="0" err="1"/>
-              <a:t>APIs</a:t>
-            </a:r>
-            <a:r>
-              <a:rPr lang="pl-PL" dirty="0"/>
-              <a:t>, </a:t>
-            </a:r>
-            <a:r>
-              <a:rPr lang="pl-PL" dirty="0" err="1"/>
-              <a:t>libraries</a:t>
-            </a:r>
-            <a:r>
-              <a:rPr lang="pl-PL" dirty="0"/>
-              <a:t> and a platform-</a:t>
-            </a:r>
-            <a:r>
-              <a:rPr lang="pl-PL" dirty="0" err="1"/>
-              <a:t>agnostic</a:t>
-            </a:r>
-            <a:r>
-              <a:rPr lang="pl-PL" dirty="0"/>
-              <a:t> </a:t>
-            </a:r>
-            <a:r>
-              <a:rPr lang="pl-PL" dirty="0" err="1"/>
-              <a:t>schema</a:t>
-            </a:r>
-            <a:r>
-              <a:rPr lang="pl-PL" dirty="0"/>
-              <a:t> for </a:t>
-            </a:r>
-            <a:r>
-              <a:rPr lang="pl-PL" dirty="0" err="1"/>
-              <a:t>distributed</a:t>
-            </a:r>
-            <a:r>
-              <a:rPr lang="pl-PL" dirty="0"/>
-              <a:t> </a:t>
-            </a:r>
-            <a:r>
-              <a:rPr lang="pl-PL" dirty="0" err="1"/>
-              <a:t>tracing</a:t>
-            </a:r>
-            <a:r>
-              <a:rPr lang="pl-PL" dirty="0"/>
-              <a:t>. </a:t>
+              <a:t> Native Computing Foundation. A</a:t>
             </a:r>
             <a:r>
               <a:rPr lang="en-GB" dirty="0"/>
-              <a:t>The authors of the </a:t>
+              <a:t> standardized API for tracing and provides a specification that developers can use to instrument their own services or libraries for distributed tracing. </a:t>
             </a:r>
             <a:r>
               <a:rPr lang="en-GB" dirty="0" err="1"/>
@@ -4603,11 +5603,19 @@
             </a:r>
             <a:r>
               <a:rPr lang="en-GB" dirty="0"/>
-              <a:t> project wanted to provide a standard mechanism for instrumentation that does not bind any library or package to any specific vendor.</a:t>
-            </a:r>
-            <a:r>
-              <a:rPr lang="pl-PL" dirty="0"/>
-              <a:t> The </a:t>
+              <a:t> also provides a way for developers to collect metrics, </a:t>
+            </a:r>
+            <a:r>
+              <a:rPr lang="pl-PL" dirty="0"/>
+              <a:t>but</a:t>
+            </a:r>
+            <a:r>
+              <a:rPr lang="en-GB" dirty="0"/>
+              <a:t> it’s not an out-of-the-box Implementation</a:t>
+            </a:r>
+            <a:r>
+              <a:rPr lang="pl-PL" dirty="0"/>
+              <a:t>. The </a:t>
             </a:r>
             <a:r>
               <a:rPr lang="pl-PL" dirty="0" err="1"/>
@@ -4658,110 +5666,16 @@
             </a:r>
             <a:r>
               <a:rPr lang="pl-PL" dirty="0"/>
-              <a:t>, a </a:t>
-            </a:r>
-            <a:r>
-              <a:rPr lang="pl-PL" dirty="0" err="1"/>
-              <a:t>vendor-neutral</a:t>
-            </a:r>
-            <a:r>
-              <a:rPr lang="pl-PL" dirty="0"/>
-              <a:t> </a:t>
-            </a:r>
-            <a:r>
-              <a:rPr lang="pl-PL" dirty="0" err="1"/>
-              <a:t>library</a:t>
-            </a:r>
-            <a:r>
-              <a:rPr lang="pl-PL" dirty="0"/>
-              <a:t> for </a:t>
-            </a:r>
-            <a:r>
-              <a:rPr lang="pl-PL" dirty="0" err="1"/>
-              <a:t>collecting</a:t>
-            </a:r>
-            <a:r>
-              <a:rPr lang="pl-PL" dirty="0"/>
-              <a:t> </a:t>
-            </a:r>
-            <a:r>
-              <a:rPr lang="pl-PL" dirty="0" err="1">
-                <a:solidFill>
-                  <a:srgbClr val="425CC7"/>
-                </a:solidFill>
-              </a:rPr>
-              <a:t>metrics</a:t>
-            </a:r>
-            <a:r>
-              <a:rPr lang="pl-PL" dirty="0"/>
-              <a:t> and </a:t>
-            </a:r>
-            <a:r>
-              <a:rPr lang="pl-PL" dirty="0" err="1">
-                <a:solidFill>
-                  <a:srgbClr val="425CC7"/>
-                </a:solidFill>
-              </a:rPr>
-              <a:t>traces</a:t>
-            </a:r>
-            <a:r>
-              <a:rPr lang="pl-PL" dirty="0"/>
-              <a:t>. </a:t>
-            </a:r>
-          </a:p>
-          <a:p>
-            <a:pPr algn="just"/>
+              <a:t>, </a:t>
+            </a:r>
             <a:r>
               <a:rPr lang="en-GB" dirty="0"/>
-              <a:t>The </a:t>
-            </a:r>
-            <a:r>
-              <a:rPr lang="en-GB" dirty="0" err="1">
-                <a:solidFill>
-                  <a:srgbClr val="425CC7"/>
-                </a:solidFill>
-              </a:rPr>
-              <a:t>OpenTracing</a:t>
-            </a:r>
-            <a:r>
-              <a:rPr lang="en-GB" dirty="0"/>
-              <a:t> API makes it simple to change a preferred storage backend but relies on you to implement your own tracers that </a:t>
-            </a:r>
-            <a:r>
-              <a:rPr lang="pl-PL" dirty="0" err="1"/>
-              <a:t>must</a:t>
-            </a:r>
-            <a:r>
-              <a:rPr lang="pl-PL" dirty="0"/>
-              <a:t> be </a:t>
-            </a:r>
-            <a:r>
-              <a:rPr lang="en-GB" dirty="0"/>
-              <a:t>compatible with the specifications of the project. </a:t>
-            </a:r>
-            <a:br>
-              <a:rPr lang="pl-PL" dirty="0"/>
-            </a:br>
-            <a:endParaRPr lang="pl-PL" dirty="0"/>
-          </a:p>
-          <a:p>
-            <a:pPr algn="just"/>
-            <a:r>
-              <a:rPr lang="en-GB" dirty="0" err="1">
-                <a:solidFill>
-                  <a:srgbClr val="FFC000"/>
-                </a:solidFill>
-              </a:rPr>
-              <a:t>OpenCensus</a:t>
-            </a:r>
-            <a:r>
-              <a:rPr lang="en-GB" dirty="0"/>
-              <a:t> is built to include multiple backend exports automatically, it only supports the collection of various data types based on the backend and language.</a:t>
-            </a:r>
-          </a:p>
-          <a:p>
-            <a:pPr algn="just"/>
-            <a:endParaRPr lang="pl-PL" dirty="0"/>
+              <a:t>is a collection of language-specific libraries for instrumenting an application, collecting metrics and exporting data to a supported backend</a:t>
+            </a:r>
+            <a:r>
+              <a:rPr lang="pl-PL" dirty="0"/>
+              <a:t>.</a:t>
+            </a:r>
           </a:p>
           <a:p>
             <a:pPr algn="just"/>
@@ -15489,7 +16403,7 @@
           <p:nvPr/>
         </p:nvPicPr>
         <p:blipFill>
-          <a:blip r:embed="rId2">
+          <a:blip r:embed="rId3">
             <a:extLst>
               <a:ext uri="{28A0092B-C50C-407E-A947-70E740481C1C}">
                 <a14:useLocalDpi xmlns:a14="http://schemas.microsoft.com/office/drawing/2010/main" val="0"/>

--- a/OpenTelemetry.pptx
+++ b/OpenTelemetry.pptx
@@ -5,7 +5,7 @@
     <p:sldMasterId id="2147483746" r:id="rId1"/>
   </p:sldMasterIdLst>
   <p:notesMasterIdLst>
-    <p:notesMasterId r:id="rId27"/>
+    <p:notesMasterId r:id="rId25"/>
   </p:notesMasterIdLst>
   <p:sldIdLst>
     <p:sldId id="256" r:id="rId2"/>
@@ -20,19 +20,17 @@
     <p:sldId id="276" r:id="rId11"/>
     <p:sldId id="277" r:id="rId12"/>
     <p:sldId id="278" r:id="rId13"/>
-    <p:sldId id="281" r:id="rId14"/>
-    <p:sldId id="279" r:id="rId15"/>
-    <p:sldId id="285" r:id="rId16"/>
-    <p:sldId id="264" r:id="rId17"/>
-    <p:sldId id="282" r:id="rId18"/>
-    <p:sldId id="283" r:id="rId19"/>
-    <p:sldId id="284" r:id="rId20"/>
-    <p:sldId id="288" r:id="rId21"/>
-    <p:sldId id="289" r:id="rId22"/>
-    <p:sldId id="290" r:id="rId23"/>
-    <p:sldId id="263" r:id="rId24"/>
-    <p:sldId id="286" r:id="rId25"/>
-    <p:sldId id="267" r:id="rId26"/>
+    <p:sldId id="279" r:id="rId14"/>
+    <p:sldId id="285" r:id="rId15"/>
+    <p:sldId id="264" r:id="rId16"/>
+    <p:sldId id="282" r:id="rId17"/>
+    <p:sldId id="283" r:id="rId18"/>
+    <p:sldId id="284" r:id="rId19"/>
+    <p:sldId id="288" r:id="rId20"/>
+    <p:sldId id="289" r:id="rId21"/>
+    <p:sldId id="290" r:id="rId22"/>
+    <p:sldId id="286" r:id="rId23"/>
+    <p:sldId id="267" r:id="rId24"/>
   </p:sldIdLst>
   <p:sldSz cx="12192000" cy="6858000"/>
   <p:notesSz cx="6858000" cy="9144000"/>
@@ -221,7 +219,7 @@
           <a:p>
             <a:fld id="{4A81D09A-6402-4B9C-B7A9-002454C21F34}" type="datetimeFigureOut">
               <a:rPr lang="en-GB" smtClean="0"/>
-              <a:t>23/09/2022</a:t>
+              <a:t>21/11/2022</a:t>
             </a:fld>
             <a:endParaRPr lang="en-GB"/>
           </a:p>
@@ -533,104 +531,6 @@
           <a:bodyPr/>
           <a:lstStyle/>
           <a:p>
-            <a:r>
-              <a:rPr lang="pl-PL" dirty="0"/>
-              <a:t>Kiedy aplikacje są rozproszone, gdyż np. nasz ekosystem oparty jest o </a:t>
-            </a:r>
-            <a:r>
-              <a:rPr lang="pl-PL" dirty="0" err="1"/>
-              <a:t>mikroserwisy</a:t>
-            </a:r>
-            <a:r>
-              <a:rPr lang="pl-PL" dirty="0"/>
-              <a:t> lub </a:t>
-            </a:r>
-            <a:r>
-              <a:rPr lang="pl-PL" dirty="0" err="1"/>
-              <a:t>serverless</a:t>
-            </a:r>
-            <a:r>
-              <a:rPr lang="pl-PL" dirty="0"/>
-              <a:t>, wiele rzeczy może się zepsuć lub przestać działać. Nasz kod może być świetnie przetestowany, jednak poszczególne połączenie z serwisu A do B może skończyć się </a:t>
-            </a:r>
-            <a:r>
-              <a:rPr lang="pl-PL" dirty="0" err="1"/>
-              <a:t>timeoutem</a:t>
-            </a:r>
-            <a:r>
-              <a:rPr lang="pl-PL" dirty="0"/>
-              <a:t>, instancja serwisu B może przestać odpowiadać lub właśnie być realokowana przez </a:t>
-            </a:r>
-            <a:r>
-              <a:rPr lang="pl-PL" dirty="0" err="1"/>
-              <a:t>Kubernetesa</a:t>
-            </a:r>
-            <a:r>
-              <a:rPr lang="pl-PL" dirty="0"/>
-              <a:t>, lub nasz głośny sąsiad na tej samej maszynie wirtualnej właśnie robi coś zużywającego dużo zasobów, przez co na chwilę nasz serwis jest stłamszony. </a:t>
-            </a:r>
-            <a:br>
-              <a:rPr lang="pl-PL" dirty="0"/>
-            </a:br>
-            <a:br>
-              <a:rPr lang="pl-PL" dirty="0"/>
-            </a:br>
-            <a:r>
-              <a:rPr lang="pl-PL" dirty="0"/>
-              <a:t>W takich </a:t>
-            </a:r>
-            <a:r>
-              <a:rPr lang="pl-PL" dirty="0" err="1"/>
-              <a:t>architekturach</a:t>
-            </a:r>
-            <a:r>
-              <a:rPr lang="pl-PL" dirty="0"/>
-              <a:t> błędy tego typu są kwestią czasu i musimy się na nie przygotować.</a:t>
-            </a:r>
-            <a:br>
-              <a:rPr lang="pl-PL" dirty="0"/>
-            </a:br>
-            <a:br>
-              <a:rPr lang="pl-PL" dirty="0"/>
-            </a:br>
-            <a:r>
-              <a:rPr lang="pl-PL" dirty="0"/>
-              <a:t>Kiedy już się pojawią, musimy być gotowi na ich identyfikacje, znalezienie przyczyny błędu, poprawkę oraz </a:t>
-            </a:r>
-            <a:r>
-              <a:rPr lang="pl-PL" dirty="0" err="1"/>
-              <a:t>fix</a:t>
-            </a:r>
-            <a:r>
-              <a:rPr lang="pl-PL" dirty="0"/>
-              <a:t> najszybciej jak się da. </a:t>
-            </a:r>
-            <a:br>
-              <a:rPr lang="pl-PL" dirty="0"/>
-            </a:br>
-            <a:br>
-              <a:rPr lang="pl-PL" dirty="0"/>
-            </a:br>
-            <a:r>
-              <a:rPr lang="pl-PL" dirty="0"/>
-              <a:t>Dlatego też w </a:t>
-            </a:r>
-            <a:r>
-              <a:rPr lang="pl-PL" dirty="0" err="1"/>
-              <a:t>architekturach</a:t>
-            </a:r>
-            <a:r>
-              <a:rPr lang="pl-PL" dirty="0"/>
-              <a:t> tego typu powinniśmy zwracać </a:t>
-            </a:r>
-            <a:r>
-              <a:rPr lang="pl-PL" dirty="0" err="1"/>
-              <a:t>szczegółną</a:t>
-            </a:r>
-            <a:r>
-              <a:rPr lang="pl-PL" dirty="0"/>
-              <a:t> uwagę na obserwowalność, aplikacji i infrastruktury.</a:t>
-            </a:r>
             <a:endParaRPr lang="en-GB" dirty="0"/>
           </a:p>
         </p:txBody>
@@ -652,7 +552,7 @@
           <a:p>
             <a:fld id="{3BB0C5DD-FE4D-4106-B675-022D023C5B47}" type="slidenum">
               <a:rPr lang="en-GB" smtClean="0"/>
-              <a:t>4</a:t>
+              <a:t>2</a:t>
             </a:fld>
             <a:endParaRPr lang="en-GB"/>
           </a:p>
@@ -661,7 +561,7 @@
     </p:spTree>
     <p:extLst>
       <p:ext uri="{BB962C8B-B14F-4D97-AF65-F5344CB8AC3E}">
-        <p14:creationId xmlns:p14="http://schemas.microsoft.com/office/powerpoint/2010/main" val="1267569901"/>
+        <p14:creationId xmlns:p14="http://schemas.microsoft.com/office/powerpoint/2010/main" val="2980582181"/>
       </p:ext>
     </p:extLst>
   </p:cSld>
@@ -717,24 +617,101 @@
           <a:p>
             <a:r>
               <a:rPr lang="pl-PL" dirty="0"/>
-              <a:t>Obserwowalność to proces zbierania przydanych danych a aplikacji, które </a:t>
-            </a:r>
-            <a:r>
-              <a:rPr lang="pl-PL" dirty="0" err="1"/>
-              <a:t>pozwolną</a:t>
-            </a:r>
-            <a:r>
-              <a:rPr lang="pl-PL" dirty="0"/>
-              <a:t> nam sprawdzić zachowanie systemu. W przypadku błędu powinniśmy być w stanie zrozumieć co się stało i jakie były tego okoliczności.</a:t>
-            </a:r>
-          </a:p>
-          <a:p>
-            <a:endParaRPr lang="pl-PL" dirty="0"/>
-          </a:p>
-          <a:p>
-            <a:r>
-              <a:rPr lang="pl-PL" dirty="0"/>
-              <a:t>Takie dane możemy podzielić na trzy kategorie. Razem tworzą one filary obserwowalności</a:t>
+              <a:t>Kiedy aplikacje są rozproszone, gdyż np. nasz ekosystem oparty jest o </a:t>
+            </a:r>
+            <a:r>
+              <a:rPr lang="pl-PL" dirty="0" err="1"/>
+              <a:t>mikroserwisy</a:t>
+            </a:r>
+            <a:r>
+              <a:rPr lang="pl-PL" dirty="0"/>
+              <a:t> lub </a:t>
+            </a:r>
+            <a:r>
+              <a:rPr lang="pl-PL" dirty="0" err="1"/>
+              <a:t>serverless</a:t>
+            </a:r>
+            <a:r>
+              <a:rPr lang="pl-PL" dirty="0"/>
+              <a:t>, wiele rzeczy może się zepsuć lub przestać działać. Nasz kod może być świetnie przetestowany, jednak poszczególne połączenie z serwisu A do B może skończyć się </a:t>
+            </a:r>
+            <a:r>
+              <a:rPr lang="pl-PL" dirty="0" err="1"/>
+              <a:t>timeoutem</a:t>
+            </a:r>
+            <a:r>
+              <a:rPr lang="pl-PL" dirty="0"/>
+              <a:t>, instancja serwisu B może przestać odpowiadać lub właśnie być realokowana przez </a:t>
+            </a:r>
+            <a:r>
+              <a:rPr lang="pl-PL" dirty="0" err="1"/>
+              <a:t>Kubernetesa</a:t>
+            </a:r>
+            <a:r>
+              <a:rPr lang="pl-PL" dirty="0"/>
+              <a:t>, lub nasz głośny sąsiad na tej samej maszynie wirtualnej właśnie robi coś zużywającego dużo zasobów, przez co na chwilę nasz serwis jest stłamszony. </a:t>
+            </a:r>
+            <a:br>
+              <a:rPr lang="pl-PL" dirty="0"/>
+            </a:br>
+            <a:br>
+              <a:rPr lang="pl-PL" dirty="0"/>
+            </a:br>
+            <a:r>
+              <a:rPr lang="pl-PL" dirty="0"/>
+              <a:t>W takich </a:t>
+            </a:r>
+            <a:r>
+              <a:rPr lang="pl-PL" dirty="0" err="1"/>
+              <a:t>architekturach</a:t>
+            </a:r>
+            <a:r>
+              <a:rPr lang="pl-PL" dirty="0"/>
+              <a:t> błędy tego typu są kwestią czasu i musimy się na nie przygotować.</a:t>
+            </a:r>
+            <a:br>
+              <a:rPr lang="pl-PL" dirty="0"/>
+            </a:br>
+            <a:br>
+              <a:rPr lang="pl-PL" dirty="0"/>
+            </a:br>
+            <a:r>
+              <a:rPr lang="pl-PL" dirty="0"/>
+              <a:t>Kiedy już się pojawią, musimy być gotowi na ich identyfikacje, znalezienie przyczyny błędu, poprawkę oraz </a:t>
+            </a:r>
+            <a:r>
+              <a:rPr lang="pl-PL" dirty="0" err="1"/>
+              <a:t>fix</a:t>
+            </a:r>
+            <a:r>
+              <a:rPr lang="pl-PL" dirty="0"/>
+              <a:t> najszybciej jak się da. </a:t>
+            </a:r>
+            <a:br>
+              <a:rPr lang="pl-PL" dirty="0"/>
+            </a:br>
+            <a:br>
+              <a:rPr lang="pl-PL" dirty="0"/>
+            </a:br>
+            <a:r>
+              <a:rPr lang="pl-PL" dirty="0"/>
+              <a:t>Dlatego też w </a:t>
+            </a:r>
+            <a:r>
+              <a:rPr lang="pl-PL" dirty="0" err="1"/>
+              <a:t>architekturach</a:t>
+            </a:r>
+            <a:r>
+              <a:rPr lang="pl-PL" dirty="0"/>
+              <a:t> tego typu powinniśmy zwracać </a:t>
+            </a:r>
+            <a:r>
+              <a:rPr lang="pl-PL" dirty="0" err="1"/>
+              <a:t>szczegółną</a:t>
+            </a:r>
+            <a:r>
+              <a:rPr lang="pl-PL" dirty="0"/>
+              <a:t> uwagę na obserwowalność, aplikacji i infrastruktury.</a:t>
             </a:r>
             <a:endParaRPr lang="en-GB" dirty="0"/>
           </a:p>
@@ -757,7 +734,7 @@
           <a:p>
             <a:fld id="{3BB0C5DD-FE4D-4106-B675-022D023C5B47}" type="slidenum">
               <a:rPr lang="en-GB" smtClean="0"/>
-              <a:t>5</a:t>
+              <a:t>4</a:t>
             </a:fld>
             <a:endParaRPr lang="en-GB"/>
           </a:p>
@@ -766,7 +743,7 @@
     </p:spTree>
     <p:extLst>
       <p:ext uri="{BB962C8B-B14F-4D97-AF65-F5344CB8AC3E}">
-        <p14:creationId xmlns:p14="http://schemas.microsoft.com/office/powerpoint/2010/main" val="3538954434"/>
+        <p14:creationId xmlns:p14="http://schemas.microsoft.com/office/powerpoint/2010/main" val="1267569901"/>
       </p:ext>
     </p:extLst>
   </p:cSld>
@@ -822,40 +799,24 @@
           <a:p>
             <a:r>
               <a:rPr lang="pl-PL" dirty="0"/>
-              <a:t>Logi, czyli tak naprawdę linie tekstu, często w formie </a:t>
-            </a:r>
-            <a:r>
-              <a:rPr lang="pl-PL" dirty="0" err="1"/>
-              <a:t>ustruktyryzowanej</a:t>
-            </a:r>
-            <a:r>
-              <a:rPr lang="pl-PL" dirty="0"/>
-              <a:t> (np. </a:t>
-            </a:r>
-            <a:r>
-              <a:rPr lang="pl-PL" dirty="0" err="1"/>
-              <a:t>json</a:t>
-            </a:r>
-            <a:r>
-              <a:rPr lang="pl-PL" dirty="0"/>
-              <a:t>, z dodatkowymi właściwościami dla argumentów wiadomości). Możemy o nich myśleć jak o poszczególnych wydarzeniach które wydarzyły się w naszej aplikacji.</a:t>
-            </a:r>
-          </a:p>
-          <a:p>
-            <a:br>
-              <a:rPr lang="pl-PL" dirty="0"/>
-            </a:br>
-            <a:r>
-              <a:rPr lang="pl-PL" dirty="0"/>
-              <a:t>Są łatwe do wygenerowania i agregowania. Są najpopularniejszym filarem obserwowalności, wspierane automatycznie przez większość </a:t>
-            </a:r>
-            <a:r>
-              <a:rPr lang="pl-PL" dirty="0" err="1"/>
-              <a:t>frameworków</a:t>
-            </a:r>
-            <a:r>
-              <a:rPr lang="pl-PL" dirty="0"/>
-              <a:t> i bibliotek.</a:t>
+              <a:t>Obserwowalność to proces zbierania przydanych danych a aplikacji, które </a:t>
+            </a:r>
+            <a:r>
+              <a:rPr lang="pl-PL" dirty="0" err="1"/>
+              <a:t>pozwolną</a:t>
+            </a:r>
+            <a:r>
+              <a:rPr lang="pl-PL" dirty="0"/>
+              <a:t> nam sprawdzić zachowanie systemu. W przypadku błędu powinniśmy być w stanie zrozumieć co się stało i jakie były tego okoliczności.</a:t>
+            </a:r>
+          </a:p>
+          <a:p>
+            <a:endParaRPr lang="pl-PL" dirty="0"/>
+          </a:p>
+          <a:p>
+            <a:r>
+              <a:rPr lang="pl-PL" dirty="0"/>
+              <a:t>Takie dane możemy podzielić na trzy kategorie. Razem tworzą one filary obserwowalności</a:t>
             </a:r>
             <a:endParaRPr lang="en-GB" dirty="0"/>
           </a:p>
@@ -878,7 +839,7 @@
           <a:p>
             <a:fld id="{3BB0C5DD-FE4D-4106-B675-022D023C5B47}" type="slidenum">
               <a:rPr lang="en-GB" smtClean="0"/>
-              <a:t>6</a:t>
+              <a:t>5</a:t>
             </a:fld>
             <a:endParaRPr lang="en-GB"/>
           </a:p>
@@ -887,7 +848,7 @@
     </p:spTree>
     <p:extLst>
       <p:ext uri="{BB962C8B-B14F-4D97-AF65-F5344CB8AC3E}">
-        <p14:creationId xmlns:p14="http://schemas.microsoft.com/office/powerpoint/2010/main" val="765528120"/>
+        <p14:creationId xmlns:p14="http://schemas.microsoft.com/office/powerpoint/2010/main" val="3538954434"/>
       </p:ext>
     </p:extLst>
   </p:cSld>
@@ -943,88 +904,40 @@
           <a:p>
             <a:r>
               <a:rPr lang="pl-PL" dirty="0"/>
-              <a:t>Metryki, czyli wartości numeryczne, które mogą nam wskazywać ogólny stan naszej aplikacji na przestrzeni czasu. Najczęściej są pobierane co regularny odstęp czasu. Są wzbogacone o kilka atrybutów, takich jak nazwa, wartość i </a:t>
-            </a:r>
-            <a:r>
-              <a:rPr lang="pl-PL" dirty="0" err="1"/>
-              <a:t>timestamp</a:t>
-            </a:r>
-            <a:r>
-              <a:rPr lang="pl-PL" dirty="0"/>
-              <a:t>. </a:t>
-            </a:r>
+              <a:t>Logi, czyli tak naprawdę linie tekstu, często w formie </a:t>
+            </a:r>
+            <a:r>
+              <a:rPr lang="pl-PL" dirty="0" err="1"/>
+              <a:t>ustruktyryzowanej</a:t>
+            </a:r>
+            <a:r>
+              <a:rPr lang="pl-PL" dirty="0"/>
+              <a:t> (np. </a:t>
+            </a:r>
+            <a:r>
+              <a:rPr lang="pl-PL" dirty="0" err="1"/>
+              <a:t>json</a:t>
+            </a:r>
+            <a:r>
+              <a:rPr lang="pl-PL" dirty="0"/>
+              <a:t>, z dodatkowymi właściwościami dla argumentów wiadomości). Możemy o nich myśleć jak o poszczególnych wydarzeniach które wydarzyły się w naszej aplikacji.</a:t>
+            </a:r>
+          </a:p>
+          <a:p>
             <a:br>
               <a:rPr lang="pl-PL" dirty="0"/>
             </a:br>
             <a:r>
               <a:rPr lang="pl-PL" dirty="0"/>
-              <a:t>Najczęściej wykorzystujemy je do reprezentowania ogólnej sprawności systemu, np. wykorzystując HTTP </a:t>
-            </a:r>
-            <a:r>
-              <a:rPr lang="pl-PL" dirty="0" err="1"/>
-              <a:t>response</a:t>
-            </a:r>
-            <a:r>
-              <a:rPr lang="pl-PL" dirty="0"/>
-              <a:t> </a:t>
-            </a:r>
-            <a:r>
-              <a:rPr lang="pl-PL" dirty="0" err="1"/>
-              <a:t>time</a:t>
-            </a:r>
-            <a:r>
-              <a:rPr lang="pl-PL" dirty="0"/>
-              <a:t>, system </a:t>
-            </a:r>
-            <a:r>
-              <a:rPr lang="pl-PL" dirty="0" err="1"/>
-              <a:t>uptime</a:t>
-            </a:r>
-            <a:r>
-              <a:rPr lang="pl-PL" dirty="0"/>
-              <a:t>, ilość </a:t>
-            </a:r>
-            <a:r>
-              <a:rPr lang="pl-PL" dirty="0" err="1"/>
-              <a:t>requestów</a:t>
-            </a:r>
-            <a:r>
-              <a:rPr lang="pl-PL" dirty="0"/>
-              <a:t> na sekundę, zużycie CPU i </a:t>
-            </a:r>
-            <a:r>
-              <a:rPr lang="pl-PL" dirty="0" err="1"/>
-              <a:t>RAMu</a:t>
-            </a:r>
-            <a:r>
-              <a:rPr lang="pl-PL" dirty="0"/>
-              <a:t>.</a:t>
-            </a:r>
-            <a:br>
-              <a:rPr lang="pl-PL" dirty="0"/>
-            </a:br>
-            <a:br>
-              <a:rPr lang="pl-PL" dirty="0"/>
-            </a:br>
-            <a:r>
-              <a:rPr lang="pl-PL" dirty="0"/>
-              <a:t>Metryki są także lżejsze niż logi, pozwalają na łatwiejszą filtrację i agregację. Dlatego też lepiej nadają się do budowania </a:t>
-            </a:r>
-            <a:r>
-              <a:rPr lang="pl-PL" dirty="0" err="1"/>
-              <a:t>dashboardów</a:t>
-            </a:r>
-            <a:r>
-              <a:rPr lang="pl-PL" dirty="0"/>
-              <a:t> i innych wizualizacji </a:t>
-            </a:r>
-            <a:r>
-              <a:rPr lang="pl-PL" dirty="0" err="1"/>
-              <a:t>niżlogi</a:t>
-            </a:r>
-            <a:r>
-              <a:rPr lang="pl-PL" dirty="0"/>
-              <a:t>.</a:t>
+              <a:t>Są łatwe do wygenerowania i agregowania. Są najpopularniejszym filarem obserwowalności, wspierane automatycznie przez większość </a:t>
+            </a:r>
+            <a:r>
+              <a:rPr lang="pl-PL" dirty="0" err="1"/>
+              <a:t>frameworków</a:t>
+            </a:r>
+            <a:r>
+              <a:rPr lang="pl-PL" dirty="0"/>
+              <a:t> i bibliotek.</a:t>
             </a:r>
             <a:endParaRPr lang="en-GB" dirty="0"/>
           </a:p>
@@ -1047,7 +960,7 @@
           <a:p>
             <a:fld id="{3BB0C5DD-FE4D-4106-B675-022D023C5B47}" type="slidenum">
               <a:rPr lang="en-GB" smtClean="0"/>
-              <a:t>7</a:t>
+              <a:t>6</a:t>
             </a:fld>
             <a:endParaRPr lang="en-GB"/>
           </a:p>
@@ -1056,7 +969,7 @@
     </p:spTree>
     <p:extLst>
       <p:ext uri="{BB962C8B-B14F-4D97-AF65-F5344CB8AC3E}">
-        <p14:creationId xmlns:p14="http://schemas.microsoft.com/office/powerpoint/2010/main" val="263438212"/>
+        <p14:creationId xmlns:p14="http://schemas.microsoft.com/office/powerpoint/2010/main" val="765528120"/>
       </p:ext>
     </p:extLst>
   </p:cSld>
@@ -1112,80 +1025,62 @@
           <a:p>
             <a:r>
               <a:rPr lang="pl-PL" dirty="0"/>
-              <a:t>Aby przeanalizować cały czas życia danego HTTP </a:t>
-            </a:r>
-            <a:r>
-              <a:rPr lang="pl-PL" dirty="0" err="1"/>
-              <a:t>requestu</a:t>
-            </a:r>
-            <a:r>
-              <a:rPr lang="pl-PL" dirty="0"/>
-              <a:t> lub innego biznesowego </a:t>
-            </a:r>
-            <a:r>
-              <a:rPr lang="pl-PL" dirty="0" err="1"/>
-              <a:t>flow</a:t>
-            </a:r>
-            <a:r>
-              <a:rPr lang="pl-PL" dirty="0"/>
-              <a:t> potrzebujemy trzeciego filaru obserwowalności zwanego </a:t>
-            </a:r>
-            <a:r>
-              <a:rPr lang="pl-PL" dirty="0" err="1"/>
-              <a:t>Tracingiem</a:t>
+              <a:t>Metryki, czyli wartości numeryczne, które mogą nam wskazywać ogólny stan naszej aplikacji na przestrzeni czasu. Najczęściej są pobierane co regularny odstęp czasu. Są wzbogacone o kilka atrybutów, takich jak nazwa, wartość i </a:t>
+            </a:r>
+            <a:r>
+              <a:rPr lang="pl-PL" dirty="0" err="1"/>
+              <a:t>timestamp</a:t>
+            </a:r>
+            <a:r>
+              <a:rPr lang="pl-PL" dirty="0"/>
+              <a:t>. </a:t>
+            </a:r>
+            <a:br>
+              <a:rPr lang="pl-PL" dirty="0"/>
+            </a:br>
+            <a:r>
+              <a:rPr lang="pl-PL" dirty="0"/>
+              <a:t>Najczęściej wykorzystujemy je do reprezentowania ogólnej sprawności systemu, np. wykorzystując HTTP </a:t>
+            </a:r>
+            <a:r>
+              <a:rPr lang="pl-PL" dirty="0" err="1"/>
+              <a:t>response</a:t>
+            </a:r>
+            <a:r>
+              <a:rPr lang="pl-PL" dirty="0"/>
+              <a:t> </a:t>
+            </a:r>
+            <a:r>
+              <a:rPr lang="pl-PL" dirty="0" err="1"/>
+              <a:t>time</a:t>
+            </a:r>
+            <a:r>
+              <a:rPr lang="pl-PL" dirty="0"/>
+              <a:t>, system </a:t>
+            </a:r>
+            <a:r>
+              <a:rPr lang="pl-PL" dirty="0" err="1"/>
+              <a:t>uptime</a:t>
+            </a:r>
+            <a:r>
+              <a:rPr lang="pl-PL" dirty="0"/>
+              <a:t>, ilość </a:t>
+            </a:r>
+            <a:r>
+              <a:rPr lang="pl-PL" dirty="0" err="1"/>
+              <a:t>requestów</a:t>
+            </a:r>
+            <a:r>
+              <a:rPr lang="pl-PL" dirty="0"/>
+              <a:t> na sekundę, zużycie CPU i </a:t>
+            </a:r>
+            <a:r>
+              <a:rPr lang="pl-PL" dirty="0" err="1"/>
+              <a:t>RAMu</a:t>
             </a:r>
             <a:r>
               <a:rPr lang="pl-PL" dirty="0"/>
               <a:t>.</a:t>
-            </a:r>
-          </a:p>
-          <a:p>
-            <a:br>
-              <a:rPr lang="pl-PL" dirty="0"/>
-            </a:br>
-            <a:r>
-              <a:rPr lang="pl-PL" dirty="0"/>
-              <a:t>Poszczególny </a:t>
-            </a:r>
-            <a:r>
-              <a:rPr lang="pl-PL" dirty="0" err="1"/>
-              <a:t>trace</a:t>
-            </a:r>
-            <a:r>
-              <a:rPr lang="pl-PL" dirty="0"/>
-              <a:t> reprezentuje historię danego </a:t>
-            </a:r>
-            <a:r>
-              <a:rPr lang="pl-PL" dirty="0" err="1"/>
-              <a:t>requestu</a:t>
-            </a:r>
-            <a:r>
-              <a:rPr lang="pl-PL" dirty="0"/>
-              <a:t> lub akcji, wraz z komunikacją pomiędzy serwisami, aplikacjami, bazą danych, kolejkami itd. Za pomocą </a:t>
-            </a:r>
-            <a:r>
-              <a:rPr lang="pl-PL" dirty="0" err="1"/>
-              <a:t>trace’ów</a:t>
-            </a:r>
-            <a:r>
-              <a:rPr lang="pl-PL" dirty="0"/>
-              <a:t> możemy sprawdzić ogólny stan naszych </a:t>
-            </a:r>
-            <a:r>
-              <a:rPr lang="pl-PL" dirty="0" err="1"/>
-              <a:t>flow</a:t>
-            </a:r>
-            <a:r>
-              <a:rPr lang="pl-PL" dirty="0"/>
-              <a:t> w systemie, znaleźć wąskie gardła i </a:t>
-            </a:r>
-            <a:r>
-              <a:rPr lang="pl-PL" dirty="0" err="1"/>
-              <a:t>spriorytetyzować</a:t>
-            </a:r>
-            <a:r>
-              <a:rPr lang="pl-PL" dirty="0"/>
-              <a:t> optymalizacje.</a:t>
             </a:r>
             <a:br>
               <a:rPr lang="pl-PL" dirty="0"/>
@@ -1195,16 +1090,25 @@
             </a:br>
             <a:r>
               <a:rPr lang="pl-PL" dirty="0"/>
-              <a:t>Możemy tworzyć takie </a:t>
-            </a:r>
-            <a:r>
-              <a:rPr lang="pl-PL" dirty="0" err="1"/>
-              <a:t>trace’y</a:t>
-            </a:r>
-            <a:r>
-              <a:rPr lang="pl-PL" dirty="0"/>
-              <a:t> ręcznie, jednak na rynku istnieje wiele bibliotek które mogą zrobić to dla nas automatycznie, np. przechwytując wychodzące zapytanie HTTP, komunikacje z bazą danych itd..</a:t>
-            </a:r>
+              <a:t>Metryki są także lżejsze niż logi, pozwalają na łatwiejszą filtrację i agregację. Dlatego też lepiej nadają się do budowania </a:t>
+            </a:r>
+            <a:r>
+              <a:rPr lang="pl-PL" dirty="0" err="1"/>
+              <a:t>dashboardów</a:t>
+            </a:r>
+            <a:r>
+              <a:rPr lang="pl-PL" dirty="0"/>
+              <a:t> i innych wizualizacji </a:t>
+            </a:r>
+            <a:r>
+              <a:rPr lang="pl-PL" dirty="0" err="1"/>
+              <a:t>niżlogi</a:t>
+            </a:r>
+            <a:r>
+              <a:rPr lang="pl-PL" dirty="0"/>
+              <a:t>.</a:t>
+            </a:r>
+            <a:endParaRPr lang="en-GB" dirty="0"/>
           </a:p>
         </p:txBody>
       </p:sp>
@@ -1225,7 +1129,7 @@
           <a:p>
             <a:fld id="{3BB0C5DD-FE4D-4106-B675-022D023C5B47}" type="slidenum">
               <a:rPr lang="en-GB" smtClean="0"/>
-              <a:t>8</a:t>
+              <a:t>7</a:t>
             </a:fld>
             <a:endParaRPr lang="en-GB"/>
           </a:p>
@@ -1234,7 +1138,7 @@
     </p:spTree>
     <p:extLst>
       <p:ext uri="{BB962C8B-B14F-4D97-AF65-F5344CB8AC3E}">
-        <p14:creationId xmlns:p14="http://schemas.microsoft.com/office/powerpoint/2010/main" val="4200798866"/>
+        <p14:creationId xmlns:p14="http://schemas.microsoft.com/office/powerpoint/2010/main" val="263438212"/>
       </p:ext>
     </p:extLst>
   </p:cSld>
@@ -1290,31 +1194,15 @@
           <a:p>
             <a:r>
               <a:rPr lang="pl-PL" dirty="0"/>
-              <a:t>Spróbujmy wyobrazić sobie zaawansowana architekturę opartą o </a:t>
-            </a:r>
-            <a:r>
-              <a:rPr lang="pl-PL" dirty="0" err="1"/>
-              <a:t>mikroserwisy</a:t>
-            </a:r>
-            <a:r>
-              <a:rPr lang="pl-PL" dirty="0"/>
-              <a:t>, np. sklep </a:t>
-            </a:r>
-            <a:r>
-              <a:rPr lang="pl-PL" dirty="0" err="1"/>
-              <a:t>amazona</a:t>
-            </a:r>
-            <a:r>
-              <a:rPr lang="pl-PL" dirty="0"/>
-              <a:t>. Widzimy tutaj wiele aplikacji pracujących na 5 różnych warstwach. Bez </a:t>
-            </a:r>
-            <a:r>
-              <a:rPr lang="pl-PL" dirty="0" err="1"/>
-              <a:t>traceingu</a:t>
-            </a:r>
-            <a:r>
-              <a:rPr lang="pl-PL" dirty="0"/>
-              <a:t> trudno jest dokładnie prześledzić danych </a:t>
+              <a:t>Aby przeanalizować cały czas życia danego HTTP </a:t>
+            </a:r>
+            <a:r>
+              <a:rPr lang="pl-PL" dirty="0" err="1"/>
+              <a:t>requestu</a:t>
+            </a:r>
+            <a:r>
+              <a:rPr lang="pl-PL" dirty="0"/>
+              <a:t> lub innego biznesowego </a:t>
             </a:r>
             <a:r>
               <a:rPr lang="pl-PL" dirty="0" err="1"/>
@@ -1322,23 +1210,48 @@
             </a:r>
             <a:r>
               <a:rPr lang="pl-PL" dirty="0"/>
-              <a:t> pomiędzy warstwami. Natomiast przy użyciu </a:t>
-            </a:r>
-            <a:r>
-              <a:rPr lang="pl-PL" dirty="0" err="1"/>
-              <a:t>distributed</a:t>
-            </a:r>
-            <a:r>
-              <a:rPr lang="pl-PL" dirty="0"/>
-              <a:t> </a:t>
-            </a:r>
-            <a:r>
-              <a:rPr lang="pl-PL" dirty="0" err="1"/>
-              <a:t>tracing</a:t>
-            </a:r>
-            <a:r>
-              <a:rPr lang="pl-PL" dirty="0"/>
-              <a:t> mamy łatwy i szybki podgląd na dany </a:t>
+              <a:t> potrzebujemy trzeciego filaru obserwowalności zwanego </a:t>
+            </a:r>
+            <a:r>
+              <a:rPr lang="pl-PL" dirty="0" err="1"/>
+              <a:t>Tracingiem</a:t>
+            </a:r>
+            <a:r>
+              <a:rPr lang="pl-PL" dirty="0"/>
+              <a:t>.</a:t>
+            </a:r>
+          </a:p>
+          <a:p>
+            <a:br>
+              <a:rPr lang="pl-PL" dirty="0"/>
+            </a:br>
+            <a:r>
+              <a:rPr lang="pl-PL" dirty="0"/>
+              <a:t>Poszczególny </a:t>
+            </a:r>
+            <a:r>
+              <a:rPr lang="pl-PL" dirty="0" err="1"/>
+              <a:t>trace</a:t>
+            </a:r>
+            <a:r>
+              <a:rPr lang="pl-PL" dirty="0"/>
+              <a:t> reprezentuje historię danego </a:t>
+            </a:r>
+            <a:r>
+              <a:rPr lang="pl-PL" dirty="0" err="1"/>
+              <a:t>requestu</a:t>
+            </a:r>
+            <a:r>
+              <a:rPr lang="pl-PL" dirty="0"/>
+              <a:t> lub akcji, wraz z komunikacją pomiędzy serwisami, aplikacjami, bazą danych, kolejkami itd. Za pomocą </a:t>
+            </a:r>
+            <a:r>
+              <a:rPr lang="pl-PL" dirty="0" err="1"/>
+              <a:t>trace’ów</a:t>
+            </a:r>
+            <a:r>
+              <a:rPr lang="pl-PL" dirty="0"/>
+              <a:t> możemy sprawdzić ogólny stan naszych </a:t>
             </a:r>
             <a:r>
               <a:rPr lang="pl-PL" dirty="0" err="1"/>
@@ -1346,17 +1259,34 @@
             </a:r>
             <a:r>
               <a:rPr lang="pl-PL" dirty="0"/>
-              <a:t>, możemy sprawdzić </a:t>
-            </a:r>
-            <a:r>
-              <a:rPr lang="pl-PL" dirty="0" err="1"/>
-              <a:t>któe</a:t>
-            </a:r>
-            <a:r>
-              <a:rPr lang="pl-PL" dirty="0"/>
-              <a:t> serwisy były zaangażowane i jednocześnie prześledzić poszczególne czasy wywołania do każdego z nich.</a:t>
-            </a:r>
-            <a:endParaRPr lang="en-GB" dirty="0"/>
+              <a:t> w systemie, znaleźć wąskie gardła i </a:t>
+            </a:r>
+            <a:r>
+              <a:rPr lang="pl-PL" dirty="0" err="1"/>
+              <a:t>spriorytetyzować</a:t>
+            </a:r>
+            <a:r>
+              <a:rPr lang="pl-PL" dirty="0"/>
+              <a:t> optymalizacje.</a:t>
+            </a:r>
+            <a:br>
+              <a:rPr lang="pl-PL" dirty="0"/>
+            </a:br>
+            <a:br>
+              <a:rPr lang="pl-PL" dirty="0"/>
+            </a:br>
+            <a:r>
+              <a:rPr lang="pl-PL" dirty="0"/>
+              <a:t>Możemy tworzyć takie </a:t>
+            </a:r>
+            <a:r>
+              <a:rPr lang="pl-PL" dirty="0" err="1"/>
+              <a:t>trace’y</a:t>
+            </a:r>
+            <a:r>
+              <a:rPr lang="pl-PL" dirty="0"/>
+              <a:t> ręcznie, jednak na rynku istnieje wiele bibliotek które mogą zrobić to dla nas automatycznie, np. przechwytując wychodzące zapytanie HTTP, komunikacje z bazą danych itd..</a:t>
+            </a:r>
           </a:p>
         </p:txBody>
       </p:sp>
@@ -1377,7 +1307,7 @@
           <a:p>
             <a:fld id="{3BB0C5DD-FE4D-4106-B675-022D023C5B47}" type="slidenum">
               <a:rPr lang="en-GB" smtClean="0"/>
-              <a:t>9</a:t>
+              <a:t>8</a:t>
             </a:fld>
             <a:endParaRPr lang="en-GB"/>
           </a:p>
@@ -1386,7 +1316,7 @@
     </p:spTree>
     <p:extLst>
       <p:ext uri="{BB962C8B-B14F-4D97-AF65-F5344CB8AC3E}">
-        <p14:creationId xmlns:p14="http://schemas.microsoft.com/office/powerpoint/2010/main" val="854042347"/>
+        <p14:creationId xmlns:p14="http://schemas.microsoft.com/office/powerpoint/2010/main" val="4200798866"/>
       </p:ext>
     </p:extLst>
   </p:cSld>
@@ -1441,6 +1371,158 @@
           <a:lstStyle/>
           <a:p>
             <a:r>
+              <a:rPr lang="pl-PL" dirty="0"/>
+              <a:t>Spróbujmy wyobrazić sobie zaawansowana architekturę opartą o </a:t>
+            </a:r>
+            <a:r>
+              <a:rPr lang="pl-PL" dirty="0" err="1"/>
+              <a:t>mikroserwisy</a:t>
+            </a:r>
+            <a:r>
+              <a:rPr lang="pl-PL" dirty="0"/>
+              <a:t>, np. sklep </a:t>
+            </a:r>
+            <a:r>
+              <a:rPr lang="pl-PL" dirty="0" err="1"/>
+              <a:t>amazona</a:t>
+            </a:r>
+            <a:r>
+              <a:rPr lang="pl-PL" dirty="0"/>
+              <a:t>. Widzimy tutaj wiele aplikacji pracujących na 5 różnych warstwach. Bez </a:t>
+            </a:r>
+            <a:r>
+              <a:rPr lang="pl-PL" dirty="0" err="1"/>
+              <a:t>traceingu</a:t>
+            </a:r>
+            <a:r>
+              <a:rPr lang="pl-PL" dirty="0"/>
+              <a:t> trudno jest dokładnie prześledzić danych </a:t>
+            </a:r>
+            <a:r>
+              <a:rPr lang="pl-PL" dirty="0" err="1"/>
+              <a:t>flow</a:t>
+            </a:r>
+            <a:r>
+              <a:rPr lang="pl-PL" dirty="0"/>
+              <a:t> pomiędzy warstwami. Natomiast przy użyciu </a:t>
+            </a:r>
+            <a:r>
+              <a:rPr lang="pl-PL" dirty="0" err="1"/>
+              <a:t>distributed</a:t>
+            </a:r>
+            <a:r>
+              <a:rPr lang="pl-PL" dirty="0"/>
+              <a:t> </a:t>
+            </a:r>
+            <a:r>
+              <a:rPr lang="pl-PL" dirty="0" err="1"/>
+              <a:t>tracing</a:t>
+            </a:r>
+            <a:r>
+              <a:rPr lang="pl-PL" dirty="0"/>
+              <a:t> mamy łatwy i szybki podgląd na dany </a:t>
+            </a:r>
+            <a:r>
+              <a:rPr lang="pl-PL" dirty="0" err="1"/>
+              <a:t>flow</a:t>
+            </a:r>
+            <a:r>
+              <a:rPr lang="pl-PL" dirty="0"/>
+              <a:t>, możemy sprawdzić </a:t>
+            </a:r>
+            <a:r>
+              <a:rPr lang="pl-PL" dirty="0" err="1"/>
+              <a:t>któe</a:t>
+            </a:r>
+            <a:r>
+              <a:rPr lang="pl-PL" dirty="0"/>
+              <a:t> serwisy były zaangażowane i jednocześnie prześledzić poszczególne czasy wywołania do każdego z nich.</a:t>
+            </a:r>
+            <a:endParaRPr lang="en-GB" dirty="0"/>
+          </a:p>
+        </p:txBody>
+      </p:sp>
+      <p:sp>
+        <p:nvSpPr>
+          <p:cNvPr id="4" name="Symbol zastępczy numeru slajdu 3"/>
+          <p:cNvSpPr>
+            <a:spLocks noGrp="1"/>
+          </p:cNvSpPr>
+          <p:nvPr>
+            <p:ph type="sldNum" sz="quarter" idx="5"/>
+          </p:nvPr>
+        </p:nvSpPr>
+        <p:spPr/>
+        <p:txBody>
+          <a:bodyPr/>
+          <a:lstStyle/>
+          <a:p>
+            <a:fld id="{3BB0C5DD-FE4D-4106-B675-022D023C5B47}" type="slidenum">
+              <a:rPr lang="en-GB" smtClean="0"/>
+              <a:t>9</a:t>
+            </a:fld>
+            <a:endParaRPr lang="en-GB"/>
+          </a:p>
+        </p:txBody>
+      </p:sp>
+    </p:spTree>
+    <p:extLst>
+      <p:ext uri="{BB962C8B-B14F-4D97-AF65-F5344CB8AC3E}">
+        <p14:creationId xmlns:p14="http://schemas.microsoft.com/office/powerpoint/2010/main" val="854042347"/>
+      </p:ext>
+    </p:extLst>
+  </p:cSld>
+  <p:clrMapOvr>
+    <a:masterClrMapping/>
+  </p:clrMapOvr>
+</p:notes>
+</file>
+
+<file path=ppt/notesSlides/notesSlide8.xml><?xml version="1.0" encoding="utf-8"?>
+<p:notes xmlns:a="http://schemas.openxmlformats.org/drawingml/2006/main" xmlns:r="http://schemas.openxmlformats.org/officeDocument/2006/relationships" xmlns:p="http://schemas.openxmlformats.org/presentationml/2006/main">
+  <p:cSld>
+    <p:spTree>
+      <p:nvGrpSpPr>
+        <p:cNvPr id="1" name=""/>
+        <p:cNvGrpSpPr/>
+        <p:nvPr/>
+      </p:nvGrpSpPr>
+      <p:grpSpPr>
+        <a:xfrm>
+          <a:off x="0" y="0"/>
+          <a:ext cx="0" cy="0"/>
+          <a:chOff x="0" y="0"/>
+          <a:chExt cx="0" cy="0"/>
+        </a:xfrm>
+      </p:grpSpPr>
+      <p:sp>
+        <p:nvSpPr>
+          <p:cNvPr id="2" name="Symbol zastępczy obrazu slajdu 1"/>
+          <p:cNvSpPr>
+            <a:spLocks noGrp="1" noRot="1" noChangeAspect="1"/>
+          </p:cNvSpPr>
+          <p:nvPr>
+            <p:ph type="sldImg"/>
+          </p:nvPr>
+        </p:nvSpPr>
+        <p:spPr/>
+      </p:sp>
+      <p:sp>
+        <p:nvSpPr>
+          <p:cNvPr id="3" name="Symbol zastępczy notatek 2"/>
+          <p:cNvSpPr>
+            <a:spLocks noGrp="1"/>
+          </p:cNvSpPr>
+          <p:nvPr>
+            <p:ph type="body" idx="1"/>
+          </p:nvPr>
+        </p:nvSpPr>
+        <p:spPr/>
+        <p:txBody>
+          <a:bodyPr/>
+          <a:lstStyle/>
+          <a:p>
+            <a:r>
               <a:rPr lang="pl-PL" dirty="0" err="1"/>
               <a:t>OpenTracing</a:t>
             </a:r>
@@ -1545,7 +1627,7 @@
 </p:notes>
 </file>
 
-<file path=ppt/notesSlides/notesSlide8.xml><?xml version="1.0" encoding="utf-8"?>
+<file path=ppt/notesSlides/notesSlide9.xml><?xml version="1.0" encoding="utf-8"?>
 <p:notes xmlns:a="http://schemas.openxmlformats.org/drawingml/2006/main" xmlns:r="http://schemas.openxmlformats.org/officeDocument/2006/relationships" xmlns:p="http://schemas.openxmlformats.org/presentationml/2006/main">
   <p:cSld>
     <p:spTree>
@@ -1864,7 +1946,7 @@
             <a:fld id="{5923F103-BC34-4FE4-A40E-EDDEECFDA5D0}" type="datetimeFigureOut">
               <a:rPr lang="en-US" smtClean="0"/>
               <a:pPr/>
-              <a:t>9/23/2022</a:t>
+              <a:t>11/21/2022</a:t>
             </a:fld>
             <a:endParaRPr lang="en-US" dirty="0"/>
           </a:p>
@@ -2073,7 +2155,7 @@
           <a:p>
             <a:fld id="{53086D93-FCAC-47E0-A2EE-787E62CA814C}" type="datetimeFigureOut">
               <a:rPr lang="en-US" smtClean="0"/>
-              <a:t>9/23/2022</a:t>
+              <a:t>11/21/2022</a:t>
             </a:fld>
             <a:endParaRPr lang="en-US" dirty="0"/>
           </a:p>
@@ -2330,7 +2412,7 @@
           <a:p>
             <a:fld id="{CDA879A6-0FD0-4734-A311-86BFCA472E6E}" type="datetimeFigureOut">
               <a:rPr lang="en-US" smtClean="0"/>
-              <a:t>9/23/2022</a:t>
+              <a:t>11/21/2022</a:t>
             </a:fld>
             <a:endParaRPr lang="en-US" dirty="0"/>
           </a:p>
@@ -2501,7 +2583,7 @@
           <a:p>
             <a:fld id="{19C9CA7B-DFD4-44B5-8C60-D14B8CD1FB59}" type="datetimeFigureOut">
               <a:rPr lang="en-US" smtClean="0"/>
-              <a:t>9/23/2022</a:t>
+              <a:t>11/21/2022</a:t>
             </a:fld>
             <a:endParaRPr lang="en-US" dirty="0"/>
           </a:p>
@@ -2845,7 +2927,7 @@
           <a:p>
             <a:fld id="{F34E6425-0181-43F2-84FC-787E803FD2F8}" type="datetimeFigureOut">
               <a:rPr lang="en-US" smtClean="0"/>
-              <a:t>9/23/2022</a:t>
+              <a:t>11/21/2022</a:t>
             </a:fld>
             <a:endParaRPr lang="en-US" dirty="0"/>
           </a:p>
@@ -3121,7 +3203,7 @@
           <a:p>
             <a:fld id="{3BDB8791-F1B0-41E7-B7FD-A781E65C4266}" type="datetimeFigureOut">
               <a:rPr lang="en-US" smtClean="0"/>
-              <a:t>9/23/2022</a:t>
+              <a:t>11/21/2022</a:t>
             </a:fld>
             <a:endParaRPr lang="en-US" dirty="0"/>
           </a:p>
@@ -3501,7 +3583,7 @@
           <a:p>
             <a:fld id="{5FDD63B2-E120-4ED8-B27B-C685F510A5FE}" type="datetimeFigureOut">
               <a:rPr lang="en-US" smtClean="0"/>
-              <a:t>9/23/2022</a:t>
+              <a:t>11/21/2022</a:t>
             </a:fld>
             <a:endParaRPr lang="en-US" dirty="0"/>
           </a:p>
@@ -3620,7 +3702,7 @@
           <a:p>
             <a:fld id="{7AA18ACC-A947-437B-A130-35BD54FDF1E9}" type="datetimeFigureOut">
               <a:rPr lang="en-US" smtClean="0"/>
-              <a:t>9/23/2022</a:t>
+              <a:t>11/21/2022</a:t>
             </a:fld>
             <a:endParaRPr lang="en-US" dirty="0"/>
           </a:p>
@@ -3792,7 +3874,7 @@
           <a:p>
             <a:fld id="{7C8D7E02-BCB8-4D50-A234-369438C08659}" type="datetimeFigureOut">
               <a:rPr lang="en-US" smtClean="0"/>
-              <a:t>9/23/2022</a:t>
+              <a:t>11/21/2022</a:t>
             </a:fld>
             <a:endParaRPr lang="en-US" dirty="0"/>
           </a:p>
@@ -4147,7 +4229,7 @@
           <a:p>
             <a:fld id="{76E86A4C-8E40-4F87-A4F0-01A0687C5742}" type="datetimeFigureOut">
               <a:rPr lang="en-US" smtClean="0"/>
-              <a:t>9/23/2022</a:t>
+              <a:t>11/21/2022</a:t>
             </a:fld>
             <a:endParaRPr lang="en-US" dirty="0"/>
           </a:p>
@@ -4525,7 +4607,7 @@
           <a:p>
             <a:fld id="{35E72C73-2D91-4E12-BA25-F0AA0C03599B}" type="datetimeFigureOut">
               <a:rPr lang="en-US" smtClean="0"/>
-              <a:t>9/23/2022</a:t>
+              <a:t>11/21/2022</a:t>
             </a:fld>
             <a:endParaRPr lang="en-US" dirty="0"/>
           </a:p>
@@ -4813,7 +4895,7 @@
           <a:p>
             <a:fld id="{2BE451C3-0FF4-47C4-B829-773ADF60F88C}" type="datetimeFigureOut">
               <a:rPr lang="en-US" smtClean="0"/>
-              <a:t>9/23/2022</a:t>
+              <a:t>11/21/2022</a:t>
             </a:fld>
             <a:endParaRPr lang="en-US" dirty="0"/>
           </a:p>
@@ -5836,7 +5918,7 @@
         <p:spPr/>
         <p:txBody>
           <a:bodyPr>
-            <a:normAutofit lnSpcReduction="10000"/>
+            <a:normAutofit/>
           </a:bodyPr>
           <a:lstStyle/>
           <a:p>
@@ -5899,161 +5981,6 @@
                 </a:solidFill>
               </a:rPr>
               <a:t> goal is to create grounds and root for the merge, rather than creating a separated project that provides compatibility</a:t>
-            </a:r>
-            <a:endParaRPr lang="pl-PL" dirty="0">
-              <a:solidFill>
-                <a:schemeClr val="tx1"/>
-              </a:solidFill>
-            </a:endParaRPr>
-          </a:p>
-          <a:p>
-            <a:pPr algn="just">
-              <a:buFont typeface="Wingdings" panose="05000000000000000000" pitchFamily="2" charset="2"/>
-              <a:buChar char="v"/>
-            </a:pPr>
-            <a:r>
-              <a:rPr lang="pl-PL" dirty="0">
-                <a:solidFill>
-                  <a:schemeClr val="tx1"/>
-                </a:solidFill>
-              </a:rPr>
-              <a:t>Not a </a:t>
-            </a:r>
-            <a:r>
-              <a:rPr lang="pl-PL" dirty="0" err="1">
-                <a:solidFill>
-                  <a:schemeClr val="tx1"/>
-                </a:solidFill>
-              </a:rPr>
-              <a:t>fresh</a:t>
-            </a:r>
-            <a:r>
-              <a:rPr lang="pl-PL" dirty="0">
-                <a:solidFill>
-                  <a:schemeClr val="tx1"/>
-                </a:solidFill>
-              </a:rPr>
-              <a:t> start – plan to </a:t>
-            </a:r>
-            <a:r>
-              <a:rPr lang="pl-PL" dirty="0" err="1">
-                <a:solidFill>
-                  <a:schemeClr val="tx1"/>
-                </a:solidFill>
-              </a:rPr>
-              <a:t>reduce</a:t>
-            </a:r>
-            <a:r>
-              <a:rPr lang="pl-PL" dirty="0">
-                <a:solidFill>
-                  <a:schemeClr val="tx1"/>
-                </a:solidFill>
-              </a:rPr>
-              <a:t> </a:t>
-            </a:r>
-            <a:r>
-              <a:rPr lang="pl-PL" dirty="0" err="1">
-                <a:solidFill>
-                  <a:schemeClr val="tx1"/>
-                </a:solidFill>
-              </a:rPr>
-              <a:t>instrumentation</a:t>
-            </a:r>
-            <a:r>
-              <a:rPr lang="pl-PL" dirty="0">
-                <a:solidFill>
-                  <a:schemeClr val="tx1"/>
-                </a:solidFill>
-              </a:rPr>
-              <a:t> </a:t>
-            </a:r>
-            <a:r>
-              <a:rPr lang="pl-PL" dirty="0" err="1">
-                <a:solidFill>
-                  <a:schemeClr val="tx1"/>
-                </a:solidFill>
-              </a:rPr>
-              <a:t>standards</a:t>
-            </a:r>
-            <a:r>
-              <a:rPr lang="pl-PL" dirty="0">
-                <a:solidFill>
-                  <a:schemeClr val="tx1"/>
-                </a:solidFill>
-              </a:rPr>
-              <a:t> to one </a:t>
-            </a:r>
-            <a:r>
-              <a:rPr lang="pl-PL" dirty="0" err="1">
-                <a:solidFill>
-                  <a:schemeClr val="tx1"/>
-                </a:solidFill>
-              </a:rPr>
-              <a:t>before</a:t>
-            </a:r>
-            <a:r>
-              <a:rPr lang="pl-PL" dirty="0">
-                <a:solidFill>
-                  <a:schemeClr val="tx1"/>
-                </a:solidFill>
-              </a:rPr>
-              <a:t> </a:t>
-            </a:r>
-            <a:r>
-              <a:rPr lang="pl-PL" dirty="0" err="1">
-                <a:solidFill>
-                  <a:schemeClr val="tx1"/>
-                </a:solidFill>
-              </a:rPr>
-              <a:t>adding</a:t>
-            </a:r>
-            <a:r>
-              <a:rPr lang="pl-PL" dirty="0">
-                <a:solidFill>
-                  <a:schemeClr val="tx1"/>
-                </a:solidFill>
-              </a:rPr>
-              <a:t> </a:t>
-            </a:r>
-            <a:r>
-              <a:rPr lang="pl-PL" dirty="0" err="1">
-                <a:solidFill>
-                  <a:schemeClr val="tx1"/>
-                </a:solidFill>
-              </a:rPr>
-              <a:t>any</a:t>
-            </a:r>
-            <a:r>
-              <a:rPr lang="pl-PL" dirty="0">
-                <a:solidFill>
-                  <a:schemeClr val="tx1"/>
-                </a:solidFill>
-              </a:rPr>
-              <a:t> </a:t>
-            </a:r>
-            <a:r>
-              <a:rPr lang="pl-PL" dirty="0" err="1">
-                <a:solidFill>
-                  <a:schemeClr val="tx1"/>
-                </a:solidFill>
-              </a:rPr>
-              <a:t>new</a:t>
-            </a:r>
-            <a:r>
-              <a:rPr lang="pl-PL" dirty="0">
-                <a:solidFill>
-                  <a:schemeClr val="tx1"/>
-                </a:solidFill>
-              </a:rPr>
-              <a:t> </a:t>
-            </a:r>
-            <a:r>
-              <a:rPr lang="pl-PL" dirty="0" err="1">
-                <a:solidFill>
-                  <a:schemeClr val="tx1"/>
-                </a:solidFill>
-              </a:rPr>
-              <a:t>functionality</a:t>
             </a:r>
             <a:endParaRPr lang="pl-PL" dirty="0">
               <a:solidFill>
@@ -6927,400 +6854,6 @@
           <a:chExt cx="0" cy="0"/>
         </a:xfrm>
       </p:grpSpPr>
-      <p:sp>
-        <p:nvSpPr>
-          <p:cNvPr id="2" name="Tytuł 1">
-            <a:extLst>
-              <a:ext uri="{FF2B5EF4-FFF2-40B4-BE49-F238E27FC236}">
-                <a16:creationId xmlns:a16="http://schemas.microsoft.com/office/drawing/2014/main" id="{FF311FA3-93F1-4DC2-9EA1-F297D189ACA7}"/>
-              </a:ext>
-            </a:extLst>
-          </p:cNvPr>
-          <p:cNvSpPr>
-            <a:spLocks noGrp="1"/>
-          </p:cNvSpPr>
-          <p:nvPr>
-            <p:ph type="title"/>
-          </p:nvPr>
-        </p:nvSpPr>
-        <p:spPr/>
-        <p:txBody>
-          <a:bodyPr/>
-          <a:lstStyle/>
-          <a:p>
-            <a:r>
-              <a:rPr lang="pl-PL" dirty="0" err="1">
-                <a:solidFill>
-                  <a:srgbClr val="FFC000"/>
-                </a:solidFill>
-              </a:rPr>
-              <a:t>Open</a:t>
-            </a:r>
-            <a:r>
-              <a:rPr lang="pl-PL" dirty="0" err="1">
-                <a:solidFill>
-                  <a:srgbClr val="425CC7"/>
-                </a:solidFill>
-              </a:rPr>
-              <a:t>Telemetry</a:t>
-            </a:r>
-            <a:r>
-              <a:rPr lang="pl-PL" dirty="0"/>
-              <a:t>	</a:t>
-            </a:r>
-            <a:endParaRPr lang="en-GB" dirty="0"/>
-          </a:p>
-        </p:txBody>
-      </p:sp>
-      <p:sp>
-        <p:nvSpPr>
-          <p:cNvPr id="3" name="Symbol zastępczy zawartości 2">
-            <a:extLst>
-              <a:ext uri="{FF2B5EF4-FFF2-40B4-BE49-F238E27FC236}">
-                <a16:creationId xmlns:a16="http://schemas.microsoft.com/office/drawing/2014/main" id="{7EF4003B-2662-4313-92B3-2AC079538360}"/>
-              </a:ext>
-            </a:extLst>
-          </p:cNvPr>
-          <p:cNvSpPr>
-            <a:spLocks noGrp="1"/>
-          </p:cNvSpPr>
-          <p:nvPr>
-            <p:ph idx="1"/>
-          </p:nvPr>
-        </p:nvSpPr>
-        <p:spPr/>
-        <p:txBody>
-          <a:bodyPr>
-            <a:normAutofit lnSpcReduction="10000"/>
-          </a:bodyPr>
-          <a:lstStyle/>
-          <a:p>
-            <a:pPr algn="just"/>
-            <a:r>
-              <a:rPr lang="pl-PL" dirty="0"/>
-              <a:t>SDK for .NET </a:t>
-            </a:r>
-            <a:r>
-              <a:rPr lang="pl-PL" dirty="0" err="1"/>
-              <a:t>is</a:t>
-            </a:r>
-            <a:r>
-              <a:rPr lang="pl-PL" dirty="0"/>
-              <a:t> </a:t>
-            </a:r>
-            <a:r>
-              <a:rPr lang="pl-PL" dirty="0" err="1"/>
-              <a:t>based</a:t>
-            </a:r>
-            <a:r>
-              <a:rPr lang="pl-PL" dirty="0"/>
-              <a:t> on the </a:t>
-            </a:r>
-            <a:r>
-              <a:rPr lang="pl-PL" dirty="0" err="1"/>
-              <a:t>few</a:t>
-            </a:r>
-            <a:r>
-              <a:rPr lang="pl-PL" dirty="0"/>
-              <a:t> </a:t>
-            </a:r>
-            <a:r>
-              <a:rPr lang="pl-PL" dirty="0" err="1"/>
-              <a:t>nuget</a:t>
-            </a:r>
-            <a:r>
-              <a:rPr lang="pl-PL" dirty="0"/>
-              <a:t> </a:t>
-            </a:r>
-            <a:r>
-              <a:rPr lang="pl-PL" dirty="0" err="1"/>
-              <a:t>packages</a:t>
-            </a:r>
-            <a:endParaRPr lang="pl-PL" dirty="0"/>
-          </a:p>
-          <a:p>
-            <a:pPr lvl="1" algn="just">
-              <a:buFont typeface="Wingdings" panose="05000000000000000000" pitchFamily="2" charset="2"/>
-              <a:buChar char="v"/>
-            </a:pPr>
-            <a:r>
-              <a:rPr lang="pl-PL" dirty="0" err="1"/>
-              <a:t>OpenTelemetry</a:t>
-            </a:r>
-            <a:endParaRPr lang="pl-PL" dirty="0"/>
-          </a:p>
-          <a:p>
-            <a:pPr lvl="1" algn="just">
-              <a:buFont typeface="Wingdings" panose="05000000000000000000" pitchFamily="2" charset="2"/>
-              <a:buChar char="v"/>
-            </a:pPr>
-            <a:r>
-              <a:rPr lang="pl-PL" dirty="0" err="1"/>
-              <a:t>OpenTelemetry.API</a:t>
-            </a:r>
-            <a:endParaRPr lang="pl-PL" dirty="0"/>
-          </a:p>
-          <a:p>
-            <a:pPr lvl="1" algn="just">
-              <a:buFont typeface="Wingdings" panose="05000000000000000000" pitchFamily="2" charset="2"/>
-              <a:buChar char="v"/>
-            </a:pPr>
-            <a:r>
-              <a:rPr lang="pl-PL" dirty="0" err="1"/>
-              <a:t>OpenTelemetry.Instrumentation.AspNetCore</a:t>
-            </a:r>
-            <a:endParaRPr lang="pl-PL" dirty="0"/>
-          </a:p>
-          <a:p>
-            <a:pPr lvl="1" algn="just">
-              <a:buFont typeface="Wingdings" panose="05000000000000000000" pitchFamily="2" charset="2"/>
-              <a:buChar char="v"/>
-            </a:pPr>
-            <a:r>
-              <a:rPr lang="pl-PL" dirty="0" err="1"/>
-              <a:t>OpenTelemetry.Instrumentation.GrpcNetClient</a:t>
-            </a:r>
-            <a:endParaRPr lang="pl-PL" dirty="0"/>
-          </a:p>
-          <a:p>
-            <a:pPr lvl="1" algn="just">
-              <a:buFont typeface="Wingdings" panose="05000000000000000000" pitchFamily="2" charset="2"/>
-              <a:buChar char="v"/>
-            </a:pPr>
-            <a:r>
-              <a:rPr lang="pl-PL" dirty="0" err="1"/>
-              <a:t>OpenTelemetry.Instrumentation.Http</a:t>
-            </a:r>
-            <a:endParaRPr lang="pl-PL" dirty="0"/>
-          </a:p>
-          <a:p>
-            <a:pPr lvl="1" algn="just">
-              <a:buFont typeface="Wingdings" panose="05000000000000000000" pitchFamily="2" charset="2"/>
-              <a:buChar char="v"/>
-            </a:pPr>
-            <a:r>
-              <a:rPr lang="pl-PL" dirty="0" err="1"/>
-              <a:t>OpenTelemetry.Instrumentation.SqlClient</a:t>
-            </a:r>
-            <a:endParaRPr lang="pl-PL" dirty="0"/>
-          </a:p>
-          <a:p>
-            <a:pPr lvl="1" algn="just">
-              <a:buFont typeface="Wingdings" panose="05000000000000000000" pitchFamily="2" charset="2"/>
-              <a:buChar char="v"/>
-            </a:pPr>
-            <a:r>
-              <a:rPr lang="pl-PL" dirty="0" err="1"/>
-              <a:t>OpenTelemetry.Exporter.OpenTelemetryProtocol</a:t>
-            </a:r>
-            <a:endParaRPr lang="pl-PL" dirty="0"/>
-          </a:p>
-          <a:p>
-            <a:pPr lvl="1" algn="just">
-              <a:buFont typeface="Wingdings" panose="05000000000000000000" pitchFamily="2" charset="2"/>
-              <a:buChar char="v"/>
-            </a:pPr>
-            <a:r>
-              <a:rPr lang="pl-PL" dirty="0" err="1"/>
-              <a:t>OpenTelemetry.Exporter.InMemory</a:t>
-            </a:r>
-            <a:endParaRPr lang="pl-PL" dirty="0"/>
-          </a:p>
-          <a:p>
-            <a:pPr lvl="1" algn="just">
-              <a:buFont typeface="Wingdings" panose="05000000000000000000" pitchFamily="2" charset="2"/>
-              <a:buChar char="v"/>
-            </a:pPr>
-            <a:r>
-              <a:rPr lang="pl-PL" dirty="0" err="1"/>
-              <a:t>OpenTelemetry.Exporter.Zipkin</a:t>
-            </a:r>
-            <a:endParaRPr lang="pl-PL" dirty="0"/>
-          </a:p>
-          <a:p>
-            <a:pPr marL="201168" lvl="1" indent="0" algn="just">
-              <a:buNone/>
-            </a:pPr>
-            <a:endParaRPr lang="pl-PL" dirty="0"/>
-          </a:p>
-          <a:p>
-            <a:pPr marL="201168" lvl="1" indent="0" algn="just">
-              <a:buNone/>
-            </a:pPr>
-            <a:r>
-              <a:rPr lang="pl-PL" dirty="0"/>
-              <a:t>And </a:t>
-            </a:r>
-            <a:r>
-              <a:rPr lang="pl-PL" dirty="0" err="1"/>
-              <a:t>more</a:t>
-            </a:r>
-            <a:r>
-              <a:rPr lang="pl-PL" dirty="0"/>
-              <a:t> </a:t>
-            </a:r>
-            <a:r>
-              <a:rPr lang="pl-PL" dirty="0" err="1"/>
-              <a:t>exporters</a:t>
-            </a:r>
-            <a:r>
-              <a:rPr lang="pl-PL" dirty="0"/>
-              <a:t> and </a:t>
-            </a:r>
-            <a:r>
-              <a:rPr lang="pl-PL" dirty="0" err="1"/>
-              <a:t>instrumentations</a:t>
-            </a:r>
-            <a:r>
-              <a:rPr lang="pl-PL" dirty="0"/>
-              <a:t>, </a:t>
-            </a:r>
-            <a:r>
-              <a:rPr lang="pl-PL" dirty="0" err="1"/>
-              <a:t>official</a:t>
-            </a:r>
-            <a:r>
-              <a:rPr lang="pl-PL" dirty="0"/>
-              <a:t> and one from the </a:t>
-            </a:r>
-            <a:r>
-              <a:rPr lang="pl-PL" dirty="0" err="1"/>
-              <a:t>OpenSource</a:t>
-            </a:r>
-            <a:r>
-              <a:rPr lang="pl-PL" dirty="0"/>
-              <a:t> </a:t>
-            </a:r>
-            <a:r>
-              <a:rPr lang="pl-PL" dirty="0" err="1"/>
-              <a:t>contributors</a:t>
-            </a:r>
-            <a:r>
-              <a:rPr lang="pl-PL" dirty="0"/>
-              <a:t>, </a:t>
-            </a:r>
-            <a:r>
-              <a:rPr lang="pl-PL" dirty="0" err="1"/>
-              <a:t>like</a:t>
-            </a:r>
-            <a:br>
-              <a:rPr lang="pl-PL" dirty="0"/>
-            </a:br>
-            <a:r>
-              <a:rPr lang="pl-PL" dirty="0" err="1"/>
-              <a:t>OpenTelemetry.Contrib.Instrumentation.AWS</a:t>
-            </a:r>
-            <a:endParaRPr lang="pl-PL" dirty="0"/>
-          </a:p>
-          <a:p>
-            <a:pPr marL="201168" lvl="1" indent="0" algn="just">
-              <a:buNone/>
-            </a:pPr>
-            <a:endParaRPr lang="pl-PL" dirty="0"/>
-          </a:p>
-          <a:p>
-            <a:pPr lvl="1" algn="just">
-              <a:buFont typeface="Wingdings" panose="05000000000000000000" pitchFamily="2" charset="2"/>
-              <a:buChar char="v"/>
-            </a:pPr>
-            <a:endParaRPr lang="pl-PL" dirty="0"/>
-          </a:p>
-          <a:p>
-            <a:pPr lvl="1" algn="just">
-              <a:buFont typeface="Wingdings" panose="05000000000000000000" pitchFamily="2" charset="2"/>
-              <a:buChar char="v"/>
-            </a:pPr>
-            <a:endParaRPr lang="pl-PL" dirty="0"/>
-          </a:p>
-          <a:p>
-            <a:pPr marL="201168" lvl="1" indent="0" algn="just">
-              <a:buNone/>
-            </a:pPr>
-            <a:endParaRPr lang="pl-PL" dirty="0"/>
-          </a:p>
-        </p:txBody>
-      </p:sp>
-      <p:sp>
-        <p:nvSpPr>
-          <p:cNvPr id="25" name="Prostokąt 24">
-            <a:extLst>
-              <a:ext uri="{FF2B5EF4-FFF2-40B4-BE49-F238E27FC236}">
-                <a16:creationId xmlns:a16="http://schemas.microsoft.com/office/drawing/2014/main" id="{F22E8CEC-F1B9-41DD-B402-E372147BCD89}"/>
-              </a:ext>
-            </a:extLst>
-          </p:cNvPr>
-          <p:cNvSpPr/>
-          <p:nvPr/>
-        </p:nvSpPr>
-        <p:spPr>
-          <a:xfrm>
-            <a:off x="10531138" y="6466361"/>
-            <a:ext cx="1558825" cy="369332"/>
-          </a:xfrm>
-          <a:prstGeom prst="rect">
-            <a:avLst/>
-          </a:prstGeom>
-        </p:spPr>
-        <p:txBody>
-          <a:bodyPr wrap="none">
-            <a:spAutoFit/>
-          </a:bodyPr>
-          <a:lstStyle/>
-          <a:p>
-            <a:r>
-              <a:rPr lang="pl-PL" dirty="0">
-                <a:solidFill>
-                  <a:schemeClr val="bg1"/>
-                </a:solidFill>
-              </a:rPr>
-              <a:t>@</a:t>
-            </a:r>
-            <a:r>
-              <a:rPr lang="pl-PL" dirty="0" err="1">
-                <a:solidFill>
-                  <a:schemeClr val="bg1"/>
-                </a:solidFill>
-              </a:rPr>
-              <a:t>lukaszpyrzyk</a:t>
-            </a:r>
-            <a:endParaRPr lang="en-GB" dirty="0">
-              <a:solidFill>
-                <a:schemeClr val="bg1"/>
-              </a:solidFill>
-            </a:endParaRPr>
-          </a:p>
-        </p:txBody>
-      </p:sp>
-    </p:spTree>
-    <p:extLst>
-      <p:ext uri="{BB962C8B-B14F-4D97-AF65-F5344CB8AC3E}">
-        <p14:creationId xmlns:p14="http://schemas.microsoft.com/office/powerpoint/2010/main" val="428082036"/>
-      </p:ext>
-    </p:extLst>
-  </p:cSld>
-  <p:clrMapOvr>
-    <a:masterClrMapping/>
-  </p:clrMapOvr>
-</p:sld>
-</file>
-
-<file path=ppt/slides/slide14.xml><?xml version="1.0" encoding="utf-8"?>
-<p:sld xmlns:a="http://schemas.openxmlformats.org/drawingml/2006/main" xmlns:r="http://schemas.openxmlformats.org/officeDocument/2006/relationships" xmlns:p="http://schemas.openxmlformats.org/presentationml/2006/main">
-  <p:cSld>
-    <p:spTree>
-      <p:nvGrpSpPr>
-        <p:cNvPr id="1" name=""/>
-        <p:cNvGrpSpPr/>
-        <p:nvPr/>
-      </p:nvGrpSpPr>
-      <p:grpSpPr>
-        <a:xfrm>
-          <a:off x="0" y="0"/>
-          <a:ext cx="0" cy="0"/>
-          <a:chOff x="0" y="0"/>
-          <a:chExt cx="0" cy="0"/>
-        </a:xfrm>
-      </p:grpSpPr>
       <p:pic>
         <p:nvPicPr>
           <p:cNvPr id="14" name="Obraz 13">
@@ -7416,7 +6949,7 @@
 </p:sld>
 </file>
 
-<file path=ppt/slides/slide15.xml><?xml version="1.0" encoding="utf-8"?>
+<file path=ppt/slides/slide14.xml><?xml version="1.0" encoding="utf-8"?>
 <p:sld xmlns:a="http://schemas.openxmlformats.org/drawingml/2006/main" xmlns:r="http://schemas.openxmlformats.org/officeDocument/2006/relationships" xmlns:p="http://schemas.openxmlformats.org/presentationml/2006/main">
   <p:cSld>
     <p:spTree>
@@ -8059,7 +7592,7 @@
 </p:sld>
 </file>
 
-<file path=ppt/slides/slide16.xml><?xml version="1.0" encoding="utf-8"?>
+<file path=ppt/slides/slide15.xml><?xml version="1.0" encoding="utf-8"?>
 <p:sld xmlns:a="http://schemas.openxmlformats.org/drawingml/2006/main" xmlns:r="http://schemas.openxmlformats.org/officeDocument/2006/relationships" xmlns:p="http://schemas.openxmlformats.org/presentationml/2006/main">
   <p:cSld>
     <p:spTree>
@@ -8174,6 +7707,246 @@
 </p:sld>
 </file>
 
+<file path=ppt/slides/slide16.xml><?xml version="1.0" encoding="utf-8"?>
+<p:sld xmlns:a="http://schemas.openxmlformats.org/drawingml/2006/main" xmlns:r="http://schemas.openxmlformats.org/officeDocument/2006/relationships" xmlns:p="http://schemas.openxmlformats.org/presentationml/2006/main">
+  <p:cSld>
+    <p:spTree>
+      <p:nvGrpSpPr>
+        <p:cNvPr id="1" name=""/>
+        <p:cNvGrpSpPr/>
+        <p:nvPr/>
+      </p:nvGrpSpPr>
+      <p:grpSpPr>
+        <a:xfrm>
+          <a:off x="0" y="0"/>
+          <a:ext cx="0" cy="0"/>
+          <a:chOff x="0" y="0"/>
+          <a:chExt cx="0" cy="0"/>
+        </a:xfrm>
+      </p:grpSpPr>
+      <p:sp>
+        <p:nvSpPr>
+          <p:cNvPr id="2" name="Tytuł 1">
+            <a:extLst>
+              <a:ext uri="{FF2B5EF4-FFF2-40B4-BE49-F238E27FC236}">
+                <a16:creationId xmlns:a16="http://schemas.microsoft.com/office/drawing/2014/main" id="{FF311FA3-93F1-4DC2-9EA1-F297D189ACA7}"/>
+              </a:ext>
+            </a:extLst>
+          </p:cNvPr>
+          <p:cNvSpPr>
+            <a:spLocks noGrp="1"/>
+          </p:cNvSpPr>
+          <p:nvPr>
+            <p:ph type="title"/>
+          </p:nvPr>
+        </p:nvSpPr>
+        <p:spPr/>
+        <p:txBody>
+          <a:bodyPr/>
+          <a:lstStyle/>
+          <a:p>
+            <a:r>
+              <a:rPr lang="pl-PL" dirty="0">
+                <a:solidFill>
+                  <a:schemeClr val="tx1"/>
+                </a:solidFill>
+              </a:rPr>
+              <a:t>W3C </a:t>
+            </a:r>
+            <a:r>
+              <a:rPr lang="pl-PL" dirty="0" err="1">
+                <a:solidFill>
+                  <a:schemeClr val="tx1"/>
+                </a:solidFill>
+              </a:rPr>
+              <a:t>TraceContext</a:t>
+            </a:r>
+            <a:r>
+              <a:rPr lang="pl-PL" dirty="0">
+                <a:solidFill>
+                  <a:schemeClr val="tx1"/>
+                </a:solidFill>
+              </a:rPr>
+              <a:t>	</a:t>
+            </a:r>
+            <a:endParaRPr lang="en-GB" dirty="0">
+              <a:solidFill>
+                <a:schemeClr val="tx1"/>
+              </a:solidFill>
+            </a:endParaRPr>
+          </a:p>
+        </p:txBody>
+      </p:sp>
+      <p:sp>
+        <p:nvSpPr>
+          <p:cNvPr id="3" name="Symbol zastępczy zawartości 2">
+            <a:extLst>
+              <a:ext uri="{FF2B5EF4-FFF2-40B4-BE49-F238E27FC236}">
+                <a16:creationId xmlns:a16="http://schemas.microsoft.com/office/drawing/2014/main" id="{7EF4003B-2662-4313-92B3-2AC079538360}"/>
+              </a:ext>
+            </a:extLst>
+          </p:cNvPr>
+          <p:cNvSpPr>
+            <a:spLocks noGrp="1"/>
+          </p:cNvSpPr>
+          <p:nvPr>
+            <p:ph idx="1"/>
+          </p:nvPr>
+        </p:nvSpPr>
+        <p:spPr/>
+        <p:txBody>
+          <a:bodyPr>
+            <a:normAutofit/>
+          </a:bodyPr>
+          <a:lstStyle/>
+          <a:p>
+            <a:pPr marL="201168" lvl="1" indent="0" algn="just">
+              <a:buNone/>
+            </a:pPr>
+            <a:r>
+              <a:rPr lang="pl-PL" dirty="0"/>
+              <a:t>„</a:t>
+            </a:r>
+            <a:r>
+              <a:rPr lang="en-GB" dirty="0"/>
+              <a:t>This specification defines standard HTTP headers and a value format to propagate context information that enables distributed tracing scenarios. The specification standardizes how context information is sent and modified between services. Context information uniquely identifies individual requests in a distributed system and also defines a means to add and propagate provider-specific context information.</a:t>
+            </a:r>
+            <a:r>
+              <a:rPr lang="pl-PL" dirty="0"/>
+              <a:t>”</a:t>
+            </a:r>
+          </a:p>
+          <a:p>
+            <a:pPr marL="201168" lvl="1" indent="0" algn="ctr">
+              <a:buNone/>
+            </a:pPr>
+            <a:r>
+              <a:rPr lang="pl-PL" dirty="0"/>
+              <a:t>https://www.w3.org/TR/trace-context/</a:t>
+            </a:r>
+          </a:p>
+          <a:p>
+            <a:pPr lvl="1" algn="just">
+              <a:buFont typeface="Wingdings" panose="05000000000000000000" pitchFamily="2" charset="2"/>
+              <a:buChar char="v"/>
+            </a:pPr>
+            <a:endParaRPr lang="pl-PL" dirty="0"/>
+          </a:p>
+          <a:p>
+            <a:pPr marL="201168" lvl="1" indent="0" algn="just">
+              <a:buNone/>
+            </a:pPr>
+            <a:r>
+              <a:rPr lang="en-GB" dirty="0"/>
+              <a:t>The </a:t>
+            </a:r>
+            <a:r>
+              <a:rPr lang="en-GB" dirty="0" err="1"/>
+              <a:t>traceparent</a:t>
+            </a:r>
+            <a:r>
+              <a:rPr lang="en-GB" dirty="0"/>
+              <a:t> header represents the incoming request in a tracing system in a common format, understood by all vendors. Here’s an example of a </a:t>
+            </a:r>
+            <a:r>
+              <a:rPr lang="en-GB" dirty="0" err="1">
+                <a:solidFill>
+                  <a:srgbClr val="0070C0"/>
+                </a:solidFill>
+              </a:rPr>
+              <a:t>traceparent</a:t>
+            </a:r>
+            <a:r>
+              <a:rPr lang="en-GB" dirty="0"/>
+              <a:t> header.</a:t>
+            </a:r>
+            <a:endParaRPr lang="pl-PL" dirty="0"/>
+          </a:p>
+          <a:p>
+            <a:pPr marL="201168" lvl="1" indent="0" algn="just">
+              <a:buNone/>
+            </a:pPr>
+            <a:endParaRPr lang="pl-PL" dirty="0"/>
+          </a:p>
+          <a:p>
+            <a:pPr marL="201168" lvl="1" indent="0" algn="just">
+              <a:buNone/>
+            </a:pPr>
+            <a:r>
+              <a:rPr lang="pl-PL" dirty="0" err="1"/>
+              <a:t>traceparent</a:t>
+            </a:r>
+            <a:r>
+              <a:rPr lang="pl-PL" dirty="0"/>
+              <a:t>: 00-0af7651916cd43dd8448eb211c80319c-b9c7c989f97918e1-01</a:t>
+            </a:r>
+          </a:p>
+        </p:txBody>
+      </p:sp>
+      <p:sp>
+        <p:nvSpPr>
+          <p:cNvPr id="6" name="Prostokąt 5">
+            <a:extLst>
+              <a:ext uri="{FF2B5EF4-FFF2-40B4-BE49-F238E27FC236}">
+                <a16:creationId xmlns:a16="http://schemas.microsoft.com/office/drawing/2014/main" id="{968838E7-4BC6-4D6A-9BFC-5247051559CA}"/>
+              </a:ext>
+            </a:extLst>
+          </p:cNvPr>
+          <p:cNvSpPr/>
+          <p:nvPr/>
+        </p:nvSpPr>
+        <p:spPr>
+          <a:xfrm>
+            <a:off x="10531138" y="6466361"/>
+            <a:ext cx="1558825" cy="369332"/>
+          </a:xfrm>
+          <a:prstGeom prst="rect">
+            <a:avLst/>
+          </a:prstGeom>
+        </p:spPr>
+        <p:txBody>
+          <a:bodyPr wrap="none">
+            <a:spAutoFit/>
+          </a:bodyPr>
+          <a:lstStyle/>
+          <a:p>
+            <a:r>
+              <a:rPr lang="pl-PL" dirty="0">
+                <a:solidFill>
+                  <a:schemeClr val="bg1"/>
+                </a:solidFill>
+              </a:rPr>
+              <a:t>@</a:t>
+            </a:r>
+            <a:r>
+              <a:rPr lang="pl-PL" dirty="0" err="1">
+                <a:solidFill>
+                  <a:schemeClr val="bg1"/>
+                </a:solidFill>
+              </a:rPr>
+              <a:t>lukaszpyrzyk</a:t>
+            </a:r>
+            <a:endParaRPr lang="en-GB" dirty="0">
+              <a:solidFill>
+                <a:schemeClr val="bg1"/>
+              </a:solidFill>
+            </a:endParaRPr>
+          </a:p>
+        </p:txBody>
+      </p:sp>
+    </p:spTree>
+    <p:extLst>
+      <p:ext uri="{BB962C8B-B14F-4D97-AF65-F5344CB8AC3E}">
+        <p14:creationId xmlns:p14="http://schemas.microsoft.com/office/powerpoint/2010/main" val="1590237771"/>
+      </p:ext>
+    </p:extLst>
+  </p:cSld>
+  <p:clrMapOvr>
+    <a:masterClrMapping/>
+  </p:clrMapOvr>
+</p:sld>
+</file>
+
 <file path=ppt/slides/slide17.xml><?xml version="1.0" encoding="utf-8"?>
 <p:sld xmlns:a="http://schemas.openxmlformats.org/drawingml/2006/main" xmlns:r="http://schemas.openxmlformats.org/officeDocument/2006/relationships" xmlns:p="http://schemas.openxmlformats.org/presentationml/2006/main">
   <p:cSld>
@@ -8271,38 +8044,72 @@
               <a:buNone/>
             </a:pPr>
             <a:r>
-              <a:rPr lang="pl-PL" dirty="0"/>
-              <a:t>„</a:t>
-            </a:r>
-            <a:r>
-              <a:rPr lang="en-GB" dirty="0"/>
-              <a:t>This specification defines standard HTTP headers and a value format to propagate context information that enables distributed tracing scenarios. The specification standardizes how context information is sent and modified between services. Context information uniquely identifies individual requests in a distributed system and also defines a means to add and propagate provider-specific context information.</a:t>
-            </a:r>
-            <a:r>
-              <a:rPr lang="pl-PL" dirty="0"/>
-              <a:t>”</a:t>
-            </a:r>
-          </a:p>
-          <a:p>
-            <a:pPr marL="201168" lvl="1" indent="0" algn="ctr">
-              <a:buNone/>
-            </a:pPr>
-            <a:r>
-              <a:rPr lang="pl-PL" dirty="0"/>
-              <a:t>https://www.w3.org/TR/trace-context/</a:t>
-            </a:r>
-          </a:p>
-          <a:p>
-            <a:pPr lvl="1" algn="just">
-              <a:buFont typeface="Wingdings" panose="05000000000000000000" pitchFamily="2" charset="2"/>
-              <a:buChar char="v"/>
-            </a:pPr>
-            <a:endParaRPr lang="pl-PL" dirty="0"/>
+              <a:rPr lang="pl-PL" dirty="0" err="1"/>
+              <a:t>traceparent</a:t>
+            </a:r>
+            <a:r>
+              <a:rPr lang="pl-PL" dirty="0"/>
+              <a:t>: </a:t>
+            </a:r>
+            <a:r>
+              <a:rPr lang="pl-PL" dirty="0">
+                <a:solidFill>
+                  <a:srgbClr val="00B050"/>
+                </a:solidFill>
+              </a:rPr>
+              <a:t>00</a:t>
+            </a:r>
+            <a:r>
+              <a:rPr lang="pl-PL" dirty="0"/>
+              <a:t>-</a:t>
+            </a:r>
+            <a:r>
+              <a:rPr lang="pl-PL" dirty="0">
+                <a:solidFill>
+                  <a:srgbClr val="FFC000"/>
+                </a:solidFill>
+              </a:rPr>
+              <a:t>0af7651916cd43dd8448eb211c80319c</a:t>
+            </a:r>
+            <a:r>
+              <a:rPr lang="pl-PL" dirty="0"/>
+              <a:t>-</a:t>
+            </a:r>
+            <a:r>
+              <a:rPr lang="pl-PL" dirty="0">
+                <a:solidFill>
+                  <a:srgbClr val="FF0000"/>
+                </a:solidFill>
+              </a:rPr>
+              <a:t>b9c7c989f97918e1</a:t>
+            </a:r>
+            <a:r>
+              <a:rPr lang="pl-PL" dirty="0"/>
+              <a:t>-</a:t>
+            </a:r>
+            <a:r>
+              <a:rPr lang="pl-PL" dirty="0">
+                <a:solidFill>
+                  <a:srgbClr val="0070C0"/>
+                </a:solidFill>
+              </a:rPr>
+              <a:t>01</a:t>
+            </a:r>
           </a:p>
           <a:p>
             <a:pPr marL="201168" lvl="1" indent="0" algn="just">
               <a:buNone/>
             </a:pPr>
+            <a:endParaRPr lang="pl-PL" dirty="0">
+              <a:solidFill>
+                <a:srgbClr val="0070C0"/>
+              </a:solidFill>
+            </a:endParaRPr>
+          </a:p>
+          <a:p>
+            <a:pPr marL="201168" lvl="1" indent="0" algn="just">
+              <a:buNone/>
+            </a:pPr>
             <a:r>
               <a:rPr lang="en-GB" dirty="0"/>
               <a:t>The </a:t>
@@ -8313,21 +8120,128 @@
             </a:r>
             <a:r>
               <a:rPr lang="en-GB" dirty="0"/>
-              <a:t> header represents the incoming request in a tracing system in a common format, understood by all vendors. Here’s an example of a </a:t>
-            </a:r>
-            <a:r>
-              <a:rPr lang="en-GB" dirty="0" err="1">
+              <a:t> HTTP header field identifies the incoming request in a tracing system. It has four fields:</a:t>
+            </a:r>
+          </a:p>
+          <a:p>
+            <a:pPr marL="201168" lvl="1" indent="0" algn="just">
+              <a:buNone/>
+            </a:pPr>
+            <a:r>
+              <a:rPr lang="en-GB" dirty="0"/>
+              <a:t>    </a:t>
+            </a:r>
+            <a:r>
+              <a:rPr lang="en-GB" dirty="0">
+                <a:solidFill>
+                  <a:srgbClr val="00B050"/>
+                </a:solidFill>
+              </a:rPr>
+              <a:t>version</a:t>
+            </a:r>
+            <a:r>
+              <a:rPr lang="pl-PL" dirty="0">
+                <a:solidFill>
+                  <a:srgbClr val="00B050"/>
+                </a:solidFill>
+              </a:rPr>
+              <a:t> - 00</a:t>
+            </a:r>
+            <a:endParaRPr lang="en-GB" dirty="0">
+              <a:solidFill>
+                <a:srgbClr val="00B050"/>
+              </a:solidFill>
+            </a:endParaRPr>
+          </a:p>
+          <a:p>
+            <a:pPr marL="201168" lvl="1" indent="0" algn="just">
+              <a:buNone/>
+            </a:pPr>
+            <a:r>
+              <a:rPr lang="en-GB" dirty="0"/>
+              <a:t>    </a:t>
+            </a:r>
+            <a:r>
+              <a:rPr lang="en-GB" dirty="0">
+                <a:solidFill>
+                  <a:srgbClr val="FFC000"/>
+                </a:solidFill>
+              </a:rPr>
+              <a:t>trace-id</a:t>
+            </a:r>
+            <a:r>
+              <a:rPr lang="pl-PL" dirty="0">
+                <a:solidFill>
+                  <a:srgbClr val="FFC000"/>
+                </a:solidFill>
+              </a:rPr>
+              <a:t> - 0af7651916cd43dd8448eb211c80319c</a:t>
+            </a:r>
+            <a:endParaRPr lang="en-GB" dirty="0">
+              <a:solidFill>
+                <a:srgbClr val="FFC000"/>
+              </a:solidFill>
+            </a:endParaRPr>
+          </a:p>
+          <a:p>
+            <a:pPr marL="201168" lvl="1" indent="0" algn="just">
+              <a:buNone/>
+            </a:pPr>
+            <a:r>
+              <a:rPr lang="en-GB" dirty="0"/>
+              <a:t>    </a:t>
+            </a:r>
+            <a:r>
+              <a:rPr lang="en-GB" dirty="0">
+                <a:solidFill>
+                  <a:srgbClr val="FF0000"/>
+                </a:solidFill>
+              </a:rPr>
+              <a:t>parent-id</a:t>
+            </a:r>
+            <a:r>
+              <a:rPr lang="pl-PL" dirty="0">
+                <a:solidFill>
+                  <a:srgbClr val="FF0000"/>
+                </a:solidFill>
+              </a:rPr>
+              <a:t> - b9c7c989f97918e1</a:t>
+            </a:r>
+            <a:endParaRPr lang="en-GB" dirty="0">
+              <a:solidFill>
+                <a:srgbClr val="FF0000"/>
+              </a:solidFill>
+            </a:endParaRPr>
+          </a:p>
+          <a:p>
+            <a:pPr marL="201168" lvl="1" indent="0" algn="just">
+              <a:buNone/>
+            </a:pPr>
+            <a:r>
+              <a:rPr lang="en-GB" dirty="0"/>
+              <a:t>    </a:t>
+            </a:r>
+            <a:r>
+              <a:rPr lang="en-GB" dirty="0">
                 <a:solidFill>
                   <a:srgbClr val="0070C0"/>
                 </a:solidFill>
               </a:rPr>
-              <a:t>traceparent</a:t>
-            </a:r>
-            <a:r>
-              <a:rPr lang="en-GB" dirty="0"/>
-              <a:t> header.</a:t>
-            </a:r>
-            <a:endParaRPr lang="pl-PL" dirty="0"/>
+              <a:t>trace-flags</a:t>
+            </a:r>
+            <a:r>
+              <a:rPr lang="pl-PL" dirty="0">
+                <a:solidFill>
+                  <a:srgbClr val="0070C0"/>
+                </a:solidFill>
+              </a:rPr>
+              <a:t> - 01</a:t>
+            </a:r>
+            <a:endParaRPr lang="en-GB" dirty="0">
+              <a:solidFill>
+                <a:srgbClr val="0070C0"/>
+              </a:solidFill>
+            </a:endParaRPr>
           </a:p>
           <a:p>
             <a:pPr marL="201168" lvl="1" indent="0" algn="just">
@@ -8335,27 +8249,14 @@
             </a:pPr>
             <a:endParaRPr lang="pl-PL" dirty="0"/>
           </a:p>
-          <a:p>
-            <a:pPr marL="201168" lvl="1" indent="0" algn="just">
-              <a:buNone/>
-            </a:pPr>
-            <a:r>
-              <a:rPr lang="pl-PL" dirty="0" err="1"/>
-              <a:t>traceparent</a:t>
-            </a:r>
-            <a:r>
-              <a:rPr lang="pl-PL" dirty="0"/>
-              <a:t>: 00-0af7651916cd43dd8448eb211c80319c-b9c7c989f97918e1-01</a:t>
-            </a:r>
-          </a:p>
         </p:txBody>
       </p:sp>
       <p:sp>
         <p:nvSpPr>
-          <p:cNvPr id="6" name="Prostokąt 5">
+          <p:cNvPr id="5" name="Prostokąt 4">
             <a:extLst>
               <a:ext uri="{FF2B5EF4-FFF2-40B4-BE49-F238E27FC236}">
-                <a16:creationId xmlns:a16="http://schemas.microsoft.com/office/drawing/2014/main" id="{968838E7-4BC6-4D6A-9BFC-5247051559CA}"/>
+                <a16:creationId xmlns:a16="http://schemas.microsoft.com/office/drawing/2014/main" id="{9DD8CDF3-DE32-4C25-8D64-BCB28454FF55}"/>
               </a:ext>
             </a:extLst>
           </p:cNvPr>
@@ -8404,7 +8305,7 @@
     </p:spTree>
     <p:extLst>
       <p:ext uri="{BB962C8B-B14F-4D97-AF65-F5344CB8AC3E}">
-        <p14:creationId xmlns:p14="http://schemas.microsoft.com/office/powerpoint/2010/main" val="1590237771"/>
+        <p14:creationId xmlns:p14="http://schemas.microsoft.com/office/powerpoint/2010/main" val="783726315"/>
       </p:ext>
     </p:extLst>
   </p:cSld>
@@ -8458,23 +8359,7 @@
                   <a:schemeClr val="tx1"/>
                 </a:solidFill>
               </a:rPr>
-              <a:t>W3C </a:t>
-            </a:r>
-            <a:r>
-              <a:rPr lang="pl-PL" dirty="0" err="1">
-                <a:solidFill>
-                  <a:schemeClr val="tx1"/>
-                </a:solidFill>
-              </a:rPr>
-              <a:t>TraceContext</a:t>
-            </a:r>
-            <a:r>
-              <a:rPr lang="pl-PL" dirty="0">
-                <a:solidFill>
-                  <a:schemeClr val="tx1"/>
-                </a:solidFill>
-              </a:rPr>
-              <a:t>	</a:t>
+              <a:t>Messaging</a:t>
             </a:r>
             <a:endParaRPr lang="en-GB" dirty="0">
               <a:solidFill>
@@ -8511,210 +8396,781 @@
               <a:buNone/>
             </a:pPr>
             <a:r>
-              <a:rPr lang="pl-PL" dirty="0" err="1"/>
-              <a:t>traceparent</a:t>
-            </a:r>
-            <a:r>
-              <a:rPr lang="pl-PL" dirty="0"/>
-              <a:t>: </a:t>
-            </a:r>
-            <a:r>
-              <a:rPr lang="pl-PL" dirty="0">
-                <a:solidFill>
-                  <a:srgbClr val="00B050"/>
-                </a:solidFill>
-              </a:rPr>
-              <a:t>00</a:t>
-            </a:r>
-            <a:r>
-              <a:rPr lang="pl-PL" dirty="0"/>
-              <a:t>-</a:t>
-            </a:r>
-            <a:r>
-              <a:rPr lang="pl-PL" dirty="0">
-                <a:solidFill>
-                  <a:srgbClr val="FFC000"/>
-                </a:solidFill>
-              </a:rPr>
-              <a:t>0af7651916cd43dd8448eb211c80319c</a:t>
-            </a:r>
-            <a:r>
-              <a:rPr lang="pl-PL" dirty="0"/>
-              <a:t>-</a:t>
-            </a:r>
-            <a:r>
-              <a:rPr lang="pl-PL" dirty="0">
-                <a:solidFill>
-                  <a:srgbClr val="FF0000"/>
-                </a:solidFill>
-              </a:rPr>
-              <a:t>b9c7c989f97918e1</a:t>
-            </a:r>
-            <a:r>
-              <a:rPr lang="pl-PL" dirty="0"/>
-              <a:t>-</a:t>
-            </a:r>
-            <a:r>
-              <a:rPr lang="pl-PL" dirty="0">
-                <a:solidFill>
-                  <a:srgbClr val="0070C0"/>
-                </a:solidFill>
-              </a:rPr>
-              <a:t>01</a:t>
-            </a:r>
-          </a:p>
-          <a:p>
-            <a:pPr marL="201168" lvl="1" indent="0" algn="just">
+              <a:rPr lang="pl-PL" dirty="0" err="1">
+                <a:solidFill>
+                  <a:schemeClr val="tx1"/>
+                </a:solidFill>
+              </a:rPr>
+              <a:t>OpenTelemetry</a:t>
+            </a:r>
+            <a:r>
+              <a:rPr lang="pl-PL" dirty="0">
+                <a:solidFill>
+                  <a:schemeClr val="tx1"/>
+                </a:solidFill>
+              </a:rPr>
+              <a:t> </a:t>
+            </a:r>
+            <a:r>
+              <a:rPr lang="pl-PL" dirty="0" err="1">
+                <a:solidFill>
+                  <a:schemeClr val="tx1"/>
+                </a:solidFill>
+              </a:rPr>
+              <a:t>also</a:t>
+            </a:r>
+            <a:r>
+              <a:rPr lang="pl-PL" dirty="0">
+                <a:solidFill>
+                  <a:schemeClr val="tx1"/>
+                </a:solidFill>
+              </a:rPr>
+              <a:t> </a:t>
+            </a:r>
+            <a:r>
+              <a:rPr lang="pl-PL" dirty="0" err="1">
+                <a:solidFill>
+                  <a:schemeClr val="tx1"/>
+                </a:solidFill>
+              </a:rPr>
+              <a:t>supports</a:t>
+            </a:r>
+            <a:r>
+              <a:rPr lang="pl-PL" dirty="0">
+                <a:solidFill>
+                  <a:schemeClr val="tx1"/>
+                </a:solidFill>
+              </a:rPr>
+              <a:t> </a:t>
+            </a:r>
+            <a:r>
+              <a:rPr lang="pl-PL" dirty="0" err="1">
+                <a:solidFill>
+                  <a:schemeClr val="tx1"/>
+                </a:solidFill>
+              </a:rPr>
+              <a:t>messaging</a:t>
+            </a:r>
+            <a:r>
+              <a:rPr lang="pl-PL" dirty="0">
+                <a:solidFill>
+                  <a:schemeClr val="tx1"/>
+                </a:solidFill>
+              </a:rPr>
+              <a:t> </a:t>
+            </a:r>
+            <a:r>
+              <a:rPr lang="pl-PL" dirty="0" err="1">
+                <a:solidFill>
+                  <a:schemeClr val="tx1"/>
+                </a:solidFill>
+              </a:rPr>
+              <a:t>functionalities</a:t>
+            </a:r>
+            <a:r>
+              <a:rPr lang="pl-PL" dirty="0">
+                <a:solidFill>
+                  <a:schemeClr val="tx1"/>
+                </a:solidFill>
+              </a:rPr>
+              <a:t>. For </a:t>
+            </a:r>
+            <a:r>
+              <a:rPr lang="pl-PL" dirty="0" err="1">
+                <a:solidFill>
+                  <a:schemeClr val="tx1"/>
+                </a:solidFill>
+              </a:rPr>
+              <a:t>example</a:t>
+            </a:r>
+            <a:r>
+              <a:rPr lang="pl-PL" dirty="0">
+                <a:solidFill>
+                  <a:schemeClr val="tx1"/>
+                </a:solidFill>
+              </a:rPr>
+              <a:t>, </a:t>
+            </a:r>
+            <a:r>
+              <a:rPr lang="pl-PL" dirty="0" err="1">
+                <a:solidFill>
+                  <a:schemeClr val="tx1"/>
+                </a:solidFill>
+              </a:rPr>
+              <a:t>it</a:t>
+            </a:r>
+            <a:r>
+              <a:rPr lang="pl-PL" dirty="0">
+                <a:solidFill>
+                  <a:schemeClr val="tx1"/>
+                </a:solidFill>
+              </a:rPr>
+              <a:t> </a:t>
+            </a:r>
+            <a:r>
+              <a:rPr lang="pl-PL" dirty="0" err="1">
+                <a:solidFill>
+                  <a:schemeClr val="tx1"/>
+                </a:solidFill>
+              </a:rPr>
+              <a:t>enriches</a:t>
+            </a:r>
+            <a:r>
+              <a:rPr lang="pl-PL" dirty="0">
+                <a:solidFill>
+                  <a:schemeClr val="tx1"/>
+                </a:solidFill>
+              </a:rPr>
+              <a:t> the </a:t>
+            </a:r>
+            <a:r>
+              <a:rPr lang="pl-PL" dirty="0" err="1">
+                <a:solidFill>
+                  <a:schemeClr val="tx1"/>
+                </a:solidFill>
+              </a:rPr>
+              <a:t>trace</a:t>
+            </a:r>
+            <a:r>
+              <a:rPr lang="pl-PL" dirty="0">
+                <a:solidFill>
+                  <a:schemeClr val="tx1"/>
+                </a:solidFill>
+              </a:rPr>
+              <a:t> with </a:t>
+            </a:r>
+            <a:r>
+              <a:rPr lang="pl-PL" dirty="0" err="1">
+                <a:solidFill>
+                  <a:schemeClr val="tx1"/>
+                </a:solidFill>
+              </a:rPr>
+              <a:t>atrributes</a:t>
+            </a:r>
+            <a:r>
+              <a:rPr lang="pl-PL" dirty="0">
+                <a:solidFill>
+                  <a:schemeClr val="tx1"/>
+                </a:solidFill>
+              </a:rPr>
+              <a:t> </a:t>
+            </a:r>
+            <a:r>
+              <a:rPr lang="pl-PL" dirty="0" err="1">
+                <a:solidFill>
+                  <a:schemeClr val="tx1"/>
+                </a:solidFill>
+              </a:rPr>
+              <a:t>like</a:t>
+            </a:r>
+            <a:r>
+              <a:rPr lang="pl-PL" dirty="0">
+                <a:solidFill>
+                  <a:schemeClr val="tx1"/>
+                </a:solidFill>
+              </a:rPr>
+              <a:t>:</a:t>
+            </a:r>
+          </a:p>
+          <a:p>
+            <a:pPr lvl="1" algn="just">
+              <a:buFont typeface="Wingdings" panose="05000000000000000000" pitchFamily="2" charset="2"/>
+              <a:buChar char="v"/>
+            </a:pPr>
+            <a:r>
+              <a:rPr lang="pl-PL" dirty="0" err="1">
+                <a:solidFill>
+                  <a:schemeClr val="tx1"/>
+                </a:solidFill>
+              </a:rPr>
+              <a:t>messaging.system</a:t>
+            </a:r>
+            <a:r>
+              <a:rPr lang="pl-PL" dirty="0">
+                <a:solidFill>
+                  <a:schemeClr val="tx1"/>
+                </a:solidFill>
+              </a:rPr>
+              <a:t> (</a:t>
+            </a:r>
+            <a:r>
+              <a:rPr lang="pl-PL" dirty="0" err="1">
+                <a:solidFill>
+                  <a:schemeClr val="tx1"/>
+                </a:solidFill>
+              </a:rPr>
+              <a:t>kafka</a:t>
+            </a:r>
+            <a:r>
+              <a:rPr lang="pl-PL" dirty="0">
+                <a:solidFill>
+                  <a:schemeClr val="tx1"/>
+                </a:solidFill>
+              </a:rPr>
+              <a:t>, </a:t>
+            </a:r>
+            <a:r>
+              <a:rPr lang="pl-PL" dirty="0" err="1">
+                <a:solidFill>
+                  <a:schemeClr val="tx1"/>
+                </a:solidFill>
+              </a:rPr>
+              <a:t>rabitmq</a:t>
+            </a:r>
+            <a:r>
+              <a:rPr lang="pl-PL" dirty="0">
+                <a:solidFill>
+                  <a:schemeClr val="tx1"/>
+                </a:solidFill>
+              </a:rPr>
+              <a:t>, </a:t>
+            </a:r>
+            <a:r>
+              <a:rPr lang="pl-PL" dirty="0" err="1">
+                <a:solidFill>
+                  <a:schemeClr val="tx1"/>
+                </a:solidFill>
+              </a:rPr>
+              <a:t>rocketmq</a:t>
+            </a:r>
+            <a:r>
+              <a:rPr lang="pl-PL" dirty="0">
+                <a:solidFill>
+                  <a:schemeClr val="tx1"/>
+                </a:solidFill>
+              </a:rPr>
+              <a:t>, </a:t>
+            </a:r>
+            <a:r>
+              <a:rPr lang="pl-PL" dirty="0" err="1">
+                <a:solidFill>
+                  <a:schemeClr val="tx1"/>
+                </a:solidFill>
+              </a:rPr>
+              <a:t>activemq</a:t>
+            </a:r>
+            <a:r>
+              <a:rPr lang="pl-PL" dirty="0">
+                <a:solidFill>
+                  <a:schemeClr val="tx1"/>
+                </a:solidFill>
+              </a:rPr>
+              <a:t>, </a:t>
+            </a:r>
+            <a:r>
+              <a:rPr lang="pl-PL" dirty="0" err="1">
+                <a:solidFill>
+                  <a:schemeClr val="tx1"/>
+                </a:solidFill>
+              </a:rPr>
+              <a:t>AmazonSqs</a:t>
+            </a:r>
+            <a:r>
+              <a:rPr lang="pl-PL" dirty="0">
+                <a:solidFill>
+                  <a:schemeClr val="tx1"/>
+                </a:solidFill>
+              </a:rPr>
+              <a:t>, </a:t>
+            </a:r>
+            <a:r>
+              <a:rPr lang="pl-PL" dirty="0" err="1">
+                <a:solidFill>
+                  <a:schemeClr val="tx1"/>
+                </a:solidFill>
+              </a:rPr>
+              <a:t>etc</a:t>
+            </a:r>
+            <a:r>
+              <a:rPr lang="pl-PL" dirty="0">
+                <a:solidFill>
+                  <a:schemeClr val="tx1"/>
+                </a:solidFill>
+              </a:rPr>
+              <a:t>)</a:t>
+            </a:r>
+          </a:p>
+          <a:p>
+            <a:pPr lvl="1" algn="just">
+              <a:buFont typeface="Wingdings" panose="05000000000000000000" pitchFamily="2" charset="2"/>
+              <a:buChar char="v"/>
+            </a:pPr>
+            <a:r>
+              <a:rPr lang="pl-PL" dirty="0" err="1">
+                <a:solidFill>
+                  <a:schemeClr val="tx1"/>
+                </a:solidFill>
+              </a:rPr>
+              <a:t>messaging.destination</a:t>
+            </a:r>
+            <a:r>
+              <a:rPr lang="pl-PL" dirty="0">
+                <a:solidFill>
+                  <a:schemeClr val="tx1"/>
+                </a:solidFill>
+              </a:rPr>
+              <a:t> (</a:t>
+            </a:r>
+            <a:r>
+              <a:rPr lang="pl-PL" dirty="0" err="1">
+                <a:solidFill>
+                  <a:schemeClr val="tx1"/>
+                </a:solidFill>
+              </a:rPr>
+              <a:t>queue</a:t>
+            </a:r>
+            <a:r>
+              <a:rPr lang="pl-PL" dirty="0">
+                <a:solidFill>
+                  <a:schemeClr val="tx1"/>
+                </a:solidFill>
+              </a:rPr>
+              <a:t> </a:t>
+            </a:r>
+            <a:r>
+              <a:rPr lang="pl-PL" dirty="0" err="1">
+                <a:solidFill>
+                  <a:schemeClr val="tx1"/>
+                </a:solidFill>
+              </a:rPr>
+              <a:t>name</a:t>
+            </a:r>
+            <a:r>
+              <a:rPr lang="pl-PL" dirty="0">
+                <a:solidFill>
+                  <a:schemeClr val="tx1"/>
+                </a:solidFill>
+              </a:rPr>
+              <a:t>, </a:t>
+            </a:r>
+            <a:r>
+              <a:rPr lang="pl-PL" dirty="0" err="1">
+                <a:solidFill>
+                  <a:schemeClr val="tx1"/>
+                </a:solidFill>
+              </a:rPr>
+              <a:t>topic</a:t>
+            </a:r>
+            <a:r>
+              <a:rPr lang="pl-PL" dirty="0">
+                <a:solidFill>
+                  <a:schemeClr val="tx1"/>
+                </a:solidFill>
+              </a:rPr>
+              <a:t> </a:t>
+            </a:r>
+            <a:r>
+              <a:rPr lang="pl-PL" dirty="0" err="1">
+                <a:solidFill>
+                  <a:schemeClr val="tx1"/>
+                </a:solidFill>
+              </a:rPr>
+              <a:t>name</a:t>
+            </a:r>
+            <a:r>
+              <a:rPr lang="pl-PL" dirty="0">
+                <a:solidFill>
+                  <a:schemeClr val="tx1"/>
+                </a:solidFill>
+              </a:rPr>
+              <a:t>)</a:t>
+            </a:r>
+          </a:p>
+          <a:p>
+            <a:pPr lvl="1" algn="just">
+              <a:buFont typeface="Wingdings" panose="05000000000000000000" pitchFamily="2" charset="2"/>
+              <a:buChar char="v"/>
+            </a:pPr>
+            <a:r>
+              <a:rPr lang="pl-PL" dirty="0" err="1">
+                <a:solidFill>
+                  <a:schemeClr val="tx1"/>
+                </a:solidFill>
+              </a:rPr>
+              <a:t>messaging.message_id</a:t>
+            </a:r>
+            <a:endParaRPr lang="pl-PL" dirty="0">
+              <a:solidFill>
+                <a:schemeClr val="tx1"/>
+              </a:solidFill>
+            </a:endParaRPr>
+          </a:p>
+          <a:p>
+            <a:pPr lvl="1" algn="just">
+              <a:buFont typeface="Wingdings" panose="05000000000000000000" pitchFamily="2" charset="2"/>
+              <a:buChar char="v"/>
+            </a:pPr>
+            <a:r>
+              <a:rPr lang="pl-PL" dirty="0">
+                <a:solidFill>
+                  <a:schemeClr val="tx1"/>
+                </a:solidFill>
+              </a:rPr>
+              <a:t>and </a:t>
+            </a:r>
+            <a:r>
+              <a:rPr lang="pl-PL" dirty="0" err="1">
+                <a:solidFill>
+                  <a:schemeClr val="tx1"/>
+                </a:solidFill>
+              </a:rPr>
+              <a:t>more</a:t>
+            </a:r>
+            <a:endParaRPr lang="pl-PL" dirty="0">
+              <a:solidFill>
+                <a:schemeClr val="tx1"/>
+              </a:solidFill>
+            </a:endParaRPr>
+          </a:p>
+          <a:p>
+            <a:pPr lvl="1" algn="just">
+              <a:buFont typeface="Wingdings" panose="05000000000000000000" pitchFamily="2" charset="2"/>
+              <a:buChar char="v"/>
+            </a:pPr>
+            <a:endParaRPr lang="pl-PL" dirty="0">
+              <a:solidFill>
+                <a:schemeClr val="tx1"/>
+              </a:solidFill>
+            </a:endParaRPr>
+          </a:p>
+          <a:p>
+            <a:pPr marL="201168" lvl="1" indent="0">
+              <a:buNone/>
+            </a:pPr>
+            <a:r>
+              <a:rPr lang="pl-PL" dirty="0">
+                <a:solidFill>
+                  <a:schemeClr val="tx1"/>
+                </a:solidFill>
+              </a:rPr>
+              <a:t>Full </a:t>
+            </a:r>
+            <a:r>
+              <a:rPr lang="pl-PL" dirty="0" err="1">
+                <a:solidFill>
+                  <a:schemeClr val="tx1"/>
+                </a:solidFill>
+              </a:rPr>
+              <a:t>specification</a:t>
+            </a:r>
+            <a:r>
+              <a:rPr lang="pl-PL" dirty="0">
+                <a:solidFill>
+                  <a:schemeClr val="tx1"/>
+                </a:solidFill>
+              </a:rPr>
+              <a:t> </a:t>
+            </a:r>
+            <a:r>
+              <a:rPr lang="pl-PL" dirty="0" err="1">
+                <a:solidFill>
+                  <a:schemeClr val="tx1"/>
+                </a:solidFill>
+              </a:rPr>
+              <a:t>is</a:t>
+            </a:r>
+            <a:r>
+              <a:rPr lang="pl-PL" dirty="0">
+                <a:solidFill>
+                  <a:schemeClr val="tx1"/>
+                </a:solidFill>
+              </a:rPr>
+              <a:t> </a:t>
+            </a:r>
+            <a:r>
+              <a:rPr lang="pl-PL" dirty="0" err="1">
+                <a:solidFill>
+                  <a:schemeClr val="tx1"/>
+                </a:solidFill>
+              </a:rPr>
+              <a:t>available</a:t>
+            </a:r>
+            <a:r>
+              <a:rPr lang="pl-PL" dirty="0">
+                <a:solidFill>
+                  <a:schemeClr val="tx1"/>
+                </a:solidFill>
+              </a:rPr>
+              <a:t> </a:t>
+            </a:r>
+            <a:r>
+              <a:rPr lang="pl-PL" dirty="0" err="1">
+                <a:solidFill>
+                  <a:schemeClr val="tx1"/>
+                </a:solidFill>
+              </a:rPr>
+              <a:t>at</a:t>
+            </a:r>
+            <a:r>
+              <a:rPr lang="pl-PL" dirty="0">
+                <a:solidFill>
+                  <a:schemeClr val="tx1"/>
+                </a:solidFill>
+              </a:rPr>
+              <a:t> </a:t>
+            </a:r>
+            <a:r>
+              <a:rPr lang="pl-PL" dirty="0">
+                <a:solidFill>
+                  <a:schemeClr val="tx1"/>
+                </a:solidFill>
+                <a:hlinkClick r:id="rId2"/>
+              </a:rPr>
+              <a:t>https://github.com/open-telemetry/opentelemetry-specification/blob/main/specification/trace/semantic_conventions/messaging.md</a:t>
+            </a:r>
+            <a:endParaRPr lang="pl-PL" dirty="0">
+              <a:solidFill>
+                <a:schemeClr val="tx1"/>
+              </a:solidFill>
+            </a:endParaRPr>
+          </a:p>
+          <a:p>
+            <a:pPr marL="201168" lvl="1" indent="0">
               <a:buNone/>
             </a:pPr>
             <a:endParaRPr lang="pl-PL" dirty="0">
               <a:solidFill>
-                <a:srgbClr val="0070C0"/>
+                <a:schemeClr val="tx1"/>
               </a:solidFill>
             </a:endParaRPr>
           </a:p>
           <a:p>
-            <a:pPr marL="201168" lvl="1" indent="0" algn="just">
+            <a:pPr marL="201168" lvl="1" indent="0">
               <a:buNone/>
             </a:pPr>
             <a:r>
-              <a:rPr lang="en-GB" dirty="0"/>
-              <a:t>The </a:t>
-            </a:r>
-            <a:r>
-              <a:rPr lang="en-GB" dirty="0" err="1"/>
+              <a:rPr lang="pl-PL" dirty="0">
+                <a:solidFill>
+                  <a:schemeClr val="tx1"/>
+                </a:solidFill>
+              </a:rPr>
+              <a:t>To </a:t>
+            </a:r>
+            <a:r>
+              <a:rPr lang="pl-PL" dirty="0" err="1">
+                <a:solidFill>
+                  <a:schemeClr val="tx1"/>
+                </a:solidFill>
+              </a:rPr>
+              <a:t>propagate</a:t>
+            </a:r>
+            <a:r>
+              <a:rPr lang="pl-PL" dirty="0">
+                <a:solidFill>
+                  <a:schemeClr val="tx1"/>
+                </a:solidFill>
+              </a:rPr>
+              <a:t> </a:t>
+            </a:r>
+            <a:r>
+              <a:rPr lang="pl-PL" dirty="0" err="1">
+                <a:solidFill>
+                  <a:schemeClr val="tx1"/>
+                </a:solidFill>
+              </a:rPr>
+              <a:t>trace</a:t>
+            </a:r>
+            <a:r>
+              <a:rPr lang="pl-PL" dirty="0">
+                <a:solidFill>
+                  <a:schemeClr val="tx1"/>
+                </a:solidFill>
+              </a:rPr>
+              <a:t> </a:t>
+            </a:r>
+            <a:r>
+              <a:rPr lang="pl-PL" dirty="0" err="1">
+                <a:solidFill>
+                  <a:schemeClr val="tx1"/>
+                </a:solidFill>
+              </a:rPr>
+              <a:t>flow</a:t>
+            </a:r>
+            <a:r>
+              <a:rPr lang="pl-PL" dirty="0">
+                <a:solidFill>
+                  <a:schemeClr val="tx1"/>
+                </a:solidFill>
+              </a:rPr>
+              <a:t>, the </a:t>
+            </a:r>
+            <a:r>
+              <a:rPr lang="pl-PL" dirty="0" err="1">
+                <a:solidFill>
+                  <a:schemeClr val="tx1"/>
+                </a:solidFill>
+              </a:rPr>
+              <a:t>corresponding</a:t>
+            </a:r>
+            <a:r>
+              <a:rPr lang="pl-PL" dirty="0">
+                <a:solidFill>
+                  <a:schemeClr val="tx1"/>
+                </a:solidFill>
+              </a:rPr>
+              <a:t> </a:t>
+            </a:r>
+            <a:r>
+              <a:rPr lang="pl-PL" dirty="0" err="1"/>
               <a:t>traceparent</a:t>
             </a:r>
             <a:r>
-              <a:rPr lang="en-GB" dirty="0"/>
-              <a:t> HTTP header field identifies the incoming request in a tracing system. It has four fields:</a:t>
-            </a:r>
-          </a:p>
-          <a:p>
-            <a:pPr marL="201168" lvl="1" indent="0" algn="just">
-              <a:buNone/>
-            </a:pPr>
-            <a:r>
-              <a:rPr lang="en-GB" dirty="0"/>
-              <a:t>    </a:t>
-            </a:r>
-            <a:r>
-              <a:rPr lang="en-GB" dirty="0">
-                <a:solidFill>
-                  <a:srgbClr val="00B050"/>
-                </a:solidFill>
-              </a:rPr>
-              <a:t>version</a:t>
-            </a:r>
-            <a:r>
-              <a:rPr lang="pl-PL" dirty="0">
-                <a:solidFill>
-                  <a:srgbClr val="00B050"/>
-                </a:solidFill>
-              </a:rPr>
-              <a:t> - 00</a:t>
-            </a:r>
-            <a:endParaRPr lang="en-GB" dirty="0">
+              <a:rPr lang="pl-PL" dirty="0"/>
+              <a:t> </a:t>
+            </a:r>
+            <a:r>
+              <a:rPr lang="pl-PL" dirty="0" err="1"/>
+              <a:t>value</a:t>
+            </a:r>
+            <a:r>
+              <a:rPr lang="pl-PL" dirty="0"/>
+              <a:t> </a:t>
+            </a:r>
+            <a:r>
+              <a:rPr lang="pl-PL" dirty="0" err="1"/>
+              <a:t>is</a:t>
+            </a:r>
+            <a:r>
+              <a:rPr lang="pl-PL" dirty="0"/>
+              <a:t> </a:t>
+            </a:r>
+            <a:r>
+              <a:rPr lang="pl-PL" dirty="0" err="1"/>
+              <a:t>sent</a:t>
+            </a:r>
+            <a:r>
+              <a:rPr lang="pl-PL" dirty="0"/>
+              <a:t> as </a:t>
+            </a:r>
+            <a:r>
+              <a:rPr lang="pl-PL" dirty="0" err="1">
+                <a:solidFill>
+                  <a:srgbClr val="0070C0"/>
+                </a:solidFill>
+              </a:rPr>
+              <a:t>Diagnostic</a:t>
+            </a:r>
+            <a:r>
+              <a:rPr lang="pl-PL" dirty="0">
+                <a:solidFill>
+                  <a:srgbClr val="0070C0"/>
+                </a:solidFill>
+              </a:rPr>
+              <a:t>-Id</a:t>
+            </a:r>
+            <a:r>
+              <a:rPr lang="pl-PL" dirty="0"/>
+              <a:t> </a:t>
+            </a:r>
+            <a:r>
+              <a:rPr lang="pl-PL" dirty="0" err="1"/>
+              <a:t>message</a:t>
+            </a:r>
+            <a:r>
+              <a:rPr lang="pl-PL" dirty="0"/>
+              <a:t> </a:t>
+            </a:r>
+            <a:r>
+              <a:rPr lang="pl-PL" dirty="0" err="1"/>
+              <a:t>property</a:t>
+            </a:r>
+            <a:r>
+              <a:rPr lang="pl-PL" dirty="0"/>
+              <a:t>. </a:t>
+            </a:r>
+            <a:r>
+              <a:rPr lang="pl-PL" dirty="0" err="1"/>
+              <a:t>However</a:t>
+            </a:r>
+            <a:r>
+              <a:rPr lang="pl-PL" dirty="0"/>
+              <a:t>, in </a:t>
+            </a:r>
+            <a:r>
+              <a:rPr lang="pl-PL" dirty="0" err="1"/>
+              <a:t>some</a:t>
+            </a:r>
+            <a:r>
+              <a:rPr lang="pl-PL" dirty="0"/>
+              <a:t> </a:t>
+            </a:r>
+            <a:r>
+              <a:rPr lang="pl-PL" dirty="0" err="1"/>
+              <a:t>scenarios</a:t>
+            </a:r>
+            <a:r>
+              <a:rPr lang="pl-PL" dirty="0"/>
+              <a:t> </a:t>
+            </a:r>
+            <a:r>
+              <a:rPr lang="pl-PL" dirty="0" err="1"/>
+              <a:t>flows</a:t>
+            </a:r>
+            <a:r>
+              <a:rPr lang="pl-PL" dirty="0"/>
+              <a:t> </a:t>
+            </a:r>
+            <a:r>
+              <a:rPr lang="pl-PL" dirty="0" err="1"/>
+              <a:t>separated</a:t>
+            </a:r>
+            <a:r>
+              <a:rPr lang="pl-PL" dirty="0"/>
+              <a:t> by the </a:t>
+            </a:r>
+            <a:r>
+              <a:rPr lang="pl-PL" dirty="0" err="1"/>
+              <a:t>ServiceBus</a:t>
+            </a:r>
+            <a:r>
+              <a:rPr lang="pl-PL" dirty="0"/>
+              <a:t> </a:t>
+            </a:r>
+            <a:r>
+              <a:rPr lang="pl-PL" dirty="0" err="1"/>
+              <a:t>are</a:t>
+            </a:r>
+            <a:r>
+              <a:rPr lang="pl-PL" dirty="0"/>
+              <a:t> </a:t>
+            </a:r>
+            <a:r>
+              <a:rPr lang="pl-PL" dirty="0" err="1"/>
+              <a:t>linked</a:t>
+            </a:r>
+            <a:r>
+              <a:rPr lang="pl-PL" dirty="0"/>
+              <a:t> with </a:t>
+            </a:r>
+            <a:r>
+              <a:rPr lang="pl-PL" dirty="0">
+                <a:solidFill>
+                  <a:srgbClr val="0070C0"/>
+                </a:solidFill>
+              </a:rPr>
+              <a:t>Links</a:t>
+            </a:r>
+            <a:r>
+              <a:rPr lang="pl-PL" dirty="0"/>
+              <a:t> </a:t>
+            </a:r>
+            <a:r>
+              <a:rPr lang="pl-PL" dirty="0" err="1"/>
+              <a:t>instead</a:t>
+            </a:r>
+            <a:r>
+              <a:rPr lang="pl-PL" dirty="0"/>
+              <a:t> of a single </a:t>
+            </a:r>
+            <a:r>
+              <a:rPr lang="pl-PL" dirty="0" err="1"/>
+              <a:t>trace</a:t>
+            </a:r>
+            <a:endParaRPr lang="pl-PL" dirty="0">
               <a:solidFill>
-                <a:srgbClr val="00B050"/>
+                <a:schemeClr val="tx1"/>
               </a:solidFill>
             </a:endParaRPr>
-          </a:p>
-          <a:p>
-            <a:pPr marL="201168" lvl="1" indent="0" algn="just">
-              <a:buNone/>
-            </a:pPr>
-            <a:r>
-              <a:rPr lang="en-GB" dirty="0"/>
-              <a:t>    </a:t>
-            </a:r>
-            <a:r>
-              <a:rPr lang="en-GB" dirty="0">
-                <a:solidFill>
-                  <a:srgbClr val="FFC000"/>
-                </a:solidFill>
-              </a:rPr>
-              <a:t>trace-id</a:t>
-            </a:r>
-            <a:r>
-              <a:rPr lang="pl-PL" dirty="0">
-                <a:solidFill>
-                  <a:srgbClr val="FFC000"/>
-                </a:solidFill>
-              </a:rPr>
-              <a:t> - 0af7651916cd43dd8448eb211c80319c</a:t>
-            </a:r>
-            <a:endParaRPr lang="en-GB" dirty="0">
-              <a:solidFill>
-                <a:srgbClr val="FFC000"/>
-              </a:solidFill>
-            </a:endParaRPr>
-          </a:p>
-          <a:p>
-            <a:pPr marL="201168" lvl="1" indent="0" algn="just">
-              <a:buNone/>
-            </a:pPr>
-            <a:r>
-              <a:rPr lang="en-GB" dirty="0"/>
-              <a:t>    </a:t>
-            </a:r>
-            <a:r>
-              <a:rPr lang="en-GB" dirty="0">
-                <a:solidFill>
-                  <a:srgbClr val="FF0000"/>
-                </a:solidFill>
-              </a:rPr>
-              <a:t>parent-id</a:t>
-            </a:r>
-            <a:r>
-              <a:rPr lang="pl-PL" dirty="0">
-                <a:solidFill>
-                  <a:srgbClr val="FF0000"/>
-                </a:solidFill>
-              </a:rPr>
-              <a:t> - b9c7c989f97918e1</a:t>
-            </a:r>
-            <a:endParaRPr lang="en-GB" dirty="0">
-              <a:solidFill>
-                <a:srgbClr val="FF0000"/>
-              </a:solidFill>
-            </a:endParaRPr>
-          </a:p>
-          <a:p>
-            <a:pPr marL="201168" lvl="1" indent="0" algn="just">
-              <a:buNone/>
-            </a:pPr>
-            <a:r>
-              <a:rPr lang="en-GB" dirty="0"/>
-              <a:t>    </a:t>
-            </a:r>
-            <a:r>
-              <a:rPr lang="en-GB" dirty="0">
-                <a:solidFill>
-                  <a:srgbClr val="0070C0"/>
-                </a:solidFill>
-              </a:rPr>
-              <a:t>trace-flags</a:t>
-            </a:r>
-            <a:r>
-              <a:rPr lang="pl-PL" dirty="0">
-                <a:solidFill>
-                  <a:srgbClr val="0070C0"/>
-                </a:solidFill>
-              </a:rPr>
-              <a:t> - 01</a:t>
-            </a:r>
-            <a:endParaRPr lang="en-GB" dirty="0">
-              <a:solidFill>
-                <a:srgbClr val="0070C0"/>
-              </a:solidFill>
-            </a:endParaRPr>
-          </a:p>
-          <a:p>
-            <a:pPr marL="201168" lvl="1" indent="0" algn="just">
-              <a:buNone/>
-            </a:pPr>
-            <a:endParaRPr lang="pl-PL" dirty="0"/>
           </a:p>
         </p:txBody>
       </p:sp>
@@ -8723,7 +9179,7 @@
           <p:cNvPr id="5" name="Prostokąt 4">
             <a:extLst>
               <a:ext uri="{FF2B5EF4-FFF2-40B4-BE49-F238E27FC236}">
-                <a16:creationId xmlns:a16="http://schemas.microsoft.com/office/drawing/2014/main" id="{9DD8CDF3-DE32-4C25-8D64-BCB28454FF55}"/>
+                <a16:creationId xmlns:a16="http://schemas.microsoft.com/office/drawing/2014/main" id="{E1129490-370C-4FDF-80C2-6625BEB798D1}"/>
               </a:ext>
             </a:extLst>
           </p:cNvPr>
@@ -8772,7 +9228,7 @@
     </p:spTree>
     <p:extLst>
       <p:ext uri="{BB962C8B-B14F-4D97-AF65-F5344CB8AC3E}">
-        <p14:creationId xmlns:p14="http://schemas.microsoft.com/office/powerpoint/2010/main" val="783726315"/>
+        <p14:creationId xmlns:p14="http://schemas.microsoft.com/office/powerpoint/2010/main" val="2771167750"/>
       </p:ext>
     </p:extLst>
   </p:cSld>
@@ -8804,7 +9260,7 @@
           <p:cNvPr id="2" name="Tytuł 1">
             <a:extLst>
               <a:ext uri="{FF2B5EF4-FFF2-40B4-BE49-F238E27FC236}">
-                <a16:creationId xmlns:a16="http://schemas.microsoft.com/office/drawing/2014/main" id="{FF311FA3-93F1-4DC2-9EA1-F297D189ACA7}"/>
+                <a16:creationId xmlns:a16="http://schemas.microsoft.com/office/drawing/2014/main" id="{DBCF61BD-95D2-4195-92AB-D5FBFA5899FE}"/>
               </a:ext>
             </a:extLst>
           </p:cNvPr>
@@ -8821,18 +9277,14 @@
           <a:lstStyle/>
           <a:p>
             <a:r>
-              <a:rPr lang="pl-PL" dirty="0">
-                <a:solidFill>
-                  <a:schemeClr val="tx1"/>
-                </a:solidFill>
-              </a:rPr>
-              <a:t>Messaging</a:t>
-            </a:r>
-            <a:endParaRPr lang="en-GB" dirty="0">
-              <a:solidFill>
-                <a:schemeClr val="tx1"/>
-              </a:solidFill>
-            </a:endParaRPr>
+              <a:rPr lang="pl-PL" dirty="0" err="1"/>
+              <a:t>About</a:t>
+            </a:r>
+            <a:r>
+              <a:rPr lang="pl-PL" dirty="0"/>
+              <a:t> the demo</a:t>
+            </a:r>
+            <a:endParaRPr lang="en-GB" dirty="0"/>
           </a:p>
         </p:txBody>
       </p:sp>
@@ -8841,7 +9293,7 @@
           <p:cNvPr id="3" name="Symbol zastępczy zawartości 2">
             <a:extLst>
               <a:ext uri="{FF2B5EF4-FFF2-40B4-BE49-F238E27FC236}">
-                <a16:creationId xmlns:a16="http://schemas.microsoft.com/office/drawing/2014/main" id="{7EF4003B-2662-4313-92B3-2AC079538360}"/>
+                <a16:creationId xmlns:a16="http://schemas.microsoft.com/office/drawing/2014/main" id="{AD3FCEB9-56AF-4295-BC72-2CC224C9BB38}"/>
               </a:ext>
             </a:extLst>
           </p:cNvPr>
@@ -8854,848 +9306,113 @@
         </p:nvSpPr>
         <p:spPr/>
         <p:txBody>
-          <a:bodyPr>
-            <a:normAutofit/>
-          </a:bodyPr>
+          <a:bodyPr/>
           <a:lstStyle/>
           <a:p>
-            <a:pPr marL="201168" lvl="1" indent="0" algn="just">
-              <a:buNone/>
-            </a:pPr>
-            <a:r>
-              <a:rPr lang="pl-PL" dirty="0" err="1">
-                <a:solidFill>
-                  <a:schemeClr val="tx1"/>
-                </a:solidFill>
-              </a:rPr>
-              <a:t>OpenTelemetry</a:t>
-            </a:r>
-            <a:r>
-              <a:rPr lang="pl-PL" dirty="0">
-                <a:solidFill>
-                  <a:schemeClr val="tx1"/>
-                </a:solidFill>
-              </a:rPr>
-              <a:t> </a:t>
-            </a:r>
-            <a:r>
-              <a:rPr lang="pl-PL" dirty="0" err="1">
-                <a:solidFill>
-                  <a:schemeClr val="tx1"/>
-                </a:solidFill>
-              </a:rPr>
-              <a:t>also</a:t>
-            </a:r>
-            <a:r>
-              <a:rPr lang="pl-PL" dirty="0">
-                <a:solidFill>
-                  <a:schemeClr val="tx1"/>
-                </a:solidFill>
-              </a:rPr>
-              <a:t> </a:t>
-            </a:r>
-            <a:r>
-              <a:rPr lang="pl-PL" dirty="0" err="1">
-                <a:solidFill>
-                  <a:schemeClr val="tx1"/>
-                </a:solidFill>
-              </a:rPr>
-              <a:t>supports</a:t>
-            </a:r>
-            <a:r>
-              <a:rPr lang="pl-PL" dirty="0">
-                <a:solidFill>
-                  <a:schemeClr val="tx1"/>
-                </a:solidFill>
-              </a:rPr>
-              <a:t> </a:t>
-            </a:r>
-            <a:r>
-              <a:rPr lang="pl-PL" dirty="0" err="1">
-                <a:solidFill>
-                  <a:schemeClr val="tx1"/>
-                </a:solidFill>
-              </a:rPr>
-              <a:t>messaging</a:t>
-            </a:r>
-            <a:r>
-              <a:rPr lang="pl-PL" dirty="0">
-                <a:solidFill>
-                  <a:schemeClr val="tx1"/>
-                </a:solidFill>
-              </a:rPr>
-              <a:t> </a:t>
-            </a:r>
-            <a:r>
-              <a:rPr lang="pl-PL" dirty="0" err="1">
-                <a:solidFill>
-                  <a:schemeClr val="tx1"/>
-                </a:solidFill>
-              </a:rPr>
-              <a:t>functionalities</a:t>
-            </a:r>
-            <a:r>
-              <a:rPr lang="pl-PL" dirty="0">
-                <a:solidFill>
-                  <a:schemeClr val="tx1"/>
-                </a:solidFill>
-              </a:rPr>
-              <a:t>. For </a:t>
-            </a:r>
-            <a:r>
-              <a:rPr lang="pl-PL" dirty="0" err="1">
-                <a:solidFill>
-                  <a:schemeClr val="tx1"/>
-                </a:solidFill>
-              </a:rPr>
-              <a:t>example</a:t>
-            </a:r>
-            <a:r>
-              <a:rPr lang="pl-PL" dirty="0">
-                <a:solidFill>
-                  <a:schemeClr val="tx1"/>
-                </a:solidFill>
-              </a:rPr>
+            <a:endParaRPr lang="pl-PL" dirty="0"/>
+          </a:p>
+          <a:p>
+            <a:endParaRPr lang="pl-PL" dirty="0"/>
+          </a:p>
+          <a:p>
+            <a:r>
+              <a:rPr lang="pl-PL" dirty="0"/>
+              <a:t>Source </a:t>
+            </a:r>
+            <a:r>
+              <a:rPr lang="pl-PL" dirty="0" err="1"/>
+              <a:t>code</a:t>
+            </a:r>
+            <a:r>
+              <a:rPr lang="pl-PL" dirty="0"/>
+              <a:t> for the demo </a:t>
+            </a:r>
+            <a:r>
+              <a:rPr lang="pl-PL" dirty="0" err="1"/>
+              <a:t>is</a:t>
+            </a:r>
+            <a:r>
+              <a:rPr lang="pl-PL" dirty="0"/>
+              <a:t> open </a:t>
+            </a:r>
+            <a:r>
+              <a:rPr lang="pl-PL" dirty="0" err="1"/>
+              <a:t>sourced</a:t>
+            </a:r>
+            <a:r>
+              <a:rPr lang="pl-PL" dirty="0"/>
               <a:t>, </a:t>
             </a:r>
             <a:r>
-              <a:rPr lang="pl-PL" dirty="0" err="1">
-                <a:solidFill>
-                  <a:schemeClr val="tx1"/>
-                </a:solidFill>
-              </a:rPr>
+              <a:rPr lang="pl-PL" dirty="0" err="1"/>
+              <a:t>together</a:t>
+            </a:r>
+            <a:r>
+              <a:rPr lang="pl-PL" dirty="0"/>
+              <a:t> with </a:t>
+            </a:r>
+            <a:r>
+              <a:rPr lang="pl-PL" dirty="0" err="1"/>
+              <a:t>presentation</a:t>
+            </a:r>
+            <a:r>
+              <a:rPr lang="pl-PL" dirty="0"/>
+              <a:t> on my </a:t>
+            </a:r>
+            <a:r>
+              <a:rPr lang="pl-PL" dirty="0" err="1"/>
+              <a:t>Github</a:t>
+            </a:r>
+            <a:r>
+              <a:rPr lang="pl-PL" dirty="0"/>
+              <a:t> profile. To run </a:t>
+            </a:r>
+            <a:r>
+              <a:rPr lang="pl-PL" dirty="0" err="1"/>
               <a:t>it</a:t>
             </a:r>
             <a:r>
-              <a:rPr lang="pl-PL" dirty="0">
-                <a:solidFill>
-                  <a:schemeClr val="tx1"/>
-                </a:solidFill>
-              </a:rPr>
-              <a:t> </a:t>
-            </a:r>
-            <a:r>
-              <a:rPr lang="pl-PL" dirty="0" err="1">
-                <a:solidFill>
-                  <a:schemeClr val="tx1"/>
-                </a:solidFill>
-              </a:rPr>
-              <a:t>enriches</a:t>
-            </a:r>
-            <a:r>
-              <a:rPr lang="pl-PL" dirty="0">
-                <a:solidFill>
-                  <a:schemeClr val="tx1"/>
-                </a:solidFill>
-              </a:rPr>
-              <a:t> the </a:t>
-            </a:r>
-            <a:r>
-              <a:rPr lang="pl-PL" dirty="0" err="1">
-                <a:solidFill>
-                  <a:schemeClr val="tx1"/>
-                </a:solidFill>
-              </a:rPr>
-              <a:t>trace</a:t>
-            </a:r>
-            <a:r>
-              <a:rPr lang="pl-PL" dirty="0">
-                <a:solidFill>
-                  <a:schemeClr val="tx1"/>
-                </a:solidFill>
-              </a:rPr>
-              <a:t> with </a:t>
-            </a:r>
-            <a:r>
-              <a:rPr lang="pl-PL" dirty="0" err="1">
-                <a:solidFill>
-                  <a:schemeClr val="tx1"/>
-                </a:solidFill>
-              </a:rPr>
-              <a:t>atrributes</a:t>
-            </a:r>
-            <a:r>
-              <a:rPr lang="pl-PL" dirty="0">
-                <a:solidFill>
-                  <a:schemeClr val="tx1"/>
-                </a:solidFill>
-              </a:rPr>
-              <a:t> </a:t>
-            </a:r>
-            <a:r>
-              <a:rPr lang="pl-PL" dirty="0" err="1">
-                <a:solidFill>
-                  <a:schemeClr val="tx1"/>
-                </a:solidFill>
-              </a:rPr>
-              <a:t>like</a:t>
-            </a:r>
-            <a:r>
-              <a:rPr lang="pl-PL" dirty="0">
-                <a:solidFill>
-                  <a:schemeClr val="tx1"/>
-                </a:solidFill>
-              </a:rPr>
-              <a:t>:</a:t>
-            </a:r>
-          </a:p>
-          <a:p>
-            <a:pPr lvl="1" algn="just">
-              <a:buFont typeface="Wingdings" panose="05000000000000000000" pitchFamily="2" charset="2"/>
-              <a:buChar char="v"/>
-            </a:pPr>
-            <a:r>
-              <a:rPr lang="pl-PL" dirty="0" err="1">
-                <a:solidFill>
-                  <a:schemeClr val="tx1"/>
-                </a:solidFill>
-              </a:rPr>
-              <a:t>messaging.system</a:t>
-            </a:r>
-            <a:r>
-              <a:rPr lang="pl-PL" dirty="0">
-                <a:solidFill>
-                  <a:schemeClr val="tx1"/>
-                </a:solidFill>
-              </a:rPr>
-              <a:t> (</a:t>
-            </a:r>
-            <a:r>
-              <a:rPr lang="pl-PL" dirty="0" err="1">
-                <a:solidFill>
-                  <a:schemeClr val="tx1"/>
-                </a:solidFill>
-              </a:rPr>
-              <a:t>kafka</a:t>
-            </a:r>
-            <a:r>
-              <a:rPr lang="pl-PL" dirty="0">
-                <a:solidFill>
-                  <a:schemeClr val="tx1"/>
-                </a:solidFill>
-              </a:rPr>
+              <a:rPr lang="pl-PL" dirty="0"/>
               <a:t>, </a:t>
             </a:r>
             <a:r>
-              <a:rPr lang="pl-PL" dirty="0" err="1">
-                <a:solidFill>
-                  <a:schemeClr val="tx1"/>
-                </a:solidFill>
-              </a:rPr>
-              <a:t>rabitmq</a:t>
-            </a:r>
-            <a:r>
-              <a:rPr lang="pl-PL" dirty="0">
-                <a:solidFill>
-                  <a:schemeClr val="tx1"/>
-                </a:solidFill>
-              </a:rPr>
-              <a:t>, </a:t>
-            </a:r>
-            <a:r>
-              <a:rPr lang="pl-PL" dirty="0" err="1">
-                <a:solidFill>
-                  <a:schemeClr val="tx1"/>
-                </a:solidFill>
-              </a:rPr>
-              <a:t>rocketmq</a:t>
-            </a:r>
-            <a:r>
-              <a:rPr lang="pl-PL" dirty="0">
-                <a:solidFill>
-                  <a:schemeClr val="tx1"/>
-                </a:solidFill>
-              </a:rPr>
-              <a:t>, </a:t>
-            </a:r>
-            <a:r>
-              <a:rPr lang="pl-PL" dirty="0" err="1">
-                <a:solidFill>
-                  <a:schemeClr val="tx1"/>
-                </a:solidFill>
-              </a:rPr>
-              <a:t>activemq</a:t>
-            </a:r>
-            <a:r>
-              <a:rPr lang="pl-PL" dirty="0">
-                <a:solidFill>
-                  <a:schemeClr val="tx1"/>
-                </a:solidFill>
-              </a:rPr>
-              <a:t>, </a:t>
-            </a:r>
-            <a:r>
-              <a:rPr lang="pl-PL" dirty="0" err="1">
-                <a:solidFill>
-                  <a:schemeClr val="tx1"/>
-                </a:solidFill>
-              </a:rPr>
-              <a:t>AmazonSqs</a:t>
-            </a:r>
-            <a:r>
-              <a:rPr lang="pl-PL" dirty="0">
-                <a:solidFill>
-                  <a:schemeClr val="tx1"/>
-                </a:solidFill>
-              </a:rPr>
-              <a:t>, </a:t>
-            </a:r>
-            <a:r>
-              <a:rPr lang="pl-PL" dirty="0" err="1">
-                <a:solidFill>
-                  <a:schemeClr val="tx1"/>
-                </a:solidFill>
-              </a:rPr>
-              <a:t>etc</a:t>
-            </a:r>
-            <a:r>
-              <a:rPr lang="pl-PL" dirty="0">
-                <a:solidFill>
-                  <a:schemeClr val="tx1"/>
-                </a:solidFill>
-              </a:rPr>
-              <a:t>)</a:t>
-            </a:r>
-          </a:p>
-          <a:p>
-            <a:pPr lvl="1" algn="just">
-              <a:buFont typeface="Wingdings" panose="05000000000000000000" pitchFamily="2" charset="2"/>
-              <a:buChar char="v"/>
-            </a:pPr>
-            <a:r>
-              <a:rPr lang="pl-PL" dirty="0" err="1">
-                <a:solidFill>
-                  <a:schemeClr val="tx1"/>
-                </a:solidFill>
-              </a:rPr>
-              <a:t>messaging.destination</a:t>
-            </a:r>
-            <a:r>
-              <a:rPr lang="pl-PL" dirty="0">
-                <a:solidFill>
-                  <a:schemeClr val="tx1"/>
-                </a:solidFill>
-              </a:rPr>
-              <a:t> (</a:t>
-            </a:r>
-            <a:r>
-              <a:rPr lang="pl-PL" dirty="0" err="1">
-                <a:solidFill>
-                  <a:schemeClr val="tx1"/>
-                </a:solidFill>
-              </a:rPr>
-              <a:t>queue</a:t>
-            </a:r>
-            <a:r>
-              <a:rPr lang="pl-PL" dirty="0">
-                <a:solidFill>
-                  <a:schemeClr val="tx1"/>
-                </a:solidFill>
-              </a:rPr>
-              <a:t> </a:t>
-            </a:r>
-            <a:r>
-              <a:rPr lang="pl-PL" dirty="0" err="1">
-                <a:solidFill>
-                  <a:schemeClr val="tx1"/>
-                </a:solidFill>
-              </a:rPr>
-              <a:t>name</a:t>
-            </a:r>
-            <a:r>
-              <a:rPr lang="pl-PL" dirty="0">
-                <a:solidFill>
-                  <a:schemeClr val="tx1"/>
-                </a:solidFill>
-              </a:rPr>
-              <a:t>, </a:t>
-            </a:r>
-            <a:r>
-              <a:rPr lang="pl-PL" dirty="0" err="1">
-                <a:solidFill>
-                  <a:schemeClr val="tx1"/>
-                </a:solidFill>
-              </a:rPr>
-              <a:t>topic</a:t>
-            </a:r>
-            <a:r>
-              <a:rPr lang="pl-PL" dirty="0">
-                <a:solidFill>
-                  <a:schemeClr val="tx1"/>
-                </a:solidFill>
-              </a:rPr>
-              <a:t> </a:t>
-            </a:r>
-            <a:r>
-              <a:rPr lang="pl-PL" dirty="0" err="1">
-                <a:solidFill>
-                  <a:schemeClr val="tx1"/>
-                </a:solidFill>
-              </a:rPr>
-              <a:t>name</a:t>
-            </a:r>
-            <a:r>
-              <a:rPr lang="pl-PL" dirty="0">
-                <a:solidFill>
-                  <a:schemeClr val="tx1"/>
-                </a:solidFill>
-              </a:rPr>
-              <a:t>)</a:t>
-            </a:r>
-          </a:p>
-          <a:p>
-            <a:pPr lvl="1" algn="just">
-              <a:buFont typeface="Wingdings" panose="05000000000000000000" pitchFamily="2" charset="2"/>
-              <a:buChar char="v"/>
-            </a:pPr>
-            <a:r>
-              <a:rPr lang="pl-PL" dirty="0" err="1">
-                <a:solidFill>
-                  <a:schemeClr val="tx1"/>
-                </a:solidFill>
-              </a:rPr>
-              <a:t>messaging.message_id</a:t>
-            </a:r>
-            <a:endParaRPr lang="pl-PL" dirty="0">
-              <a:solidFill>
-                <a:schemeClr val="tx1"/>
-              </a:solidFill>
-            </a:endParaRPr>
-          </a:p>
-          <a:p>
-            <a:pPr lvl="1" algn="just">
-              <a:buFont typeface="Wingdings" panose="05000000000000000000" pitchFamily="2" charset="2"/>
-              <a:buChar char="v"/>
-            </a:pPr>
-            <a:r>
-              <a:rPr lang="pl-PL" dirty="0">
-                <a:solidFill>
-                  <a:schemeClr val="tx1"/>
-                </a:solidFill>
-              </a:rPr>
-              <a:t>and </a:t>
-            </a:r>
-            <a:r>
-              <a:rPr lang="pl-PL" dirty="0" err="1">
-                <a:solidFill>
-                  <a:schemeClr val="tx1"/>
-                </a:solidFill>
-              </a:rPr>
-              <a:t>more</a:t>
-            </a:r>
-            <a:endParaRPr lang="pl-PL" dirty="0">
-              <a:solidFill>
-                <a:schemeClr val="tx1"/>
-              </a:solidFill>
-            </a:endParaRPr>
-          </a:p>
-          <a:p>
-            <a:pPr lvl="1" algn="just">
-              <a:buFont typeface="Wingdings" panose="05000000000000000000" pitchFamily="2" charset="2"/>
-              <a:buChar char="v"/>
-            </a:pPr>
-            <a:endParaRPr lang="pl-PL" dirty="0">
-              <a:solidFill>
-                <a:schemeClr val="tx1"/>
-              </a:solidFill>
-            </a:endParaRPr>
-          </a:p>
-          <a:p>
-            <a:pPr marL="201168" lvl="1" indent="0">
-              <a:buNone/>
-            </a:pPr>
-            <a:r>
-              <a:rPr lang="pl-PL" dirty="0">
-                <a:solidFill>
-                  <a:schemeClr val="tx1"/>
-                </a:solidFill>
-              </a:rPr>
-              <a:t>Full </a:t>
-            </a:r>
-            <a:r>
-              <a:rPr lang="pl-PL" dirty="0" err="1">
-                <a:solidFill>
-                  <a:schemeClr val="tx1"/>
-                </a:solidFill>
-              </a:rPr>
-              <a:t>specification</a:t>
-            </a:r>
-            <a:r>
-              <a:rPr lang="pl-PL" dirty="0">
-                <a:solidFill>
-                  <a:schemeClr val="tx1"/>
-                </a:solidFill>
-              </a:rPr>
-              <a:t> </a:t>
-            </a:r>
-            <a:r>
-              <a:rPr lang="pl-PL" dirty="0" err="1">
-                <a:solidFill>
-                  <a:schemeClr val="tx1"/>
-                </a:solidFill>
-              </a:rPr>
-              <a:t>is</a:t>
-            </a:r>
-            <a:r>
-              <a:rPr lang="pl-PL" dirty="0">
-                <a:solidFill>
-                  <a:schemeClr val="tx1"/>
-                </a:solidFill>
-              </a:rPr>
-              <a:t> </a:t>
-            </a:r>
-            <a:r>
-              <a:rPr lang="pl-PL" dirty="0" err="1">
-                <a:solidFill>
-                  <a:schemeClr val="tx1"/>
-                </a:solidFill>
-              </a:rPr>
-              <a:t>available</a:t>
-            </a:r>
-            <a:r>
-              <a:rPr lang="pl-PL" dirty="0">
-                <a:solidFill>
-                  <a:schemeClr val="tx1"/>
-                </a:solidFill>
-              </a:rPr>
-              <a:t> </a:t>
-            </a:r>
-            <a:r>
-              <a:rPr lang="pl-PL" dirty="0" err="1">
-                <a:solidFill>
-                  <a:schemeClr val="tx1"/>
-                </a:solidFill>
-              </a:rPr>
-              <a:t>at</a:t>
-            </a:r>
-            <a:r>
-              <a:rPr lang="pl-PL" dirty="0">
-                <a:solidFill>
-                  <a:schemeClr val="tx1"/>
-                </a:solidFill>
-              </a:rPr>
-              <a:t> </a:t>
-            </a:r>
-            <a:r>
-              <a:rPr lang="pl-PL" dirty="0">
-                <a:solidFill>
-                  <a:schemeClr val="tx1"/>
-                </a:solidFill>
-                <a:hlinkClick r:id="rId2"/>
-              </a:rPr>
-              <a:t>https://github.com/open-telemetry/opentelemetry-specification/blob/main/specification/trace/semantic_conventions/messaging.md</a:t>
-            </a:r>
-            <a:endParaRPr lang="pl-PL" dirty="0">
-              <a:solidFill>
-                <a:schemeClr val="tx1"/>
-              </a:solidFill>
-            </a:endParaRPr>
-          </a:p>
-          <a:p>
-            <a:pPr marL="201168" lvl="1" indent="0">
-              <a:buNone/>
-            </a:pPr>
-            <a:endParaRPr lang="pl-PL" dirty="0">
-              <a:solidFill>
-                <a:schemeClr val="tx1"/>
-              </a:solidFill>
-            </a:endParaRPr>
-          </a:p>
-          <a:p>
-            <a:pPr marL="201168" lvl="1" indent="0">
-              <a:buNone/>
-            </a:pPr>
-            <a:r>
-              <a:rPr lang="pl-PL" dirty="0">
-                <a:solidFill>
-                  <a:schemeClr val="tx1"/>
-                </a:solidFill>
-              </a:rPr>
-              <a:t>To </a:t>
-            </a:r>
-            <a:r>
-              <a:rPr lang="pl-PL" dirty="0" err="1">
-                <a:solidFill>
-                  <a:schemeClr val="tx1"/>
-                </a:solidFill>
-              </a:rPr>
-              <a:t>propagate</a:t>
-            </a:r>
-            <a:r>
-              <a:rPr lang="pl-PL" dirty="0">
-                <a:solidFill>
-                  <a:schemeClr val="tx1"/>
-                </a:solidFill>
-              </a:rPr>
-              <a:t> </a:t>
-            </a:r>
-            <a:r>
-              <a:rPr lang="pl-PL" dirty="0" err="1">
-                <a:solidFill>
-                  <a:schemeClr val="tx1"/>
-                </a:solidFill>
-              </a:rPr>
-              <a:t>trace</a:t>
-            </a:r>
-            <a:r>
-              <a:rPr lang="pl-PL" dirty="0">
-                <a:solidFill>
-                  <a:schemeClr val="tx1"/>
-                </a:solidFill>
-              </a:rPr>
-              <a:t> </a:t>
-            </a:r>
-            <a:r>
-              <a:rPr lang="pl-PL" dirty="0" err="1">
-                <a:solidFill>
-                  <a:schemeClr val="tx1"/>
-                </a:solidFill>
-              </a:rPr>
-              <a:t>flow</a:t>
-            </a:r>
-            <a:r>
-              <a:rPr lang="pl-PL" dirty="0">
-                <a:solidFill>
-                  <a:schemeClr val="tx1"/>
-                </a:solidFill>
-              </a:rPr>
-              <a:t>, the </a:t>
-            </a:r>
-            <a:r>
-              <a:rPr lang="pl-PL" dirty="0" err="1">
-                <a:solidFill>
-                  <a:schemeClr val="tx1"/>
-                </a:solidFill>
-              </a:rPr>
-              <a:t>corresponding</a:t>
-            </a:r>
-            <a:r>
-              <a:rPr lang="pl-PL" dirty="0">
-                <a:solidFill>
-                  <a:schemeClr val="tx1"/>
-                </a:solidFill>
-              </a:rPr>
-              <a:t> </a:t>
-            </a:r>
-            <a:r>
-              <a:rPr lang="pl-PL" dirty="0" err="1"/>
-              <a:t>traceparent</a:t>
-            </a:r>
-            <a:r>
-              <a:rPr lang="pl-PL" dirty="0"/>
-              <a:t> </a:t>
-            </a:r>
-            <a:r>
-              <a:rPr lang="pl-PL" dirty="0" err="1"/>
-              <a:t>value</a:t>
-            </a:r>
-            <a:r>
-              <a:rPr lang="pl-PL" dirty="0"/>
-              <a:t> </a:t>
-            </a:r>
-            <a:r>
-              <a:rPr lang="pl-PL" dirty="0" err="1"/>
-              <a:t>is</a:t>
-            </a:r>
-            <a:r>
-              <a:rPr lang="pl-PL" dirty="0"/>
-              <a:t> </a:t>
-            </a:r>
-            <a:r>
-              <a:rPr lang="pl-PL" dirty="0" err="1"/>
-              <a:t>sent</a:t>
-            </a:r>
-            <a:r>
-              <a:rPr lang="pl-PL" dirty="0"/>
-              <a:t> as </a:t>
-            </a:r>
-            <a:r>
-              <a:rPr lang="pl-PL" dirty="0" err="1">
-                <a:solidFill>
-                  <a:srgbClr val="0070C0"/>
-                </a:solidFill>
-              </a:rPr>
-              <a:t>Diagnostic</a:t>
-            </a:r>
-            <a:r>
-              <a:rPr lang="pl-PL" dirty="0">
-                <a:solidFill>
-                  <a:srgbClr val="0070C0"/>
-                </a:solidFill>
-              </a:rPr>
-              <a:t>-Id</a:t>
-            </a:r>
-            <a:r>
-              <a:rPr lang="pl-PL" dirty="0"/>
-              <a:t> </a:t>
-            </a:r>
-            <a:r>
-              <a:rPr lang="pl-PL" dirty="0" err="1"/>
-              <a:t>message</a:t>
-            </a:r>
-            <a:r>
-              <a:rPr lang="pl-PL" dirty="0"/>
-              <a:t> </a:t>
-            </a:r>
-            <a:r>
-              <a:rPr lang="pl-PL" dirty="0" err="1"/>
-              <a:t>property</a:t>
-            </a:r>
-            <a:r>
-              <a:rPr lang="pl-PL" dirty="0"/>
-              <a:t>. </a:t>
-            </a:r>
-            <a:r>
-              <a:rPr lang="pl-PL" dirty="0" err="1"/>
-              <a:t>However</a:t>
-            </a:r>
-            <a:r>
-              <a:rPr lang="pl-PL" dirty="0"/>
-              <a:t>, in </a:t>
-            </a:r>
-            <a:r>
-              <a:rPr lang="pl-PL" dirty="0" err="1"/>
-              <a:t>some</a:t>
-            </a:r>
-            <a:r>
-              <a:rPr lang="pl-PL" dirty="0"/>
-              <a:t> </a:t>
-            </a:r>
-            <a:r>
-              <a:rPr lang="pl-PL" dirty="0" err="1"/>
-              <a:t>scenarios</a:t>
-            </a:r>
-            <a:r>
-              <a:rPr lang="pl-PL" dirty="0"/>
-              <a:t> </a:t>
-            </a:r>
-            <a:r>
-              <a:rPr lang="pl-PL" dirty="0" err="1"/>
-              <a:t>flows</a:t>
-            </a:r>
-            <a:r>
-              <a:rPr lang="pl-PL" dirty="0"/>
-              <a:t> </a:t>
-            </a:r>
-            <a:r>
-              <a:rPr lang="pl-PL" dirty="0" err="1"/>
-              <a:t>separated</a:t>
-            </a:r>
-            <a:r>
-              <a:rPr lang="pl-PL" dirty="0"/>
-              <a:t> by the </a:t>
-            </a:r>
-            <a:r>
-              <a:rPr lang="pl-PL" dirty="0" err="1"/>
-              <a:t>ServiceBus</a:t>
-            </a:r>
-            <a:r>
-              <a:rPr lang="pl-PL" dirty="0"/>
-              <a:t> </a:t>
-            </a:r>
-            <a:r>
-              <a:rPr lang="pl-PL" dirty="0" err="1"/>
-              <a:t>are</a:t>
-            </a:r>
-            <a:r>
-              <a:rPr lang="pl-PL" dirty="0"/>
-              <a:t> </a:t>
-            </a:r>
-            <a:r>
-              <a:rPr lang="pl-PL" dirty="0" err="1"/>
-              <a:t>linked</a:t>
-            </a:r>
-            <a:r>
-              <a:rPr lang="pl-PL" dirty="0"/>
-              <a:t> with </a:t>
-            </a:r>
-            <a:r>
-              <a:rPr lang="pl-PL" dirty="0">
-                <a:solidFill>
-                  <a:srgbClr val="0070C0"/>
-                </a:solidFill>
-              </a:rPr>
-              <a:t>Links</a:t>
-            </a:r>
-            <a:r>
-              <a:rPr lang="pl-PL" dirty="0"/>
-              <a:t> </a:t>
-            </a:r>
-            <a:r>
-              <a:rPr lang="pl-PL" dirty="0" err="1"/>
-              <a:t>instead</a:t>
-            </a:r>
-            <a:r>
-              <a:rPr lang="pl-PL" dirty="0"/>
-              <a:t> of a single </a:t>
-            </a:r>
-            <a:r>
-              <a:rPr lang="pl-PL" dirty="0" err="1"/>
-              <a:t>trace</a:t>
-            </a:r>
-            <a:endParaRPr lang="pl-PL" dirty="0">
-              <a:solidFill>
-                <a:schemeClr val="tx1"/>
-              </a:solidFill>
-            </a:endParaRPr>
-          </a:p>
-        </p:txBody>
-      </p:sp>
-      <p:sp>
-        <p:nvSpPr>
-          <p:cNvPr id="5" name="Prostokąt 4">
-            <a:extLst>
-              <a:ext uri="{FF2B5EF4-FFF2-40B4-BE49-F238E27FC236}">
-                <a16:creationId xmlns:a16="http://schemas.microsoft.com/office/drawing/2014/main" id="{E1129490-370C-4FDF-80C2-6625BEB798D1}"/>
-              </a:ext>
-            </a:extLst>
-          </p:cNvPr>
-          <p:cNvSpPr/>
-          <p:nvPr/>
-        </p:nvSpPr>
-        <p:spPr>
-          <a:xfrm>
-            <a:off x="10531138" y="6466361"/>
-            <a:ext cx="1558825" cy="369332"/>
-          </a:xfrm>
-          <a:prstGeom prst="rect">
-            <a:avLst/>
-          </a:prstGeom>
-        </p:spPr>
-        <p:txBody>
-          <a:bodyPr wrap="none">
-            <a:spAutoFit/>
-          </a:bodyPr>
-          <a:lstStyle/>
-          <a:p>
-            <a:r>
-              <a:rPr lang="pl-PL" dirty="0">
-                <a:solidFill>
-                  <a:schemeClr val="bg1"/>
-                </a:solidFill>
-              </a:rPr>
-              <a:t>@</a:t>
-            </a:r>
-            <a:r>
-              <a:rPr lang="pl-PL" dirty="0" err="1">
-                <a:solidFill>
-                  <a:schemeClr val="bg1"/>
-                </a:solidFill>
-              </a:rPr>
-              <a:t>lukaszpyrzyk</a:t>
-            </a:r>
-            <a:endParaRPr lang="en-GB" dirty="0">
-              <a:solidFill>
-                <a:schemeClr val="bg1"/>
-              </a:solidFill>
-            </a:endParaRPr>
+              <a:rPr lang="pl-PL" dirty="0" err="1"/>
+              <a:t>follow</a:t>
+            </a:r>
+            <a:r>
+              <a:rPr lang="pl-PL" dirty="0"/>
+              <a:t> </a:t>
+            </a:r>
+            <a:r>
+              <a:rPr lang="pl-PL" dirty="0" err="1"/>
+              <a:t>instructions</a:t>
+            </a:r>
+            <a:r>
+              <a:rPr lang="pl-PL" dirty="0"/>
+              <a:t> in the </a:t>
+            </a:r>
+            <a:r>
+              <a:rPr lang="pl-PL" dirty="0" err="1"/>
+              <a:t>readme</a:t>
+            </a:r>
+            <a:r>
+              <a:rPr lang="pl-PL" dirty="0"/>
+              <a:t> file.</a:t>
+            </a:r>
+          </a:p>
+          <a:p>
+            <a:pPr algn="ctr"/>
+            <a:r>
+              <a:rPr lang="pl-PL" dirty="0"/>
+              <a:t>https://github.com/lukasz-pyrzyk/opentelemetry-demo</a:t>
+            </a:r>
           </a:p>
         </p:txBody>
       </p:sp>
     </p:spTree>
     <p:extLst>
       <p:ext uri="{BB962C8B-B14F-4D97-AF65-F5344CB8AC3E}">
-        <p14:creationId xmlns:p14="http://schemas.microsoft.com/office/powerpoint/2010/main" val="2771167750"/>
+        <p14:creationId xmlns:p14="http://schemas.microsoft.com/office/powerpoint/2010/main" val="61611896"/>
       </p:ext>
     </p:extLst>
   </p:cSld>
@@ -9871,6 +9588,96 @@
           </a:p>
         </p:txBody>
       </p:sp>
+      <p:pic>
+        <p:nvPicPr>
+          <p:cNvPr id="4" name="Obraz 3">
+            <a:extLst>
+              <a:ext uri="{FF2B5EF4-FFF2-40B4-BE49-F238E27FC236}">
+                <a16:creationId xmlns:a16="http://schemas.microsoft.com/office/drawing/2014/main" id="{61EE0919-9A70-4237-82F2-980DC3634F6B}"/>
+              </a:ext>
+            </a:extLst>
+          </p:cNvPr>
+          <p:cNvPicPr>
+            <a:picLocks noChangeAspect="1"/>
+          </p:cNvPicPr>
+          <p:nvPr/>
+        </p:nvPicPr>
+        <p:blipFill>
+          <a:blip r:embed="rId3"/>
+          <a:stretch>
+            <a:fillRect/>
+          </a:stretch>
+        </p:blipFill>
+        <p:spPr>
+          <a:xfrm>
+            <a:off x="812799" y="3857414"/>
+            <a:ext cx="5086639" cy="2055002"/>
+          </a:xfrm>
+          <a:prstGeom prst="rect">
+            <a:avLst/>
+          </a:prstGeom>
+        </p:spPr>
+      </p:pic>
+      <p:pic>
+        <p:nvPicPr>
+          <p:cNvPr id="5" name="Obraz 4">
+            <a:extLst>
+              <a:ext uri="{FF2B5EF4-FFF2-40B4-BE49-F238E27FC236}">
+                <a16:creationId xmlns:a16="http://schemas.microsoft.com/office/drawing/2014/main" id="{762929D5-CBE0-4B2A-8632-DD35FD5611CC}"/>
+              </a:ext>
+            </a:extLst>
+          </p:cNvPr>
+          <p:cNvPicPr>
+            <a:picLocks noChangeAspect="1"/>
+          </p:cNvPicPr>
+          <p:nvPr/>
+        </p:nvPicPr>
+        <p:blipFill>
+          <a:blip r:embed="rId4"/>
+          <a:stretch>
+            <a:fillRect/>
+          </a:stretch>
+        </p:blipFill>
+        <p:spPr>
+          <a:xfrm>
+            <a:off x="6361591" y="4328137"/>
+            <a:ext cx="4514850" cy="1343025"/>
+          </a:xfrm>
+          <a:prstGeom prst="rect">
+            <a:avLst/>
+          </a:prstGeom>
+        </p:spPr>
+      </p:pic>
+      <p:pic>
+        <p:nvPicPr>
+          <p:cNvPr id="6" name="Obraz 5">
+            <a:extLst>
+              <a:ext uri="{FF2B5EF4-FFF2-40B4-BE49-F238E27FC236}">
+                <a16:creationId xmlns:a16="http://schemas.microsoft.com/office/drawing/2014/main" id="{AA5A5D5B-C8D9-4D83-9B71-D57CC3750410}"/>
+              </a:ext>
+            </a:extLst>
+          </p:cNvPr>
+          <p:cNvPicPr>
+            <a:picLocks noChangeAspect="1"/>
+          </p:cNvPicPr>
+          <p:nvPr/>
+        </p:nvPicPr>
+        <p:blipFill>
+          <a:blip r:embed="rId5"/>
+          <a:stretch>
+            <a:fillRect/>
+          </a:stretch>
+        </p:blipFill>
+        <p:spPr>
+          <a:xfrm>
+            <a:off x="7387773" y="1425639"/>
+            <a:ext cx="2976744" cy="2976744"/>
+          </a:xfrm>
+          <a:prstGeom prst="rect">
+            <a:avLst/>
+          </a:prstGeom>
+        </p:spPr>
+      </p:pic>
     </p:spTree>
     <p:extLst>
       <p:ext uri="{BB962C8B-B14F-4D97-AF65-F5344CB8AC3E}">
@@ -9928,7 +9735,11 @@
             </a:r>
             <a:r>
               <a:rPr lang="pl-PL" dirty="0"/>
-              <a:t> the demo</a:t>
+              <a:t> the demo - </a:t>
+            </a:r>
+            <a:r>
+              <a:rPr lang="pl-PL" dirty="0" err="1"/>
+              <a:t>projects</a:t>
             </a:r>
             <a:endParaRPr lang="en-GB" dirty="0"/>
           </a:p>
@@ -9952,38 +9763,415 @@
         </p:nvSpPr>
         <p:spPr/>
         <p:txBody>
-          <a:bodyPr/>
+          <a:bodyPr>
+            <a:normAutofit/>
+          </a:bodyPr>
           <a:lstStyle/>
           <a:p>
+            <a:r>
+              <a:rPr lang="pl-PL" dirty="0" err="1"/>
+              <a:t>Within</a:t>
+            </a:r>
+            <a:r>
+              <a:rPr lang="pl-PL" dirty="0"/>
+              <a:t> the </a:t>
+            </a:r>
+            <a:r>
+              <a:rPr lang="pl-PL" dirty="0" err="1"/>
+              <a:t>repository</a:t>
+            </a:r>
+            <a:r>
+              <a:rPr lang="pl-PL" dirty="0"/>
+              <a:t> </a:t>
+            </a:r>
+            <a:r>
+              <a:rPr lang="pl-PL" dirty="0" err="1"/>
+              <a:t>you</a:t>
+            </a:r>
+            <a:r>
+              <a:rPr lang="pl-PL" dirty="0"/>
+              <a:t> </a:t>
+            </a:r>
+            <a:r>
+              <a:rPr lang="pl-PL" dirty="0" err="1"/>
+              <a:t>may</a:t>
+            </a:r>
+            <a:r>
+              <a:rPr lang="pl-PL" dirty="0"/>
+              <a:t> </a:t>
+            </a:r>
+            <a:r>
+              <a:rPr lang="pl-PL" dirty="0" err="1"/>
+              <a:t>find</a:t>
+            </a:r>
+            <a:r>
+              <a:rPr lang="pl-PL" dirty="0"/>
+              <a:t> a </a:t>
+            </a:r>
+            <a:r>
+              <a:rPr lang="pl-PL" dirty="0" err="1"/>
+              <a:t>solution</a:t>
+            </a:r>
+            <a:r>
+              <a:rPr lang="pl-PL" dirty="0"/>
+              <a:t> for </a:t>
+            </a:r>
+            <a:r>
+              <a:rPr lang="pl-PL" dirty="0" err="1"/>
+              <a:t>calculating</a:t>
+            </a:r>
+            <a:r>
+              <a:rPr lang="pl-PL" dirty="0"/>
+              <a:t> Fibonacci </a:t>
+            </a:r>
+            <a:r>
+              <a:rPr lang="pl-PL" dirty="0" err="1"/>
+              <a:t>numbers</a:t>
+            </a:r>
             <a:endParaRPr lang="pl-PL" dirty="0"/>
           </a:p>
           <a:p>
+            <a:r>
+              <a:rPr lang="pl-PL" dirty="0"/>
+              <a:t>Solution </a:t>
+            </a:r>
+            <a:r>
+              <a:rPr lang="pl-PL" dirty="0" err="1"/>
+              <a:t>is</a:t>
+            </a:r>
+            <a:r>
+              <a:rPr lang="pl-PL" dirty="0"/>
+              <a:t> </a:t>
+            </a:r>
+            <a:r>
+              <a:rPr lang="pl-PL" dirty="0" err="1"/>
+              <a:t>based</a:t>
+            </a:r>
+            <a:r>
+              <a:rPr lang="pl-PL" dirty="0"/>
+              <a:t> on </a:t>
+            </a:r>
+            <a:r>
+              <a:rPr lang="pl-PL" dirty="0" err="1"/>
+              <a:t>three</a:t>
+            </a:r>
+            <a:r>
+              <a:rPr lang="pl-PL" dirty="0"/>
+              <a:t> </a:t>
+            </a:r>
+            <a:r>
+              <a:rPr lang="pl-PL" dirty="0" err="1"/>
+              <a:t>projects</a:t>
+            </a:r>
+            <a:r>
+              <a:rPr lang="pl-PL" dirty="0"/>
+              <a:t>:</a:t>
+            </a:r>
+          </a:p>
+          <a:p>
+            <a:pPr>
+              <a:buFont typeface="Wingdings" panose="05000000000000000000" pitchFamily="2" charset="2"/>
+              <a:buChar char="v"/>
+            </a:pPr>
+            <a:r>
+              <a:rPr lang="en-GB" dirty="0" err="1"/>
+              <a:t>Fibonacci.WebService</a:t>
+            </a:r>
+            <a:r>
+              <a:rPr lang="pl-PL" dirty="0"/>
+              <a:t> – Web API </a:t>
+            </a:r>
+            <a:r>
+              <a:rPr lang="pl-PL" dirty="0" err="1"/>
+              <a:t>responsible</a:t>
+            </a:r>
+            <a:r>
+              <a:rPr lang="pl-PL" dirty="0"/>
+              <a:t> for </a:t>
+            </a:r>
+            <a:r>
+              <a:rPr lang="pl-PL" dirty="0" err="1"/>
+              <a:t>receiving</a:t>
+            </a:r>
+            <a:r>
+              <a:rPr lang="pl-PL" dirty="0"/>
+              <a:t> </a:t>
+            </a:r>
+            <a:r>
+              <a:rPr lang="pl-PL" dirty="0" err="1"/>
+              <a:t>request</a:t>
+            </a:r>
+            <a:r>
+              <a:rPr lang="pl-PL" dirty="0"/>
+              <a:t> from the </a:t>
+            </a:r>
+            <a:r>
+              <a:rPr lang="pl-PL" dirty="0" err="1"/>
+              <a:t>user</a:t>
+            </a:r>
+            <a:r>
+              <a:rPr lang="pl-PL" dirty="0"/>
+              <a:t>. It </a:t>
+            </a:r>
+            <a:r>
+              <a:rPr lang="pl-PL" dirty="0" err="1"/>
+              <a:t>supports</a:t>
+            </a:r>
+            <a:r>
+              <a:rPr lang="pl-PL" dirty="0"/>
+              <a:t>:</a:t>
+            </a:r>
+          </a:p>
+          <a:p>
+            <a:pPr lvl="1">
+              <a:buFont typeface="Wingdings" panose="05000000000000000000" pitchFamily="2" charset="2"/>
+              <a:buChar char="v"/>
+            </a:pPr>
+            <a:r>
+              <a:rPr lang="pl-PL" dirty="0"/>
+              <a:t>GET /n – </a:t>
+            </a:r>
+            <a:r>
+              <a:rPr lang="pl-PL" dirty="0" err="1"/>
+              <a:t>get</a:t>
+            </a:r>
+            <a:r>
+              <a:rPr lang="pl-PL" dirty="0"/>
+              <a:t> </a:t>
+            </a:r>
+            <a:r>
+              <a:rPr lang="pl-PL" dirty="0" err="1"/>
+              <a:t>result</a:t>
+            </a:r>
+            <a:r>
+              <a:rPr lang="pl-PL" dirty="0"/>
+              <a:t> for </a:t>
+            </a:r>
+            <a:r>
+              <a:rPr lang="pl-PL" dirty="0" err="1"/>
+              <a:t>given</a:t>
+            </a:r>
+            <a:r>
+              <a:rPr lang="pl-PL" dirty="0"/>
+              <a:t> </a:t>
+            </a:r>
+            <a:r>
+              <a:rPr lang="pl-PL" dirty="0" err="1"/>
+              <a:t>number</a:t>
+            </a:r>
             <a:endParaRPr lang="pl-PL" dirty="0"/>
           </a:p>
           <a:p>
-            <a:r>
-              <a:rPr lang="pl-PL" dirty="0"/>
-              <a:t>Source </a:t>
-            </a:r>
-            <a:r>
-              <a:rPr lang="pl-PL" dirty="0" err="1"/>
-              <a:t>code</a:t>
-            </a:r>
-            <a:r>
-              <a:rPr lang="pl-PL" dirty="0"/>
-              <a:t> for the demo </a:t>
-            </a:r>
-            <a:r>
-              <a:rPr lang="pl-PL" dirty="0" err="1"/>
-              <a:t>is</a:t>
-            </a:r>
-            <a:r>
-              <a:rPr lang="pl-PL" dirty="0"/>
-              <a:t> open </a:t>
-            </a:r>
-            <a:r>
-              <a:rPr lang="pl-PL" dirty="0" err="1"/>
-              <a:t>sourced</a:t>
+            <a:pPr lvl="1">
+              <a:buFont typeface="Wingdings" panose="05000000000000000000" pitchFamily="2" charset="2"/>
+              <a:buChar char="v"/>
+            </a:pPr>
+            <a:r>
+              <a:rPr lang="pl-PL" dirty="0"/>
+              <a:t>POST /n – </a:t>
+            </a:r>
+            <a:r>
+              <a:rPr lang="pl-PL" dirty="0" err="1"/>
+              <a:t>send</a:t>
+            </a:r>
+            <a:r>
+              <a:rPr lang="pl-PL" dirty="0"/>
+              <a:t> </a:t>
+            </a:r>
+            <a:r>
+              <a:rPr lang="pl-PL" dirty="0" err="1"/>
+              <a:t>new</a:t>
+            </a:r>
+            <a:r>
+              <a:rPr lang="pl-PL" dirty="0"/>
+              <a:t> </a:t>
+            </a:r>
+            <a:r>
+              <a:rPr lang="pl-PL" dirty="0" err="1"/>
+              <a:t>calculation</a:t>
+            </a:r>
+            <a:r>
+              <a:rPr lang="pl-PL" dirty="0"/>
+              <a:t> </a:t>
+            </a:r>
+            <a:r>
+              <a:rPr lang="pl-PL" dirty="0" err="1"/>
+              <a:t>request</a:t>
+            </a:r>
+            <a:r>
+              <a:rPr lang="pl-PL" dirty="0"/>
+              <a:t> for </a:t>
+            </a:r>
+            <a:r>
+              <a:rPr lang="pl-PL" dirty="0" err="1"/>
+              <a:t>given</a:t>
+            </a:r>
+            <a:r>
+              <a:rPr lang="pl-PL" dirty="0"/>
+              <a:t> numer</a:t>
+            </a:r>
+          </a:p>
+          <a:p>
+            <a:pPr lvl="1">
+              <a:buFont typeface="Wingdings" panose="05000000000000000000" pitchFamily="2" charset="2"/>
+              <a:buChar char="v"/>
+            </a:pPr>
+            <a:r>
+              <a:rPr lang="pl-PL" dirty="0"/>
+              <a:t>DELETE /n – </a:t>
+            </a:r>
+            <a:r>
+              <a:rPr lang="pl-PL" dirty="0" err="1"/>
+              <a:t>remove</a:t>
+            </a:r>
+            <a:r>
+              <a:rPr lang="pl-PL" dirty="0"/>
+              <a:t> </a:t>
+            </a:r>
+            <a:r>
+              <a:rPr lang="pl-PL" dirty="0" err="1"/>
+              <a:t>result</a:t>
+            </a:r>
+            <a:r>
+              <a:rPr lang="pl-PL" dirty="0"/>
+              <a:t> from the </a:t>
+            </a:r>
+            <a:r>
+              <a:rPr lang="pl-PL" dirty="0" err="1"/>
+              <a:t>storage</a:t>
+            </a:r>
+            <a:endParaRPr lang="pl-PL" dirty="0"/>
+          </a:p>
+          <a:p>
+            <a:pPr lvl="1">
+              <a:buFont typeface="Wingdings" panose="05000000000000000000" pitchFamily="2" charset="2"/>
+              <a:buChar char="v"/>
+            </a:pPr>
+            <a:r>
+              <a:rPr lang="pl-PL" dirty="0" err="1"/>
+              <a:t>You</a:t>
+            </a:r>
+            <a:r>
+              <a:rPr lang="pl-PL" dirty="0"/>
+              <a:t> </a:t>
+            </a:r>
+            <a:r>
+              <a:rPr lang="pl-PL" dirty="0" err="1"/>
+              <a:t>can</a:t>
+            </a:r>
+            <a:r>
+              <a:rPr lang="pl-PL" dirty="0"/>
+              <a:t> </a:t>
+            </a:r>
+            <a:r>
+              <a:rPr lang="pl-PL" dirty="0" err="1"/>
+              <a:t>use</a:t>
+            </a:r>
+            <a:r>
+              <a:rPr lang="pl-PL" dirty="0"/>
+              <a:t> VS </a:t>
+            </a:r>
+            <a:r>
+              <a:rPr lang="pl-PL" dirty="0" err="1"/>
+              <a:t>Code</a:t>
+            </a:r>
+            <a:r>
+              <a:rPr lang="pl-PL" dirty="0"/>
+              <a:t> and </a:t>
+            </a:r>
+            <a:r>
+              <a:rPr lang="pl-PL" dirty="0" err="1"/>
+              <a:t>HttpClient</a:t>
+            </a:r>
+            <a:r>
+              <a:rPr lang="pl-PL" dirty="0"/>
+              <a:t> </a:t>
+            </a:r>
+            <a:r>
+              <a:rPr lang="pl-PL" dirty="0" err="1"/>
+              <a:t>extension</a:t>
+            </a:r>
+            <a:r>
+              <a:rPr lang="pl-PL" dirty="0"/>
+              <a:t> to run </a:t>
+            </a:r>
+            <a:r>
+              <a:rPr lang="pl-PL" dirty="0" err="1"/>
+              <a:t>example</a:t>
+            </a:r>
+            <a:r>
+              <a:rPr lang="pl-PL" dirty="0"/>
+              <a:t> </a:t>
+            </a:r>
+            <a:r>
+              <a:rPr lang="pl-PL" dirty="0" err="1"/>
+              <a:t>request</a:t>
+            </a:r>
+            <a:r>
+              <a:rPr lang="pl-PL" dirty="0"/>
+              <a:t> from the </a:t>
+            </a:r>
+            <a:r>
+              <a:rPr lang="pl-PL" dirty="0" err="1">
+                <a:solidFill>
+                  <a:srgbClr val="425CC7"/>
+                </a:solidFill>
+              </a:rPr>
+              <a:t>requests.http</a:t>
+            </a:r>
+            <a:r>
+              <a:rPr lang="pl-PL" dirty="0"/>
+              <a:t> file</a:t>
+            </a:r>
+          </a:p>
+          <a:p>
+            <a:pPr>
+              <a:buFont typeface="Wingdings" panose="05000000000000000000" pitchFamily="2" charset="2"/>
+              <a:buChar char="v"/>
+            </a:pPr>
+            <a:r>
+              <a:rPr lang="pl-PL" dirty="0" err="1"/>
+              <a:t>Fibonaci.Worker</a:t>
+            </a:r>
+            <a:r>
+              <a:rPr lang="pl-PL" dirty="0"/>
+              <a:t> – </a:t>
+            </a:r>
+            <a:r>
+              <a:rPr lang="pl-PL" dirty="0" err="1"/>
+              <a:t>Worker</a:t>
+            </a:r>
+            <a:r>
+              <a:rPr lang="pl-PL" dirty="0"/>
+              <a:t> </a:t>
+            </a:r>
+            <a:r>
+              <a:rPr lang="pl-PL" dirty="0" err="1"/>
+              <a:t>responsible</a:t>
+            </a:r>
+            <a:r>
+              <a:rPr lang="pl-PL" dirty="0"/>
+              <a:t> for </a:t>
+            </a:r>
+            <a:r>
+              <a:rPr lang="pl-PL" dirty="0" err="1"/>
+              <a:t>receiving</a:t>
+            </a:r>
+            <a:r>
+              <a:rPr lang="pl-PL" dirty="0"/>
+              <a:t> </a:t>
+            </a:r>
+            <a:r>
+              <a:rPr lang="pl-PL" dirty="0" err="1"/>
+              <a:t>calculation</a:t>
+            </a:r>
+            <a:r>
+              <a:rPr lang="pl-PL" dirty="0"/>
+              <a:t> </a:t>
+            </a:r>
+            <a:r>
+              <a:rPr lang="pl-PL" dirty="0" err="1"/>
+              <a:t>request</a:t>
             </a:r>
             <a:r>
               <a:rPr lang="pl-PL" dirty="0"/>
@@ -9991,47 +10179,23 @@
             </a:r>
             <a:r>
               <a:rPr lang="pl-PL" dirty="0" err="1"/>
-              <a:t>together</a:t>
-            </a:r>
-            <a:r>
-              <a:rPr lang="pl-PL" dirty="0"/>
-              <a:t> with </a:t>
-            </a:r>
-            <a:r>
-              <a:rPr lang="pl-PL" dirty="0" err="1"/>
-              <a:t>presentation</a:t>
-            </a:r>
-            <a:r>
-              <a:rPr lang="pl-PL" dirty="0"/>
-              <a:t> on my </a:t>
-            </a:r>
-            <a:r>
-              <a:rPr lang="pl-PL" dirty="0" err="1"/>
-              <a:t>Github</a:t>
-            </a:r>
-            <a:r>
-              <a:rPr lang="pl-PL" dirty="0"/>
-              <a:t> profile. To run </a:t>
-            </a:r>
-            <a:r>
-              <a:rPr lang="pl-PL" dirty="0" err="1"/>
-              <a:t>it</a:t>
-            </a:r>
-            <a:r>
-              <a:rPr lang="pl-PL" dirty="0"/>
-              <a:t>, </a:t>
-            </a:r>
-            <a:r>
-              <a:rPr lang="pl-PL" dirty="0" err="1"/>
-              <a:t>follow</a:t>
-            </a:r>
-            <a:r>
-              <a:rPr lang="pl-PL" dirty="0"/>
-              <a:t> </a:t>
-            </a:r>
-            <a:r>
-              <a:rPr lang="pl-PL" dirty="0" err="1"/>
-              <a:t>instructions</a:t>
+              <a:t>calculating</a:t>
+            </a:r>
+            <a:r>
+              <a:rPr lang="pl-PL" dirty="0"/>
+              <a:t> Fibonacci numer and </a:t>
+            </a:r>
+            <a:r>
+              <a:rPr lang="pl-PL" dirty="0" err="1"/>
+              <a:t>storing</a:t>
+            </a:r>
+            <a:r>
+              <a:rPr lang="pl-PL" dirty="0"/>
+              <a:t> </a:t>
+            </a:r>
+            <a:r>
+              <a:rPr lang="pl-PL" dirty="0" err="1"/>
+              <a:t>result</a:t>
             </a:r>
             <a:r>
               <a:rPr lang="pl-PL" dirty="0"/>
@@ -10039,26 +10203,110 @@
             </a:r>
             <a:r>
               <a:rPr lang="pl-PL" dirty="0" err="1"/>
-              <a:t>readme</a:t>
-            </a:r>
-            <a:r>
-              <a:rPr lang="pl-PL" dirty="0"/>
-              <a:t> file.</a:t>
-            </a:r>
-          </a:p>
-          <a:p>
-            <a:pPr algn="ctr"/>
-            <a:r>
-              <a:rPr lang="pl-PL" dirty="0"/>
-              <a:t>https://github.com/lukasz-pyrzyk/opentelemetry-demo</a:t>
-            </a:r>
+              <a:t>repository</a:t>
+            </a:r>
+            <a:endParaRPr lang="pl-PL" dirty="0"/>
+          </a:p>
+          <a:p>
+            <a:pPr>
+              <a:buFont typeface="Wingdings" panose="05000000000000000000" pitchFamily="2" charset="2"/>
+              <a:buChar char="v"/>
+            </a:pPr>
+            <a:r>
+              <a:rPr lang="pl-PL" dirty="0" err="1"/>
+              <a:t>Fibonacci.Shared</a:t>
+            </a:r>
+            <a:r>
+              <a:rPr lang="pl-PL" dirty="0"/>
+              <a:t> – a </a:t>
+            </a:r>
+            <a:r>
+              <a:rPr lang="pl-PL" dirty="0" err="1"/>
+              <a:t>shared</a:t>
+            </a:r>
+            <a:r>
+              <a:rPr lang="pl-PL" dirty="0"/>
+              <a:t> </a:t>
+            </a:r>
+            <a:r>
+              <a:rPr lang="pl-PL" dirty="0" err="1"/>
+              <a:t>project</a:t>
+            </a:r>
+            <a:r>
+              <a:rPr lang="pl-PL" dirty="0"/>
+              <a:t> for </a:t>
+            </a:r>
+            <a:r>
+              <a:rPr lang="pl-PL" dirty="0" err="1"/>
+              <a:t>Api</a:t>
+            </a:r>
+            <a:r>
+              <a:rPr lang="pl-PL" dirty="0"/>
+              <a:t> and </a:t>
+            </a:r>
+            <a:r>
+              <a:rPr lang="pl-PL" dirty="0" err="1"/>
+              <a:t>Worker</a:t>
+            </a:r>
+            <a:endParaRPr lang="pl-PL" dirty="0"/>
+          </a:p>
+        </p:txBody>
+      </p:sp>
+      <p:sp>
+        <p:nvSpPr>
+          <p:cNvPr id="4" name="Prostokąt 3">
+            <a:extLst>
+              <a:ext uri="{FF2B5EF4-FFF2-40B4-BE49-F238E27FC236}">
+                <a16:creationId xmlns:a16="http://schemas.microsoft.com/office/drawing/2014/main" id="{9D09D38C-9B5A-48C1-8B4E-767BE40B0EF1}"/>
+              </a:ext>
+            </a:extLst>
+          </p:cNvPr>
+          <p:cNvSpPr/>
+          <p:nvPr/>
+        </p:nvSpPr>
+        <p:spPr>
+          <a:xfrm>
+            <a:off x="10531138" y="6466361"/>
+            <a:ext cx="1558825" cy="369332"/>
+          </a:xfrm>
+          <a:prstGeom prst="rect">
+            <a:avLst/>
+          </a:prstGeom>
+        </p:spPr>
+        <p:txBody>
+          <a:bodyPr wrap="none">
+            <a:spAutoFit/>
+          </a:bodyPr>
+          <a:lstStyle/>
+          <a:p>
+            <a:r>
+              <a:rPr lang="pl-PL" dirty="0">
+                <a:solidFill>
+                  <a:schemeClr val="bg1"/>
+                </a:solidFill>
+              </a:rPr>
+              <a:t>@</a:t>
+            </a:r>
+            <a:r>
+              <a:rPr lang="pl-PL" dirty="0" err="1">
+                <a:solidFill>
+                  <a:schemeClr val="bg1"/>
+                </a:solidFill>
+              </a:rPr>
+              <a:t>lukaszpyrzyk</a:t>
+            </a:r>
+            <a:endParaRPr lang="en-GB" dirty="0">
+              <a:solidFill>
+                <a:schemeClr val="bg1"/>
+              </a:solidFill>
+            </a:endParaRPr>
           </a:p>
         </p:txBody>
       </p:sp>
     </p:spTree>
     <p:extLst>
       <p:ext uri="{BB962C8B-B14F-4D97-AF65-F5344CB8AC3E}">
-        <p14:creationId xmlns:p14="http://schemas.microsoft.com/office/powerpoint/2010/main" val="61611896"/>
+        <p14:creationId xmlns:p14="http://schemas.microsoft.com/office/powerpoint/2010/main" val="443592601"/>
       </p:ext>
     </p:extLst>
   </p:cSld>
@@ -10116,7 +10364,7 @@
             </a:r>
             <a:r>
               <a:rPr lang="pl-PL" dirty="0" err="1"/>
-              <a:t>projects</a:t>
+              <a:t>dependencies</a:t>
             </a:r>
             <a:endParaRPr lang="en-GB" dirty="0"/>
           </a:p>
@@ -10140,14 +10388,16 @@
         </p:nvSpPr>
         <p:spPr/>
         <p:txBody>
-          <a:bodyPr>
-            <a:normAutofit/>
-          </a:bodyPr>
+          <a:bodyPr/>
           <a:lstStyle/>
           <a:p>
             <a:r>
-              <a:rPr lang="pl-PL" dirty="0" err="1"/>
-              <a:t>Within</a:t>
+              <a:rPr lang="pl-PL" dirty="0"/>
+              <a:t>To </a:t>
+            </a:r>
+            <a:r>
+              <a:rPr lang="pl-PL" dirty="0" err="1"/>
+              <a:t>increase</a:t>
             </a:r>
             <a:r>
               <a:rPr lang="pl-PL" dirty="0"/>
@@ -10155,6 +10405,54 @@
             </a:r>
             <a:r>
               <a:rPr lang="pl-PL" dirty="0" err="1"/>
+              <a:t>amount</a:t>
+            </a:r>
+            <a:r>
+              <a:rPr lang="pl-PL" dirty="0"/>
+              <a:t> of data </a:t>
+            </a:r>
+            <a:r>
+              <a:rPr lang="pl-PL" dirty="0" err="1"/>
+              <a:t>that</a:t>
+            </a:r>
+            <a:r>
+              <a:rPr lang="pl-PL" dirty="0"/>
+              <a:t> </a:t>
+            </a:r>
+            <a:r>
+              <a:rPr lang="pl-PL" dirty="0" err="1"/>
+              <a:t>OpenTelemetry</a:t>
+            </a:r>
+            <a:r>
+              <a:rPr lang="pl-PL" dirty="0"/>
+              <a:t> </a:t>
+            </a:r>
+            <a:r>
+              <a:rPr lang="pl-PL" dirty="0" err="1"/>
+              <a:t>can</a:t>
+            </a:r>
+            <a:r>
+              <a:rPr lang="pl-PL" dirty="0"/>
+              <a:t> run </a:t>
+            </a:r>
+            <a:r>
+              <a:rPr lang="pl-PL" dirty="0" err="1"/>
+              <a:t>collect</a:t>
+            </a:r>
+            <a:r>
+              <a:rPr lang="pl-PL" dirty="0"/>
+              <a:t> and </a:t>
+            </a:r>
+            <a:r>
+              <a:rPr lang="pl-PL" dirty="0" err="1"/>
+              <a:t>present</a:t>
+            </a:r>
+            <a:r>
+              <a:rPr lang="pl-PL" dirty="0"/>
+              <a:t>, the </a:t>
+            </a:r>
+            <a:r>
+              <a:rPr lang="pl-PL" dirty="0" err="1"/>
               <a:t>repository</a:t>
             </a:r>
             <a:r>
@@ -10163,23 +10461,7 @@
             </a:r>
             <a:r>
               <a:rPr lang="pl-PL" dirty="0" err="1"/>
-              <a:t>you</a:t>
-            </a:r>
-            <a:r>
-              <a:rPr lang="pl-PL" dirty="0"/>
-              <a:t> </a:t>
-            </a:r>
-            <a:r>
-              <a:rPr lang="pl-PL" dirty="0" err="1"/>
-              <a:t>may</a:t>
-            </a:r>
-            <a:r>
-              <a:rPr lang="pl-PL" dirty="0"/>
-              <a:t> </a:t>
-            </a:r>
-            <a:r>
-              <a:rPr lang="pl-PL" dirty="0" err="1"/>
-              <a:t>find</a:t>
+              <a:t>uses</a:t>
             </a:r>
             <a:r>
               <a:rPr lang="pl-PL" dirty="0"/>
@@ -10187,63 +10469,31 @@
             </a:r>
             <a:r>
               <a:rPr lang="pl-PL" dirty="0" err="1"/>
-              <a:t>solution</a:t>
-            </a:r>
-            <a:r>
-              <a:rPr lang="pl-PL" dirty="0"/>
-              <a:t> for </a:t>
-            </a:r>
-            <a:r>
-              <a:rPr lang="pl-PL" dirty="0" err="1"/>
-              <a:t>calculating</a:t>
-            </a:r>
-            <a:r>
-              <a:rPr lang="pl-PL" dirty="0"/>
-              <a:t> Fibonacci </a:t>
-            </a:r>
-            <a:r>
-              <a:rPr lang="pl-PL" dirty="0" err="1"/>
-              <a:t>numbers</a:t>
-            </a:r>
+              <a:t>few</a:t>
+            </a:r>
+            <a:r>
+              <a:rPr lang="pl-PL" dirty="0"/>
+              <a:t> </a:t>
+            </a:r>
+            <a:r>
+              <a:rPr lang="pl-PL" dirty="0" err="1"/>
+              <a:t>Azure</a:t>
+            </a:r>
+            <a:r>
+              <a:rPr lang="pl-PL" dirty="0"/>
+              <a:t> </a:t>
+            </a:r>
+            <a:r>
+              <a:rPr lang="pl-PL" dirty="0" err="1"/>
+              <a:t>dependencies</a:t>
+            </a:r>
+            <a:r>
+              <a:rPr lang="pl-PL" dirty="0"/>
+              <a:t>:</a:t>
+            </a:r>
+          </a:p>
+          <a:p>
             <a:endParaRPr lang="pl-PL" dirty="0"/>
-          </a:p>
-          <a:p>
-            <a:r>
-              <a:rPr lang="pl-PL" dirty="0"/>
-              <a:t>Solution </a:t>
-            </a:r>
-            <a:r>
-              <a:rPr lang="pl-PL" dirty="0" err="1"/>
-              <a:t>is</a:t>
-            </a:r>
-            <a:r>
-              <a:rPr lang="pl-PL" dirty="0"/>
-              <a:t> </a:t>
-            </a:r>
-            <a:r>
-              <a:rPr lang="pl-PL" dirty="0" err="1"/>
-              <a:t>based</a:t>
-            </a:r>
-            <a:r>
-              <a:rPr lang="pl-PL" dirty="0"/>
-              <a:t> on </a:t>
-            </a:r>
-            <a:r>
-              <a:rPr lang="pl-PL" dirty="0" err="1"/>
-              <a:t>three</a:t>
-            </a:r>
-            <a:r>
-              <a:rPr lang="pl-PL" dirty="0"/>
-              <a:t> </a:t>
-            </a:r>
-            <a:r>
-              <a:rPr lang="pl-PL" dirty="0" err="1"/>
-              <a:t>projects</a:t>
-            </a:r>
-            <a:r>
-              <a:rPr lang="pl-PL" dirty="0"/>
-              <a:t>:</a:t>
-            </a:r>
           </a:p>
           <a:p>
             <a:pPr>
@@ -10251,255 +10501,50 @@
               <a:buChar char="v"/>
             </a:pPr>
             <a:r>
-              <a:rPr lang="en-GB" dirty="0" err="1"/>
-              <a:t>Fibonacci.WebService</a:t>
-            </a:r>
-            <a:r>
-              <a:rPr lang="pl-PL" dirty="0"/>
-              <a:t> – Web API </a:t>
-            </a:r>
-            <a:r>
-              <a:rPr lang="pl-PL" dirty="0" err="1"/>
-              <a:t>responsible</a:t>
-            </a:r>
-            <a:r>
-              <a:rPr lang="pl-PL" dirty="0"/>
-              <a:t> for </a:t>
-            </a:r>
-            <a:r>
-              <a:rPr lang="pl-PL" dirty="0" err="1"/>
-              <a:t>receiving</a:t>
-            </a:r>
-            <a:r>
-              <a:rPr lang="pl-PL" dirty="0"/>
-              <a:t> </a:t>
-            </a:r>
-            <a:r>
-              <a:rPr lang="pl-PL" dirty="0" err="1"/>
-              <a:t>request</a:t>
-            </a:r>
-            <a:r>
-              <a:rPr lang="pl-PL" dirty="0"/>
-              <a:t> from the </a:t>
-            </a:r>
-            <a:r>
-              <a:rPr lang="pl-PL" dirty="0" err="1"/>
-              <a:t>user</a:t>
-            </a:r>
-            <a:r>
-              <a:rPr lang="pl-PL" dirty="0"/>
-              <a:t>. It </a:t>
-            </a:r>
-            <a:r>
-              <a:rPr lang="pl-PL" dirty="0" err="1"/>
-              <a:t>supports</a:t>
-            </a:r>
-            <a:r>
-              <a:rPr lang="pl-PL" dirty="0"/>
-              <a:t>:</a:t>
-            </a:r>
-          </a:p>
-          <a:p>
-            <a:pPr lvl="1">
-              <a:buFont typeface="Wingdings" panose="05000000000000000000" pitchFamily="2" charset="2"/>
-              <a:buChar char="v"/>
-            </a:pPr>
-            <a:r>
-              <a:rPr lang="pl-PL" dirty="0"/>
-              <a:t>GET /n – </a:t>
-            </a:r>
-            <a:r>
-              <a:rPr lang="pl-PL" dirty="0" err="1"/>
-              <a:t>get</a:t>
-            </a:r>
-            <a:r>
-              <a:rPr lang="pl-PL" dirty="0"/>
-              <a:t> </a:t>
-            </a:r>
-            <a:r>
-              <a:rPr lang="pl-PL" dirty="0" err="1"/>
-              <a:t>result</a:t>
-            </a:r>
-            <a:r>
-              <a:rPr lang="pl-PL" dirty="0"/>
-              <a:t> for </a:t>
-            </a:r>
-            <a:r>
-              <a:rPr lang="pl-PL" dirty="0" err="1"/>
-              <a:t>given</a:t>
-            </a:r>
-            <a:r>
-              <a:rPr lang="pl-PL" dirty="0"/>
-              <a:t> </a:t>
-            </a:r>
-            <a:r>
-              <a:rPr lang="pl-PL" dirty="0" err="1"/>
-              <a:t>number</a:t>
+              <a:rPr lang="pl-PL" dirty="0" err="1"/>
+              <a:t>ServiceBus</a:t>
+            </a:r>
+            <a:r>
+              <a:rPr lang="pl-PL" dirty="0"/>
+              <a:t> – to </a:t>
+            </a:r>
+            <a:r>
+              <a:rPr lang="pl-PL" dirty="0" err="1"/>
+              <a:t>send</a:t>
+            </a:r>
+            <a:r>
+              <a:rPr lang="pl-PL" dirty="0"/>
+              <a:t> </a:t>
+            </a:r>
+            <a:r>
+              <a:rPr lang="pl-PL" dirty="0" err="1"/>
+              <a:t>calculation</a:t>
+            </a:r>
+            <a:r>
+              <a:rPr lang="pl-PL" dirty="0"/>
+              <a:t> </a:t>
+            </a:r>
+            <a:r>
+              <a:rPr lang="pl-PL" dirty="0" err="1"/>
+              <a:t>requests</a:t>
+            </a:r>
+            <a:r>
+              <a:rPr lang="pl-PL" dirty="0"/>
+              <a:t> from </a:t>
+            </a:r>
+            <a:r>
+              <a:rPr lang="pl-PL" dirty="0" err="1"/>
+              <a:t>WebService</a:t>
+            </a:r>
+            <a:r>
+              <a:rPr lang="pl-PL" dirty="0"/>
+              <a:t> to the </a:t>
+            </a:r>
+            <a:r>
+              <a:rPr lang="pl-PL" dirty="0" err="1"/>
+              <a:t>Worker</a:t>
             </a:r>
             <a:endParaRPr lang="pl-PL" dirty="0"/>
-          </a:p>
-          <a:p>
-            <a:pPr lvl="1">
-              <a:buFont typeface="Wingdings" panose="05000000000000000000" pitchFamily="2" charset="2"/>
-              <a:buChar char="v"/>
-            </a:pPr>
-            <a:r>
-              <a:rPr lang="pl-PL" dirty="0"/>
-              <a:t>POST /n – </a:t>
-            </a:r>
-            <a:r>
-              <a:rPr lang="pl-PL" dirty="0" err="1"/>
-              <a:t>send</a:t>
-            </a:r>
-            <a:r>
-              <a:rPr lang="pl-PL" dirty="0"/>
-              <a:t> </a:t>
-            </a:r>
-            <a:r>
-              <a:rPr lang="pl-PL" dirty="0" err="1"/>
-              <a:t>new</a:t>
-            </a:r>
-            <a:r>
-              <a:rPr lang="pl-PL" dirty="0"/>
-              <a:t> </a:t>
-            </a:r>
-            <a:r>
-              <a:rPr lang="pl-PL" dirty="0" err="1"/>
-              <a:t>calculation</a:t>
-            </a:r>
-            <a:r>
-              <a:rPr lang="pl-PL" dirty="0"/>
-              <a:t> </a:t>
-            </a:r>
-            <a:r>
-              <a:rPr lang="pl-PL" dirty="0" err="1"/>
-              <a:t>request</a:t>
-            </a:r>
-            <a:r>
-              <a:rPr lang="pl-PL" dirty="0"/>
-              <a:t> for </a:t>
-            </a:r>
-            <a:r>
-              <a:rPr lang="pl-PL" dirty="0" err="1"/>
-              <a:t>given</a:t>
-            </a:r>
-            <a:r>
-              <a:rPr lang="pl-PL" dirty="0"/>
-              <a:t> numer</a:t>
-            </a:r>
-          </a:p>
-          <a:p>
-            <a:pPr lvl="1">
-              <a:buFont typeface="Wingdings" panose="05000000000000000000" pitchFamily="2" charset="2"/>
-              <a:buChar char="v"/>
-            </a:pPr>
-            <a:r>
-              <a:rPr lang="pl-PL" dirty="0"/>
-              <a:t>DELETE /n – </a:t>
-            </a:r>
-            <a:r>
-              <a:rPr lang="pl-PL" dirty="0" err="1"/>
-              <a:t>remove</a:t>
-            </a:r>
-            <a:r>
-              <a:rPr lang="pl-PL" dirty="0"/>
-              <a:t> </a:t>
-            </a:r>
-            <a:r>
-              <a:rPr lang="pl-PL" dirty="0" err="1"/>
-              <a:t>result</a:t>
-            </a:r>
-            <a:r>
-              <a:rPr lang="pl-PL" dirty="0"/>
-              <a:t> from the </a:t>
-            </a:r>
-            <a:r>
-              <a:rPr lang="pl-PL" dirty="0" err="1"/>
-              <a:t>storage</a:t>
-            </a:r>
-            <a:endParaRPr lang="pl-PL" dirty="0"/>
-          </a:p>
-          <a:p>
-            <a:pPr lvl="1">
-              <a:buFont typeface="Wingdings" panose="05000000000000000000" pitchFamily="2" charset="2"/>
-              <a:buChar char="v"/>
-            </a:pPr>
-            <a:r>
-              <a:rPr lang="pl-PL" dirty="0" err="1"/>
-              <a:t>You</a:t>
-            </a:r>
-            <a:r>
-              <a:rPr lang="pl-PL" dirty="0"/>
-              <a:t> </a:t>
-            </a:r>
-            <a:r>
-              <a:rPr lang="pl-PL" dirty="0" err="1"/>
-              <a:t>can</a:t>
-            </a:r>
-            <a:r>
-              <a:rPr lang="pl-PL" dirty="0"/>
-              <a:t> </a:t>
-            </a:r>
-            <a:r>
-              <a:rPr lang="pl-PL" dirty="0" err="1"/>
-              <a:t>use</a:t>
-            </a:r>
-            <a:r>
-              <a:rPr lang="pl-PL" dirty="0"/>
-              <a:t> VS </a:t>
-            </a:r>
-            <a:r>
-              <a:rPr lang="pl-PL" dirty="0" err="1"/>
-              <a:t>Code</a:t>
-            </a:r>
-            <a:r>
-              <a:rPr lang="pl-PL" dirty="0"/>
-              <a:t> and </a:t>
-            </a:r>
-            <a:r>
-              <a:rPr lang="pl-PL" dirty="0" err="1"/>
-              <a:t>HttpClient</a:t>
-            </a:r>
-            <a:r>
-              <a:rPr lang="pl-PL" dirty="0"/>
-              <a:t> </a:t>
-            </a:r>
-            <a:r>
-              <a:rPr lang="pl-PL" dirty="0" err="1"/>
-              <a:t>extension</a:t>
-            </a:r>
-            <a:r>
-              <a:rPr lang="pl-PL" dirty="0"/>
-              <a:t> to run </a:t>
-            </a:r>
-            <a:r>
-              <a:rPr lang="pl-PL" dirty="0" err="1"/>
-              <a:t>example</a:t>
-            </a:r>
-            <a:r>
-              <a:rPr lang="pl-PL" dirty="0"/>
-              <a:t> </a:t>
-            </a:r>
-            <a:r>
-              <a:rPr lang="pl-PL" dirty="0" err="1"/>
-              <a:t>request</a:t>
-            </a:r>
-            <a:r>
-              <a:rPr lang="pl-PL" dirty="0"/>
-              <a:t> from the </a:t>
-            </a:r>
-            <a:r>
-              <a:rPr lang="pl-PL" dirty="0" err="1">
-                <a:solidFill>
-                  <a:srgbClr val="425CC7"/>
-                </a:solidFill>
-              </a:rPr>
-              <a:t>requests.http</a:t>
-            </a:r>
-            <a:r>
-              <a:rPr lang="pl-PL" dirty="0"/>
-              <a:t> file</a:t>
-            </a:r>
           </a:p>
           <a:p>
             <a:pPr>
@@ -10508,23 +10553,23 @@
             </a:pPr>
             <a:r>
               <a:rPr lang="pl-PL" dirty="0" err="1"/>
-              <a:t>Fibonaci.Worker</a:t>
-            </a:r>
-            <a:r>
-              <a:rPr lang="pl-PL" dirty="0"/>
-              <a:t> – </a:t>
-            </a:r>
-            <a:r>
-              <a:rPr lang="pl-PL" dirty="0" err="1"/>
-              <a:t>Worker</a:t>
-            </a:r>
-            <a:r>
-              <a:rPr lang="pl-PL" dirty="0"/>
-              <a:t> </a:t>
-            </a:r>
-            <a:r>
-              <a:rPr lang="pl-PL" dirty="0" err="1"/>
-              <a:t>responsible</a:t>
+              <a:t>Table</a:t>
+            </a:r>
+            <a:r>
+              <a:rPr lang="pl-PL" dirty="0"/>
+              <a:t> Storage – to </a:t>
+            </a:r>
+            <a:r>
+              <a:rPr lang="pl-PL" dirty="0" err="1"/>
+              <a:t>store</a:t>
+            </a:r>
+            <a:r>
+              <a:rPr lang="pl-PL" dirty="0"/>
+              <a:t> the </a:t>
+            </a:r>
+            <a:r>
+              <a:rPr lang="pl-PL" dirty="0" err="1"/>
+              <a:t>result</a:t>
             </a:r>
             <a:r>
               <a:rPr lang="pl-PL" dirty="0"/>
@@ -10532,57 +10577,12 @@
             </a:r>
             <a:r>
               <a:rPr lang="pl-PL" dirty="0" err="1"/>
-              <a:t>receiving</a:t>
-            </a:r>
-            <a:r>
-              <a:rPr lang="pl-PL" dirty="0"/>
-              <a:t> </a:t>
-            </a:r>
-            <a:r>
-              <a:rPr lang="pl-PL" dirty="0" err="1"/>
-              <a:t>calculation</a:t>
-            </a:r>
-            <a:r>
-              <a:rPr lang="pl-PL" dirty="0"/>
-              <a:t> </a:t>
-            </a:r>
-            <a:r>
-              <a:rPr lang="pl-PL" dirty="0" err="1"/>
-              <a:t>request</a:t>
-            </a:r>
-            <a:r>
-              <a:rPr lang="pl-PL" dirty="0"/>
-              <a:t>, </a:t>
-            </a:r>
-            <a:r>
-              <a:rPr lang="pl-PL" dirty="0" err="1"/>
-              <a:t>calculating</a:t>
-            </a:r>
-            <a:r>
-              <a:rPr lang="pl-PL" dirty="0"/>
-              <a:t> Fibonacci numer and </a:t>
-            </a:r>
-            <a:r>
-              <a:rPr lang="pl-PL" dirty="0" err="1"/>
-              <a:t>storing</a:t>
-            </a:r>
-            <a:r>
-              <a:rPr lang="pl-PL" dirty="0"/>
-              <a:t> </a:t>
-            </a:r>
-            <a:r>
-              <a:rPr lang="pl-PL" dirty="0" err="1"/>
-              <a:t>result</a:t>
-            </a:r>
-            <a:r>
-              <a:rPr lang="pl-PL" dirty="0"/>
-              <a:t> in the </a:t>
-            </a:r>
-            <a:r>
-              <a:rPr lang="pl-PL" dirty="0" err="1"/>
-              <a:t>repository</a:t>
-            </a:r>
-            <a:endParaRPr lang="pl-PL" dirty="0"/>
+              <a:t>given</a:t>
+            </a:r>
+            <a:r>
+              <a:rPr lang="pl-PL" dirty="0"/>
+              <a:t> N</a:t>
+            </a:r>
           </a:p>
           <a:p>
             <a:pPr>
@@ -10590,32 +10590,92 @@
               <a:buChar char="v"/>
             </a:pPr>
             <a:r>
-              <a:rPr lang="pl-PL" dirty="0" err="1"/>
-              <a:t>Fibonacci.Shared</a:t>
-            </a:r>
-            <a:r>
-              <a:rPr lang="pl-PL" dirty="0"/>
-              <a:t> – a </a:t>
-            </a:r>
-            <a:r>
-              <a:rPr lang="pl-PL" dirty="0" err="1"/>
-              <a:t>shared</a:t>
-            </a:r>
-            <a:r>
-              <a:rPr lang="pl-PL" dirty="0"/>
-              <a:t> </a:t>
-            </a:r>
-            <a:r>
-              <a:rPr lang="pl-PL" dirty="0" err="1"/>
-              <a:t>project</a:t>
-            </a:r>
-            <a:r>
-              <a:rPr lang="pl-PL" dirty="0"/>
-              <a:t> for </a:t>
-            </a:r>
-            <a:r>
-              <a:rPr lang="pl-PL" dirty="0" err="1"/>
-              <a:t>Api</a:t>
+              <a:rPr lang="pl-PL" dirty="0"/>
+              <a:t>SQL Database and </a:t>
+            </a:r>
+            <a:r>
+              <a:rPr lang="pl-PL" dirty="0" err="1"/>
+              <a:t>Entity</a:t>
+            </a:r>
+            <a:r>
+              <a:rPr lang="pl-PL" dirty="0"/>
+              <a:t> Framework – to </a:t>
+            </a:r>
+            <a:r>
+              <a:rPr lang="pl-PL" dirty="0" err="1"/>
+              <a:t>store</a:t>
+            </a:r>
+            <a:r>
+              <a:rPr lang="pl-PL" dirty="0"/>
+              <a:t> </a:t>
+            </a:r>
+            <a:r>
+              <a:rPr lang="pl-PL" dirty="0" err="1"/>
+              <a:t>information</a:t>
+            </a:r>
+            <a:r>
+              <a:rPr lang="pl-PL" dirty="0"/>
+              <a:t> </a:t>
+            </a:r>
+            <a:r>
+              <a:rPr lang="pl-PL" dirty="0" err="1"/>
+              <a:t>about</a:t>
+            </a:r>
+            <a:r>
+              <a:rPr lang="pl-PL" dirty="0"/>
+              <a:t> the </a:t>
+            </a:r>
+            <a:r>
+              <a:rPr lang="pl-PL" dirty="0" err="1"/>
+              <a:t>caller</a:t>
+            </a:r>
+            <a:r>
+              <a:rPr lang="pl-PL" dirty="0"/>
+              <a:t> of the POST /n </a:t>
+            </a:r>
+            <a:r>
+              <a:rPr lang="pl-PL" dirty="0" err="1"/>
+              <a:t>endpoint</a:t>
+            </a:r>
+            <a:r>
+              <a:rPr lang="pl-PL" dirty="0"/>
+              <a:t>. It </a:t>
+            </a:r>
+            <a:r>
+              <a:rPr lang="pl-PL" dirty="0" err="1"/>
+              <a:t>doesn’t</a:t>
+            </a:r>
+            <a:r>
+              <a:rPr lang="pl-PL" dirty="0"/>
+              <a:t> </a:t>
+            </a:r>
+            <a:r>
+              <a:rPr lang="pl-PL" dirty="0" err="1"/>
+              <a:t>bring</a:t>
+            </a:r>
+            <a:r>
+              <a:rPr lang="pl-PL" dirty="0"/>
+              <a:t> </a:t>
+            </a:r>
+            <a:r>
+              <a:rPr lang="pl-PL" dirty="0" err="1"/>
+              <a:t>any</a:t>
+            </a:r>
+            <a:r>
+              <a:rPr lang="pl-PL" dirty="0"/>
+              <a:t> </a:t>
+            </a:r>
+            <a:r>
+              <a:rPr lang="pl-PL" dirty="0" err="1"/>
+              <a:t>additional</a:t>
+            </a:r>
+            <a:r>
+              <a:rPr lang="pl-PL" dirty="0"/>
+              <a:t> </a:t>
+            </a:r>
+            <a:r>
+              <a:rPr lang="pl-PL" dirty="0" err="1"/>
+              <a:t>value</a:t>
             </a:r>
             <a:r>
               <a:rPr lang="pl-PL" dirty="0"/>
@@ -10623,9 +10683,60 @@
             </a:r>
             <a:r>
               <a:rPr lang="pl-PL" dirty="0" err="1"/>
-              <a:t>Worker</a:t>
-            </a:r>
-            <a:endParaRPr lang="pl-PL" dirty="0"/>
+              <a:t>it</a:t>
+            </a:r>
+            <a:r>
+              <a:rPr lang="pl-PL" dirty="0"/>
+              <a:t> was </a:t>
+            </a:r>
+            <a:r>
+              <a:rPr lang="pl-PL" dirty="0" err="1"/>
+              <a:t>added</a:t>
+            </a:r>
+            <a:r>
+              <a:rPr lang="pl-PL" dirty="0"/>
+              <a:t> </a:t>
+            </a:r>
+            <a:r>
+              <a:rPr lang="pl-PL" dirty="0" err="1"/>
+              <a:t>only</a:t>
+            </a:r>
+            <a:r>
+              <a:rPr lang="pl-PL" dirty="0"/>
+              <a:t> to </a:t>
+            </a:r>
+            <a:r>
+              <a:rPr lang="pl-PL" dirty="0" err="1"/>
+              <a:t>generate</a:t>
+            </a:r>
+            <a:r>
+              <a:rPr lang="pl-PL" dirty="0"/>
+              <a:t> extra </a:t>
+            </a:r>
+            <a:r>
+              <a:rPr lang="pl-PL" dirty="0" err="1"/>
+              <a:t>traffic</a:t>
+            </a:r>
+            <a:r>
+              <a:rPr lang="pl-PL" dirty="0"/>
+              <a:t> to </a:t>
+            </a:r>
+            <a:r>
+              <a:rPr lang="pl-PL" dirty="0" err="1"/>
+              <a:t>external</a:t>
+            </a:r>
+            <a:r>
+              <a:rPr lang="pl-PL" dirty="0"/>
+              <a:t> </a:t>
+            </a:r>
+            <a:r>
+              <a:rPr lang="pl-PL" dirty="0" err="1"/>
+              <a:t>dependency</a:t>
+            </a:r>
+            <a:r>
+              <a:rPr lang="pl-PL" dirty="0"/>
+              <a:t>.</a:t>
+            </a:r>
           </a:p>
         </p:txBody>
       </p:sp>
@@ -10634,7 +10745,7 @@
           <p:cNvPr id="4" name="Prostokąt 3">
             <a:extLst>
               <a:ext uri="{FF2B5EF4-FFF2-40B4-BE49-F238E27FC236}">
-                <a16:creationId xmlns:a16="http://schemas.microsoft.com/office/drawing/2014/main" id="{9D09D38C-9B5A-48C1-8B4E-767BE40B0EF1}"/>
+                <a16:creationId xmlns:a16="http://schemas.microsoft.com/office/drawing/2014/main" id="{233317D2-0C2A-4AD5-B101-D7B84AB5EB43}"/>
               </a:ext>
             </a:extLst>
           </p:cNvPr>
@@ -10683,7 +10794,7 @@
     </p:spTree>
     <p:extLst>
       <p:ext uri="{BB962C8B-B14F-4D97-AF65-F5344CB8AC3E}">
-        <p14:creationId xmlns:p14="http://schemas.microsoft.com/office/powerpoint/2010/main" val="443592601"/>
+        <p14:creationId xmlns:p14="http://schemas.microsoft.com/office/powerpoint/2010/main" val="1266029004"/>
       </p:ext>
     </p:extLst>
   </p:cSld>
@@ -10715,7 +10826,7 @@
           <p:cNvPr id="2" name="Tytuł 1">
             <a:extLst>
               <a:ext uri="{FF2B5EF4-FFF2-40B4-BE49-F238E27FC236}">
-                <a16:creationId xmlns:a16="http://schemas.microsoft.com/office/drawing/2014/main" id="{DBCF61BD-95D2-4195-92AB-D5FBFA5899FE}"/>
+                <a16:creationId xmlns:a16="http://schemas.microsoft.com/office/drawing/2014/main" id="{E3EC04E6-8277-497C-ADF6-74DFD1B89840}"/>
               </a:ext>
             </a:extLst>
           </p:cNvPr>
@@ -10733,387 +10844,21 @@
           <a:p>
             <a:r>
               <a:rPr lang="pl-PL" dirty="0" err="1"/>
-              <a:t>About</a:t>
-            </a:r>
-            <a:r>
-              <a:rPr lang="pl-PL" dirty="0"/>
-              <a:t> the demo - </a:t>
-            </a:r>
-            <a:r>
-              <a:rPr lang="pl-PL" dirty="0" err="1"/>
-              <a:t>dependencies</a:t>
+              <a:t>Ready</a:t>
+            </a:r>
+            <a:r>
+              <a:rPr lang="pl-PL" dirty="0"/>
+              <a:t> for </a:t>
+            </a:r>
+            <a:r>
+              <a:rPr lang="pl-PL" dirty="0" err="1"/>
+              <a:t>prod</a:t>
+            </a:r>
+            <a:r>
+              <a:rPr lang="pl-PL" dirty="0"/>
+              <a:t>?</a:t>
             </a:r>
             <a:endParaRPr lang="en-GB" dirty="0"/>
-          </a:p>
-        </p:txBody>
-      </p:sp>
-      <p:sp>
-        <p:nvSpPr>
-          <p:cNvPr id="3" name="Symbol zastępczy zawartości 2">
-            <a:extLst>
-              <a:ext uri="{FF2B5EF4-FFF2-40B4-BE49-F238E27FC236}">
-                <a16:creationId xmlns:a16="http://schemas.microsoft.com/office/drawing/2014/main" id="{AD3FCEB9-56AF-4295-BC72-2CC224C9BB38}"/>
-              </a:ext>
-            </a:extLst>
-          </p:cNvPr>
-          <p:cNvSpPr>
-            <a:spLocks noGrp="1"/>
-          </p:cNvSpPr>
-          <p:nvPr>
-            <p:ph idx="1"/>
-          </p:nvPr>
-        </p:nvSpPr>
-        <p:spPr/>
-        <p:txBody>
-          <a:bodyPr/>
-          <a:lstStyle/>
-          <a:p>
-            <a:r>
-              <a:rPr lang="pl-PL" dirty="0"/>
-              <a:t>To </a:t>
-            </a:r>
-            <a:r>
-              <a:rPr lang="pl-PL" dirty="0" err="1"/>
-              <a:t>increase</a:t>
-            </a:r>
-            <a:r>
-              <a:rPr lang="pl-PL" dirty="0"/>
-              <a:t> the </a:t>
-            </a:r>
-            <a:r>
-              <a:rPr lang="pl-PL" dirty="0" err="1"/>
-              <a:t>amount</a:t>
-            </a:r>
-            <a:r>
-              <a:rPr lang="pl-PL" dirty="0"/>
-              <a:t> of data </a:t>
-            </a:r>
-            <a:r>
-              <a:rPr lang="pl-PL" dirty="0" err="1"/>
-              <a:t>that</a:t>
-            </a:r>
-            <a:r>
-              <a:rPr lang="pl-PL" dirty="0"/>
-              <a:t> </a:t>
-            </a:r>
-            <a:r>
-              <a:rPr lang="pl-PL" dirty="0" err="1"/>
-              <a:t>OpenTelemetry</a:t>
-            </a:r>
-            <a:r>
-              <a:rPr lang="pl-PL" dirty="0"/>
-              <a:t> </a:t>
-            </a:r>
-            <a:r>
-              <a:rPr lang="pl-PL" dirty="0" err="1"/>
-              <a:t>can</a:t>
-            </a:r>
-            <a:r>
-              <a:rPr lang="pl-PL" dirty="0"/>
-              <a:t> run </a:t>
-            </a:r>
-            <a:r>
-              <a:rPr lang="pl-PL" dirty="0" err="1"/>
-              <a:t>collect</a:t>
-            </a:r>
-            <a:r>
-              <a:rPr lang="pl-PL" dirty="0"/>
-              <a:t> and </a:t>
-            </a:r>
-            <a:r>
-              <a:rPr lang="pl-PL" dirty="0" err="1"/>
-              <a:t>present</a:t>
-            </a:r>
-            <a:r>
-              <a:rPr lang="pl-PL" dirty="0"/>
-              <a:t>, the </a:t>
-            </a:r>
-            <a:r>
-              <a:rPr lang="pl-PL" dirty="0" err="1"/>
-              <a:t>repository</a:t>
-            </a:r>
-            <a:r>
-              <a:rPr lang="pl-PL" dirty="0"/>
-              <a:t> </a:t>
-            </a:r>
-            <a:r>
-              <a:rPr lang="pl-PL" dirty="0" err="1"/>
-              <a:t>uses</a:t>
-            </a:r>
-            <a:r>
-              <a:rPr lang="pl-PL" dirty="0"/>
-              <a:t> a </a:t>
-            </a:r>
-            <a:r>
-              <a:rPr lang="pl-PL" dirty="0" err="1"/>
-              <a:t>few</a:t>
-            </a:r>
-            <a:r>
-              <a:rPr lang="pl-PL" dirty="0"/>
-              <a:t> </a:t>
-            </a:r>
-            <a:r>
-              <a:rPr lang="pl-PL" dirty="0" err="1"/>
-              <a:t>Azure</a:t>
-            </a:r>
-            <a:r>
-              <a:rPr lang="pl-PL" dirty="0"/>
-              <a:t> </a:t>
-            </a:r>
-            <a:r>
-              <a:rPr lang="pl-PL" dirty="0" err="1"/>
-              <a:t>dependencies</a:t>
-            </a:r>
-            <a:r>
-              <a:rPr lang="pl-PL" dirty="0"/>
-              <a:t>:</a:t>
-            </a:r>
-          </a:p>
-          <a:p>
-            <a:endParaRPr lang="pl-PL" dirty="0"/>
-          </a:p>
-          <a:p>
-            <a:pPr>
-              <a:buFont typeface="Wingdings" panose="05000000000000000000" pitchFamily="2" charset="2"/>
-              <a:buChar char="v"/>
-            </a:pPr>
-            <a:r>
-              <a:rPr lang="pl-PL" dirty="0" err="1"/>
-              <a:t>ServiceBus</a:t>
-            </a:r>
-            <a:r>
-              <a:rPr lang="pl-PL" dirty="0"/>
-              <a:t> – to </a:t>
-            </a:r>
-            <a:r>
-              <a:rPr lang="pl-PL" dirty="0" err="1"/>
-              <a:t>send</a:t>
-            </a:r>
-            <a:r>
-              <a:rPr lang="pl-PL" dirty="0"/>
-              <a:t> </a:t>
-            </a:r>
-            <a:r>
-              <a:rPr lang="pl-PL" dirty="0" err="1"/>
-              <a:t>calculation</a:t>
-            </a:r>
-            <a:r>
-              <a:rPr lang="pl-PL" dirty="0"/>
-              <a:t> </a:t>
-            </a:r>
-            <a:r>
-              <a:rPr lang="pl-PL" dirty="0" err="1"/>
-              <a:t>requests</a:t>
-            </a:r>
-            <a:r>
-              <a:rPr lang="pl-PL" dirty="0"/>
-              <a:t> from </a:t>
-            </a:r>
-            <a:r>
-              <a:rPr lang="pl-PL" dirty="0" err="1"/>
-              <a:t>WebService</a:t>
-            </a:r>
-            <a:r>
-              <a:rPr lang="pl-PL" dirty="0"/>
-              <a:t> to the </a:t>
-            </a:r>
-            <a:r>
-              <a:rPr lang="pl-PL" dirty="0" err="1"/>
-              <a:t>Worker</a:t>
-            </a:r>
-            <a:endParaRPr lang="pl-PL" dirty="0"/>
-          </a:p>
-          <a:p>
-            <a:pPr>
-              <a:buFont typeface="Wingdings" panose="05000000000000000000" pitchFamily="2" charset="2"/>
-              <a:buChar char="v"/>
-            </a:pPr>
-            <a:r>
-              <a:rPr lang="pl-PL" dirty="0" err="1"/>
-              <a:t>Table</a:t>
-            </a:r>
-            <a:r>
-              <a:rPr lang="pl-PL" dirty="0"/>
-              <a:t> Storage – to </a:t>
-            </a:r>
-            <a:r>
-              <a:rPr lang="pl-PL" dirty="0" err="1"/>
-              <a:t>store</a:t>
-            </a:r>
-            <a:r>
-              <a:rPr lang="pl-PL" dirty="0"/>
-              <a:t> the </a:t>
-            </a:r>
-            <a:r>
-              <a:rPr lang="pl-PL" dirty="0" err="1"/>
-              <a:t>result</a:t>
-            </a:r>
-            <a:r>
-              <a:rPr lang="pl-PL" dirty="0"/>
-              <a:t> for </a:t>
-            </a:r>
-            <a:r>
-              <a:rPr lang="pl-PL" dirty="0" err="1"/>
-              <a:t>given</a:t>
-            </a:r>
-            <a:r>
-              <a:rPr lang="pl-PL" dirty="0"/>
-              <a:t> N</a:t>
-            </a:r>
-          </a:p>
-          <a:p>
-            <a:pPr>
-              <a:buFont typeface="Wingdings" panose="05000000000000000000" pitchFamily="2" charset="2"/>
-              <a:buChar char="v"/>
-            </a:pPr>
-            <a:r>
-              <a:rPr lang="pl-PL" dirty="0"/>
-              <a:t>SQL Database and </a:t>
-            </a:r>
-            <a:r>
-              <a:rPr lang="pl-PL" dirty="0" err="1"/>
-              <a:t>Entity</a:t>
-            </a:r>
-            <a:r>
-              <a:rPr lang="pl-PL" dirty="0"/>
-              <a:t> Framework – to </a:t>
-            </a:r>
-            <a:r>
-              <a:rPr lang="pl-PL" dirty="0" err="1"/>
-              <a:t>store</a:t>
-            </a:r>
-            <a:r>
-              <a:rPr lang="pl-PL" dirty="0"/>
-              <a:t> </a:t>
-            </a:r>
-            <a:r>
-              <a:rPr lang="pl-PL" dirty="0" err="1"/>
-              <a:t>information</a:t>
-            </a:r>
-            <a:r>
-              <a:rPr lang="pl-PL" dirty="0"/>
-              <a:t> </a:t>
-            </a:r>
-            <a:r>
-              <a:rPr lang="pl-PL" dirty="0" err="1"/>
-              <a:t>about</a:t>
-            </a:r>
-            <a:r>
-              <a:rPr lang="pl-PL" dirty="0"/>
-              <a:t> the </a:t>
-            </a:r>
-            <a:r>
-              <a:rPr lang="pl-PL" dirty="0" err="1"/>
-              <a:t>caller</a:t>
-            </a:r>
-            <a:r>
-              <a:rPr lang="pl-PL" dirty="0"/>
-              <a:t> of the POST /n </a:t>
-            </a:r>
-            <a:r>
-              <a:rPr lang="pl-PL" dirty="0" err="1"/>
-              <a:t>endpoint</a:t>
-            </a:r>
-            <a:r>
-              <a:rPr lang="pl-PL" dirty="0"/>
-              <a:t>. It </a:t>
-            </a:r>
-            <a:r>
-              <a:rPr lang="pl-PL" dirty="0" err="1"/>
-              <a:t>doesn’t</a:t>
-            </a:r>
-            <a:r>
-              <a:rPr lang="pl-PL" dirty="0"/>
-              <a:t> </a:t>
-            </a:r>
-            <a:r>
-              <a:rPr lang="pl-PL" dirty="0" err="1"/>
-              <a:t>bring</a:t>
-            </a:r>
-            <a:r>
-              <a:rPr lang="pl-PL" dirty="0"/>
-              <a:t> </a:t>
-            </a:r>
-            <a:r>
-              <a:rPr lang="pl-PL" dirty="0" err="1"/>
-              <a:t>any</a:t>
-            </a:r>
-            <a:r>
-              <a:rPr lang="pl-PL" dirty="0"/>
-              <a:t> </a:t>
-            </a:r>
-            <a:r>
-              <a:rPr lang="pl-PL" dirty="0" err="1"/>
-              <a:t>additional</a:t>
-            </a:r>
-            <a:r>
-              <a:rPr lang="pl-PL" dirty="0"/>
-              <a:t> </a:t>
-            </a:r>
-            <a:r>
-              <a:rPr lang="pl-PL" dirty="0" err="1"/>
-              <a:t>value</a:t>
-            </a:r>
-            <a:r>
-              <a:rPr lang="pl-PL" dirty="0"/>
-              <a:t> and </a:t>
-            </a:r>
-            <a:r>
-              <a:rPr lang="pl-PL" dirty="0" err="1"/>
-              <a:t>it</a:t>
-            </a:r>
-            <a:r>
-              <a:rPr lang="pl-PL" dirty="0"/>
-              <a:t> was </a:t>
-            </a:r>
-            <a:r>
-              <a:rPr lang="pl-PL" dirty="0" err="1"/>
-              <a:t>added</a:t>
-            </a:r>
-            <a:r>
-              <a:rPr lang="pl-PL" dirty="0"/>
-              <a:t> </a:t>
-            </a:r>
-            <a:r>
-              <a:rPr lang="pl-PL" dirty="0" err="1"/>
-              <a:t>only</a:t>
-            </a:r>
-            <a:r>
-              <a:rPr lang="pl-PL" dirty="0"/>
-              <a:t> to </a:t>
-            </a:r>
-            <a:r>
-              <a:rPr lang="pl-PL" dirty="0" err="1"/>
-              <a:t>generate</a:t>
-            </a:r>
-            <a:r>
-              <a:rPr lang="pl-PL" dirty="0"/>
-              <a:t> extra </a:t>
-            </a:r>
-            <a:r>
-              <a:rPr lang="pl-PL" dirty="0" err="1"/>
-              <a:t>traffic</a:t>
-            </a:r>
-            <a:r>
-              <a:rPr lang="pl-PL" dirty="0"/>
-              <a:t> to </a:t>
-            </a:r>
-            <a:r>
-              <a:rPr lang="pl-PL" dirty="0" err="1"/>
-              <a:t>external</a:t>
-            </a:r>
-            <a:r>
-              <a:rPr lang="pl-PL" dirty="0"/>
-              <a:t> </a:t>
-            </a:r>
-            <a:r>
-              <a:rPr lang="pl-PL" dirty="0" err="1"/>
-              <a:t>dependency</a:t>
-            </a:r>
-            <a:r>
-              <a:rPr lang="pl-PL" dirty="0"/>
-              <a:t>.</a:t>
-            </a:r>
           </a:p>
         </p:txBody>
       </p:sp>
@@ -11122,7 +10867,7 @@
           <p:cNvPr id="4" name="Prostokąt 3">
             <a:extLst>
               <a:ext uri="{FF2B5EF4-FFF2-40B4-BE49-F238E27FC236}">
-                <a16:creationId xmlns:a16="http://schemas.microsoft.com/office/drawing/2014/main" id="{233317D2-0C2A-4AD5-B101-D7B84AB5EB43}"/>
+                <a16:creationId xmlns:a16="http://schemas.microsoft.com/office/drawing/2014/main" id="{74D1CAFC-BC0B-45A3-B1F9-0368DD74D688}"/>
               </a:ext>
             </a:extLst>
           </p:cNvPr>
@@ -11168,256 +10913,6 @@
           </a:p>
         </p:txBody>
       </p:sp>
-    </p:spTree>
-    <p:extLst>
-      <p:ext uri="{BB962C8B-B14F-4D97-AF65-F5344CB8AC3E}">
-        <p14:creationId xmlns:p14="http://schemas.microsoft.com/office/powerpoint/2010/main" val="1266029004"/>
-      </p:ext>
-    </p:extLst>
-  </p:cSld>
-  <p:clrMapOvr>
-    <a:masterClrMapping/>
-  </p:clrMapOvr>
-</p:sld>
-</file>
-
-<file path=ppt/slides/slide23.xml><?xml version="1.0" encoding="utf-8"?>
-<p:sld xmlns:a="http://schemas.openxmlformats.org/drawingml/2006/main" xmlns:r="http://schemas.openxmlformats.org/officeDocument/2006/relationships" xmlns:p="http://schemas.openxmlformats.org/presentationml/2006/main">
-  <p:cSld>
-    <p:spTree>
-      <p:nvGrpSpPr>
-        <p:cNvPr id="1" name=""/>
-        <p:cNvGrpSpPr/>
-        <p:nvPr/>
-      </p:nvGrpSpPr>
-      <p:grpSpPr>
-        <a:xfrm>
-          <a:off x="0" y="0"/>
-          <a:ext cx="0" cy="0"/>
-          <a:chOff x="0" y="0"/>
-          <a:chExt cx="0" cy="0"/>
-        </a:xfrm>
-      </p:grpSpPr>
-      <p:pic>
-        <p:nvPicPr>
-          <p:cNvPr id="2050" name="Picture 2" descr="quote-talk-is-cheap-show-me-the-code-linus-torvalds-45-66-13 ...">
-            <a:extLst>
-              <a:ext uri="{FF2B5EF4-FFF2-40B4-BE49-F238E27FC236}">
-                <a16:creationId xmlns:a16="http://schemas.microsoft.com/office/drawing/2014/main" id="{482BC03B-C30A-4125-9FA6-230B5682511F}"/>
-              </a:ext>
-            </a:extLst>
-          </p:cNvPr>
-          <p:cNvPicPr>
-            <a:picLocks noChangeAspect="1" noChangeArrowheads="1"/>
-          </p:cNvPicPr>
-          <p:nvPr/>
-        </p:nvPicPr>
-        <p:blipFill>
-          <a:blip r:embed="rId2">
-            <a:extLst>
-              <a:ext uri="{28A0092B-C50C-407E-A947-70E740481C1C}">
-                <a14:useLocalDpi xmlns:a14="http://schemas.microsoft.com/office/drawing/2010/main" val="0"/>
-              </a:ext>
-            </a:extLst>
-          </a:blip>
-          <a:srcRect/>
-          <a:stretch>
-            <a:fillRect/>
-          </a:stretch>
-        </p:blipFill>
-        <p:spPr bwMode="auto">
-          <a:xfrm>
-            <a:off x="-292645" y="618520"/>
-            <a:ext cx="13045248" cy="5451275"/>
-          </a:xfrm>
-          <a:prstGeom prst="rect">
-            <a:avLst/>
-          </a:prstGeom>
-          <a:noFill/>
-          <a:extLst>
-            <a:ext uri="{909E8E84-426E-40DD-AFC4-6F175D3DCCD1}">
-              <a14:hiddenFill xmlns:a14="http://schemas.microsoft.com/office/drawing/2010/main">
-                <a:solidFill>
-                  <a:srgbClr val="FFFFFF"/>
-                </a:solidFill>
-              </a14:hiddenFill>
-            </a:ext>
-          </a:extLst>
-        </p:spPr>
-      </p:pic>
-      <p:sp>
-        <p:nvSpPr>
-          <p:cNvPr id="3" name="Prostokąt 2">
-            <a:extLst>
-              <a:ext uri="{FF2B5EF4-FFF2-40B4-BE49-F238E27FC236}">
-                <a16:creationId xmlns:a16="http://schemas.microsoft.com/office/drawing/2014/main" id="{1FB528ED-4C38-45BE-8D3C-417BECF00CAF}"/>
-              </a:ext>
-            </a:extLst>
-          </p:cNvPr>
-          <p:cNvSpPr/>
-          <p:nvPr/>
-        </p:nvSpPr>
-        <p:spPr>
-          <a:xfrm>
-            <a:off x="10531138" y="6466361"/>
-            <a:ext cx="1558825" cy="369332"/>
-          </a:xfrm>
-          <a:prstGeom prst="rect">
-            <a:avLst/>
-          </a:prstGeom>
-        </p:spPr>
-        <p:txBody>
-          <a:bodyPr wrap="none">
-            <a:spAutoFit/>
-          </a:bodyPr>
-          <a:lstStyle/>
-          <a:p>
-            <a:r>
-              <a:rPr lang="pl-PL" dirty="0">
-                <a:solidFill>
-                  <a:schemeClr val="bg1"/>
-                </a:solidFill>
-              </a:rPr>
-              <a:t>@</a:t>
-            </a:r>
-            <a:r>
-              <a:rPr lang="pl-PL" dirty="0" err="1">
-                <a:solidFill>
-                  <a:schemeClr val="bg1"/>
-                </a:solidFill>
-              </a:rPr>
-              <a:t>lukaszpyrzyk</a:t>
-            </a:r>
-            <a:endParaRPr lang="en-GB" dirty="0">
-              <a:solidFill>
-                <a:schemeClr val="bg1"/>
-              </a:solidFill>
-            </a:endParaRPr>
-          </a:p>
-        </p:txBody>
-      </p:sp>
-    </p:spTree>
-    <p:extLst>
-      <p:ext uri="{BB962C8B-B14F-4D97-AF65-F5344CB8AC3E}">
-        <p14:creationId xmlns:p14="http://schemas.microsoft.com/office/powerpoint/2010/main" val="1346667413"/>
-      </p:ext>
-    </p:extLst>
-  </p:cSld>
-  <p:clrMapOvr>
-    <a:masterClrMapping/>
-  </p:clrMapOvr>
-</p:sld>
-</file>
-
-<file path=ppt/slides/slide24.xml><?xml version="1.0" encoding="utf-8"?>
-<p:sld xmlns:a="http://schemas.openxmlformats.org/drawingml/2006/main" xmlns:r="http://schemas.openxmlformats.org/officeDocument/2006/relationships" xmlns:p="http://schemas.openxmlformats.org/presentationml/2006/main">
-  <p:cSld>
-    <p:spTree>
-      <p:nvGrpSpPr>
-        <p:cNvPr id="1" name=""/>
-        <p:cNvGrpSpPr/>
-        <p:nvPr/>
-      </p:nvGrpSpPr>
-      <p:grpSpPr>
-        <a:xfrm>
-          <a:off x="0" y="0"/>
-          <a:ext cx="0" cy="0"/>
-          <a:chOff x="0" y="0"/>
-          <a:chExt cx="0" cy="0"/>
-        </a:xfrm>
-      </p:grpSpPr>
-      <p:sp>
-        <p:nvSpPr>
-          <p:cNvPr id="2" name="Tytuł 1">
-            <a:extLst>
-              <a:ext uri="{FF2B5EF4-FFF2-40B4-BE49-F238E27FC236}">
-                <a16:creationId xmlns:a16="http://schemas.microsoft.com/office/drawing/2014/main" id="{E3EC04E6-8277-497C-ADF6-74DFD1B89840}"/>
-              </a:ext>
-            </a:extLst>
-          </p:cNvPr>
-          <p:cNvSpPr>
-            <a:spLocks noGrp="1"/>
-          </p:cNvSpPr>
-          <p:nvPr>
-            <p:ph type="title"/>
-          </p:nvPr>
-        </p:nvSpPr>
-        <p:spPr/>
-        <p:txBody>
-          <a:bodyPr/>
-          <a:lstStyle/>
-          <a:p>
-            <a:r>
-              <a:rPr lang="pl-PL" dirty="0" err="1"/>
-              <a:t>Ready</a:t>
-            </a:r>
-            <a:r>
-              <a:rPr lang="pl-PL" dirty="0"/>
-              <a:t> for </a:t>
-            </a:r>
-            <a:r>
-              <a:rPr lang="pl-PL" dirty="0" err="1"/>
-              <a:t>prod</a:t>
-            </a:r>
-            <a:r>
-              <a:rPr lang="pl-PL" dirty="0"/>
-              <a:t>?</a:t>
-            </a:r>
-            <a:endParaRPr lang="en-GB" dirty="0"/>
-          </a:p>
-        </p:txBody>
-      </p:sp>
-      <p:sp>
-        <p:nvSpPr>
-          <p:cNvPr id="4" name="Prostokąt 3">
-            <a:extLst>
-              <a:ext uri="{FF2B5EF4-FFF2-40B4-BE49-F238E27FC236}">
-                <a16:creationId xmlns:a16="http://schemas.microsoft.com/office/drawing/2014/main" id="{74D1CAFC-BC0B-45A3-B1F9-0368DD74D688}"/>
-              </a:ext>
-            </a:extLst>
-          </p:cNvPr>
-          <p:cNvSpPr/>
-          <p:nvPr/>
-        </p:nvSpPr>
-        <p:spPr>
-          <a:xfrm>
-            <a:off x="10531138" y="6466361"/>
-            <a:ext cx="1558825" cy="369332"/>
-          </a:xfrm>
-          <a:prstGeom prst="rect">
-            <a:avLst/>
-          </a:prstGeom>
-        </p:spPr>
-        <p:txBody>
-          <a:bodyPr wrap="none">
-            <a:spAutoFit/>
-          </a:bodyPr>
-          <a:lstStyle/>
-          <a:p>
-            <a:r>
-              <a:rPr lang="pl-PL" dirty="0">
-                <a:solidFill>
-                  <a:schemeClr val="bg1"/>
-                </a:solidFill>
-              </a:rPr>
-              <a:t>@</a:t>
-            </a:r>
-            <a:r>
-              <a:rPr lang="pl-PL" dirty="0" err="1">
-                <a:solidFill>
-                  <a:schemeClr val="bg1"/>
-                </a:solidFill>
-              </a:rPr>
-              <a:t>lukaszpyrzyk</a:t>
-            </a:r>
-            <a:endParaRPr lang="en-GB" dirty="0">
-              <a:solidFill>
-                <a:schemeClr val="bg1"/>
-              </a:solidFill>
-            </a:endParaRPr>
-          </a:p>
-        </p:txBody>
-      </p:sp>
       <p:sp>
         <p:nvSpPr>
           <p:cNvPr id="7" name="Symbol zastępczy zawartości 6">
@@ -12934,7 +12429,7 @@
 </p:sld>
 </file>
 
-<file path=ppt/slides/slide25.xml><?xml version="1.0" encoding="utf-8"?>
+<file path=ppt/slides/slide23.xml><?xml version="1.0" encoding="utf-8"?>
 <p:sld xmlns:a="http://schemas.openxmlformats.org/drawingml/2006/main" xmlns:r="http://schemas.openxmlformats.org/officeDocument/2006/relationships" xmlns:p="http://schemas.openxmlformats.org/presentationml/2006/main">
   <p:cSld>
     <p:spTree>
